--- a/Master's meetings presentation.pptx
+++ b/Master's meetings presentation.pptx
@@ -5,8 +5,17 @@
     <p:sldMasterId id="2147483648" r:id="rId1"/>
   </p:sldMasterIdLst>
   <p:sldIdLst>
-    <p:sldId id="256" r:id="rId2"/>
-    <p:sldId id="257" r:id="rId3"/>
+    <p:sldId id="258" r:id="rId2"/>
+    <p:sldId id="266" r:id="rId3"/>
+    <p:sldId id="259" r:id="rId4"/>
+    <p:sldId id="257" r:id="rId5"/>
+    <p:sldId id="261" r:id="rId6"/>
+    <p:sldId id="260" r:id="rId7"/>
+    <p:sldId id="262" r:id="rId8"/>
+    <p:sldId id="263" r:id="rId9"/>
+    <p:sldId id="264" r:id="rId10"/>
+    <p:sldId id="265" r:id="rId11"/>
+    <p:sldId id="267" r:id="rId12"/>
   </p:sldIdLst>
   <p:sldSz cx="12192000" cy="6858000"/>
   <p:notesSz cx="6858000" cy="9144000"/>
@@ -105,7 +114,64 @@
       </a:defRPr>
     </a:lvl9pPr>
   </p:defaultTextStyle>
+  <p:extLst>
+    <p:ext uri="{EFAFB233-063F-42B5-8137-9DF3F51BA10A}">
+      <p15:sldGuideLst xmlns:p15="http://schemas.microsoft.com/office/powerpoint/2012/main"/>
+    </p:ext>
+  </p:extLst>
 </p:presentation>
+</file>
+
+<file path=ppt/changesInfos/changesInfo1.xml><?xml version="1.0" encoding="utf-8"?>
+<pc:chgInfo xmlns:a="http://schemas.openxmlformats.org/drawingml/2006/main" xmlns:r="http://schemas.openxmlformats.org/officeDocument/2006/relationships" xmlns:ac="http://schemas.microsoft.com/office/drawing/2013/main/command" xmlns:pc="http://schemas.microsoft.com/office/powerpoint/2013/main/command">
+  <pc:docChgLst>
+    <pc:chgData name="emilios christou" userId="24346211dd9f44dd" providerId="LiveId" clId="{99393E6A-E5DA-4161-AF94-5EF99894ADD1}"/>
+    <pc:docChg chg="undo custSel addSld modSld sldOrd">
+      <pc:chgData name="emilios christou" userId="24346211dd9f44dd" providerId="LiveId" clId="{99393E6A-E5DA-4161-AF94-5EF99894ADD1}" dt="2020-11-04T14:44:26.824" v="151" actId="5793"/>
+      <pc:docMkLst>
+        <pc:docMk/>
+      </pc:docMkLst>
+      <pc:sldChg chg="modSp new mod ord">
+        <pc:chgData name="emilios christou" userId="24346211dd9f44dd" providerId="LiveId" clId="{99393E6A-E5DA-4161-AF94-5EF99894ADD1}" dt="2020-11-04T14:44:26.824" v="151" actId="5793"/>
+        <pc:sldMkLst>
+          <pc:docMk/>
+          <pc:sldMk cId="4092302029" sldId="266"/>
+        </pc:sldMkLst>
+        <pc:spChg chg="mod">
+          <ac:chgData name="emilios christou" userId="24346211dd9f44dd" providerId="LiveId" clId="{99393E6A-E5DA-4161-AF94-5EF99894ADD1}" dt="2020-11-04T14:02:20.623" v="22" actId="20577"/>
+          <ac:spMkLst>
+            <pc:docMk/>
+            <pc:sldMk cId="4092302029" sldId="266"/>
+            <ac:spMk id="2" creationId="{8A385D4B-A36E-4A51-AA58-00CBA04506EC}"/>
+          </ac:spMkLst>
+        </pc:spChg>
+        <pc:spChg chg="mod">
+          <ac:chgData name="emilios christou" userId="24346211dd9f44dd" providerId="LiveId" clId="{99393E6A-E5DA-4161-AF94-5EF99894ADD1}" dt="2020-11-04T14:44:26.824" v="151" actId="5793"/>
+          <ac:spMkLst>
+            <pc:docMk/>
+            <pc:sldMk cId="4092302029" sldId="266"/>
+            <ac:spMk id="3" creationId="{497C39CC-9C80-432D-A95E-C175D03EAD23}"/>
+          </ac:spMkLst>
+        </pc:spChg>
+      </pc:sldChg>
+      <pc:sldChg chg="modSp new mod">
+        <pc:chgData name="emilios christou" userId="24346211dd9f44dd" providerId="LiveId" clId="{99393E6A-E5DA-4161-AF94-5EF99894ADD1}" dt="2020-11-04T14:33:07.257" v="145" actId="20577"/>
+        <pc:sldMkLst>
+          <pc:docMk/>
+          <pc:sldMk cId="675081134" sldId="267"/>
+        </pc:sldMkLst>
+        <pc:spChg chg="mod">
+          <ac:chgData name="emilios christou" userId="24346211dd9f44dd" providerId="LiveId" clId="{99393E6A-E5DA-4161-AF94-5EF99894ADD1}" dt="2020-11-04T14:33:07.257" v="145" actId="20577"/>
+          <ac:spMkLst>
+            <pc:docMk/>
+            <pc:sldMk cId="675081134" sldId="267"/>
+            <ac:spMk id="2" creationId="{52FFD31E-BC13-44E7-8C55-59A8BC430DDB}"/>
+          </ac:spMkLst>
+        </pc:spChg>
+      </pc:sldChg>
+    </pc:docChg>
+  </pc:docChgLst>
+</pc:chgInfo>
 </file>
 
 <file path=ppt/slideLayouts/slideLayout1.xml><?xml version="1.0" encoding="utf-8"?>
@@ -255,7 +321,7 @@
           <a:p>
             <a:fld id="{1D6AAEF1-BB65-438A-947A-6BD8EC392D5A}" type="datetimeFigureOut">
               <a:rPr lang="en-US" smtClean="0"/>
-              <a:t>10/21/2020</a:t>
+              <a:t>11/4/2020</a:t>
             </a:fld>
             <a:endParaRPr lang="en-US"/>
           </a:p>
@@ -453,7 +519,7 @@
           <a:p>
             <a:fld id="{1D6AAEF1-BB65-438A-947A-6BD8EC392D5A}" type="datetimeFigureOut">
               <a:rPr lang="en-US" smtClean="0"/>
-              <a:t>10/21/2020</a:t>
+              <a:t>11/4/2020</a:t>
             </a:fld>
             <a:endParaRPr lang="en-US"/>
           </a:p>
@@ -661,7 +727,7 @@
           <a:p>
             <a:fld id="{1D6AAEF1-BB65-438A-947A-6BD8EC392D5A}" type="datetimeFigureOut">
               <a:rPr lang="en-US" smtClean="0"/>
-              <a:t>10/21/2020</a:t>
+              <a:t>11/4/2020</a:t>
             </a:fld>
             <a:endParaRPr lang="en-US"/>
           </a:p>
@@ -859,7 +925,7 @@
           <a:p>
             <a:fld id="{1D6AAEF1-BB65-438A-947A-6BD8EC392D5A}" type="datetimeFigureOut">
               <a:rPr lang="en-US" smtClean="0"/>
-              <a:t>10/21/2020</a:t>
+              <a:t>11/4/2020</a:t>
             </a:fld>
             <a:endParaRPr lang="en-US"/>
           </a:p>
@@ -1134,7 +1200,7 @@
           <a:p>
             <a:fld id="{1D6AAEF1-BB65-438A-947A-6BD8EC392D5A}" type="datetimeFigureOut">
               <a:rPr lang="en-US" smtClean="0"/>
-              <a:t>10/21/2020</a:t>
+              <a:t>11/4/2020</a:t>
             </a:fld>
             <a:endParaRPr lang="en-US"/>
           </a:p>
@@ -1399,7 +1465,7 @@
           <a:p>
             <a:fld id="{1D6AAEF1-BB65-438A-947A-6BD8EC392D5A}" type="datetimeFigureOut">
               <a:rPr lang="en-US" smtClean="0"/>
-              <a:t>10/21/2020</a:t>
+              <a:t>11/4/2020</a:t>
             </a:fld>
             <a:endParaRPr lang="en-US"/>
           </a:p>
@@ -1811,7 +1877,7 @@
           <a:p>
             <a:fld id="{1D6AAEF1-BB65-438A-947A-6BD8EC392D5A}" type="datetimeFigureOut">
               <a:rPr lang="en-US" smtClean="0"/>
-              <a:t>10/21/2020</a:t>
+              <a:t>11/4/2020</a:t>
             </a:fld>
             <a:endParaRPr lang="en-US"/>
           </a:p>
@@ -1952,7 +2018,7 @@
           <a:p>
             <a:fld id="{1D6AAEF1-BB65-438A-947A-6BD8EC392D5A}" type="datetimeFigureOut">
               <a:rPr lang="en-US" smtClean="0"/>
-              <a:t>10/21/2020</a:t>
+              <a:t>11/4/2020</a:t>
             </a:fld>
             <a:endParaRPr lang="en-US"/>
           </a:p>
@@ -2065,7 +2131,7 @@
           <a:p>
             <a:fld id="{1D6AAEF1-BB65-438A-947A-6BD8EC392D5A}" type="datetimeFigureOut">
               <a:rPr lang="en-US" smtClean="0"/>
-              <a:t>10/21/2020</a:t>
+              <a:t>11/4/2020</a:t>
             </a:fld>
             <a:endParaRPr lang="en-US"/>
           </a:p>
@@ -2376,7 +2442,7 @@
           <a:p>
             <a:fld id="{1D6AAEF1-BB65-438A-947A-6BD8EC392D5A}" type="datetimeFigureOut">
               <a:rPr lang="en-US" smtClean="0"/>
-              <a:t>10/21/2020</a:t>
+              <a:t>11/4/2020</a:t>
             </a:fld>
             <a:endParaRPr lang="en-US"/>
           </a:p>
@@ -2664,7 +2730,7 @@
           <a:p>
             <a:fld id="{1D6AAEF1-BB65-438A-947A-6BD8EC392D5A}" type="datetimeFigureOut">
               <a:rPr lang="en-US" smtClean="0"/>
-              <a:t>10/21/2020</a:t>
+              <a:t>11/4/2020</a:t>
             </a:fld>
             <a:endParaRPr lang="en-US"/>
           </a:p>
@@ -2905,7 +2971,7 @@
           <a:p>
             <a:fld id="{1D6AAEF1-BB65-438A-947A-6BD8EC392D5A}" type="datetimeFigureOut">
               <a:rPr lang="en-US" smtClean="0"/>
-              <a:t>10/21/2020</a:t>
+              <a:t>11/4/2020</a:t>
             </a:fld>
             <a:endParaRPr lang="en-US"/>
           </a:p>
@@ -3308,14 +3374,6 @@
 <file path=ppt/slides/slide1.xml><?xml version="1.0" encoding="utf-8"?>
 <p:sld xmlns:a="http://schemas.openxmlformats.org/drawingml/2006/main" xmlns:r="http://schemas.openxmlformats.org/officeDocument/2006/relationships" xmlns:p="http://schemas.openxmlformats.org/presentationml/2006/main">
   <p:cSld>
-    <p:bg>
-      <p:bgPr>
-        <a:solidFill>
-          <a:schemeClr val="bg1"/>
-        </a:solidFill>
-        <a:effectLst/>
-      </p:bgPr>
-    </p:bg>
     <p:spTree>
       <p:nvGrpSpPr>
         <p:cNvPr id="1" name=""/>
@@ -3332,269 +3390,346 @@
       </p:grpSpPr>
       <p:sp>
         <p:nvSpPr>
-          <p:cNvPr id="12" name="Rectangle 11">
-            <a:extLst>
-              <a:ext uri="{FF2B5EF4-FFF2-40B4-BE49-F238E27FC236}">
-                <a16:creationId xmlns:a16="http://schemas.microsoft.com/office/drawing/2014/main" id="{A9F529C3-C941-49FD-8C67-82F134F64BDB}"/>
-              </a:ext>
-              <a:ext uri="{C183D7F6-B498-43B3-948B-1728B52AA6E4}">
-                <adec:decorative xmlns:adec="http://schemas.microsoft.com/office/drawing/2017/decorative" val="1"/>
-              </a:ext>
-            </a:extLst>
-          </p:cNvPr>
-          <p:cNvSpPr>
-            <a:spLocks noGrp="1" noRot="1" noChangeAspect="1" noMove="1" noResize="1" noEditPoints="1" noAdjustHandles="1" noChangeArrowheads="1" noChangeShapeType="1" noTextEdit="1"/>
-          </p:cNvSpPr>
-          <p:nvPr>
-            <p:extLst>
-              <p:ext uri="{386F3935-93C4-4BCD-93E2-E3B085C9AB24}">
-                <p16:designElem xmlns:p16="http://schemas.microsoft.com/office/powerpoint/2015/main" val="1"/>
-              </p:ext>
-            </p:extLst>
+          <p:cNvPr id="2" name="Title 1">
+            <a:extLst>
+              <a:ext uri="{FF2B5EF4-FFF2-40B4-BE49-F238E27FC236}">
+                <a16:creationId xmlns:a16="http://schemas.microsoft.com/office/drawing/2014/main" id="{BF7310FF-EB68-45AD-B83B-BC53226A4E1F}"/>
+              </a:ext>
+            </a:extLst>
+          </p:cNvPr>
+          <p:cNvSpPr>
+            <a:spLocks noGrp="1"/>
+          </p:cNvSpPr>
+          <p:nvPr>
+            <p:ph type="ctrTitle"/>
           </p:nvPr>
         </p:nvSpPr>
         <p:spPr>
           <a:xfrm>
-            <a:off x="0" y="0"/>
-            <a:ext cx="12192000" cy="6858000"/>
+            <a:off x="307911" y="1750232"/>
+            <a:ext cx="11884089" cy="2387600"/>
           </a:xfrm>
-          <a:prstGeom prst="rect">
-            <a:avLst/>
-          </a:prstGeom>
-          <a:solidFill>
-            <a:schemeClr val="tx1">
-              <a:lumMod val="50000"/>
-              <a:lumOff val="50000"/>
-              <a:alpha val="30000"/>
-            </a:schemeClr>
-          </a:solidFill>
-          <a:ln>
-            <a:noFill/>
-          </a:ln>
         </p:spPr>
-        <p:style>
-          <a:lnRef idx="2">
-            <a:schemeClr val="accent1">
-              <a:shade val="50000"/>
-            </a:schemeClr>
-          </a:lnRef>
-          <a:fillRef idx="1">
-            <a:schemeClr val="accent1"/>
-          </a:fillRef>
-          <a:effectRef idx="0">
-            <a:schemeClr val="accent1"/>
-          </a:effectRef>
-          <a:fontRef idx="minor">
-            <a:schemeClr val="lt1"/>
-          </a:fontRef>
-        </p:style>
-        <p:txBody>
-          <a:bodyPr rtlCol="0" anchor="ctr"/>
-          <a:lstStyle/>
-          <a:p>
-            <a:pPr algn="ctr"/>
-            <a:endParaRPr lang="en-US"/>
-          </a:p>
-        </p:txBody>
-      </p:sp>
-      <p:sp>
-        <p:nvSpPr>
-          <p:cNvPr id="14" name="Rectangle 13">
-            <a:extLst>
-              <a:ext uri="{FF2B5EF4-FFF2-40B4-BE49-F238E27FC236}">
-                <a16:creationId xmlns:a16="http://schemas.microsoft.com/office/drawing/2014/main" id="{20586029-32A0-47E5-9AEC-AE3ABA6B94D0}"/>
-              </a:ext>
-              <a:ext uri="{C183D7F6-B498-43B3-948B-1728B52AA6E4}">
-                <adec:decorative xmlns:adec="http://schemas.microsoft.com/office/drawing/2017/decorative" val="1"/>
-              </a:ext>
-            </a:extLst>
-          </p:cNvPr>
-          <p:cNvSpPr>
-            <a:spLocks noGrp="1" noRot="1" noChangeAspect="1" noMove="1" noResize="1" noEditPoints="1" noAdjustHandles="1" noChangeArrowheads="1" noChangeShapeType="1" noTextEdit="1"/>
-          </p:cNvSpPr>
-          <p:nvPr>
-            <p:extLst>
-              <p:ext uri="{386F3935-93C4-4BCD-93E2-E3B085C9AB24}">
-                <p16:designElem xmlns:p16="http://schemas.microsoft.com/office/powerpoint/2015/main" val="1"/>
-              </p:ext>
-            </p:extLst>
+        <p:txBody>
+          <a:bodyPr>
+            <a:normAutofit/>
+          </a:bodyPr>
+          <a:lstStyle/>
+          <a:p>
+            <a:r>
+              <a:rPr lang="en-US" dirty="0">
+                <a:latin typeface="Arial Nova Light" panose="020B0304020202020204" pitchFamily="34" charset="0"/>
+              </a:rPr>
+              <a:t>Investigation of High-Capacity </a:t>
+            </a:r>
+            <a:br>
+              <a:rPr lang="en-US" dirty="0">
+                <a:latin typeface="Arial Nova Light" panose="020B0304020202020204" pitchFamily="34" charset="0"/>
+              </a:rPr>
+            </a:br>
+            <a:r>
+              <a:rPr lang="en-US" dirty="0">
+                <a:latin typeface="Arial Nova Light" panose="020B0304020202020204" pitchFamily="34" charset="0"/>
+              </a:rPr>
+              <a:t>Digital Coherent Transceivers</a:t>
+            </a:r>
+          </a:p>
+        </p:txBody>
+      </p:sp>
+      <p:sp>
+        <p:nvSpPr>
+          <p:cNvPr id="3" name="Subtitle 2">
+            <a:extLst>
+              <a:ext uri="{FF2B5EF4-FFF2-40B4-BE49-F238E27FC236}">
+                <a16:creationId xmlns:a16="http://schemas.microsoft.com/office/drawing/2014/main" id="{F067F199-2D55-49B6-9E6B-9648123AF556}"/>
+              </a:ext>
+            </a:extLst>
+          </p:cNvPr>
+          <p:cNvSpPr>
+            <a:spLocks noGrp="1"/>
+          </p:cNvSpPr>
+          <p:nvPr>
+            <p:ph type="subTitle" idx="1"/>
           </p:nvPr>
         </p:nvSpPr>
         <p:spPr>
           <a:xfrm>
-            <a:off x="477012" y="480060"/>
-            <a:ext cx="11237976" cy="5897880"/>
+            <a:off x="1524000" y="5589459"/>
+            <a:ext cx="9144000" cy="1655762"/>
           </a:xfrm>
-          <a:prstGeom prst="rect">
-            <a:avLst/>
-          </a:prstGeom>
-          <a:solidFill>
-            <a:srgbClr val="FFFFFF"/>
-          </a:solidFill>
-          <a:ln w="9525">
-            <a:noFill/>
-          </a:ln>
-          <a:effectLst>
-            <a:outerShdw blurRad="63500" dist="17780" dir="5400000" algn="t" rotWithShape="0">
-              <a:prstClr val="black">
-                <a:alpha val="43000"/>
-              </a:prstClr>
-            </a:outerShdw>
-          </a:effectLst>
         </p:spPr>
-        <p:style>
-          <a:lnRef idx="2">
-            <a:schemeClr val="accent1">
-              <a:shade val="50000"/>
-            </a:schemeClr>
-          </a:lnRef>
-          <a:fillRef idx="1">
-            <a:schemeClr val="accent1"/>
-          </a:fillRef>
-          <a:effectRef idx="0">
-            <a:schemeClr val="accent1"/>
-          </a:effectRef>
-          <a:fontRef idx="minor">
-            <a:schemeClr val="lt1"/>
-          </a:fontRef>
-        </p:style>
-        <p:txBody>
-          <a:bodyPr rtlCol="0" anchor="ctr"/>
-          <a:lstStyle/>
-          <a:p>
-            <a:pPr algn="ctr"/>
-            <a:endParaRPr lang="en-US"/>
-          </a:p>
-        </p:txBody>
-      </p:sp>
-      <p:pic>
-        <p:nvPicPr>
-          <p:cNvPr id="5" name="Picture 4" descr="Shape, circle&#10;&#10;Description automatically generated">
-            <a:extLst>
-              <a:ext uri="{FF2B5EF4-FFF2-40B4-BE49-F238E27FC236}">
-                <a16:creationId xmlns:a16="http://schemas.microsoft.com/office/drawing/2014/main" id="{A3245584-1308-4E65-83A5-3EC227523612}"/>
-              </a:ext>
-            </a:extLst>
-          </p:cNvPr>
-          <p:cNvPicPr>
-            <a:picLocks noChangeAspect="1"/>
-          </p:cNvPicPr>
-          <p:nvPr/>
-        </p:nvPicPr>
-        <p:blipFill>
-          <a:blip r:embed="rId2">
-            <a:extLst>
-              <a:ext uri="{28A0092B-C50C-407E-A947-70E740481C1C}">
-                <a14:useLocalDpi xmlns:a14="http://schemas.microsoft.com/office/drawing/2010/main" val="0"/>
-              </a:ext>
-            </a:extLst>
-          </a:blip>
-          <a:stretch>
-            <a:fillRect/>
-          </a:stretch>
-        </p:blipFill>
-        <p:spPr>
-          <a:xfrm>
-            <a:off x="643467" y="1443480"/>
-            <a:ext cx="5294716" cy="3971037"/>
-          </a:xfrm>
-          <a:prstGeom prst="rect">
-            <a:avLst/>
-          </a:prstGeom>
-        </p:spPr>
-      </p:pic>
+        <p:txBody>
+          <a:bodyPr>
+            <a:normAutofit/>
+          </a:bodyPr>
+          <a:lstStyle/>
+          <a:p>
+            <a:r>
+              <a:rPr lang="en-US" sz="2800" dirty="0">
+                <a:latin typeface="Arial Nova Light" panose="020B0304020202020204" pitchFamily="34" charset="0"/>
+              </a:rPr>
+              <a:t>Aimilios Christou, G&amp;C College, ac2146</a:t>
+            </a:r>
+          </a:p>
+        </p:txBody>
+      </p:sp>
       <p:cxnSp>
         <p:nvCxnSpPr>
-          <p:cNvPr id="16" name="Straight Connector 15">
-            <a:extLst>
-              <a:ext uri="{FF2B5EF4-FFF2-40B4-BE49-F238E27FC236}">
-                <a16:creationId xmlns:a16="http://schemas.microsoft.com/office/drawing/2014/main" id="{8C730EAB-A532-4295-A302-FB4B90DB9F5E}"/>
-              </a:ext>
-              <a:ext uri="{C183D7F6-B498-43B3-948B-1728B52AA6E4}">
-                <adec:decorative xmlns:adec="http://schemas.microsoft.com/office/drawing/2017/decorative" val="1"/>
-              </a:ext>
-            </a:extLst>
-          </p:cNvPr>
-          <p:cNvCxnSpPr>
-            <a:cxnSpLocks noGrp="1" noRot="1" noChangeAspect="1" noMove="1" noResize="1" noEditPoints="1" noAdjustHandles="1" noChangeArrowheads="1" noChangeShapeType="1"/>
-          </p:cNvCxnSpPr>
-          <p:nvPr>
-            <p:extLst>
-              <p:ext uri="{386F3935-93C4-4BCD-93E2-E3B085C9AB24}">
-                <p16:designElem xmlns:p16="http://schemas.microsoft.com/office/powerpoint/2015/main" val="1"/>
-              </p:ext>
-            </p:extLst>
-          </p:nvPr>
+          <p:cNvPr id="7" name="Straight Connector 6">
+            <a:extLst>
+              <a:ext uri="{FF2B5EF4-FFF2-40B4-BE49-F238E27FC236}">
+                <a16:creationId xmlns:a16="http://schemas.microsoft.com/office/drawing/2014/main" id="{6B3A8D85-693E-4859-96CA-02E873BA5C13}"/>
+              </a:ext>
+            </a:extLst>
+          </p:cNvPr>
+          <p:cNvCxnSpPr/>
+          <p:nvPr/>
         </p:nvCxnSpPr>
         <p:spPr>
           <a:xfrm>
-            <a:off x="6079958" y="1143000"/>
-            <a:ext cx="0" cy="4572000"/>
+            <a:off x="3549445" y="5417574"/>
+            <a:ext cx="4994787" cy="0"/>
           </a:xfrm>
           <a:prstGeom prst="line">
             <a:avLst/>
           </a:prstGeom>
-          <a:ln>
-            <a:solidFill>
-              <a:srgbClr val="4E4E4E"/>
-            </a:solidFill>
-          </a:ln>
+          <a:ln w="38100"/>
         </p:spPr>
         <p:style>
           <a:lnRef idx="1">
-            <a:schemeClr val="accent1"/>
+            <a:schemeClr val="accent2"/>
           </a:lnRef>
           <a:fillRef idx="0">
-            <a:schemeClr val="accent1"/>
+            <a:schemeClr val="accent2"/>
           </a:fillRef>
           <a:effectRef idx="0">
-            <a:schemeClr val="accent1"/>
+            <a:schemeClr val="accent2"/>
           </a:effectRef>
           <a:fontRef idx="minor">
             <a:schemeClr val="tx1"/>
           </a:fontRef>
         </p:style>
       </p:cxnSp>
-      <p:pic>
-        <p:nvPicPr>
-          <p:cNvPr id="7" name="Picture 6" descr="Chart, scatter chart&#10;&#10;Description automatically generated">
-            <a:extLst>
-              <a:ext uri="{FF2B5EF4-FFF2-40B4-BE49-F238E27FC236}">
-                <a16:creationId xmlns:a16="http://schemas.microsoft.com/office/drawing/2014/main" id="{D62503D0-8316-47E5-AE34-FA6D3C21AB22}"/>
-              </a:ext>
-            </a:extLst>
-          </p:cNvPr>
-          <p:cNvPicPr>
-            <a:picLocks noChangeAspect="1"/>
-          </p:cNvPicPr>
-          <p:nvPr/>
-        </p:nvPicPr>
-        <p:blipFill>
-          <a:blip r:embed="rId3">
-            <a:extLst>
-              <a:ext uri="{28A0092B-C50C-407E-A947-70E740481C1C}">
-                <a14:useLocalDpi xmlns:a14="http://schemas.microsoft.com/office/drawing/2010/main" val="0"/>
-              </a:ext>
-            </a:extLst>
-          </a:blip>
-          <a:stretch>
-            <a:fillRect/>
-          </a:stretch>
-        </p:blipFill>
-        <p:spPr>
-          <a:xfrm>
-            <a:off x="6104638" y="1393090"/>
-            <a:ext cx="5429087" cy="4071815"/>
-          </a:xfrm>
-          <a:prstGeom prst="rect">
-            <a:avLst/>
-          </a:prstGeom>
-        </p:spPr>
-      </p:pic>
     </p:spTree>
     <p:extLst>
       <p:ext uri="{BB962C8B-B14F-4D97-AF65-F5344CB8AC3E}">
-        <p14:creationId xmlns:p14="http://schemas.microsoft.com/office/powerpoint/2010/main" val="3985630005"/>
+        <p14:creationId xmlns:p14="http://schemas.microsoft.com/office/powerpoint/2010/main" val="159174094"/>
+      </p:ext>
+    </p:extLst>
+  </p:cSld>
+  <p:clrMapOvr>
+    <a:masterClrMapping/>
+  </p:clrMapOvr>
+</p:sld>
+</file>
+
+<file path=ppt/slides/slide10.xml><?xml version="1.0" encoding="utf-8"?>
+<p:sld xmlns:a="http://schemas.openxmlformats.org/drawingml/2006/main" xmlns:r="http://schemas.openxmlformats.org/officeDocument/2006/relationships" xmlns:p="http://schemas.openxmlformats.org/presentationml/2006/main">
+  <p:cSld>
+    <p:spTree>
+      <p:nvGrpSpPr>
+        <p:cNvPr id="1" name=""/>
+        <p:cNvGrpSpPr/>
+        <p:nvPr/>
+      </p:nvGrpSpPr>
+      <p:grpSpPr>
+        <a:xfrm>
+          <a:off x="0" y="0"/>
+          <a:ext cx="0" cy="0"/>
+          <a:chOff x="0" y="0"/>
+          <a:chExt cx="0" cy="0"/>
+        </a:xfrm>
+      </p:grpSpPr>
+      <p:sp>
+        <p:nvSpPr>
+          <p:cNvPr id="2" name="Title 1">
+            <a:extLst>
+              <a:ext uri="{FF2B5EF4-FFF2-40B4-BE49-F238E27FC236}">
+                <a16:creationId xmlns:a16="http://schemas.microsoft.com/office/drawing/2014/main" id="{AD1405ED-3941-4D1C-8485-C86896B5B362}"/>
+              </a:ext>
+            </a:extLst>
+          </p:cNvPr>
+          <p:cNvSpPr>
+            <a:spLocks noGrp="1"/>
+          </p:cNvSpPr>
+          <p:nvPr>
+            <p:ph type="title"/>
+          </p:nvPr>
+        </p:nvSpPr>
+        <p:spPr/>
+        <p:txBody>
+          <a:bodyPr/>
+          <a:lstStyle/>
+          <a:p>
+            <a:r>
+              <a:rPr lang="en-US" dirty="0">
+                <a:latin typeface="Arial Nova Light" panose="020B0304020202020204" pitchFamily="34" charset="0"/>
+              </a:rPr>
+              <a:t>Future goals</a:t>
+            </a:r>
+          </a:p>
+        </p:txBody>
+      </p:sp>
+      <p:sp>
+        <p:nvSpPr>
+          <p:cNvPr id="3" name="Content Placeholder 2">
+            <a:extLst>
+              <a:ext uri="{FF2B5EF4-FFF2-40B4-BE49-F238E27FC236}">
+                <a16:creationId xmlns:a16="http://schemas.microsoft.com/office/drawing/2014/main" id="{DF115913-C391-409D-A2C5-914051AC17A6}"/>
+              </a:ext>
+            </a:extLst>
+          </p:cNvPr>
+          <p:cNvSpPr>
+            <a:spLocks noGrp="1"/>
+          </p:cNvSpPr>
+          <p:nvPr>
+            <p:ph idx="1"/>
+          </p:nvPr>
+        </p:nvSpPr>
+        <p:spPr/>
+        <p:txBody>
+          <a:bodyPr/>
+          <a:lstStyle/>
+          <a:p>
+            <a:r>
+              <a:rPr lang="en-US" dirty="0">
+                <a:latin typeface="Arial" panose="020B0604020202020204" pitchFamily="34" charset="0"/>
+                <a:cs typeface="Arial" panose="020B0604020202020204" pitchFamily="34" charset="0"/>
+              </a:rPr>
+              <a:t>Continue implementation, iteratively including more components of simulated transceiver models until the industry standard is met</a:t>
+            </a:r>
+          </a:p>
+          <a:p>
+            <a:pPr marL="0" indent="0">
+              <a:buNone/>
+            </a:pPr>
+            <a:endParaRPr lang="en-US" dirty="0">
+              <a:latin typeface="Arial" panose="020B0604020202020204" pitchFamily="34" charset="0"/>
+              <a:cs typeface="Arial" panose="020B0604020202020204" pitchFamily="34" charset="0"/>
+            </a:endParaRPr>
+          </a:p>
+          <a:p>
+            <a:r>
+              <a:rPr lang="en-US" dirty="0">
+                <a:latin typeface="Arial" panose="020B0604020202020204" pitchFamily="34" charset="0"/>
+                <a:cs typeface="Arial" panose="020B0604020202020204" pitchFamily="34" charset="0"/>
+              </a:rPr>
+              <a:t>Work towards using synchronization, equalization and shaping algorithms (probabilistic shaping)</a:t>
+            </a:r>
+          </a:p>
+          <a:p>
+            <a:endParaRPr lang="en-US" dirty="0">
+              <a:latin typeface="Arial" panose="020B0604020202020204" pitchFamily="34" charset="0"/>
+              <a:cs typeface="Arial" panose="020B0604020202020204" pitchFamily="34" charset="0"/>
+            </a:endParaRPr>
+          </a:p>
+          <a:p>
+            <a:r>
+              <a:rPr lang="en-US" dirty="0">
+                <a:latin typeface="Arial" panose="020B0604020202020204" pitchFamily="34" charset="0"/>
+                <a:cs typeface="Arial" panose="020B0604020202020204" pitchFamily="34" charset="0"/>
+              </a:rPr>
+              <a:t>Explore physical constraints limiting the simulation</a:t>
+            </a:r>
+          </a:p>
+          <a:p>
+            <a:pPr marL="0" indent="0">
+              <a:buNone/>
+            </a:pPr>
+            <a:endParaRPr lang="en-US" dirty="0">
+              <a:latin typeface="Arial" panose="020B0604020202020204" pitchFamily="34" charset="0"/>
+              <a:cs typeface="Arial" panose="020B0604020202020204" pitchFamily="34" charset="0"/>
+            </a:endParaRPr>
+          </a:p>
+        </p:txBody>
+      </p:sp>
+    </p:spTree>
+    <p:extLst>
+      <p:ext uri="{BB962C8B-B14F-4D97-AF65-F5344CB8AC3E}">
+        <p14:creationId xmlns:p14="http://schemas.microsoft.com/office/powerpoint/2010/main" val="2645954593"/>
+      </p:ext>
+    </p:extLst>
+  </p:cSld>
+  <p:clrMapOvr>
+    <a:masterClrMapping/>
+  </p:clrMapOvr>
+</p:sld>
+</file>
+
+<file path=ppt/slides/slide11.xml><?xml version="1.0" encoding="utf-8"?>
+<p:sld xmlns:a="http://schemas.openxmlformats.org/drawingml/2006/main" xmlns:r="http://schemas.openxmlformats.org/officeDocument/2006/relationships" xmlns:p="http://schemas.openxmlformats.org/presentationml/2006/main">
+  <p:cSld>
+    <p:spTree>
+      <p:nvGrpSpPr>
+        <p:cNvPr id="1" name=""/>
+        <p:cNvGrpSpPr/>
+        <p:nvPr/>
+      </p:nvGrpSpPr>
+      <p:grpSpPr>
+        <a:xfrm>
+          <a:off x="0" y="0"/>
+          <a:ext cx="0" cy="0"/>
+          <a:chOff x="0" y="0"/>
+          <a:chExt cx="0" cy="0"/>
+        </a:xfrm>
+      </p:grpSpPr>
+      <p:sp>
+        <p:nvSpPr>
+          <p:cNvPr id="2" name="Title 1">
+            <a:extLst>
+              <a:ext uri="{FF2B5EF4-FFF2-40B4-BE49-F238E27FC236}">
+                <a16:creationId xmlns:a16="http://schemas.microsoft.com/office/drawing/2014/main" id="{52FFD31E-BC13-44E7-8C55-59A8BC430DDB}"/>
+              </a:ext>
+            </a:extLst>
+          </p:cNvPr>
+          <p:cNvSpPr>
+            <a:spLocks noGrp="1"/>
+          </p:cNvSpPr>
+          <p:nvPr>
+            <p:ph type="title"/>
+          </p:nvPr>
+        </p:nvSpPr>
+        <p:spPr/>
+        <p:txBody>
+          <a:bodyPr/>
+          <a:lstStyle/>
+          <a:p>
+            <a:r>
+              <a:rPr lang="en-US" dirty="0"/>
+              <a:t>Timeline	</a:t>
+            </a:r>
+          </a:p>
+        </p:txBody>
+      </p:sp>
+      <p:sp>
+        <p:nvSpPr>
+          <p:cNvPr id="3" name="Content Placeholder 2">
+            <a:extLst>
+              <a:ext uri="{FF2B5EF4-FFF2-40B4-BE49-F238E27FC236}">
+                <a16:creationId xmlns:a16="http://schemas.microsoft.com/office/drawing/2014/main" id="{6CD57023-3500-43BA-81DA-A53A0CF285E8}"/>
+              </a:ext>
+            </a:extLst>
+          </p:cNvPr>
+          <p:cNvSpPr>
+            <a:spLocks noGrp="1"/>
+          </p:cNvSpPr>
+          <p:nvPr>
+            <p:ph idx="1"/>
+          </p:nvPr>
+        </p:nvSpPr>
+        <p:spPr/>
+        <p:txBody>
+          <a:bodyPr/>
+          <a:lstStyle/>
+          <a:p>
+            <a:endParaRPr lang="en-US" dirty="0"/>
+          </a:p>
+        </p:txBody>
+      </p:sp>
+    </p:spTree>
+    <p:extLst>
+      <p:ext uri="{BB962C8B-B14F-4D97-AF65-F5344CB8AC3E}">
+        <p14:creationId xmlns:p14="http://schemas.microsoft.com/office/powerpoint/2010/main" val="675081134"/>
       </p:ext>
     </p:extLst>
   </p:cSld>
@@ -3621,12 +3756,289 @@
           <a:chExt cx="0" cy="0"/>
         </a:xfrm>
       </p:grpSpPr>
+      <p:sp>
+        <p:nvSpPr>
+          <p:cNvPr id="2" name="Title 1">
+            <a:extLst>
+              <a:ext uri="{FF2B5EF4-FFF2-40B4-BE49-F238E27FC236}">
+                <a16:creationId xmlns:a16="http://schemas.microsoft.com/office/drawing/2014/main" id="{8A385D4B-A36E-4A51-AA58-00CBA04506EC}"/>
+              </a:ext>
+            </a:extLst>
+          </p:cNvPr>
+          <p:cNvSpPr>
+            <a:spLocks noGrp="1"/>
+          </p:cNvSpPr>
+          <p:nvPr>
+            <p:ph type="title"/>
+          </p:nvPr>
+        </p:nvSpPr>
+        <p:spPr/>
+        <p:txBody>
+          <a:bodyPr/>
+          <a:lstStyle/>
+          <a:p>
+            <a:r>
+              <a:rPr lang="en-US" dirty="0"/>
+              <a:t>Introductory Slide</a:t>
+            </a:r>
+          </a:p>
+        </p:txBody>
+      </p:sp>
+      <p:sp>
+        <p:nvSpPr>
+          <p:cNvPr id="3" name="Content Placeholder 2">
+            <a:extLst>
+              <a:ext uri="{FF2B5EF4-FFF2-40B4-BE49-F238E27FC236}">
+                <a16:creationId xmlns:a16="http://schemas.microsoft.com/office/drawing/2014/main" id="{497C39CC-9C80-432D-A95E-C175D03EAD23}"/>
+              </a:ext>
+            </a:extLst>
+          </p:cNvPr>
+          <p:cNvSpPr>
+            <a:spLocks noGrp="1"/>
+          </p:cNvSpPr>
+          <p:nvPr>
+            <p:ph idx="1"/>
+          </p:nvPr>
+        </p:nvSpPr>
+        <p:spPr/>
+        <p:txBody>
+          <a:bodyPr/>
+          <a:lstStyle/>
+          <a:p>
+            <a:r>
+              <a:rPr lang="en-US" dirty="0"/>
+              <a:t>Give information about optical </a:t>
+            </a:r>
+            <a:r>
+              <a:rPr lang="en-US" dirty="0" err="1"/>
+              <a:t>fibres</a:t>
+            </a:r>
+            <a:r>
+              <a:rPr lang="en-US" dirty="0"/>
+              <a:t> (99% of all data)</a:t>
+            </a:r>
+          </a:p>
+          <a:p>
+            <a:r>
+              <a:rPr lang="en-US" dirty="0"/>
+              <a:t>Give context of the problem tackled</a:t>
+            </a:r>
+          </a:p>
+          <a:p>
+            <a:pPr marL="0" indent="0">
+              <a:buNone/>
+            </a:pPr>
+            <a:endParaRPr lang="en-US" dirty="0"/>
+          </a:p>
+        </p:txBody>
+      </p:sp>
+    </p:spTree>
+    <p:extLst>
+      <p:ext uri="{BB962C8B-B14F-4D97-AF65-F5344CB8AC3E}">
+        <p14:creationId xmlns:p14="http://schemas.microsoft.com/office/powerpoint/2010/main" val="4092302029"/>
+      </p:ext>
+    </p:extLst>
+  </p:cSld>
+  <p:clrMapOvr>
+    <a:masterClrMapping/>
+  </p:clrMapOvr>
+</p:sld>
+</file>
+
+<file path=ppt/slides/slide3.xml><?xml version="1.0" encoding="utf-8"?>
+<p:sld xmlns:a="http://schemas.openxmlformats.org/drawingml/2006/main" xmlns:r="http://schemas.openxmlformats.org/officeDocument/2006/relationships" xmlns:p="http://schemas.openxmlformats.org/presentationml/2006/main">
+  <p:cSld>
+    <p:spTree>
+      <p:nvGrpSpPr>
+        <p:cNvPr id="1" name=""/>
+        <p:cNvGrpSpPr/>
+        <p:nvPr/>
+      </p:nvGrpSpPr>
+      <p:grpSpPr>
+        <a:xfrm>
+          <a:off x="0" y="0"/>
+          <a:ext cx="0" cy="0"/>
+          <a:chOff x="0" y="0"/>
+          <a:chExt cx="0" cy="0"/>
+        </a:xfrm>
+      </p:grpSpPr>
+      <p:sp>
+        <p:nvSpPr>
+          <p:cNvPr id="2" name="Title 1">
+            <a:extLst>
+              <a:ext uri="{FF2B5EF4-FFF2-40B4-BE49-F238E27FC236}">
+                <a16:creationId xmlns:a16="http://schemas.microsoft.com/office/drawing/2014/main" id="{2EAADC39-50FE-4C4F-A029-ECBF2E40775E}"/>
+              </a:ext>
+            </a:extLst>
+          </p:cNvPr>
+          <p:cNvSpPr>
+            <a:spLocks noGrp="1"/>
+          </p:cNvSpPr>
+          <p:nvPr>
+            <p:ph type="title"/>
+          </p:nvPr>
+        </p:nvSpPr>
+        <p:spPr/>
+        <p:txBody>
+          <a:bodyPr/>
+          <a:lstStyle/>
+          <a:p>
+            <a:r>
+              <a:rPr lang="en-US" dirty="0">
+                <a:latin typeface="Arial Nova Light" panose="020B0304020202020204" pitchFamily="34" charset="0"/>
+              </a:rPr>
+              <a:t>Modeling the transmitter</a:t>
+            </a:r>
+          </a:p>
+        </p:txBody>
+      </p:sp>
+      <p:sp>
+        <p:nvSpPr>
+          <p:cNvPr id="3" name="Content Placeholder 2">
+            <a:extLst>
+              <a:ext uri="{FF2B5EF4-FFF2-40B4-BE49-F238E27FC236}">
+                <a16:creationId xmlns:a16="http://schemas.microsoft.com/office/drawing/2014/main" id="{04F41A6B-23FB-498B-87E6-E420562CF452}"/>
+              </a:ext>
+            </a:extLst>
+          </p:cNvPr>
+          <p:cNvSpPr>
+            <a:spLocks noGrp="1"/>
+          </p:cNvSpPr>
+          <p:nvPr>
+            <p:ph idx="1"/>
+          </p:nvPr>
+        </p:nvSpPr>
+        <p:spPr>
+          <a:xfrm>
+            <a:off x="838200" y="1825625"/>
+            <a:ext cx="6794241" cy="4351338"/>
+          </a:xfrm>
+        </p:spPr>
+        <p:txBody>
+          <a:bodyPr>
+            <a:normAutofit fontScale="92500"/>
+          </a:bodyPr>
+          <a:lstStyle/>
+          <a:p>
+            <a:r>
+              <a:rPr lang="en-US" dirty="0">
+                <a:latin typeface="Arial" panose="020B0604020202020204" pitchFamily="34" charset="0"/>
+                <a:cs typeface="Arial" panose="020B0604020202020204" pitchFamily="34" charset="0"/>
+              </a:rPr>
+              <a:t>Began by sending a collection of 10000 random symbols</a:t>
+            </a:r>
+          </a:p>
+          <a:p>
+            <a:r>
+              <a:rPr lang="en-US" dirty="0">
+                <a:latin typeface="Arial" panose="020B0604020202020204" pitchFamily="34" charset="0"/>
+                <a:cs typeface="Arial" panose="020B0604020202020204" pitchFamily="34" charset="0"/>
+              </a:rPr>
+              <a:t>Modulation with gray-mapped QPSK (</a:t>
+            </a:r>
+            <a:r>
+              <a:rPr lang="en-US" dirty="0" err="1">
+                <a:latin typeface="Arial" panose="020B0604020202020204" pitchFamily="34" charset="0"/>
+                <a:cs typeface="Arial" panose="020B0604020202020204" pitchFamily="34" charset="0"/>
+              </a:rPr>
+              <a:t>Matlab</a:t>
+            </a:r>
+            <a:r>
+              <a:rPr lang="en-US" dirty="0">
+                <a:latin typeface="Arial" panose="020B0604020202020204" pitchFamily="34" charset="0"/>
+                <a:cs typeface="Arial" panose="020B0604020202020204" pitchFamily="34" charset="0"/>
+              </a:rPr>
+              <a:t> function)</a:t>
+            </a:r>
+          </a:p>
+          <a:p>
+            <a:r>
+              <a:rPr lang="en-US" dirty="0">
+                <a:latin typeface="Arial" panose="020B0604020202020204" pitchFamily="34" charset="0"/>
+                <a:cs typeface="Arial" panose="020B0604020202020204" pitchFamily="34" charset="0"/>
+              </a:rPr>
+              <a:t>Adding random noise in amplitude and phase</a:t>
+            </a:r>
+          </a:p>
+          <a:p>
+            <a:r>
+              <a:rPr lang="en-US" dirty="0">
+                <a:latin typeface="Arial" panose="020B0604020202020204" pitchFamily="34" charset="0"/>
+                <a:cs typeface="Arial" panose="020B0604020202020204" pitchFamily="34" charset="0"/>
+              </a:rPr>
+              <a:t>Implementation of my own QPSK function to better understand the concept</a:t>
+            </a:r>
+          </a:p>
+          <a:p>
+            <a:r>
+              <a:rPr lang="en-US" dirty="0">
+                <a:latin typeface="Arial" panose="020B0604020202020204" pitchFamily="34" charset="0"/>
+                <a:cs typeface="Arial" panose="020B0604020202020204" pitchFamily="34" charset="0"/>
+              </a:rPr>
+              <a:t>Demodulation with </a:t>
+            </a:r>
+            <a:r>
+              <a:rPr lang="en-US" dirty="0" err="1">
+                <a:latin typeface="Arial" panose="020B0604020202020204" pitchFamily="34" charset="0"/>
+                <a:cs typeface="Arial" panose="020B0604020202020204" pitchFamily="34" charset="0"/>
+              </a:rPr>
+              <a:t>Matlab</a:t>
+            </a:r>
+            <a:r>
+              <a:rPr lang="en-US" dirty="0">
+                <a:latin typeface="Arial" panose="020B0604020202020204" pitchFamily="34" charset="0"/>
+                <a:cs typeface="Arial" panose="020B0604020202020204" pitchFamily="34" charset="0"/>
+              </a:rPr>
+              <a:t>-provided functions</a:t>
+            </a:r>
+          </a:p>
+        </p:txBody>
+      </p:sp>
+      <p:sp>
+        <p:nvSpPr>
+          <p:cNvPr id="4" name="TextBox 3">
+            <a:extLst>
+              <a:ext uri="{FF2B5EF4-FFF2-40B4-BE49-F238E27FC236}">
+                <a16:creationId xmlns:a16="http://schemas.microsoft.com/office/drawing/2014/main" id="{CF041A87-C1EC-45FD-869B-11E6FB297313}"/>
+              </a:ext>
+            </a:extLst>
+          </p:cNvPr>
+          <p:cNvSpPr txBox="1"/>
+          <p:nvPr/>
+        </p:nvSpPr>
+        <p:spPr>
+          <a:xfrm>
+            <a:off x="11353800" y="6459445"/>
+            <a:ext cx="663964" cy="369332"/>
+          </a:xfrm>
+          <a:prstGeom prst="rect">
+            <a:avLst/>
+          </a:prstGeom>
+          <a:noFill/>
+        </p:spPr>
+        <p:txBody>
+          <a:bodyPr wrap="none" rtlCol="0">
+            <a:spAutoFit/>
+          </a:bodyPr>
+          <a:lstStyle/>
+          <a:p>
+            <a:r>
+              <a:rPr lang="en-US" dirty="0" err="1"/>
+              <a:t>Wk</a:t>
+            </a:r>
+            <a:r>
+              <a:rPr lang="en-US" dirty="0"/>
+              <a:t> 1</a:t>
+            </a:r>
+          </a:p>
+        </p:txBody>
+      </p:sp>
       <p:pic>
         <p:nvPicPr>
-          <p:cNvPr id="1028" name="Picture 4">
-            <a:extLst>
-              <a:ext uri="{FF2B5EF4-FFF2-40B4-BE49-F238E27FC236}">
-                <a16:creationId xmlns:a16="http://schemas.microsoft.com/office/drawing/2014/main" id="{9C84DDCD-D99D-42A0-ADEA-99341201FD7F}"/>
+          <p:cNvPr id="6" name="Picture 4">
+            <a:extLst>
+              <a:ext uri="{FF2B5EF4-FFF2-40B4-BE49-F238E27FC236}">
+                <a16:creationId xmlns:a16="http://schemas.microsoft.com/office/drawing/2014/main" id="{17B514F1-4FE2-4683-A0CF-220B703B22F0}"/>
               </a:ext>
             </a:extLst>
           </p:cNvPr>
@@ -3650,8 +4062,8 @@
         </p:blipFill>
         <p:spPr bwMode="auto">
           <a:xfrm>
-            <a:off x="4301203" y="578566"/>
-            <a:ext cx="7601156" cy="5700867"/>
+            <a:off x="7398678" y="2393630"/>
+            <a:ext cx="4287104" cy="3215328"/>
           </a:xfrm>
           <a:prstGeom prst="rect">
             <a:avLst/>
@@ -3671,7 +4083,1329 @@
     </p:spTree>
     <p:extLst>
       <p:ext uri="{BB962C8B-B14F-4D97-AF65-F5344CB8AC3E}">
+        <p14:creationId xmlns:p14="http://schemas.microsoft.com/office/powerpoint/2010/main" val="4134243923"/>
+      </p:ext>
+    </p:extLst>
+  </p:cSld>
+  <p:clrMapOvr>
+    <a:masterClrMapping/>
+  </p:clrMapOvr>
+</p:sld>
+</file>
+
+<file path=ppt/slides/slide4.xml><?xml version="1.0" encoding="utf-8"?>
+<p:sld xmlns:a="http://schemas.openxmlformats.org/drawingml/2006/main" xmlns:r="http://schemas.openxmlformats.org/officeDocument/2006/relationships" xmlns:p="http://schemas.openxmlformats.org/presentationml/2006/main">
+  <p:cSld>
+    <p:spTree>
+      <p:nvGrpSpPr>
+        <p:cNvPr id="1" name=""/>
+        <p:cNvGrpSpPr/>
+        <p:nvPr/>
+      </p:nvGrpSpPr>
+      <p:grpSpPr>
+        <a:xfrm>
+          <a:off x="0" y="0"/>
+          <a:ext cx="0" cy="0"/>
+          <a:chOff x="0" y="0"/>
+          <a:chExt cx="0" cy="0"/>
+        </a:xfrm>
+      </p:grpSpPr>
+      <p:sp>
+        <p:nvSpPr>
+          <p:cNvPr id="2" name="Title 1">
+            <a:extLst>
+              <a:ext uri="{FF2B5EF4-FFF2-40B4-BE49-F238E27FC236}">
+                <a16:creationId xmlns:a16="http://schemas.microsoft.com/office/drawing/2014/main" id="{D4B94FF3-C775-4DBD-B5E3-E42EB0BDB899}"/>
+              </a:ext>
+            </a:extLst>
+          </p:cNvPr>
+          <p:cNvSpPr txBox="1">
+            <a:spLocks/>
+          </p:cNvSpPr>
+          <p:nvPr/>
+        </p:nvSpPr>
+        <p:spPr>
+          <a:xfrm>
+            <a:off x="-1618126" y="102664"/>
+            <a:ext cx="10515600" cy="1325563"/>
+          </a:xfrm>
+          <a:prstGeom prst="rect">
+            <a:avLst/>
+          </a:prstGeom>
+        </p:spPr>
+        <p:txBody>
+          <a:bodyPr vert="horz" lIns="91440" tIns="45720" rIns="91440" bIns="45720" rtlCol="0" anchor="b">
+            <a:normAutofit/>
+          </a:bodyPr>
+          <a:lstStyle>
+            <a:lvl1pPr algn="ctr" defTabSz="914400" rtl="0" eaLnBrk="1" latinLnBrk="0" hangingPunct="1">
+              <a:lnSpc>
+                <a:spcPct val="90000"/>
+              </a:lnSpc>
+              <a:spcBef>
+                <a:spcPct val="0"/>
+              </a:spcBef>
+              <a:buNone/>
+              <a:defRPr sz="6000" kern="1200">
+                <a:solidFill>
+                  <a:schemeClr val="tx1"/>
+                </a:solidFill>
+                <a:latin typeface="+mj-lt"/>
+                <a:ea typeface="+mj-ea"/>
+                <a:cs typeface="+mj-cs"/>
+              </a:defRPr>
+            </a:lvl1pPr>
+          </a:lstStyle>
+          <a:p>
+            <a:r>
+              <a:rPr lang="en-US" sz="4000" dirty="0">
+                <a:latin typeface="Arial Nova Light" panose="020B0304020202020204" pitchFamily="34" charset="0"/>
+              </a:rPr>
+              <a:t>Noise and Demodulation</a:t>
+            </a:r>
+          </a:p>
+        </p:txBody>
+      </p:sp>
+      <p:pic>
+        <p:nvPicPr>
+          <p:cNvPr id="4" name="Picture 3" descr="Shape, circle&#10;&#10;Description automatically generated">
+            <a:extLst>
+              <a:ext uri="{FF2B5EF4-FFF2-40B4-BE49-F238E27FC236}">
+                <a16:creationId xmlns:a16="http://schemas.microsoft.com/office/drawing/2014/main" id="{CB74098F-5F08-4297-B022-80DDFFC6C092}"/>
+              </a:ext>
+            </a:extLst>
+          </p:cNvPr>
+          <p:cNvPicPr>
+            <a:picLocks noChangeAspect="1"/>
+          </p:cNvPicPr>
+          <p:nvPr/>
+        </p:nvPicPr>
+        <p:blipFill>
+          <a:blip r:embed="rId2">
+            <a:extLst>
+              <a:ext uri="{28A0092B-C50C-407E-A947-70E740481C1C}">
+                <a14:useLocalDpi xmlns:a14="http://schemas.microsoft.com/office/drawing/2010/main" val="0"/>
+              </a:ext>
+            </a:extLst>
+          </a:blip>
+          <a:stretch>
+            <a:fillRect/>
+          </a:stretch>
+        </p:blipFill>
+        <p:spPr>
+          <a:xfrm>
+            <a:off x="714354" y="2254012"/>
+            <a:ext cx="5294716" cy="3971037"/>
+          </a:xfrm>
+          <a:prstGeom prst="rect">
+            <a:avLst/>
+          </a:prstGeom>
+        </p:spPr>
+      </p:pic>
+      <p:pic>
+        <p:nvPicPr>
+          <p:cNvPr id="6" name="Picture 5" descr="Chart, scatter chart&#10;&#10;Description automatically generated">
+            <a:extLst>
+              <a:ext uri="{FF2B5EF4-FFF2-40B4-BE49-F238E27FC236}">
+                <a16:creationId xmlns:a16="http://schemas.microsoft.com/office/drawing/2014/main" id="{1E2FF150-F8C3-4172-A1AB-02D44A769C05}"/>
+              </a:ext>
+            </a:extLst>
+          </p:cNvPr>
+          <p:cNvPicPr>
+            <a:picLocks noChangeAspect="1"/>
+          </p:cNvPicPr>
+          <p:nvPr/>
+        </p:nvPicPr>
+        <p:blipFill>
+          <a:blip r:embed="rId3">
+            <a:extLst>
+              <a:ext uri="{28A0092B-C50C-407E-A947-70E740481C1C}">
+                <a14:useLocalDpi xmlns:a14="http://schemas.microsoft.com/office/drawing/2010/main" val="0"/>
+              </a:ext>
+            </a:extLst>
+          </a:blip>
+          <a:stretch>
+            <a:fillRect/>
+          </a:stretch>
+        </p:blipFill>
+        <p:spPr>
+          <a:xfrm>
+            <a:off x="6182931" y="2203624"/>
+            <a:ext cx="5429087" cy="4071815"/>
+          </a:xfrm>
+          <a:prstGeom prst="rect">
+            <a:avLst/>
+          </a:prstGeom>
+        </p:spPr>
+      </p:pic>
+    </p:spTree>
+    <p:extLst>
+      <p:ext uri="{BB962C8B-B14F-4D97-AF65-F5344CB8AC3E}">
         <p14:creationId xmlns:p14="http://schemas.microsoft.com/office/powerpoint/2010/main" val="2829695400"/>
+      </p:ext>
+    </p:extLst>
+  </p:cSld>
+  <p:clrMapOvr>
+    <a:masterClrMapping/>
+  </p:clrMapOvr>
+</p:sld>
+</file>
+
+<file path=ppt/slides/slide5.xml><?xml version="1.0" encoding="utf-8"?>
+<p:sld xmlns:a="http://schemas.openxmlformats.org/drawingml/2006/main" xmlns:r="http://schemas.openxmlformats.org/officeDocument/2006/relationships" xmlns:p="http://schemas.openxmlformats.org/presentationml/2006/main">
+  <p:cSld>
+    <p:spTree>
+      <p:nvGrpSpPr>
+        <p:cNvPr id="1" name=""/>
+        <p:cNvGrpSpPr/>
+        <p:nvPr/>
+      </p:nvGrpSpPr>
+      <p:grpSpPr>
+        <a:xfrm>
+          <a:off x="0" y="0"/>
+          <a:ext cx="0" cy="0"/>
+          <a:chOff x="0" y="0"/>
+          <a:chExt cx="0" cy="0"/>
+        </a:xfrm>
+      </p:grpSpPr>
+      <p:sp>
+        <p:nvSpPr>
+          <p:cNvPr id="4" name="Title 1">
+            <a:extLst>
+              <a:ext uri="{FF2B5EF4-FFF2-40B4-BE49-F238E27FC236}">
+                <a16:creationId xmlns:a16="http://schemas.microsoft.com/office/drawing/2014/main" id="{0DF08D37-CAB0-4D86-8A29-56A19084120D}"/>
+              </a:ext>
+            </a:extLst>
+          </p:cNvPr>
+          <p:cNvSpPr>
+            <a:spLocks noGrp="1"/>
+          </p:cNvSpPr>
+          <p:nvPr>
+            <p:ph type="title"/>
+          </p:nvPr>
+        </p:nvSpPr>
+        <p:spPr>
+          <a:xfrm>
+            <a:off x="185057" y="365125"/>
+            <a:ext cx="10515600" cy="1325563"/>
+          </a:xfrm>
+        </p:spPr>
+        <p:txBody>
+          <a:bodyPr/>
+          <a:lstStyle/>
+          <a:p>
+            <a:r>
+              <a:rPr lang="en-US" dirty="0">
+                <a:latin typeface="Arial Nova Light" panose="020B0304020202020204" pitchFamily="34" charset="0"/>
+              </a:rPr>
+              <a:t>Random Walk Noise and Noise Sets</a:t>
+            </a:r>
+          </a:p>
+        </p:txBody>
+      </p:sp>
+      <p:pic>
+        <p:nvPicPr>
+          <p:cNvPr id="2049" name="Picture 1">
+            <a:extLst>
+              <a:ext uri="{FF2B5EF4-FFF2-40B4-BE49-F238E27FC236}">
+                <a16:creationId xmlns:a16="http://schemas.microsoft.com/office/drawing/2014/main" id="{C7E0DCEF-18A3-40AA-A31F-8E6690B65BEA}"/>
+              </a:ext>
+            </a:extLst>
+          </p:cNvPr>
+          <p:cNvPicPr>
+            <a:picLocks noGrp="1" noChangeAspect="1" noChangeArrowheads="1"/>
+          </p:cNvPicPr>
+          <p:nvPr>
+            <p:ph idx="1"/>
+          </p:nvPr>
+        </p:nvPicPr>
+        <p:blipFill>
+          <a:blip r:embed="rId2">
+            <a:extLst>
+              <a:ext uri="{28A0092B-C50C-407E-A947-70E740481C1C}">
+                <a14:useLocalDpi xmlns:a14="http://schemas.microsoft.com/office/drawing/2010/main" val="0"/>
+              </a:ext>
+            </a:extLst>
+          </a:blip>
+          <a:srcRect/>
+          <a:stretch>
+            <a:fillRect/>
+          </a:stretch>
+        </p:blipFill>
+        <p:spPr bwMode="auto">
+          <a:xfrm>
+            <a:off x="6374502" y="1690688"/>
+            <a:ext cx="5801784" cy="4351338"/>
+          </a:xfrm>
+          <a:prstGeom prst="rect">
+            <a:avLst/>
+          </a:prstGeom>
+          <a:noFill/>
+          <a:extLst>
+            <a:ext uri="{909E8E84-426E-40DD-AFC4-6F175D3DCCD1}">
+              <a14:hiddenFill xmlns:a14="http://schemas.microsoft.com/office/drawing/2010/main">
+                <a:solidFill>
+                  <a:srgbClr val="FFFFFF"/>
+                </a:solidFill>
+              </a14:hiddenFill>
+            </a:ext>
+          </a:extLst>
+        </p:spPr>
+      </p:pic>
+      <p:sp>
+        <p:nvSpPr>
+          <p:cNvPr id="7" name="Content Placeholder 2">
+            <a:extLst>
+              <a:ext uri="{FF2B5EF4-FFF2-40B4-BE49-F238E27FC236}">
+                <a16:creationId xmlns:a16="http://schemas.microsoft.com/office/drawing/2014/main" id="{84B2FF5E-847C-4368-AF25-337E5DAC5B81}"/>
+              </a:ext>
+            </a:extLst>
+          </p:cNvPr>
+          <p:cNvSpPr txBox="1">
+            <a:spLocks/>
+          </p:cNvSpPr>
+          <p:nvPr/>
+        </p:nvSpPr>
+        <p:spPr>
+          <a:xfrm>
+            <a:off x="15714" y="1904283"/>
+            <a:ext cx="6794241" cy="4351338"/>
+          </a:xfrm>
+          <a:prstGeom prst="rect">
+            <a:avLst/>
+          </a:prstGeom>
+        </p:spPr>
+        <p:txBody>
+          <a:bodyPr vert="horz" lIns="91440" tIns="45720" rIns="91440" bIns="45720" rtlCol="0">
+            <a:normAutofit/>
+          </a:bodyPr>
+          <a:lstStyle>
+            <a:lvl1pPr marL="228600" indent="-228600" algn="l" defTabSz="914400" rtl="0" eaLnBrk="1" latinLnBrk="0" hangingPunct="1">
+              <a:lnSpc>
+                <a:spcPct val="90000"/>
+              </a:lnSpc>
+              <a:spcBef>
+                <a:spcPts val="1000"/>
+              </a:spcBef>
+              <a:buFont typeface="Arial" panose="020B0604020202020204" pitchFamily="34" charset="0"/>
+              <a:buChar char="•"/>
+              <a:defRPr sz="2800" kern="1200">
+                <a:solidFill>
+                  <a:schemeClr val="tx1"/>
+                </a:solidFill>
+                <a:latin typeface="+mn-lt"/>
+                <a:ea typeface="+mn-ea"/>
+                <a:cs typeface="+mn-cs"/>
+              </a:defRPr>
+            </a:lvl1pPr>
+            <a:lvl2pPr marL="685800" indent="-228600" algn="l" defTabSz="914400" rtl="0" eaLnBrk="1" latinLnBrk="0" hangingPunct="1">
+              <a:lnSpc>
+                <a:spcPct val="90000"/>
+              </a:lnSpc>
+              <a:spcBef>
+                <a:spcPts val="500"/>
+              </a:spcBef>
+              <a:buFont typeface="Arial" panose="020B0604020202020204" pitchFamily="34" charset="0"/>
+              <a:buChar char="•"/>
+              <a:defRPr sz="2400" kern="1200">
+                <a:solidFill>
+                  <a:schemeClr val="tx1"/>
+                </a:solidFill>
+                <a:latin typeface="+mn-lt"/>
+                <a:ea typeface="+mn-ea"/>
+                <a:cs typeface="+mn-cs"/>
+              </a:defRPr>
+            </a:lvl2pPr>
+            <a:lvl3pPr marL="1143000" indent="-228600" algn="l" defTabSz="914400" rtl="0" eaLnBrk="1" latinLnBrk="0" hangingPunct="1">
+              <a:lnSpc>
+                <a:spcPct val="90000"/>
+              </a:lnSpc>
+              <a:spcBef>
+                <a:spcPts val="500"/>
+              </a:spcBef>
+              <a:buFont typeface="Arial" panose="020B0604020202020204" pitchFamily="34" charset="0"/>
+              <a:buChar char="•"/>
+              <a:defRPr sz="2000" kern="1200">
+                <a:solidFill>
+                  <a:schemeClr val="tx1"/>
+                </a:solidFill>
+                <a:latin typeface="+mn-lt"/>
+                <a:ea typeface="+mn-ea"/>
+                <a:cs typeface="+mn-cs"/>
+              </a:defRPr>
+            </a:lvl3pPr>
+            <a:lvl4pPr marL="1600200" indent="-228600" algn="l" defTabSz="914400" rtl="0" eaLnBrk="1" latinLnBrk="0" hangingPunct="1">
+              <a:lnSpc>
+                <a:spcPct val="90000"/>
+              </a:lnSpc>
+              <a:spcBef>
+                <a:spcPts val="500"/>
+              </a:spcBef>
+              <a:buFont typeface="Arial" panose="020B0604020202020204" pitchFamily="34" charset="0"/>
+              <a:buChar char="•"/>
+              <a:defRPr sz="1800" kern="1200">
+                <a:solidFill>
+                  <a:schemeClr val="tx1"/>
+                </a:solidFill>
+                <a:latin typeface="+mn-lt"/>
+                <a:ea typeface="+mn-ea"/>
+                <a:cs typeface="+mn-cs"/>
+              </a:defRPr>
+            </a:lvl4pPr>
+            <a:lvl5pPr marL="2057400" indent="-228600" algn="l" defTabSz="914400" rtl="0" eaLnBrk="1" latinLnBrk="0" hangingPunct="1">
+              <a:lnSpc>
+                <a:spcPct val="90000"/>
+              </a:lnSpc>
+              <a:spcBef>
+                <a:spcPts val="500"/>
+              </a:spcBef>
+              <a:buFont typeface="Arial" panose="020B0604020202020204" pitchFamily="34" charset="0"/>
+              <a:buChar char="•"/>
+              <a:defRPr sz="1800" kern="1200">
+                <a:solidFill>
+                  <a:schemeClr val="tx1"/>
+                </a:solidFill>
+                <a:latin typeface="+mn-lt"/>
+                <a:ea typeface="+mn-ea"/>
+                <a:cs typeface="+mn-cs"/>
+              </a:defRPr>
+            </a:lvl5pPr>
+            <a:lvl6pPr marL="2514600" indent="-228600" algn="l" defTabSz="914400" rtl="0" eaLnBrk="1" latinLnBrk="0" hangingPunct="1">
+              <a:lnSpc>
+                <a:spcPct val="90000"/>
+              </a:lnSpc>
+              <a:spcBef>
+                <a:spcPts val="500"/>
+              </a:spcBef>
+              <a:buFont typeface="Arial" panose="020B0604020202020204" pitchFamily="34" charset="0"/>
+              <a:buChar char="•"/>
+              <a:defRPr sz="1800" kern="1200">
+                <a:solidFill>
+                  <a:schemeClr val="tx1"/>
+                </a:solidFill>
+                <a:latin typeface="+mn-lt"/>
+                <a:ea typeface="+mn-ea"/>
+                <a:cs typeface="+mn-cs"/>
+              </a:defRPr>
+            </a:lvl6pPr>
+            <a:lvl7pPr marL="2971800" indent="-228600" algn="l" defTabSz="914400" rtl="0" eaLnBrk="1" latinLnBrk="0" hangingPunct="1">
+              <a:lnSpc>
+                <a:spcPct val="90000"/>
+              </a:lnSpc>
+              <a:spcBef>
+                <a:spcPts val="500"/>
+              </a:spcBef>
+              <a:buFont typeface="Arial" panose="020B0604020202020204" pitchFamily="34" charset="0"/>
+              <a:buChar char="•"/>
+              <a:defRPr sz="1800" kern="1200">
+                <a:solidFill>
+                  <a:schemeClr val="tx1"/>
+                </a:solidFill>
+                <a:latin typeface="+mn-lt"/>
+                <a:ea typeface="+mn-ea"/>
+                <a:cs typeface="+mn-cs"/>
+              </a:defRPr>
+            </a:lvl7pPr>
+            <a:lvl8pPr marL="3429000" indent="-228600" algn="l" defTabSz="914400" rtl="0" eaLnBrk="1" latinLnBrk="0" hangingPunct="1">
+              <a:lnSpc>
+                <a:spcPct val="90000"/>
+              </a:lnSpc>
+              <a:spcBef>
+                <a:spcPts val="500"/>
+              </a:spcBef>
+              <a:buFont typeface="Arial" panose="020B0604020202020204" pitchFamily="34" charset="0"/>
+              <a:buChar char="•"/>
+              <a:defRPr sz="1800" kern="1200">
+                <a:solidFill>
+                  <a:schemeClr val="tx1"/>
+                </a:solidFill>
+                <a:latin typeface="+mn-lt"/>
+                <a:ea typeface="+mn-ea"/>
+                <a:cs typeface="+mn-cs"/>
+              </a:defRPr>
+            </a:lvl8pPr>
+            <a:lvl9pPr marL="3886200" indent="-228600" algn="l" defTabSz="914400" rtl="0" eaLnBrk="1" latinLnBrk="0" hangingPunct="1">
+              <a:lnSpc>
+                <a:spcPct val="90000"/>
+              </a:lnSpc>
+              <a:spcBef>
+                <a:spcPts val="500"/>
+              </a:spcBef>
+              <a:buFont typeface="Arial" panose="020B0604020202020204" pitchFamily="34" charset="0"/>
+              <a:buChar char="•"/>
+              <a:defRPr sz="1800" kern="1200">
+                <a:solidFill>
+                  <a:schemeClr val="tx1"/>
+                </a:solidFill>
+                <a:latin typeface="+mn-lt"/>
+                <a:ea typeface="+mn-ea"/>
+                <a:cs typeface="+mn-cs"/>
+              </a:defRPr>
+            </a:lvl9pPr>
+          </a:lstStyle>
+          <a:p>
+            <a:r>
+              <a:rPr lang="en-US" dirty="0">
+                <a:latin typeface="Arial" panose="020B0604020202020204" pitchFamily="34" charset="0"/>
+                <a:cs typeface="Arial" panose="020B0604020202020204" pitchFamily="34" charset="0"/>
+              </a:rPr>
+              <a:t>Created different sets of noise</a:t>
+            </a:r>
+          </a:p>
+          <a:p>
+            <a:r>
+              <a:rPr lang="en-US" dirty="0">
+                <a:latin typeface="Arial" panose="020B0604020202020204" pitchFamily="34" charset="0"/>
+                <a:cs typeface="Arial" panose="020B0604020202020204" pitchFamily="34" charset="0"/>
+              </a:rPr>
+              <a:t>Each set is an order of magnitude larger than the previous one</a:t>
+            </a:r>
+          </a:p>
+          <a:p>
+            <a:r>
+              <a:rPr lang="en-US" dirty="0">
+                <a:latin typeface="Arial" panose="020B0604020202020204" pitchFamily="34" charset="0"/>
+                <a:cs typeface="Arial" panose="020B0604020202020204" pitchFamily="34" charset="0"/>
+              </a:rPr>
+              <a:t>This noise only affects phase</a:t>
+            </a:r>
+          </a:p>
+          <a:p>
+            <a:r>
+              <a:rPr lang="en-US" dirty="0">
+                <a:latin typeface="Arial" panose="020B0604020202020204" pitchFamily="34" charset="0"/>
+                <a:cs typeface="Arial" panose="020B0604020202020204" pitchFamily="34" charset="0"/>
+              </a:rPr>
+              <a:t>The cumulative sum function was used to model the phase noise as a random walk process</a:t>
+            </a:r>
+          </a:p>
+        </p:txBody>
+      </p:sp>
+      <p:sp>
+        <p:nvSpPr>
+          <p:cNvPr id="6" name="TextBox 5">
+            <a:extLst>
+              <a:ext uri="{FF2B5EF4-FFF2-40B4-BE49-F238E27FC236}">
+                <a16:creationId xmlns:a16="http://schemas.microsoft.com/office/drawing/2014/main" id="{6FAD2910-4DBA-496B-9A03-F589BD272E33}"/>
+              </a:ext>
+            </a:extLst>
+          </p:cNvPr>
+          <p:cNvSpPr txBox="1"/>
+          <p:nvPr/>
+        </p:nvSpPr>
+        <p:spPr>
+          <a:xfrm>
+            <a:off x="11523407" y="6492875"/>
+            <a:ext cx="668593" cy="369332"/>
+          </a:xfrm>
+          <a:prstGeom prst="rect">
+            <a:avLst/>
+          </a:prstGeom>
+          <a:noFill/>
+        </p:spPr>
+        <p:txBody>
+          <a:bodyPr wrap="square" rtlCol="0">
+            <a:spAutoFit/>
+          </a:bodyPr>
+          <a:lstStyle/>
+          <a:p>
+            <a:r>
+              <a:rPr lang="en-US" dirty="0" err="1"/>
+              <a:t>Wk</a:t>
+            </a:r>
+            <a:r>
+              <a:rPr lang="en-US" dirty="0"/>
+              <a:t> 2</a:t>
+            </a:r>
+          </a:p>
+        </p:txBody>
+      </p:sp>
+    </p:spTree>
+    <p:extLst>
+      <p:ext uri="{BB962C8B-B14F-4D97-AF65-F5344CB8AC3E}">
+        <p14:creationId xmlns:p14="http://schemas.microsoft.com/office/powerpoint/2010/main" val="3643672454"/>
+      </p:ext>
+    </p:extLst>
+  </p:cSld>
+  <p:clrMapOvr>
+    <a:masterClrMapping/>
+  </p:clrMapOvr>
+</p:sld>
+</file>
+
+<file path=ppt/slides/slide6.xml><?xml version="1.0" encoding="utf-8"?>
+<p:sld xmlns:a="http://schemas.openxmlformats.org/drawingml/2006/main" xmlns:r="http://schemas.openxmlformats.org/officeDocument/2006/relationships" xmlns:p="http://schemas.openxmlformats.org/presentationml/2006/main">
+  <p:cSld>
+    <p:spTree>
+      <p:nvGrpSpPr>
+        <p:cNvPr id="1" name=""/>
+        <p:cNvGrpSpPr/>
+        <p:nvPr/>
+      </p:nvGrpSpPr>
+      <p:grpSpPr>
+        <a:xfrm>
+          <a:off x="0" y="0"/>
+          <a:ext cx="0" cy="0"/>
+          <a:chOff x="0" y="0"/>
+          <a:chExt cx="0" cy="0"/>
+        </a:xfrm>
+      </p:grpSpPr>
+      <p:sp>
+        <p:nvSpPr>
+          <p:cNvPr id="2" name="Title 1">
+            <a:extLst>
+              <a:ext uri="{FF2B5EF4-FFF2-40B4-BE49-F238E27FC236}">
+                <a16:creationId xmlns:a16="http://schemas.microsoft.com/office/drawing/2014/main" id="{6E802E49-449E-4271-903B-7752A73FCC8B}"/>
+              </a:ext>
+            </a:extLst>
+          </p:cNvPr>
+          <p:cNvSpPr>
+            <a:spLocks noGrp="1"/>
+          </p:cNvSpPr>
+          <p:nvPr>
+            <p:ph type="title"/>
+          </p:nvPr>
+        </p:nvSpPr>
+        <p:spPr/>
+        <p:txBody>
+          <a:bodyPr/>
+          <a:lstStyle/>
+          <a:p>
+            <a:r>
+              <a:rPr lang="en-US" dirty="0"/>
+              <a:t>Random Walk Noise and Noise Sets</a:t>
+            </a:r>
+          </a:p>
+        </p:txBody>
+      </p:sp>
+      <p:pic>
+        <p:nvPicPr>
+          <p:cNvPr id="5" name="Content Placeholder 4" descr="Chart&#10;&#10;Description automatically generated">
+            <a:extLst>
+              <a:ext uri="{FF2B5EF4-FFF2-40B4-BE49-F238E27FC236}">
+                <a16:creationId xmlns:a16="http://schemas.microsoft.com/office/drawing/2014/main" id="{967975CC-E55C-4098-9E8A-C4BB68004146}"/>
+              </a:ext>
+            </a:extLst>
+          </p:cNvPr>
+          <p:cNvPicPr>
+            <a:picLocks noGrp="1" noChangeAspect="1"/>
+          </p:cNvPicPr>
+          <p:nvPr>
+            <p:ph idx="1"/>
+          </p:nvPr>
+        </p:nvPicPr>
+        <p:blipFill>
+          <a:blip r:embed="rId2">
+            <a:extLst>
+              <a:ext uri="{28A0092B-C50C-407E-A947-70E740481C1C}">
+                <a14:useLocalDpi xmlns:a14="http://schemas.microsoft.com/office/drawing/2010/main" val="0"/>
+              </a:ext>
+            </a:extLst>
+          </a:blip>
+          <a:stretch>
+            <a:fillRect/>
+          </a:stretch>
+        </p:blipFill>
+        <p:spPr>
+          <a:xfrm>
+            <a:off x="5763352" y="2141537"/>
+            <a:ext cx="5384780" cy="4351338"/>
+          </a:xfrm>
+        </p:spPr>
+      </p:pic>
+      <p:pic>
+        <p:nvPicPr>
+          <p:cNvPr id="1025" name="Picture 1">
+            <a:extLst>
+              <a:ext uri="{FF2B5EF4-FFF2-40B4-BE49-F238E27FC236}">
+                <a16:creationId xmlns:a16="http://schemas.microsoft.com/office/drawing/2014/main" id="{328F2668-6BC5-4555-8983-196822E341CD}"/>
+              </a:ext>
+            </a:extLst>
+          </p:cNvPr>
+          <p:cNvPicPr>
+            <a:picLocks noChangeAspect="1" noChangeArrowheads="1"/>
+          </p:cNvPicPr>
+          <p:nvPr/>
+        </p:nvPicPr>
+        <p:blipFill>
+          <a:blip r:embed="rId3">
+            <a:extLst>
+              <a:ext uri="{28A0092B-C50C-407E-A947-70E740481C1C}">
+                <a14:useLocalDpi xmlns:a14="http://schemas.microsoft.com/office/drawing/2010/main" val="0"/>
+              </a:ext>
+            </a:extLst>
+          </a:blip>
+          <a:srcRect/>
+          <a:stretch>
+            <a:fillRect/>
+          </a:stretch>
+        </p:blipFill>
+        <p:spPr bwMode="auto">
+          <a:xfrm>
+            <a:off x="98323" y="2054941"/>
+            <a:ext cx="5566288" cy="4174716"/>
+          </a:xfrm>
+          <a:prstGeom prst="rect">
+            <a:avLst/>
+          </a:prstGeom>
+          <a:noFill/>
+          <a:extLst>
+            <a:ext uri="{909E8E84-426E-40DD-AFC4-6F175D3DCCD1}">
+              <a14:hiddenFill xmlns:a14="http://schemas.microsoft.com/office/drawing/2010/main">
+                <a:solidFill>
+                  <a:srgbClr val="FFFFFF"/>
+                </a:solidFill>
+              </a14:hiddenFill>
+            </a:ext>
+          </a:extLst>
+        </p:spPr>
+      </p:pic>
+    </p:spTree>
+    <p:extLst>
+      <p:ext uri="{BB962C8B-B14F-4D97-AF65-F5344CB8AC3E}">
+        <p14:creationId xmlns:p14="http://schemas.microsoft.com/office/powerpoint/2010/main" val="4150602099"/>
+      </p:ext>
+    </p:extLst>
+  </p:cSld>
+  <p:clrMapOvr>
+    <a:masterClrMapping/>
+  </p:clrMapOvr>
+</p:sld>
+</file>
+
+<file path=ppt/slides/slide7.xml><?xml version="1.0" encoding="utf-8"?>
+<p:sld xmlns:a="http://schemas.openxmlformats.org/drawingml/2006/main" xmlns:r="http://schemas.openxmlformats.org/officeDocument/2006/relationships" xmlns:p="http://schemas.openxmlformats.org/presentationml/2006/main">
+  <p:cSld>
+    <p:spTree>
+      <p:nvGrpSpPr>
+        <p:cNvPr id="1" name=""/>
+        <p:cNvGrpSpPr/>
+        <p:nvPr/>
+      </p:nvGrpSpPr>
+      <p:grpSpPr>
+        <a:xfrm>
+          <a:off x="0" y="0"/>
+          <a:ext cx="0" cy="0"/>
+          <a:chOff x="0" y="0"/>
+          <a:chExt cx="0" cy="0"/>
+        </a:xfrm>
+      </p:grpSpPr>
+      <p:sp>
+        <p:nvSpPr>
+          <p:cNvPr id="2" name="Title 1">
+            <a:extLst>
+              <a:ext uri="{FF2B5EF4-FFF2-40B4-BE49-F238E27FC236}">
+                <a16:creationId xmlns:a16="http://schemas.microsoft.com/office/drawing/2014/main" id="{4C1B8B68-ACB3-4775-9CC2-E6F195DB76E4}"/>
+              </a:ext>
+            </a:extLst>
+          </p:cNvPr>
+          <p:cNvSpPr>
+            <a:spLocks noGrp="1"/>
+          </p:cNvSpPr>
+          <p:nvPr>
+            <p:ph type="title"/>
+          </p:nvPr>
+        </p:nvSpPr>
+        <p:spPr>
+          <a:xfrm>
+            <a:off x="222379" y="345673"/>
+            <a:ext cx="10515600" cy="1325563"/>
+          </a:xfrm>
+        </p:spPr>
+        <p:txBody>
+          <a:bodyPr/>
+          <a:lstStyle/>
+          <a:p>
+            <a:r>
+              <a:rPr lang="en-US" dirty="0">
+                <a:latin typeface="Arial Nova Light" panose="020B0304020202020204" pitchFamily="34" charset="0"/>
+              </a:rPr>
+              <a:t>SNR and BER for Random Walk Noise</a:t>
+            </a:r>
+          </a:p>
+        </p:txBody>
+      </p:sp>
+      <p:pic>
+        <p:nvPicPr>
+          <p:cNvPr id="3073" name="Picture 1">
+            <a:extLst>
+              <a:ext uri="{FF2B5EF4-FFF2-40B4-BE49-F238E27FC236}">
+                <a16:creationId xmlns:a16="http://schemas.microsoft.com/office/drawing/2014/main" id="{707600FD-AD0B-4038-8EE8-AFFCFE22FFC1}"/>
+              </a:ext>
+            </a:extLst>
+          </p:cNvPr>
+          <p:cNvPicPr>
+            <a:picLocks noGrp="1" noChangeAspect="1" noChangeArrowheads="1"/>
+          </p:cNvPicPr>
+          <p:nvPr>
+            <p:ph idx="1"/>
+          </p:nvPr>
+        </p:nvPicPr>
+        <p:blipFill>
+          <a:blip r:embed="rId2">
+            <a:extLst>
+              <a:ext uri="{28A0092B-C50C-407E-A947-70E740481C1C}">
+                <a14:useLocalDpi xmlns:a14="http://schemas.microsoft.com/office/drawing/2010/main" val="0"/>
+              </a:ext>
+            </a:extLst>
+          </a:blip>
+          <a:srcRect/>
+          <a:stretch>
+            <a:fillRect/>
+          </a:stretch>
+        </p:blipFill>
+        <p:spPr bwMode="auto">
+          <a:xfrm>
+            <a:off x="6227558" y="1904283"/>
+            <a:ext cx="5801784" cy="4351338"/>
+          </a:xfrm>
+          <a:prstGeom prst="rect">
+            <a:avLst/>
+          </a:prstGeom>
+          <a:noFill/>
+          <a:extLst>
+            <a:ext uri="{909E8E84-426E-40DD-AFC4-6F175D3DCCD1}">
+              <a14:hiddenFill xmlns:a14="http://schemas.microsoft.com/office/drawing/2010/main">
+                <a:solidFill>
+                  <a:srgbClr val="FFFFFF"/>
+                </a:solidFill>
+              </a14:hiddenFill>
+            </a:ext>
+          </a:extLst>
+        </p:spPr>
+      </p:pic>
+      <p:sp>
+        <p:nvSpPr>
+          <p:cNvPr id="4" name="Content Placeholder 2">
+            <a:extLst>
+              <a:ext uri="{FF2B5EF4-FFF2-40B4-BE49-F238E27FC236}">
+                <a16:creationId xmlns:a16="http://schemas.microsoft.com/office/drawing/2014/main" id="{9BCCF703-7697-40AE-836D-756ADE471285}"/>
+              </a:ext>
+            </a:extLst>
+          </p:cNvPr>
+          <p:cNvSpPr txBox="1">
+            <a:spLocks/>
+          </p:cNvSpPr>
+          <p:nvPr/>
+        </p:nvSpPr>
+        <p:spPr>
+          <a:xfrm>
+            <a:off x="15714" y="1904283"/>
+            <a:ext cx="6794241" cy="4351338"/>
+          </a:xfrm>
+          <a:prstGeom prst="rect">
+            <a:avLst/>
+          </a:prstGeom>
+        </p:spPr>
+        <p:txBody>
+          <a:bodyPr vert="horz" lIns="91440" tIns="45720" rIns="91440" bIns="45720" rtlCol="0">
+            <a:normAutofit/>
+          </a:bodyPr>
+          <a:lstStyle>
+            <a:lvl1pPr marL="228600" indent="-228600" algn="l" defTabSz="914400" rtl="0" eaLnBrk="1" latinLnBrk="0" hangingPunct="1">
+              <a:lnSpc>
+                <a:spcPct val="90000"/>
+              </a:lnSpc>
+              <a:spcBef>
+                <a:spcPts val="1000"/>
+              </a:spcBef>
+              <a:buFont typeface="Arial" panose="020B0604020202020204" pitchFamily="34" charset="0"/>
+              <a:buChar char="•"/>
+              <a:defRPr sz="2800" kern="1200">
+                <a:solidFill>
+                  <a:schemeClr val="tx1"/>
+                </a:solidFill>
+                <a:latin typeface="+mn-lt"/>
+                <a:ea typeface="+mn-ea"/>
+                <a:cs typeface="+mn-cs"/>
+              </a:defRPr>
+            </a:lvl1pPr>
+            <a:lvl2pPr marL="685800" indent="-228600" algn="l" defTabSz="914400" rtl="0" eaLnBrk="1" latinLnBrk="0" hangingPunct="1">
+              <a:lnSpc>
+                <a:spcPct val="90000"/>
+              </a:lnSpc>
+              <a:spcBef>
+                <a:spcPts val="500"/>
+              </a:spcBef>
+              <a:buFont typeface="Arial" panose="020B0604020202020204" pitchFamily="34" charset="0"/>
+              <a:buChar char="•"/>
+              <a:defRPr sz="2400" kern="1200">
+                <a:solidFill>
+                  <a:schemeClr val="tx1"/>
+                </a:solidFill>
+                <a:latin typeface="+mn-lt"/>
+                <a:ea typeface="+mn-ea"/>
+                <a:cs typeface="+mn-cs"/>
+              </a:defRPr>
+            </a:lvl2pPr>
+            <a:lvl3pPr marL="1143000" indent="-228600" algn="l" defTabSz="914400" rtl="0" eaLnBrk="1" latinLnBrk="0" hangingPunct="1">
+              <a:lnSpc>
+                <a:spcPct val="90000"/>
+              </a:lnSpc>
+              <a:spcBef>
+                <a:spcPts val="500"/>
+              </a:spcBef>
+              <a:buFont typeface="Arial" panose="020B0604020202020204" pitchFamily="34" charset="0"/>
+              <a:buChar char="•"/>
+              <a:defRPr sz="2000" kern="1200">
+                <a:solidFill>
+                  <a:schemeClr val="tx1"/>
+                </a:solidFill>
+                <a:latin typeface="+mn-lt"/>
+                <a:ea typeface="+mn-ea"/>
+                <a:cs typeface="+mn-cs"/>
+              </a:defRPr>
+            </a:lvl3pPr>
+            <a:lvl4pPr marL="1600200" indent="-228600" algn="l" defTabSz="914400" rtl="0" eaLnBrk="1" latinLnBrk="0" hangingPunct="1">
+              <a:lnSpc>
+                <a:spcPct val="90000"/>
+              </a:lnSpc>
+              <a:spcBef>
+                <a:spcPts val="500"/>
+              </a:spcBef>
+              <a:buFont typeface="Arial" panose="020B0604020202020204" pitchFamily="34" charset="0"/>
+              <a:buChar char="•"/>
+              <a:defRPr sz="1800" kern="1200">
+                <a:solidFill>
+                  <a:schemeClr val="tx1"/>
+                </a:solidFill>
+                <a:latin typeface="+mn-lt"/>
+                <a:ea typeface="+mn-ea"/>
+                <a:cs typeface="+mn-cs"/>
+              </a:defRPr>
+            </a:lvl4pPr>
+            <a:lvl5pPr marL="2057400" indent="-228600" algn="l" defTabSz="914400" rtl="0" eaLnBrk="1" latinLnBrk="0" hangingPunct="1">
+              <a:lnSpc>
+                <a:spcPct val="90000"/>
+              </a:lnSpc>
+              <a:spcBef>
+                <a:spcPts val="500"/>
+              </a:spcBef>
+              <a:buFont typeface="Arial" panose="020B0604020202020204" pitchFamily="34" charset="0"/>
+              <a:buChar char="•"/>
+              <a:defRPr sz="1800" kern="1200">
+                <a:solidFill>
+                  <a:schemeClr val="tx1"/>
+                </a:solidFill>
+                <a:latin typeface="+mn-lt"/>
+                <a:ea typeface="+mn-ea"/>
+                <a:cs typeface="+mn-cs"/>
+              </a:defRPr>
+            </a:lvl5pPr>
+            <a:lvl6pPr marL="2514600" indent="-228600" algn="l" defTabSz="914400" rtl="0" eaLnBrk="1" latinLnBrk="0" hangingPunct="1">
+              <a:lnSpc>
+                <a:spcPct val="90000"/>
+              </a:lnSpc>
+              <a:spcBef>
+                <a:spcPts val="500"/>
+              </a:spcBef>
+              <a:buFont typeface="Arial" panose="020B0604020202020204" pitchFamily="34" charset="0"/>
+              <a:buChar char="•"/>
+              <a:defRPr sz="1800" kern="1200">
+                <a:solidFill>
+                  <a:schemeClr val="tx1"/>
+                </a:solidFill>
+                <a:latin typeface="+mn-lt"/>
+                <a:ea typeface="+mn-ea"/>
+                <a:cs typeface="+mn-cs"/>
+              </a:defRPr>
+            </a:lvl6pPr>
+            <a:lvl7pPr marL="2971800" indent="-228600" algn="l" defTabSz="914400" rtl="0" eaLnBrk="1" latinLnBrk="0" hangingPunct="1">
+              <a:lnSpc>
+                <a:spcPct val="90000"/>
+              </a:lnSpc>
+              <a:spcBef>
+                <a:spcPts val="500"/>
+              </a:spcBef>
+              <a:buFont typeface="Arial" panose="020B0604020202020204" pitchFamily="34" charset="0"/>
+              <a:buChar char="•"/>
+              <a:defRPr sz="1800" kern="1200">
+                <a:solidFill>
+                  <a:schemeClr val="tx1"/>
+                </a:solidFill>
+                <a:latin typeface="+mn-lt"/>
+                <a:ea typeface="+mn-ea"/>
+                <a:cs typeface="+mn-cs"/>
+              </a:defRPr>
+            </a:lvl7pPr>
+            <a:lvl8pPr marL="3429000" indent="-228600" algn="l" defTabSz="914400" rtl="0" eaLnBrk="1" latinLnBrk="0" hangingPunct="1">
+              <a:lnSpc>
+                <a:spcPct val="90000"/>
+              </a:lnSpc>
+              <a:spcBef>
+                <a:spcPts val="500"/>
+              </a:spcBef>
+              <a:buFont typeface="Arial" panose="020B0604020202020204" pitchFamily="34" charset="0"/>
+              <a:buChar char="•"/>
+              <a:defRPr sz="1800" kern="1200">
+                <a:solidFill>
+                  <a:schemeClr val="tx1"/>
+                </a:solidFill>
+                <a:latin typeface="+mn-lt"/>
+                <a:ea typeface="+mn-ea"/>
+                <a:cs typeface="+mn-cs"/>
+              </a:defRPr>
+            </a:lvl8pPr>
+            <a:lvl9pPr marL="3886200" indent="-228600" algn="l" defTabSz="914400" rtl="0" eaLnBrk="1" latinLnBrk="0" hangingPunct="1">
+              <a:lnSpc>
+                <a:spcPct val="90000"/>
+              </a:lnSpc>
+              <a:spcBef>
+                <a:spcPts val="500"/>
+              </a:spcBef>
+              <a:buFont typeface="Arial" panose="020B0604020202020204" pitchFamily="34" charset="0"/>
+              <a:buChar char="•"/>
+              <a:defRPr sz="1800" kern="1200">
+                <a:solidFill>
+                  <a:schemeClr val="tx1"/>
+                </a:solidFill>
+                <a:latin typeface="+mn-lt"/>
+                <a:ea typeface="+mn-ea"/>
+                <a:cs typeface="+mn-cs"/>
+              </a:defRPr>
+            </a:lvl9pPr>
+          </a:lstStyle>
+          <a:p>
+            <a:r>
+              <a:rPr lang="en-US" dirty="0">
+                <a:latin typeface="Arial" panose="020B0604020202020204" pitchFamily="34" charset="0"/>
+                <a:cs typeface="Arial" panose="020B0604020202020204" pitchFamily="34" charset="0"/>
+              </a:rPr>
+              <a:t>This noise only affects phase</a:t>
+            </a:r>
+          </a:p>
+          <a:p>
+            <a:r>
+              <a:rPr lang="en-US" dirty="0">
+                <a:latin typeface="Arial" panose="020B0604020202020204" pitchFamily="34" charset="0"/>
+                <a:cs typeface="Arial" panose="020B0604020202020204" pitchFamily="34" charset="0"/>
+              </a:rPr>
+              <a:t>Therefore the SNR is 1 regardless of the amount of phase noise added (0dB on graph)</a:t>
+            </a:r>
+          </a:p>
+          <a:p>
+            <a:r>
+              <a:rPr lang="en-US" dirty="0">
+                <a:latin typeface="Arial" panose="020B0604020202020204" pitchFamily="34" charset="0"/>
+                <a:cs typeface="Arial" panose="020B0604020202020204" pitchFamily="34" charset="0"/>
+              </a:rPr>
+              <a:t>Thus even though BER increases, the SNR cannot give us a measure of the level of noise added</a:t>
+            </a:r>
+          </a:p>
+          <a:p>
+            <a:r>
+              <a:rPr lang="en-US" dirty="0">
+                <a:latin typeface="Arial" panose="020B0604020202020204" pitchFamily="34" charset="0"/>
+                <a:cs typeface="Arial" panose="020B0604020202020204" pitchFamily="34" charset="0"/>
+              </a:rPr>
+              <a:t>Different technique needed, need to measure jitter</a:t>
+            </a:r>
+          </a:p>
+        </p:txBody>
+      </p:sp>
+      <p:sp>
+        <p:nvSpPr>
+          <p:cNvPr id="6" name="TextBox 5">
+            <a:extLst>
+              <a:ext uri="{FF2B5EF4-FFF2-40B4-BE49-F238E27FC236}">
+                <a16:creationId xmlns:a16="http://schemas.microsoft.com/office/drawing/2014/main" id="{99D047AE-A7A7-465C-B1BA-0141FB45E68B}"/>
+              </a:ext>
+            </a:extLst>
+          </p:cNvPr>
+          <p:cNvSpPr txBox="1"/>
+          <p:nvPr/>
+        </p:nvSpPr>
+        <p:spPr>
+          <a:xfrm>
+            <a:off x="11434917" y="6488668"/>
+            <a:ext cx="663964" cy="369332"/>
+          </a:xfrm>
+          <a:prstGeom prst="rect">
+            <a:avLst/>
+          </a:prstGeom>
+          <a:noFill/>
+        </p:spPr>
+        <p:txBody>
+          <a:bodyPr wrap="none" rtlCol="0">
+            <a:spAutoFit/>
+          </a:bodyPr>
+          <a:lstStyle/>
+          <a:p>
+            <a:r>
+              <a:rPr lang="en-US" dirty="0" err="1"/>
+              <a:t>Wk</a:t>
+            </a:r>
+            <a:r>
+              <a:rPr lang="en-US" dirty="0"/>
+              <a:t> 3</a:t>
+            </a:r>
+          </a:p>
+        </p:txBody>
+      </p:sp>
+    </p:spTree>
+    <p:extLst>
+      <p:ext uri="{BB962C8B-B14F-4D97-AF65-F5344CB8AC3E}">
+        <p14:creationId xmlns:p14="http://schemas.microsoft.com/office/powerpoint/2010/main" val="1364146776"/>
+      </p:ext>
+    </p:extLst>
+  </p:cSld>
+  <p:clrMapOvr>
+    <a:masterClrMapping/>
+  </p:clrMapOvr>
+</p:sld>
+</file>
+
+<file path=ppt/slides/slide8.xml><?xml version="1.0" encoding="utf-8"?>
+<p:sld xmlns:a="http://schemas.openxmlformats.org/drawingml/2006/main" xmlns:r="http://schemas.openxmlformats.org/officeDocument/2006/relationships" xmlns:p="http://schemas.openxmlformats.org/presentationml/2006/main">
+  <p:cSld>
+    <p:spTree>
+      <p:nvGrpSpPr>
+        <p:cNvPr id="1" name=""/>
+        <p:cNvGrpSpPr/>
+        <p:nvPr/>
+      </p:nvGrpSpPr>
+      <p:grpSpPr>
+        <a:xfrm>
+          <a:off x="0" y="0"/>
+          <a:ext cx="0" cy="0"/>
+          <a:chOff x="0" y="0"/>
+          <a:chExt cx="0" cy="0"/>
+        </a:xfrm>
+      </p:grpSpPr>
+      <p:sp>
+        <p:nvSpPr>
+          <p:cNvPr id="2" name="Title 1">
+            <a:extLst>
+              <a:ext uri="{FF2B5EF4-FFF2-40B4-BE49-F238E27FC236}">
+                <a16:creationId xmlns:a16="http://schemas.microsoft.com/office/drawing/2014/main" id="{E8F68AAB-ECF7-4840-A242-0013C03AD5E7}"/>
+              </a:ext>
+            </a:extLst>
+          </p:cNvPr>
+          <p:cNvSpPr>
+            <a:spLocks noGrp="1"/>
+          </p:cNvSpPr>
+          <p:nvPr>
+            <p:ph type="title"/>
+          </p:nvPr>
+        </p:nvSpPr>
+        <p:spPr/>
+        <p:txBody>
+          <a:bodyPr/>
+          <a:lstStyle/>
+          <a:p>
+            <a:r>
+              <a:rPr lang="en-US" dirty="0">
+                <a:latin typeface="Arial Nova Light" panose="020B0304020202020204" pitchFamily="34" charset="0"/>
+              </a:rPr>
+              <a:t>SNR and BER for AWGN</a:t>
+            </a:r>
+          </a:p>
+        </p:txBody>
+      </p:sp>
+      <p:sp>
+        <p:nvSpPr>
+          <p:cNvPr id="3" name="Content Placeholder 2">
+            <a:extLst>
+              <a:ext uri="{FF2B5EF4-FFF2-40B4-BE49-F238E27FC236}">
+                <a16:creationId xmlns:a16="http://schemas.microsoft.com/office/drawing/2014/main" id="{84FED709-9D9D-4B4F-B19D-1B791222350D}"/>
+              </a:ext>
+            </a:extLst>
+          </p:cNvPr>
+          <p:cNvSpPr>
+            <a:spLocks noGrp="1"/>
+          </p:cNvSpPr>
+          <p:nvPr>
+            <p:ph idx="1"/>
+          </p:nvPr>
+        </p:nvSpPr>
+        <p:spPr>
+          <a:xfrm>
+            <a:off x="740216" y="2015331"/>
+            <a:ext cx="4746184" cy="4351338"/>
+          </a:xfrm>
+        </p:spPr>
+        <p:txBody>
+          <a:bodyPr>
+            <a:normAutofit/>
+          </a:bodyPr>
+          <a:lstStyle/>
+          <a:p>
+            <a:r>
+              <a:rPr lang="en-US" dirty="0">
+                <a:latin typeface="Arial" panose="020B0604020202020204" pitchFamily="34" charset="0"/>
+                <a:cs typeface="Arial" panose="020B0604020202020204" pitchFamily="34" charset="0"/>
+              </a:rPr>
+              <a:t>Repeating the transmission with AWGN noise gives the expected result.</a:t>
+            </a:r>
+          </a:p>
+          <a:p>
+            <a:r>
+              <a:rPr lang="en-US" dirty="0">
+                <a:latin typeface="Arial" panose="020B0604020202020204" pitchFamily="34" charset="0"/>
+                <a:cs typeface="Arial" panose="020B0604020202020204" pitchFamily="34" charset="0"/>
+              </a:rPr>
+              <a:t>Now two different noise models can be compared in further experiments  </a:t>
+            </a:r>
+          </a:p>
+          <a:p>
+            <a:r>
+              <a:rPr lang="en-US" dirty="0">
+                <a:latin typeface="Arial" panose="020B0604020202020204" pitchFamily="34" charset="0"/>
+                <a:cs typeface="Arial" panose="020B0604020202020204" pitchFamily="34" charset="0"/>
+              </a:rPr>
+              <a:t>Created a known-symbol set instead of a random one for more control over the input</a:t>
+            </a:r>
+          </a:p>
+        </p:txBody>
+      </p:sp>
+      <p:pic>
+        <p:nvPicPr>
+          <p:cNvPr id="4097" name="Picture 1">
+            <a:extLst>
+              <a:ext uri="{FF2B5EF4-FFF2-40B4-BE49-F238E27FC236}">
+                <a16:creationId xmlns:a16="http://schemas.microsoft.com/office/drawing/2014/main" id="{CC20EA11-2EDA-4D8B-B9C8-E8F9F3FC8886}"/>
+              </a:ext>
+            </a:extLst>
+          </p:cNvPr>
+          <p:cNvPicPr>
+            <a:picLocks noChangeAspect="1" noChangeArrowheads="1"/>
+          </p:cNvPicPr>
+          <p:nvPr/>
+        </p:nvPicPr>
+        <p:blipFill>
+          <a:blip r:embed="rId2">
+            <a:extLst>
+              <a:ext uri="{28A0092B-C50C-407E-A947-70E740481C1C}">
+                <a14:useLocalDpi xmlns:a14="http://schemas.microsoft.com/office/drawing/2010/main" val="0"/>
+              </a:ext>
+            </a:extLst>
+          </a:blip>
+          <a:srcRect/>
+          <a:stretch>
+            <a:fillRect/>
+          </a:stretch>
+        </p:blipFill>
+        <p:spPr bwMode="auto">
+          <a:xfrm>
+            <a:off x="5402399" y="1690688"/>
+            <a:ext cx="6667500" cy="5000625"/>
+          </a:xfrm>
+          <a:prstGeom prst="rect">
+            <a:avLst/>
+          </a:prstGeom>
+          <a:noFill/>
+          <a:extLst>
+            <a:ext uri="{909E8E84-426E-40DD-AFC4-6F175D3DCCD1}">
+              <a14:hiddenFill xmlns:a14="http://schemas.microsoft.com/office/drawing/2010/main">
+                <a:solidFill>
+                  <a:srgbClr val="FFFFFF"/>
+                </a:solidFill>
+              </a14:hiddenFill>
+            </a:ext>
+          </a:extLst>
+        </p:spPr>
+      </p:pic>
+    </p:spTree>
+    <p:extLst>
+      <p:ext uri="{BB962C8B-B14F-4D97-AF65-F5344CB8AC3E}">
+        <p14:creationId xmlns:p14="http://schemas.microsoft.com/office/powerpoint/2010/main" val="2317942036"/>
+      </p:ext>
+    </p:extLst>
+  </p:cSld>
+  <p:clrMapOvr>
+    <a:masterClrMapping/>
+  </p:clrMapOvr>
+</p:sld>
+</file>
+
+<file path=ppt/slides/slide9.xml><?xml version="1.0" encoding="utf-8"?>
+<p:sld xmlns:a="http://schemas.openxmlformats.org/drawingml/2006/main" xmlns:r="http://schemas.openxmlformats.org/officeDocument/2006/relationships" xmlns:p="http://schemas.openxmlformats.org/presentationml/2006/main">
+  <p:cSld>
+    <p:spTree>
+      <p:nvGrpSpPr>
+        <p:cNvPr id="1" name=""/>
+        <p:cNvGrpSpPr/>
+        <p:nvPr/>
+      </p:nvGrpSpPr>
+      <p:grpSpPr>
+        <a:xfrm>
+          <a:off x="0" y="0"/>
+          <a:ext cx="0" cy="0"/>
+          <a:chOff x="0" y="0"/>
+          <a:chExt cx="0" cy="0"/>
+        </a:xfrm>
+      </p:grpSpPr>
+      <p:pic>
+        <p:nvPicPr>
+          <p:cNvPr id="4" name="Content Placeholder 3">
+            <a:extLst>
+              <a:ext uri="{FF2B5EF4-FFF2-40B4-BE49-F238E27FC236}">
+                <a16:creationId xmlns:a16="http://schemas.microsoft.com/office/drawing/2014/main" id="{372D27E2-9851-4529-BBDD-B76B7D416D5E}"/>
+              </a:ext>
+            </a:extLst>
+          </p:cNvPr>
+          <p:cNvPicPr>
+            <a:picLocks noGrp="1" noChangeAspect="1"/>
+          </p:cNvPicPr>
+          <p:nvPr>
+            <p:ph idx="1"/>
+          </p:nvPr>
+        </p:nvPicPr>
+        <p:blipFill>
+          <a:blip r:embed="rId2"/>
+          <a:stretch>
+            <a:fillRect/>
+          </a:stretch>
+        </p:blipFill>
+        <p:spPr>
+          <a:xfrm>
+            <a:off x="838200" y="2101236"/>
+            <a:ext cx="10515600" cy="3898202"/>
+          </a:xfrm>
+          <a:prstGeom prst="rect">
+            <a:avLst/>
+          </a:prstGeom>
+        </p:spPr>
+      </p:pic>
+      <p:sp>
+        <p:nvSpPr>
+          <p:cNvPr id="5" name="Title 1">
+            <a:extLst>
+              <a:ext uri="{FF2B5EF4-FFF2-40B4-BE49-F238E27FC236}">
+                <a16:creationId xmlns:a16="http://schemas.microsoft.com/office/drawing/2014/main" id="{F2262006-A32B-4E6C-810C-3BFE509339D5}"/>
+              </a:ext>
+            </a:extLst>
+          </p:cNvPr>
+          <p:cNvSpPr>
+            <a:spLocks noGrp="1"/>
+          </p:cNvSpPr>
+          <p:nvPr>
+            <p:ph type="title"/>
+          </p:nvPr>
+        </p:nvSpPr>
+        <p:spPr>
+          <a:xfrm>
+            <a:off x="838200" y="365125"/>
+            <a:ext cx="10515600" cy="1325563"/>
+          </a:xfrm>
+        </p:spPr>
+        <p:txBody>
+          <a:bodyPr/>
+          <a:lstStyle/>
+          <a:p>
+            <a:r>
+              <a:rPr lang="en-US" dirty="0">
+                <a:latin typeface="Arial Nova Light" panose="020B0304020202020204" pitchFamily="34" charset="0"/>
+              </a:rPr>
+              <a:t>Working towards a transceiver model</a:t>
+            </a:r>
+          </a:p>
+        </p:txBody>
+      </p:sp>
+    </p:spTree>
+    <p:extLst>
+      <p:ext uri="{BB962C8B-B14F-4D97-AF65-F5344CB8AC3E}">
+        <p14:creationId xmlns:p14="http://schemas.microsoft.com/office/powerpoint/2010/main" val="2055518084"/>
       </p:ext>
     </p:extLst>
   </p:cSld>

--- a/Master's meetings presentation.pptx
+++ b/Master's meetings presentation.pptx
@@ -6,16 +6,14 @@
   </p:sldMasterIdLst>
   <p:sldIdLst>
     <p:sldId id="258" r:id="rId2"/>
-    <p:sldId id="266" r:id="rId3"/>
-    <p:sldId id="259" r:id="rId4"/>
-    <p:sldId id="257" r:id="rId5"/>
-    <p:sldId id="261" r:id="rId6"/>
-    <p:sldId id="260" r:id="rId7"/>
-    <p:sldId id="262" r:id="rId8"/>
-    <p:sldId id="263" r:id="rId9"/>
-    <p:sldId id="264" r:id="rId10"/>
-    <p:sldId id="265" r:id="rId11"/>
-    <p:sldId id="267" r:id="rId12"/>
+    <p:sldId id="259" r:id="rId3"/>
+    <p:sldId id="257" r:id="rId4"/>
+    <p:sldId id="261" r:id="rId5"/>
+    <p:sldId id="260" r:id="rId6"/>
+    <p:sldId id="262" r:id="rId7"/>
+    <p:sldId id="263" r:id="rId8"/>
+    <p:sldId id="264" r:id="rId9"/>
+    <p:sldId id="265" r:id="rId10"/>
   </p:sldIdLst>
   <p:sldSz cx="12192000" cy="6858000"/>
   <p:notesSz cx="6858000" cy="9144000"/>
@@ -122,17 +120,87 @@
 </p:presentation>
 </file>
 
+<file path=ppt/revisionInfo.xml><?xml version="1.0" encoding="utf-8"?>
+<p1510:revInfo xmlns:a="http://schemas.openxmlformats.org/drawingml/2006/main" xmlns:r="http://schemas.openxmlformats.org/officeDocument/2006/relationships" xmlns:p1510="http://schemas.microsoft.com/office/powerpoint/2015/10/main">
+  <p1510:revLst>
+    <p1510:client id="{99393E6A-E5DA-4161-AF94-5EF99894ADD1}" v="1" dt="2020-11-07T17:58:05.207"/>
+  </p1510:revLst>
+</p1510:revInfo>
+</file>
+
 <file path=ppt/changesInfos/changesInfo1.xml><?xml version="1.0" encoding="utf-8"?>
 <pc:chgInfo xmlns:a="http://schemas.openxmlformats.org/drawingml/2006/main" xmlns:r="http://schemas.openxmlformats.org/officeDocument/2006/relationships" xmlns:ac="http://schemas.microsoft.com/office/drawing/2013/main/command" xmlns:pc="http://schemas.microsoft.com/office/powerpoint/2013/main/command">
   <pc:docChgLst>
     <pc:chgData name="emilios christou" userId="24346211dd9f44dd" providerId="LiveId" clId="{99393E6A-E5DA-4161-AF94-5EF99894ADD1}"/>
-    <pc:docChg chg="undo custSel addSld modSld sldOrd">
-      <pc:chgData name="emilios christou" userId="24346211dd9f44dd" providerId="LiveId" clId="{99393E6A-E5DA-4161-AF94-5EF99894ADD1}" dt="2020-11-04T14:44:26.824" v="151" actId="5793"/>
+    <pc:docChg chg="undo custSel addSld delSld modSld sldOrd">
+      <pc:chgData name="emilios christou" userId="24346211dd9f44dd" providerId="LiveId" clId="{99393E6A-E5DA-4161-AF94-5EF99894ADD1}" dt="2020-11-07T17:59:07.837" v="280" actId="20577"/>
       <pc:docMkLst>
         <pc:docMk/>
       </pc:docMkLst>
-      <pc:sldChg chg="modSp new mod ord">
-        <pc:chgData name="emilios christou" userId="24346211dd9f44dd" providerId="LiveId" clId="{99393E6A-E5DA-4161-AF94-5EF99894ADD1}" dt="2020-11-04T14:44:26.824" v="151" actId="5793"/>
+      <pc:sldChg chg="addSp delSp modSp mod">
+        <pc:chgData name="emilios christou" userId="24346211dd9f44dd" providerId="LiveId" clId="{99393E6A-E5DA-4161-AF94-5EF99894ADD1}" dt="2020-11-07T17:58:11.012" v="162" actId="1076"/>
+        <pc:sldMkLst>
+          <pc:docMk/>
+          <pc:sldMk cId="2055518084" sldId="264"/>
+        </pc:sldMkLst>
+        <pc:spChg chg="add del mod">
+          <ac:chgData name="emilios christou" userId="24346211dd9f44dd" providerId="LiveId" clId="{99393E6A-E5DA-4161-AF94-5EF99894ADD1}" dt="2020-11-07T17:57:53.653" v="156" actId="478"/>
+          <ac:spMkLst>
+            <pc:docMk/>
+            <pc:sldMk cId="2055518084" sldId="264"/>
+            <ac:spMk id="3" creationId="{D50FA920-5398-484F-BE62-987D02D849D9}"/>
+          </ac:spMkLst>
+        </pc:spChg>
+        <pc:spChg chg="add mod">
+          <ac:chgData name="emilios christou" userId="24346211dd9f44dd" providerId="LiveId" clId="{99393E6A-E5DA-4161-AF94-5EF99894ADD1}" dt="2020-11-07T17:58:11.012" v="162" actId="1076"/>
+          <ac:spMkLst>
+            <pc:docMk/>
+            <pc:sldMk cId="2055518084" sldId="264"/>
+            <ac:spMk id="6" creationId="{E695985B-799F-4D2A-B6B4-6264CA2DB280}"/>
+          </ac:spMkLst>
+        </pc:spChg>
+        <pc:picChg chg="add del">
+          <ac:chgData name="emilios christou" userId="24346211dd9f44dd" providerId="LiveId" clId="{99393E6A-E5DA-4161-AF94-5EF99894ADD1}" dt="2020-11-07T17:57:53.653" v="156" actId="478"/>
+          <ac:picMkLst>
+            <pc:docMk/>
+            <pc:sldMk cId="2055518084" sldId="264"/>
+            <ac:picMk id="4" creationId="{372D27E2-9851-4529-BBDD-B76B7D416D5E}"/>
+          </ac:picMkLst>
+        </pc:picChg>
+      </pc:sldChg>
+      <pc:sldChg chg="addSp delSp modSp mod">
+        <pc:chgData name="emilios christou" userId="24346211dd9f44dd" providerId="LiveId" clId="{99393E6A-E5DA-4161-AF94-5EF99894ADD1}" dt="2020-11-07T17:59:07.837" v="280" actId="20577"/>
+        <pc:sldMkLst>
+          <pc:docMk/>
+          <pc:sldMk cId="2645954593" sldId="265"/>
+        </pc:sldMkLst>
+        <pc:spChg chg="del">
+          <ac:chgData name="emilios christou" userId="24346211dd9f44dd" providerId="LiveId" clId="{99393E6A-E5DA-4161-AF94-5EF99894ADD1}" dt="2020-11-07T17:57:44.743" v="154" actId="478"/>
+          <ac:spMkLst>
+            <pc:docMk/>
+            <pc:sldMk cId="2645954593" sldId="265"/>
+            <ac:spMk id="2" creationId="{AD1405ED-3941-4D1C-8485-C86896B5B362}"/>
+          </ac:spMkLst>
+        </pc:spChg>
+        <pc:spChg chg="mod">
+          <ac:chgData name="emilios christou" userId="24346211dd9f44dd" providerId="LiveId" clId="{99393E6A-E5DA-4161-AF94-5EF99894ADD1}" dt="2020-11-07T17:59:07.837" v="280" actId="20577"/>
+          <ac:spMkLst>
+            <pc:docMk/>
+            <pc:sldMk cId="2645954593" sldId="265"/>
+            <ac:spMk id="3" creationId="{DF115913-C391-409D-A2C5-914051AC17A6}"/>
+          </ac:spMkLst>
+        </pc:spChg>
+        <pc:spChg chg="add mod">
+          <ac:chgData name="emilios christou" userId="24346211dd9f44dd" providerId="LiveId" clId="{99393E6A-E5DA-4161-AF94-5EF99894ADD1}" dt="2020-11-07T17:58:28.352" v="185" actId="20577"/>
+          <ac:spMkLst>
+            <pc:docMk/>
+            <pc:sldMk cId="2645954593" sldId="265"/>
+            <ac:spMk id="5" creationId="{9D62023B-BD1E-4C25-AF60-46F068140980}"/>
+          </ac:spMkLst>
+        </pc:spChg>
+      </pc:sldChg>
+      <pc:sldChg chg="modSp new del mod ord">
+        <pc:chgData name="emilios christou" userId="24346211dd9f44dd" providerId="LiveId" clId="{99393E6A-E5DA-4161-AF94-5EF99894ADD1}" dt="2020-11-07T17:54:47.148" v="152" actId="2696"/>
         <pc:sldMkLst>
           <pc:docMk/>
           <pc:sldMk cId="4092302029" sldId="266"/>
@@ -321,7 +389,7 @@
           <a:p>
             <a:fld id="{1D6AAEF1-BB65-438A-947A-6BD8EC392D5A}" type="datetimeFigureOut">
               <a:rPr lang="en-US" smtClean="0"/>
-              <a:t>11/4/2020</a:t>
+              <a:t>11/10/2020</a:t>
             </a:fld>
             <a:endParaRPr lang="en-US"/>
           </a:p>
@@ -519,7 +587,7 @@
           <a:p>
             <a:fld id="{1D6AAEF1-BB65-438A-947A-6BD8EC392D5A}" type="datetimeFigureOut">
               <a:rPr lang="en-US" smtClean="0"/>
-              <a:t>11/4/2020</a:t>
+              <a:t>11/10/2020</a:t>
             </a:fld>
             <a:endParaRPr lang="en-US"/>
           </a:p>
@@ -727,7 +795,7 @@
           <a:p>
             <a:fld id="{1D6AAEF1-BB65-438A-947A-6BD8EC392D5A}" type="datetimeFigureOut">
               <a:rPr lang="en-US" smtClean="0"/>
-              <a:t>11/4/2020</a:t>
+              <a:t>11/10/2020</a:t>
             </a:fld>
             <a:endParaRPr lang="en-US"/>
           </a:p>
@@ -925,7 +993,7 @@
           <a:p>
             <a:fld id="{1D6AAEF1-BB65-438A-947A-6BD8EC392D5A}" type="datetimeFigureOut">
               <a:rPr lang="en-US" smtClean="0"/>
-              <a:t>11/4/2020</a:t>
+              <a:t>11/10/2020</a:t>
             </a:fld>
             <a:endParaRPr lang="en-US"/>
           </a:p>
@@ -1200,7 +1268,7 @@
           <a:p>
             <a:fld id="{1D6AAEF1-BB65-438A-947A-6BD8EC392D5A}" type="datetimeFigureOut">
               <a:rPr lang="en-US" smtClean="0"/>
-              <a:t>11/4/2020</a:t>
+              <a:t>11/10/2020</a:t>
             </a:fld>
             <a:endParaRPr lang="en-US"/>
           </a:p>
@@ -1465,7 +1533,7 @@
           <a:p>
             <a:fld id="{1D6AAEF1-BB65-438A-947A-6BD8EC392D5A}" type="datetimeFigureOut">
               <a:rPr lang="en-US" smtClean="0"/>
-              <a:t>11/4/2020</a:t>
+              <a:t>11/10/2020</a:t>
             </a:fld>
             <a:endParaRPr lang="en-US"/>
           </a:p>
@@ -1877,7 +1945,7 @@
           <a:p>
             <a:fld id="{1D6AAEF1-BB65-438A-947A-6BD8EC392D5A}" type="datetimeFigureOut">
               <a:rPr lang="en-US" smtClean="0"/>
-              <a:t>11/4/2020</a:t>
+              <a:t>11/10/2020</a:t>
             </a:fld>
             <a:endParaRPr lang="en-US"/>
           </a:p>
@@ -2018,7 +2086,7 @@
           <a:p>
             <a:fld id="{1D6AAEF1-BB65-438A-947A-6BD8EC392D5A}" type="datetimeFigureOut">
               <a:rPr lang="en-US" smtClean="0"/>
-              <a:t>11/4/2020</a:t>
+              <a:t>11/10/2020</a:t>
             </a:fld>
             <a:endParaRPr lang="en-US"/>
           </a:p>
@@ -2131,7 +2199,7 @@
           <a:p>
             <a:fld id="{1D6AAEF1-BB65-438A-947A-6BD8EC392D5A}" type="datetimeFigureOut">
               <a:rPr lang="en-US" smtClean="0"/>
-              <a:t>11/4/2020</a:t>
+              <a:t>11/10/2020</a:t>
             </a:fld>
             <a:endParaRPr lang="en-US"/>
           </a:p>
@@ -2442,7 +2510,7 @@
           <a:p>
             <a:fld id="{1D6AAEF1-BB65-438A-947A-6BD8EC392D5A}" type="datetimeFigureOut">
               <a:rPr lang="en-US" smtClean="0"/>
-              <a:t>11/4/2020</a:t>
+              <a:t>11/10/2020</a:t>
             </a:fld>
             <a:endParaRPr lang="en-US"/>
           </a:p>
@@ -2730,7 +2798,7 @@
           <a:p>
             <a:fld id="{1D6AAEF1-BB65-438A-947A-6BD8EC392D5A}" type="datetimeFigureOut">
               <a:rPr lang="en-US" smtClean="0"/>
-              <a:t>11/4/2020</a:t>
+              <a:t>11/10/2020</a:t>
             </a:fld>
             <a:endParaRPr lang="en-US"/>
           </a:p>
@@ -2971,7 +3039,7 @@
           <a:p>
             <a:fld id="{1D6AAEF1-BB65-438A-947A-6BD8EC392D5A}" type="datetimeFigureOut">
               <a:rPr lang="en-US" smtClean="0"/>
-              <a:t>11/4/2020</a:t>
+              <a:t>11/10/2020</a:t>
             </a:fld>
             <a:endParaRPr lang="en-US"/>
           </a:p>
@@ -3523,329 +3591,7 @@
 </p:sld>
 </file>
 
-<file path=ppt/slides/slide10.xml><?xml version="1.0" encoding="utf-8"?>
-<p:sld xmlns:a="http://schemas.openxmlformats.org/drawingml/2006/main" xmlns:r="http://schemas.openxmlformats.org/officeDocument/2006/relationships" xmlns:p="http://schemas.openxmlformats.org/presentationml/2006/main">
-  <p:cSld>
-    <p:spTree>
-      <p:nvGrpSpPr>
-        <p:cNvPr id="1" name=""/>
-        <p:cNvGrpSpPr/>
-        <p:nvPr/>
-      </p:nvGrpSpPr>
-      <p:grpSpPr>
-        <a:xfrm>
-          <a:off x="0" y="0"/>
-          <a:ext cx="0" cy="0"/>
-          <a:chOff x="0" y="0"/>
-          <a:chExt cx="0" cy="0"/>
-        </a:xfrm>
-      </p:grpSpPr>
-      <p:sp>
-        <p:nvSpPr>
-          <p:cNvPr id="2" name="Title 1">
-            <a:extLst>
-              <a:ext uri="{FF2B5EF4-FFF2-40B4-BE49-F238E27FC236}">
-                <a16:creationId xmlns:a16="http://schemas.microsoft.com/office/drawing/2014/main" id="{AD1405ED-3941-4D1C-8485-C86896B5B362}"/>
-              </a:ext>
-            </a:extLst>
-          </p:cNvPr>
-          <p:cNvSpPr>
-            <a:spLocks noGrp="1"/>
-          </p:cNvSpPr>
-          <p:nvPr>
-            <p:ph type="title"/>
-          </p:nvPr>
-        </p:nvSpPr>
-        <p:spPr/>
-        <p:txBody>
-          <a:bodyPr/>
-          <a:lstStyle/>
-          <a:p>
-            <a:r>
-              <a:rPr lang="en-US" dirty="0">
-                <a:latin typeface="Arial Nova Light" panose="020B0304020202020204" pitchFamily="34" charset="0"/>
-              </a:rPr>
-              <a:t>Future goals</a:t>
-            </a:r>
-          </a:p>
-        </p:txBody>
-      </p:sp>
-      <p:sp>
-        <p:nvSpPr>
-          <p:cNvPr id="3" name="Content Placeholder 2">
-            <a:extLst>
-              <a:ext uri="{FF2B5EF4-FFF2-40B4-BE49-F238E27FC236}">
-                <a16:creationId xmlns:a16="http://schemas.microsoft.com/office/drawing/2014/main" id="{DF115913-C391-409D-A2C5-914051AC17A6}"/>
-              </a:ext>
-            </a:extLst>
-          </p:cNvPr>
-          <p:cNvSpPr>
-            <a:spLocks noGrp="1"/>
-          </p:cNvSpPr>
-          <p:nvPr>
-            <p:ph idx="1"/>
-          </p:nvPr>
-        </p:nvSpPr>
-        <p:spPr/>
-        <p:txBody>
-          <a:bodyPr/>
-          <a:lstStyle/>
-          <a:p>
-            <a:r>
-              <a:rPr lang="en-US" dirty="0">
-                <a:latin typeface="Arial" panose="020B0604020202020204" pitchFamily="34" charset="0"/>
-                <a:cs typeface="Arial" panose="020B0604020202020204" pitchFamily="34" charset="0"/>
-              </a:rPr>
-              <a:t>Continue implementation, iteratively including more components of simulated transceiver models until the industry standard is met</a:t>
-            </a:r>
-          </a:p>
-          <a:p>
-            <a:pPr marL="0" indent="0">
-              <a:buNone/>
-            </a:pPr>
-            <a:endParaRPr lang="en-US" dirty="0">
-              <a:latin typeface="Arial" panose="020B0604020202020204" pitchFamily="34" charset="0"/>
-              <a:cs typeface="Arial" panose="020B0604020202020204" pitchFamily="34" charset="0"/>
-            </a:endParaRPr>
-          </a:p>
-          <a:p>
-            <a:r>
-              <a:rPr lang="en-US" dirty="0">
-                <a:latin typeface="Arial" panose="020B0604020202020204" pitchFamily="34" charset="0"/>
-                <a:cs typeface="Arial" panose="020B0604020202020204" pitchFamily="34" charset="0"/>
-              </a:rPr>
-              <a:t>Work towards using synchronization, equalization and shaping algorithms (probabilistic shaping)</a:t>
-            </a:r>
-          </a:p>
-          <a:p>
-            <a:endParaRPr lang="en-US" dirty="0">
-              <a:latin typeface="Arial" panose="020B0604020202020204" pitchFamily="34" charset="0"/>
-              <a:cs typeface="Arial" panose="020B0604020202020204" pitchFamily="34" charset="0"/>
-            </a:endParaRPr>
-          </a:p>
-          <a:p>
-            <a:r>
-              <a:rPr lang="en-US" dirty="0">
-                <a:latin typeface="Arial" panose="020B0604020202020204" pitchFamily="34" charset="0"/>
-                <a:cs typeface="Arial" panose="020B0604020202020204" pitchFamily="34" charset="0"/>
-              </a:rPr>
-              <a:t>Explore physical constraints limiting the simulation</a:t>
-            </a:r>
-          </a:p>
-          <a:p>
-            <a:pPr marL="0" indent="0">
-              <a:buNone/>
-            </a:pPr>
-            <a:endParaRPr lang="en-US" dirty="0">
-              <a:latin typeface="Arial" panose="020B0604020202020204" pitchFamily="34" charset="0"/>
-              <a:cs typeface="Arial" panose="020B0604020202020204" pitchFamily="34" charset="0"/>
-            </a:endParaRPr>
-          </a:p>
-        </p:txBody>
-      </p:sp>
-    </p:spTree>
-    <p:extLst>
-      <p:ext uri="{BB962C8B-B14F-4D97-AF65-F5344CB8AC3E}">
-        <p14:creationId xmlns:p14="http://schemas.microsoft.com/office/powerpoint/2010/main" val="2645954593"/>
-      </p:ext>
-    </p:extLst>
-  </p:cSld>
-  <p:clrMapOvr>
-    <a:masterClrMapping/>
-  </p:clrMapOvr>
-</p:sld>
-</file>
-
-<file path=ppt/slides/slide11.xml><?xml version="1.0" encoding="utf-8"?>
-<p:sld xmlns:a="http://schemas.openxmlformats.org/drawingml/2006/main" xmlns:r="http://schemas.openxmlformats.org/officeDocument/2006/relationships" xmlns:p="http://schemas.openxmlformats.org/presentationml/2006/main">
-  <p:cSld>
-    <p:spTree>
-      <p:nvGrpSpPr>
-        <p:cNvPr id="1" name=""/>
-        <p:cNvGrpSpPr/>
-        <p:nvPr/>
-      </p:nvGrpSpPr>
-      <p:grpSpPr>
-        <a:xfrm>
-          <a:off x="0" y="0"/>
-          <a:ext cx="0" cy="0"/>
-          <a:chOff x="0" y="0"/>
-          <a:chExt cx="0" cy="0"/>
-        </a:xfrm>
-      </p:grpSpPr>
-      <p:sp>
-        <p:nvSpPr>
-          <p:cNvPr id="2" name="Title 1">
-            <a:extLst>
-              <a:ext uri="{FF2B5EF4-FFF2-40B4-BE49-F238E27FC236}">
-                <a16:creationId xmlns:a16="http://schemas.microsoft.com/office/drawing/2014/main" id="{52FFD31E-BC13-44E7-8C55-59A8BC430DDB}"/>
-              </a:ext>
-            </a:extLst>
-          </p:cNvPr>
-          <p:cNvSpPr>
-            <a:spLocks noGrp="1"/>
-          </p:cNvSpPr>
-          <p:nvPr>
-            <p:ph type="title"/>
-          </p:nvPr>
-        </p:nvSpPr>
-        <p:spPr/>
-        <p:txBody>
-          <a:bodyPr/>
-          <a:lstStyle/>
-          <a:p>
-            <a:r>
-              <a:rPr lang="en-US" dirty="0"/>
-              <a:t>Timeline	</a:t>
-            </a:r>
-          </a:p>
-        </p:txBody>
-      </p:sp>
-      <p:sp>
-        <p:nvSpPr>
-          <p:cNvPr id="3" name="Content Placeholder 2">
-            <a:extLst>
-              <a:ext uri="{FF2B5EF4-FFF2-40B4-BE49-F238E27FC236}">
-                <a16:creationId xmlns:a16="http://schemas.microsoft.com/office/drawing/2014/main" id="{6CD57023-3500-43BA-81DA-A53A0CF285E8}"/>
-              </a:ext>
-            </a:extLst>
-          </p:cNvPr>
-          <p:cNvSpPr>
-            <a:spLocks noGrp="1"/>
-          </p:cNvSpPr>
-          <p:nvPr>
-            <p:ph idx="1"/>
-          </p:nvPr>
-        </p:nvSpPr>
-        <p:spPr/>
-        <p:txBody>
-          <a:bodyPr/>
-          <a:lstStyle/>
-          <a:p>
-            <a:endParaRPr lang="en-US" dirty="0"/>
-          </a:p>
-        </p:txBody>
-      </p:sp>
-    </p:spTree>
-    <p:extLst>
-      <p:ext uri="{BB962C8B-B14F-4D97-AF65-F5344CB8AC3E}">
-        <p14:creationId xmlns:p14="http://schemas.microsoft.com/office/powerpoint/2010/main" val="675081134"/>
-      </p:ext>
-    </p:extLst>
-  </p:cSld>
-  <p:clrMapOvr>
-    <a:masterClrMapping/>
-  </p:clrMapOvr>
-</p:sld>
-</file>
-
 <file path=ppt/slides/slide2.xml><?xml version="1.0" encoding="utf-8"?>
-<p:sld xmlns:a="http://schemas.openxmlformats.org/drawingml/2006/main" xmlns:r="http://schemas.openxmlformats.org/officeDocument/2006/relationships" xmlns:p="http://schemas.openxmlformats.org/presentationml/2006/main">
-  <p:cSld>
-    <p:spTree>
-      <p:nvGrpSpPr>
-        <p:cNvPr id="1" name=""/>
-        <p:cNvGrpSpPr/>
-        <p:nvPr/>
-      </p:nvGrpSpPr>
-      <p:grpSpPr>
-        <a:xfrm>
-          <a:off x="0" y="0"/>
-          <a:ext cx="0" cy="0"/>
-          <a:chOff x="0" y="0"/>
-          <a:chExt cx="0" cy="0"/>
-        </a:xfrm>
-      </p:grpSpPr>
-      <p:sp>
-        <p:nvSpPr>
-          <p:cNvPr id="2" name="Title 1">
-            <a:extLst>
-              <a:ext uri="{FF2B5EF4-FFF2-40B4-BE49-F238E27FC236}">
-                <a16:creationId xmlns:a16="http://schemas.microsoft.com/office/drawing/2014/main" id="{8A385D4B-A36E-4A51-AA58-00CBA04506EC}"/>
-              </a:ext>
-            </a:extLst>
-          </p:cNvPr>
-          <p:cNvSpPr>
-            <a:spLocks noGrp="1"/>
-          </p:cNvSpPr>
-          <p:nvPr>
-            <p:ph type="title"/>
-          </p:nvPr>
-        </p:nvSpPr>
-        <p:spPr/>
-        <p:txBody>
-          <a:bodyPr/>
-          <a:lstStyle/>
-          <a:p>
-            <a:r>
-              <a:rPr lang="en-US" dirty="0"/>
-              <a:t>Introductory Slide</a:t>
-            </a:r>
-          </a:p>
-        </p:txBody>
-      </p:sp>
-      <p:sp>
-        <p:nvSpPr>
-          <p:cNvPr id="3" name="Content Placeholder 2">
-            <a:extLst>
-              <a:ext uri="{FF2B5EF4-FFF2-40B4-BE49-F238E27FC236}">
-                <a16:creationId xmlns:a16="http://schemas.microsoft.com/office/drawing/2014/main" id="{497C39CC-9C80-432D-A95E-C175D03EAD23}"/>
-              </a:ext>
-            </a:extLst>
-          </p:cNvPr>
-          <p:cNvSpPr>
-            <a:spLocks noGrp="1"/>
-          </p:cNvSpPr>
-          <p:nvPr>
-            <p:ph idx="1"/>
-          </p:nvPr>
-        </p:nvSpPr>
-        <p:spPr/>
-        <p:txBody>
-          <a:bodyPr/>
-          <a:lstStyle/>
-          <a:p>
-            <a:r>
-              <a:rPr lang="en-US" dirty="0"/>
-              <a:t>Give information about optical </a:t>
-            </a:r>
-            <a:r>
-              <a:rPr lang="en-US" dirty="0" err="1"/>
-              <a:t>fibres</a:t>
-            </a:r>
-            <a:r>
-              <a:rPr lang="en-US" dirty="0"/>
-              <a:t> (99% of all data)</a:t>
-            </a:r>
-          </a:p>
-          <a:p>
-            <a:r>
-              <a:rPr lang="en-US" dirty="0"/>
-              <a:t>Give context of the problem tackled</a:t>
-            </a:r>
-          </a:p>
-          <a:p>
-            <a:pPr marL="0" indent="0">
-              <a:buNone/>
-            </a:pPr>
-            <a:endParaRPr lang="en-US" dirty="0"/>
-          </a:p>
-        </p:txBody>
-      </p:sp>
-    </p:spTree>
-    <p:extLst>
-      <p:ext uri="{BB962C8B-B14F-4D97-AF65-F5344CB8AC3E}">
-        <p14:creationId xmlns:p14="http://schemas.microsoft.com/office/powerpoint/2010/main" val="4092302029"/>
-      </p:ext>
-    </p:extLst>
-  </p:cSld>
-  <p:clrMapOvr>
-    <a:masterClrMapping/>
-  </p:clrMapOvr>
-</p:sld>
-</file>
-
-<file path=ppt/slides/slide3.xml><?xml version="1.0" encoding="utf-8"?>
 <p:sld xmlns:a="http://schemas.openxmlformats.org/drawingml/2006/main" xmlns:r="http://schemas.openxmlformats.org/officeDocument/2006/relationships" xmlns:p="http://schemas.openxmlformats.org/presentationml/2006/main">
   <p:cSld>
     <p:spTree>
@@ -4093,7 +3839,7 @@
 </p:sld>
 </file>
 
-<file path=ppt/slides/slide4.xml><?xml version="1.0" encoding="utf-8"?>
+<file path=ppt/slides/slide3.xml><?xml version="1.0" encoding="utf-8"?>
 <p:sld xmlns:a="http://schemas.openxmlformats.org/drawingml/2006/main" xmlns:r="http://schemas.openxmlformats.org/officeDocument/2006/relationships" xmlns:p="http://schemas.openxmlformats.org/presentationml/2006/main">
   <p:cSld>
     <p:spTree>
@@ -4251,7 +3997,7 @@
 </p:sld>
 </file>
 
-<file path=ppt/slides/slide5.xml><?xml version="1.0" encoding="utf-8"?>
+<file path=ppt/slides/slide4.xml><?xml version="1.0" encoding="utf-8"?>
 <p:sld xmlns:a="http://schemas.openxmlformats.org/drawingml/2006/main" xmlns:r="http://schemas.openxmlformats.org/officeDocument/2006/relationships" xmlns:p="http://schemas.openxmlformats.org/presentationml/2006/main">
   <p:cSld>
     <p:spTree>
@@ -4633,7 +4379,7 @@
 </p:sld>
 </file>
 
-<file path=ppt/slides/slide6.xml><?xml version="1.0" encoding="utf-8"?>
+<file path=ppt/slides/slide5.xml><?xml version="1.0" encoding="utf-8"?>
 <p:sld xmlns:a="http://schemas.openxmlformats.org/drawingml/2006/main" xmlns:r="http://schemas.openxmlformats.org/officeDocument/2006/relationships" xmlns:p="http://schemas.openxmlformats.org/presentationml/2006/main">
   <p:cSld>
     <p:spTree>
@@ -4708,7 +4454,7 @@
         </p:blipFill>
         <p:spPr>
           <a:xfrm>
-            <a:off x="5763352" y="2141537"/>
+            <a:off x="5763352" y="2124912"/>
             <a:ext cx="5384780" cy="4351338"/>
           </a:xfrm>
         </p:spPr>
@@ -4773,7 +4519,7 @@
 </p:sld>
 </file>
 
-<file path=ppt/slides/slide7.xml><?xml version="1.0" encoding="utf-8"?>
+<file path=ppt/slides/slide6.xml><?xml version="1.0" encoding="utf-8"?>
 <p:sld xmlns:a="http://schemas.openxmlformats.org/drawingml/2006/main" xmlns:r="http://schemas.openxmlformats.org/officeDocument/2006/relationships" xmlns:p="http://schemas.openxmlformats.org/presentationml/2006/main">
   <p:cSld>
     <p:spTree>
@@ -4856,8 +4602,8 @@
         </p:blipFill>
         <p:spPr bwMode="auto">
           <a:xfrm>
-            <a:off x="6227558" y="1904283"/>
-            <a:ext cx="5801784" cy="4351338"/>
+            <a:off x="6344112" y="1671235"/>
+            <a:ext cx="5422787" cy="4067091"/>
           </a:xfrm>
           <a:prstGeom prst="rect">
             <a:avLst/>
@@ -4899,7 +4645,7 @@
         </p:spPr>
         <p:txBody>
           <a:bodyPr vert="horz" lIns="91440" tIns="45720" rIns="91440" bIns="45720" rtlCol="0">
-            <a:normAutofit/>
+            <a:normAutofit lnSpcReduction="10000"/>
           </a:bodyPr>
           <a:lstStyle>
             <a:lvl1pPr marL="228600" indent="-228600" algn="l" defTabSz="914400" rtl="0" eaLnBrk="1" latinLnBrk="0" hangingPunct="1">
@@ -5071,7 +4817,7 @@
                 <a:latin typeface="Arial" panose="020B0604020202020204" pitchFamily="34" charset="0"/>
                 <a:cs typeface="Arial" panose="020B0604020202020204" pitchFamily="34" charset="0"/>
               </a:rPr>
-              <a:t>This noise only affects phase</a:t>
+              <a:t>Plotting noise in a wrong way, bugs in code that need to be fixed</a:t>
             </a:r>
           </a:p>
           <a:p>
@@ -5080,16 +4826,21 @@
                 <a:latin typeface="Arial" panose="020B0604020202020204" pitchFamily="34" charset="0"/>
                 <a:cs typeface="Arial" panose="020B0604020202020204" pitchFamily="34" charset="0"/>
               </a:rPr>
-              <a:t>Therefore the SNR is 1 regardless of the amount of phase noise added (0dB on graph)</a:t>
-            </a:r>
-          </a:p>
-          <a:p>
+              <a:t>Attempting to measure noise with the snr </a:t>
+            </a:r>
+            <a:r>
+              <a:rPr lang="en-US" dirty="0" err="1">
+                <a:latin typeface="Arial" panose="020B0604020202020204" pitchFamily="34" charset="0"/>
+                <a:cs typeface="Arial" panose="020B0604020202020204" pitchFamily="34" charset="0"/>
+              </a:rPr>
+              <a:t>Matlab</a:t>
+            </a:r>
             <a:r>
               <a:rPr lang="en-US" dirty="0">
                 <a:latin typeface="Arial" panose="020B0604020202020204" pitchFamily="34" charset="0"/>
                 <a:cs typeface="Arial" panose="020B0604020202020204" pitchFamily="34" charset="0"/>
               </a:rPr>
-              <a:t>Thus even though BER increases, the SNR cannot give us a measure of the level of noise added</a:t>
+              <a:t> function, cannot find the ratio between noisy signal and unfiltered signal correctly</a:t>
             </a:r>
           </a:p>
           <a:p>
@@ -5098,7 +4849,7 @@
                 <a:latin typeface="Arial" panose="020B0604020202020204" pitchFamily="34" charset="0"/>
                 <a:cs typeface="Arial" panose="020B0604020202020204" pitchFamily="34" charset="0"/>
               </a:rPr>
-              <a:t>Different technique needed, need to measure jitter</a:t>
+              <a:t> Cannot find snr between symbols vector and their added phase noise vector either, approach replaced with specifying SNR directly instead of measuring it </a:t>
             </a:r>
           </a:p>
         </p:txBody>
@@ -5155,7 +4906,7 @@
 </p:sld>
 </file>
 
-<file path=ppt/slides/slide8.xml><?xml version="1.0" encoding="utf-8"?>
+<file path=ppt/slides/slide7.xml><?xml version="1.0" encoding="utf-8"?>
 <p:sld xmlns:a="http://schemas.openxmlformats.org/drawingml/2006/main" xmlns:r="http://schemas.openxmlformats.org/officeDocument/2006/relationships" xmlns:p="http://schemas.openxmlformats.org/presentationml/2006/main">
   <p:cSld>
     <p:spTree>
@@ -5197,7 +4948,7 @@
               <a:rPr lang="en-US" dirty="0">
                 <a:latin typeface="Arial Nova Light" panose="020B0304020202020204" pitchFamily="34" charset="0"/>
               </a:rPr>
-              <a:t>SNR and BER for AWGN</a:t>
+              <a:t>SNR and BER with AWGN</a:t>
             </a:r>
           </a:p>
         </p:txBody>
@@ -5260,10 +5011,10 @@
       </p:sp>
       <p:pic>
         <p:nvPicPr>
-          <p:cNvPr id="4097" name="Picture 1">
-            <a:extLst>
-              <a:ext uri="{FF2B5EF4-FFF2-40B4-BE49-F238E27FC236}">
-                <a16:creationId xmlns:a16="http://schemas.microsoft.com/office/drawing/2014/main" id="{CC20EA11-2EDA-4D8B-B9C8-E8F9F3FC8886}"/>
+          <p:cNvPr id="1025" name="Picture 1">
+            <a:extLst>
+              <a:ext uri="{FF2B5EF4-FFF2-40B4-BE49-F238E27FC236}">
+                <a16:creationId xmlns:a16="http://schemas.microsoft.com/office/drawing/2014/main" id="{8215D771-3314-446E-B053-0412426623DA}"/>
               </a:ext>
             </a:extLst>
           </p:cNvPr>
@@ -5287,8 +5038,8 @@
         </p:blipFill>
         <p:spPr bwMode="auto">
           <a:xfrm>
-            <a:off x="5402399" y="1690688"/>
-            <a:ext cx="6667500" cy="5000625"/>
+            <a:off x="5673212" y="1966373"/>
+            <a:ext cx="5867061" cy="4400296"/>
           </a:xfrm>
           <a:prstGeom prst="rect">
             <a:avLst/>
@@ -5318,7 +5069,7 @@
 </p:sld>
 </file>
 
-<file path=ppt/slides/slide9.xml><?xml version="1.0" encoding="utf-8"?>
+<file path=ppt/slides/slide8.xml><?xml version="1.0" encoding="utf-8"?>
 <p:sld xmlns:a="http://schemas.openxmlformats.org/drawingml/2006/main" xmlns:r="http://schemas.openxmlformats.org/officeDocument/2006/relationships" xmlns:p="http://schemas.openxmlformats.org/presentationml/2006/main">
   <p:cSld>
     <p:spTree>
@@ -5402,10 +5153,256 @@
           </a:p>
         </p:txBody>
       </p:sp>
+      <p:sp>
+        <p:nvSpPr>
+          <p:cNvPr id="6" name="TextBox 5">
+            <a:extLst>
+              <a:ext uri="{FF2B5EF4-FFF2-40B4-BE49-F238E27FC236}">
+                <a16:creationId xmlns:a16="http://schemas.microsoft.com/office/drawing/2014/main" id="{E695985B-799F-4D2A-B6B4-6264CA2DB280}"/>
+              </a:ext>
+            </a:extLst>
+          </p:cNvPr>
+          <p:cNvSpPr txBox="1"/>
+          <p:nvPr/>
+        </p:nvSpPr>
+        <p:spPr>
+          <a:xfrm>
+            <a:off x="11528036" y="6488668"/>
+            <a:ext cx="663964" cy="369332"/>
+          </a:xfrm>
+          <a:prstGeom prst="rect">
+            <a:avLst/>
+          </a:prstGeom>
+          <a:noFill/>
+        </p:spPr>
+        <p:txBody>
+          <a:bodyPr wrap="none" rtlCol="0">
+            <a:spAutoFit/>
+          </a:bodyPr>
+          <a:lstStyle/>
+          <a:p>
+            <a:r>
+              <a:rPr lang="en-GB" dirty="0" err="1"/>
+              <a:t>Wk</a:t>
+            </a:r>
+            <a:r>
+              <a:rPr lang="en-GB" dirty="0"/>
+              <a:t> 4</a:t>
+            </a:r>
+            <a:endParaRPr lang="en-US" dirty="0"/>
+          </a:p>
+        </p:txBody>
+      </p:sp>
     </p:spTree>
     <p:extLst>
       <p:ext uri="{BB962C8B-B14F-4D97-AF65-F5344CB8AC3E}">
         <p14:creationId xmlns:p14="http://schemas.microsoft.com/office/powerpoint/2010/main" val="2055518084"/>
+      </p:ext>
+    </p:extLst>
+  </p:cSld>
+  <p:clrMapOvr>
+    <a:masterClrMapping/>
+  </p:clrMapOvr>
+</p:sld>
+</file>
+
+<file path=ppt/slides/slide9.xml><?xml version="1.0" encoding="utf-8"?>
+<p:sld xmlns:a="http://schemas.openxmlformats.org/drawingml/2006/main" xmlns:r="http://schemas.openxmlformats.org/officeDocument/2006/relationships" xmlns:p="http://schemas.openxmlformats.org/presentationml/2006/main">
+  <p:cSld>
+    <p:spTree>
+      <p:nvGrpSpPr>
+        <p:cNvPr id="1" name=""/>
+        <p:cNvGrpSpPr/>
+        <p:nvPr/>
+      </p:nvGrpSpPr>
+      <p:grpSpPr>
+        <a:xfrm>
+          <a:off x="0" y="0"/>
+          <a:ext cx="0" cy="0"/>
+          <a:chOff x="0" y="0"/>
+          <a:chExt cx="0" cy="0"/>
+        </a:xfrm>
+      </p:grpSpPr>
+      <p:sp>
+        <p:nvSpPr>
+          <p:cNvPr id="5" name="Title 4">
+            <a:extLst>
+              <a:ext uri="{FF2B5EF4-FFF2-40B4-BE49-F238E27FC236}">
+                <a16:creationId xmlns:a16="http://schemas.microsoft.com/office/drawing/2014/main" id="{9D62023B-BD1E-4C25-AF60-46F068140980}"/>
+              </a:ext>
+            </a:extLst>
+          </p:cNvPr>
+          <p:cNvSpPr>
+            <a:spLocks noGrp="1"/>
+          </p:cNvSpPr>
+          <p:nvPr>
+            <p:ph type="title"/>
+          </p:nvPr>
+        </p:nvSpPr>
+        <p:spPr/>
+        <p:txBody>
+          <a:bodyPr/>
+          <a:lstStyle/>
+          <a:p>
+            <a:r>
+              <a:rPr lang="en-GB"/>
+              <a:t>Upscaling and FFT</a:t>
+            </a:r>
+            <a:endParaRPr lang="en-US" dirty="0"/>
+          </a:p>
+        </p:txBody>
+      </p:sp>
+      <p:sp>
+        <p:nvSpPr>
+          <p:cNvPr id="2" name="TextBox 1">
+            <a:extLst>
+              <a:ext uri="{FF2B5EF4-FFF2-40B4-BE49-F238E27FC236}">
+                <a16:creationId xmlns:a16="http://schemas.microsoft.com/office/drawing/2014/main" id="{A1D2021C-D070-4818-B863-EE116C64237A}"/>
+              </a:ext>
+            </a:extLst>
+          </p:cNvPr>
+          <p:cNvSpPr txBox="1"/>
+          <p:nvPr/>
+        </p:nvSpPr>
+        <p:spPr>
+          <a:xfrm>
+            <a:off x="11528036" y="6488668"/>
+            <a:ext cx="663964" cy="369332"/>
+          </a:xfrm>
+          <a:prstGeom prst="rect">
+            <a:avLst/>
+          </a:prstGeom>
+          <a:noFill/>
+        </p:spPr>
+        <p:txBody>
+          <a:bodyPr wrap="none" rtlCol="0">
+            <a:spAutoFit/>
+          </a:bodyPr>
+          <a:lstStyle/>
+          <a:p>
+            <a:r>
+              <a:rPr lang="en-US"/>
+              <a:t>Wk 5</a:t>
+            </a:r>
+            <a:endParaRPr lang="en-US" dirty="0"/>
+          </a:p>
+        </p:txBody>
+      </p:sp>
+      <p:sp>
+        <p:nvSpPr>
+          <p:cNvPr id="6" name="Content Placeholder 5">
+            <a:extLst>
+              <a:ext uri="{FF2B5EF4-FFF2-40B4-BE49-F238E27FC236}">
+                <a16:creationId xmlns:a16="http://schemas.microsoft.com/office/drawing/2014/main" id="{91584520-D7C0-4959-8B44-98202581C100}"/>
+              </a:ext>
+            </a:extLst>
+          </p:cNvPr>
+          <p:cNvSpPr>
+            <a:spLocks noGrp="1"/>
+          </p:cNvSpPr>
+          <p:nvPr>
+            <p:ph idx="1"/>
+          </p:nvPr>
+        </p:nvSpPr>
+        <p:spPr>
+          <a:xfrm>
+            <a:off x="501895" y="1546810"/>
+            <a:ext cx="4611279" cy="4351338"/>
+          </a:xfrm>
+        </p:spPr>
+        <p:txBody>
+          <a:bodyPr/>
+          <a:lstStyle/>
+          <a:p>
+            <a:pPr algn="just"/>
+            <a:r>
+              <a:rPr lang="en-US"/>
+              <a:t>Upscaled the symbols by 8, plotted the spectrum before and after modulation</a:t>
+            </a:r>
+          </a:p>
+          <a:p>
+            <a:pPr algn="just"/>
+            <a:r>
+              <a:rPr lang="en-US"/>
+              <a:t>Compared the spectrum with the spectrum of the symbols without upscaling</a:t>
+            </a:r>
+          </a:p>
+          <a:p>
+            <a:pPr algn="just"/>
+            <a:r>
+              <a:rPr lang="en-US"/>
+              <a:t>Learning about the Filter Bank method for spectrum plotting</a:t>
+            </a:r>
+          </a:p>
+          <a:p>
+            <a:endParaRPr lang="en-US" dirty="0"/>
+          </a:p>
+        </p:txBody>
+      </p:sp>
+      <p:pic>
+        <p:nvPicPr>
+          <p:cNvPr id="8" name="Picture 7">
+            <a:extLst>
+              <a:ext uri="{FF2B5EF4-FFF2-40B4-BE49-F238E27FC236}">
+                <a16:creationId xmlns:a16="http://schemas.microsoft.com/office/drawing/2014/main" id="{298FBE25-1E9B-4236-A4C3-81B277DC358D}"/>
+              </a:ext>
+            </a:extLst>
+          </p:cNvPr>
+          <p:cNvPicPr>
+            <a:picLocks noChangeAspect="1"/>
+          </p:cNvPicPr>
+          <p:nvPr/>
+        </p:nvPicPr>
+        <p:blipFill>
+          <a:blip r:embed="rId2"/>
+          <a:stretch>
+            <a:fillRect/>
+          </a:stretch>
+        </p:blipFill>
+        <p:spPr>
+          <a:xfrm>
+            <a:off x="5442726" y="28951"/>
+            <a:ext cx="5911073" cy="3400049"/>
+          </a:xfrm>
+          <a:prstGeom prst="rect">
+            <a:avLst/>
+          </a:prstGeom>
+        </p:spPr>
+      </p:pic>
+      <p:pic>
+        <p:nvPicPr>
+          <p:cNvPr id="9" name="Picture 8">
+            <a:extLst>
+              <a:ext uri="{FF2B5EF4-FFF2-40B4-BE49-F238E27FC236}">
+                <a16:creationId xmlns:a16="http://schemas.microsoft.com/office/drawing/2014/main" id="{FEEF5CAB-5234-466E-BDD8-1E3E7134C4D1}"/>
+              </a:ext>
+            </a:extLst>
+          </p:cNvPr>
+          <p:cNvPicPr>
+            <a:picLocks noChangeAspect="1"/>
+          </p:cNvPicPr>
+          <p:nvPr/>
+        </p:nvPicPr>
+        <p:blipFill>
+          <a:blip r:embed="rId3"/>
+          <a:stretch>
+            <a:fillRect/>
+          </a:stretch>
+        </p:blipFill>
+        <p:spPr>
+          <a:xfrm>
+            <a:off x="5442727" y="3429000"/>
+            <a:ext cx="5911073" cy="3400049"/>
+          </a:xfrm>
+          <a:prstGeom prst="rect">
+            <a:avLst/>
+          </a:prstGeom>
+        </p:spPr>
+      </p:pic>
+    </p:spTree>
+    <p:extLst>
+      <p:ext uri="{BB962C8B-B14F-4D97-AF65-F5344CB8AC3E}">
+        <p14:creationId xmlns:p14="http://schemas.microsoft.com/office/powerpoint/2010/main" val="2645954593"/>
       </p:ext>
     </p:extLst>
   </p:cSld>

--- a/Master's meetings presentation.pptx
+++ b/Master's meetings presentation.pptx
@@ -389,7 +389,7 @@
           <a:p>
             <a:fld id="{1D6AAEF1-BB65-438A-947A-6BD8EC392D5A}" type="datetimeFigureOut">
               <a:rPr lang="en-US" smtClean="0"/>
-              <a:t>11/10/2020</a:t>
+              <a:t>11/11/2020</a:t>
             </a:fld>
             <a:endParaRPr lang="en-US"/>
           </a:p>
@@ -587,7 +587,7 @@
           <a:p>
             <a:fld id="{1D6AAEF1-BB65-438A-947A-6BD8EC392D5A}" type="datetimeFigureOut">
               <a:rPr lang="en-US" smtClean="0"/>
-              <a:t>11/10/2020</a:t>
+              <a:t>11/11/2020</a:t>
             </a:fld>
             <a:endParaRPr lang="en-US"/>
           </a:p>
@@ -795,7 +795,7 @@
           <a:p>
             <a:fld id="{1D6AAEF1-BB65-438A-947A-6BD8EC392D5A}" type="datetimeFigureOut">
               <a:rPr lang="en-US" smtClean="0"/>
-              <a:t>11/10/2020</a:t>
+              <a:t>11/11/2020</a:t>
             </a:fld>
             <a:endParaRPr lang="en-US"/>
           </a:p>
@@ -993,7 +993,7 @@
           <a:p>
             <a:fld id="{1D6AAEF1-BB65-438A-947A-6BD8EC392D5A}" type="datetimeFigureOut">
               <a:rPr lang="en-US" smtClean="0"/>
-              <a:t>11/10/2020</a:t>
+              <a:t>11/11/2020</a:t>
             </a:fld>
             <a:endParaRPr lang="en-US"/>
           </a:p>
@@ -1268,7 +1268,7 @@
           <a:p>
             <a:fld id="{1D6AAEF1-BB65-438A-947A-6BD8EC392D5A}" type="datetimeFigureOut">
               <a:rPr lang="en-US" smtClean="0"/>
-              <a:t>11/10/2020</a:t>
+              <a:t>11/11/2020</a:t>
             </a:fld>
             <a:endParaRPr lang="en-US"/>
           </a:p>
@@ -1533,7 +1533,7 @@
           <a:p>
             <a:fld id="{1D6AAEF1-BB65-438A-947A-6BD8EC392D5A}" type="datetimeFigureOut">
               <a:rPr lang="en-US" smtClean="0"/>
-              <a:t>11/10/2020</a:t>
+              <a:t>11/11/2020</a:t>
             </a:fld>
             <a:endParaRPr lang="en-US"/>
           </a:p>
@@ -1945,7 +1945,7 @@
           <a:p>
             <a:fld id="{1D6AAEF1-BB65-438A-947A-6BD8EC392D5A}" type="datetimeFigureOut">
               <a:rPr lang="en-US" smtClean="0"/>
-              <a:t>11/10/2020</a:t>
+              <a:t>11/11/2020</a:t>
             </a:fld>
             <a:endParaRPr lang="en-US"/>
           </a:p>
@@ -2086,7 +2086,7 @@
           <a:p>
             <a:fld id="{1D6AAEF1-BB65-438A-947A-6BD8EC392D5A}" type="datetimeFigureOut">
               <a:rPr lang="en-US" smtClean="0"/>
-              <a:t>11/10/2020</a:t>
+              <a:t>11/11/2020</a:t>
             </a:fld>
             <a:endParaRPr lang="en-US"/>
           </a:p>
@@ -2199,7 +2199,7 @@
           <a:p>
             <a:fld id="{1D6AAEF1-BB65-438A-947A-6BD8EC392D5A}" type="datetimeFigureOut">
               <a:rPr lang="en-US" smtClean="0"/>
-              <a:t>11/10/2020</a:t>
+              <a:t>11/11/2020</a:t>
             </a:fld>
             <a:endParaRPr lang="en-US"/>
           </a:p>
@@ -2510,7 +2510,7 @@
           <a:p>
             <a:fld id="{1D6AAEF1-BB65-438A-947A-6BD8EC392D5A}" type="datetimeFigureOut">
               <a:rPr lang="en-US" smtClean="0"/>
-              <a:t>11/10/2020</a:t>
+              <a:t>11/11/2020</a:t>
             </a:fld>
             <a:endParaRPr lang="en-US"/>
           </a:p>
@@ -2798,7 +2798,7 @@
           <a:p>
             <a:fld id="{1D6AAEF1-BB65-438A-947A-6BD8EC392D5A}" type="datetimeFigureOut">
               <a:rPr lang="en-US" smtClean="0"/>
-              <a:t>11/10/2020</a:t>
+              <a:t>11/11/2020</a:t>
             </a:fld>
             <a:endParaRPr lang="en-US"/>
           </a:p>
@@ -3039,7 +3039,7 @@
           <a:p>
             <a:fld id="{1D6AAEF1-BB65-438A-947A-6BD8EC392D5A}" type="datetimeFigureOut">
               <a:rPr lang="en-US" smtClean="0"/>
-              <a:t>11/10/2020</a:t>
+              <a:t>11/11/2020</a:t>
             </a:fld>
             <a:endParaRPr lang="en-US"/>
           </a:p>
@@ -5316,21 +5316,21 @@
           <a:p>
             <a:pPr algn="just"/>
             <a:r>
-              <a:rPr lang="en-US"/>
+              <a:rPr lang="en-US" dirty="0"/>
               <a:t>Upscaled the symbols by 8, plotted the spectrum before and after modulation</a:t>
             </a:r>
           </a:p>
           <a:p>
             <a:pPr algn="just"/>
             <a:r>
-              <a:rPr lang="en-US"/>
+              <a:rPr lang="en-US" dirty="0"/>
               <a:t>Compared the spectrum with the spectrum of the symbols without upscaling</a:t>
             </a:r>
           </a:p>
           <a:p>
             <a:pPr algn="just"/>
             <a:r>
-              <a:rPr lang="en-US"/>
+              <a:rPr lang="en-US" dirty="0"/>
               <a:t>Learning about the Filter Bank method for spectrum plotting</a:t>
             </a:r>
           </a:p>

--- a/Master's meetings presentation.pptx
+++ b/Master's meetings presentation.pptx
@@ -14,6 +14,7 @@
     <p:sldId id="263" r:id="rId8"/>
     <p:sldId id="264" r:id="rId9"/>
     <p:sldId id="265" r:id="rId10"/>
+    <p:sldId id="266" r:id="rId11"/>
   </p:sldIdLst>
   <p:sldSz cx="12192000" cy="6858000"/>
   <p:notesSz cx="6858000" cy="9144000"/>
@@ -389,7 +390,7 @@
           <a:p>
             <a:fld id="{1D6AAEF1-BB65-438A-947A-6BD8EC392D5A}" type="datetimeFigureOut">
               <a:rPr lang="en-US" smtClean="0"/>
-              <a:t>11/11/2020</a:t>
+              <a:t>11/26/2020</a:t>
             </a:fld>
             <a:endParaRPr lang="en-US"/>
           </a:p>
@@ -587,7 +588,7 @@
           <a:p>
             <a:fld id="{1D6AAEF1-BB65-438A-947A-6BD8EC392D5A}" type="datetimeFigureOut">
               <a:rPr lang="en-US" smtClean="0"/>
-              <a:t>11/11/2020</a:t>
+              <a:t>11/26/2020</a:t>
             </a:fld>
             <a:endParaRPr lang="en-US"/>
           </a:p>
@@ -795,7 +796,7 @@
           <a:p>
             <a:fld id="{1D6AAEF1-BB65-438A-947A-6BD8EC392D5A}" type="datetimeFigureOut">
               <a:rPr lang="en-US" smtClean="0"/>
-              <a:t>11/11/2020</a:t>
+              <a:t>11/26/2020</a:t>
             </a:fld>
             <a:endParaRPr lang="en-US"/>
           </a:p>
@@ -993,7 +994,7 @@
           <a:p>
             <a:fld id="{1D6AAEF1-BB65-438A-947A-6BD8EC392D5A}" type="datetimeFigureOut">
               <a:rPr lang="en-US" smtClean="0"/>
-              <a:t>11/11/2020</a:t>
+              <a:t>11/26/2020</a:t>
             </a:fld>
             <a:endParaRPr lang="en-US"/>
           </a:p>
@@ -1268,7 +1269,7 @@
           <a:p>
             <a:fld id="{1D6AAEF1-BB65-438A-947A-6BD8EC392D5A}" type="datetimeFigureOut">
               <a:rPr lang="en-US" smtClean="0"/>
-              <a:t>11/11/2020</a:t>
+              <a:t>11/26/2020</a:t>
             </a:fld>
             <a:endParaRPr lang="en-US"/>
           </a:p>
@@ -1533,7 +1534,7 @@
           <a:p>
             <a:fld id="{1D6AAEF1-BB65-438A-947A-6BD8EC392D5A}" type="datetimeFigureOut">
               <a:rPr lang="en-US" smtClean="0"/>
-              <a:t>11/11/2020</a:t>
+              <a:t>11/26/2020</a:t>
             </a:fld>
             <a:endParaRPr lang="en-US"/>
           </a:p>
@@ -1945,7 +1946,7 @@
           <a:p>
             <a:fld id="{1D6AAEF1-BB65-438A-947A-6BD8EC392D5A}" type="datetimeFigureOut">
               <a:rPr lang="en-US" smtClean="0"/>
-              <a:t>11/11/2020</a:t>
+              <a:t>11/26/2020</a:t>
             </a:fld>
             <a:endParaRPr lang="en-US"/>
           </a:p>
@@ -2086,7 +2087,7 @@
           <a:p>
             <a:fld id="{1D6AAEF1-BB65-438A-947A-6BD8EC392D5A}" type="datetimeFigureOut">
               <a:rPr lang="en-US" smtClean="0"/>
-              <a:t>11/11/2020</a:t>
+              <a:t>11/26/2020</a:t>
             </a:fld>
             <a:endParaRPr lang="en-US"/>
           </a:p>
@@ -2199,7 +2200,7 @@
           <a:p>
             <a:fld id="{1D6AAEF1-BB65-438A-947A-6BD8EC392D5A}" type="datetimeFigureOut">
               <a:rPr lang="en-US" smtClean="0"/>
-              <a:t>11/11/2020</a:t>
+              <a:t>11/26/2020</a:t>
             </a:fld>
             <a:endParaRPr lang="en-US"/>
           </a:p>
@@ -2510,7 +2511,7 @@
           <a:p>
             <a:fld id="{1D6AAEF1-BB65-438A-947A-6BD8EC392D5A}" type="datetimeFigureOut">
               <a:rPr lang="en-US" smtClean="0"/>
-              <a:t>11/11/2020</a:t>
+              <a:t>11/26/2020</a:t>
             </a:fld>
             <a:endParaRPr lang="en-US"/>
           </a:p>
@@ -2798,7 +2799,7 @@
           <a:p>
             <a:fld id="{1D6AAEF1-BB65-438A-947A-6BD8EC392D5A}" type="datetimeFigureOut">
               <a:rPr lang="en-US" smtClean="0"/>
-              <a:t>11/11/2020</a:t>
+              <a:t>11/26/2020</a:t>
             </a:fld>
             <a:endParaRPr lang="en-US"/>
           </a:p>
@@ -3039,7 +3040,7 @@
           <a:p>
             <a:fld id="{1D6AAEF1-BB65-438A-947A-6BD8EC392D5A}" type="datetimeFigureOut">
               <a:rPr lang="en-US" smtClean="0"/>
-              <a:t>11/11/2020</a:t>
+              <a:t>11/26/2020</a:t>
             </a:fld>
             <a:endParaRPr lang="en-US"/>
           </a:p>
@@ -3582,6 +3583,1114 @@
     <p:extLst>
       <p:ext uri="{BB962C8B-B14F-4D97-AF65-F5344CB8AC3E}">
         <p14:creationId xmlns:p14="http://schemas.microsoft.com/office/powerpoint/2010/main" val="159174094"/>
+      </p:ext>
+    </p:extLst>
+  </p:cSld>
+  <p:clrMapOvr>
+    <a:masterClrMapping/>
+  </p:clrMapOvr>
+</p:sld>
+</file>
+
+<file path=ppt/slides/slide10.xml><?xml version="1.0" encoding="utf-8"?>
+<p:sld xmlns:a="http://schemas.openxmlformats.org/drawingml/2006/main" xmlns:r="http://schemas.openxmlformats.org/officeDocument/2006/relationships" xmlns:p="http://schemas.openxmlformats.org/presentationml/2006/main">
+  <p:cSld>
+    <p:spTree>
+      <p:nvGrpSpPr>
+        <p:cNvPr id="1" name=""/>
+        <p:cNvGrpSpPr/>
+        <p:nvPr/>
+      </p:nvGrpSpPr>
+      <p:grpSpPr>
+        <a:xfrm>
+          <a:off x="0" y="0"/>
+          <a:ext cx="0" cy="0"/>
+          <a:chOff x="0" y="0"/>
+          <a:chExt cx="0" cy="0"/>
+        </a:xfrm>
+      </p:grpSpPr>
+      <p:sp>
+        <p:nvSpPr>
+          <p:cNvPr id="2" name="Title 1">
+            <a:extLst>
+              <a:ext uri="{FF2B5EF4-FFF2-40B4-BE49-F238E27FC236}">
+                <a16:creationId xmlns:a16="http://schemas.microsoft.com/office/drawing/2014/main" id="{CDA5F6B7-00D9-45BC-B9BE-B4676D88CD79}"/>
+              </a:ext>
+            </a:extLst>
+          </p:cNvPr>
+          <p:cNvSpPr>
+            <a:spLocks noGrp="1"/>
+          </p:cNvSpPr>
+          <p:nvPr>
+            <p:ph type="title"/>
+          </p:nvPr>
+        </p:nvSpPr>
+        <p:spPr/>
+        <p:txBody>
+          <a:bodyPr/>
+          <a:lstStyle/>
+          <a:p>
+            <a:r>
+              <a:rPr lang="en-US" dirty="0"/>
+              <a:t>Chromatic Dispersion</a:t>
+            </a:r>
+          </a:p>
+        </p:txBody>
+      </p:sp>
+      <mc:AlternateContent xmlns:mc="http://schemas.openxmlformats.org/markup-compatibility/2006">
+        <mc:Choice xmlns:a14="http://schemas.microsoft.com/office/drawing/2010/main" Requires="a14">
+          <p:sp>
+            <p:nvSpPr>
+              <p:cNvPr id="3" name="Content Placeholder 2">
+                <a:extLst>
+                  <a:ext uri="{FF2B5EF4-FFF2-40B4-BE49-F238E27FC236}">
+                    <a16:creationId xmlns:a16="http://schemas.microsoft.com/office/drawing/2014/main" id="{E981E42B-E536-4B4D-9077-02E56249404E}"/>
+                  </a:ext>
+                </a:extLst>
+              </p:cNvPr>
+              <p:cNvSpPr>
+                <a:spLocks noGrp="1"/>
+              </p:cNvSpPr>
+              <p:nvPr>
+                <p:ph idx="1"/>
+              </p:nvPr>
+            </p:nvSpPr>
+            <p:spPr>
+              <a:xfrm>
+                <a:off x="838200" y="1509742"/>
+                <a:ext cx="10515600" cy="4351338"/>
+              </a:xfrm>
+            </p:spPr>
+            <p:txBody>
+              <a:bodyPr>
+                <a:normAutofit fontScale="92500" lnSpcReduction="20000"/>
+              </a:bodyPr>
+              <a:lstStyle/>
+              <a:p>
+                <a:r>
+                  <a:rPr lang="en-US" dirty="0"/>
+                  <a:t>Chromatic Dispersion Model:</a:t>
+                </a:r>
+              </a:p>
+              <a:p>
+                <a:pPr marL="0" indent="0">
+                  <a:buNone/>
+                </a:pPr>
+                <a:r>
+                  <a:rPr lang="en-US" dirty="0"/>
+                  <a:t>C(exp(j</a:t>
+                </a:r>
+                <a:r>
+                  <a:rPr lang="el-GR" dirty="0"/>
+                  <a:t>ω</a:t>
+                </a:r>
+                <a:r>
+                  <a:rPr lang="en-US" dirty="0"/>
+                  <a:t>T )) = exp(−</a:t>
+                </a:r>
+                <a:r>
+                  <a:rPr lang="en-US" dirty="0" err="1"/>
+                  <a:t>jK</a:t>
+                </a:r>
+                <a:r>
+                  <a:rPr lang="en-US" dirty="0"/>
+                  <a:t> (</a:t>
+                </a:r>
+                <a:r>
+                  <a:rPr lang="el-GR" dirty="0"/>
+                  <a:t>ω</a:t>
+                </a:r>
+                <a:r>
+                  <a:rPr lang="en-US" dirty="0"/>
+                  <a:t>T )</a:t>
+                </a:r>
+                <a:r>
+                  <a:rPr lang="en-US" baseline="30000" dirty="0"/>
+                  <a:t>2</a:t>
+                </a:r>
+                <a:r>
+                  <a:rPr lang="en-US" dirty="0"/>
+                  <a:t>), Where K = D</a:t>
+                </a:r>
+                <a:r>
+                  <a:rPr lang="el-GR" dirty="0"/>
+                  <a:t>λ</a:t>
+                </a:r>
+                <a:r>
+                  <a:rPr lang="en-US" baseline="30000" dirty="0"/>
+                  <a:t>2</a:t>
+                </a:r>
+                <a:r>
+                  <a:rPr lang="en-US" dirty="0"/>
+                  <a:t>z/4</a:t>
+                </a:r>
+                <a:r>
+                  <a:rPr lang="el-GR" dirty="0"/>
+                  <a:t>π</a:t>
+                </a:r>
+                <a:r>
+                  <a:rPr lang="en-US" dirty="0"/>
+                  <a:t>cT</a:t>
+                </a:r>
+                <a:r>
+                  <a:rPr lang="en-US" baseline="30000" dirty="0"/>
+                  <a:t>2</a:t>
+                </a:r>
+              </a:p>
+              <a:p>
+                <a:pPr marL="0" indent="0">
+                  <a:buNone/>
+                </a:pPr>
+                <a:endParaRPr lang="en-US" baseline="30000" dirty="0"/>
+              </a:p>
+              <a:p>
+                <a:r>
+                  <a:rPr lang="en-US" dirty="0"/>
+                  <a:t>Chromatic Dispersion Filter:</a:t>
+                </a:r>
+              </a:p>
+              <a:p>
+                <a:pPr marL="0" indent="0">
+                  <a:buNone/>
+                </a:pPr>
+                <a:r>
+                  <a:rPr lang="en-US" dirty="0"/>
+                  <a:t> </a:t>
+                </a:r>
+                <a14:m>
+                  <m:oMath xmlns:m="http://schemas.openxmlformats.org/officeDocument/2006/math">
+                    <m:r>
+                      <m:rPr>
+                        <m:sty m:val="p"/>
+                      </m:rPr>
+                      <a:rPr lang="en-US" b="0" i="0" smtClean="0">
+                        <a:latin typeface="Cambria Math" panose="02040503050406030204" pitchFamily="18" charset="0"/>
+                      </a:rPr>
+                      <m:t>h</m:t>
+                    </m:r>
+                    <m:d>
+                      <m:dPr>
+                        <m:ctrlPr>
+                          <a:rPr lang="en-US" b="0" i="0" smtClean="0">
+                            <a:latin typeface="Cambria Math" panose="02040503050406030204" pitchFamily="18" charset="0"/>
+                          </a:rPr>
+                        </m:ctrlPr>
+                      </m:dPr>
+                      <m:e>
+                        <m:r>
+                          <m:rPr>
+                            <m:sty m:val="p"/>
+                          </m:rPr>
+                          <a:rPr lang="en-US" b="0" i="0" smtClean="0">
+                            <a:latin typeface="Cambria Math" panose="02040503050406030204" pitchFamily="18" charset="0"/>
+                          </a:rPr>
+                          <m:t>n</m:t>
+                        </m:r>
+                      </m:e>
+                    </m:d>
+                    <m:r>
+                      <a:rPr lang="en-US" b="0" i="1" smtClean="0">
+                        <a:latin typeface="Cambria Math" panose="02040503050406030204" pitchFamily="18" charset="0"/>
+                      </a:rPr>
+                      <m:t>= </m:t>
+                    </m:r>
+                    <m:rad>
+                      <m:radPr>
+                        <m:degHide m:val="on"/>
+                        <m:ctrlPr>
+                          <a:rPr lang="en-US" i="1" smtClean="0">
+                            <a:latin typeface="Cambria Math" panose="02040503050406030204" pitchFamily="18" charset="0"/>
+                          </a:rPr>
+                        </m:ctrlPr>
+                      </m:radPr>
+                      <m:deg/>
+                      <m:e>
+                        <m:f>
+                          <m:fPr>
+                            <m:ctrlPr>
+                              <a:rPr lang="en-US" i="1" smtClean="0">
+                                <a:latin typeface="Cambria Math" panose="02040503050406030204" pitchFamily="18" charset="0"/>
+                              </a:rPr>
+                            </m:ctrlPr>
+                          </m:fPr>
+                          <m:num>
+                            <m:r>
+                              <a:rPr lang="en-US" b="0" i="1" smtClean="0">
+                                <a:latin typeface="Cambria Math" panose="02040503050406030204" pitchFamily="18" charset="0"/>
+                              </a:rPr>
+                              <m:t>𝑗</m:t>
+                            </m:r>
+                          </m:num>
+                          <m:den>
+                            <m:r>
+                              <a:rPr lang="en-US" b="0" i="1" smtClean="0">
+                                <a:latin typeface="Cambria Math" panose="02040503050406030204" pitchFamily="18" charset="0"/>
+                              </a:rPr>
+                              <m:t>4</m:t>
+                            </m:r>
+                            <m:r>
+                              <a:rPr lang="en-US" b="0" i="1" smtClean="0">
+                                <a:latin typeface="Cambria Math" panose="02040503050406030204" pitchFamily="18" charset="0"/>
+                              </a:rPr>
+                              <m:t>𝐾</m:t>
+                            </m:r>
+                            <m:r>
+                              <a:rPr lang="en-US" b="0" i="1" smtClean="0">
+                                <a:latin typeface="Cambria Math" panose="02040503050406030204" pitchFamily="18" charset="0"/>
+                                <a:ea typeface="Cambria Math" panose="02040503050406030204" pitchFamily="18" charset="0"/>
+                              </a:rPr>
+                              <m:t>𝜋</m:t>
+                            </m:r>
+                          </m:den>
+                        </m:f>
+                      </m:e>
+                    </m:rad>
+                    <m:sSup>
+                      <m:sSupPr>
+                        <m:ctrlPr>
+                          <a:rPr lang="en-US" b="0" i="1" smtClean="0">
+                            <a:latin typeface="Cambria Math" panose="02040503050406030204" pitchFamily="18" charset="0"/>
+                          </a:rPr>
+                        </m:ctrlPr>
+                      </m:sSupPr>
+                      <m:e>
+                        <m:r>
+                          <a:rPr lang="en-US" b="0" i="1" smtClean="0">
+                            <a:latin typeface="Cambria Math" panose="02040503050406030204" pitchFamily="18" charset="0"/>
+                          </a:rPr>
+                          <m:t>𝑒</m:t>
+                        </m:r>
+                      </m:e>
+                      <m:sup>
+                        <m:r>
+                          <a:rPr lang="en-US" b="0" i="1" smtClean="0">
+                            <a:latin typeface="Cambria Math" panose="02040503050406030204" pitchFamily="18" charset="0"/>
+                          </a:rPr>
+                          <m:t>−</m:t>
+                        </m:r>
+                        <m:r>
+                          <a:rPr lang="en-US" b="0" i="1" smtClean="0">
+                            <a:latin typeface="Cambria Math" panose="02040503050406030204" pitchFamily="18" charset="0"/>
+                          </a:rPr>
+                          <m:t>𝑗</m:t>
+                        </m:r>
+                        <m:f>
+                          <m:fPr>
+                            <m:ctrlPr>
+                              <a:rPr lang="en-US" b="0" i="1" smtClean="0">
+                                <a:latin typeface="Cambria Math" panose="02040503050406030204" pitchFamily="18" charset="0"/>
+                              </a:rPr>
+                            </m:ctrlPr>
+                          </m:fPr>
+                          <m:num>
+                            <m:sSup>
+                              <m:sSupPr>
+                                <m:ctrlPr>
+                                  <a:rPr lang="en-US" b="0" i="1" smtClean="0">
+                                    <a:latin typeface="Cambria Math" panose="02040503050406030204" pitchFamily="18" charset="0"/>
+                                  </a:rPr>
+                                </m:ctrlPr>
+                              </m:sSupPr>
+                              <m:e>
+                                <m:r>
+                                  <a:rPr lang="en-US" b="0" i="1" smtClean="0">
+                                    <a:latin typeface="Cambria Math" panose="02040503050406030204" pitchFamily="18" charset="0"/>
+                                  </a:rPr>
+                                  <m:t>𝑛</m:t>
+                                </m:r>
+                              </m:e>
+                              <m:sup>
+                                <m:r>
+                                  <a:rPr lang="en-US" b="0" i="1" smtClean="0">
+                                    <a:latin typeface="Cambria Math" panose="02040503050406030204" pitchFamily="18" charset="0"/>
+                                  </a:rPr>
+                                  <m:t>2</m:t>
+                                </m:r>
+                              </m:sup>
+                            </m:sSup>
+                          </m:num>
+                          <m:den>
+                            <m:r>
+                              <a:rPr lang="en-US" b="0" i="1" smtClean="0">
+                                <a:latin typeface="Cambria Math" panose="02040503050406030204" pitchFamily="18" charset="0"/>
+                              </a:rPr>
+                              <m:t>4</m:t>
+                            </m:r>
+                            <m:r>
+                              <a:rPr lang="en-US" b="0" i="1" smtClean="0">
+                                <a:latin typeface="Cambria Math" panose="02040503050406030204" pitchFamily="18" charset="0"/>
+                              </a:rPr>
+                              <m:t>𝐾</m:t>
+                            </m:r>
+                          </m:den>
+                        </m:f>
+                      </m:sup>
+                    </m:sSup>
+                    <m:r>
+                      <a:rPr lang="en-US" b="0" i="1" smtClean="0">
+                        <a:latin typeface="Cambria Math" panose="02040503050406030204" pitchFamily="18" charset="0"/>
+                      </a:rPr>
+                      <m:t>,     −</m:t>
+                    </m:r>
+                    <m:d>
+                      <m:dPr>
+                        <m:begChr m:val="⌊"/>
+                        <m:endChr m:val="⌋"/>
+                        <m:ctrlPr>
+                          <a:rPr lang="en-US" b="0" i="1" smtClean="0">
+                            <a:latin typeface="Cambria Math" panose="02040503050406030204" pitchFamily="18" charset="0"/>
+                          </a:rPr>
+                        </m:ctrlPr>
+                      </m:dPr>
+                      <m:e>
+                        <m:f>
+                          <m:fPr>
+                            <m:ctrlPr>
+                              <a:rPr lang="en-US" b="0" i="1" smtClean="0">
+                                <a:latin typeface="Cambria Math" panose="02040503050406030204" pitchFamily="18" charset="0"/>
+                              </a:rPr>
+                            </m:ctrlPr>
+                          </m:fPr>
+                          <m:num>
+                            <m:r>
+                              <a:rPr lang="en-US" b="0" i="1" smtClean="0">
+                                <a:latin typeface="Cambria Math" panose="02040503050406030204" pitchFamily="18" charset="0"/>
+                              </a:rPr>
+                              <m:t>𝑁</m:t>
+                            </m:r>
+                          </m:num>
+                          <m:den>
+                            <m:r>
+                              <a:rPr lang="en-US" b="0" i="1" smtClean="0">
+                                <a:latin typeface="Cambria Math" panose="02040503050406030204" pitchFamily="18" charset="0"/>
+                              </a:rPr>
+                              <m:t>2</m:t>
+                            </m:r>
+                          </m:den>
+                        </m:f>
+                      </m:e>
+                    </m:d>
+                    <m:r>
+                      <a:rPr lang="en-US" b="0" i="1" smtClean="0">
+                        <a:latin typeface="Cambria Math" panose="02040503050406030204" pitchFamily="18" charset="0"/>
+                      </a:rPr>
+                      <m:t>&lt;</m:t>
+                    </m:r>
+                    <m:r>
+                      <a:rPr lang="en-US" b="0" i="1" smtClean="0">
+                        <a:latin typeface="Cambria Math" panose="02040503050406030204" pitchFamily="18" charset="0"/>
+                      </a:rPr>
+                      <m:t>𝑛</m:t>
+                    </m:r>
+                    <m:r>
+                      <a:rPr lang="en-US" b="0" i="1" smtClean="0">
+                        <a:latin typeface="Cambria Math" panose="02040503050406030204" pitchFamily="18" charset="0"/>
+                      </a:rPr>
+                      <m:t>&lt;</m:t>
+                    </m:r>
+                    <m:d>
+                      <m:dPr>
+                        <m:begChr m:val="⌊"/>
+                        <m:endChr m:val="⌋"/>
+                        <m:ctrlPr>
+                          <a:rPr lang="en-US" i="1">
+                            <a:latin typeface="Cambria Math" panose="02040503050406030204" pitchFamily="18" charset="0"/>
+                          </a:rPr>
+                        </m:ctrlPr>
+                      </m:dPr>
+                      <m:e>
+                        <m:f>
+                          <m:fPr>
+                            <m:ctrlPr>
+                              <a:rPr lang="en-US" i="1">
+                                <a:latin typeface="Cambria Math" panose="02040503050406030204" pitchFamily="18" charset="0"/>
+                              </a:rPr>
+                            </m:ctrlPr>
+                          </m:fPr>
+                          <m:num>
+                            <m:r>
+                              <a:rPr lang="en-US" i="1">
+                                <a:latin typeface="Cambria Math" panose="02040503050406030204" pitchFamily="18" charset="0"/>
+                              </a:rPr>
+                              <m:t>𝑁</m:t>
+                            </m:r>
+                          </m:num>
+                          <m:den>
+                            <m:r>
+                              <a:rPr lang="en-US" i="1">
+                                <a:latin typeface="Cambria Math" panose="02040503050406030204" pitchFamily="18" charset="0"/>
+                              </a:rPr>
+                              <m:t>2</m:t>
+                            </m:r>
+                          </m:den>
+                        </m:f>
+                      </m:e>
+                    </m:d>
+                    <m:r>
+                      <a:rPr lang="en-US" b="0" i="1" smtClean="0">
+                        <a:latin typeface="Cambria Math" panose="02040503050406030204" pitchFamily="18" charset="0"/>
+                      </a:rPr>
+                      <m:t>,    </m:t>
+                    </m:r>
+                    <m:r>
+                      <a:rPr lang="en-US" b="0" i="1" smtClean="0">
+                        <a:latin typeface="Cambria Math" panose="02040503050406030204" pitchFamily="18" charset="0"/>
+                      </a:rPr>
+                      <m:t>𝑁</m:t>
+                    </m:r>
+                    <m:r>
+                      <a:rPr lang="en-US" b="0" i="1" smtClean="0">
+                        <a:latin typeface="Cambria Math" panose="02040503050406030204" pitchFamily="18" charset="0"/>
+                      </a:rPr>
+                      <m:t>=2</m:t>
+                    </m:r>
+                    <m:d>
+                      <m:dPr>
+                        <m:begChr m:val="⌊"/>
+                        <m:endChr m:val="⌋"/>
+                        <m:ctrlPr>
+                          <a:rPr lang="en-US" b="0" i="1" smtClean="0">
+                            <a:latin typeface="Cambria Math" panose="02040503050406030204" pitchFamily="18" charset="0"/>
+                          </a:rPr>
+                        </m:ctrlPr>
+                      </m:dPr>
+                      <m:e>
+                        <m:r>
+                          <a:rPr lang="en-US" b="0" i="1" smtClean="0">
+                            <a:latin typeface="Cambria Math" panose="02040503050406030204" pitchFamily="18" charset="0"/>
+                          </a:rPr>
+                          <m:t>2</m:t>
+                        </m:r>
+                        <m:r>
+                          <a:rPr lang="en-US" b="0" i="1" smtClean="0">
+                            <a:latin typeface="Cambria Math" panose="02040503050406030204" pitchFamily="18" charset="0"/>
+                          </a:rPr>
+                          <m:t>𝐾</m:t>
+                        </m:r>
+                        <m:r>
+                          <a:rPr lang="en-US" b="0" i="1" smtClean="0">
+                            <a:latin typeface="Cambria Math" panose="02040503050406030204" pitchFamily="18" charset="0"/>
+                            <a:ea typeface="Cambria Math" panose="02040503050406030204" pitchFamily="18" charset="0"/>
+                          </a:rPr>
+                          <m:t>𝜋</m:t>
+                        </m:r>
+                      </m:e>
+                    </m:d>
+                    <m:r>
+                      <a:rPr lang="en-US" b="0" i="1" smtClean="0">
+                        <a:latin typeface="Cambria Math" panose="02040503050406030204" pitchFamily="18" charset="0"/>
+                      </a:rPr>
+                      <m:t>+1</m:t>
+                    </m:r>
+                  </m:oMath>
+                </a14:m>
+                <a:endParaRPr lang="en-US" dirty="0"/>
+              </a:p>
+              <a:p>
+                <a:endParaRPr lang="en-US" dirty="0"/>
+              </a:p>
+              <a:p>
+                <a:r>
+                  <a:rPr lang="en-US" dirty="0"/>
+                  <a:t>Least Squares Filter:</a:t>
+                </a:r>
+              </a:p>
+              <a:p>
+                <a:pPr marL="0" indent="0">
+                  <a:buNone/>
+                </a:pPr>
+                <a14:m>
+                  <m:oMathPara xmlns:m="http://schemas.openxmlformats.org/officeDocument/2006/math">
+                    <m:oMathParaPr>
+                      <m:jc m:val="centerGroup"/>
+                    </m:oMathParaPr>
+                    <m:oMath xmlns:m="http://schemas.openxmlformats.org/officeDocument/2006/math">
+                      <m:r>
+                        <a:rPr lang="en-US" b="0" i="1" smtClean="0">
+                          <a:latin typeface="Cambria Math" panose="02040503050406030204" pitchFamily="18" charset="0"/>
+                        </a:rPr>
+                        <m:t>𝐷</m:t>
+                      </m:r>
+                      <m:d>
+                        <m:dPr>
+                          <m:ctrlPr>
+                            <a:rPr lang="en-US" b="0" i="1" smtClean="0">
+                              <a:latin typeface="Cambria Math" panose="02040503050406030204" pitchFamily="18" charset="0"/>
+                            </a:rPr>
+                          </m:ctrlPr>
+                        </m:dPr>
+                        <m:e>
+                          <m:r>
+                            <a:rPr lang="en-US" b="0" i="1" smtClean="0">
+                              <a:latin typeface="Cambria Math" panose="02040503050406030204" pitchFamily="18" charset="0"/>
+                            </a:rPr>
+                            <m:t>𝑛</m:t>
+                          </m:r>
+                        </m:e>
+                      </m:d>
+                      <m:r>
+                        <a:rPr lang="en-US" b="0" i="1" smtClean="0">
+                          <a:latin typeface="Cambria Math" panose="02040503050406030204" pitchFamily="18" charset="0"/>
+                        </a:rPr>
+                        <m:t>= </m:t>
+                      </m:r>
+                      <m:f>
+                        <m:fPr>
+                          <m:ctrlPr>
+                            <a:rPr lang="en-US" b="0" i="1" smtClean="0">
+                              <a:latin typeface="Cambria Math" panose="02040503050406030204" pitchFamily="18" charset="0"/>
+                            </a:rPr>
+                          </m:ctrlPr>
+                        </m:fPr>
+                        <m:num>
+                          <m:sSup>
+                            <m:sSupPr>
+                              <m:ctrlPr>
+                                <a:rPr lang="en-US" b="0" i="1" smtClean="0">
+                                  <a:latin typeface="Cambria Math" panose="02040503050406030204" pitchFamily="18" charset="0"/>
+                                </a:rPr>
+                              </m:ctrlPr>
+                            </m:sSupPr>
+                            <m:e>
+                              <m:r>
+                                <a:rPr lang="en-US" b="0" i="1" smtClean="0">
+                                  <a:latin typeface="Cambria Math" panose="02040503050406030204" pitchFamily="18" charset="0"/>
+                                </a:rPr>
+                                <m:t>𝑒</m:t>
+                              </m:r>
+                            </m:e>
+                            <m:sup>
+                              <m:r>
+                                <a:rPr lang="en-US" b="0" i="1" smtClean="0">
+                                  <a:latin typeface="Cambria Math" panose="02040503050406030204" pitchFamily="18" charset="0"/>
+                                </a:rPr>
+                                <m:t>−</m:t>
+                              </m:r>
+                              <m:r>
+                                <a:rPr lang="en-US" b="0" i="1" smtClean="0">
+                                  <a:latin typeface="Cambria Math" panose="02040503050406030204" pitchFamily="18" charset="0"/>
+                                </a:rPr>
+                                <m:t>𝑗</m:t>
+                              </m:r>
+                              <m:r>
+                                <a:rPr lang="en-US" b="0" i="1" smtClean="0">
+                                  <a:latin typeface="Cambria Math" panose="02040503050406030204" pitchFamily="18" charset="0"/>
+                                </a:rPr>
+                                <m:t>(</m:t>
+                              </m:r>
+                              <m:f>
+                                <m:fPr>
+                                  <m:ctrlPr>
+                                    <a:rPr lang="en-US" b="0" i="1" smtClean="0">
+                                      <a:latin typeface="Cambria Math" panose="02040503050406030204" pitchFamily="18" charset="0"/>
+                                    </a:rPr>
+                                  </m:ctrlPr>
+                                </m:fPr>
+                                <m:num>
+                                  <m:sSup>
+                                    <m:sSupPr>
+                                      <m:ctrlPr>
+                                        <a:rPr lang="en-US" b="0" i="1" smtClean="0">
+                                          <a:latin typeface="Cambria Math" panose="02040503050406030204" pitchFamily="18" charset="0"/>
+                                        </a:rPr>
+                                      </m:ctrlPr>
+                                    </m:sSupPr>
+                                    <m:e>
+                                      <m:r>
+                                        <a:rPr lang="en-US" b="0" i="1" smtClean="0">
+                                          <a:latin typeface="Cambria Math" panose="02040503050406030204" pitchFamily="18" charset="0"/>
+                                        </a:rPr>
+                                        <m:t>𝑛</m:t>
+                                      </m:r>
+                                    </m:e>
+                                    <m:sup>
+                                      <m:r>
+                                        <a:rPr lang="en-US" b="0" i="1" smtClean="0">
+                                          <a:latin typeface="Cambria Math" panose="02040503050406030204" pitchFamily="18" charset="0"/>
+                                        </a:rPr>
+                                        <m:t>2</m:t>
+                                      </m:r>
+                                    </m:sup>
+                                  </m:sSup>
+                                </m:num>
+                                <m:den>
+                                  <m:r>
+                                    <a:rPr lang="en-US" b="0" i="1" smtClean="0">
+                                      <a:latin typeface="Cambria Math" panose="02040503050406030204" pitchFamily="18" charset="0"/>
+                                    </a:rPr>
+                                    <m:t>4</m:t>
+                                  </m:r>
+                                  <m:r>
+                                    <a:rPr lang="en-US" b="0" i="1" smtClean="0">
+                                      <a:latin typeface="Cambria Math" panose="02040503050406030204" pitchFamily="18" charset="0"/>
+                                    </a:rPr>
+                                    <m:t>𝐾</m:t>
+                                  </m:r>
+                                </m:den>
+                              </m:f>
+                              <m:r>
+                                <a:rPr lang="en-US" b="0" i="1" smtClean="0">
+                                  <a:latin typeface="Cambria Math" panose="02040503050406030204" pitchFamily="18" charset="0"/>
+                                </a:rPr>
+                                <m:t>+</m:t>
+                              </m:r>
+                              <m:f>
+                                <m:fPr>
+                                  <m:ctrlPr>
+                                    <a:rPr lang="el-GR" b="0" i="1" smtClean="0">
+                                      <a:latin typeface="Cambria Math" panose="02040503050406030204" pitchFamily="18" charset="0"/>
+                                    </a:rPr>
+                                  </m:ctrlPr>
+                                </m:fPr>
+                                <m:num>
+                                  <m:r>
+                                    <a:rPr lang="en-US" b="0" i="1" smtClean="0">
+                                      <a:latin typeface="Cambria Math" panose="02040503050406030204" pitchFamily="18" charset="0"/>
+                                    </a:rPr>
+                                    <m:t>3</m:t>
+                                  </m:r>
+                                  <m:r>
+                                    <a:rPr lang="el-GR" b="0" i="1" smtClean="0">
+                                      <a:latin typeface="Cambria Math" panose="02040503050406030204" pitchFamily="18" charset="0"/>
+                                    </a:rPr>
+                                    <m:t>𝜋</m:t>
+                                  </m:r>
+                                </m:num>
+                                <m:den>
+                                  <m:r>
+                                    <a:rPr lang="en-US" b="0" i="1" smtClean="0">
+                                      <a:latin typeface="Cambria Math" panose="02040503050406030204" pitchFamily="18" charset="0"/>
+                                    </a:rPr>
+                                    <m:t>4</m:t>
+                                  </m:r>
+                                </m:den>
+                              </m:f>
+                              <m:r>
+                                <a:rPr lang="en-US" b="0" i="1" smtClean="0">
+                                  <a:latin typeface="Cambria Math" panose="02040503050406030204" pitchFamily="18" charset="0"/>
+                                </a:rPr>
+                                <m:t>)</m:t>
+                              </m:r>
+                            </m:sup>
+                          </m:sSup>
+                        </m:num>
+                        <m:den>
+                          <m:r>
+                            <a:rPr lang="en-US" b="0" i="1" smtClean="0">
+                              <a:latin typeface="Cambria Math" panose="02040503050406030204" pitchFamily="18" charset="0"/>
+                            </a:rPr>
+                            <m:t>4</m:t>
+                          </m:r>
+                          <m:rad>
+                            <m:radPr>
+                              <m:degHide m:val="on"/>
+                              <m:ctrlPr>
+                                <a:rPr lang="en-US" b="0" i="1" smtClean="0">
+                                  <a:latin typeface="Cambria Math" panose="02040503050406030204" pitchFamily="18" charset="0"/>
+                                </a:rPr>
+                              </m:ctrlPr>
+                            </m:radPr>
+                            <m:deg/>
+                            <m:e>
+                              <m:r>
+                                <a:rPr lang="en-US" b="0" i="1" smtClean="0">
+                                  <a:latin typeface="Cambria Math" panose="02040503050406030204" pitchFamily="18" charset="0"/>
+                                  <a:ea typeface="Cambria Math" panose="02040503050406030204" pitchFamily="18" charset="0"/>
+                                </a:rPr>
+                                <m:t>𝜋</m:t>
+                              </m:r>
+                              <m:r>
+                                <a:rPr lang="en-US" b="0" i="1" smtClean="0">
+                                  <a:latin typeface="Cambria Math" panose="02040503050406030204" pitchFamily="18" charset="0"/>
+                                </a:rPr>
+                                <m:t>𝐾</m:t>
+                              </m:r>
+                            </m:e>
+                          </m:rad>
+                        </m:den>
+                      </m:f>
+                      <m:d>
+                        <m:dPr>
+                          <m:ctrlPr>
+                            <a:rPr lang="en-US" b="0" i="1" smtClean="0">
+                              <a:latin typeface="Cambria Math" panose="02040503050406030204" pitchFamily="18" charset="0"/>
+                            </a:rPr>
+                          </m:ctrlPr>
+                        </m:dPr>
+                        <m:e>
+                          <m:r>
+                            <a:rPr lang="en-US" b="0" i="1" smtClean="0">
+                              <a:latin typeface="Cambria Math" panose="02040503050406030204" pitchFamily="18" charset="0"/>
+                            </a:rPr>
+                            <m:t>𝑒𝑟𝑓𝑖</m:t>
+                          </m:r>
+                          <m:d>
+                            <m:dPr>
+                              <m:ctrlPr>
+                                <a:rPr lang="en-US" b="0" i="1" smtClean="0">
+                                  <a:latin typeface="Cambria Math" panose="02040503050406030204" pitchFamily="18" charset="0"/>
+                                </a:rPr>
+                              </m:ctrlPr>
+                            </m:dPr>
+                            <m:e>
+                              <m:f>
+                                <m:fPr>
+                                  <m:ctrlPr>
+                                    <a:rPr lang="en-US" i="1">
+                                      <a:latin typeface="Cambria Math" panose="02040503050406030204" pitchFamily="18" charset="0"/>
+                                    </a:rPr>
+                                  </m:ctrlPr>
+                                </m:fPr>
+                                <m:num>
+                                  <m:sSup>
+                                    <m:sSupPr>
+                                      <m:ctrlPr>
+                                        <a:rPr lang="en-US" i="1">
+                                          <a:latin typeface="Cambria Math" panose="02040503050406030204" pitchFamily="18" charset="0"/>
+                                        </a:rPr>
+                                      </m:ctrlPr>
+                                    </m:sSupPr>
+                                    <m:e>
+                                      <m:r>
+                                        <a:rPr lang="en-US" i="1">
+                                          <a:latin typeface="Cambria Math" panose="02040503050406030204" pitchFamily="18" charset="0"/>
+                                        </a:rPr>
+                                        <m:t>𝑒</m:t>
+                                      </m:r>
+                                    </m:e>
+                                    <m:sup>
+                                      <m:r>
+                                        <a:rPr lang="en-US" i="1">
+                                          <a:latin typeface="Cambria Math" panose="02040503050406030204" pitchFamily="18" charset="0"/>
+                                        </a:rPr>
+                                        <m:t>𝑗</m:t>
+                                      </m:r>
+                                      <m:f>
+                                        <m:fPr>
+                                          <m:ctrlPr>
+                                            <a:rPr lang="el-GR" i="1">
+                                              <a:latin typeface="Cambria Math" panose="02040503050406030204" pitchFamily="18" charset="0"/>
+                                            </a:rPr>
+                                          </m:ctrlPr>
+                                        </m:fPr>
+                                        <m:num>
+                                          <m:r>
+                                            <a:rPr lang="en-US" i="1">
+                                              <a:latin typeface="Cambria Math" panose="02040503050406030204" pitchFamily="18" charset="0"/>
+                                            </a:rPr>
+                                            <m:t>3</m:t>
+                                          </m:r>
+                                          <m:r>
+                                            <a:rPr lang="el-GR" i="1">
+                                              <a:latin typeface="Cambria Math" panose="02040503050406030204" pitchFamily="18" charset="0"/>
+                                            </a:rPr>
+                                            <m:t>𝜋</m:t>
+                                          </m:r>
+                                        </m:num>
+                                        <m:den>
+                                          <m:r>
+                                            <a:rPr lang="en-US" i="1">
+                                              <a:latin typeface="Cambria Math" panose="02040503050406030204" pitchFamily="18" charset="0"/>
+                                            </a:rPr>
+                                            <m:t>4</m:t>
+                                          </m:r>
+                                        </m:den>
+                                      </m:f>
+                                    </m:sup>
+                                  </m:sSup>
+                                  <m:r>
+                                    <a:rPr lang="en-US" b="0" i="1" smtClean="0">
+                                      <a:latin typeface="Cambria Math" panose="02040503050406030204" pitchFamily="18" charset="0"/>
+                                    </a:rPr>
+                                    <m:t>(2</m:t>
+                                  </m:r>
+                                  <m:r>
+                                    <a:rPr lang="en-US" b="0" i="1" smtClean="0">
+                                      <a:latin typeface="Cambria Math" panose="02040503050406030204" pitchFamily="18" charset="0"/>
+                                    </a:rPr>
+                                    <m:t>𝐾</m:t>
+                                  </m:r>
+                                  <m:r>
+                                    <a:rPr lang="en-US" b="0" i="1" smtClean="0">
+                                      <a:latin typeface="Cambria Math" panose="02040503050406030204" pitchFamily="18" charset="0"/>
+                                      <a:ea typeface="Cambria Math" panose="02040503050406030204" pitchFamily="18" charset="0"/>
+                                    </a:rPr>
+                                    <m:t>𝜋</m:t>
+                                  </m:r>
+                                  <m:r>
+                                    <a:rPr lang="en-US" b="0" i="1" smtClean="0">
+                                      <a:latin typeface="Cambria Math" panose="02040503050406030204" pitchFamily="18" charset="0"/>
+                                    </a:rPr>
+                                    <m:t>−</m:t>
+                                  </m:r>
+                                  <m:r>
+                                    <a:rPr lang="en-US" b="0" i="1" smtClean="0">
+                                      <a:latin typeface="Cambria Math" panose="02040503050406030204" pitchFamily="18" charset="0"/>
+                                    </a:rPr>
+                                    <m:t>𝑛</m:t>
+                                  </m:r>
+                                  <m:r>
+                                    <a:rPr lang="en-US" b="0" i="1" smtClean="0">
+                                      <a:latin typeface="Cambria Math" panose="02040503050406030204" pitchFamily="18" charset="0"/>
+                                    </a:rPr>
+                                    <m:t>)</m:t>
+                                  </m:r>
+                                </m:num>
+                                <m:den>
+                                  <m:r>
+                                    <a:rPr lang="en-US" b="0" i="1" smtClean="0">
+                                      <a:latin typeface="Cambria Math" panose="02040503050406030204" pitchFamily="18" charset="0"/>
+                                    </a:rPr>
+                                    <m:t>2</m:t>
+                                  </m:r>
+                                  <m:rad>
+                                    <m:radPr>
+                                      <m:degHide m:val="on"/>
+                                      <m:ctrlPr>
+                                        <a:rPr lang="en-US" i="1">
+                                          <a:latin typeface="Cambria Math" panose="02040503050406030204" pitchFamily="18" charset="0"/>
+                                        </a:rPr>
+                                      </m:ctrlPr>
+                                    </m:radPr>
+                                    <m:deg/>
+                                    <m:e>
+                                      <m:r>
+                                        <a:rPr lang="en-US" i="1">
+                                          <a:latin typeface="Cambria Math" panose="02040503050406030204" pitchFamily="18" charset="0"/>
+                                        </a:rPr>
+                                        <m:t>𝐾</m:t>
+                                      </m:r>
+                                    </m:e>
+                                  </m:rad>
+                                </m:den>
+                              </m:f>
+                            </m:e>
+                          </m:d>
+                          <m:r>
+                            <a:rPr lang="en-US" b="0" i="1" smtClean="0">
+                              <a:latin typeface="Cambria Math" panose="02040503050406030204" pitchFamily="18" charset="0"/>
+                            </a:rPr>
+                            <m:t>+</m:t>
+                          </m:r>
+                          <m:r>
+                            <a:rPr lang="en-US" b="0" i="1" smtClean="0">
+                              <a:latin typeface="Cambria Math" panose="02040503050406030204" pitchFamily="18" charset="0"/>
+                            </a:rPr>
+                            <m:t>𝑒𝑟𝑓𝑖</m:t>
+                          </m:r>
+                          <m:d>
+                            <m:dPr>
+                              <m:ctrlPr>
+                                <a:rPr lang="en-US" i="1">
+                                  <a:latin typeface="Cambria Math" panose="02040503050406030204" pitchFamily="18" charset="0"/>
+                                </a:rPr>
+                              </m:ctrlPr>
+                            </m:dPr>
+                            <m:e>
+                              <m:f>
+                                <m:fPr>
+                                  <m:ctrlPr>
+                                    <a:rPr lang="en-US" i="1">
+                                      <a:latin typeface="Cambria Math" panose="02040503050406030204" pitchFamily="18" charset="0"/>
+                                    </a:rPr>
+                                  </m:ctrlPr>
+                                </m:fPr>
+                                <m:num>
+                                  <m:sSup>
+                                    <m:sSupPr>
+                                      <m:ctrlPr>
+                                        <a:rPr lang="en-US" i="1">
+                                          <a:latin typeface="Cambria Math" panose="02040503050406030204" pitchFamily="18" charset="0"/>
+                                        </a:rPr>
+                                      </m:ctrlPr>
+                                    </m:sSupPr>
+                                    <m:e>
+                                      <m:r>
+                                        <a:rPr lang="en-US" i="1">
+                                          <a:latin typeface="Cambria Math" panose="02040503050406030204" pitchFamily="18" charset="0"/>
+                                        </a:rPr>
+                                        <m:t>𝑒</m:t>
+                                      </m:r>
+                                    </m:e>
+                                    <m:sup>
+                                      <m:r>
+                                        <a:rPr lang="en-US" i="1">
+                                          <a:latin typeface="Cambria Math" panose="02040503050406030204" pitchFamily="18" charset="0"/>
+                                        </a:rPr>
+                                        <m:t>𝑗</m:t>
+                                      </m:r>
+                                      <m:f>
+                                        <m:fPr>
+                                          <m:ctrlPr>
+                                            <a:rPr lang="el-GR" i="1">
+                                              <a:latin typeface="Cambria Math" panose="02040503050406030204" pitchFamily="18" charset="0"/>
+                                            </a:rPr>
+                                          </m:ctrlPr>
+                                        </m:fPr>
+                                        <m:num>
+                                          <m:r>
+                                            <a:rPr lang="en-US" i="1">
+                                              <a:latin typeface="Cambria Math" panose="02040503050406030204" pitchFamily="18" charset="0"/>
+                                            </a:rPr>
+                                            <m:t>3</m:t>
+                                          </m:r>
+                                          <m:r>
+                                            <a:rPr lang="el-GR" i="1">
+                                              <a:latin typeface="Cambria Math" panose="02040503050406030204" pitchFamily="18" charset="0"/>
+                                            </a:rPr>
+                                            <m:t>𝜋</m:t>
+                                          </m:r>
+                                        </m:num>
+                                        <m:den>
+                                          <m:r>
+                                            <a:rPr lang="en-US" i="1">
+                                              <a:latin typeface="Cambria Math" panose="02040503050406030204" pitchFamily="18" charset="0"/>
+                                            </a:rPr>
+                                            <m:t>4</m:t>
+                                          </m:r>
+                                        </m:den>
+                                      </m:f>
+                                    </m:sup>
+                                  </m:sSup>
+                                  <m:r>
+                                    <a:rPr lang="en-US" i="1">
+                                      <a:latin typeface="Cambria Math" panose="02040503050406030204" pitchFamily="18" charset="0"/>
+                                    </a:rPr>
+                                    <m:t>(2</m:t>
+                                  </m:r>
+                                  <m:r>
+                                    <a:rPr lang="en-US" i="1">
+                                      <a:latin typeface="Cambria Math" panose="02040503050406030204" pitchFamily="18" charset="0"/>
+                                    </a:rPr>
+                                    <m:t>𝐾</m:t>
+                                  </m:r>
+                                  <m:r>
+                                    <a:rPr lang="en-US" i="1">
+                                      <a:latin typeface="Cambria Math" panose="02040503050406030204" pitchFamily="18" charset="0"/>
+                                      <a:ea typeface="Cambria Math" panose="02040503050406030204" pitchFamily="18" charset="0"/>
+                                    </a:rPr>
+                                    <m:t>𝜋</m:t>
+                                  </m:r>
+                                  <m:r>
+                                    <a:rPr lang="en-US" b="0" i="1" smtClean="0">
+                                      <a:latin typeface="Cambria Math" panose="02040503050406030204" pitchFamily="18" charset="0"/>
+                                      <a:ea typeface="Cambria Math" panose="02040503050406030204" pitchFamily="18" charset="0"/>
+                                    </a:rPr>
+                                    <m:t>+</m:t>
+                                  </m:r>
+                                  <m:r>
+                                    <a:rPr lang="en-US" i="1">
+                                      <a:latin typeface="Cambria Math" panose="02040503050406030204" pitchFamily="18" charset="0"/>
+                                    </a:rPr>
+                                    <m:t>𝑛</m:t>
+                                  </m:r>
+                                  <m:r>
+                                    <a:rPr lang="en-US" i="1">
+                                      <a:latin typeface="Cambria Math" panose="02040503050406030204" pitchFamily="18" charset="0"/>
+                                    </a:rPr>
+                                    <m:t>)</m:t>
+                                  </m:r>
+                                </m:num>
+                                <m:den>
+                                  <m:r>
+                                    <a:rPr lang="en-US" i="1">
+                                      <a:latin typeface="Cambria Math" panose="02040503050406030204" pitchFamily="18" charset="0"/>
+                                    </a:rPr>
+                                    <m:t>2</m:t>
+                                  </m:r>
+                                  <m:rad>
+                                    <m:radPr>
+                                      <m:degHide m:val="on"/>
+                                      <m:ctrlPr>
+                                        <a:rPr lang="en-US" i="1">
+                                          <a:latin typeface="Cambria Math" panose="02040503050406030204" pitchFamily="18" charset="0"/>
+                                        </a:rPr>
+                                      </m:ctrlPr>
+                                    </m:radPr>
+                                    <m:deg/>
+                                    <m:e>
+                                      <m:r>
+                                        <a:rPr lang="en-US" i="1">
+                                          <a:latin typeface="Cambria Math" panose="02040503050406030204" pitchFamily="18" charset="0"/>
+                                        </a:rPr>
+                                        <m:t>𝐾</m:t>
+                                      </m:r>
+                                    </m:e>
+                                  </m:rad>
+                                </m:den>
+                              </m:f>
+                            </m:e>
+                          </m:d>
+                        </m:e>
+                      </m:d>
+                    </m:oMath>
+                  </m:oMathPara>
+                </a14:m>
+                <a:endParaRPr lang="en-US" dirty="0"/>
+              </a:p>
+              <a:p>
+                <a:pPr marL="0" indent="0">
+                  <a:buNone/>
+                </a:pPr>
+                <a:endParaRPr lang="en-US" dirty="0"/>
+              </a:p>
+              <a:p>
+                <a:pPr marL="0" indent="0">
+                  <a:buNone/>
+                </a:pPr>
+                <a:endParaRPr lang="en-US" dirty="0"/>
+              </a:p>
+            </p:txBody>
+          </p:sp>
+        </mc:Choice>
+        <mc:Fallback>
+          <p:sp>
+            <p:nvSpPr>
+              <p:cNvPr id="3" name="Content Placeholder 2">
+                <a:extLst>
+                  <a:ext uri="{FF2B5EF4-FFF2-40B4-BE49-F238E27FC236}">
+                    <a16:creationId xmlns:a16="http://schemas.microsoft.com/office/drawing/2014/main" id="{E981E42B-E536-4B4D-9077-02E56249404E}"/>
+                  </a:ext>
+                </a:extLst>
+              </p:cNvPr>
+              <p:cNvSpPr>
+                <a:spLocks noGrp="1" noRot="1" noChangeAspect="1" noMove="1" noResize="1" noEditPoints="1" noAdjustHandles="1" noChangeArrowheads="1" noChangeShapeType="1" noTextEdit="1"/>
+              </p:cNvSpPr>
+              <p:nvPr>
+                <p:ph idx="1"/>
+              </p:nvPr>
+            </p:nvSpPr>
+            <p:spPr>
+              <a:xfrm>
+                <a:off x="838200" y="1509742"/>
+                <a:ext cx="10515600" cy="4351338"/>
+              </a:xfrm>
+              <a:blipFill>
+                <a:blip r:embed="rId2"/>
+                <a:stretch>
+                  <a:fillRect l="-1043" t="-3647"/>
+                </a:stretch>
+              </a:blipFill>
+            </p:spPr>
+            <p:txBody>
+              <a:bodyPr/>
+              <a:lstStyle/>
+              <a:p>
+                <a:r>
+                  <a:rPr lang="en-US">
+                    <a:noFill/>
+                  </a:rPr>
+                  <a:t> </a:t>
+                </a:r>
+              </a:p>
+            </p:txBody>
+          </p:sp>
+        </mc:Fallback>
+      </mc:AlternateContent>
+    </p:spTree>
+    <p:extLst>
+      <p:ext uri="{BB962C8B-B14F-4D97-AF65-F5344CB8AC3E}">
+        <p14:creationId xmlns:p14="http://schemas.microsoft.com/office/powerpoint/2010/main" val="1768451308"/>
       </p:ext>
     </p:extLst>
   </p:cSld>

--- a/Master's meetings presentation.pptx
+++ b/Master's meetings presentation.pptx
@@ -2,19 +2,24 @@
 <file path=ppt/presentation.xml><?xml version="1.0" encoding="utf-8"?>
 <p:presentation xmlns:a="http://schemas.openxmlformats.org/drawingml/2006/main" xmlns:r="http://schemas.openxmlformats.org/officeDocument/2006/relationships" xmlns:p="http://schemas.openxmlformats.org/presentationml/2006/main" saveSubsetFonts="1">
   <p:sldMasterIdLst>
-    <p:sldMasterId id="2147483648" r:id="rId1"/>
+    <p:sldMasterId id="2147483648" r:id="rId2"/>
   </p:sldMasterIdLst>
   <p:sldIdLst>
-    <p:sldId id="258" r:id="rId2"/>
-    <p:sldId id="259" r:id="rId3"/>
-    <p:sldId id="257" r:id="rId4"/>
-    <p:sldId id="261" r:id="rId5"/>
-    <p:sldId id="260" r:id="rId6"/>
-    <p:sldId id="262" r:id="rId7"/>
-    <p:sldId id="263" r:id="rId8"/>
-    <p:sldId id="264" r:id="rId9"/>
-    <p:sldId id="265" r:id="rId10"/>
-    <p:sldId id="266" r:id="rId11"/>
+    <p:sldId id="258" r:id="rId3"/>
+    <p:sldId id="259" r:id="rId4"/>
+    <p:sldId id="257" r:id="rId5"/>
+    <p:sldId id="261" r:id="rId6"/>
+    <p:sldId id="260" r:id="rId7"/>
+    <p:sldId id="262" r:id="rId8"/>
+    <p:sldId id="263" r:id="rId9"/>
+    <p:sldId id="264" r:id="rId10"/>
+    <p:sldId id="265" r:id="rId11"/>
+    <p:sldId id="266" r:id="rId12"/>
+    <p:sldId id="267" r:id="rId13"/>
+    <p:sldId id="268" r:id="rId14"/>
+    <p:sldId id="269" r:id="rId15"/>
+    <p:sldId id="270" r:id="rId16"/>
+    <p:sldId id="271" r:id="rId17"/>
   </p:sldIdLst>
   <p:sldSz cx="12192000" cy="6858000"/>
   <p:notesSz cx="6858000" cy="9144000"/>
@@ -243,6 +248,4324 @@
 </pc:chgInfo>
 </file>
 
+<file path=ppt/diagrams/colors1.xml><?xml version="1.0" encoding="utf-8"?>
+<dgm:colorsDef xmlns:dgm="http://schemas.openxmlformats.org/drawingml/2006/diagram" xmlns:a="http://schemas.openxmlformats.org/drawingml/2006/main" uniqueId="urn:microsoft.com/office/officeart/2005/8/colors/accent0_1">
+  <dgm:title val=""/>
+  <dgm:desc val=""/>
+  <dgm:catLst>
+    <dgm:cat type="mainScheme" pri="10100"/>
+  </dgm:catLst>
+  <dgm:styleLbl name="node0">
+    <dgm:fillClrLst meth="repeat">
+      <a:schemeClr val="lt1"/>
+    </dgm:fillClrLst>
+    <dgm:linClrLst meth="repeat">
+      <a:schemeClr val="dk1">
+        <a:shade val="80000"/>
+      </a:schemeClr>
+    </dgm:linClrLst>
+    <dgm:effectClrLst/>
+    <dgm:txLinClrLst/>
+    <dgm:txFillClrLst meth="repeat">
+      <a:schemeClr val="dk1"/>
+    </dgm:txFillClrLst>
+    <dgm:txEffectClrLst/>
+  </dgm:styleLbl>
+  <dgm:styleLbl name="node1">
+    <dgm:fillClrLst meth="repeat">
+      <a:schemeClr val="lt1"/>
+    </dgm:fillClrLst>
+    <dgm:linClrLst meth="repeat">
+      <a:schemeClr val="dk1">
+        <a:shade val="80000"/>
+      </a:schemeClr>
+    </dgm:linClrLst>
+    <dgm:effectClrLst/>
+    <dgm:txLinClrLst/>
+    <dgm:txFillClrLst meth="repeat">
+      <a:schemeClr val="dk1"/>
+    </dgm:txFillClrLst>
+    <dgm:txEffectClrLst/>
+  </dgm:styleLbl>
+  <dgm:styleLbl name="alignNode1">
+    <dgm:fillClrLst meth="repeat">
+      <a:schemeClr val="lt1"/>
+    </dgm:fillClrLst>
+    <dgm:linClrLst meth="repeat">
+      <a:schemeClr val="dk1">
+        <a:shade val="80000"/>
+      </a:schemeClr>
+    </dgm:linClrLst>
+    <dgm:effectClrLst/>
+    <dgm:txLinClrLst/>
+    <dgm:txFillClrLst meth="repeat">
+      <a:schemeClr val="dk1"/>
+    </dgm:txFillClrLst>
+    <dgm:txEffectClrLst/>
+  </dgm:styleLbl>
+  <dgm:styleLbl name="lnNode1">
+    <dgm:fillClrLst meth="repeat">
+      <a:schemeClr val="lt1"/>
+    </dgm:fillClrLst>
+    <dgm:linClrLst meth="repeat">
+      <a:schemeClr val="dk1">
+        <a:shade val="80000"/>
+      </a:schemeClr>
+    </dgm:linClrLst>
+    <dgm:effectClrLst/>
+    <dgm:txLinClrLst/>
+    <dgm:txFillClrLst meth="repeat">
+      <a:schemeClr val="dk1"/>
+    </dgm:txFillClrLst>
+    <dgm:txEffectClrLst/>
+  </dgm:styleLbl>
+  <dgm:styleLbl name="vennNode1">
+    <dgm:fillClrLst meth="repeat">
+      <a:schemeClr val="lt1">
+        <a:alpha val="50000"/>
+      </a:schemeClr>
+    </dgm:fillClrLst>
+    <dgm:linClrLst meth="repeat">
+      <a:schemeClr val="dk1">
+        <a:shade val="80000"/>
+      </a:schemeClr>
+    </dgm:linClrLst>
+    <dgm:effectClrLst/>
+    <dgm:txLinClrLst/>
+    <dgm:txFillClrLst/>
+    <dgm:txEffectClrLst/>
+  </dgm:styleLbl>
+  <dgm:styleLbl name="node2">
+    <dgm:fillClrLst meth="repeat">
+      <a:schemeClr val="lt1"/>
+    </dgm:fillClrLst>
+    <dgm:linClrLst meth="repeat">
+      <a:schemeClr val="dk1">
+        <a:shade val="80000"/>
+      </a:schemeClr>
+    </dgm:linClrLst>
+    <dgm:effectClrLst/>
+    <dgm:txLinClrLst/>
+    <dgm:txFillClrLst meth="repeat">
+      <a:schemeClr val="dk1"/>
+    </dgm:txFillClrLst>
+    <dgm:txEffectClrLst/>
+  </dgm:styleLbl>
+  <dgm:styleLbl name="node3">
+    <dgm:fillClrLst meth="repeat">
+      <a:schemeClr val="lt1"/>
+    </dgm:fillClrLst>
+    <dgm:linClrLst meth="repeat">
+      <a:schemeClr val="dk1">
+        <a:shade val="80000"/>
+      </a:schemeClr>
+    </dgm:linClrLst>
+    <dgm:effectClrLst/>
+    <dgm:txLinClrLst/>
+    <dgm:txFillClrLst meth="repeat">
+      <a:schemeClr val="dk1"/>
+    </dgm:txFillClrLst>
+    <dgm:txEffectClrLst/>
+  </dgm:styleLbl>
+  <dgm:styleLbl name="node4">
+    <dgm:fillClrLst meth="repeat">
+      <a:schemeClr val="lt1"/>
+    </dgm:fillClrLst>
+    <dgm:linClrLst meth="repeat">
+      <a:schemeClr val="dk1">
+        <a:shade val="80000"/>
+      </a:schemeClr>
+    </dgm:linClrLst>
+    <dgm:effectClrLst/>
+    <dgm:txLinClrLst/>
+    <dgm:txFillClrLst meth="repeat">
+      <a:schemeClr val="dk1"/>
+    </dgm:txFillClrLst>
+    <dgm:txEffectClrLst/>
+  </dgm:styleLbl>
+  <dgm:styleLbl name="fgImgPlace1">
+    <dgm:fillClrLst meth="repeat">
+      <a:schemeClr val="dk1">
+        <a:tint val="40000"/>
+      </a:schemeClr>
+    </dgm:fillClrLst>
+    <dgm:linClrLst meth="repeat">
+      <a:schemeClr val="dk1">
+        <a:shade val="80000"/>
+      </a:schemeClr>
+    </dgm:linClrLst>
+    <dgm:effectClrLst/>
+    <dgm:txLinClrLst/>
+    <dgm:txFillClrLst meth="repeat">
+      <a:schemeClr val="lt1"/>
+    </dgm:txFillClrLst>
+    <dgm:txEffectClrLst/>
+  </dgm:styleLbl>
+  <dgm:styleLbl name="alignImgPlace1">
+    <dgm:fillClrLst meth="repeat">
+      <a:schemeClr val="dk1">
+        <a:tint val="40000"/>
+      </a:schemeClr>
+    </dgm:fillClrLst>
+    <dgm:linClrLst meth="repeat">
+      <a:schemeClr val="dk1">
+        <a:shade val="80000"/>
+      </a:schemeClr>
+    </dgm:linClrLst>
+    <dgm:effectClrLst/>
+    <dgm:txLinClrLst/>
+    <dgm:txFillClrLst meth="repeat">
+      <a:schemeClr val="lt1"/>
+    </dgm:txFillClrLst>
+    <dgm:txEffectClrLst/>
+  </dgm:styleLbl>
+  <dgm:styleLbl name="bgImgPlace1">
+    <dgm:fillClrLst meth="repeat">
+      <a:schemeClr val="dk1">
+        <a:tint val="40000"/>
+      </a:schemeClr>
+    </dgm:fillClrLst>
+    <dgm:linClrLst meth="repeat">
+      <a:schemeClr val="dk1">
+        <a:shade val="80000"/>
+      </a:schemeClr>
+    </dgm:linClrLst>
+    <dgm:effectClrLst/>
+    <dgm:txLinClrLst/>
+    <dgm:txFillClrLst meth="repeat">
+      <a:schemeClr val="lt1"/>
+    </dgm:txFillClrLst>
+    <dgm:txEffectClrLst/>
+  </dgm:styleLbl>
+  <dgm:styleLbl name="sibTrans2D1">
+    <dgm:fillClrLst meth="repeat">
+      <a:schemeClr val="dk1">
+        <a:tint val="60000"/>
+      </a:schemeClr>
+    </dgm:fillClrLst>
+    <dgm:linClrLst meth="repeat">
+      <a:schemeClr val="dk1">
+        <a:tint val="60000"/>
+      </a:schemeClr>
+    </dgm:linClrLst>
+    <dgm:effectClrLst/>
+    <dgm:txLinClrLst/>
+    <dgm:txFillClrLst meth="repeat">
+      <a:schemeClr val="dk1"/>
+    </dgm:txFillClrLst>
+    <dgm:txEffectClrLst/>
+  </dgm:styleLbl>
+  <dgm:styleLbl name="fgSibTrans2D1">
+    <dgm:fillClrLst meth="repeat">
+      <a:schemeClr val="dk1">
+        <a:tint val="60000"/>
+      </a:schemeClr>
+    </dgm:fillClrLst>
+    <dgm:linClrLst meth="repeat">
+      <a:schemeClr val="dk1">
+        <a:tint val="60000"/>
+      </a:schemeClr>
+    </dgm:linClrLst>
+    <dgm:effectClrLst/>
+    <dgm:txLinClrLst/>
+    <dgm:txFillClrLst meth="repeat">
+      <a:schemeClr val="dk1"/>
+    </dgm:txFillClrLst>
+    <dgm:txEffectClrLst/>
+  </dgm:styleLbl>
+  <dgm:styleLbl name="bgSibTrans2D1">
+    <dgm:fillClrLst meth="repeat">
+      <a:schemeClr val="dk1">
+        <a:tint val="60000"/>
+      </a:schemeClr>
+    </dgm:fillClrLst>
+    <dgm:linClrLst meth="repeat">
+      <a:schemeClr val="dk1">
+        <a:tint val="60000"/>
+      </a:schemeClr>
+    </dgm:linClrLst>
+    <dgm:effectClrLst/>
+    <dgm:txLinClrLst/>
+    <dgm:txFillClrLst meth="repeat">
+      <a:schemeClr val="dk1"/>
+    </dgm:txFillClrLst>
+    <dgm:txEffectClrLst/>
+  </dgm:styleLbl>
+  <dgm:styleLbl name="sibTrans1D1">
+    <dgm:fillClrLst meth="repeat">
+      <a:schemeClr val="dk1"/>
+    </dgm:fillClrLst>
+    <dgm:linClrLst meth="repeat">
+      <a:schemeClr val="dk1"/>
+    </dgm:linClrLst>
+    <dgm:effectClrLst/>
+    <dgm:txLinClrLst/>
+    <dgm:txFillClrLst meth="repeat">
+      <a:schemeClr val="tx1"/>
+    </dgm:txFillClrLst>
+    <dgm:txEffectClrLst/>
+  </dgm:styleLbl>
+  <dgm:styleLbl name="callout">
+    <dgm:fillClrLst meth="repeat">
+      <a:schemeClr val="dk1"/>
+    </dgm:fillClrLst>
+    <dgm:linClrLst meth="repeat">
+      <a:schemeClr val="dk1"/>
+    </dgm:linClrLst>
+    <dgm:effectClrLst/>
+    <dgm:txLinClrLst/>
+    <dgm:txFillClrLst meth="repeat">
+      <a:schemeClr val="tx1"/>
+    </dgm:txFillClrLst>
+    <dgm:txEffectClrLst/>
+  </dgm:styleLbl>
+  <dgm:styleLbl name="asst0">
+    <dgm:fillClrLst meth="repeat">
+      <a:schemeClr val="lt1"/>
+    </dgm:fillClrLst>
+    <dgm:linClrLst meth="repeat">
+      <a:schemeClr val="dk1">
+        <a:shade val="80000"/>
+      </a:schemeClr>
+    </dgm:linClrLst>
+    <dgm:effectClrLst/>
+    <dgm:txLinClrLst/>
+    <dgm:txFillClrLst meth="repeat">
+      <a:schemeClr val="dk1"/>
+    </dgm:txFillClrLst>
+    <dgm:txEffectClrLst/>
+  </dgm:styleLbl>
+  <dgm:styleLbl name="asst1">
+    <dgm:fillClrLst meth="repeat">
+      <a:schemeClr val="lt1"/>
+    </dgm:fillClrLst>
+    <dgm:linClrLst meth="repeat">
+      <a:schemeClr val="dk1">
+        <a:shade val="80000"/>
+      </a:schemeClr>
+    </dgm:linClrLst>
+    <dgm:effectClrLst/>
+    <dgm:txLinClrLst/>
+    <dgm:txFillClrLst meth="repeat">
+      <a:schemeClr val="dk1"/>
+    </dgm:txFillClrLst>
+    <dgm:txEffectClrLst/>
+  </dgm:styleLbl>
+  <dgm:styleLbl name="asst2">
+    <dgm:fillClrLst meth="repeat">
+      <a:schemeClr val="lt1"/>
+    </dgm:fillClrLst>
+    <dgm:linClrLst meth="repeat">
+      <a:schemeClr val="dk1">
+        <a:shade val="80000"/>
+      </a:schemeClr>
+    </dgm:linClrLst>
+    <dgm:effectClrLst/>
+    <dgm:txLinClrLst/>
+    <dgm:txFillClrLst meth="repeat">
+      <a:schemeClr val="dk1"/>
+    </dgm:txFillClrLst>
+    <dgm:txEffectClrLst/>
+  </dgm:styleLbl>
+  <dgm:styleLbl name="asst3">
+    <dgm:fillClrLst meth="repeat">
+      <a:schemeClr val="lt1"/>
+    </dgm:fillClrLst>
+    <dgm:linClrLst meth="repeat">
+      <a:schemeClr val="dk1">
+        <a:shade val="80000"/>
+      </a:schemeClr>
+    </dgm:linClrLst>
+    <dgm:effectClrLst/>
+    <dgm:txLinClrLst/>
+    <dgm:txFillClrLst meth="repeat">
+      <a:schemeClr val="dk1"/>
+    </dgm:txFillClrLst>
+    <dgm:txEffectClrLst/>
+  </dgm:styleLbl>
+  <dgm:styleLbl name="asst4">
+    <dgm:fillClrLst meth="repeat">
+      <a:schemeClr val="lt1"/>
+    </dgm:fillClrLst>
+    <dgm:linClrLst meth="repeat">
+      <a:schemeClr val="dk1">
+        <a:shade val="80000"/>
+      </a:schemeClr>
+    </dgm:linClrLst>
+    <dgm:effectClrLst/>
+    <dgm:txLinClrLst/>
+    <dgm:txFillClrLst meth="repeat">
+      <a:schemeClr val="dk1"/>
+    </dgm:txFillClrLst>
+    <dgm:txEffectClrLst/>
+  </dgm:styleLbl>
+  <dgm:styleLbl name="parChTrans2D1">
+    <dgm:fillClrLst meth="repeat">
+      <a:schemeClr val="dk1">
+        <a:tint val="60000"/>
+      </a:schemeClr>
+    </dgm:fillClrLst>
+    <dgm:linClrLst meth="repeat">
+      <a:schemeClr val="dk1">
+        <a:tint val="60000"/>
+      </a:schemeClr>
+    </dgm:linClrLst>
+    <dgm:effectClrLst/>
+    <dgm:txLinClrLst/>
+    <dgm:txFillClrLst/>
+    <dgm:txEffectClrLst/>
+  </dgm:styleLbl>
+  <dgm:styleLbl name="parChTrans2D2">
+    <dgm:fillClrLst meth="repeat">
+      <a:schemeClr val="dk1"/>
+    </dgm:fillClrLst>
+    <dgm:linClrLst meth="repeat">
+      <a:schemeClr val="dk1"/>
+    </dgm:linClrLst>
+    <dgm:effectClrLst/>
+    <dgm:txLinClrLst/>
+    <dgm:txFillClrLst/>
+    <dgm:txEffectClrLst/>
+  </dgm:styleLbl>
+  <dgm:styleLbl name="parChTrans2D3">
+    <dgm:fillClrLst meth="repeat">
+      <a:schemeClr val="dk1"/>
+    </dgm:fillClrLst>
+    <dgm:linClrLst meth="repeat">
+      <a:schemeClr val="dk1"/>
+    </dgm:linClrLst>
+    <dgm:effectClrLst/>
+    <dgm:txLinClrLst/>
+    <dgm:txFillClrLst/>
+    <dgm:txEffectClrLst/>
+  </dgm:styleLbl>
+  <dgm:styleLbl name="parChTrans2D4">
+    <dgm:fillClrLst meth="repeat">
+      <a:schemeClr val="dk1"/>
+    </dgm:fillClrLst>
+    <dgm:linClrLst meth="repeat">
+      <a:schemeClr val="dk1"/>
+    </dgm:linClrLst>
+    <dgm:effectClrLst/>
+    <dgm:txLinClrLst/>
+    <dgm:txFillClrLst meth="repeat">
+      <a:schemeClr val="lt1"/>
+    </dgm:txFillClrLst>
+    <dgm:txEffectClrLst/>
+  </dgm:styleLbl>
+  <dgm:styleLbl name="parChTrans1D1">
+    <dgm:fillClrLst meth="repeat">
+      <a:schemeClr val="dk1"/>
+    </dgm:fillClrLst>
+    <dgm:linClrLst meth="repeat">
+      <a:schemeClr val="dk1">
+        <a:shade val="60000"/>
+      </a:schemeClr>
+    </dgm:linClrLst>
+    <dgm:effectClrLst/>
+    <dgm:txLinClrLst/>
+    <dgm:txFillClrLst meth="repeat">
+      <a:schemeClr val="tx1"/>
+    </dgm:txFillClrLst>
+    <dgm:txEffectClrLst/>
+  </dgm:styleLbl>
+  <dgm:styleLbl name="parChTrans1D2">
+    <dgm:fillClrLst meth="repeat">
+      <a:schemeClr val="dk1"/>
+    </dgm:fillClrLst>
+    <dgm:linClrLst meth="repeat">
+      <a:schemeClr val="dk1">
+        <a:shade val="60000"/>
+      </a:schemeClr>
+    </dgm:linClrLst>
+    <dgm:effectClrLst/>
+    <dgm:txLinClrLst/>
+    <dgm:txFillClrLst meth="repeat">
+      <a:schemeClr val="tx1"/>
+    </dgm:txFillClrLst>
+    <dgm:txEffectClrLst/>
+  </dgm:styleLbl>
+  <dgm:styleLbl name="parChTrans1D3">
+    <dgm:fillClrLst meth="repeat">
+      <a:schemeClr val="dk1"/>
+    </dgm:fillClrLst>
+    <dgm:linClrLst meth="repeat">
+      <a:schemeClr val="dk1">
+        <a:shade val="80000"/>
+      </a:schemeClr>
+    </dgm:linClrLst>
+    <dgm:effectClrLst/>
+    <dgm:txLinClrLst/>
+    <dgm:txFillClrLst meth="repeat">
+      <a:schemeClr val="tx1"/>
+    </dgm:txFillClrLst>
+    <dgm:txEffectClrLst/>
+  </dgm:styleLbl>
+  <dgm:styleLbl name="parChTrans1D4">
+    <dgm:fillClrLst meth="repeat">
+      <a:schemeClr val="dk1"/>
+    </dgm:fillClrLst>
+    <dgm:linClrLst meth="repeat">
+      <a:schemeClr val="dk1">
+        <a:shade val="80000"/>
+      </a:schemeClr>
+    </dgm:linClrLst>
+    <dgm:effectClrLst/>
+    <dgm:txLinClrLst/>
+    <dgm:txFillClrLst meth="repeat">
+      <a:schemeClr val="tx1"/>
+    </dgm:txFillClrLst>
+    <dgm:txEffectClrLst/>
+  </dgm:styleLbl>
+  <dgm:styleLbl name="fgAcc1">
+    <dgm:fillClrLst meth="repeat">
+      <a:schemeClr val="dk1">
+        <a:alpha val="90000"/>
+        <a:tint val="40000"/>
+      </a:schemeClr>
+    </dgm:fillClrLst>
+    <dgm:linClrLst meth="repeat">
+      <a:schemeClr val="dk1"/>
+    </dgm:linClrLst>
+    <dgm:effectClrLst/>
+    <dgm:txLinClrLst/>
+    <dgm:txFillClrLst meth="repeat">
+      <a:schemeClr val="dk1"/>
+    </dgm:txFillClrLst>
+    <dgm:txEffectClrLst/>
+  </dgm:styleLbl>
+  <dgm:styleLbl name="conFgAcc1">
+    <dgm:fillClrLst meth="repeat">
+      <a:schemeClr val="dk1">
+        <a:alpha val="90000"/>
+        <a:tint val="40000"/>
+      </a:schemeClr>
+    </dgm:fillClrLst>
+    <dgm:linClrLst meth="repeat">
+      <a:schemeClr val="dk1"/>
+    </dgm:linClrLst>
+    <dgm:effectClrLst/>
+    <dgm:txLinClrLst/>
+    <dgm:txFillClrLst meth="repeat">
+      <a:schemeClr val="dk1"/>
+    </dgm:txFillClrLst>
+    <dgm:txEffectClrLst/>
+  </dgm:styleLbl>
+  <dgm:styleLbl name="alignAcc1">
+    <dgm:fillClrLst meth="repeat">
+      <a:schemeClr val="dk1">
+        <a:alpha val="90000"/>
+        <a:tint val="40000"/>
+      </a:schemeClr>
+    </dgm:fillClrLst>
+    <dgm:linClrLst meth="repeat">
+      <a:schemeClr val="dk1"/>
+    </dgm:linClrLst>
+    <dgm:effectClrLst/>
+    <dgm:txLinClrLst/>
+    <dgm:txFillClrLst meth="repeat">
+      <a:schemeClr val="dk1"/>
+    </dgm:txFillClrLst>
+    <dgm:txEffectClrLst/>
+  </dgm:styleLbl>
+  <dgm:styleLbl name="trAlignAcc1">
+    <dgm:fillClrLst meth="repeat">
+      <a:schemeClr val="dk1">
+        <a:alpha val="40000"/>
+        <a:tint val="40000"/>
+      </a:schemeClr>
+    </dgm:fillClrLst>
+    <dgm:linClrLst meth="repeat">
+      <a:schemeClr val="dk1"/>
+    </dgm:linClrLst>
+    <dgm:effectClrLst/>
+    <dgm:txLinClrLst/>
+    <dgm:txFillClrLst meth="repeat">
+      <a:schemeClr val="dk1"/>
+    </dgm:txFillClrLst>
+    <dgm:txEffectClrLst/>
+  </dgm:styleLbl>
+  <dgm:styleLbl name="bgAcc1">
+    <dgm:fillClrLst meth="repeat">
+      <a:schemeClr val="dk1">
+        <a:alpha val="90000"/>
+        <a:tint val="40000"/>
+      </a:schemeClr>
+    </dgm:fillClrLst>
+    <dgm:linClrLst meth="repeat">
+      <a:schemeClr val="dk1"/>
+    </dgm:linClrLst>
+    <dgm:effectClrLst/>
+    <dgm:txLinClrLst/>
+    <dgm:txFillClrLst meth="repeat">
+      <a:schemeClr val="dk1"/>
+    </dgm:txFillClrLst>
+    <dgm:txEffectClrLst/>
+  </dgm:styleLbl>
+  <dgm:styleLbl name="solidFgAcc1">
+    <dgm:fillClrLst meth="repeat">
+      <a:schemeClr val="lt1"/>
+    </dgm:fillClrLst>
+    <dgm:linClrLst meth="repeat">
+      <a:schemeClr val="dk1"/>
+    </dgm:linClrLst>
+    <dgm:effectClrLst/>
+    <dgm:txLinClrLst/>
+    <dgm:txFillClrLst meth="repeat">
+      <a:schemeClr val="dk1"/>
+    </dgm:txFillClrLst>
+    <dgm:txEffectClrLst/>
+  </dgm:styleLbl>
+  <dgm:styleLbl name="solidAlignAcc1">
+    <dgm:fillClrLst meth="repeat">
+      <a:schemeClr val="lt1"/>
+    </dgm:fillClrLst>
+    <dgm:linClrLst meth="repeat">
+      <a:schemeClr val="dk1"/>
+    </dgm:linClrLst>
+    <dgm:effectClrLst/>
+    <dgm:txLinClrLst/>
+    <dgm:txFillClrLst meth="repeat">
+      <a:schemeClr val="dk1"/>
+    </dgm:txFillClrLst>
+    <dgm:txEffectClrLst/>
+  </dgm:styleLbl>
+  <dgm:styleLbl name="solidBgAcc1">
+    <dgm:fillClrLst meth="repeat">
+      <a:schemeClr val="lt1"/>
+    </dgm:fillClrLst>
+    <dgm:linClrLst meth="repeat">
+      <a:schemeClr val="dk1"/>
+    </dgm:linClrLst>
+    <dgm:effectClrLst/>
+    <dgm:txLinClrLst/>
+    <dgm:txFillClrLst meth="repeat">
+      <a:schemeClr val="dk1"/>
+    </dgm:txFillClrLst>
+    <dgm:txEffectClrLst/>
+  </dgm:styleLbl>
+  <dgm:styleLbl name="fgAccFollowNode1">
+    <dgm:fillClrLst meth="repeat">
+      <a:schemeClr val="lt1">
+        <a:alpha val="90000"/>
+        <a:tint val="40000"/>
+      </a:schemeClr>
+    </dgm:fillClrLst>
+    <dgm:linClrLst meth="repeat">
+      <a:schemeClr val="dk1">
+        <a:alpha val="90000"/>
+      </a:schemeClr>
+    </dgm:linClrLst>
+    <dgm:effectClrLst/>
+    <dgm:txLinClrLst/>
+    <dgm:txFillClrLst meth="repeat">
+      <a:schemeClr val="dk1"/>
+    </dgm:txFillClrLst>
+    <dgm:txEffectClrLst/>
+  </dgm:styleLbl>
+  <dgm:styleLbl name="alignAccFollowNode1">
+    <dgm:fillClrLst meth="repeat">
+      <a:schemeClr val="lt1">
+        <a:alpha val="90000"/>
+        <a:tint val="40000"/>
+      </a:schemeClr>
+    </dgm:fillClrLst>
+    <dgm:linClrLst meth="repeat">
+      <a:schemeClr val="dk1">
+        <a:alpha val="90000"/>
+      </a:schemeClr>
+    </dgm:linClrLst>
+    <dgm:effectClrLst/>
+    <dgm:txLinClrLst/>
+    <dgm:txFillClrLst meth="repeat">
+      <a:schemeClr val="dk1"/>
+    </dgm:txFillClrLst>
+    <dgm:txEffectClrLst/>
+  </dgm:styleLbl>
+  <dgm:styleLbl name="bgAccFollowNode1">
+    <dgm:fillClrLst meth="repeat">
+      <a:schemeClr val="lt1">
+        <a:alpha val="90000"/>
+        <a:tint val="40000"/>
+      </a:schemeClr>
+    </dgm:fillClrLst>
+    <dgm:linClrLst meth="repeat">
+      <a:schemeClr val="dk1">
+        <a:alpha val="90000"/>
+      </a:schemeClr>
+    </dgm:linClrLst>
+    <dgm:effectClrLst/>
+    <dgm:txLinClrLst/>
+    <dgm:txFillClrLst meth="repeat">
+      <a:schemeClr val="dk1"/>
+    </dgm:txFillClrLst>
+    <dgm:txEffectClrLst/>
+  </dgm:styleLbl>
+  <dgm:styleLbl name="fgAcc0">
+    <dgm:fillClrLst meth="repeat">
+      <a:schemeClr val="dk1">
+        <a:alpha val="90000"/>
+        <a:tint val="40000"/>
+      </a:schemeClr>
+    </dgm:fillClrLst>
+    <dgm:linClrLst meth="repeat">
+      <a:schemeClr val="dk1"/>
+    </dgm:linClrLst>
+    <dgm:effectClrLst/>
+    <dgm:txLinClrLst/>
+    <dgm:txFillClrLst meth="repeat">
+      <a:schemeClr val="dk1"/>
+    </dgm:txFillClrLst>
+    <dgm:txEffectClrLst/>
+  </dgm:styleLbl>
+  <dgm:styleLbl name="fgAcc2">
+    <dgm:fillClrLst meth="repeat">
+      <a:schemeClr val="dk1">
+        <a:alpha val="90000"/>
+        <a:tint val="40000"/>
+      </a:schemeClr>
+    </dgm:fillClrLst>
+    <dgm:linClrLst meth="repeat">
+      <a:schemeClr val="dk1"/>
+    </dgm:linClrLst>
+    <dgm:effectClrLst/>
+    <dgm:txLinClrLst/>
+    <dgm:txFillClrLst meth="repeat">
+      <a:schemeClr val="dk1"/>
+    </dgm:txFillClrLst>
+    <dgm:txEffectClrLst/>
+  </dgm:styleLbl>
+  <dgm:styleLbl name="fgAcc3">
+    <dgm:fillClrLst meth="repeat">
+      <a:schemeClr val="dk1">
+        <a:alpha val="90000"/>
+        <a:tint val="40000"/>
+      </a:schemeClr>
+    </dgm:fillClrLst>
+    <dgm:linClrLst meth="repeat">
+      <a:schemeClr val="dk1"/>
+    </dgm:linClrLst>
+    <dgm:effectClrLst/>
+    <dgm:txLinClrLst/>
+    <dgm:txFillClrLst meth="repeat">
+      <a:schemeClr val="dk1"/>
+    </dgm:txFillClrLst>
+    <dgm:txEffectClrLst/>
+  </dgm:styleLbl>
+  <dgm:styleLbl name="fgAcc4">
+    <dgm:fillClrLst meth="repeat">
+      <a:schemeClr val="dk1">
+        <a:alpha val="90000"/>
+        <a:tint val="40000"/>
+      </a:schemeClr>
+    </dgm:fillClrLst>
+    <dgm:linClrLst meth="repeat">
+      <a:schemeClr val="dk1"/>
+    </dgm:linClrLst>
+    <dgm:effectClrLst/>
+    <dgm:txLinClrLst/>
+    <dgm:txFillClrLst meth="repeat">
+      <a:schemeClr val="dk1"/>
+    </dgm:txFillClrLst>
+    <dgm:txEffectClrLst/>
+  </dgm:styleLbl>
+  <dgm:styleLbl name="bgShp">
+    <dgm:fillClrLst meth="repeat">
+      <a:schemeClr val="dk1">
+        <a:tint val="40000"/>
+      </a:schemeClr>
+    </dgm:fillClrLst>
+    <dgm:linClrLst meth="repeat">
+      <a:schemeClr val="dk1"/>
+    </dgm:linClrLst>
+    <dgm:effectClrLst/>
+    <dgm:txLinClrLst/>
+    <dgm:txFillClrLst meth="repeat">
+      <a:schemeClr val="dk1"/>
+    </dgm:txFillClrLst>
+    <dgm:txEffectClrLst/>
+  </dgm:styleLbl>
+  <dgm:styleLbl name="dkBgShp">
+    <dgm:fillClrLst meth="repeat">
+      <a:schemeClr val="dk1">
+        <a:shade val="80000"/>
+      </a:schemeClr>
+    </dgm:fillClrLst>
+    <dgm:linClrLst meth="repeat">
+      <a:schemeClr val="dk1"/>
+    </dgm:linClrLst>
+    <dgm:effectClrLst/>
+    <dgm:txLinClrLst/>
+    <dgm:txFillClrLst meth="repeat">
+      <a:schemeClr val="lt1"/>
+    </dgm:txFillClrLst>
+    <dgm:txEffectClrLst/>
+  </dgm:styleLbl>
+  <dgm:styleLbl name="trBgShp">
+    <dgm:fillClrLst meth="repeat">
+      <a:schemeClr val="dk1">
+        <a:tint val="50000"/>
+        <a:alpha val="40000"/>
+      </a:schemeClr>
+    </dgm:fillClrLst>
+    <dgm:linClrLst meth="repeat">
+      <a:schemeClr val="dk1"/>
+    </dgm:linClrLst>
+    <dgm:effectClrLst/>
+    <dgm:txLinClrLst/>
+    <dgm:txFillClrLst meth="repeat">
+      <a:schemeClr val="lt1"/>
+    </dgm:txFillClrLst>
+    <dgm:txEffectClrLst/>
+  </dgm:styleLbl>
+  <dgm:styleLbl name="fgShp">
+    <dgm:fillClrLst meth="repeat">
+      <a:schemeClr val="dk1">
+        <a:tint val="60000"/>
+      </a:schemeClr>
+    </dgm:fillClrLst>
+    <dgm:linClrLst meth="repeat">
+      <a:schemeClr val="lt1"/>
+    </dgm:linClrLst>
+    <dgm:effectClrLst/>
+    <dgm:txLinClrLst/>
+    <dgm:txFillClrLst meth="repeat">
+      <a:schemeClr val="dk1"/>
+    </dgm:txFillClrLst>
+    <dgm:txEffectClrLst/>
+  </dgm:styleLbl>
+  <dgm:styleLbl name="revTx">
+    <dgm:fillClrLst meth="repeat">
+      <a:schemeClr val="lt1">
+        <a:alpha val="0"/>
+      </a:schemeClr>
+    </dgm:fillClrLst>
+    <dgm:linClrLst meth="repeat">
+      <a:schemeClr val="dk1">
+        <a:alpha val="0"/>
+      </a:schemeClr>
+    </dgm:linClrLst>
+    <dgm:effectClrLst/>
+    <dgm:txLinClrLst/>
+    <dgm:txFillClrLst meth="repeat">
+      <a:schemeClr val="tx1"/>
+    </dgm:txFillClrLst>
+    <dgm:txEffectClrLst/>
+  </dgm:styleLbl>
+</dgm:colorsDef>
+</file>
+
+<file path=ppt/diagrams/data1.xml><?xml version="1.0" encoding="utf-8"?>
+<dgm:dataModel xmlns:dgm="http://schemas.openxmlformats.org/drawingml/2006/diagram" xmlns:a="http://schemas.openxmlformats.org/drawingml/2006/main">
+  <dgm:ptLst>
+    <dgm:pt modelId="{CDE4AA0B-5F06-4BD9-BB42-A3C5FE46EDD5}" type="doc">
+      <dgm:prSet loTypeId="urn:microsoft.com/office/officeart/2005/8/layout/process5" loCatId="process" qsTypeId="urn:microsoft.com/office/officeart/2005/8/quickstyle/3d3" qsCatId="3D" csTypeId="urn:microsoft.com/office/officeart/2005/8/colors/accent0_1" csCatId="mainScheme" phldr="1"/>
+      <dgm:spPr/>
+    </dgm:pt>
+    <dgm:pt modelId="{FB1CB032-2E4F-42E3-AC99-E83CFD9D0C41}">
+      <dgm:prSet phldrT="[Text]" custT="1"/>
+      <dgm:spPr/>
+      <dgm:t>
+        <a:bodyPr/>
+        <a:lstStyle/>
+        <a:p>
+          <a:r>
+            <a:rPr lang="en-GB" sz="1800" dirty="0"/>
+            <a:t>Create an array of  32K random symbols</a:t>
+          </a:r>
+          <a:endParaRPr lang="en-US" sz="1800" dirty="0"/>
+        </a:p>
+      </dgm:t>
+    </dgm:pt>
+    <dgm:pt modelId="{F9A5A989-2ED1-4073-AB0E-7B70D74FB5D7}" type="parTrans" cxnId="{585F8E84-1CD6-4DD9-B6E8-8EFCF70CCF5F}">
+      <dgm:prSet/>
+      <dgm:spPr/>
+      <dgm:t>
+        <a:bodyPr/>
+        <a:lstStyle/>
+        <a:p>
+          <a:endParaRPr lang="en-US"/>
+        </a:p>
+      </dgm:t>
+    </dgm:pt>
+    <dgm:pt modelId="{51AC868D-C5E3-446C-B42D-B2F6B6ADBEEF}" type="sibTrans" cxnId="{585F8E84-1CD6-4DD9-B6E8-8EFCF70CCF5F}">
+      <dgm:prSet/>
+      <dgm:spPr/>
+      <dgm:t>
+        <a:bodyPr/>
+        <a:lstStyle/>
+        <a:p>
+          <a:endParaRPr lang="en-US"/>
+        </a:p>
+      </dgm:t>
+    </dgm:pt>
+    <dgm:pt modelId="{37E92ECD-7D5C-4CCA-B6F2-FCB64D1C662B}">
+      <dgm:prSet phldrT="[Text]" custT="1"/>
+      <dgm:spPr/>
+      <dgm:t>
+        <a:bodyPr/>
+        <a:lstStyle/>
+        <a:p>
+          <a:r>
+            <a:rPr lang="en-GB" sz="1600" dirty="0"/>
+            <a:t>Modulate with QPSK, with initial phase </a:t>
+          </a:r>
+          <a:r>
+            <a:rPr lang="el-GR" sz="1600" dirty="0"/>
+            <a:t>π</a:t>
+          </a:r>
+          <a:r>
+            <a:rPr lang="en-GB" sz="1600" dirty="0"/>
+            <a:t>/4</a:t>
+          </a:r>
+          <a:r>
+            <a:rPr lang="en-US" sz="1600" dirty="0"/>
+            <a:t> and gray coding</a:t>
+          </a:r>
+        </a:p>
+      </dgm:t>
+    </dgm:pt>
+    <dgm:pt modelId="{C2EB40F5-5127-4E50-AF66-7267D3B6F7B6}" type="parTrans" cxnId="{A723CEDD-E5A2-4CEE-A7BA-7CAA9D1CB5D5}">
+      <dgm:prSet/>
+      <dgm:spPr/>
+      <dgm:t>
+        <a:bodyPr/>
+        <a:lstStyle/>
+        <a:p>
+          <a:endParaRPr lang="en-US"/>
+        </a:p>
+      </dgm:t>
+    </dgm:pt>
+    <dgm:pt modelId="{F7548BA1-AB8C-4CEB-945D-12F806610994}" type="sibTrans" cxnId="{A723CEDD-E5A2-4CEE-A7BA-7CAA9D1CB5D5}">
+      <dgm:prSet/>
+      <dgm:spPr/>
+      <dgm:t>
+        <a:bodyPr/>
+        <a:lstStyle/>
+        <a:p>
+          <a:endParaRPr lang="en-US"/>
+        </a:p>
+      </dgm:t>
+    </dgm:pt>
+    <dgm:pt modelId="{2FE520D4-4C2D-44DC-918D-77C1D1D78EB9}">
+      <dgm:prSet phldrT="[Text]" custT="1"/>
+      <dgm:spPr/>
+      <dgm:t>
+        <a:bodyPr/>
+        <a:lstStyle/>
+        <a:p>
+          <a:r>
+            <a:rPr lang="en-US" sz="2000" dirty="0"/>
+            <a:t>Filter with a pulse shaping filter</a:t>
+          </a:r>
+          <a:r>
+            <a:rPr lang="en-US" sz="2000" baseline="30000" dirty="0"/>
+            <a:t>1</a:t>
+          </a:r>
+          <a:endParaRPr lang="en-US" sz="2000" dirty="0"/>
+        </a:p>
+      </dgm:t>
+    </dgm:pt>
+    <dgm:pt modelId="{28C6B240-84DC-4335-B710-F024ED6EF484}" type="parTrans" cxnId="{A4511EAB-B475-4A4C-BD08-FE3283B52822}">
+      <dgm:prSet/>
+      <dgm:spPr/>
+      <dgm:t>
+        <a:bodyPr/>
+        <a:lstStyle/>
+        <a:p>
+          <a:endParaRPr lang="en-US"/>
+        </a:p>
+      </dgm:t>
+    </dgm:pt>
+    <dgm:pt modelId="{4F48D43F-60A8-46CA-ABB7-394A2F5C667C}" type="sibTrans" cxnId="{A4511EAB-B475-4A4C-BD08-FE3283B52822}">
+      <dgm:prSet/>
+      <dgm:spPr/>
+      <dgm:t>
+        <a:bodyPr/>
+        <a:lstStyle/>
+        <a:p>
+          <a:endParaRPr lang="en-US"/>
+        </a:p>
+      </dgm:t>
+    </dgm:pt>
+    <dgm:pt modelId="{D9CED4B3-B54E-414C-B1E1-7BB7F935BC9C}">
+      <dgm:prSet phldrT="[Text]" custT="1"/>
+      <dgm:spPr/>
+      <dgm:t>
+        <a:bodyPr/>
+        <a:lstStyle/>
+        <a:p>
+          <a:r>
+            <a:rPr lang="en-US" sz="2000" dirty="0"/>
+            <a:t>Add AWGN</a:t>
+          </a:r>
+        </a:p>
+      </dgm:t>
+    </dgm:pt>
+    <dgm:pt modelId="{92BACA1F-1027-4123-8BBB-1B6E2B7D29CA}" type="parTrans" cxnId="{B3CCDC6F-85DE-4DC4-B62A-2036BFB0127E}">
+      <dgm:prSet/>
+      <dgm:spPr/>
+      <dgm:t>
+        <a:bodyPr/>
+        <a:lstStyle/>
+        <a:p>
+          <a:endParaRPr lang="en-US"/>
+        </a:p>
+      </dgm:t>
+    </dgm:pt>
+    <dgm:pt modelId="{E5BFD00D-A1FF-4783-AF22-0707B739E7DE}" type="sibTrans" cxnId="{B3CCDC6F-85DE-4DC4-B62A-2036BFB0127E}">
+      <dgm:prSet/>
+      <dgm:spPr/>
+      <dgm:t>
+        <a:bodyPr/>
+        <a:lstStyle/>
+        <a:p>
+          <a:endParaRPr lang="en-US"/>
+        </a:p>
+      </dgm:t>
+    </dgm:pt>
+    <dgm:pt modelId="{CAF7ED6A-33B4-4AC9-9016-D2C2B48CC68B}">
+      <dgm:prSet phldrT="[Text]" custT="1"/>
+      <dgm:spPr/>
+      <dgm:t>
+        <a:bodyPr/>
+        <a:lstStyle/>
+        <a:p>
+          <a:r>
+            <a:rPr lang="en-US" sz="1600" dirty="0"/>
+            <a:t>Add phase noise</a:t>
+          </a:r>
+        </a:p>
+      </dgm:t>
+    </dgm:pt>
+    <dgm:pt modelId="{84943193-10B6-4691-8934-608BC5BB17EA}" type="parTrans" cxnId="{5614944F-AA41-43E1-A1F7-9741C01688E2}">
+      <dgm:prSet/>
+      <dgm:spPr/>
+      <dgm:t>
+        <a:bodyPr/>
+        <a:lstStyle/>
+        <a:p>
+          <a:endParaRPr lang="en-US"/>
+        </a:p>
+      </dgm:t>
+    </dgm:pt>
+    <dgm:pt modelId="{9D1DBAF5-A177-4549-AF7E-9F54CDCC0D0B}" type="sibTrans" cxnId="{5614944F-AA41-43E1-A1F7-9741C01688E2}">
+      <dgm:prSet/>
+      <dgm:spPr/>
+      <dgm:t>
+        <a:bodyPr/>
+        <a:lstStyle/>
+        <a:p>
+          <a:endParaRPr lang="en-US"/>
+        </a:p>
+      </dgm:t>
+    </dgm:pt>
+    <dgm:pt modelId="{9D5190EE-90E8-4688-ACFD-DD1D70934FBD}">
+      <dgm:prSet phldrT="[Text]" custT="1"/>
+      <dgm:spPr/>
+      <dgm:t>
+        <a:bodyPr/>
+        <a:lstStyle/>
+        <a:p>
+          <a:r>
+            <a:rPr lang="en-US" sz="1600" dirty="0"/>
+            <a:t>Automatic gain control for normalization</a:t>
+          </a:r>
+        </a:p>
+      </dgm:t>
+    </dgm:pt>
+    <dgm:pt modelId="{B17DFC00-3239-4524-B93C-0F857E1ADCCD}" type="parTrans" cxnId="{915B19E1-354E-44BF-8A56-13EB919673A6}">
+      <dgm:prSet/>
+      <dgm:spPr/>
+      <dgm:t>
+        <a:bodyPr/>
+        <a:lstStyle/>
+        <a:p>
+          <a:endParaRPr lang="en-US"/>
+        </a:p>
+      </dgm:t>
+    </dgm:pt>
+    <dgm:pt modelId="{F5F65E4D-82C4-4F09-9442-76B3337D509D}" type="sibTrans" cxnId="{915B19E1-354E-44BF-8A56-13EB919673A6}">
+      <dgm:prSet/>
+      <dgm:spPr/>
+      <dgm:t>
+        <a:bodyPr/>
+        <a:lstStyle/>
+        <a:p>
+          <a:endParaRPr lang="en-US"/>
+        </a:p>
+      </dgm:t>
+    </dgm:pt>
+    <dgm:pt modelId="{FFE1BB70-6F2D-4347-BEDF-D8F830EC40E7}">
+      <dgm:prSet phldrT="[Text]" custT="1"/>
+      <dgm:spPr/>
+      <dgm:t>
+        <a:bodyPr/>
+        <a:lstStyle/>
+        <a:p>
+          <a:r>
+            <a:rPr lang="en-US" sz="1800" dirty="0"/>
+            <a:t>Match filtering with a pulse shaping filter</a:t>
+          </a:r>
+          <a:r>
+            <a:rPr lang="en-US" sz="1800" baseline="30000" dirty="0"/>
+            <a:t>1</a:t>
+          </a:r>
+          <a:endParaRPr lang="en-US" sz="1800" dirty="0"/>
+        </a:p>
+      </dgm:t>
+    </dgm:pt>
+    <dgm:pt modelId="{3A522C26-99FA-47B0-931B-13389090F77F}" type="parTrans" cxnId="{E8AA4BA0-30DE-44E9-BB4D-C919047BDA66}">
+      <dgm:prSet/>
+      <dgm:spPr/>
+      <dgm:t>
+        <a:bodyPr/>
+        <a:lstStyle/>
+        <a:p>
+          <a:endParaRPr lang="en-US"/>
+        </a:p>
+      </dgm:t>
+    </dgm:pt>
+    <dgm:pt modelId="{1B688F23-BB39-4C54-BF1C-5B1DE45DF827}" type="sibTrans" cxnId="{E8AA4BA0-30DE-44E9-BB4D-C919047BDA66}">
+      <dgm:prSet/>
+      <dgm:spPr/>
+      <dgm:t>
+        <a:bodyPr/>
+        <a:lstStyle/>
+        <a:p>
+          <a:endParaRPr lang="en-US"/>
+        </a:p>
+      </dgm:t>
+    </dgm:pt>
+    <dgm:pt modelId="{AFBFDAA9-83D6-432F-901D-87A0890536EF}">
+      <dgm:prSet phldrT="[Text]"/>
+      <dgm:spPr/>
+      <dgm:t>
+        <a:bodyPr/>
+        <a:lstStyle/>
+        <a:p>
+          <a:r>
+            <a:rPr lang="en-US" dirty="0"/>
+            <a:t>Demodulate from QPSK</a:t>
+          </a:r>
+        </a:p>
+      </dgm:t>
+    </dgm:pt>
+    <dgm:pt modelId="{4F8AF022-27EB-4F99-95AC-43FAAF04228A}" type="parTrans" cxnId="{0C09F8D8-5C8A-4358-AD1E-2BAB7CA79209}">
+      <dgm:prSet/>
+      <dgm:spPr/>
+      <dgm:t>
+        <a:bodyPr/>
+        <a:lstStyle/>
+        <a:p>
+          <a:endParaRPr lang="en-US"/>
+        </a:p>
+      </dgm:t>
+    </dgm:pt>
+    <dgm:pt modelId="{C2DAEA33-3A24-40F8-9C82-54578B2CCB12}" type="sibTrans" cxnId="{0C09F8D8-5C8A-4358-AD1E-2BAB7CA79209}">
+      <dgm:prSet/>
+      <dgm:spPr/>
+      <dgm:t>
+        <a:bodyPr/>
+        <a:lstStyle/>
+        <a:p>
+          <a:endParaRPr lang="en-US"/>
+        </a:p>
+      </dgm:t>
+    </dgm:pt>
+    <dgm:pt modelId="{D68049C6-70CD-4A5A-9A63-F07EE23435DC}">
+      <dgm:prSet phldrT="[Text]"/>
+      <dgm:spPr/>
+      <dgm:t>
+        <a:bodyPr/>
+        <a:lstStyle/>
+        <a:p>
+          <a:r>
+            <a:rPr lang="en-US" dirty="0"/>
+            <a:t>Estimate BER, SNR and plot spectra</a:t>
+          </a:r>
+        </a:p>
+      </dgm:t>
+    </dgm:pt>
+    <dgm:pt modelId="{D065A0AE-0D31-456E-94DF-3C61191B5D30}" type="parTrans" cxnId="{E0A81B69-433E-46F6-8EE5-D67878A0433C}">
+      <dgm:prSet/>
+      <dgm:spPr/>
+      <dgm:t>
+        <a:bodyPr/>
+        <a:lstStyle/>
+        <a:p>
+          <a:endParaRPr lang="en-US"/>
+        </a:p>
+      </dgm:t>
+    </dgm:pt>
+    <dgm:pt modelId="{04126CFE-B4FA-4A54-9BF9-7307F73A5B8C}" type="sibTrans" cxnId="{E0A81B69-433E-46F6-8EE5-D67878A0433C}">
+      <dgm:prSet/>
+      <dgm:spPr/>
+      <dgm:t>
+        <a:bodyPr/>
+        <a:lstStyle/>
+        <a:p>
+          <a:endParaRPr lang="en-US"/>
+        </a:p>
+      </dgm:t>
+    </dgm:pt>
+    <dgm:pt modelId="{5BD61685-EFEA-46D1-8EAC-C7F5FA652F5A}" type="pres">
+      <dgm:prSet presAssocID="{CDE4AA0B-5F06-4BD9-BB42-A3C5FE46EDD5}" presName="diagram" presStyleCnt="0">
+        <dgm:presLayoutVars>
+          <dgm:dir/>
+          <dgm:resizeHandles val="exact"/>
+        </dgm:presLayoutVars>
+      </dgm:prSet>
+      <dgm:spPr/>
+    </dgm:pt>
+    <dgm:pt modelId="{8D0241DE-6AAC-4256-9E26-64AD3F43CDBB}" type="pres">
+      <dgm:prSet presAssocID="{FB1CB032-2E4F-42E3-AC99-E83CFD9D0C41}" presName="node" presStyleLbl="node1" presStyleIdx="0" presStyleCnt="9">
+        <dgm:presLayoutVars>
+          <dgm:bulletEnabled val="1"/>
+        </dgm:presLayoutVars>
+      </dgm:prSet>
+      <dgm:spPr/>
+    </dgm:pt>
+    <dgm:pt modelId="{E5FE6FB6-CC7E-4A7D-AAD3-A1B8B90A387C}" type="pres">
+      <dgm:prSet presAssocID="{51AC868D-C5E3-446C-B42D-B2F6B6ADBEEF}" presName="sibTrans" presStyleLbl="sibTrans2D1" presStyleIdx="0" presStyleCnt="8"/>
+      <dgm:spPr/>
+    </dgm:pt>
+    <dgm:pt modelId="{BDEC236D-2E8B-43AC-AD2E-7FCAE4266E42}" type="pres">
+      <dgm:prSet presAssocID="{51AC868D-C5E3-446C-B42D-B2F6B6ADBEEF}" presName="connectorText" presStyleLbl="sibTrans2D1" presStyleIdx="0" presStyleCnt="8"/>
+      <dgm:spPr/>
+    </dgm:pt>
+    <dgm:pt modelId="{F46EE843-9331-4658-BB07-9E488F6BE40F}" type="pres">
+      <dgm:prSet presAssocID="{37E92ECD-7D5C-4CCA-B6F2-FCB64D1C662B}" presName="node" presStyleLbl="node1" presStyleIdx="1" presStyleCnt="9">
+        <dgm:presLayoutVars>
+          <dgm:bulletEnabled val="1"/>
+        </dgm:presLayoutVars>
+      </dgm:prSet>
+      <dgm:spPr/>
+    </dgm:pt>
+    <dgm:pt modelId="{2B2B9ABD-C83B-408B-9C62-8BCF95D32E0E}" type="pres">
+      <dgm:prSet presAssocID="{F7548BA1-AB8C-4CEB-945D-12F806610994}" presName="sibTrans" presStyleLbl="sibTrans2D1" presStyleIdx="1" presStyleCnt="8"/>
+      <dgm:spPr/>
+    </dgm:pt>
+    <dgm:pt modelId="{E162542E-51C1-447F-8CEF-84EDCBA169EC}" type="pres">
+      <dgm:prSet presAssocID="{F7548BA1-AB8C-4CEB-945D-12F806610994}" presName="connectorText" presStyleLbl="sibTrans2D1" presStyleIdx="1" presStyleCnt="8"/>
+      <dgm:spPr/>
+    </dgm:pt>
+    <dgm:pt modelId="{E1B631AD-BBC2-4EDF-B8AF-97B4C55E6634}" type="pres">
+      <dgm:prSet presAssocID="{2FE520D4-4C2D-44DC-918D-77C1D1D78EB9}" presName="node" presStyleLbl="node1" presStyleIdx="2" presStyleCnt="9">
+        <dgm:presLayoutVars>
+          <dgm:bulletEnabled val="1"/>
+        </dgm:presLayoutVars>
+      </dgm:prSet>
+      <dgm:spPr/>
+    </dgm:pt>
+    <dgm:pt modelId="{AFA14F17-7D20-4997-B6B3-B68C9189D6AE}" type="pres">
+      <dgm:prSet presAssocID="{4F48D43F-60A8-46CA-ABB7-394A2F5C667C}" presName="sibTrans" presStyleLbl="sibTrans2D1" presStyleIdx="2" presStyleCnt="8"/>
+      <dgm:spPr/>
+    </dgm:pt>
+    <dgm:pt modelId="{7B47C134-96BE-4C55-93AC-837215C84E97}" type="pres">
+      <dgm:prSet presAssocID="{4F48D43F-60A8-46CA-ABB7-394A2F5C667C}" presName="connectorText" presStyleLbl="sibTrans2D1" presStyleIdx="2" presStyleCnt="8"/>
+      <dgm:spPr/>
+    </dgm:pt>
+    <dgm:pt modelId="{698E58E8-AF14-4031-A07C-A81D1EE1B47E}" type="pres">
+      <dgm:prSet presAssocID="{D9CED4B3-B54E-414C-B1E1-7BB7F935BC9C}" presName="node" presStyleLbl="node1" presStyleIdx="3" presStyleCnt="9">
+        <dgm:presLayoutVars>
+          <dgm:bulletEnabled val="1"/>
+        </dgm:presLayoutVars>
+      </dgm:prSet>
+      <dgm:spPr/>
+    </dgm:pt>
+    <dgm:pt modelId="{4AAFA0DD-427F-4A02-AB70-3B417E712B3A}" type="pres">
+      <dgm:prSet presAssocID="{E5BFD00D-A1FF-4783-AF22-0707B739E7DE}" presName="sibTrans" presStyleLbl="sibTrans2D1" presStyleIdx="3" presStyleCnt="8"/>
+      <dgm:spPr/>
+    </dgm:pt>
+    <dgm:pt modelId="{234403FD-10B0-4917-8A6D-84BC4AC222D9}" type="pres">
+      <dgm:prSet presAssocID="{E5BFD00D-A1FF-4783-AF22-0707B739E7DE}" presName="connectorText" presStyleLbl="sibTrans2D1" presStyleIdx="3" presStyleCnt="8"/>
+      <dgm:spPr/>
+    </dgm:pt>
+    <dgm:pt modelId="{392791E9-5F4B-4A5D-9FA8-CE02DFB0F3B7}" type="pres">
+      <dgm:prSet presAssocID="{CAF7ED6A-33B4-4AC9-9016-D2C2B48CC68B}" presName="node" presStyleLbl="node1" presStyleIdx="4" presStyleCnt="9">
+        <dgm:presLayoutVars>
+          <dgm:bulletEnabled val="1"/>
+        </dgm:presLayoutVars>
+      </dgm:prSet>
+      <dgm:spPr/>
+    </dgm:pt>
+    <dgm:pt modelId="{CFEF9A24-ECDB-444A-AB45-0FBA21847897}" type="pres">
+      <dgm:prSet presAssocID="{9D1DBAF5-A177-4549-AF7E-9F54CDCC0D0B}" presName="sibTrans" presStyleLbl="sibTrans2D1" presStyleIdx="4" presStyleCnt="8"/>
+      <dgm:spPr/>
+    </dgm:pt>
+    <dgm:pt modelId="{9DFB2884-E0D6-4CFA-B761-B53B83D4D073}" type="pres">
+      <dgm:prSet presAssocID="{9D1DBAF5-A177-4549-AF7E-9F54CDCC0D0B}" presName="connectorText" presStyleLbl="sibTrans2D1" presStyleIdx="4" presStyleCnt="8"/>
+      <dgm:spPr/>
+    </dgm:pt>
+    <dgm:pt modelId="{950E5EBE-44BB-4C92-9EE4-BC22460A4EF9}" type="pres">
+      <dgm:prSet presAssocID="{9D5190EE-90E8-4688-ACFD-DD1D70934FBD}" presName="node" presStyleLbl="node1" presStyleIdx="5" presStyleCnt="9">
+        <dgm:presLayoutVars>
+          <dgm:bulletEnabled val="1"/>
+        </dgm:presLayoutVars>
+      </dgm:prSet>
+      <dgm:spPr/>
+    </dgm:pt>
+    <dgm:pt modelId="{46AA52BC-8B6D-46A3-A636-CF9997F06AA4}" type="pres">
+      <dgm:prSet presAssocID="{F5F65E4D-82C4-4F09-9442-76B3337D509D}" presName="sibTrans" presStyleLbl="sibTrans2D1" presStyleIdx="5" presStyleCnt="8"/>
+      <dgm:spPr/>
+    </dgm:pt>
+    <dgm:pt modelId="{803980FC-9D68-4298-A4D7-ECFD6CFD77FD}" type="pres">
+      <dgm:prSet presAssocID="{F5F65E4D-82C4-4F09-9442-76B3337D509D}" presName="connectorText" presStyleLbl="sibTrans2D1" presStyleIdx="5" presStyleCnt="8"/>
+      <dgm:spPr/>
+    </dgm:pt>
+    <dgm:pt modelId="{FBCBAEE7-C221-48EF-A1A6-E811F960AB76}" type="pres">
+      <dgm:prSet presAssocID="{FFE1BB70-6F2D-4347-BEDF-D8F830EC40E7}" presName="node" presStyleLbl="node1" presStyleIdx="6" presStyleCnt="9">
+        <dgm:presLayoutVars>
+          <dgm:bulletEnabled val="1"/>
+        </dgm:presLayoutVars>
+      </dgm:prSet>
+      <dgm:spPr/>
+    </dgm:pt>
+    <dgm:pt modelId="{61B62871-FB35-4F21-8737-103845057CBF}" type="pres">
+      <dgm:prSet presAssocID="{1B688F23-BB39-4C54-BF1C-5B1DE45DF827}" presName="sibTrans" presStyleLbl="sibTrans2D1" presStyleIdx="6" presStyleCnt="8"/>
+      <dgm:spPr/>
+    </dgm:pt>
+    <dgm:pt modelId="{8E230428-6428-4476-9C7F-2D74146CF5BB}" type="pres">
+      <dgm:prSet presAssocID="{1B688F23-BB39-4C54-BF1C-5B1DE45DF827}" presName="connectorText" presStyleLbl="sibTrans2D1" presStyleIdx="6" presStyleCnt="8"/>
+      <dgm:spPr/>
+    </dgm:pt>
+    <dgm:pt modelId="{F5037606-C157-4155-BED8-849633FCB3A8}" type="pres">
+      <dgm:prSet presAssocID="{AFBFDAA9-83D6-432F-901D-87A0890536EF}" presName="node" presStyleLbl="node1" presStyleIdx="7" presStyleCnt="9">
+        <dgm:presLayoutVars>
+          <dgm:bulletEnabled val="1"/>
+        </dgm:presLayoutVars>
+      </dgm:prSet>
+      <dgm:spPr/>
+    </dgm:pt>
+    <dgm:pt modelId="{8E93EF29-2DA9-4450-A94E-E84C7B43096D}" type="pres">
+      <dgm:prSet presAssocID="{C2DAEA33-3A24-40F8-9C82-54578B2CCB12}" presName="sibTrans" presStyleLbl="sibTrans2D1" presStyleIdx="7" presStyleCnt="8"/>
+      <dgm:spPr/>
+    </dgm:pt>
+    <dgm:pt modelId="{778A386A-4C20-4FF7-83E2-F3C8471FE77A}" type="pres">
+      <dgm:prSet presAssocID="{C2DAEA33-3A24-40F8-9C82-54578B2CCB12}" presName="connectorText" presStyleLbl="sibTrans2D1" presStyleIdx="7" presStyleCnt="8"/>
+      <dgm:spPr/>
+    </dgm:pt>
+    <dgm:pt modelId="{895B3D7B-4668-43EF-92F3-F16B71473439}" type="pres">
+      <dgm:prSet presAssocID="{D68049C6-70CD-4A5A-9A63-F07EE23435DC}" presName="node" presStyleLbl="node1" presStyleIdx="8" presStyleCnt="9">
+        <dgm:presLayoutVars>
+          <dgm:bulletEnabled val="1"/>
+        </dgm:presLayoutVars>
+      </dgm:prSet>
+      <dgm:spPr/>
+    </dgm:pt>
+  </dgm:ptLst>
+  <dgm:cxnLst>
+    <dgm:cxn modelId="{211D6F09-FCF1-450D-94D1-53E3D9D76458}" type="presOf" srcId="{51AC868D-C5E3-446C-B42D-B2F6B6ADBEEF}" destId="{BDEC236D-2E8B-43AC-AD2E-7FCAE4266E42}" srcOrd="1" destOrd="0" presId="urn:microsoft.com/office/officeart/2005/8/layout/process5"/>
+    <dgm:cxn modelId="{02953618-C4B5-41A6-88EC-E25E22F253D2}" type="presOf" srcId="{CAF7ED6A-33B4-4AC9-9016-D2C2B48CC68B}" destId="{392791E9-5F4B-4A5D-9FA8-CE02DFB0F3B7}" srcOrd="0" destOrd="0" presId="urn:microsoft.com/office/officeart/2005/8/layout/process5"/>
+    <dgm:cxn modelId="{14CA7E2F-2B70-49A2-BF16-FB95EFA3D908}" type="presOf" srcId="{D9CED4B3-B54E-414C-B1E1-7BB7F935BC9C}" destId="{698E58E8-AF14-4031-A07C-A81D1EE1B47E}" srcOrd="0" destOrd="0" presId="urn:microsoft.com/office/officeart/2005/8/layout/process5"/>
+    <dgm:cxn modelId="{EF86EE3E-9351-4B18-A00B-B2C6D73F77D3}" type="presOf" srcId="{9D1DBAF5-A177-4549-AF7E-9F54CDCC0D0B}" destId="{9DFB2884-E0D6-4CFA-B761-B53B83D4D073}" srcOrd="1" destOrd="0" presId="urn:microsoft.com/office/officeart/2005/8/layout/process5"/>
+    <dgm:cxn modelId="{09A6F440-1EF3-4462-B65F-E1A4F19EF6D1}" type="presOf" srcId="{F7548BA1-AB8C-4CEB-945D-12F806610994}" destId="{2B2B9ABD-C83B-408B-9C62-8BCF95D32E0E}" srcOrd="0" destOrd="0" presId="urn:microsoft.com/office/officeart/2005/8/layout/process5"/>
+    <dgm:cxn modelId="{123A6E61-933C-4D8E-91A5-1ACDA499B333}" type="presOf" srcId="{F5F65E4D-82C4-4F09-9442-76B3337D509D}" destId="{46AA52BC-8B6D-46A3-A636-CF9997F06AA4}" srcOrd="0" destOrd="0" presId="urn:microsoft.com/office/officeart/2005/8/layout/process5"/>
+    <dgm:cxn modelId="{9B80AF61-9D3C-4EF3-A7D8-B75B3A17719A}" type="presOf" srcId="{D68049C6-70CD-4A5A-9A63-F07EE23435DC}" destId="{895B3D7B-4668-43EF-92F3-F16B71473439}" srcOrd="0" destOrd="0" presId="urn:microsoft.com/office/officeart/2005/8/layout/process5"/>
+    <dgm:cxn modelId="{3D37FA41-039B-4A1B-9039-DAF30FF51353}" type="presOf" srcId="{E5BFD00D-A1FF-4783-AF22-0707B739E7DE}" destId="{4AAFA0DD-427F-4A02-AB70-3B417E712B3A}" srcOrd="0" destOrd="0" presId="urn:microsoft.com/office/officeart/2005/8/layout/process5"/>
+    <dgm:cxn modelId="{E0A81B69-433E-46F6-8EE5-D67878A0433C}" srcId="{CDE4AA0B-5F06-4BD9-BB42-A3C5FE46EDD5}" destId="{D68049C6-70CD-4A5A-9A63-F07EE23435DC}" srcOrd="8" destOrd="0" parTransId="{D065A0AE-0D31-456E-94DF-3C61191B5D30}" sibTransId="{04126CFE-B4FA-4A54-9BF9-7307F73A5B8C}"/>
+    <dgm:cxn modelId="{B5974E4B-99A9-42F4-BBF6-E8424A919943}" type="presOf" srcId="{2FE520D4-4C2D-44DC-918D-77C1D1D78EB9}" destId="{E1B631AD-BBC2-4EDF-B8AF-97B4C55E6634}" srcOrd="0" destOrd="0" presId="urn:microsoft.com/office/officeart/2005/8/layout/process5"/>
+    <dgm:cxn modelId="{D9B3DE4B-1270-4A0B-A7D6-B4CC71861196}" type="presOf" srcId="{AFBFDAA9-83D6-432F-901D-87A0890536EF}" destId="{F5037606-C157-4155-BED8-849633FCB3A8}" srcOrd="0" destOrd="0" presId="urn:microsoft.com/office/officeart/2005/8/layout/process5"/>
+    <dgm:cxn modelId="{45B7E44D-2706-469B-9191-4F713B412C64}" type="presOf" srcId="{9D1DBAF5-A177-4549-AF7E-9F54CDCC0D0B}" destId="{CFEF9A24-ECDB-444A-AB45-0FBA21847897}" srcOrd="0" destOrd="0" presId="urn:microsoft.com/office/officeart/2005/8/layout/process5"/>
+    <dgm:cxn modelId="{5614944F-AA41-43E1-A1F7-9741C01688E2}" srcId="{CDE4AA0B-5F06-4BD9-BB42-A3C5FE46EDD5}" destId="{CAF7ED6A-33B4-4AC9-9016-D2C2B48CC68B}" srcOrd="4" destOrd="0" parTransId="{84943193-10B6-4691-8934-608BC5BB17EA}" sibTransId="{9D1DBAF5-A177-4549-AF7E-9F54CDCC0D0B}"/>
+    <dgm:cxn modelId="{B3CCDC6F-85DE-4DC4-B62A-2036BFB0127E}" srcId="{CDE4AA0B-5F06-4BD9-BB42-A3C5FE46EDD5}" destId="{D9CED4B3-B54E-414C-B1E1-7BB7F935BC9C}" srcOrd="3" destOrd="0" parTransId="{92BACA1F-1027-4123-8BBB-1B6E2B7D29CA}" sibTransId="{E5BFD00D-A1FF-4783-AF22-0707B739E7DE}"/>
+    <dgm:cxn modelId="{D541A151-8E38-492C-B8A8-9B3B99A7FB82}" type="presOf" srcId="{C2DAEA33-3A24-40F8-9C82-54578B2CCB12}" destId="{8E93EF29-2DA9-4450-A94E-E84C7B43096D}" srcOrd="0" destOrd="0" presId="urn:microsoft.com/office/officeart/2005/8/layout/process5"/>
+    <dgm:cxn modelId="{0BE93375-89FF-4B8D-9F65-05290EF6ED0D}" type="presOf" srcId="{FB1CB032-2E4F-42E3-AC99-E83CFD9D0C41}" destId="{8D0241DE-6AAC-4256-9E26-64AD3F43CDBB}" srcOrd="0" destOrd="0" presId="urn:microsoft.com/office/officeart/2005/8/layout/process5"/>
+    <dgm:cxn modelId="{4FAF1258-8752-44FD-B9C7-62A0B60DD61F}" type="presOf" srcId="{F5F65E4D-82C4-4F09-9442-76B3337D509D}" destId="{803980FC-9D68-4298-A4D7-ECFD6CFD77FD}" srcOrd="1" destOrd="0" presId="urn:microsoft.com/office/officeart/2005/8/layout/process5"/>
+    <dgm:cxn modelId="{510DE858-F997-4BAB-A4D6-8A9FFB9EE24B}" type="presOf" srcId="{FFE1BB70-6F2D-4347-BEDF-D8F830EC40E7}" destId="{FBCBAEE7-C221-48EF-A1A6-E811F960AB76}" srcOrd="0" destOrd="0" presId="urn:microsoft.com/office/officeart/2005/8/layout/process5"/>
+    <dgm:cxn modelId="{3CA9FF59-5797-4910-A5BC-6C1C64EF4C5A}" type="presOf" srcId="{C2DAEA33-3A24-40F8-9C82-54578B2CCB12}" destId="{778A386A-4C20-4FF7-83E2-F3C8471FE77A}" srcOrd="1" destOrd="0" presId="urn:microsoft.com/office/officeart/2005/8/layout/process5"/>
+    <dgm:cxn modelId="{585F8E84-1CD6-4DD9-B6E8-8EFCF70CCF5F}" srcId="{CDE4AA0B-5F06-4BD9-BB42-A3C5FE46EDD5}" destId="{FB1CB032-2E4F-42E3-AC99-E83CFD9D0C41}" srcOrd="0" destOrd="0" parTransId="{F9A5A989-2ED1-4073-AB0E-7B70D74FB5D7}" sibTransId="{51AC868D-C5E3-446C-B42D-B2F6B6ADBEEF}"/>
+    <dgm:cxn modelId="{E8AA4BA0-30DE-44E9-BB4D-C919047BDA66}" srcId="{CDE4AA0B-5F06-4BD9-BB42-A3C5FE46EDD5}" destId="{FFE1BB70-6F2D-4347-BEDF-D8F830EC40E7}" srcOrd="6" destOrd="0" parTransId="{3A522C26-99FA-47B0-931B-13389090F77F}" sibTransId="{1B688F23-BB39-4C54-BF1C-5B1DE45DF827}"/>
+    <dgm:cxn modelId="{4BCD60A4-01DA-4642-8F7E-9D8F57AE9614}" type="presOf" srcId="{4F48D43F-60A8-46CA-ABB7-394A2F5C667C}" destId="{AFA14F17-7D20-4997-B6B3-B68C9189D6AE}" srcOrd="0" destOrd="0" presId="urn:microsoft.com/office/officeart/2005/8/layout/process5"/>
+    <dgm:cxn modelId="{A4511EAB-B475-4A4C-BD08-FE3283B52822}" srcId="{CDE4AA0B-5F06-4BD9-BB42-A3C5FE46EDD5}" destId="{2FE520D4-4C2D-44DC-918D-77C1D1D78EB9}" srcOrd="2" destOrd="0" parTransId="{28C6B240-84DC-4335-B710-F024ED6EF484}" sibTransId="{4F48D43F-60A8-46CA-ABB7-394A2F5C667C}"/>
+    <dgm:cxn modelId="{BC73E0AF-706E-4C09-AFAB-36DAF83CED14}" type="presOf" srcId="{9D5190EE-90E8-4688-ACFD-DD1D70934FBD}" destId="{950E5EBE-44BB-4C92-9EE4-BC22460A4EF9}" srcOrd="0" destOrd="0" presId="urn:microsoft.com/office/officeart/2005/8/layout/process5"/>
+    <dgm:cxn modelId="{D688E9BC-C762-4948-BFA1-0646A53CB474}" type="presOf" srcId="{1B688F23-BB39-4C54-BF1C-5B1DE45DF827}" destId="{8E230428-6428-4476-9C7F-2D74146CF5BB}" srcOrd="1" destOrd="0" presId="urn:microsoft.com/office/officeart/2005/8/layout/process5"/>
+    <dgm:cxn modelId="{CB6495BD-AE81-49E0-A7CB-2C7DC18E4EF3}" type="presOf" srcId="{E5BFD00D-A1FF-4783-AF22-0707B739E7DE}" destId="{234403FD-10B0-4917-8A6D-84BC4AC222D9}" srcOrd="1" destOrd="0" presId="urn:microsoft.com/office/officeart/2005/8/layout/process5"/>
+    <dgm:cxn modelId="{3D54F2D8-2523-4E4D-9177-BC384CFE9543}" type="presOf" srcId="{4F48D43F-60A8-46CA-ABB7-394A2F5C667C}" destId="{7B47C134-96BE-4C55-93AC-837215C84E97}" srcOrd="1" destOrd="0" presId="urn:microsoft.com/office/officeart/2005/8/layout/process5"/>
+    <dgm:cxn modelId="{0C09F8D8-5C8A-4358-AD1E-2BAB7CA79209}" srcId="{CDE4AA0B-5F06-4BD9-BB42-A3C5FE46EDD5}" destId="{AFBFDAA9-83D6-432F-901D-87A0890536EF}" srcOrd="7" destOrd="0" parTransId="{4F8AF022-27EB-4F99-95AC-43FAAF04228A}" sibTransId="{C2DAEA33-3A24-40F8-9C82-54578B2CCB12}"/>
+    <dgm:cxn modelId="{A723CEDD-E5A2-4CEE-A7BA-7CAA9D1CB5D5}" srcId="{CDE4AA0B-5F06-4BD9-BB42-A3C5FE46EDD5}" destId="{37E92ECD-7D5C-4CCA-B6F2-FCB64D1C662B}" srcOrd="1" destOrd="0" parTransId="{C2EB40F5-5127-4E50-AF66-7267D3B6F7B6}" sibTransId="{F7548BA1-AB8C-4CEB-945D-12F806610994}"/>
+    <dgm:cxn modelId="{44B770DE-0C20-4E0E-AE8E-6F1357939F3D}" type="presOf" srcId="{51AC868D-C5E3-446C-B42D-B2F6B6ADBEEF}" destId="{E5FE6FB6-CC7E-4A7D-AAD3-A1B8B90A387C}" srcOrd="0" destOrd="0" presId="urn:microsoft.com/office/officeart/2005/8/layout/process5"/>
+    <dgm:cxn modelId="{915B19E1-354E-44BF-8A56-13EB919673A6}" srcId="{CDE4AA0B-5F06-4BD9-BB42-A3C5FE46EDD5}" destId="{9D5190EE-90E8-4688-ACFD-DD1D70934FBD}" srcOrd="5" destOrd="0" parTransId="{B17DFC00-3239-4524-B93C-0F857E1ADCCD}" sibTransId="{F5F65E4D-82C4-4F09-9442-76B3337D509D}"/>
+    <dgm:cxn modelId="{213AEFE6-43AD-4471-AB01-7ABC6109C935}" type="presOf" srcId="{1B688F23-BB39-4C54-BF1C-5B1DE45DF827}" destId="{61B62871-FB35-4F21-8737-103845057CBF}" srcOrd="0" destOrd="0" presId="urn:microsoft.com/office/officeart/2005/8/layout/process5"/>
+    <dgm:cxn modelId="{303A21E9-19D4-4070-BFC6-C9CD03D56231}" type="presOf" srcId="{F7548BA1-AB8C-4CEB-945D-12F806610994}" destId="{E162542E-51C1-447F-8CEF-84EDCBA169EC}" srcOrd="1" destOrd="0" presId="urn:microsoft.com/office/officeart/2005/8/layout/process5"/>
+    <dgm:cxn modelId="{BC82B2EB-9F84-46C1-9578-D3E965D35D80}" type="presOf" srcId="{CDE4AA0B-5F06-4BD9-BB42-A3C5FE46EDD5}" destId="{5BD61685-EFEA-46D1-8EAC-C7F5FA652F5A}" srcOrd="0" destOrd="0" presId="urn:microsoft.com/office/officeart/2005/8/layout/process5"/>
+    <dgm:cxn modelId="{744015FA-359D-46C9-BE88-4C69459C9D3B}" type="presOf" srcId="{37E92ECD-7D5C-4CCA-B6F2-FCB64D1C662B}" destId="{F46EE843-9331-4658-BB07-9E488F6BE40F}" srcOrd="0" destOrd="0" presId="urn:microsoft.com/office/officeart/2005/8/layout/process5"/>
+    <dgm:cxn modelId="{73EA128D-59C3-4CA2-A775-8F76CE967BAC}" type="presParOf" srcId="{5BD61685-EFEA-46D1-8EAC-C7F5FA652F5A}" destId="{8D0241DE-6AAC-4256-9E26-64AD3F43CDBB}" srcOrd="0" destOrd="0" presId="urn:microsoft.com/office/officeart/2005/8/layout/process5"/>
+    <dgm:cxn modelId="{371F086A-01EF-4EDD-BD22-86E905406FC8}" type="presParOf" srcId="{5BD61685-EFEA-46D1-8EAC-C7F5FA652F5A}" destId="{E5FE6FB6-CC7E-4A7D-AAD3-A1B8B90A387C}" srcOrd="1" destOrd="0" presId="urn:microsoft.com/office/officeart/2005/8/layout/process5"/>
+    <dgm:cxn modelId="{D6352AF1-64DE-4B4F-8317-E67ABCCE7F10}" type="presParOf" srcId="{E5FE6FB6-CC7E-4A7D-AAD3-A1B8B90A387C}" destId="{BDEC236D-2E8B-43AC-AD2E-7FCAE4266E42}" srcOrd="0" destOrd="0" presId="urn:microsoft.com/office/officeart/2005/8/layout/process5"/>
+    <dgm:cxn modelId="{7239A483-728C-469E-B248-FF5192396291}" type="presParOf" srcId="{5BD61685-EFEA-46D1-8EAC-C7F5FA652F5A}" destId="{F46EE843-9331-4658-BB07-9E488F6BE40F}" srcOrd="2" destOrd="0" presId="urn:microsoft.com/office/officeart/2005/8/layout/process5"/>
+    <dgm:cxn modelId="{F078BC96-13B8-4DF5-8A49-291876395376}" type="presParOf" srcId="{5BD61685-EFEA-46D1-8EAC-C7F5FA652F5A}" destId="{2B2B9ABD-C83B-408B-9C62-8BCF95D32E0E}" srcOrd="3" destOrd="0" presId="urn:microsoft.com/office/officeart/2005/8/layout/process5"/>
+    <dgm:cxn modelId="{79893E40-EC4F-41EF-B55C-ECCB37E4FE65}" type="presParOf" srcId="{2B2B9ABD-C83B-408B-9C62-8BCF95D32E0E}" destId="{E162542E-51C1-447F-8CEF-84EDCBA169EC}" srcOrd="0" destOrd="0" presId="urn:microsoft.com/office/officeart/2005/8/layout/process5"/>
+    <dgm:cxn modelId="{2942F7E1-033D-4980-8017-FC6D7D24658B}" type="presParOf" srcId="{5BD61685-EFEA-46D1-8EAC-C7F5FA652F5A}" destId="{E1B631AD-BBC2-4EDF-B8AF-97B4C55E6634}" srcOrd="4" destOrd="0" presId="urn:microsoft.com/office/officeart/2005/8/layout/process5"/>
+    <dgm:cxn modelId="{E0E51FC6-61CD-47AE-8699-7AC5739F4E4C}" type="presParOf" srcId="{5BD61685-EFEA-46D1-8EAC-C7F5FA652F5A}" destId="{AFA14F17-7D20-4997-B6B3-B68C9189D6AE}" srcOrd="5" destOrd="0" presId="urn:microsoft.com/office/officeart/2005/8/layout/process5"/>
+    <dgm:cxn modelId="{016B29D4-9F87-4C60-A8E3-3197E6FD0C2E}" type="presParOf" srcId="{AFA14F17-7D20-4997-B6B3-B68C9189D6AE}" destId="{7B47C134-96BE-4C55-93AC-837215C84E97}" srcOrd="0" destOrd="0" presId="urn:microsoft.com/office/officeart/2005/8/layout/process5"/>
+    <dgm:cxn modelId="{127EFA45-2DFB-4507-BA94-0BDDF1A5C0B5}" type="presParOf" srcId="{5BD61685-EFEA-46D1-8EAC-C7F5FA652F5A}" destId="{698E58E8-AF14-4031-A07C-A81D1EE1B47E}" srcOrd="6" destOrd="0" presId="urn:microsoft.com/office/officeart/2005/8/layout/process5"/>
+    <dgm:cxn modelId="{ED84050D-2645-412D-AB54-7B97D5996055}" type="presParOf" srcId="{5BD61685-EFEA-46D1-8EAC-C7F5FA652F5A}" destId="{4AAFA0DD-427F-4A02-AB70-3B417E712B3A}" srcOrd="7" destOrd="0" presId="urn:microsoft.com/office/officeart/2005/8/layout/process5"/>
+    <dgm:cxn modelId="{A2009680-7334-4F77-8EBD-07336D7143C7}" type="presParOf" srcId="{4AAFA0DD-427F-4A02-AB70-3B417E712B3A}" destId="{234403FD-10B0-4917-8A6D-84BC4AC222D9}" srcOrd="0" destOrd="0" presId="urn:microsoft.com/office/officeart/2005/8/layout/process5"/>
+    <dgm:cxn modelId="{AA93C635-4FAD-4E6F-9CCC-C6E97004C69B}" type="presParOf" srcId="{5BD61685-EFEA-46D1-8EAC-C7F5FA652F5A}" destId="{392791E9-5F4B-4A5D-9FA8-CE02DFB0F3B7}" srcOrd="8" destOrd="0" presId="urn:microsoft.com/office/officeart/2005/8/layout/process5"/>
+    <dgm:cxn modelId="{45A5B7ED-5CBC-499B-8D09-B89657FCB10A}" type="presParOf" srcId="{5BD61685-EFEA-46D1-8EAC-C7F5FA652F5A}" destId="{CFEF9A24-ECDB-444A-AB45-0FBA21847897}" srcOrd="9" destOrd="0" presId="urn:microsoft.com/office/officeart/2005/8/layout/process5"/>
+    <dgm:cxn modelId="{6631168B-1A16-4BDA-8588-34AC18ED7438}" type="presParOf" srcId="{CFEF9A24-ECDB-444A-AB45-0FBA21847897}" destId="{9DFB2884-E0D6-4CFA-B761-B53B83D4D073}" srcOrd="0" destOrd="0" presId="urn:microsoft.com/office/officeart/2005/8/layout/process5"/>
+    <dgm:cxn modelId="{C62DFF99-07E6-42A9-9712-7E5CB6743C9A}" type="presParOf" srcId="{5BD61685-EFEA-46D1-8EAC-C7F5FA652F5A}" destId="{950E5EBE-44BB-4C92-9EE4-BC22460A4EF9}" srcOrd="10" destOrd="0" presId="urn:microsoft.com/office/officeart/2005/8/layout/process5"/>
+    <dgm:cxn modelId="{C3761E36-BCA3-4D92-B005-88FB3CF9D16A}" type="presParOf" srcId="{5BD61685-EFEA-46D1-8EAC-C7F5FA652F5A}" destId="{46AA52BC-8B6D-46A3-A636-CF9997F06AA4}" srcOrd="11" destOrd="0" presId="urn:microsoft.com/office/officeart/2005/8/layout/process5"/>
+    <dgm:cxn modelId="{10AE5419-3FE7-4631-863F-DA482FE4C649}" type="presParOf" srcId="{46AA52BC-8B6D-46A3-A636-CF9997F06AA4}" destId="{803980FC-9D68-4298-A4D7-ECFD6CFD77FD}" srcOrd="0" destOrd="0" presId="urn:microsoft.com/office/officeart/2005/8/layout/process5"/>
+    <dgm:cxn modelId="{72088C1E-06B5-4B50-8D2A-43BC349EE979}" type="presParOf" srcId="{5BD61685-EFEA-46D1-8EAC-C7F5FA652F5A}" destId="{FBCBAEE7-C221-48EF-A1A6-E811F960AB76}" srcOrd="12" destOrd="0" presId="urn:microsoft.com/office/officeart/2005/8/layout/process5"/>
+    <dgm:cxn modelId="{A665520E-E9CA-4AA1-B727-8009F8E2DF59}" type="presParOf" srcId="{5BD61685-EFEA-46D1-8EAC-C7F5FA652F5A}" destId="{61B62871-FB35-4F21-8737-103845057CBF}" srcOrd="13" destOrd="0" presId="urn:microsoft.com/office/officeart/2005/8/layout/process5"/>
+    <dgm:cxn modelId="{0C59C304-F716-4E97-BA9F-3ADEE3E3D63B}" type="presParOf" srcId="{61B62871-FB35-4F21-8737-103845057CBF}" destId="{8E230428-6428-4476-9C7F-2D74146CF5BB}" srcOrd="0" destOrd="0" presId="urn:microsoft.com/office/officeart/2005/8/layout/process5"/>
+    <dgm:cxn modelId="{969EC660-22D2-4760-85B6-3A6D6EE07491}" type="presParOf" srcId="{5BD61685-EFEA-46D1-8EAC-C7F5FA652F5A}" destId="{F5037606-C157-4155-BED8-849633FCB3A8}" srcOrd="14" destOrd="0" presId="urn:microsoft.com/office/officeart/2005/8/layout/process5"/>
+    <dgm:cxn modelId="{0CBB3538-DD55-400C-8B87-BBC12D1096C4}" type="presParOf" srcId="{5BD61685-EFEA-46D1-8EAC-C7F5FA652F5A}" destId="{8E93EF29-2DA9-4450-A94E-E84C7B43096D}" srcOrd="15" destOrd="0" presId="urn:microsoft.com/office/officeart/2005/8/layout/process5"/>
+    <dgm:cxn modelId="{E1C0B2AD-C6CF-4CD4-865C-8F7DD394B693}" type="presParOf" srcId="{8E93EF29-2DA9-4450-A94E-E84C7B43096D}" destId="{778A386A-4C20-4FF7-83E2-F3C8471FE77A}" srcOrd="0" destOrd="0" presId="urn:microsoft.com/office/officeart/2005/8/layout/process5"/>
+    <dgm:cxn modelId="{BE42DE19-20A9-4606-AC39-71D32451DA70}" type="presParOf" srcId="{5BD61685-EFEA-46D1-8EAC-C7F5FA652F5A}" destId="{895B3D7B-4668-43EF-92F3-F16B71473439}" srcOrd="16" destOrd="0" presId="urn:microsoft.com/office/officeart/2005/8/layout/process5"/>
+  </dgm:cxnLst>
+  <dgm:bg/>
+  <dgm:whole/>
+  <dgm:extLst>
+    <a:ext uri="http://schemas.microsoft.com/office/drawing/2008/diagram">
+      <dsp:dataModelExt xmlns:dsp="http://schemas.microsoft.com/office/drawing/2008/diagram" relId="rId6" minVer="http://schemas.openxmlformats.org/drawingml/2006/diagram"/>
+    </a:ext>
+  </dgm:extLst>
+</dgm:dataModel>
+</file>
+
+<file path=ppt/diagrams/drawing1.xml><?xml version="1.0" encoding="utf-8"?>
+<dsp:drawing xmlns:dgm="http://schemas.openxmlformats.org/drawingml/2006/diagram" xmlns:dsp="http://schemas.microsoft.com/office/drawing/2008/diagram" xmlns:a="http://schemas.openxmlformats.org/drawingml/2006/main">
+  <dsp:spTree>
+    <dsp:nvGrpSpPr>
+      <dsp:cNvPr id="0" name=""/>
+      <dsp:cNvGrpSpPr/>
+    </dsp:nvGrpSpPr>
+    <dsp:grpSpPr/>
+    <dsp:sp modelId="{8D0241DE-6AAC-4256-9E26-64AD3F43CDBB}">
+      <dsp:nvSpPr>
+        <dsp:cNvPr id="0" name=""/>
+        <dsp:cNvSpPr/>
+      </dsp:nvSpPr>
+      <dsp:spPr>
+        <a:xfrm>
+          <a:off x="908283" y="1266"/>
+          <a:ext cx="1678573" cy="1007143"/>
+        </a:xfrm>
+        <a:prstGeom prst="roundRect">
+          <a:avLst>
+            <a:gd name="adj" fmla="val 10000"/>
+          </a:avLst>
+        </a:prstGeom>
+        <a:solidFill>
+          <a:schemeClr val="lt1">
+            <a:hueOff val="0"/>
+            <a:satOff val="0"/>
+            <a:lumOff val="0"/>
+            <a:alphaOff val="0"/>
+          </a:schemeClr>
+        </a:solidFill>
+        <a:ln>
+          <a:noFill/>
+        </a:ln>
+        <a:effectLst/>
+        <a:scene3d>
+          <a:camera prst="orthographicFront">
+            <a:rot lat="0" lon="0" rev="0"/>
+          </a:camera>
+          <a:lightRig rig="contrasting" dir="t">
+            <a:rot lat="0" lon="0" rev="1200000"/>
+          </a:lightRig>
+        </a:scene3d>
+        <a:sp3d contourW="19050" prstMaterial="metal">
+          <a:bevelT w="88900" h="203200"/>
+          <a:bevelB w="165100" h="254000"/>
+        </a:sp3d>
+      </dsp:spPr>
+      <dsp:style>
+        <a:lnRef idx="0">
+          <a:scrgbClr r="0" g="0" b="0"/>
+        </a:lnRef>
+        <a:fillRef idx="1">
+          <a:scrgbClr r="0" g="0" b="0"/>
+        </a:fillRef>
+        <a:effectRef idx="2">
+          <a:scrgbClr r="0" g="0" b="0"/>
+        </a:effectRef>
+        <a:fontRef idx="minor">
+          <a:schemeClr val="lt1"/>
+        </a:fontRef>
+      </dsp:style>
+      <dsp:txBody>
+        <a:bodyPr spcFirstLastPara="0" vert="horz" wrap="square" lIns="68580" tIns="68580" rIns="68580" bIns="68580" numCol="1" spcCol="1270" anchor="ctr" anchorCtr="0">
+          <a:noAutofit/>
+        </a:bodyPr>
+        <a:lstStyle/>
+        <a:p>
+          <a:pPr marL="0" lvl="0" indent="0" algn="ctr" defTabSz="800100">
+            <a:lnSpc>
+              <a:spcPct val="90000"/>
+            </a:lnSpc>
+            <a:spcBef>
+              <a:spcPct val="0"/>
+            </a:spcBef>
+            <a:spcAft>
+              <a:spcPct val="35000"/>
+            </a:spcAft>
+            <a:buNone/>
+          </a:pPr>
+          <a:r>
+            <a:rPr lang="en-GB" sz="1800" kern="1200" dirty="0"/>
+            <a:t>Create an array of  32K random symbols</a:t>
+          </a:r>
+          <a:endParaRPr lang="en-US" sz="1800" kern="1200" dirty="0"/>
+        </a:p>
+      </dsp:txBody>
+      <dsp:txXfrm>
+        <a:off x="937781" y="30764"/>
+        <a:ext cx="1619577" cy="948147"/>
+      </dsp:txXfrm>
+    </dsp:sp>
+    <dsp:sp modelId="{E5FE6FB6-CC7E-4A7D-AAD3-A1B8B90A387C}">
+      <dsp:nvSpPr>
+        <dsp:cNvPr id="0" name=""/>
+        <dsp:cNvSpPr/>
+      </dsp:nvSpPr>
+      <dsp:spPr>
+        <a:xfrm>
+          <a:off x="2734570" y="296695"/>
+          <a:ext cx="355857" cy="416286"/>
+        </a:xfrm>
+        <a:prstGeom prst="rightArrow">
+          <a:avLst>
+            <a:gd name="adj1" fmla="val 60000"/>
+            <a:gd name="adj2" fmla="val 50000"/>
+          </a:avLst>
+        </a:prstGeom>
+        <a:solidFill>
+          <a:schemeClr val="dk1">
+            <a:tint val="60000"/>
+            <a:hueOff val="0"/>
+            <a:satOff val="0"/>
+            <a:lumOff val="0"/>
+            <a:alphaOff val="0"/>
+          </a:schemeClr>
+        </a:solidFill>
+        <a:ln>
+          <a:noFill/>
+        </a:ln>
+        <a:effectLst/>
+        <a:scene3d>
+          <a:camera prst="orthographicFront">
+            <a:rot lat="0" lon="0" rev="0"/>
+          </a:camera>
+          <a:lightRig rig="contrasting" dir="t">
+            <a:rot lat="0" lon="0" rev="1200000"/>
+          </a:lightRig>
+        </a:scene3d>
+        <a:sp3d z="-182000" contourW="19050" prstMaterial="metal">
+          <a:bevelT w="88900" h="203200"/>
+          <a:bevelB w="165100" h="254000"/>
+        </a:sp3d>
+      </dsp:spPr>
+      <dsp:style>
+        <a:lnRef idx="0">
+          <a:scrgbClr r="0" g="0" b="0"/>
+        </a:lnRef>
+        <a:fillRef idx="1">
+          <a:scrgbClr r="0" g="0" b="0"/>
+        </a:fillRef>
+        <a:effectRef idx="0">
+          <a:scrgbClr r="0" g="0" b="0"/>
+        </a:effectRef>
+        <a:fontRef idx="minor">
+          <a:schemeClr val="lt1"/>
+        </a:fontRef>
+      </dsp:style>
+      <dsp:txBody>
+        <a:bodyPr spcFirstLastPara="0" vert="horz" wrap="square" lIns="0" tIns="0" rIns="0" bIns="0" numCol="1" spcCol="1270" anchor="ctr" anchorCtr="0">
+          <a:noAutofit/>
+        </a:bodyPr>
+        <a:lstStyle/>
+        <a:p>
+          <a:pPr marL="0" lvl="0" indent="0" algn="ctr" defTabSz="666750">
+            <a:lnSpc>
+              <a:spcPct val="90000"/>
+            </a:lnSpc>
+            <a:spcBef>
+              <a:spcPct val="0"/>
+            </a:spcBef>
+            <a:spcAft>
+              <a:spcPct val="35000"/>
+            </a:spcAft>
+            <a:buNone/>
+          </a:pPr>
+          <a:endParaRPr lang="en-US" sz="1500" kern="1200"/>
+        </a:p>
+      </dsp:txBody>
+      <dsp:txXfrm>
+        <a:off x="2734570" y="379952"/>
+        <a:ext cx="249100" cy="249772"/>
+      </dsp:txXfrm>
+    </dsp:sp>
+    <dsp:sp modelId="{F46EE843-9331-4658-BB07-9E488F6BE40F}">
+      <dsp:nvSpPr>
+        <dsp:cNvPr id="0" name=""/>
+        <dsp:cNvSpPr/>
+      </dsp:nvSpPr>
+      <dsp:spPr>
+        <a:xfrm>
+          <a:off x="3258285" y="1266"/>
+          <a:ext cx="1678573" cy="1007143"/>
+        </a:xfrm>
+        <a:prstGeom prst="roundRect">
+          <a:avLst>
+            <a:gd name="adj" fmla="val 10000"/>
+          </a:avLst>
+        </a:prstGeom>
+        <a:solidFill>
+          <a:schemeClr val="lt1">
+            <a:hueOff val="0"/>
+            <a:satOff val="0"/>
+            <a:lumOff val="0"/>
+            <a:alphaOff val="0"/>
+          </a:schemeClr>
+        </a:solidFill>
+        <a:ln>
+          <a:noFill/>
+        </a:ln>
+        <a:effectLst/>
+        <a:scene3d>
+          <a:camera prst="orthographicFront">
+            <a:rot lat="0" lon="0" rev="0"/>
+          </a:camera>
+          <a:lightRig rig="contrasting" dir="t">
+            <a:rot lat="0" lon="0" rev="1200000"/>
+          </a:lightRig>
+        </a:scene3d>
+        <a:sp3d contourW="19050" prstMaterial="metal">
+          <a:bevelT w="88900" h="203200"/>
+          <a:bevelB w="165100" h="254000"/>
+        </a:sp3d>
+      </dsp:spPr>
+      <dsp:style>
+        <a:lnRef idx="0">
+          <a:scrgbClr r="0" g="0" b="0"/>
+        </a:lnRef>
+        <a:fillRef idx="1">
+          <a:scrgbClr r="0" g="0" b="0"/>
+        </a:fillRef>
+        <a:effectRef idx="2">
+          <a:scrgbClr r="0" g="0" b="0"/>
+        </a:effectRef>
+        <a:fontRef idx="minor">
+          <a:schemeClr val="lt1"/>
+        </a:fontRef>
+      </dsp:style>
+      <dsp:txBody>
+        <a:bodyPr spcFirstLastPara="0" vert="horz" wrap="square" lIns="60960" tIns="60960" rIns="60960" bIns="60960" numCol="1" spcCol="1270" anchor="ctr" anchorCtr="0">
+          <a:noAutofit/>
+        </a:bodyPr>
+        <a:lstStyle/>
+        <a:p>
+          <a:pPr marL="0" lvl="0" indent="0" algn="ctr" defTabSz="711200">
+            <a:lnSpc>
+              <a:spcPct val="90000"/>
+            </a:lnSpc>
+            <a:spcBef>
+              <a:spcPct val="0"/>
+            </a:spcBef>
+            <a:spcAft>
+              <a:spcPct val="35000"/>
+            </a:spcAft>
+            <a:buNone/>
+          </a:pPr>
+          <a:r>
+            <a:rPr lang="en-GB" sz="1600" kern="1200" dirty="0"/>
+            <a:t>Modulate with QPSK, with initial phase </a:t>
+          </a:r>
+          <a:r>
+            <a:rPr lang="el-GR" sz="1600" kern="1200" dirty="0"/>
+            <a:t>π</a:t>
+          </a:r>
+          <a:r>
+            <a:rPr lang="en-GB" sz="1600" kern="1200" dirty="0"/>
+            <a:t>/4</a:t>
+          </a:r>
+          <a:r>
+            <a:rPr lang="en-US" sz="1600" kern="1200" dirty="0"/>
+            <a:t> and gray coding</a:t>
+          </a:r>
+        </a:p>
+      </dsp:txBody>
+      <dsp:txXfrm>
+        <a:off x="3287783" y="30764"/>
+        <a:ext cx="1619577" cy="948147"/>
+      </dsp:txXfrm>
+    </dsp:sp>
+    <dsp:sp modelId="{2B2B9ABD-C83B-408B-9C62-8BCF95D32E0E}">
+      <dsp:nvSpPr>
+        <dsp:cNvPr id="0" name=""/>
+        <dsp:cNvSpPr/>
+      </dsp:nvSpPr>
+      <dsp:spPr>
+        <a:xfrm>
+          <a:off x="5084573" y="296695"/>
+          <a:ext cx="355857" cy="416286"/>
+        </a:xfrm>
+        <a:prstGeom prst="rightArrow">
+          <a:avLst>
+            <a:gd name="adj1" fmla="val 60000"/>
+            <a:gd name="adj2" fmla="val 50000"/>
+          </a:avLst>
+        </a:prstGeom>
+        <a:solidFill>
+          <a:schemeClr val="dk1">
+            <a:tint val="60000"/>
+            <a:hueOff val="0"/>
+            <a:satOff val="0"/>
+            <a:lumOff val="0"/>
+            <a:alphaOff val="0"/>
+          </a:schemeClr>
+        </a:solidFill>
+        <a:ln>
+          <a:noFill/>
+        </a:ln>
+        <a:effectLst/>
+        <a:scene3d>
+          <a:camera prst="orthographicFront">
+            <a:rot lat="0" lon="0" rev="0"/>
+          </a:camera>
+          <a:lightRig rig="contrasting" dir="t">
+            <a:rot lat="0" lon="0" rev="1200000"/>
+          </a:lightRig>
+        </a:scene3d>
+        <a:sp3d z="-182000" contourW="19050" prstMaterial="metal">
+          <a:bevelT w="88900" h="203200"/>
+          <a:bevelB w="165100" h="254000"/>
+        </a:sp3d>
+      </dsp:spPr>
+      <dsp:style>
+        <a:lnRef idx="0">
+          <a:scrgbClr r="0" g="0" b="0"/>
+        </a:lnRef>
+        <a:fillRef idx="1">
+          <a:scrgbClr r="0" g="0" b="0"/>
+        </a:fillRef>
+        <a:effectRef idx="0">
+          <a:scrgbClr r="0" g="0" b="0"/>
+        </a:effectRef>
+        <a:fontRef idx="minor">
+          <a:schemeClr val="lt1"/>
+        </a:fontRef>
+      </dsp:style>
+      <dsp:txBody>
+        <a:bodyPr spcFirstLastPara="0" vert="horz" wrap="square" lIns="0" tIns="0" rIns="0" bIns="0" numCol="1" spcCol="1270" anchor="ctr" anchorCtr="0">
+          <a:noAutofit/>
+        </a:bodyPr>
+        <a:lstStyle/>
+        <a:p>
+          <a:pPr marL="0" lvl="0" indent="0" algn="ctr" defTabSz="666750">
+            <a:lnSpc>
+              <a:spcPct val="90000"/>
+            </a:lnSpc>
+            <a:spcBef>
+              <a:spcPct val="0"/>
+            </a:spcBef>
+            <a:spcAft>
+              <a:spcPct val="35000"/>
+            </a:spcAft>
+            <a:buNone/>
+          </a:pPr>
+          <a:endParaRPr lang="en-US" sz="1500" kern="1200"/>
+        </a:p>
+      </dsp:txBody>
+      <dsp:txXfrm>
+        <a:off x="5084573" y="379952"/>
+        <a:ext cx="249100" cy="249772"/>
+      </dsp:txXfrm>
+    </dsp:sp>
+    <dsp:sp modelId="{E1B631AD-BBC2-4EDF-B8AF-97B4C55E6634}">
+      <dsp:nvSpPr>
+        <dsp:cNvPr id="0" name=""/>
+        <dsp:cNvSpPr/>
+      </dsp:nvSpPr>
+      <dsp:spPr>
+        <a:xfrm>
+          <a:off x="5608288" y="1266"/>
+          <a:ext cx="1678573" cy="1007143"/>
+        </a:xfrm>
+        <a:prstGeom prst="roundRect">
+          <a:avLst>
+            <a:gd name="adj" fmla="val 10000"/>
+          </a:avLst>
+        </a:prstGeom>
+        <a:solidFill>
+          <a:schemeClr val="lt1">
+            <a:hueOff val="0"/>
+            <a:satOff val="0"/>
+            <a:lumOff val="0"/>
+            <a:alphaOff val="0"/>
+          </a:schemeClr>
+        </a:solidFill>
+        <a:ln>
+          <a:noFill/>
+        </a:ln>
+        <a:effectLst/>
+        <a:scene3d>
+          <a:camera prst="orthographicFront">
+            <a:rot lat="0" lon="0" rev="0"/>
+          </a:camera>
+          <a:lightRig rig="contrasting" dir="t">
+            <a:rot lat="0" lon="0" rev="1200000"/>
+          </a:lightRig>
+        </a:scene3d>
+        <a:sp3d contourW="19050" prstMaterial="metal">
+          <a:bevelT w="88900" h="203200"/>
+          <a:bevelB w="165100" h="254000"/>
+        </a:sp3d>
+      </dsp:spPr>
+      <dsp:style>
+        <a:lnRef idx="0">
+          <a:scrgbClr r="0" g="0" b="0"/>
+        </a:lnRef>
+        <a:fillRef idx="1">
+          <a:scrgbClr r="0" g="0" b="0"/>
+        </a:fillRef>
+        <a:effectRef idx="2">
+          <a:scrgbClr r="0" g="0" b="0"/>
+        </a:effectRef>
+        <a:fontRef idx="minor">
+          <a:schemeClr val="lt1"/>
+        </a:fontRef>
+      </dsp:style>
+      <dsp:txBody>
+        <a:bodyPr spcFirstLastPara="0" vert="horz" wrap="square" lIns="76200" tIns="76200" rIns="76200" bIns="76200" numCol="1" spcCol="1270" anchor="ctr" anchorCtr="0">
+          <a:noAutofit/>
+        </a:bodyPr>
+        <a:lstStyle/>
+        <a:p>
+          <a:pPr marL="0" lvl="0" indent="0" algn="ctr" defTabSz="889000">
+            <a:lnSpc>
+              <a:spcPct val="90000"/>
+            </a:lnSpc>
+            <a:spcBef>
+              <a:spcPct val="0"/>
+            </a:spcBef>
+            <a:spcAft>
+              <a:spcPct val="35000"/>
+            </a:spcAft>
+            <a:buNone/>
+          </a:pPr>
+          <a:r>
+            <a:rPr lang="en-US" sz="2000" kern="1200" dirty="0"/>
+            <a:t>Filter with a pulse shaping filter</a:t>
+          </a:r>
+          <a:r>
+            <a:rPr lang="en-US" sz="2000" kern="1200" baseline="30000" dirty="0"/>
+            <a:t>1</a:t>
+          </a:r>
+          <a:endParaRPr lang="en-US" sz="2000" kern="1200" dirty="0"/>
+        </a:p>
+      </dsp:txBody>
+      <dsp:txXfrm>
+        <a:off x="5637786" y="30764"/>
+        <a:ext cx="1619577" cy="948147"/>
+      </dsp:txXfrm>
+    </dsp:sp>
+    <dsp:sp modelId="{AFA14F17-7D20-4997-B6B3-B68C9189D6AE}">
+      <dsp:nvSpPr>
+        <dsp:cNvPr id="0" name=""/>
+        <dsp:cNvSpPr/>
+      </dsp:nvSpPr>
+      <dsp:spPr>
+        <a:xfrm>
+          <a:off x="7434575" y="296695"/>
+          <a:ext cx="355857" cy="416286"/>
+        </a:xfrm>
+        <a:prstGeom prst="rightArrow">
+          <a:avLst>
+            <a:gd name="adj1" fmla="val 60000"/>
+            <a:gd name="adj2" fmla="val 50000"/>
+          </a:avLst>
+        </a:prstGeom>
+        <a:solidFill>
+          <a:schemeClr val="dk1">
+            <a:tint val="60000"/>
+            <a:hueOff val="0"/>
+            <a:satOff val="0"/>
+            <a:lumOff val="0"/>
+            <a:alphaOff val="0"/>
+          </a:schemeClr>
+        </a:solidFill>
+        <a:ln>
+          <a:noFill/>
+        </a:ln>
+        <a:effectLst/>
+        <a:scene3d>
+          <a:camera prst="orthographicFront">
+            <a:rot lat="0" lon="0" rev="0"/>
+          </a:camera>
+          <a:lightRig rig="contrasting" dir="t">
+            <a:rot lat="0" lon="0" rev="1200000"/>
+          </a:lightRig>
+        </a:scene3d>
+        <a:sp3d z="-182000" contourW="19050" prstMaterial="metal">
+          <a:bevelT w="88900" h="203200"/>
+          <a:bevelB w="165100" h="254000"/>
+        </a:sp3d>
+      </dsp:spPr>
+      <dsp:style>
+        <a:lnRef idx="0">
+          <a:scrgbClr r="0" g="0" b="0"/>
+        </a:lnRef>
+        <a:fillRef idx="1">
+          <a:scrgbClr r="0" g="0" b="0"/>
+        </a:fillRef>
+        <a:effectRef idx="0">
+          <a:scrgbClr r="0" g="0" b="0"/>
+        </a:effectRef>
+        <a:fontRef idx="minor">
+          <a:schemeClr val="lt1"/>
+        </a:fontRef>
+      </dsp:style>
+      <dsp:txBody>
+        <a:bodyPr spcFirstLastPara="0" vert="horz" wrap="square" lIns="0" tIns="0" rIns="0" bIns="0" numCol="1" spcCol="1270" anchor="ctr" anchorCtr="0">
+          <a:noAutofit/>
+        </a:bodyPr>
+        <a:lstStyle/>
+        <a:p>
+          <a:pPr marL="0" lvl="0" indent="0" algn="ctr" defTabSz="666750">
+            <a:lnSpc>
+              <a:spcPct val="90000"/>
+            </a:lnSpc>
+            <a:spcBef>
+              <a:spcPct val="0"/>
+            </a:spcBef>
+            <a:spcAft>
+              <a:spcPct val="35000"/>
+            </a:spcAft>
+            <a:buNone/>
+          </a:pPr>
+          <a:endParaRPr lang="en-US" sz="1500" kern="1200"/>
+        </a:p>
+      </dsp:txBody>
+      <dsp:txXfrm>
+        <a:off x="7434575" y="379952"/>
+        <a:ext cx="249100" cy="249772"/>
+      </dsp:txXfrm>
+    </dsp:sp>
+    <dsp:sp modelId="{698E58E8-AF14-4031-A07C-A81D1EE1B47E}">
+      <dsp:nvSpPr>
+        <dsp:cNvPr id="0" name=""/>
+        <dsp:cNvSpPr/>
+      </dsp:nvSpPr>
+      <dsp:spPr>
+        <a:xfrm>
+          <a:off x="7958290" y="1266"/>
+          <a:ext cx="1678573" cy="1007143"/>
+        </a:xfrm>
+        <a:prstGeom prst="roundRect">
+          <a:avLst>
+            <a:gd name="adj" fmla="val 10000"/>
+          </a:avLst>
+        </a:prstGeom>
+        <a:solidFill>
+          <a:schemeClr val="lt1">
+            <a:hueOff val="0"/>
+            <a:satOff val="0"/>
+            <a:lumOff val="0"/>
+            <a:alphaOff val="0"/>
+          </a:schemeClr>
+        </a:solidFill>
+        <a:ln>
+          <a:noFill/>
+        </a:ln>
+        <a:effectLst/>
+        <a:scene3d>
+          <a:camera prst="orthographicFront">
+            <a:rot lat="0" lon="0" rev="0"/>
+          </a:camera>
+          <a:lightRig rig="contrasting" dir="t">
+            <a:rot lat="0" lon="0" rev="1200000"/>
+          </a:lightRig>
+        </a:scene3d>
+        <a:sp3d contourW="19050" prstMaterial="metal">
+          <a:bevelT w="88900" h="203200"/>
+          <a:bevelB w="165100" h="254000"/>
+        </a:sp3d>
+      </dsp:spPr>
+      <dsp:style>
+        <a:lnRef idx="0">
+          <a:scrgbClr r="0" g="0" b="0"/>
+        </a:lnRef>
+        <a:fillRef idx="1">
+          <a:scrgbClr r="0" g="0" b="0"/>
+        </a:fillRef>
+        <a:effectRef idx="2">
+          <a:scrgbClr r="0" g="0" b="0"/>
+        </a:effectRef>
+        <a:fontRef idx="minor">
+          <a:schemeClr val="lt1"/>
+        </a:fontRef>
+      </dsp:style>
+      <dsp:txBody>
+        <a:bodyPr spcFirstLastPara="0" vert="horz" wrap="square" lIns="76200" tIns="76200" rIns="76200" bIns="76200" numCol="1" spcCol="1270" anchor="ctr" anchorCtr="0">
+          <a:noAutofit/>
+        </a:bodyPr>
+        <a:lstStyle/>
+        <a:p>
+          <a:pPr marL="0" lvl="0" indent="0" algn="ctr" defTabSz="889000">
+            <a:lnSpc>
+              <a:spcPct val="90000"/>
+            </a:lnSpc>
+            <a:spcBef>
+              <a:spcPct val="0"/>
+            </a:spcBef>
+            <a:spcAft>
+              <a:spcPct val="35000"/>
+            </a:spcAft>
+            <a:buNone/>
+          </a:pPr>
+          <a:r>
+            <a:rPr lang="en-US" sz="2000" kern="1200" dirty="0"/>
+            <a:t>Add AWGN</a:t>
+          </a:r>
+        </a:p>
+      </dsp:txBody>
+      <dsp:txXfrm>
+        <a:off x="7987788" y="30764"/>
+        <a:ext cx="1619577" cy="948147"/>
+      </dsp:txXfrm>
+    </dsp:sp>
+    <dsp:sp modelId="{4AAFA0DD-427F-4A02-AB70-3B417E712B3A}">
+      <dsp:nvSpPr>
+        <dsp:cNvPr id="0" name=""/>
+        <dsp:cNvSpPr/>
+      </dsp:nvSpPr>
+      <dsp:spPr>
+        <a:xfrm rot="5400000">
+          <a:off x="8619648" y="1125910"/>
+          <a:ext cx="355857" cy="416286"/>
+        </a:xfrm>
+        <a:prstGeom prst="rightArrow">
+          <a:avLst>
+            <a:gd name="adj1" fmla="val 60000"/>
+            <a:gd name="adj2" fmla="val 50000"/>
+          </a:avLst>
+        </a:prstGeom>
+        <a:solidFill>
+          <a:schemeClr val="dk1">
+            <a:tint val="60000"/>
+            <a:hueOff val="0"/>
+            <a:satOff val="0"/>
+            <a:lumOff val="0"/>
+            <a:alphaOff val="0"/>
+          </a:schemeClr>
+        </a:solidFill>
+        <a:ln>
+          <a:noFill/>
+        </a:ln>
+        <a:effectLst/>
+        <a:scene3d>
+          <a:camera prst="orthographicFront">
+            <a:rot lat="0" lon="0" rev="0"/>
+          </a:camera>
+          <a:lightRig rig="contrasting" dir="t">
+            <a:rot lat="0" lon="0" rev="1200000"/>
+          </a:lightRig>
+        </a:scene3d>
+        <a:sp3d z="-182000" contourW="19050" prstMaterial="metal">
+          <a:bevelT w="88900" h="203200"/>
+          <a:bevelB w="165100" h="254000"/>
+        </a:sp3d>
+      </dsp:spPr>
+      <dsp:style>
+        <a:lnRef idx="0">
+          <a:scrgbClr r="0" g="0" b="0"/>
+        </a:lnRef>
+        <a:fillRef idx="1">
+          <a:scrgbClr r="0" g="0" b="0"/>
+        </a:fillRef>
+        <a:effectRef idx="0">
+          <a:scrgbClr r="0" g="0" b="0"/>
+        </a:effectRef>
+        <a:fontRef idx="minor">
+          <a:schemeClr val="lt1"/>
+        </a:fontRef>
+      </dsp:style>
+      <dsp:txBody>
+        <a:bodyPr spcFirstLastPara="0" vert="horz" wrap="square" lIns="0" tIns="0" rIns="0" bIns="0" numCol="1" spcCol="1270" anchor="ctr" anchorCtr="0">
+          <a:noAutofit/>
+        </a:bodyPr>
+        <a:lstStyle/>
+        <a:p>
+          <a:pPr marL="0" lvl="0" indent="0" algn="ctr" defTabSz="666750">
+            <a:lnSpc>
+              <a:spcPct val="90000"/>
+            </a:lnSpc>
+            <a:spcBef>
+              <a:spcPct val="0"/>
+            </a:spcBef>
+            <a:spcAft>
+              <a:spcPct val="35000"/>
+            </a:spcAft>
+            <a:buNone/>
+          </a:pPr>
+          <a:endParaRPr lang="en-US" sz="1500" kern="1200"/>
+        </a:p>
+      </dsp:txBody>
+      <dsp:txXfrm rot="-5400000">
+        <a:off x="8672691" y="1156125"/>
+        <a:ext cx="249772" cy="249100"/>
+      </dsp:txXfrm>
+    </dsp:sp>
+    <dsp:sp modelId="{392791E9-5F4B-4A5D-9FA8-CE02DFB0F3B7}">
+      <dsp:nvSpPr>
+        <dsp:cNvPr id="0" name=""/>
+        <dsp:cNvSpPr/>
+      </dsp:nvSpPr>
+      <dsp:spPr>
+        <a:xfrm>
+          <a:off x="7958290" y="1679840"/>
+          <a:ext cx="1678573" cy="1007143"/>
+        </a:xfrm>
+        <a:prstGeom prst="roundRect">
+          <a:avLst>
+            <a:gd name="adj" fmla="val 10000"/>
+          </a:avLst>
+        </a:prstGeom>
+        <a:solidFill>
+          <a:schemeClr val="lt1">
+            <a:hueOff val="0"/>
+            <a:satOff val="0"/>
+            <a:lumOff val="0"/>
+            <a:alphaOff val="0"/>
+          </a:schemeClr>
+        </a:solidFill>
+        <a:ln>
+          <a:noFill/>
+        </a:ln>
+        <a:effectLst/>
+        <a:scene3d>
+          <a:camera prst="orthographicFront">
+            <a:rot lat="0" lon="0" rev="0"/>
+          </a:camera>
+          <a:lightRig rig="contrasting" dir="t">
+            <a:rot lat="0" lon="0" rev="1200000"/>
+          </a:lightRig>
+        </a:scene3d>
+        <a:sp3d contourW="19050" prstMaterial="metal">
+          <a:bevelT w="88900" h="203200"/>
+          <a:bevelB w="165100" h="254000"/>
+        </a:sp3d>
+      </dsp:spPr>
+      <dsp:style>
+        <a:lnRef idx="0">
+          <a:scrgbClr r="0" g="0" b="0"/>
+        </a:lnRef>
+        <a:fillRef idx="1">
+          <a:scrgbClr r="0" g="0" b="0"/>
+        </a:fillRef>
+        <a:effectRef idx="2">
+          <a:scrgbClr r="0" g="0" b="0"/>
+        </a:effectRef>
+        <a:fontRef idx="minor">
+          <a:schemeClr val="lt1"/>
+        </a:fontRef>
+      </dsp:style>
+      <dsp:txBody>
+        <a:bodyPr spcFirstLastPara="0" vert="horz" wrap="square" lIns="60960" tIns="60960" rIns="60960" bIns="60960" numCol="1" spcCol="1270" anchor="ctr" anchorCtr="0">
+          <a:noAutofit/>
+        </a:bodyPr>
+        <a:lstStyle/>
+        <a:p>
+          <a:pPr marL="0" lvl="0" indent="0" algn="ctr" defTabSz="711200">
+            <a:lnSpc>
+              <a:spcPct val="90000"/>
+            </a:lnSpc>
+            <a:spcBef>
+              <a:spcPct val="0"/>
+            </a:spcBef>
+            <a:spcAft>
+              <a:spcPct val="35000"/>
+            </a:spcAft>
+            <a:buNone/>
+          </a:pPr>
+          <a:r>
+            <a:rPr lang="en-US" sz="1600" kern="1200" dirty="0"/>
+            <a:t>Add phase noise</a:t>
+          </a:r>
+        </a:p>
+      </dsp:txBody>
+      <dsp:txXfrm>
+        <a:off x="7987788" y="1709338"/>
+        <a:ext cx="1619577" cy="948147"/>
+      </dsp:txXfrm>
+    </dsp:sp>
+    <dsp:sp modelId="{CFEF9A24-ECDB-444A-AB45-0FBA21847897}">
+      <dsp:nvSpPr>
+        <dsp:cNvPr id="0" name=""/>
+        <dsp:cNvSpPr/>
+      </dsp:nvSpPr>
+      <dsp:spPr>
+        <a:xfrm rot="10800000">
+          <a:off x="7454718" y="1975268"/>
+          <a:ext cx="355857" cy="416286"/>
+        </a:xfrm>
+        <a:prstGeom prst="rightArrow">
+          <a:avLst>
+            <a:gd name="adj1" fmla="val 60000"/>
+            <a:gd name="adj2" fmla="val 50000"/>
+          </a:avLst>
+        </a:prstGeom>
+        <a:solidFill>
+          <a:schemeClr val="dk1">
+            <a:tint val="60000"/>
+            <a:hueOff val="0"/>
+            <a:satOff val="0"/>
+            <a:lumOff val="0"/>
+            <a:alphaOff val="0"/>
+          </a:schemeClr>
+        </a:solidFill>
+        <a:ln>
+          <a:noFill/>
+        </a:ln>
+        <a:effectLst/>
+        <a:scene3d>
+          <a:camera prst="orthographicFront">
+            <a:rot lat="0" lon="0" rev="0"/>
+          </a:camera>
+          <a:lightRig rig="contrasting" dir="t">
+            <a:rot lat="0" lon="0" rev="1200000"/>
+          </a:lightRig>
+        </a:scene3d>
+        <a:sp3d z="-182000" contourW="19050" prstMaterial="metal">
+          <a:bevelT w="88900" h="203200"/>
+          <a:bevelB w="165100" h="254000"/>
+        </a:sp3d>
+      </dsp:spPr>
+      <dsp:style>
+        <a:lnRef idx="0">
+          <a:scrgbClr r="0" g="0" b="0"/>
+        </a:lnRef>
+        <a:fillRef idx="1">
+          <a:scrgbClr r="0" g="0" b="0"/>
+        </a:fillRef>
+        <a:effectRef idx="0">
+          <a:scrgbClr r="0" g="0" b="0"/>
+        </a:effectRef>
+        <a:fontRef idx="minor">
+          <a:schemeClr val="lt1"/>
+        </a:fontRef>
+      </dsp:style>
+      <dsp:txBody>
+        <a:bodyPr spcFirstLastPara="0" vert="horz" wrap="square" lIns="0" tIns="0" rIns="0" bIns="0" numCol="1" spcCol="1270" anchor="ctr" anchorCtr="0">
+          <a:noAutofit/>
+        </a:bodyPr>
+        <a:lstStyle/>
+        <a:p>
+          <a:pPr marL="0" lvl="0" indent="0" algn="ctr" defTabSz="666750">
+            <a:lnSpc>
+              <a:spcPct val="90000"/>
+            </a:lnSpc>
+            <a:spcBef>
+              <a:spcPct val="0"/>
+            </a:spcBef>
+            <a:spcAft>
+              <a:spcPct val="35000"/>
+            </a:spcAft>
+            <a:buNone/>
+          </a:pPr>
+          <a:endParaRPr lang="en-US" sz="1500" kern="1200"/>
+        </a:p>
+      </dsp:txBody>
+      <dsp:txXfrm rot="10800000">
+        <a:off x="7561475" y="2058525"/>
+        <a:ext cx="249100" cy="249772"/>
+      </dsp:txXfrm>
+    </dsp:sp>
+    <dsp:sp modelId="{950E5EBE-44BB-4C92-9EE4-BC22460A4EF9}">
+      <dsp:nvSpPr>
+        <dsp:cNvPr id="0" name=""/>
+        <dsp:cNvSpPr/>
+      </dsp:nvSpPr>
+      <dsp:spPr>
+        <a:xfrm>
+          <a:off x="5608288" y="1679840"/>
+          <a:ext cx="1678573" cy="1007143"/>
+        </a:xfrm>
+        <a:prstGeom prst="roundRect">
+          <a:avLst>
+            <a:gd name="adj" fmla="val 10000"/>
+          </a:avLst>
+        </a:prstGeom>
+        <a:solidFill>
+          <a:schemeClr val="lt1">
+            <a:hueOff val="0"/>
+            <a:satOff val="0"/>
+            <a:lumOff val="0"/>
+            <a:alphaOff val="0"/>
+          </a:schemeClr>
+        </a:solidFill>
+        <a:ln>
+          <a:noFill/>
+        </a:ln>
+        <a:effectLst/>
+        <a:scene3d>
+          <a:camera prst="orthographicFront">
+            <a:rot lat="0" lon="0" rev="0"/>
+          </a:camera>
+          <a:lightRig rig="contrasting" dir="t">
+            <a:rot lat="0" lon="0" rev="1200000"/>
+          </a:lightRig>
+        </a:scene3d>
+        <a:sp3d contourW="19050" prstMaterial="metal">
+          <a:bevelT w="88900" h="203200"/>
+          <a:bevelB w="165100" h="254000"/>
+        </a:sp3d>
+      </dsp:spPr>
+      <dsp:style>
+        <a:lnRef idx="0">
+          <a:scrgbClr r="0" g="0" b="0"/>
+        </a:lnRef>
+        <a:fillRef idx="1">
+          <a:scrgbClr r="0" g="0" b="0"/>
+        </a:fillRef>
+        <a:effectRef idx="2">
+          <a:scrgbClr r="0" g="0" b="0"/>
+        </a:effectRef>
+        <a:fontRef idx="minor">
+          <a:schemeClr val="lt1"/>
+        </a:fontRef>
+      </dsp:style>
+      <dsp:txBody>
+        <a:bodyPr spcFirstLastPara="0" vert="horz" wrap="square" lIns="60960" tIns="60960" rIns="60960" bIns="60960" numCol="1" spcCol="1270" anchor="ctr" anchorCtr="0">
+          <a:noAutofit/>
+        </a:bodyPr>
+        <a:lstStyle/>
+        <a:p>
+          <a:pPr marL="0" lvl="0" indent="0" algn="ctr" defTabSz="711200">
+            <a:lnSpc>
+              <a:spcPct val="90000"/>
+            </a:lnSpc>
+            <a:spcBef>
+              <a:spcPct val="0"/>
+            </a:spcBef>
+            <a:spcAft>
+              <a:spcPct val="35000"/>
+            </a:spcAft>
+            <a:buNone/>
+          </a:pPr>
+          <a:r>
+            <a:rPr lang="en-US" sz="1600" kern="1200" dirty="0"/>
+            <a:t>Automatic gain control for normalization</a:t>
+          </a:r>
+        </a:p>
+      </dsp:txBody>
+      <dsp:txXfrm>
+        <a:off x="5637786" y="1709338"/>
+        <a:ext cx="1619577" cy="948147"/>
+      </dsp:txXfrm>
+    </dsp:sp>
+    <dsp:sp modelId="{46AA52BC-8B6D-46A3-A636-CF9997F06AA4}">
+      <dsp:nvSpPr>
+        <dsp:cNvPr id="0" name=""/>
+        <dsp:cNvSpPr/>
+      </dsp:nvSpPr>
+      <dsp:spPr>
+        <a:xfrm rot="10800000">
+          <a:off x="5104716" y="1975268"/>
+          <a:ext cx="355857" cy="416286"/>
+        </a:xfrm>
+        <a:prstGeom prst="rightArrow">
+          <a:avLst>
+            <a:gd name="adj1" fmla="val 60000"/>
+            <a:gd name="adj2" fmla="val 50000"/>
+          </a:avLst>
+        </a:prstGeom>
+        <a:solidFill>
+          <a:schemeClr val="dk1">
+            <a:tint val="60000"/>
+            <a:hueOff val="0"/>
+            <a:satOff val="0"/>
+            <a:lumOff val="0"/>
+            <a:alphaOff val="0"/>
+          </a:schemeClr>
+        </a:solidFill>
+        <a:ln>
+          <a:noFill/>
+        </a:ln>
+        <a:effectLst/>
+        <a:scene3d>
+          <a:camera prst="orthographicFront">
+            <a:rot lat="0" lon="0" rev="0"/>
+          </a:camera>
+          <a:lightRig rig="contrasting" dir="t">
+            <a:rot lat="0" lon="0" rev="1200000"/>
+          </a:lightRig>
+        </a:scene3d>
+        <a:sp3d z="-182000" contourW="19050" prstMaterial="metal">
+          <a:bevelT w="88900" h="203200"/>
+          <a:bevelB w="165100" h="254000"/>
+        </a:sp3d>
+      </dsp:spPr>
+      <dsp:style>
+        <a:lnRef idx="0">
+          <a:scrgbClr r="0" g="0" b="0"/>
+        </a:lnRef>
+        <a:fillRef idx="1">
+          <a:scrgbClr r="0" g="0" b="0"/>
+        </a:fillRef>
+        <a:effectRef idx="0">
+          <a:scrgbClr r="0" g="0" b="0"/>
+        </a:effectRef>
+        <a:fontRef idx="minor">
+          <a:schemeClr val="lt1"/>
+        </a:fontRef>
+      </dsp:style>
+      <dsp:txBody>
+        <a:bodyPr spcFirstLastPara="0" vert="horz" wrap="square" lIns="0" tIns="0" rIns="0" bIns="0" numCol="1" spcCol="1270" anchor="ctr" anchorCtr="0">
+          <a:noAutofit/>
+        </a:bodyPr>
+        <a:lstStyle/>
+        <a:p>
+          <a:pPr marL="0" lvl="0" indent="0" algn="ctr" defTabSz="666750">
+            <a:lnSpc>
+              <a:spcPct val="90000"/>
+            </a:lnSpc>
+            <a:spcBef>
+              <a:spcPct val="0"/>
+            </a:spcBef>
+            <a:spcAft>
+              <a:spcPct val="35000"/>
+            </a:spcAft>
+            <a:buNone/>
+          </a:pPr>
+          <a:endParaRPr lang="en-US" sz="1500" kern="1200"/>
+        </a:p>
+      </dsp:txBody>
+      <dsp:txXfrm rot="10800000">
+        <a:off x="5211473" y="2058525"/>
+        <a:ext cx="249100" cy="249772"/>
+      </dsp:txXfrm>
+    </dsp:sp>
+    <dsp:sp modelId="{FBCBAEE7-C221-48EF-A1A6-E811F960AB76}">
+      <dsp:nvSpPr>
+        <dsp:cNvPr id="0" name=""/>
+        <dsp:cNvSpPr/>
+      </dsp:nvSpPr>
+      <dsp:spPr>
+        <a:xfrm>
+          <a:off x="3258285" y="1679840"/>
+          <a:ext cx="1678573" cy="1007143"/>
+        </a:xfrm>
+        <a:prstGeom prst="roundRect">
+          <a:avLst>
+            <a:gd name="adj" fmla="val 10000"/>
+          </a:avLst>
+        </a:prstGeom>
+        <a:solidFill>
+          <a:schemeClr val="lt1">
+            <a:hueOff val="0"/>
+            <a:satOff val="0"/>
+            <a:lumOff val="0"/>
+            <a:alphaOff val="0"/>
+          </a:schemeClr>
+        </a:solidFill>
+        <a:ln>
+          <a:noFill/>
+        </a:ln>
+        <a:effectLst/>
+        <a:scene3d>
+          <a:camera prst="orthographicFront">
+            <a:rot lat="0" lon="0" rev="0"/>
+          </a:camera>
+          <a:lightRig rig="contrasting" dir="t">
+            <a:rot lat="0" lon="0" rev="1200000"/>
+          </a:lightRig>
+        </a:scene3d>
+        <a:sp3d contourW="19050" prstMaterial="metal">
+          <a:bevelT w="88900" h="203200"/>
+          <a:bevelB w="165100" h="254000"/>
+        </a:sp3d>
+      </dsp:spPr>
+      <dsp:style>
+        <a:lnRef idx="0">
+          <a:scrgbClr r="0" g="0" b="0"/>
+        </a:lnRef>
+        <a:fillRef idx="1">
+          <a:scrgbClr r="0" g="0" b="0"/>
+        </a:fillRef>
+        <a:effectRef idx="2">
+          <a:scrgbClr r="0" g="0" b="0"/>
+        </a:effectRef>
+        <a:fontRef idx="minor">
+          <a:schemeClr val="lt1"/>
+        </a:fontRef>
+      </dsp:style>
+      <dsp:txBody>
+        <a:bodyPr spcFirstLastPara="0" vert="horz" wrap="square" lIns="68580" tIns="68580" rIns="68580" bIns="68580" numCol="1" spcCol="1270" anchor="ctr" anchorCtr="0">
+          <a:noAutofit/>
+        </a:bodyPr>
+        <a:lstStyle/>
+        <a:p>
+          <a:pPr marL="0" lvl="0" indent="0" algn="ctr" defTabSz="800100">
+            <a:lnSpc>
+              <a:spcPct val="90000"/>
+            </a:lnSpc>
+            <a:spcBef>
+              <a:spcPct val="0"/>
+            </a:spcBef>
+            <a:spcAft>
+              <a:spcPct val="35000"/>
+            </a:spcAft>
+            <a:buNone/>
+          </a:pPr>
+          <a:r>
+            <a:rPr lang="en-US" sz="1800" kern="1200" dirty="0"/>
+            <a:t>Match filtering with a pulse shaping filter</a:t>
+          </a:r>
+          <a:r>
+            <a:rPr lang="en-US" sz="1800" kern="1200" baseline="30000" dirty="0"/>
+            <a:t>1</a:t>
+          </a:r>
+          <a:endParaRPr lang="en-US" sz="1800" kern="1200" dirty="0"/>
+        </a:p>
+      </dsp:txBody>
+      <dsp:txXfrm>
+        <a:off x="3287783" y="1709338"/>
+        <a:ext cx="1619577" cy="948147"/>
+      </dsp:txXfrm>
+    </dsp:sp>
+    <dsp:sp modelId="{61B62871-FB35-4F21-8737-103845057CBF}">
+      <dsp:nvSpPr>
+        <dsp:cNvPr id="0" name=""/>
+        <dsp:cNvSpPr/>
+      </dsp:nvSpPr>
+      <dsp:spPr>
+        <a:xfrm rot="10800000">
+          <a:off x="2754713" y="1975268"/>
+          <a:ext cx="355857" cy="416286"/>
+        </a:xfrm>
+        <a:prstGeom prst="rightArrow">
+          <a:avLst>
+            <a:gd name="adj1" fmla="val 60000"/>
+            <a:gd name="adj2" fmla="val 50000"/>
+          </a:avLst>
+        </a:prstGeom>
+        <a:solidFill>
+          <a:schemeClr val="dk1">
+            <a:tint val="60000"/>
+            <a:hueOff val="0"/>
+            <a:satOff val="0"/>
+            <a:lumOff val="0"/>
+            <a:alphaOff val="0"/>
+          </a:schemeClr>
+        </a:solidFill>
+        <a:ln>
+          <a:noFill/>
+        </a:ln>
+        <a:effectLst/>
+        <a:scene3d>
+          <a:camera prst="orthographicFront">
+            <a:rot lat="0" lon="0" rev="0"/>
+          </a:camera>
+          <a:lightRig rig="contrasting" dir="t">
+            <a:rot lat="0" lon="0" rev="1200000"/>
+          </a:lightRig>
+        </a:scene3d>
+        <a:sp3d z="-182000" contourW="19050" prstMaterial="metal">
+          <a:bevelT w="88900" h="203200"/>
+          <a:bevelB w="165100" h="254000"/>
+        </a:sp3d>
+      </dsp:spPr>
+      <dsp:style>
+        <a:lnRef idx="0">
+          <a:scrgbClr r="0" g="0" b="0"/>
+        </a:lnRef>
+        <a:fillRef idx="1">
+          <a:scrgbClr r="0" g="0" b="0"/>
+        </a:fillRef>
+        <a:effectRef idx="0">
+          <a:scrgbClr r="0" g="0" b="0"/>
+        </a:effectRef>
+        <a:fontRef idx="minor">
+          <a:schemeClr val="lt1"/>
+        </a:fontRef>
+      </dsp:style>
+      <dsp:txBody>
+        <a:bodyPr spcFirstLastPara="0" vert="horz" wrap="square" lIns="0" tIns="0" rIns="0" bIns="0" numCol="1" spcCol="1270" anchor="ctr" anchorCtr="0">
+          <a:noAutofit/>
+        </a:bodyPr>
+        <a:lstStyle/>
+        <a:p>
+          <a:pPr marL="0" lvl="0" indent="0" algn="ctr" defTabSz="666750">
+            <a:lnSpc>
+              <a:spcPct val="90000"/>
+            </a:lnSpc>
+            <a:spcBef>
+              <a:spcPct val="0"/>
+            </a:spcBef>
+            <a:spcAft>
+              <a:spcPct val="35000"/>
+            </a:spcAft>
+            <a:buNone/>
+          </a:pPr>
+          <a:endParaRPr lang="en-US" sz="1500" kern="1200"/>
+        </a:p>
+      </dsp:txBody>
+      <dsp:txXfrm rot="10800000">
+        <a:off x="2861470" y="2058525"/>
+        <a:ext cx="249100" cy="249772"/>
+      </dsp:txXfrm>
+    </dsp:sp>
+    <dsp:sp modelId="{F5037606-C157-4155-BED8-849633FCB3A8}">
+      <dsp:nvSpPr>
+        <dsp:cNvPr id="0" name=""/>
+        <dsp:cNvSpPr/>
+      </dsp:nvSpPr>
+      <dsp:spPr>
+        <a:xfrm>
+          <a:off x="908283" y="1679840"/>
+          <a:ext cx="1678573" cy="1007143"/>
+        </a:xfrm>
+        <a:prstGeom prst="roundRect">
+          <a:avLst>
+            <a:gd name="adj" fmla="val 10000"/>
+          </a:avLst>
+        </a:prstGeom>
+        <a:solidFill>
+          <a:schemeClr val="lt1">
+            <a:hueOff val="0"/>
+            <a:satOff val="0"/>
+            <a:lumOff val="0"/>
+            <a:alphaOff val="0"/>
+          </a:schemeClr>
+        </a:solidFill>
+        <a:ln>
+          <a:noFill/>
+        </a:ln>
+        <a:effectLst/>
+        <a:scene3d>
+          <a:camera prst="orthographicFront">
+            <a:rot lat="0" lon="0" rev="0"/>
+          </a:camera>
+          <a:lightRig rig="contrasting" dir="t">
+            <a:rot lat="0" lon="0" rev="1200000"/>
+          </a:lightRig>
+        </a:scene3d>
+        <a:sp3d contourW="19050" prstMaterial="metal">
+          <a:bevelT w="88900" h="203200"/>
+          <a:bevelB w="165100" h="254000"/>
+        </a:sp3d>
+      </dsp:spPr>
+      <dsp:style>
+        <a:lnRef idx="0">
+          <a:scrgbClr r="0" g="0" b="0"/>
+        </a:lnRef>
+        <a:fillRef idx="1">
+          <a:scrgbClr r="0" g="0" b="0"/>
+        </a:fillRef>
+        <a:effectRef idx="2">
+          <a:scrgbClr r="0" g="0" b="0"/>
+        </a:effectRef>
+        <a:fontRef idx="minor">
+          <a:schemeClr val="lt1"/>
+        </a:fontRef>
+      </dsp:style>
+      <dsp:txBody>
+        <a:bodyPr spcFirstLastPara="0" vert="horz" wrap="square" lIns="72390" tIns="72390" rIns="72390" bIns="72390" numCol="1" spcCol="1270" anchor="ctr" anchorCtr="0">
+          <a:noAutofit/>
+        </a:bodyPr>
+        <a:lstStyle/>
+        <a:p>
+          <a:pPr marL="0" lvl="0" indent="0" algn="ctr" defTabSz="844550">
+            <a:lnSpc>
+              <a:spcPct val="90000"/>
+            </a:lnSpc>
+            <a:spcBef>
+              <a:spcPct val="0"/>
+            </a:spcBef>
+            <a:spcAft>
+              <a:spcPct val="35000"/>
+            </a:spcAft>
+            <a:buNone/>
+          </a:pPr>
+          <a:r>
+            <a:rPr lang="en-US" sz="1900" kern="1200" dirty="0"/>
+            <a:t>Demodulate from QPSK</a:t>
+          </a:r>
+        </a:p>
+      </dsp:txBody>
+      <dsp:txXfrm>
+        <a:off x="937781" y="1709338"/>
+        <a:ext cx="1619577" cy="948147"/>
+      </dsp:txXfrm>
+    </dsp:sp>
+    <dsp:sp modelId="{8E93EF29-2DA9-4450-A94E-E84C7B43096D}">
+      <dsp:nvSpPr>
+        <dsp:cNvPr id="0" name=""/>
+        <dsp:cNvSpPr/>
+      </dsp:nvSpPr>
+      <dsp:spPr>
+        <a:xfrm rot="5400000">
+          <a:off x="1569641" y="2804484"/>
+          <a:ext cx="355857" cy="416286"/>
+        </a:xfrm>
+        <a:prstGeom prst="rightArrow">
+          <a:avLst>
+            <a:gd name="adj1" fmla="val 60000"/>
+            <a:gd name="adj2" fmla="val 50000"/>
+          </a:avLst>
+        </a:prstGeom>
+        <a:solidFill>
+          <a:schemeClr val="dk1">
+            <a:tint val="60000"/>
+            <a:hueOff val="0"/>
+            <a:satOff val="0"/>
+            <a:lumOff val="0"/>
+            <a:alphaOff val="0"/>
+          </a:schemeClr>
+        </a:solidFill>
+        <a:ln>
+          <a:noFill/>
+        </a:ln>
+        <a:effectLst/>
+        <a:scene3d>
+          <a:camera prst="orthographicFront">
+            <a:rot lat="0" lon="0" rev="0"/>
+          </a:camera>
+          <a:lightRig rig="contrasting" dir="t">
+            <a:rot lat="0" lon="0" rev="1200000"/>
+          </a:lightRig>
+        </a:scene3d>
+        <a:sp3d z="-182000" contourW="19050" prstMaterial="metal">
+          <a:bevelT w="88900" h="203200"/>
+          <a:bevelB w="165100" h="254000"/>
+        </a:sp3d>
+      </dsp:spPr>
+      <dsp:style>
+        <a:lnRef idx="0">
+          <a:scrgbClr r="0" g="0" b="0"/>
+        </a:lnRef>
+        <a:fillRef idx="1">
+          <a:scrgbClr r="0" g="0" b="0"/>
+        </a:fillRef>
+        <a:effectRef idx="0">
+          <a:scrgbClr r="0" g="0" b="0"/>
+        </a:effectRef>
+        <a:fontRef idx="minor">
+          <a:schemeClr val="lt1"/>
+        </a:fontRef>
+      </dsp:style>
+      <dsp:txBody>
+        <a:bodyPr spcFirstLastPara="0" vert="horz" wrap="square" lIns="0" tIns="0" rIns="0" bIns="0" numCol="1" spcCol="1270" anchor="ctr" anchorCtr="0">
+          <a:noAutofit/>
+        </a:bodyPr>
+        <a:lstStyle/>
+        <a:p>
+          <a:pPr marL="0" lvl="0" indent="0" algn="ctr" defTabSz="666750">
+            <a:lnSpc>
+              <a:spcPct val="90000"/>
+            </a:lnSpc>
+            <a:spcBef>
+              <a:spcPct val="0"/>
+            </a:spcBef>
+            <a:spcAft>
+              <a:spcPct val="35000"/>
+            </a:spcAft>
+            <a:buNone/>
+          </a:pPr>
+          <a:endParaRPr lang="en-US" sz="1500" kern="1200"/>
+        </a:p>
+      </dsp:txBody>
+      <dsp:txXfrm rot="-5400000">
+        <a:off x="1622684" y="2834699"/>
+        <a:ext cx="249772" cy="249100"/>
+      </dsp:txXfrm>
+    </dsp:sp>
+    <dsp:sp modelId="{895B3D7B-4668-43EF-92F3-F16B71473439}">
+      <dsp:nvSpPr>
+        <dsp:cNvPr id="0" name=""/>
+        <dsp:cNvSpPr/>
+      </dsp:nvSpPr>
+      <dsp:spPr>
+        <a:xfrm>
+          <a:off x="908283" y="3358413"/>
+          <a:ext cx="1678573" cy="1007143"/>
+        </a:xfrm>
+        <a:prstGeom prst="roundRect">
+          <a:avLst>
+            <a:gd name="adj" fmla="val 10000"/>
+          </a:avLst>
+        </a:prstGeom>
+        <a:solidFill>
+          <a:schemeClr val="lt1">
+            <a:hueOff val="0"/>
+            <a:satOff val="0"/>
+            <a:lumOff val="0"/>
+            <a:alphaOff val="0"/>
+          </a:schemeClr>
+        </a:solidFill>
+        <a:ln>
+          <a:noFill/>
+        </a:ln>
+        <a:effectLst/>
+        <a:scene3d>
+          <a:camera prst="orthographicFront">
+            <a:rot lat="0" lon="0" rev="0"/>
+          </a:camera>
+          <a:lightRig rig="contrasting" dir="t">
+            <a:rot lat="0" lon="0" rev="1200000"/>
+          </a:lightRig>
+        </a:scene3d>
+        <a:sp3d contourW="19050" prstMaterial="metal">
+          <a:bevelT w="88900" h="203200"/>
+          <a:bevelB w="165100" h="254000"/>
+        </a:sp3d>
+      </dsp:spPr>
+      <dsp:style>
+        <a:lnRef idx="0">
+          <a:scrgbClr r="0" g="0" b="0"/>
+        </a:lnRef>
+        <a:fillRef idx="1">
+          <a:scrgbClr r="0" g="0" b="0"/>
+        </a:fillRef>
+        <a:effectRef idx="2">
+          <a:scrgbClr r="0" g="0" b="0"/>
+        </a:effectRef>
+        <a:fontRef idx="minor">
+          <a:schemeClr val="lt1"/>
+        </a:fontRef>
+      </dsp:style>
+      <dsp:txBody>
+        <a:bodyPr spcFirstLastPara="0" vert="horz" wrap="square" lIns="72390" tIns="72390" rIns="72390" bIns="72390" numCol="1" spcCol="1270" anchor="ctr" anchorCtr="0">
+          <a:noAutofit/>
+        </a:bodyPr>
+        <a:lstStyle/>
+        <a:p>
+          <a:pPr marL="0" lvl="0" indent="0" algn="ctr" defTabSz="844550">
+            <a:lnSpc>
+              <a:spcPct val="90000"/>
+            </a:lnSpc>
+            <a:spcBef>
+              <a:spcPct val="0"/>
+            </a:spcBef>
+            <a:spcAft>
+              <a:spcPct val="35000"/>
+            </a:spcAft>
+            <a:buNone/>
+          </a:pPr>
+          <a:r>
+            <a:rPr lang="en-US" sz="1900" kern="1200" dirty="0"/>
+            <a:t>Estimate BER, SNR and plot spectra</a:t>
+          </a:r>
+        </a:p>
+      </dsp:txBody>
+      <dsp:txXfrm>
+        <a:off x="937781" y="3387911"/>
+        <a:ext cx="1619577" cy="948147"/>
+      </dsp:txXfrm>
+    </dsp:sp>
+  </dsp:spTree>
+</dsp:drawing>
+</file>
+
+<file path=ppt/diagrams/layout1.xml><?xml version="1.0" encoding="utf-8"?>
+<dgm:layoutDef xmlns:dgm="http://schemas.openxmlformats.org/drawingml/2006/diagram" xmlns:a="http://schemas.openxmlformats.org/drawingml/2006/main" uniqueId="urn:microsoft.com/office/officeart/2005/8/layout/process5">
+  <dgm:title val=""/>
+  <dgm:desc val=""/>
+  <dgm:catLst>
+    <dgm:cat type="process" pri="17000"/>
+  </dgm:catLst>
+  <dgm:sampData>
+    <dgm:dataModel>
+      <dgm:ptLst>
+        <dgm:pt modelId="0" type="doc"/>
+        <dgm:pt modelId="1">
+          <dgm:prSet phldr="1"/>
+        </dgm:pt>
+        <dgm:pt modelId="2">
+          <dgm:prSet phldr="1"/>
+        </dgm:pt>
+        <dgm:pt modelId="3">
+          <dgm:prSet phldr="1"/>
+        </dgm:pt>
+        <dgm:pt modelId="4">
+          <dgm:prSet phldr="1"/>
+        </dgm:pt>
+        <dgm:pt modelId="5">
+          <dgm:prSet phldr="1"/>
+        </dgm:pt>
+      </dgm:ptLst>
+      <dgm:cxnLst>
+        <dgm:cxn modelId="7" srcId="0" destId="1" srcOrd="0" destOrd="0"/>
+        <dgm:cxn modelId="8" srcId="0" destId="2" srcOrd="1" destOrd="0"/>
+        <dgm:cxn modelId="9" srcId="0" destId="3" srcOrd="2" destOrd="0"/>
+        <dgm:cxn modelId="10" srcId="0" destId="4" srcOrd="3" destOrd="0"/>
+        <dgm:cxn modelId="11" srcId="0" destId="5" srcOrd="4" destOrd="0"/>
+      </dgm:cxnLst>
+      <dgm:bg/>
+      <dgm:whole/>
+    </dgm:dataModel>
+  </dgm:sampData>
+  <dgm:styleData>
+    <dgm:dataModel>
+      <dgm:ptLst>
+        <dgm:pt modelId="0" type="doc"/>
+        <dgm:pt modelId="1"/>
+        <dgm:pt modelId="2"/>
+      </dgm:ptLst>
+      <dgm:cxnLst>
+        <dgm:cxn modelId="3" srcId="0" destId="1" srcOrd="0" destOrd="0"/>
+        <dgm:cxn modelId="4" srcId="0" destId="2" srcOrd="1" destOrd="0"/>
+      </dgm:cxnLst>
+      <dgm:bg/>
+      <dgm:whole/>
+    </dgm:dataModel>
+  </dgm:styleData>
+  <dgm:clrData>
+    <dgm:dataModel>
+      <dgm:ptLst>
+        <dgm:pt modelId="0" type="doc"/>
+        <dgm:pt modelId="1"/>
+        <dgm:pt modelId="2"/>
+        <dgm:pt modelId="3"/>
+        <dgm:pt modelId="4"/>
+      </dgm:ptLst>
+      <dgm:cxnLst>
+        <dgm:cxn modelId="5" srcId="0" destId="1" srcOrd="0" destOrd="0"/>
+        <dgm:cxn modelId="6" srcId="0" destId="2" srcOrd="1" destOrd="0"/>
+        <dgm:cxn modelId="7" srcId="0" destId="3" srcOrd="2" destOrd="0"/>
+        <dgm:cxn modelId="8" srcId="0" destId="4" srcOrd="3" destOrd="0"/>
+      </dgm:cxnLst>
+      <dgm:bg/>
+      <dgm:whole/>
+    </dgm:dataModel>
+  </dgm:clrData>
+  <dgm:layoutNode name="diagram">
+    <dgm:varLst>
+      <dgm:dir/>
+      <dgm:resizeHandles val="exact"/>
+    </dgm:varLst>
+    <dgm:choose name="Name0">
+      <dgm:if name="Name1" axis="self" func="var" arg="dir" op="equ" val="norm">
+        <dgm:alg type="snake">
+          <dgm:param type="grDir" val="tL"/>
+          <dgm:param type="flowDir" val="row"/>
+          <dgm:param type="contDir" val="revDir"/>
+          <dgm:param type="bkpt" val="endCnv"/>
+        </dgm:alg>
+      </dgm:if>
+      <dgm:else name="Name2">
+        <dgm:alg type="snake">
+          <dgm:param type="grDir" val="tR"/>
+          <dgm:param type="flowDir" val="row"/>
+          <dgm:param type="contDir" val="revDir"/>
+          <dgm:param type="bkpt" val="endCnv"/>
+        </dgm:alg>
+      </dgm:else>
+    </dgm:choose>
+    <dgm:shape xmlns:r="http://schemas.openxmlformats.org/officeDocument/2006/relationships" r:blip="">
+      <dgm:adjLst/>
+    </dgm:shape>
+    <dgm:presOf/>
+    <dgm:constrLst>
+      <dgm:constr type="w" for="ch" ptType="node" refType="w"/>
+      <dgm:constr type="w" for="ch" forName="sibTrans" refType="w" refFor="ch" refPtType="node" op="equ" fact="0.4"/>
+      <dgm:constr type="sp" refType="w" refFor="ch" refForName="sibTrans" op="equ"/>
+      <dgm:constr type="primFontSz" for="ch" ptType="node" op="equ" val="65"/>
+      <dgm:constr type="primFontSz" for="des" forName="connectorText" op="equ" val="55"/>
+      <dgm:constr type="primFontSz" for="des" forName="connectorText" refType="primFontSz" refFor="ch" refPtType="node" op="lte" fact="0.8"/>
+    </dgm:constrLst>
+    <dgm:ruleLst/>
+    <dgm:forEach name="nodesForEach" axis="ch" ptType="node">
+      <dgm:layoutNode name="node">
+        <dgm:varLst>
+          <dgm:bulletEnabled val="1"/>
+        </dgm:varLst>
+        <dgm:alg type="tx"/>
+        <dgm:shape xmlns:r="http://schemas.openxmlformats.org/officeDocument/2006/relationships" type="roundRect" r:blip="">
+          <dgm:adjLst>
+            <dgm:adj idx="1" val="0.1"/>
+          </dgm:adjLst>
+        </dgm:shape>
+        <dgm:presOf axis="desOrSelf" ptType="node"/>
+        <dgm:constrLst>
+          <dgm:constr type="h" refType="w" fact="0.6"/>
+          <dgm:constr type="tMarg" refType="primFontSz" fact="0.3"/>
+          <dgm:constr type="bMarg" refType="primFontSz" fact="0.3"/>
+          <dgm:constr type="lMarg" refType="primFontSz" fact="0.3"/>
+          <dgm:constr type="rMarg" refType="primFontSz" fact="0.3"/>
+        </dgm:constrLst>
+        <dgm:ruleLst>
+          <dgm:rule type="primFontSz" val="5" fact="NaN" max="NaN"/>
+        </dgm:ruleLst>
+      </dgm:layoutNode>
+      <dgm:forEach name="sibTransForEach" axis="followSib" ptType="sibTrans" cnt="1">
+        <dgm:layoutNode name="sibTrans">
+          <dgm:alg type="conn">
+            <dgm:param type="begPts" val="auto"/>
+            <dgm:param type="endPts" val="auto"/>
+          </dgm:alg>
+          <dgm:shape xmlns:r="http://schemas.openxmlformats.org/officeDocument/2006/relationships" type="conn" r:blip="">
+            <dgm:adjLst/>
+          </dgm:shape>
+          <dgm:presOf axis="self"/>
+          <dgm:constrLst>
+            <dgm:constr type="h" refType="w" fact="0.62"/>
+            <dgm:constr type="connDist"/>
+          </dgm:constrLst>
+          <dgm:ruleLst/>
+          <dgm:layoutNode name="connectorText">
+            <dgm:alg type="tx">
+              <dgm:param type="autoTxRot" val="upr"/>
+            </dgm:alg>
+            <dgm:shape xmlns:r="http://schemas.openxmlformats.org/officeDocument/2006/relationships" type="conn" r:blip="" hideGeom="1">
+              <dgm:adjLst/>
+            </dgm:shape>
+            <dgm:presOf axis="self"/>
+            <dgm:constrLst>
+              <dgm:constr type="lMarg"/>
+              <dgm:constr type="rMarg"/>
+              <dgm:constr type="tMarg"/>
+              <dgm:constr type="bMarg"/>
+            </dgm:constrLst>
+            <dgm:ruleLst>
+              <dgm:rule type="primFontSz" val="5" fact="NaN" max="NaN"/>
+            </dgm:ruleLst>
+          </dgm:layoutNode>
+        </dgm:layoutNode>
+      </dgm:forEach>
+    </dgm:forEach>
+  </dgm:layoutNode>
+</dgm:layoutDef>
+</file>
+
+<file path=ppt/diagrams/quickStyle1.xml><?xml version="1.0" encoding="utf-8"?>
+<dgm:styleDef xmlns:dgm="http://schemas.openxmlformats.org/drawingml/2006/diagram" xmlns:a="http://schemas.openxmlformats.org/drawingml/2006/main" uniqueId="urn:microsoft.com/office/officeart/2005/8/quickstyle/3d3">
+  <dgm:title val=""/>
+  <dgm:desc val=""/>
+  <dgm:catLst>
+    <dgm:cat type="3D" pri="11300"/>
+  </dgm:catLst>
+  <dgm:scene3d>
+    <a:camera prst="orthographicFront"/>
+    <a:lightRig rig="threePt" dir="t"/>
+  </dgm:scene3d>
+  <dgm:styleLbl name="node0">
+    <dgm:scene3d>
+      <a:camera prst="orthographicFront">
+        <a:rot lat="0" lon="0" rev="0"/>
+      </a:camera>
+      <a:lightRig rig="contrasting" dir="t">
+        <a:rot lat="0" lon="0" rev="1200000"/>
+      </a:lightRig>
+    </dgm:scene3d>
+    <dgm:sp3d contourW="19050" prstMaterial="metal">
+      <a:bevelT w="88900" h="203200"/>
+      <a:bevelB w="165100" h="254000"/>
+    </dgm:sp3d>
+    <dgm:txPr/>
+    <dgm:style>
+      <a:lnRef idx="0">
+        <a:scrgbClr r="0" g="0" b="0"/>
+      </a:lnRef>
+      <a:fillRef idx="1">
+        <a:scrgbClr r="0" g="0" b="0"/>
+      </a:fillRef>
+      <a:effectRef idx="1">
+        <a:scrgbClr r="0" g="0" b="0"/>
+      </a:effectRef>
+      <a:fontRef idx="minor">
+        <a:schemeClr val="lt1"/>
+      </a:fontRef>
+    </dgm:style>
+  </dgm:styleLbl>
+  <dgm:styleLbl name="lnNode1">
+    <dgm:scene3d>
+      <a:camera prst="orthographicFront">
+        <a:rot lat="0" lon="0" rev="0"/>
+      </a:camera>
+      <a:lightRig rig="contrasting" dir="t">
+        <a:rot lat="0" lon="0" rev="1200000"/>
+      </a:lightRig>
+    </dgm:scene3d>
+    <dgm:sp3d contourW="19050" prstMaterial="metal">
+      <a:bevelT w="88900" h="203200"/>
+      <a:bevelB w="165100" h="254000"/>
+    </dgm:sp3d>
+    <dgm:txPr/>
+    <dgm:style>
+      <a:lnRef idx="0">
+        <a:scrgbClr r="0" g="0" b="0"/>
+      </a:lnRef>
+      <a:fillRef idx="1">
+        <a:scrgbClr r="0" g="0" b="0"/>
+      </a:fillRef>
+      <a:effectRef idx="1">
+        <a:scrgbClr r="0" g="0" b="0"/>
+      </a:effectRef>
+      <a:fontRef idx="minor">
+        <a:schemeClr val="lt1"/>
+      </a:fontRef>
+    </dgm:style>
+  </dgm:styleLbl>
+  <dgm:styleLbl name="vennNode1">
+    <dgm:scene3d>
+      <a:camera prst="orthographicFront">
+        <a:rot lat="0" lon="0" rev="0"/>
+      </a:camera>
+      <a:lightRig rig="contrasting" dir="t">
+        <a:rot lat="0" lon="0" rev="1200000"/>
+      </a:lightRig>
+    </dgm:scene3d>
+    <dgm:sp3d contourW="12700" prstMaterial="clear">
+      <a:bevelT w="177800" h="254000"/>
+      <a:bevelB w="152400"/>
+    </dgm:sp3d>
+    <dgm:txPr/>
+    <dgm:style>
+      <a:lnRef idx="0">
+        <a:scrgbClr r="0" g="0" b="0"/>
+      </a:lnRef>
+      <a:fillRef idx="1">
+        <a:scrgbClr r="0" g="0" b="0"/>
+      </a:fillRef>
+      <a:effectRef idx="0">
+        <a:scrgbClr r="0" g="0" b="0"/>
+      </a:effectRef>
+      <a:fontRef idx="minor">
+        <a:schemeClr val="tx1"/>
+      </a:fontRef>
+    </dgm:style>
+  </dgm:styleLbl>
+  <dgm:styleLbl name="alignNode1">
+    <dgm:scene3d>
+      <a:camera prst="orthographicFront">
+        <a:rot lat="0" lon="0" rev="0"/>
+      </a:camera>
+      <a:lightRig rig="contrasting" dir="t">
+        <a:rot lat="0" lon="0" rev="1200000"/>
+      </a:lightRig>
+    </dgm:scene3d>
+    <dgm:sp3d contourW="19050" prstMaterial="metal">
+      <a:bevelT w="88900" h="203200"/>
+      <a:bevelB w="165100" h="254000"/>
+    </dgm:sp3d>
+    <dgm:txPr/>
+    <dgm:style>
+      <a:lnRef idx="0">
+        <a:scrgbClr r="0" g="0" b="0"/>
+      </a:lnRef>
+      <a:fillRef idx="1">
+        <a:scrgbClr r="0" g="0" b="0"/>
+      </a:fillRef>
+      <a:effectRef idx="2">
+        <a:scrgbClr r="0" g="0" b="0"/>
+      </a:effectRef>
+      <a:fontRef idx="minor">
+        <a:schemeClr val="lt1"/>
+      </a:fontRef>
+    </dgm:style>
+  </dgm:styleLbl>
+  <dgm:styleLbl name="node1">
+    <dgm:scene3d>
+      <a:camera prst="orthographicFront">
+        <a:rot lat="0" lon="0" rev="0"/>
+      </a:camera>
+      <a:lightRig rig="contrasting" dir="t">
+        <a:rot lat="0" lon="0" rev="1200000"/>
+      </a:lightRig>
+    </dgm:scene3d>
+    <dgm:sp3d contourW="19050" prstMaterial="metal">
+      <a:bevelT w="88900" h="203200"/>
+      <a:bevelB w="165100" h="254000"/>
+    </dgm:sp3d>
+    <dgm:txPr/>
+    <dgm:style>
+      <a:lnRef idx="0">
+        <a:scrgbClr r="0" g="0" b="0"/>
+      </a:lnRef>
+      <a:fillRef idx="1">
+        <a:scrgbClr r="0" g="0" b="0"/>
+      </a:fillRef>
+      <a:effectRef idx="2">
+        <a:scrgbClr r="0" g="0" b="0"/>
+      </a:effectRef>
+      <a:fontRef idx="minor">
+        <a:schemeClr val="lt1"/>
+      </a:fontRef>
+    </dgm:style>
+  </dgm:styleLbl>
+  <dgm:styleLbl name="node2">
+    <dgm:scene3d>
+      <a:camera prst="orthographicFront">
+        <a:rot lat="0" lon="0" rev="0"/>
+      </a:camera>
+      <a:lightRig rig="contrasting" dir="t">
+        <a:rot lat="0" lon="0" rev="1200000"/>
+      </a:lightRig>
+    </dgm:scene3d>
+    <dgm:sp3d contourW="19050" prstMaterial="metal">
+      <a:bevelT w="88900" h="203200"/>
+      <a:bevelB w="165100" h="254000"/>
+    </dgm:sp3d>
+    <dgm:txPr/>
+    <dgm:style>
+      <a:lnRef idx="0">
+        <a:scrgbClr r="0" g="0" b="0"/>
+      </a:lnRef>
+      <a:fillRef idx="1">
+        <a:scrgbClr r="0" g="0" b="0"/>
+      </a:fillRef>
+      <a:effectRef idx="1">
+        <a:scrgbClr r="0" g="0" b="0"/>
+      </a:effectRef>
+      <a:fontRef idx="minor">
+        <a:schemeClr val="lt1"/>
+      </a:fontRef>
+    </dgm:style>
+  </dgm:styleLbl>
+  <dgm:styleLbl name="node3">
+    <dgm:scene3d>
+      <a:camera prst="orthographicFront">
+        <a:rot lat="0" lon="0" rev="0"/>
+      </a:camera>
+      <a:lightRig rig="contrasting" dir="t">
+        <a:rot lat="0" lon="0" rev="1200000"/>
+      </a:lightRig>
+    </dgm:scene3d>
+    <dgm:sp3d contourW="19050" prstMaterial="metal">
+      <a:bevelT w="88900" h="203200"/>
+      <a:bevelB w="165100" h="254000"/>
+    </dgm:sp3d>
+    <dgm:txPr/>
+    <dgm:style>
+      <a:lnRef idx="0">
+        <a:scrgbClr r="0" g="0" b="0"/>
+      </a:lnRef>
+      <a:fillRef idx="1">
+        <a:scrgbClr r="0" g="0" b="0"/>
+      </a:fillRef>
+      <a:effectRef idx="1">
+        <a:scrgbClr r="0" g="0" b="0"/>
+      </a:effectRef>
+      <a:fontRef idx="minor">
+        <a:schemeClr val="lt1"/>
+      </a:fontRef>
+    </dgm:style>
+  </dgm:styleLbl>
+  <dgm:styleLbl name="node4">
+    <dgm:scene3d>
+      <a:camera prst="orthographicFront">
+        <a:rot lat="0" lon="0" rev="0"/>
+      </a:camera>
+      <a:lightRig rig="contrasting" dir="t">
+        <a:rot lat="0" lon="0" rev="1200000"/>
+      </a:lightRig>
+    </dgm:scene3d>
+    <dgm:sp3d contourW="19050" prstMaterial="metal">
+      <a:bevelT w="88900" h="203200"/>
+      <a:bevelB w="165100" h="254000"/>
+    </dgm:sp3d>
+    <dgm:txPr/>
+    <dgm:style>
+      <a:lnRef idx="0">
+        <a:scrgbClr r="0" g="0" b="0"/>
+      </a:lnRef>
+      <a:fillRef idx="1">
+        <a:scrgbClr r="0" g="0" b="0"/>
+      </a:fillRef>
+      <a:effectRef idx="1">
+        <a:scrgbClr r="0" g="0" b="0"/>
+      </a:effectRef>
+      <a:fontRef idx="minor">
+        <a:schemeClr val="lt1"/>
+      </a:fontRef>
+    </dgm:style>
+  </dgm:styleLbl>
+  <dgm:styleLbl name="fgImgPlace1">
+    <dgm:scene3d>
+      <a:camera prst="orthographicFront">
+        <a:rot lat="0" lon="0" rev="0"/>
+      </a:camera>
+      <a:lightRig rig="contrasting" dir="t">
+        <a:rot lat="0" lon="0" rev="1200000"/>
+      </a:lightRig>
+    </dgm:scene3d>
+    <dgm:sp3d z="300000" contourW="19050" prstMaterial="metal">
+      <a:bevelT w="88900" h="203200"/>
+      <a:bevelB w="165100" h="254000"/>
+    </dgm:sp3d>
+    <dgm:txPr/>
+    <dgm:style>
+      <a:lnRef idx="0">
+        <a:scrgbClr r="0" g="0" b="0"/>
+      </a:lnRef>
+      <a:fillRef idx="1">
+        <a:scrgbClr r="0" g="0" b="0"/>
+      </a:fillRef>
+      <a:effectRef idx="1">
+        <a:scrgbClr r="0" g="0" b="0"/>
+      </a:effectRef>
+      <a:fontRef idx="minor"/>
+    </dgm:style>
+  </dgm:styleLbl>
+  <dgm:styleLbl name="alignImgPlace1">
+    <dgm:scene3d>
+      <a:camera prst="orthographicFront">
+        <a:rot lat="0" lon="0" rev="0"/>
+      </a:camera>
+      <a:lightRig rig="contrasting" dir="t">
+        <a:rot lat="0" lon="0" rev="1200000"/>
+      </a:lightRig>
+    </dgm:scene3d>
+    <dgm:sp3d contourW="12700" prstMaterial="flat">
+      <a:bevelT w="177800" h="254000"/>
+      <a:bevelB w="152400"/>
+    </dgm:sp3d>
+    <dgm:txPr/>
+    <dgm:style>
+      <a:lnRef idx="0">
+        <a:scrgbClr r="0" g="0" b="0"/>
+      </a:lnRef>
+      <a:fillRef idx="1">
+        <a:scrgbClr r="0" g="0" b="0"/>
+      </a:fillRef>
+      <a:effectRef idx="1">
+        <a:scrgbClr r="0" g="0" b="0"/>
+      </a:effectRef>
+      <a:fontRef idx="minor"/>
+    </dgm:style>
+  </dgm:styleLbl>
+  <dgm:styleLbl name="bgImgPlace1">
+    <dgm:scene3d>
+      <a:camera prst="orthographicFront">
+        <a:rot lat="0" lon="0" rev="0"/>
+      </a:camera>
+      <a:lightRig rig="contrasting" dir="t">
+        <a:rot lat="0" lon="0" rev="1200000"/>
+      </a:lightRig>
+    </dgm:scene3d>
+    <dgm:sp3d z="-300000" contourW="19050" prstMaterial="metal">
+      <a:bevelT w="88900" h="203200"/>
+      <a:bevelB w="165100" h="254000"/>
+    </dgm:sp3d>
+    <dgm:txPr/>
+    <dgm:style>
+      <a:lnRef idx="0">
+        <a:scrgbClr r="0" g="0" b="0"/>
+      </a:lnRef>
+      <a:fillRef idx="1">
+        <a:scrgbClr r="0" g="0" b="0"/>
+      </a:fillRef>
+      <a:effectRef idx="1">
+        <a:scrgbClr r="0" g="0" b="0"/>
+      </a:effectRef>
+      <a:fontRef idx="minor"/>
+    </dgm:style>
+  </dgm:styleLbl>
+  <dgm:styleLbl name="sibTrans2D1">
+    <dgm:scene3d>
+      <a:camera prst="orthographicFront">
+        <a:rot lat="0" lon="0" rev="0"/>
+      </a:camera>
+      <a:lightRig rig="contrasting" dir="t">
+        <a:rot lat="0" lon="0" rev="1200000"/>
+      </a:lightRig>
+    </dgm:scene3d>
+    <dgm:sp3d z="-182000" contourW="19050" prstMaterial="metal">
+      <a:bevelT w="88900" h="203200"/>
+      <a:bevelB w="165100" h="254000"/>
+    </dgm:sp3d>
+    <dgm:txPr/>
+    <dgm:style>
+      <a:lnRef idx="0">
+        <a:scrgbClr r="0" g="0" b="0"/>
+      </a:lnRef>
+      <a:fillRef idx="1">
+        <a:scrgbClr r="0" g="0" b="0"/>
+      </a:fillRef>
+      <a:effectRef idx="0">
+        <a:scrgbClr r="0" g="0" b="0"/>
+      </a:effectRef>
+      <a:fontRef idx="minor">
+        <a:schemeClr val="lt1"/>
+      </a:fontRef>
+    </dgm:style>
+  </dgm:styleLbl>
+  <dgm:styleLbl name="fgSibTrans2D1">
+    <dgm:scene3d>
+      <a:camera prst="orthographicFront">
+        <a:rot lat="0" lon="0" rev="0"/>
+      </a:camera>
+      <a:lightRig rig="contrasting" dir="t">
+        <a:rot lat="0" lon="0" rev="1200000"/>
+      </a:lightRig>
+    </dgm:scene3d>
+    <dgm:sp3d z="300000" contourW="19050" prstMaterial="metal">
+      <a:bevelT w="88900" h="203200"/>
+      <a:bevelB w="165100" h="254000"/>
+    </dgm:sp3d>
+    <dgm:txPr/>
+    <dgm:style>
+      <a:lnRef idx="0">
+        <a:scrgbClr r="0" g="0" b="0"/>
+      </a:lnRef>
+      <a:fillRef idx="1">
+        <a:scrgbClr r="0" g="0" b="0"/>
+      </a:fillRef>
+      <a:effectRef idx="0">
+        <a:scrgbClr r="0" g="0" b="0"/>
+      </a:effectRef>
+      <a:fontRef idx="minor"/>
+    </dgm:style>
+  </dgm:styleLbl>
+  <dgm:styleLbl name="bgSibTrans2D1">
+    <dgm:scene3d>
+      <a:camera prst="orthographicFront">
+        <a:rot lat="0" lon="0" rev="0"/>
+      </a:camera>
+      <a:lightRig rig="contrasting" dir="t">
+        <a:rot lat="0" lon="0" rev="1200000"/>
+      </a:lightRig>
+    </dgm:scene3d>
+    <dgm:sp3d z="-300000" contourW="19050" prstMaterial="metal">
+      <a:bevelT w="88900" h="203200"/>
+      <a:bevelB w="165100" h="254000"/>
+    </dgm:sp3d>
+    <dgm:txPr/>
+    <dgm:style>
+      <a:lnRef idx="0">
+        <a:scrgbClr r="0" g="0" b="0"/>
+      </a:lnRef>
+      <a:fillRef idx="1">
+        <a:scrgbClr r="0" g="0" b="0"/>
+      </a:fillRef>
+      <a:effectRef idx="0">
+        <a:scrgbClr r="0" g="0" b="0"/>
+      </a:effectRef>
+      <a:fontRef idx="minor"/>
+    </dgm:style>
+  </dgm:styleLbl>
+  <dgm:styleLbl name="sibTrans1D1">
+    <dgm:scene3d>
+      <a:camera prst="orthographicFront">
+        <a:rot lat="0" lon="0" rev="0"/>
+      </a:camera>
+      <a:lightRig rig="contrasting" dir="t">
+        <a:rot lat="0" lon="0" rev="1200000"/>
+      </a:lightRig>
+    </dgm:scene3d>
+    <dgm:sp3d z="-110000"/>
+    <dgm:txPr/>
+    <dgm:style>
+      <a:lnRef idx="1">
+        <a:scrgbClr r="0" g="0" b="0"/>
+      </a:lnRef>
+      <a:fillRef idx="0">
+        <a:scrgbClr r="0" g="0" b="0"/>
+      </a:fillRef>
+      <a:effectRef idx="0">
+        <a:scrgbClr r="0" g="0" b="0"/>
+      </a:effectRef>
+      <a:fontRef idx="minor"/>
+    </dgm:style>
+  </dgm:styleLbl>
+  <dgm:styleLbl name="callout">
+    <dgm:scene3d>
+      <a:camera prst="orthographicFront">
+        <a:rot lat="0" lon="0" rev="0"/>
+      </a:camera>
+      <a:lightRig rig="contrasting" dir="t">
+        <a:rot lat="0" lon="0" rev="1200000"/>
+      </a:lightRig>
+    </dgm:scene3d>
+    <dgm:sp3d z="10000"/>
+    <dgm:txPr/>
+    <dgm:style>
+      <a:lnRef idx="2">
+        <a:scrgbClr r="0" g="0" b="0"/>
+      </a:lnRef>
+      <a:fillRef idx="1">
+        <a:scrgbClr r="0" g="0" b="0"/>
+      </a:fillRef>
+      <a:effectRef idx="0">
+        <a:scrgbClr r="0" g="0" b="0"/>
+      </a:effectRef>
+      <a:fontRef idx="minor"/>
+    </dgm:style>
+  </dgm:styleLbl>
+  <dgm:styleLbl name="asst0">
+    <dgm:scene3d>
+      <a:camera prst="orthographicFront">
+        <a:rot lat="0" lon="0" rev="0"/>
+      </a:camera>
+      <a:lightRig rig="contrasting" dir="t">
+        <a:rot lat="0" lon="0" rev="1200000"/>
+      </a:lightRig>
+    </dgm:scene3d>
+    <dgm:sp3d contourW="19050" prstMaterial="metal">
+      <a:bevelT w="88900" h="203200"/>
+      <a:bevelB w="165100" h="254000"/>
+    </dgm:sp3d>
+    <dgm:txPr/>
+    <dgm:style>
+      <a:lnRef idx="0">
+        <a:scrgbClr r="0" g="0" b="0"/>
+      </a:lnRef>
+      <a:fillRef idx="1">
+        <a:scrgbClr r="0" g="0" b="0"/>
+      </a:fillRef>
+      <a:effectRef idx="1">
+        <a:scrgbClr r="0" g="0" b="0"/>
+      </a:effectRef>
+      <a:fontRef idx="minor">
+        <a:schemeClr val="lt1"/>
+      </a:fontRef>
+    </dgm:style>
+  </dgm:styleLbl>
+  <dgm:styleLbl name="asst1">
+    <dgm:scene3d>
+      <a:camera prst="orthographicFront">
+        <a:rot lat="0" lon="0" rev="0"/>
+      </a:camera>
+      <a:lightRig rig="contrasting" dir="t">
+        <a:rot lat="0" lon="0" rev="1200000"/>
+      </a:lightRig>
+    </dgm:scene3d>
+    <dgm:sp3d contourW="19050" prstMaterial="metal">
+      <a:bevelT w="88900" h="203200"/>
+      <a:bevelB w="165100" h="254000"/>
+    </dgm:sp3d>
+    <dgm:txPr/>
+    <dgm:style>
+      <a:lnRef idx="0">
+        <a:scrgbClr r="0" g="0" b="0"/>
+      </a:lnRef>
+      <a:fillRef idx="1">
+        <a:scrgbClr r="0" g="0" b="0"/>
+      </a:fillRef>
+      <a:effectRef idx="1">
+        <a:scrgbClr r="0" g="0" b="0"/>
+      </a:effectRef>
+      <a:fontRef idx="minor">
+        <a:schemeClr val="lt1"/>
+      </a:fontRef>
+    </dgm:style>
+  </dgm:styleLbl>
+  <dgm:styleLbl name="asst2">
+    <dgm:scene3d>
+      <a:camera prst="orthographicFront">
+        <a:rot lat="0" lon="0" rev="0"/>
+      </a:camera>
+      <a:lightRig rig="contrasting" dir="t">
+        <a:rot lat="0" lon="0" rev="1200000"/>
+      </a:lightRig>
+    </dgm:scene3d>
+    <dgm:sp3d contourW="19050" prstMaterial="metal">
+      <a:bevelT w="88900" h="203200"/>
+      <a:bevelB w="165100" h="254000"/>
+    </dgm:sp3d>
+    <dgm:txPr/>
+    <dgm:style>
+      <a:lnRef idx="0">
+        <a:scrgbClr r="0" g="0" b="0"/>
+      </a:lnRef>
+      <a:fillRef idx="1">
+        <a:scrgbClr r="0" g="0" b="0"/>
+      </a:fillRef>
+      <a:effectRef idx="1">
+        <a:scrgbClr r="0" g="0" b="0"/>
+      </a:effectRef>
+      <a:fontRef idx="minor">
+        <a:schemeClr val="lt1"/>
+      </a:fontRef>
+    </dgm:style>
+  </dgm:styleLbl>
+  <dgm:styleLbl name="asst3">
+    <dgm:scene3d>
+      <a:camera prst="orthographicFront">
+        <a:rot lat="0" lon="0" rev="0"/>
+      </a:camera>
+      <a:lightRig rig="contrasting" dir="t">
+        <a:rot lat="0" lon="0" rev="1200000"/>
+      </a:lightRig>
+    </dgm:scene3d>
+    <dgm:sp3d contourW="19050" prstMaterial="metal">
+      <a:bevelT w="88900" h="203200"/>
+      <a:bevelB w="165100" h="254000"/>
+    </dgm:sp3d>
+    <dgm:txPr/>
+    <dgm:style>
+      <a:lnRef idx="0">
+        <a:scrgbClr r="0" g="0" b="0"/>
+      </a:lnRef>
+      <a:fillRef idx="1">
+        <a:scrgbClr r="0" g="0" b="0"/>
+      </a:fillRef>
+      <a:effectRef idx="1">
+        <a:scrgbClr r="0" g="0" b="0"/>
+      </a:effectRef>
+      <a:fontRef idx="minor">
+        <a:schemeClr val="lt1"/>
+      </a:fontRef>
+    </dgm:style>
+  </dgm:styleLbl>
+  <dgm:styleLbl name="asst4">
+    <dgm:scene3d>
+      <a:camera prst="orthographicFront"/>
+      <a:lightRig rig="threePt" dir="t"/>
+    </dgm:scene3d>
+    <dgm:sp3d contourW="19050" prstMaterial="metal">
+      <a:bevelT w="88900" h="203200"/>
+      <a:bevelB w="165100" h="254000"/>
+    </dgm:sp3d>
+    <dgm:txPr/>
+    <dgm:style>
+      <a:lnRef idx="0">
+        <a:scrgbClr r="0" g="0" b="0"/>
+      </a:lnRef>
+      <a:fillRef idx="1">
+        <a:scrgbClr r="0" g="0" b="0"/>
+      </a:fillRef>
+      <a:effectRef idx="1">
+        <a:scrgbClr r="0" g="0" b="0"/>
+      </a:effectRef>
+      <a:fontRef idx="minor">
+        <a:schemeClr val="lt1"/>
+      </a:fontRef>
+    </dgm:style>
+  </dgm:styleLbl>
+  <dgm:styleLbl name="parChTrans2D1">
+    <dgm:scene3d>
+      <a:camera prst="orthographicFront">
+        <a:rot lat="0" lon="0" rev="0"/>
+      </a:camera>
+      <a:lightRig rig="contrasting" dir="t">
+        <a:rot lat="0" lon="0" rev="1200000"/>
+      </a:lightRig>
+    </dgm:scene3d>
+    <dgm:sp3d contourW="19050" prstMaterial="metal">
+      <a:bevelT w="88900" h="203200"/>
+      <a:bevelB w="165100" h="254000"/>
+    </dgm:sp3d>
+    <dgm:txPr/>
+    <dgm:style>
+      <a:lnRef idx="0">
+        <a:scrgbClr r="0" g="0" b="0"/>
+      </a:lnRef>
+      <a:fillRef idx="1">
+        <a:scrgbClr r="0" g="0" b="0"/>
+      </a:fillRef>
+      <a:effectRef idx="0">
+        <a:scrgbClr r="0" g="0" b="0"/>
+      </a:effectRef>
+      <a:fontRef idx="minor"/>
+    </dgm:style>
+  </dgm:styleLbl>
+  <dgm:styleLbl name="parChTrans2D2">
+    <dgm:scene3d>
+      <a:camera prst="orthographicFront">
+        <a:rot lat="0" lon="0" rev="0"/>
+      </a:camera>
+      <a:lightRig rig="contrasting" dir="t">
+        <a:rot lat="0" lon="0" rev="1200000"/>
+      </a:lightRig>
+    </dgm:scene3d>
+    <dgm:sp3d contourW="19050" prstMaterial="metal">
+      <a:bevelT w="88900" h="203200"/>
+      <a:bevelB w="165100" h="254000"/>
+    </dgm:sp3d>
+    <dgm:txPr/>
+    <dgm:style>
+      <a:lnRef idx="0">
+        <a:scrgbClr r="0" g="0" b="0"/>
+      </a:lnRef>
+      <a:fillRef idx="1">
+        <a:scrgbClr r="0" g="0" b="0"/>
+      </a:fillRef>
+      <a:effectRef idx="0">
+        <a:scrgbClr r="0" g="0" b="0"/>
+      </a:effectRef>
+      <a:fontRef idx="minor"/>
+    </dgm:style>
+  </dgm:styleLbl>
+  <dgm:styleLbl name="parChTrans2D3">
+    <dgm:scene3d>
+      <a:camera prst="orthographicFront">
+        <a:rot lat="0" lon="0" rev="0"/>
+      </a:camera>
+      <a:lightRig rig="contrasting" dir="t">
+        <a:rot lat="0" lon="0" rev="1200000"/>
+      </a:lightRig>
+    </dgm:scene3d>
+    <dgm:sp3d contourW="19050" prstMaterial="metal">
+      <a:bevelT w="88900" h="203200"/>
+      <a:bevelB w="165100" h="254000"/>
+    </dgm:sp3d>
+    <dgm:txPr/>
+    <dgm:style>
+      <a:lnRef idx="0">
+        <a:scrgbClr r="0" g="0" b="0"/>
+      </a:lnRef>
+      <a:fillRef idx="1">
+        <a:scrgbClr r="0" g="0" b="0"/>
+      </a:fillRef>
+      <a:effectRef idx="0">
+        <a:scrgbClr r="0" g="0" b="0"/>
+      </a:effectRef>
+      <a:fontRef idx="minor"/>
+    </dgm:style>
+  </dgm:styleLbl>
+  <dgm:styleLbl name="parChTrans2D4">
+    <dgm:scene3d>
+      <a:camera prst="orthographicFront">
+        <a:rot lat="0" lon="0" rev="0"/>
+      </a:camera>
+      <a:lightRig rig="contrasting" dir="t">
+        <a:rot lat="0" lon="0" rev="1200000"/>
+      </a:lightRig>
+    </dgm:scene3d>
+    <dgm:sp3d contourW="19050" prstMaterial="metal">
+      <a:bevelT w="88900" h="203200"/>
+      <a:bevelB w="165100" h="254000"/>
+    </dgm:sp3d>
+    <dgm:txPr/>
+    <dgm:style>
+      <a:lnRef idx="0">
+        <a:scrgbClr r="0" g="0" b="0"/>
+      </a:lnRef>
+      <a:fillRef idx="1">
+        <a:scrgbClr r="0" g="0" b="0"/>
+      </a:fillRef>
+      <a:effectRef idx="0">
+        <a:scrgbClr r="0" g="0" b="0"/>
+      </a:effectRef>
+      <a:fontRef idx="minor"/>
+    </dgm:style>
+  </dgm:styleLbl>
+  <dgm:styleLbl name="parChTrans1D1">
+    <dgm:scene3d>
+      <a:camera prst="orthographicFront">
+        <a:rot lat="0" lon="0" rev="0"/>
+      </a:camera>
+      <a:lightRig rig="contrasting" dir="t">
+        <a:rot lat="0" lon="0" rev="1200000"/>
+      </a:lightRig>
+    </dgm:scene3d>
+    <dgm:sp3d z="-110000"/>
+    <dgm:txPr/>
+    <dgm:style>
+      <a:lnRef idx="2">
+        <a:scrgbClr r="0" g="0" b="0"/>
+      </a:lnRef>
+      <a:fillRef idx="0">
+        <a:scrgbClr r="0" g="0" b="0"/>
+      </a:fillRef>
+      <a:effectRef idx="0">
+        <a:scrgbClr r="0" g="0" b="0"/>
+      </a:effectRef>
+      <a:fontRef idx="minor"/>
+    </dgm:style>
+  </dgm:styleLbl>
+  <dgm:styleLbl name="parChTrans1D2">
+    <dgm:scene3d>
+      <a:camera prst="orthographicFront">
+        <a:rot lat="0" lon="0" rev="0"/>
+      </a:camera>
+      <a:lightRig rig="contrasting" dir="t">
+        <a:rot lat="0" lon="0" rev="1200000"/>
+      </a:lightRig>
+    </dgm:scene3d>
+    <dgm:sp3d z="-110000"/>
+    <dgm:txPr/>
+    <dgm:style>
+      <a:lnRef idx="2">
+        <a:scrgbClr r="0" g="0" b="0"/>
+      </a:lnRef>
+      <a:fillRef idx="0">
+        <a:scrgbClr r="0" g="0" b="0"/>
+      </a:fillRef>
+      <a:effectRef idx="0">
+        <a:scrgbClr r="0" g="0" b="0"/>
+      </a:effectRef>
+      <a:fontRef idx="minor"/>
+    </dgm:style>
+  </dgm:styleLbl>
+  <dgm:styleLbl name="parChTrans1D3">
+    <dgm:scene3d>
+      <a:camera prst="orthographicFront">
+        <a:rot lat="0" lon="0" rev="0"/>
+      </a:camera>
+      <a:lightRig rig="contrasting" dir="t">
+        <a:rot lat="0" lon="0" rev="1200000"/>
+      </a:lightRig>
+    </dgm:scene3d>
+    <dgm:sp3d z="-110000"/>
+    <dgm:txPr/>
+    <dgm:style>
+      <a:lnRef idx="2">
+        <a:scrgbClr r="0" g="0" b="0"/>
+      </a:lnRef>
+      <a:fillRef idx="0">
+        <a:scrgbClr r="0" g="0" b="0"/>
+      </a:fillRef>
+      <a:effectRef idx="0">
+        <a:scrgbClr r="0" g="0" b="0"/>
+      </a:effectRef>
+      <a:fontRef idx="minor"/>
+    </dgm:style>
+  </dgm:styleLbl>
+  <dgm:styleLbl name="parChTrans1D4">
+    <dgm:scene3d>
+      <a:camera prst="orthographicFront">
+        <a:rot lat="0" lon="0" rev="0"/>
+      </a:camera>
+      <a:lightRig rig="contrasting" dir="t">
+        <a:rot lat="0" lon="0" rev="1200000"/>
+      </a:lightRig>
+    </dgm:scene3d>
+    <dgm:sp3d z="-110000"/>
+    <dgm:txPr/>
+    <dgm:style>
+      <a:lnRef idx="2">
+        <a:scrgbClr r="0" g="0" b="0"/>
+      </a:lnRef>
+      <a:fillRef idx="0">
+        <a:scrgbClr r="0" g="0" b="0"/>
+      </a:fillRef>
+      <a:effectRef idx="0">
+        <a:scrgbClr r="0" g="0" b="0"/>
+      </a:effectRef>
+      <a:fontRef idx="minor"/>
+    </dgm:style>
+  </dgm:styleLbl>
+  <dgm:styleLbl name="fgAcc1">
+    <dgm:scene3d>
+      <a:camera prst="orthographicFront">
+        <a:rot lat="0" lon="0" rev="0"/>
+      </a:camera>
+      <a:lightRig rig="contrasting" dir="t">
+        <a:rot lat="0" lon="0" rev="1200000"/>
+      </a:lightRig>
+    </dgm:scene3d>
+    <dgm:sp3d z="300000" contourW="19050" prstMaterial="metal">
+      <a:bevelT w="88900" h="203200"/>
+      <a:bevelB w="165100" h="254000"/>
+    </dgm:sp3d>
+    <dgm:txPr/>
+    <dgm:style>
+      <a:lnRef idx="0">
+        <a:scrgbClr r="0" g="0" b="0"/>
+      </a:lnRef>
+      <a:fillRef idx="1">
+        <a:scrgbClr r="0" g="0" b="0"/>
+      </a:fillRef>
+      <a:effectRef idx="0">
+        <a:scrgbClr r="0" g="0" b="0"/>
+      </a:effectRef>
+      <a:fontRef idx="minor"/>
+    </dgm:style>
+  </dgm:styleLbl>
+  <dgm:styleLbl name="conFgAcc1">
+    <dgm:scene3d>
+      <a:camera prst="orthographicFront">
+        <a:rot lat="0" lon="0" rev="0"/>
+      </a:camera>
+      <a:lightRig rig="contrasting" dir="t">
+        <a:rot lat="0" lon="0" rev="1200000"/>
+      </a:lightRig>
+    </dgm:scene3d>
+    <dgm:sp3d z="300000" contourW="19050" prstMaterial="metal">
+      <a:bevelT w="88900" h="203200"/>
+      <a:bevelB w="165100" h="254000"/>
+    </dgm:sp3d>
+    <dgm:txPr/>
+    <dgm:style>
+      <a:lnRef idx="0">
+        <a:scrgbClr r="0" g="0" b="0"/>
+      </a:lnRef>
+      <a:fillRef idx="1">
+        <a:scrgbClr r="0" g="0" b="0"/>
+      </a:fillRef>
+      <a:effectRef idx="0">
+        <a:scrgbClr r="0" g="0" b="0"/>
+      </a:effectRef>
+      <a:fontRef idx="minor"/>
+    </dgm:style>
+  </dgm:styleLbl>
+  <dgm:styleLbl name="alignAcc1">
+    <dgm:scene3d>
+      <a:camera prst="orthographicFront">
+        <a:rot lat="0" lon="0" rev="0"/>
+      </a:camera>
+      <a:lightRig rig="contrasting" dir="t">
+        <a:rot lat="0" lon="0" rev="1200000"/>
+      </a:lightRig>
+    </dgm:scene3d>
+    <dgm:sp3d contourW="19050" prstMaterial="metal">
+      <a:bevelT w="88900" h="203200"/>
+      <a:bevelB w="165100" h="254000"/>
+    </dgm:sp3d>
+    <dgm:txPr/>
+    <dgm:style>
+      <a:lnRef idx="0">
+        <a:scrgbClr r="0" g="0" b="0"/>
+      </a:lnRef>
+      <a:fillRef idx="1">
+        <a:scrgbClr r="0" g="0" b="0"/>
+      </a:fillRef>
+      <a:effectRef idx="0">
+        <a:scrgbClr r="0" g="0" b="0"/>
+      </a:effectRef>
+      <a:fontRef idx="minor"/>
+    </dgm:style>
+  </dgm:styleLbl>
+  <dgm:styleLbl name="trAlignAcc1">
+    <dgm:scene3d>
+      <a:camera prst="orthographicFront">
+        <a:rot lat="0" lon="0" rev="0"/>
+      </a:camera>
+      <a:lightRig rig="contrasting" dir="t">
+        <a:rot lat="0" lon="0" rev="1200000"/>
+      </a:lightRig>
+    </dgm:scene3d>
+    <dgm:sp3d contourW="19050" prstMaterial="metal">
+      <a:bevelT w="88900" h="203200"/>
+      <a:bevelB w="165100" h="254000"/>
+    </dgm:sp3d>
+    <dgm:txPr/>
+    <dgm:style>
+      <a:lnRef idx="0">
+        <a:scrgbClr r="0" g="0" b="0"/>
+      </a:lnRef>
+      <a:fillRef idx="1">
+        <a:scrgbClr r="0" g="0" b="0"/>
+      </a:fillRef>
+      <a:effectRef idx="1">
+        <a:scrgbClr r="0" g="0" b="0"/>
+      </a:effectRef>
+      <a:fontRef idx="minor"/>
+    </dgm:style>
+  </dgm:styleLbl>
+  <dgm:styleLbl name="bgAcc1">
+    <dgm:scene3d>
+      <a:camera prst="orthographicFront">
+        <a:rot lat="0" lon="0" rev="0"/>
+      </a:camera>
+      <a:lightRig rig="contrasting" dir="t">
+        <a:rot lat="0" lon="0" rev="1200000"/>
+      </a:lightRig>
+    </dgm:scene3d>
+    <dgm:sp3d z="-300000" contourW="19050" prstMaterial="metal">
+      <a:bevelT w="88900" h="203200"/>
+      <a:bevelB w="165100" h="254000"/>
+    </dgm:sp3d>
+    <dgm:txPr/>
+    <dgm:style>
+      <a:lnRef idx="0">
+        <a:scrgbClr r="0" g="0" b="0"/>
+      </a:lnRef>
+      <a:fillRef idx="1">
+        <a:scrgbClr r="0" g="0" b="0"/>
+      </a:fillRef>
+      <a:effectRef idx="0">
+        <a:scrgbClr r="0" g="0" b="0"/>
+      </a:effectRef>
+      <a:fontRef idx="minor"/>
+    </dgm:style>
+  </dgm:styleLbl>
+  <dgm:styleLbl name="solidFgAcc1">
+    <dgm:scene3d>
+      <a:camera prst="orthographicFront">
+        <a:rot lat="0" lon="0" rev="0"/>
+      </a:camera>
+      <a:lightRig rig="contrasting" dir="t">
+        <a:rot lat="0" lon="0" rev="1200000"/>
+      </a:lightRig>
+    </dgm:scene3d>
+    <dgm:sp3d z="300000" contourW="12700" prstMaterial="flat">
+      <a:bevelT w="177800" h="254000"/>
+      <a:bevelB w="152400"/>
+    </dgm:sp3d>
+    <dgm:txPr/>
+    <dgm:style>
+      <a:lnRef idx="0">
+        <a:scrgbClr r="0" g="0" b="0"/>
+      </a:lnRef>
+      <a:fillRef idx="1">
+        <a:scrgbClr r="0" g="0" b="0"/>
+      </a:fillRef>
+      <a:effectRef idx="0">
+        <a:scrgbClr r="0" g="0" b="0"/>
+      </a:effectRef>
+      <a:fontRef idx="minor"/>
+    </dgm:style>
+  </dgm:styleLbl>
+  <dgm:styleLbl name="solidAlignAcc1">
+    <dgm:scene3d>
+      <a:camera prst="orthographicFront">
+        <a:rot lat="0" lon="0" rev="0"/>
+      </a:camera>
+      <a:lightRig rig="contrasting" dir="t">
+        <a:rot lat="0" lon="0" rev="1200000"/>
+      </a:lightRig>
+    </dgm:scene3d>
+    <dgm:sp3d contourW="19050" prstMaterial="metal">
+      <a:bevelT w="88900" h="203200"/>
+      <a:bevelB w="165100" h="254000"/>
+    </dgm:sp3d>
+    <dgm:txPr/>
+    <dgm:style>
+      <a:lnRef idx="0">
+        <a:scrgbClr r="0" g="0" b="0"/>
+      </a:lnRef>
+      <a:fillRef idx="1">
+        <a:scrgbClr r="0" g="0" b="0"/>
+      </a:fillRef>
+      <a:effectRef idx="0">
+        <a:scrgbClr r="0" g="0" b="0"/>
+      </a:effectRef>
+      <a:fontRef idx="minor"/>
+    </dgm:style>
+  </dgm:styleLbl>
+  <dgm:styleLbl name="solidBgAcc1">
+    <dgm:scene3d>
+      <a:camera prst="orthographicFront">
+        <a:rot lat="0" lon="0" rev="0"/>
+      </a:camera>
+      <a:lightRig rig="contrasting" dir="t">
+        <a:rot lat="0" lon="0" rev="1200000"/>
+      </a:lightRig>
+    </dgm:scene3d>
+    <dgm:sp3d z="-300000" contourW="19050" prstMaterial="metal">
+      <a:bevelT w="88900" h="203200"/>
+      <a:bevelB w="165100" h="254000"/>
+    </dgm:sp3d>
+    <dgm:txPr/>
+    <dgm:style>
+      <a:lnRef idx="0">
+        <a:scrgbClr r="0" g="0" b="0"/>
+      </a:lnRef>
+      <a:fillRef idx="1">
+        <a:scrgbClr r="0" g="0" b="0"/>
+      </a:fillRef>
+      <a:effectRef idx="0">
+        <a:scrgbClr r="0" g="0" b="0"/>
+      </a:effectRef>
+      <a:fontRef idx="minor"/>
+    </dgm:style>
+  </dgm:styleLbl>
+  <dgm:styleLbl name="fgAccFollowNode1">
+    <dgm:scene3d>
+      <a:camera prst="orthographicFront">
+        <a:rot lat="0" lon="0" rev="0"/>
+      </a:camera>
+      <a:lightRig rig="contrasting" dir="t">
+        <a:rot lat="0" lon="0" rev="1200000"/>
+      </a:lightRig>
+    </dgm:scene3d>
+    <dgm:sp3d z="300000" contourW="19050" prstMaterial="metal">
+      <a:bevelT w="88900" h="203200"/>
+      <a:bevelB w="165100" h="254000"/>
+    </dgm:sp3d>
+    <dgm:txPr/>
+    <dgm:style>
+      <a:lnRef idx="0">
+        <a:scrgbClr r="0" g="0" b="0"/>
+      </a:lnRef>
+      <a:fillRef idx="1">
+        <a:scrgbClr r="0" g="0" b="0"/>
+      </a:fillRef>
+      <a:effectRef idx="0">
+        <a:scrgbClr r="0" g="0" b="0"/>
+      </a:effectRef>
+      <a:fontRef idx="minor"/>
+    </dgm:style>
+  </dgm:styleLbl>
+  <dgm:styleLbl name="alignAccFollowNode1">
+    <dgm:scene3d>
+      <a:camera prst="orthographicFront">
+        <a:rot lat="0" lon="0" rev="0"/>
+      </a:camera>
+      <a:lightRig rig="contrasting" dir="t">
+        <a:rot lat="0" lon="0" rev="1200000"/>
+      </a:lightRig>
+    </dgm:scene3d>
+    <dgm:sp3d contourW="19050" prstMaterial="metal">
+      <a:bevelT w="88900" h="203200"/>
+      <a:bevelB w="165100" h="254000"/>
+    </dgm:sp3d>
+    <dgm:txPr/>
+    <dgm:style>
+      <a:lnRef idx="0">
+        <a:scrgbClr r="0" g="0" b="0"/>
+      </a:lnRef>
+      <a:fillRef idx="1">
+        <a:scrgbClr r="0" g="0" b="0"/>
+      </a:fillRef>
+      <a:effectRef idx="0">
+        <a:scrgbClr r="0" g="0" b="0"/>
+      </a:effectRef>
+      <a:fontRef idx="minor"/>
+    </dgm:style>
+  </dgm:styleLbl>
+  <dgm:styleLbl name="bgAccFollowNode1">
+    <dgm:scene3d>
+      <a:camera prst="orthographicFront">
+        <a:rot lat="0" lon="0" rev="0"/>
+      </a:camera>
+      <a:lightRig rig="contrasting" dir="t">
+        <a:rot lat="0" lon="0" rev="1200000"/>
+      </a:lightRig>
+    </dgm:scene3d>
+    <dgm:sp3d z="-300000" contourW="19050" prstMaterial="metal">
+      <a:bevelT w="88900" h="203200"/>
+      <a:bevelB w="165100" h="254000"/>
+    </dgm:sp3d>
+    <dgm:txPr/>
+    <dgm:style>
+      <a:lnRef idx="0">
+        <a:scrgbClr r="0" g="0" b="0"/>
+      </a:lnRef>
+      <a:fillRef idx="1">
+        <a:scrgbClr r="0" g="0" b="0"/>
+      </a:fillRef>
+      <a:effectRef idx="0">
+        <a:scrgbClr r="0" g="0" b="0"/>
+      </a:effectRef>
+      <a:fontRef idx="minor"/>
+    </dgm:style>
+  </dgm:styleLbl>
+  <dgm:styleLbl name="fgAcc0">
+    <dgm:scene3d>
+      <a:camera prst="orthographicFront">
+        <a:rot lat="0" lon="0" rev="0"/>
+      </a:camera>
+      <a:lightRig rig="contrasting" dir="t">
+        <a:rot lat="0" lon="0" rev="1200000"/>
+      </a:lightRig>
+    </dgm:scene3d>
+    <dgm:sp3d z="300000" contourW="19050" prstMaterial="metal">
+      <a:bevelT w="88900" h="203200"/>
+      <a:bevelB w="165100" h="254000"/>
+    </dgm:sp3d>
+    <dgm:txPr/>
+    <dgm:style>
+      <a:lnRef idx="0">
+        <a:scrgbClr r="0" g="0" b="0"/>
+      </a:lnRef>
+      <a:fillRef idx="1">
+        <a:scrgbClr r="0" g="0" b="0"/>
+      </a:fillRef>
+      <a:effectRef idx="0">
+        <a:scrgbClr r="0" g="0" b="0"/>
+      </a:effectRef>
+      <a:fontRef idx="minor"/>
+    </dgm:style>
+  </dgm:styleLbl>
+  <dgm:styleLbl name="fgAcc2">
+    <dgm:scene3d>
+      <a:camera prst="orthographicFront">
+        <a:rot lat="0" lon="0" rev="0"/>
+      </a:camera>
+      <a:lightRig rig="contrasting" dir="t">
+        <a:rot lat="0" lon="0" rev="1200000"/>
+      </a:lightRig>
+    </dgm:scene3d>
+    <dgm:sp3d z="300000" contourW="19050" prstMaterial="metal">
+      <a:bevelT w="88900" h="203200"/>
+      <a:bevelB w="165100" h="254000"/>
+    </dgm:sp3d>
+    <dgm:txPr/>
+    <dgm:style>
+      <a:lnRef idx="0">
+        <a:scrgbClr r="0" g="0" b="0"/>
+      </a:lnRef>
+      <a:fillRef idx="1">
+        <a:scrgbClr r="0" g="0" b="0"/>
+      </a:fillRef>
+      <a:effectRef idx="0">
+        <a:scrgbClr r="0" g="0" b="0"/>
+      </a:effectRef>
+      <a:fontRef idx="minor"/>
+    </dgm:style>
+  </dgm:styleLbl>
+  <dgm:styleLbl name="fgAcc3">
+    <dgm:scene3d>
+      <a:camera prst="orthographicFront">
+        <a:rot lat="0" lon="0" rev="0"/>
+      </a:camera>
+      <a:lightRig rig="contrasting" dir="t">
+        <a:rot lat="0" lon="0" rev="1200000"/>
+      </a:lightRig>
+    </dgm:scene3d>
+    <dgm:sp3d z="300000" contourW="19050" prstMaterial="metal">
+      <a:bevelT w="88900" h="203200"/>
+      <a:bevelB w="165100" h="254000"/>
+    </dgm:sp3d>
+    <dgm:txPr/>
+    <dgm:style>
+      <a:lnRef idx="0">
+        <a:scrgbClr r="0" g="0" b="0"/>
+      </a:lnRef>
+      <a:fillRef idx="1">
+        <a:scrgbClr r="0" g="0" b="0"/>
+      </a:fillRef>
+      <a:effectRef idx="0">
+        <a:scrgbClr r="0" g="0" b="0"/>
+      </a:effectRef>
+      <a:fontRef idx="minor"/>
+    </dgm:style>
+  </dgm:styleLbl>
+  <dgm:styleLbl name="fgAcc4">
+    <dgm:scene3d>
+      <a:camera prst="orthographicFront">
+        <a:rot lat="0" lon="0" rev="0"/>
+      </a:camera>
+      <a:lightRig rig="contrasting" dir="t">
+        <a:rot lat="0" lon="0" rev="1200000"/>
+      </a:lightRig>
+    </dgm:scene3d>
+    <dgm:sp3d z="300000" contourW="19050" prstMaterial="metal">
+      <a:bevelT w="88900" h="203200"/>
+      <a:bevelB w="165100" h="254000"/>
+    </dgm:sp3d>
+    <dgm:txPr/>
+    <dgm:style>
+      <a:lnRef idx="0">
+        <a:scrgbClr r="0" g="0" b="0"/>
+      </a:lnRef>
+      <a:fillRef idx="1">
+        <a:scrgbClr r="0" g="0" b="0"/>
+      </a:fillRef>
+      <a:effectRef idx="0">
+        <a:scrgbClr r="0" g="0" b="0"/>
+      </a:effectRef>
+      <a:fontRef idx="minor"/>
+    </dgm:style>
+  </dgm:styleLbl>
+  <dgm:styleLbl name="bgShp">
+    <dgm:scene3d>
+      <a:camera prst="orthographicFront">
+        <a:rot lat="0" lon="0" rev="0"/>
+      </a:camera>
+      <a:lightRig rig="contrasting" dir="t">
+        <a:rot lat="0" lon="0" rev="1200000"/>
+      </a:lightRig>
+    </dgm:scene3d>
+    <dgm:sp3d z="-300000" prstMaterial="plastic"/>
+    <dgm:txPr/>
+    <dgm:style>
+      <a:lnRef idx="1">
+        <a:scrgbClr r="0" g="0" b="0"/>
+      </a:lnRef>
+      <a:fillRef idx="1">
+        <a:scrgbClr r="0" g="0" b="0"/>
+      </a:fillRef>
+      <a:effectRef idx="0">
+        <a:scrgbClr r="0" g="0" b="0"/>
+      </a:effectRef>
+      <a:fontRef idx="minor"/>
+    </dgm:style>
+  </dgm:styleLbl>
+  <dgm:styleLbl name="dkBgShp">
+    <dgm:scene3d>
+      <a:camera prst="orthographicFront">
+        <a:rot lat="0" lon="0" rev="0"/>
+      </a:camera>
+      <a:lightRig rig="contrasting" dir="t">
+        <a:rot lat="0" lon="0" rev="1200000"/>
+      </a:lightRig>
+    </dgm:scene3d>
+    <dgm:sp3d contourW="12700" prstMaterial="flat">
+      <a:bevelT w="100800" h="154000"/>
+      <a:bevelB w="152400"/>
+    </dgm:sp3d>
+    <dgm:txPr/>
+    <dgm:style>
+      <a:lnRef idx="0">
+        <a:scrgbClr r="0" g="0" b="0"/>
+      </a:lnRef>
+      <a:fillRef idx="1">
+        <a:scrgbClr r="0" g="0" b="0"/>
+      </a:fillRef>
+      <a:effectRef idx="0">
+        <a:scrgbClr r="0" g="0" b="0"/>
+      </a:effectRef>
+      <a:fontRef idx="minor"/>
+    </dgm:style>
+  </dgm:styleLbl>
+  <dgm:styleLbl name="trBgShp">
+    <dgm:scene3d>
+      <a:camera prst="orthographicFront">
+        <a:rot lat="0" lon="0" rev="0"/>
+      </a:camera>
+      <a:lightRig rig="contrasting" dir="t">
+        <a:rot lat="0" lon="0" rev="1200000"/>
+      </a:lightRig>
+    </dgm:scene3d>
+    <dgm:sp3d z="-152400" prstMaterial="matte"/>
+    <dgm:txPr/>
+    <dgm:style>
+      <a:lnRef idx="1">
+        <a:scrgbClr r="0" g="0" b="0"/>
+      </a:lnRef>
+      <a:fillRef idx="1">
+        <a:scrgbClr r="0" g="0" b="0"/>
+      </a:fillRef>
+      <a:effectRef idx="0">
+        <a:scrgbClr r="0" g="0" b="0"/>
+      </a:effectRef>
+      <a:fontRef idx="minor"/>
+    </dgm:style>
+  </dgm:styleLbl>
+  <dgm:styleLbl name="fgShp">
+    <dgm:scene3d>
+      <a:camera prst="orthographicFront">
+        <a:rot lat="0" lon="0" rev="0"/>
+      </a:camera>
+      <a:lightRig rig="contrasting" dir="t">
+        <a:rot lat="0" lon="0" rev="1200000"/>
+      </a:lightRig>
+    </dgm:scene3d>
+    <dgm:sp3d z="300000" contourW="19050" prstMaterial="metal">
+      <a:bevelT w="88900" h="203200"/>
+      <a:bevelB w="165100" h="254000"/>
+    </dgm:sp3d>
+    <dgm:txPr/>
+    <dgm:style>
+      <a:lnRef idx="0">
+        <a:scrgbClr r="0" g="0" b="0"/>
+      </a:lnRef>
+      <a:fillRef idx="1">
+        <a:scrgbClr r="0" g="0" b="0"/>
+      </a:fillRef>
+      <a:effectRef idx="0">
+        <a:scrgbClr r="0" g="0" b="0"/>
+      </a:effectRef>
+      <a:fontRef idx="minor"/>
+    </dgm:style>
+  </dgm:styleLbl>
+  <dgm:styleLbl name="revTx">
+    <dgm:scene3d>
+      <a:camera prst="orthographicFront"/>
+      <a:lightRig rig="threePt" dir="t"/>
+    </dgm:scene3d>
+    <dgm:sp3d/>
+    <dgm:txPr/>
+    <dgm:style>
+      <a:lnRef idx="1">
+        <a:scrgbClr r="0" g="0" b="0"/>
+      </a:lnRef>
+      <a:fillRef idx="0">
+        <a:scrgbClr r="0" g="0" b="0"/>
+      </a:fillRef>
+      <a:effectRef idx="0">
+        <a:scrgbClr r="0" g="0" b="0"/>
+      </a:effectRef>
+      <a:fontRef idx="minor"/>
+    </dgm:style>
+  </dgm:styleLbl>
+</dgm:styleDef>
+</file>
+
 <file path=ppt/slideLayouts/slideLayout1.xml><?xml version="1.0" encoding="utf-8"?>
 <p:sldLayout xmlns:a="http://schemas.openxmlformats.org/drawingml/2006/main" xmlns:r="http://schemas.openxmlformats.org/officeDocument/2006/relationships" xmlns:p="http://schemas.openxmlformats.org/presentationml/2006/main" type="title" preserve="1">
   <p:cSld name="Title Slide">
@@ -390,7 +4713,7 @@
           <a:p>
             <a:fld id="{1D6AAEF1-BB65-438A-947A-6BD8EC392D5A}" type="datetimeFigureOut">
               <a:rPr lang="en-US" smtClean="0"/>
-              <a:t>11/26/2020</a:t>
+              <a:t>1/7/2021</a:t>
             </a:fld>
             <a:endParaRPr lang="en-US"/>
           </a:p>
@@ -588,7 +4911,7 @@
           <a:p>
             <a:fld id="{1D6AAEF1-BB65-438A-947A-6BD8EC392D5A}" type="datetimeFigureOut">
               <a:rPr lang="en-US" smtClean="0"/>
-              <a:t>11/26/2020</a:t>
+              <a:t>1/7/2021</a:t>
             </a:fld>
             <a:endParaRPr lang="en-US"/>
           </a:p>
@@ -796,7 +5119,7 @@
           <a:p>
             <a:fld id="{1D6AAEF1-BB65-438A-947A-6BD8EC392D5A}" type="datetimeFigureOut">
               <a:rPr lang="en-US" smtClean="0"/>
-              <a:t>11/26/2020</a:t>
+              <a:t>1/7/2021</a:t>
             </a:fld>
             <a:endParaRPr lang="en-US"/>
           </a:p>
@@ -994,7 +5317,7 @@
           <a:p>
             <a:fld id="{1D6AAEF1-BB65-438A-947A-6BD8EC392D5A}" type="datetimeFigureOut">
               <a:rPr lang="en-US" smtClean="0"/>
-              <a:t>11/26/2020</a:t>
+              <a:t>1/7/2021</a:t>
             </a:fld>
             <a:endParaRPr lang="en-US"/>
           </a:p>
@@ -1269,7 +5592,7 @@
           <a:p>
             <a:fld id="{1D6AAEF1-BB65-438A-947A-6BD8EC392D5A}" type="datetimeFigureOut">
               <a:rPr lang="en-US" smtClean="0"/>
-              <a:t>11/26/2020</a:t>
+              <a:t>1/7/2021</a:t>
             </a:fld>
             <a:endParaRPr lang="en-US"/>
           </a:p>
@@ -1534,7 +5857,7 @@
           <a:p>
             <a:fld id="{1D6AAEF1-BB65-438A-947A-6BD8EC392D5A}" type="datetimeFigureOut">
               <a:rPr lang="en-US" smtClean="0"/>
-              <a:t>11/26/2020</a:t>
+              <a:t>1/7/2021</a:t>
             </a:fld>
             <a:endParaRPr lang="en-US"/>
           </a:p>
@@ -1946,7 +6269,7 @@
           <a:p>
             <a:fld id="{1D6AAEF1-BB65-438A-947A-6BD8EC392D5A}" type="datetimeFigureOut">
               <a:rPr lang="en-US" smtClean="0"/>
-              <a:t>11/26/2020</a:t>
+              <a:t>1/7/2021</a:t>
             </a:fld>
             <a:endParaRPr lang="en-US"/>
           </a:p>
@@ -2087,7 +6410,7 @@
           <a:p>
             <a:fld id="{1D6AAEF1-BB65-438A-947A-6BD8EC392D5A}" type="datetimeFigureOut">
               <a:rPr lang="en-US" smtClean="0"/>
-              <a:t>11/26/2020</a:t>
+              <a:t>1/7/2021</a:t>
             </a:fld>
             <a:endParaRPr lang="en-US"/>
           </a:p>
@@ -2200,7 +6523,7 @@
           <a:p>
             <a:fld id="{1D6AAEF1-BB65-438A-947A-6BD8EC392D5A}" type="datetimeFigureOut">
               <a:rPr lang="en-US" smtClean="0"/>
-              <a:t>11/26/2020</a:t>
+              <a:t>1/7/2021</a:t>
             </a:fld>
             <a:endParaRPr lang="en-US"/>
           </a:p>
@@ -2511,7 +6834,7 @@
           <a:p>
             <a:fld id="{1D6AAEF1-BB65-438A-947A-6BD8EC392D5A}" type="datetimeFigureOut">
               <a:rPr lang="en-US" smtClean="0"/>
-              <a:t>11/26/2020</a:t>
+              <a:t>1/7/2021</a:t>
             </a:fld>
             <a:endParaRPr lang="en-US"/>
           </a:p>
@@ -2799,7 +7122,7 @@
           <a:p>
             <a:fld id="{1D6AAEF1-BB65-438A-947A-6BD8EC392D5A}" type="datetimeFigureOut">
               <a:rPr lang="en-US" smtClean="0"/>
-              <a:t>11/26/2020</a:t>
+              <a:t>1/7/2021</a:t>
             </a:fld>
             <a:endParaRPr lang="en-US"/>
           </a:p>
@@ -3040,7 +7363,7 @@
           <a:p>
             <a:fld id="{1D6AAEF1-BB65-438A-947A-6BD8EC392D5A}" type="datetimeFigureOut">
               <a:rPr lang="en-US" smtClean="0"/>
-              <a:t>11/26/2020</a:t>
+              <a:t>1/7/2021</a:t>
             </a:fld>
             <a:endParaRPr lang="en-US"/>
           </a:p>
@@ -3637,8 +7960,8 @@
           </a:p>
         </p:txBody>
       </p:sp>
-      <mc:AlternateContent xmlns:mc="http://schemas.openxmlformats.org/markup-compatibility/2006">
-        <mc:Choice xmlns:a14="http://schemas.microsoft.com/office/drawing/2010/main" Requires="a14">
+      <mc:AlternateContent xmlns:mc="http://schemas.openxmlformats.org/markup-compatibility/2006" xmlns:a14="http://schemas.microsoft.com/office/drawing/2010/main">
+        <mc:Choice Requires="a14">
           <p:sp>
             <p:nvSpPr>
               <p:cNvPr id="3" name="Content Placeholder 2">
@@ -3657,13 +7980,13 @@
             </p:nvSpPr>
             <p:spPr>
               <a:xfrm>
-                <a:off x="838200" y="1509742"/>
-                <a:ext cx="10515600" cy="4351338"/>
+                <a:off x="0" y="1509742"/>
+                <a:ext cx="7231224" cy="4351338"/>
               </a:xfrm>
             </p:spPr>
             <p:txBody>
               <a:bodyPr>
-                <a:normAutofit fontScale="92500" lnSpcReduction="20000"/>
+                <a:normAutofit fontScale="62500" lnSpcReduction="20000"/>
               </a:bodyPr>
               <a:lstStyle/>
               <a:p>
@@ -3671,6 +7994,12 @@
                   <a:rPr lang="en-US" dirty="0"/>
                   <a:t>Chromatic Dispersion Model:</a:t>
                 </a:r>
+              </a:p>
+              <a:p>
+                <a:pPr marL="0" indent="0">
+                  <a:buNone/>
+                </a:pPr>
+                <a:endParaRPr lang="en-US" dirty="0"/>
               </a:p>
               <a:p>
                 <a:pPr marL="0" indent="0">
@@ -3753,6 +8082,12 @@
                 <a:pPr marL="0" indent="0">
                   <a:buNone/>
                 </a:pPr>
+                <a:endParaRPr lang="en-US" dirty="0"/>
+              </a:p>
+              <a:p>
+                <a:pPr marL="0" indent="0">
+                  <a:buNone/>
+                </a:pPr>
                 <a:r>
                   <a:rPr lang="en-US" dirty="0"/>
                   <a:t> </a:t>
@@ -3771,7 +8106,7 @@
                     <m:d>
                       <m:dPr>
                         <m:ctrlPr>
-                          <a:rPr lang="en-US" b="0" i="0" smtClean="0">
+                          <a:rPr lang="en-US" b="0" i="1" smtClean="0">
                             <a:latin typeface="Cambria Math" panose="02040503050406030204" pitchFamily="18" charset="0"/>
                           </a:rPr>
                         </m:ctrlPr>
@@ -4087,6 +8422,9 @@
                 <a:endParaRPr lang="en-US" dirty="0"/>
               </a:p>
               <a:p>
+                <a:pPr marL="0" indent="0">
+                  <a:buNone/>
+                </a:pPr>
                 <a:endParaRPr lang="en-US" dirty="0"/>
               </a:p>
               <a:p>
@@ -4094,6 +8432,12 @@
                   <a:rPr lang="en-US" dirty="0"/>
                   <a:t>Least Squares Filter:</a:t>
                 </a:r>
+              </a:p>
+              <a:p>
+                <a:pPr marL="0" indent="0">
+                  <a:buNone/>
+                </a:pPr>
+                <a:endParaRPr lang="en-US" dirty="0"/>
               </a:p>
               <a:p>
                 <a:pPr marL="0" indent="0">
@@ -4643,7 +8987,7 @@
             </p:txBody>
           </p:sp>
         </mc:Choice>
-        <mc:Fallback>
+        <mc:Fallback xmlns="">
           <p:sp>
             <p:nvSpPr>
               <p:cNvPr id="3" name="Content Placeholder 2">
@@ -4662,13 +9006,13 @@
             </p:nvSpPr>
             <p:spPr>
               <a:xfrm>
-                <a:off x="838200" y="1509742"/>
-                <a:ext cx="10515600" cy="4351338"/>
+                <a:off x="0" y="1509742"/>
+                <a:ext cx="7231224" cy="4351338"/>
               </a:xfrm>
               <a:blipFill>
                 <a:blip r:embed="rId2"/>
                 <a:stretch>
-                  <a:fillRect l="-1043" t="-3647"/>
+                  <a:fillRect l="-675" t="-2384"/>
                 </a:stretch>
               </a:blipFill>
             </p:spPr>
@@ -4687,10 +9031,1239 @@
           </p:sp>
         </mc:Fallback>
       </mc:AlternateContent>
+      <p:sp>
+        <p:nvSpPr>
+          <p:cNvPr id="4" name="TextBox 3">
+            <a:extLst>
+              <a:ext uri="{FF2B5EF4-FFF2-40B4-BE49-F238E27FC236}">
+                <a16:creationId xmlns:a16="http://schemas.microsoft.com/office/drawing/2014/main" id="{6C2BA266-FB90-41A5-9AA6-778D08FD10B8}"/>
+              </a:ext>
+            </a:extLst>
+          </p:cNvPr>
+          <p:cNvSpPr txBox="1"/>
+          <p:nvPr/>
+        </p:nvSpPr>
+        <p:spPr>
+          <a:xfrm>
+            <a:off x="838200" y="6123543"/>
+            <a:ext cx="9321282" cy="646331"/>
+          </a:xfrm>
+          <a:prstGeom prst="rect">
+            <a:avLst/>
+          </a:prstGeom>
+          <a:noFill/>
+        </p:spPr>
+        <p:txBody>
+          <a:bodyPr wrap="square" rtlCol="0">
+            <a:spAutoFit/>
+          </a:bodyPr>
+          <a:lstStyle/>
+          <a:p>
+            <a:r>
+              <a:rPr lang="en-US" dirty="0"/>
+              <a:t>Unable to implement </a:t>
+            </a:r>
+            <a:r>
+              <a:rPr lang="el-GR" dirty="0"/>
+              <a:t>ω</a:t>
+            </a:r>
+            <a:r>
+              <a:rPr lang="en-US" dirty="0"/>
+              <a:t> as a vector correctly, do not know how to get the taps for an impulse response for the CD Model</a:t>
+            </a:r>
+          </a:p>
+        </p:txBody>
+      </p:sp>
+      <p:sp>
+        <p:nvSpPr>
+          <p:cNvPr id="6" name="TextBox 5">
+            <a:extLst>
+              <a:ext uri="{FF2B5EF4-FFF2-40B4-BE49-F238E27FC236}">
+                <a16:creationId xmlns:a16="http://schemas.microsoft.com/office/drawing/2014/main" id="{24CB0AAD-F77F-4265-86BD-F0E4E3FEAFA5}"/>
+              </a:ext>
+            </a:extLst>
+          </p:cNvPr>
+          <p:cNvSpPr txBox="1"/>
+          <p:nvPr/>
+        </p:nvSpPr>
+        <p:spPr>
+          <a:xfrm>
+            <a:off x="11253923" y="6492875"/>
+            <a:ext cx="938077" cy="369332"/>
+          </a:xfrm>
+          <a:prstGeom prst="rect">
+            <a:avLst/>
+          </a:prstGeom>
+          <a:noFill/>
+        </p:spPr>
+        <p:txBody>
+          <a:bodyPr wrap="none" rtlCol="0">
+            <a:spAutoFit/>
+          </a:bodyPr>
+          <a:lstStyle/>
+          <a:p>
+            <a:r>
+              <a:rPr lang="en-US" dirty="0" err="1"/>
+              <a:t>Wk</a:t>
+            </a:r>
+            <a:r>
+              <a:rPr lang="en-US" dirty="0"/>
+              <a:t> 6&amp;7</a:t>
+            </a:r>
+          </a:p>
+        </p:txBody>
+      </p:sp>
+      <p:pic>
+        <p:nvPicPr>
+          <p:cNvPr id="7" name="Picture 6">
+            <a:extLst>
+              <a:ext uri="{FF2B5EF4-FFF2-40B4-BE49-F238E27FC236}">
+                <a16:creationId xmlns:a16="http://schemas.microsoft.com/office/drawing/2014/main" id="{6350358C-1F6E-47AF-90D2-8C89255D7D39}"/>
+              </a:ext>
+            </a:extLst>
+          </p:cNvPr>
+          <p:cNvPicPr>
+            <a:picLocks noChangeAspect="1"/>
+          </p:cNvPicPr>
+          <p:nvPr/>
+        </p:nvPicPr>
+        <p:blipFill>
+          <a:blip r:embed="rId3"/>
+          <a:stretch>
+            <a:fillRect/>
+          </a:stretch>
+        </p:blipFill>
+        <p:spPr>
+          <a:xfrm>
+            <a:off x="6764499" y="543411"/>
+            <a:ext cx="5427501" cy="4111982"/>
+          </a:xfrm>
+          <a:prstGeom prst="rect">
+            <a:avLst/>
+          </a:prstGeom>
+        </p:spPr>
+      </p:pic>
     </p:spTree>
     <p:extLst>
       <p:ext uri="{BB962C8B-B14F-4D97-AF65-F5344CB8AC3E}">
         <p14:creationId xmlns:p14="http://schemas.microsoft.com/office/powerpoint/2010/main" val="1768451308"/>
+      </p:ext>
+    </p:extLst>
+  </p:cSld>
+  <p:clrMapOvr>
+    <a:masterClrMapping/>
+  </p:clrMapOvr>
+</p:sld>
+</file>
+
+<file path=ppt/slides/slide11.xml><?xml version="1.0" encoding="utf-8"?>
+<p:sld xmlns:a="http://schemas.openxmlformats.org/drawingml/2006/main" xmlns:r="http://schemas.openxmlformats.org/officeDocument/2006/relationships" xmlns:p="http://schemas.openxmlformats.org/presentationml/2006/main">
+  <p:cSld>
+    <p:bg>
+      <p:bgPr>
+        <a:solidFill>
+          <a:schemeClr val="bg1"/>
+        </a:solidFill>
+        <a:effectLst/>
+      </p:bgPr>
+    </p:bg>
+    <p:spTree>
+      <p:nvGrpSpPr>
+        <p:cNvPr id="1" name=""/>
+        <p:cNvGrpSpPr/>
+        <p:nvPr/>
+      </p:nvGrpSpPr>
+      <p:grpSpPr>
+        <a:xfrm>
+          <a:off x="0" y="0"/>
+          <a:ext cx="0" cy="0"/>
+          <a:chOff x="0" y="0"/>
+          <a:chExt cx="0" cy="0"/>
+        </a:xfrm>
+      </p:grpSpPr>
+      <p:sp useBgFill="1">
+        <p:nvSpPr>
+          <p:cNvPr id="14" name="Rectangle 13">
+            <a:extLst>
+              <a:ext uri="{FF2B5EF4-FFF2-40B4-BE49-F238E27FC236}">
+                <a16:creationId xmlns:a16="http://schemas.microsoft.com/office/drawing/2014/main" id="{614141FC-8189-47F8-821A-FC9A4E91E039}"/>
+              </a:ext>
+              <a:ext uri="{C183D7F6-B498-43B3-948B-1728B52AA6E4}">
+                <adec:decorative xmlns:adec="http://schemas.microsoft.com/office/drawing/2017/decorative" val="1"/>
+              </a:ext>
+            </a:extLst>
+          </p:cNvPr>
+          <p:cNvSpPr>
+            <a:spLocks noGrp="1" noRot="1" noChangeAspect="1" noMove="1" noResize="1" noEditPoints="1" noAdjustHandles="1" noChangeArrowheads="1" noChangeShapeType="1" noTextEdit="1"/>
+          </p:cNvSpPr>
+          <p:nvPr>
+            <p:extLst>
+              <p:ext uri="{386F3935-93C4-4BCD-93E2-E3B085C9AB24}">
+                <p16:designElem xmlns:p16="http://schemas.microsoft.com/office/powerpoint/2015/main" val="1"/>
+              </p:ext>
+            </p:extLst>
+          </p:nvPr>
+        </p:nvSpPr>
+        <p:spPr>
+          <a:xfrm>
+            <a:off x="0" y="0"/>
+            <a:ext cx="12192000" cy="6858000"/>
+          </a:xfrm>
+          <a:prstGeom prst="rect">
+            <a:avLst/>
+          </a:prstGeom>
+          <a:ln>
+            <a:noFill/>
+          </a:ln>
+        </p:spPr>
+        <p:style>
+          <a:lnRef idx="2">
+            <a:schemeClr val="accent1">
+              <a:shade val="50000"/>
+            </a:schemeClr>
+          </a:lnRef>
+          <a:fillRef idx="1">
+            <a:schemeClr val="accent1"/>
+          </a:fillRef>
+          <a:effectRef idx="0">
+            <a:schemeClr val="accent1"/>
+          </a:effectRef>
+          <a:fontRef idx="minor">
+            <a:schemeClr val="lt1"/>
+          </a:fontRef>
+        </p:style>
+        <p:txBody>
+          <a:bodyPr rtlCol="0" anchor="ctr"/>
+          <a:lstStyle/>
+          <a:p>
+            <a:pPr algn="ctr"/>
+            <a:endParaRPr lang="en-US"/>
+          </a:p>
+        </p:txBody>
+      </p:sp>
+      <p:sp useBgFill="1">
+        <p:nvSpPr>
+          <p:cNvPr id="16" name="Rectangle 15">
+            <a:extLst>
+              <a:ext uri="{FF2B5EF4-FFF2-40B4-BE49-F238E27FC236}">
+                <a16:creationId xmlns:a16="http://schemas.microsoft.com/office/drawing/2014/main" id="{C062E60F-5CD4-4268-8359-8076634680E5}"/>
+              </a:ext>
+              <a:ext uri="{C183D7F6-B498-43B3-948B-1728B52AA6E4}">
+                <adec:decorative xmlns:adec="http://schemas.microsoft.com/office/drawing/2017/decorative" val="1"/>
+              </a:ext>
+            </a:extLst>
+          </p:cNvPr>
+          <p:cNvSpPr>
+            <a:spLocks noGrp="1" noRot="1" noChangeAspect="1" noMove="1" noResize="1" noEditPoints="1" noAdjustHandles="1" noChangeArrowheads="1" noChangeShapeType="1" noTextEdit="1"/>
+          </p:cNvSpPr>
+          <p:nvPr>
+            <p:extLst>
+              <p:ext uri="{386F3935-93C4-4BCD-93E2-E3B085C9AB24}">
+                <p16:designElem xmlns:p16="http://schemas.microsoft.com/office/powerpoint/2015/main" val="1"/>
+              </p:ext>
+            </p:extLst>
+          </p:nvPr>
+        </p:nvSpPr>
+        <p:spPr>
+          <a:xfrm>
+            <a:off x="554416" y="288350"/>
+            <a:ext cx="11167447" cy="2089317"/>
+          </a:xfrm>
+          <a:prstGeom prst="rect">
+            <a:avLst/>
+          </a:prstGeom>
+          <a:ln w="12700">
+            <a:solidFill>
+              <a:srgbClr val="DEDEDE"/>
+            </a:solidFill>
+          </a:ln>
+          <a:effectLst>
+            <a:outerShdw blurRad="50800" dist="38100" dir="2700000" algn="tl" rotWithShape="0">
+              <a:schemeClr val="bg2">
+                <a:lumMod val="85000"/>
+                <a:alpha val="50000"/>
+              </a:schemeClr>
+            </a:outerShdw>
+          </a:effectLst>
+        </p:spPr>
+        <p:style>
+          <a:lnRef idx="2">
+            <a:schemeClr val="accent1">
+              <a:shade val="50000"/>
+            </a:schemeClr>
+          </a:lnRef>
+          <a:fillRef idx="1">
+            <a:schemeClr val="accent1"/>
+          </a:fillRef>
+          <a:effectRef idx="0">
+            <a:schemeClr val="accent1"/>
+          </a:effectRef>
+          <a:fontRef idx="minor">
+            <a:schemeClr val="lt1"/>
+          </a:fontRef>
+        </p:style>
+        <p:txBody>
+          <a:bodyPr rtlCol="0" anchor="ctr"/>
+          <a:lstStyle/>
+          <a:p>
+            <a:pPr marL="0" marR="0" lvl="0" indent="0" algn="ctr" defTabSz="914400" rtl="0" eaLnBrk="1" fontAlgn="auto" latinLnBrk="0" hangingPunct="1">
+              <a:lnSpc>
+                <a:spcPct val="100000"/>
+              </a:lnSpc>
+              <a:spcBef>
+                <a:spcPts val="0"/>
+              </a:spcBef>
+              <a:spcAft>
+                <a:spcPts val="0"/>
+              </a:spcAft>
+              <a:buClrTx/>
+              <a:buSzTx/>
+              <a:buFontTx/>
+              <a:buNone/>
+              <a:tabLst/>
+              <a:defRPr/>
+            </a:pPr>
+            <a:endParaRPr kumimoji="0" lang="en-US" sz="1800" b="0" i="0" u="none" strike="noStrike" kern="1200" cap="none" spc="0" normalizeH="0" baseline="0" noProof="0">
+              <a:ln>
+                <a:noFill/>
+              </a:ln>
+              <a:solidFill>
+                <a:prstClr val="white"/>
+              </a:solidFill>
+              <a:effectLst/>
+              <a:uLnTx/>
+              <a:uFillTx/>
+              <a:latin typeface="Calibri" panose="020F0502020204030204"/>
+              <a:ea typeface="+mn-ea"/>
+              <a:cs typeface="+mn-cs"/>
+            </a:endParaRPr>
+          </a:p>
+        </p:txBody>
+      </p:sp>
+      <p:sp>
+        <p:nvSpPr>
+          <p:cNvPr id="2" name="Title 1">
+            <a:extLst>
+              <a:ext uri="{FF2B5EF4-FFF2-40B4-BE49-F238E27FC236}">
+                <a16:creationId xmlns:a16="http://schemas.microsoft.com/office/drawing/2014/main" id="{CDA5F6B7-00D9-45BC-B9BE-B4676D88CD79}"/>
+              </a:ext>
+            </a:extLst>
+          </p:cNvPr>
+          <p:cNvSpPr>
+            <a:spLocks noGrp="1"/>
+          </p:cNvSpPr>
+          <p:nvPr>
+            <p:ph type="title"/>
+          </p:nvPr>
+        </p:nvSpPr>
+        <p:spPr>
+          <a:xfrm>
+            <a:off x="841248" y="510047"/>
+            <a:ext cx="3300984" cy="1645920"/>
+          </a:xfrm>
+        </p:spPr>
+        <p:txBody>
+          <a:bodyPr>
+            <a:normAutofit/>
+          </a:bodyPr>
+          <a:lstStyle/>
+          <a:p>
+            <a:r>
+              <a:rPr lang="en-US" sz="2800" dirty="0"/>
+              <a:t>Pulse Shaping</a:t>
+            </a:r>
+          </a:p>
+        </p:txBody>
+      </p:sp>
+      <p:sp>
+        <p:nvSpPr>
+          <p:cNvPr id="18" name="Rectangle 17">
+            <a:extLst>
+              <a:ext uri="{FF2B5EF4-FFF2-40B4-BE49-F238E27FC236}">
+                <a16:creationId xmlns:a16="http://schemas.microsoft.com/office/drawing/2014/main" id="{BB341EC3-1810-4D33-BA3F-E2D0AA0ECFB6}"/>
+              </a:ext>
+              <a:ext uri="{C183D7F6-B498-43B3-948B-1728B52AA6E4}">
+                <adec:decorative xmlns:adec="http://schemas.microsoft.com/office/drawing/2017/decorative" val="1"/>
+              </a:ext>
+            </a:extLst>
+          </p:cNvPr>
+          <p:cNvSpPr>
+            <a:spLocks noGrp="1" noRot="1" noChangeAspect="1" noMove="1" noResize="1" noEditPoints="1" noAdjustHandles="1" noChangeArrowheads="1" noChangeShapeType="1" noTextEdit="1"/>
+          </p:cNvSpPr>
+          <p:nvPr>
+            <p:extLst>
+              <p:ext uri="{386F3935-93C4-4BCD-93E2-E3B085C9AB24}">
+                <p16:designElem xmlns:p16="http://schemas.microsoft.com/office/powerpoint/2015/main" val="1"/>
+              </p:ext>
+            </p:extLst>
+          </p:nvPr>
+        </p:nvSpPr>
+        <p:spPr>
+          <a:xfrm>
+            <a:off x="490408" y="980964"/>
+            <a:ext cx="128016" cy="704088"/>
+          </a:xfrm>
+          <a:prstGeom prst="rect">
+            <a:avLst/>
+          </a:prstGeom>
+          <a:solidFill>
+            <a:schemeClr val="accent2"/>
+          </a:solidFill>
+          <a:ln>
+            <a:noFill/>
+          </a:ln>
+        </p:spPr>
+        <p:style>
+          <a:lnRef idx="2">
+            <a:schemeClr val="accent1">
+              <a:shade val="50000"/>
+            </a:schemeClr>
+          </a:lnRef>
+          <a:fillRef idx="1">
+            <a:schemeClr val="accent1"/>
+          </a:fillRef>
+          <a:effectRef idx="0">
+            <a:schemeClr val="accent1"/>
+          </a:effectRef>
+          <a:fontRef idx="minor">
+            <a:schemeClr val="lt1"/>
+          </a:fontRef>
+        </p:style>
+        <p:txBody>
+          <a:bodyPr rtlCol="0" anchor="ctr"/>
+          <a:lstStyle/>
+          <a:p>
+            <a:pPr marL="0" marR="0" lvl="0" indent="0" algn="ctr" defTabSz="914400" rtl="0" eaLnBrk="1" fontAlgn="auto" latinLnBrk="0" hangingPunct="1">
+              <a:lnSpc>
+                <a:spcPct val="100000"/>
+              </a:lnSpc>
+              <a:spcBef>
+                <a:spcPts val="0"/>
+              </a:spcBef>
+              <a:spcAft>
+                <a:spcPts val="0"/>
+              </a:spcAft>
+              <a:buClrTx/>
+              <a:buSzTx/>
+              <a:buFontTx/>
+              <a:buNone/>
+              <a:tabLst/>
+              <a:defRPr/>
+            </a:pPr>
+            <a:endParaRPr kumimoji="0" lang="en-US" sz="1800" b="0" i="0" u="none" strike="noStrike" kern="1200" cap="none" spc="0" normalizeH="0" baseline="0" noProof="0" dirty="0">
+              <a:ln>
+                <a:noFill/>
+              </a:ln>
+              <a:solidFill>
+                <a:prstClr val="white"/>
+              </a:solidFill>
+              <a:effectLst/>
+              <a:uLnTx/>
+              <a:uFillTx/>
+              <a:latin typeface="Calibri" panose="020F0502020204030204"/>
+              <a:ea typeface="+mn-ea"/>
+              <a:cs typeface="+mn-cs"/>
+            </a:endParaRPr>
+          </a:p>
+        </p:txBody>
+      </p:sp>
+      <p:sp>
+        <p:nvSpPr>
+          <p:cNvPr id="20" name="Rectangle 19">
+            <a:extLst>
+              <a:ext uri="{FF2B5EF4-FFF2-40B4-BE49-F238E27FC236}">
+                <a16:creationId xmlns:a16="http://schemas.microsoft.com/office/drawing/2014/main" id="{10127CDE-2B99-47A8-BB3C-7D17519105E0}"/>
+              </a:ext>
+              <a:ext uri="{C183D7F6-B498-43B3-948B-1728B52AA6E4}">
+                <adec:decorative xmlns:adec="http://schemas.microsoft.com/office/drawing/2017/decorative" val="1"/>
+              </a:ext>
+            </a:extLst>
+          </p:cNvPr>
+          <p:cNvSpPr>
+            <a:spLocks noGrp="1" noRot="1" noChangeAspect="1" noMove="1" noResize="1" noEditPoints="1" noAdjustHandles="1" noChangeArrowheads="1" noChangeShapeType="1" noTextEdit="1"/>
+          </p:cNvSpPr>
+          <p:nvPr>
+            <p:extLst>
+              <p:ext uri="{386F3935-93C4-4BCD-93E2-E3B085C9AB24}">
+                <p16:designElem xmlns:p16="http://schemas.microsoft.com/office/powerpoint/2015/main" val="1"/>
+              </p:ext>
+            </p:extLst>
+          </p:nvPr>
+        </p:nvSpPr>
+        <p:spPr>
+          <a:xfrm rot="5400000">
+            <a:off x="3598164" y="1323863"/>
+            <a:ext cx="1463040" cy="18288"/>
+          </a:xfrm>
+          <a:prstGeom prst="rect">
+            <a:avLst/>
+          </a:prstGeom>
+          <a:solidFill>
+            <a:srgbClr val="D5D5D5"/>
+          </a:solidFill>
+          <a:ln w="3175">
+            <a:noFill/>
+          </a:ln>
+          <a:effectLst/>
+        </p:spPr>
+        <p:style>
+          <a:lnRef idx="2">
+            <a:schemeClr val="accent1">
+              <a:shade val="50000"/>
+            </a:schemeClr>
+          </a:lnRef>
+          <a:fillRef idx="1">
+            <a:schemeClr val="accent1"/>
+          </a:fillRef>
+          <a:effectRef idx="0">
+            <a:schemeClr val="accent1"/>
+          </a:effectRef>
+          <a:fontRef idx="minor">
+            <a:schemeClr val="lt1"/>
+          </a:fontRef>
+        </p:style>
+        <p:txBody>
+          <a:bodyPr rtlCol="0" anchor="ctr"/>
+          <a:lstStyle/>
+          <a:p>
+            <a:pPr marL="0" marR="0" lvl="0" indent="0" algn="ctr" defTabSz="914400" rtl="0" eaLnBrk="1" fontAlgn="auto" latinLnBrk="0" hangingPunct="1">
+              <a:lnSpc>
+                <a:spcPct val="100000"/>
+              </a:lnSpc>
+              <a:spcBef>
+                <a:spcPts val="0"/>
+              </a:spcBef>
+              <a:spcAft>
+                <a:spcPts val="0"/>
+              </a:spcAft>
+              <a:buClrTx/>
+              <a:buSzTx/>
+              <a:buFontTx/>
+              <a:buNone/>
+              <a:tabLst/>
+              <a:defRPr/>
+            </a:pPr>
+            <a:endParaRPr kumimoji="0" lang="en-US" sz="1800" b="0" i="0" u="none" strike="noStrike" kern="1200" cap="none" spc="0" normalizeH="0" baseline="0" noProof="0">
+              <a:ln>
+                <a:noFill/>
+              </a:ln>
+              <a:solidFill>
+                <a:prstClr val="white"/>
+              </a:solidFill>
+              <a:effectLst/>
+              <a:uLnTx/>
+              <a:uFillTx/>
+              <a:latin typeface="Calibri" panose="020F0502020204030204"/>
+              <a:ea typeface="+mn-ea"/>
+              <a:cs typeface="+mn-cs"/>
+            </a:endParaRPr>
+          </a:p>
+        </p:txBody>
+      </p:sp>
+      <p:sp>
+        <p:nvSpPr>
+          <p:cNvPr id="3" name="Content Placeholder 2">
+            <a:extLst>
+              <a:ext uri="{FF2B5EF4-FFF2-40B4-BE49-F238E27FC236}">
+                <a16:creationId xmlns:a16="http://schemas.microsoft.com/office/drawing/2014/main" id="{E981E42B-E536-4B4D-9077-02E56249404E}"/>
+              </a:ext>
+            </a:extLst>
+          </p:cNvPr>
+          <p:cNvSpPr>
+            <a:spLocks noGrp="1"/>
+          </p:cNvSpPr>
+          <p:nvPr>
+            <p:ph idx="1"/>
+          </p:nvPr>
+        </p:nvSpPr>
+        <p:spPr>
+          <a:xfrm>
+            <a:off x="4581144" y="510047"/>
+            <a:ext cx="6858000" cy="1645920"/>
+          </a:xfrm>
+        </p:spPr>
+        <p:txBody>
+          <a:bodyPr anchor="ctr">
+            <a:noAutofit/>
+          </a:bodyPr>
+          <a:lstStyle/>
+          <a:p>
+            <a:pPr marL="0" indent="0">
+              <a:buNone/>
+            </a:pPr>
+            <a:r>
+              <a:rPr lang="en-US" sz="2400" b="1" dirty="0"/>
+              <a:t>Raised Cosine Filter with Interpolation/Decimation</a:t>
+            </a:r>
+            <a:endParaRPr lang="en-US" sz="2400" b="1" baseline="30000" dirty="0"/>
+          </a:p>
+          <a:p>
+            <a:pPr marL="0" indent="0">
+              <a:buNone/>
+            </a:pPr>
+            <a:r>
+              <a:rPr lang="en-US" sz="2400" dirty="0"/>
+              <a:t>Filter Parameters: Square Root, Roll off = 0.5, Taps: 32, Upsampling: 8</a:t>
+            </a:r>
+          </a:p>
+          <a:p>
+            <a:pPr marL="0" indent="0">
+              <a:buNone/>
+            </a:pPr>
+            <a:r>
+              <a:rPr lang="en-US" sz="2400" dirty="0"/>
+              <a:t>(looked at other filters: Nyquist)</a:t>
+            </a:r>
+          </a:p>
+        </p:txBody>
+      </p:sp>
+      <p:pic>
+        <p:nvPicPr>
+          <p:cNvPr id="6" name="Picture 5">
+            <a:extLst>
+              <a:ext uri="{FF2B5EF4-FFF2-40B4-BE49-F238E27FC236}">
+                <a16:creationId xmlns:a16="http://schemas.microsoft.com/office/drawing/2014/main" id="{FB811626-46D2-4E6F-B6E1-F77043B8AEE2}"/>
+              </a:ext>
+            </a:extLst>
+          </p:cNvPr>
+          <p:cNvPicPr>
+            <a:picLocks noChangeAspect="1"/>
+          </p:cNvPicPr>
+          <p:nvPr/>
+        </p:nvPicPr>
+        <p:blipFill rotWithShape="1">
+          <a:blip r:embed="rId2"/>
+          <a:srcRect l="24201" r="23352"/>
+          <a:stretch/>
+        </p:blipFill>
+        <p:spPr>
+          <a:xfrm>
+            <a:off x="84007" y="2608989"/>
+            <a:ext cx="3584448" cy="3639312"/>
+          </a:xfrm>
+          <a:prstGeom prst="rect">
+            <a:avLst/>
+          </a:prstGeom>
+        </p:spPr>
+      </p:pic>
+      <p:pic>
+        <p:nvPicPr>
+          <p:cNvPr id="5" name="Picture 4">
+            <a:extLst>
+              <a:ext uri="{FF2B5EF4-FFF2-40B4-BE49-F238E27FC236}">
+                <a16:creationId xmlns:a16="http://schemas.microsoft.com/office/drawing/2014/main" id="{3EDDF281-1148-4246-8EC2-3EA78E523987}"/>
+              </a:ext>
+            </a:extLst>
+          </p:cNvPr>
+          <p:cNvPicPr>
+            <a:picLocks noChangeAspect="1"/>
+          </p:cNvPicPr>
+          <p:nvPr/>
+        </p:nvPicPr>
+        <p:blipFill rotWithShape="1">
+          <a:blip r:embed="rId3"/>
+          <a:srcRect l="65" t="770" r="4363" b="-3772"/>
+          <a:stretch/>
+        </p:blipFill>
+        <p:spPr>
+          <a:xfrm>
+            <a:off x="3783882" y="2608989"/>
+            <a:ext cx="4488024" cy="3805617"/>
+          </a:xfrm>
+          <a:prstGeom prst="rect">
+            <a:avLst/>
+          </a:prstGeom>
+        </p:spPr>
+      </p:pic>
+      <p:pic>
+        <p:nvPicPr>
+          <p:cNvPr id="4" name="Picture 3">
+            <a:extLst>
+              <a:ext uri="{FF2B5EF4-FFF2-40B4-BE49-F238E27FC236}">
+                <a16:creationId xmlns:a16="http://schemas.microsoft.com/office/drawing/2014/main" id="{1FD65957-9571-4ADD-8BBF-48D1D4806FF8}"/>
+              </a:ext>
+            </a:extLst>
+          </p:cNvPr>
+          <p:cNvPicPr>
+            <a:picLocks noChangeAspect="1"/>
+          </p:cNvPicPr>
+          <p:nvPr/>
+        </p:nvPicPr>
+        <p:blipFill rotWithShape="1">
+          <a:blip r:embed="rId4"/>
+          <a:srcRect r="1" b="14208"/>
+          <a:stretch/>
+        </p:blipFill>
+        <p:spPr>
+          <a:xfrm>
+            <a:off x="8387333" y="2599364"/>
+            <a:ext cx="3584448" cy="3639312"/>
+          </a:xfrm>
+          <a:prstGeom prst="rect">
+            <a:avLst/>
+          </a:prstGeom>
+        </p:spPr>
+      </p:pic>
+      <p:sp>
+        <p:nvSpPr>
+          <p:cNvPr id="7" name="TextBox 6">
+            <a:extLst>
+              <a:ext uri="{FF2B5EF4-FFF2-40B4-BE49-F238E27FC236}">
+                <a16:creationId xmlns:a16="http://schemas.microsoft.com/office/drawing/2014/main" id="{A4B9B466-020F-4BC8-BDE7-E9B84B55E025}"/>
+              </a:ext>
+            </a:extLst>
+          </p:cNvPr>
+          <p:cNvSpPr txBox="1"/>
+          <p:nvPr/>
+        </p:nvSpPr>
+        <p:spPr>
+          <a:xfrm>
+            <a:off x="11528036" y="6523896"/>
+            <a:ext cx="663964" cy="369332"/>
+          </a:xfrm>
+          <a:prstGeom prst="rect">
+            <a:avLst/>
+          </a:prstGeom>
+          <a:noFill/>
+        </p:spPr>
+        <p:txBody>
+          <a:bodyPr wrap="none" rtlCol="0">
+            <a:spAutoFit/>
+          </a:bodyPr>
+          <a:lstStyle/>
+          <a:p>
+            <a:r>
+              <a:rPr lang="en-US" dirty="0" err="1"/>
+              <a:t>Wk</a:t>
+            </a:r>
+            <a:r>
+              <a:rPr lang="en-US" dirty="0"/>
+              <a:t> 8</a:t>
+            </a:r>
+          </a:p>
+        </p:txBody>
+      </p:sp>
+    </p:spTree>
+    <p:extLst>
+      <p:ext uri="{BB962C8B-B14F-4D97-AF65-F5344CB8AC3E}">
+        <p14:creationId xmlns:p14="http://schemas.microsoft.com/office/powerpoint/2010/main" val="2372709078"/>
+      </p:ext>
+    </p:extLst>
+  </p:cSld>
+  <p:clrMapOvr>
+    <a:masterClrMapping/>
+  </p:clrMapOvr>
+</p:sld>
+</file>
+
+<file path=ppt/slides/slide12.xml><?xml version="1.0" encoding="utf-8"?>
+<p:sld xmlns:a="http://schemas.openxmlformats.org/drawingml/2006/main" xmlns:r="http://schemas.openxmlformats.org/officeDocument/2006/relationships" xmlns:p="http://schemas.openxmlformats.org/presentationml/2006/main">
+  <p:cSld>
+    <p:spTree>
+      <p:nvGrpSpPr>
+        <p:cNvPr id="1" name=""/>
+        <p:cNvGrpSpPr/>
+        <p:nvPr/>
+      </p:nvGrpSpPr>
+      <p:grpSpPr>
+        <a:xfrm>
+          <a:off x="0" y="0"/>
+          <a:ext cx="0" cy="0"/>
+          <a:chOff x="0" y="0"/>
+          <a:chExt cx="0" cy="0"/>
+        </a:xfrm>
+      </p:grpSpPr>
+      <p:sp>
+        <p:nvSpPr>
+          <p:cNvPr id="2" name="Title 1">
+            <a:extLst>
+              <a:ext uri="{FF2B5EF4-FFF2-40B4-BE49-F238E27FC236}">
+                <a16:creationId xmlns:a16="http://schemas.microsoft.com/office/drawing/2014/main" id="{FEB41D8F-3E6B-4B29-98B0-D82DF509A4DD}"/>
+              </a:ext>
+            </a:extLst>
+          </p:cNvPr>
+          <p:cNvSpPr>
+            <a:spLocks noGrp="1"/>
+          </p:cNvSpPr>
+          <p:nvPr>
+            <p:ph type="title"/>
+          </p:nvPr>
+        </p:nvSpPr>
+        <p:spPr/>
+        <p:txBody>
+          <a:bodyPr>
+            <a:normAutofit/>
+          </a:bodyPr>
+          <a:lstStyle/>
+          <a:p>
+            <a:r>
+              <a:rPr lang="en-GB" sz="4000" dirty="0"/>
+              <a:t>Need to Account for Delay in pulse-shaping filters</a:t>
+            </a:r>
+            <a:endParaRPr lang="en-US" sz="4000" dirty="0"/>
+          </a:p>
+        </p:txBody>
+      </p:sp>
+      <p:sp>
+        <p:nvSpPr>
+          <p:cNvPr id="3" name="Content Placeholder 2">
+            <a:extLst>
+              <a:ext uri="{FF2B5EF4-FFF2-40B4-BE49-F238E27FC236}">
+                <a16:creationId xmlns:a16="http://schemas.microsoft.com/office/drawing/2014/main" id="{D0C9EAEC-9118-4B07-981C-3FF7942139C4}"/>
+              </a:ext>
+            </a:extLst>
+          </p:cNvPr>
+          <p:cNvSpPr>
+            <a:spLocks noGrp="1"/>
+          </p:cNvSpPr>
+          <p:nvPr>
+            <p:ph idx="1"/>
+          </p:nvPr>
+        </p:nvSpPr>
+        <p:spPr>
+          <a:xfrm>
+            <a:off x="838200" y="1825625"/>
+            <a:ext cx="10515600" cy="1603375"/>
+          </a:xfrm>
+        </p:spPr>
+        <p:txBody>
+          <a:bodyPr/>
+          <a:lstStyle/>
+          <a:p>
+            <a:pPr marL="0" indent="0">
+              <a:buNone/>
+            </a:pPr>
+            <a:r>
+              <a:rPr lang="en-US" dirty="0"/>
+              <a:t>Delay is equal to N//2 where N is the number of taps used for a filter</a:t>
+            </a:r>
+          </a:p>
+          <a:p>
+            <a:pPr marL="0" indent="0">
+              <a:buNone/>
+            </a:pPr>
+            <a:r>
+              <a:rPr lang="en-US" dirty="0"/>
+              <a:t>&gt; Using two filters (</a:t>
+            </a:r>
+            <a:r>
+              <a:rPr lang="en-US" dirty="0" err="1"/>
+              <a:t>tx</a:t>
+            </a:r>
+            <a:r>
+              <a:rPr lang="en-US" dirty="0"/>
+              <a:t> and </a:t>
+            </a:r>
+            <a:r>
+              <a:rPr lang="en-US" dirty="0" err="1"/>
+              <a:t>rx</a:t>
+            </a:r>
+            <a:r>
+              <a:rPr lang="en-US" dirty="0"/>
+              <a:t>) leads to a total delay of N taps</a:t>
+            </a:r>
+          </a:p>
+          <a:p>
+            <a:pPr marL="0" indent="0">
+              <a:buNone/>
+            </a:pPr>
+            <a:r>
+              <a:rPr lang="en-US" dirty="0"/>
+              <a:t> Therefore, need to shift output by N taps before demodulation</a:t>
+            </a:r>
+          </a:p>
+        </p:txBody>
+      </p:sp>
+    </p:spTree>
+    <p:extLst>
+      <p:ext uri="{BB962C8B-B14F-4D97-AF65-F5344CB8AC3E}">
+        <p14:creationId xmlns:p14="http://schemas.microsoft.com/office/powerpoint/2010/main" val="2671250271"/>
+      </p:ext>
+    </p:extLst>
+  </p:cSld>
+  <p:clrMapOvr>
+    <a:masterClrMapping/>
+  </p:clrMapOvr>
+</p:sld>
+</file>
+
+<file path=ppt/slides/slide13.xml><?xml version="1.0" encoding="utf-8"?>
+<p:sld xmlns:a="http://schemas.openxmlformats.org/drawingml/2006/main" xmlns:r="http://schemas.openxmlformats.org/officeDocument/2006/relationships" xmlns:p="http://schemas.openxmlformats.org/presentationml/2006/main">
+  <p:cSld>
+    <p:spTree>
+      <p:nvGrpSpPr>
+        <p:cNvPr id="1" name=""/>
+        <p:cNvGrpSpPr/>
+        <p:nvPr/>
+      </p:nvGrpSpPr>
+      <p:grpSpPr>
+        <a:xfrm>
+          <a:off x="0" y="0"/>
+          <a:ext cx="0" cy="0"/>
+          <a:chOff x="0" y="0"/>
+          <a:chExt cx="0" cy="0"/>
+        </a:xfrm>
+      </p:grpSpPr>
+      <p:sp>
+        <p:nvSpPr>
+          <p:cNvPr id="2" name="Title 1">
+            <a:extLst>
+              <a:ext uri="{FF2B5EF4-FFF2-40B4-BE49-F238E27FC236}">
+                <a16:creationId xmlns:a16="http://schemas.microsoft.com/office/drawing/2014/main" id="{B6C3F710-D6D0-4CB1-A37F-DC622C097486}"/>
+              </a:ext>
+            </a:extLst>
+          </p:cNvPr>
+          <p:cNvSpPr>
+            <a:spLocks noGrp="1"/>
+          </p:cNvSpPr>
+          <p:nvPr>
+            <p:ph type="title"/>
+          </p:nvPr>
+        </p:nvSpPr>
+        <p:spPr/>
+        <p:txBody>
+          <a:bodyPr/>
+          <a:lstStyle/>
+          <a:p>
+            <a:r>
+              <a:rPr lang="en-GB" dirty="0"/>
+              <a:t>Draw Diagram of Entire Process</a:t>
+            </a:r>
+            <a:endParaRPr lang="en-US" dirty="0"/>
+          </a:p>
+        </p:txBody>
+      </p:sp>
+      <p:graphicFrame>
+        <p:nvGraphicFramePr>
+          <p:cNvPr id="4" name="Content Placeholder 3">
+            <a:extLst>
+              <a:ext uri="{FF2B5EF4-FFF2-40B4-BE49-F238E27FC236}">
+                <a16:creationId xmlns:a16="http://schemas.microsoft.com/office/drawing/2014/main" id="{D254ADF0-D96C-426F-9387-288C498B0107}"/>
+              </a:ext>
+            </a:extLst>
+          </p:cNvPr>
+          <p:cNvGraphicFramePr>
+            <a:graphicFrameLocks noGrp="1"/>
+          </p:cNvGraphicFramePr>
+          <p:nvPr>
+            <p:ph idx="1"/>
+            <p:extLst>
+              <p:ext uri="{D42A27DB-BD31-4B8C-83A1-F6EECF244321}">
+                <p14:modId xmlns:p14="http://schemas.microsoft.com/office/powerpoint/2010/main" val="4068673294"/>
+              </p:ext>
+            </p:extLst>
+          </p:nvPr>
+        </p:nvGraphicFramePr>
+        <p:xfrm>
+          <a:off x="856860" y="1810139"/>
+          <a:ext cx="10545147" cy="4366824"/>
+        </p:xfrm>
+        <a:graphic>
+          <a:graphicData uri="http://schemas.openxmlformats.org/drawingml/2006/diagram">
+            <dgm:relIds xmlns:dgm="http://schemas.openxmlformats.org/drawingml/2006/diagram" xmlns:r="http://schemas.openxmlformats.org/officeDocument/2006/relationships" r:dm="rId2" r:lo="rId3" r:qs="rId4" r:cs="rId5"/>
+          </a:graphicData>
+        </a:graphic>
+      </p:graphicFrame>
+      <p:sp>
+        <p:nvSpPr>
+          <p:cNvPr id="5" name="TextBox 4">
+            <a:extLst>
+              <a:ext uri="{FF2B5EF4-FFF2-40B4-BE49-F238E27FC236}">
+                <a16:creationId xmlns:a16="http://schemas.microsoft.com/office/drawing/2014/main" id="{4173E832-C431-413C-8C35-AEDC303C9978}"/>
+              </a:ext>
+            </a:extLst>
+          </p:cNvPr>
+          <p:cNvSpPr txBox="1"/>
+          <p:nvPr/>
+        </p:nvSpPr>
+        <p:spPr>
+          <a:xfrm>
+            <a:off x="9223495" y="5419251"/>
+            <a:ext cx="2968505" cy="1754326"/>
+          </a:xfrm>
+          <a:prstGeom prst="rect">
+            <a:avLst/>
+          </a:prstGeom>
+          <a:noFill/>
+        </p:spPr>
+        <p:txBody>
+          <a:bodyPr wrap="none" rtlCol="0">
+            <a:spAutoFit/>
+          </a:bodyPr>
+          <a:lstStyle/>
+          <a:p>
+            <a:pPr lvl="0"/>
+            <a:r>
+              <a:rPr lang="en-US" sz="1800" baseline="30000" dirty="0"/>
+              <a:t>1</a:t>
+            </a:r>
+            <a:r>
+              <a:rPr lang="en-US" sz="1800" dirty="0"/>
+              <a:t>Filter Parameters:</a:t>
+            </a:r>
+          </a:p>
+          <a:p>
+            <a:pPr lvl="0"/>
+            <a:r>
+              <a:rPr lang="en-US" sz="1800" dirty="0"/>
+              <a:t>Upsampling/Downscaling = 8</a:t>
+            </a:r>
+          </a:p>
+          <a:p>
+            <a:pPr lvl="0"/>
+            <a:r>
+              <a:rPr lang="en-US" sz="1800" dirty="0" err="1"/>
+              <a:t>Rolloff</a:t>
+            </a:r>
+            <a:r>
+              <a:rPr lang="en-US" sz="1800" dirty="0"/>
+              <a:t> = 0.2</a:t>
+            </a:r>
+          </a:p>
+          <a:p>
+            <a:pPr lvl="0"/>
+            <a:r>
+              <a:rPr lang="en-US" sz="1800" dirty="0"/>
+              <a:t>Tap Length = 32</a:t>
+            </a:r>
+          </a:p>
+          <a:p>
+            <a:pPr lvl="0"/>
+            <a:r>
+              <a:rPr lang="en-US" sz="1800" dirty="0"/>
+              <a:t>Shape: Root Raised Cosine</a:t>
+            </a:r>
+          </a:p>
+          <a:p>
+            <a:endParaRPr lang="en-US" dirty="0"/>
+          </a:p>
+        </p:txBody>
+      </p:sp>
+    </p:spTree>
+    <p:extLst>
+      <p:ext uri="{BB962C8B-B14F-4D97-AF65-F5344CB8AC3E}">
+        <p14:creationId xmlns:p14="http://schemas.microsoft.com/office/powerpoint/2010/main" val="3252724334"/>
+      </p:ext>
+    </p:extLst>
+  </p:cSld>
+  <p:clrMapOvr>
+    <a:masterClrMapping/>
+  </p:clrMapOvr>
+</p:sld>
+</file>
+
+<file path=ppt/slides/slide14.xml><?xml version="1.0" encoding="utf-8"?>
+<p:sld xmlns:a="http://schemas.openxmlformats.org/drawingml/2006/main" xmlns:r="http://schemas.openxmlformats.org/officeDocument/2006/relationships" xmlns:p="http://schemas.openxmlformats.org/presentationml/2006/main">
+  <p:cSld>
+    <p:spTree>
+      <p:nvGrpSpPr>
+        <p:cNvPr id="1" name=""/>
+        <p:cNvGrpSpPr/>
+        <p:nvPr/>
+      </p:nvGrpSpPr>
+      <p:grpSpPr>
+        <a:xfrm>
+          <a:off x="0" y="0"/>
+          <a:ext cx="0" cy="0"/>
+          <a:chOff x="0" y="0"/>
+          <a:chExt cx="0" cy="0"/>
+        </a:xfrm>
+      </p:grpSpPr>
+      <p:sp>
+        <p:nvSpPr>
+          <p:cNvPr id="2" name="Title 1">
+            <a:extLst>
+              <a:ext uri="{FF2B5EF4-FFF2-40B4-BE49-F238E27FC236}">
+                <a16:creationId xmlns:a16="http://schemas.microsoft.com/office/drawing/2014/main" id="{3B62A8B8-F1D2-497D-A0FE-384C987930DD}"/>
+              </a:ext>
+            </a:extLst>
+          </p:cNvPr>
+          <p:cNvSpPr>
+            <a:spLocks noGrp="1"/>
+          </p:cNvSpPr>
+          <p:nvPr>
+            <p:ph type="title"/>
+          </p:nvPr>
+        </p:nvSpPr>
+        <p:spPr/>
+        <p:txBody>
+          <a:bodyPr/>
+          <a:lstStyle/>
+          <a:p>
+            <a:r>
+              <a:rPr lang="en-US" dirty="0"/>
+              <a:t>Things to be integrated after individual testing</a:t>
+            </a:r>
+          </a:p>
+        </p:txBody>
+      </p:sp>
+      <p:sp>
+        <p:nvSpPr>
+          <p:cNvPr id="3" name="Content Placeholder 2">
+            <a:extLst>
+              <a:ext uri="{FF2B5EF4-FFF2-40B4-BE49-F238E27FC236}">
+                <a16:creationId xmlns:a16="http://schemas.microsoft.com/office/drawing/2014/main" id="{EFFAD9FE-30CD-4615-8AE7-9442A43F281F}"/>
+              </a:ext>
+            </a:extLst>
+          </p:cNvPr>
+          <p:cNvSpPr>
+            <a:spLocks noGrp="1"/>
+          </p:cNvSpPr>
+          <p:nvPr>
+            <p:ph idx="1"/>
+          </p:nvPr>
+        </p:nvSpPr>
+        <p:spPr/>
+        <p:txBody>
+          <a:bodyPr/>
+          <a:lstStyle/>
+          <a:p>
+            <a:r>
+              <a:rPr lang="en-US" dirty="0"/>
+              <a:t>Filter Delay</a:t>
+            </a:r>
+          </a:p>
+          <a:p>
+            <a:r>
+              <a:rPr lang="en-US" dirty="0"/>
+              <a:t>16QAM</a:t>
+            </a:r>
+          </a:p>
+          <a:p>
+            <a:r>
+              <a:rPr lang="en-US" dirty="0"/>
+              <a:t>64QAM</a:t>
+            </a:r>
+          </a:p>
+          <a:p>
+            <a:r>
+              <a:rPr lang="en-US" dirty="0"/>
+              <a:t>Chromatic Dispersion implementation and DSP filters to account for it</a:t>
+            </a:r>
+          </a:p>
+          <a:p>
+            <a:r>
+              <a:rPr lang="en-US" dirty="0"/>
+              <a:t>FEC</a:t>
+            </a:r>
+          </a:p>
+          <a:p>
+            <a:r>
+              <a:rPr lang="en-US" dirty="0"/>
+              <a:t>Carrier </a:t>
+            </a:r>
+            <a:r>
+              <a:rPr lang="en-US" dirty="0" err="1"/>
+              <a:t>Equalisation</a:t>
+            </a:r>
+            <a:endParaRPr lang="en-US" dirty="0"/>
+          </a:p>
+          <a:p>
+            <a:r>
+              <a:rPr lang="en-US" dirty="0"/>
+              <a:t>Frequency </a:t>
+            </a:r>
+            <a:r>
+              <a:rPr lang="en-US" dirty="0" err="1"/>
+              <a:t>Equalisation</a:t>
+            </a:r>
+            <a:endParaRPr lang="en-US" dirty="0"/>
+          </a:p>
+          <a:p>
+            <a:endParaRPr lang="en-US" dirty="0"/>
+          </a:p>
+          <a:p>
+            <a:endParaRPr lang="en-US" dirty="0"/>
+          </a:p>
+        </p:txBody>
+      </p:sp>
+    </p:spTree>
+    <p:extLst>
+      <p:ext uri="{BB962C8B-B14F-4D97-AF65-F5344CB8AC3E}">
+        <p14:creationId xmlns:p14="http://schemas.microsoft.com/office/powerpoint/2010/main" val="2710033463"/>
+      </p:ext>
+    </p:extLst>
+  </p:cSld>
+  <p:clrMapOvr>
+    <a:masterClrMapping/>
+  </p:clrMapOvr>
+</p:sld>
+</file>
+
+<file path=ppt/slides/slide15.xml><?xml version="1.0" encoding="utf-8"?>
+<p:sld xmlns:a="http://schemas.openxmlformats.org/drawingml/2006/main" xmlns:r="http://schemas.openxmlformats.org/officeDocument/2006/relationships" xmlns:p="http://schemas.openxmlformats.org/presentationml/2006/main">
+  <p:cSld>
+    <p:spTree>
+      <p:nvGrpSpPr>
+        <p:cNvPr id="1" name=""/>
+        <p:cNvGrpSpPr/>
+        <p:nvPr/>
+      </p:nvGrpSpPr>
+      <p:grpSpPr>
+        <a:xfrm>
+          <a:off x="0" y="0"/>
+          <a:ext cx="0" cy="0"/>
+          <a:chOff x="0" y="0"/>
+          <a:chExt cx="0" cy="0"/>
+        </a:xfrm>
+      </p:grpSpPr>
+      <p:sp>
+        <p:nvSpPr>
+          <p:cNvPr id="2" name="Title 1">
+            <a:extLst>
+              <a:ext uri="{FF2B5EF4-FFF2-40B4-BE49-F238E27FC236}">
+                <a16:creationId xmlns:a16="http://schemas.microsoft.com/office/drawing/2014/main" id="{9D0F53F5-311F-4459-8753-6B106E01ABA4}"/>
+              </a:ext>
+            </a:extLst>
+          </p:cNvPr>
+          <p:cNvSpPr>
+            <a:spLocks noGrp="1"/>
+          </p:cNvSpPr>
+          <p:nvPr>
+            <p:ph type="title"/>
+          </p:nvPr>
+        </p:nvSpPr>
+        <p:spPr/>
+        <p:txBody>
+          <a:bodyPr/>
+          <a:lstStyle/>
+          <a:p>
+            <a:r>
+              <a:rPr lang="en-US" dirty="0"/>
+              <a:t>Probabilistic Shaping</a:t>
+            </a:r>
+          </a:p>
+        </p:txBody>
+      </p:sp>
+      <p:sp>
+        <p:nvSpPr>
+          <p:cNvPr id="3" name="Content Placeholder 2">
+            <a:extLst>
+              <a:ext uri="{FF2B5EF4-FFF2-40B4-BE49-F238E27FC236}">
+                <a16:creationId xmlns:a16="http://schemas.microsoft.com/office/drawing/2014/main" id="{0BE5ADF0-F7BC-4951-98AA-957127F7E760}"/>
+              </a:ext>
+            </a:extLst>
+          </p:cNvPr>
+          <p:cNvSpPr>
+            <a:spLocks noGrp="1"/>
+          </p:cNvSpPr>
+          <p:nvPr>
+            <p:ph idx="1"/>
+          </p:nvPr>
+        </p:nvSpPr>
+        <p:spPr/>
+        <p:txBody>
+          <a:bodyPr/>
+          <a:lstStyle/>
+          <a:p>
+            <a:endParaRPr lang="en-US" dirty="0"/>
+          </a:p>
+        </p:txBody>
+      </p:sp>
+    </p:spTree>
+    <p:extLst>
+      <p:ext uri="{BB962C8B-B14F-4D97-AF65-F5344CB8AC3E}">
+        <p14:creationId xmlns:p14="http://schemas.microsoft.com/office/powerpoint/2010/main" val="1721402480"/>
       </p:ext>
     </p:extLst>
   </p:cSld>
@@ -6814,4 +12387,18 @@
     </a:ext>
   </a:extLst>
 </a:theme>
+</file>
+
+<file path=customXml/item1.xml><?xml version="1.0" encoding="utf-8"?>
+<Control xmlns="http://schemas.microsoft.com/VisualStudio/2011/storyboarding/control">
+  <Id Name="System.Storyboarding.WindowsAppIcons.Check" Revision="1" Stencil="System.Storyboarding.WindowsAppIcons" StencilVersion="0.1"/>
+</Control>
+</file>
+
+<file path=customXml/itemProps1.xml><?xml version="1.0" encoding="utf-8"?>
+<ds:datastoreItem xmlns:ds="http://schemas.openxmlformats.org/officeDocument/2006/customXml" ds:itemID="{45F59255-F2B7-44A6-8377-B19D7E6E1EA6}">
+  <ds:schemaRefs>
+    <ds:schemaRef ds:uri="http://schemas.microsoft.com/VisualStudio/2011/storyboarding/control"/>
+  </ds:schemaRefs>
+</ds:datastoreItem>
 </file>
--- a/Master's meetings presentation.pptx
+++ b/Master's meetings presentation.pptx
@@ -18,8 +18,9 @@
     <p:sldId id="267" r:id="rId13"/>
     <p:sldId id="268" r:id="rId14"/>
     <p:sldId id="269" r:id="rId15"/>
-    <p:sldId id="270" r:id="rId16"/>
-    <p:sldId id="271" r:id="rId17"/>
+    <p:sldId id="272" r:id="rId16"/>
+    <p:sldId id="270" r:id="rId17"/>
+    <p:sldId id="271" r:id="rId18"/>
   </p:sldIdLst>
   <p:sldSz cx="12192000" cy="6858000"/>
   <p:notesSz cx="6858000" cy="9144000"/>
@@ -249,6 +250,813 @@
 </file>
 
 <file path=ppt/diagrams/colors1.xml><?xml version="1.0" encoding="utf-8"?>
+<dgm:colorsDef xmlns:dgm="http://schemas.openxmlformats.org/drawingml/2006/diagram" xmlns:a="http://schemas.openxmlformats.org/drawingml/2006/main" uniqueId="urn:microsoft.com/office/officeart/2005/8/colors/accent0_1">
+  <dgm:title val=""/>
+  <dgm:desc val=""/>
+  <dgm:catLst>
+    <dgm:cat type="mainScheme" pri="10100"/>
+  </dgm:catLst>
+  <dgm:styleLbl name="node0">
+    <dgm:fillClrLst meth="repeat">
+      <a:schemeClr val="lt1"/>
+    </dgm:fillClrLst>
+    <dgm:linClrLst meth="repeat">
+      <a:schemeClr val="dk1">
+        <a:shade val="80000"/>
+      </a:schemeClr>
+    </dgm:linClrLst>
+    <dgm:effectClrLst/>
+    <dgm:txLinClrLst/>
+    <dgm:txFillClrLst meth="repeat">
+      <a:schemeClr val="dk1"/>
+    </dgm:txFillClrLst>
+    <dgm:txEffectClrLst/>
+  </dgm:styleLbl>
+  <dgm:styleLbl name="node1">
+    <dgm:fillClrLst meth="repeat">
+      <a:schemeClr val="lt1"/>
+    </dgm:fillClrLst>
+    <dgm:linClrLst meth="repeat">
+      <a:schemeClr val="dk1">
+        <a:shade val="80000"/>
+      </a:schemeClr>
+    </dgm:linClrLst>
+    <dgm:effectClrLst/>
+    <dgm:txLinClrLst/>
+    <dgm:txFillClrLst meth="repeat">
+      <a:schemeClr val="dk1"/>
+    </dgm:txFillClrLst>
+    <dgm:txEffectClrLst/>
+  </dgm:styleLbl>
+  <dgm:styleLbl name="alignNode1">
+    <dgm:fillClrLst meth="repeat">
+      <a:schemeClr val="lt1"/>
+    </dgm:fillClrLst>
+    <dgm:linClrLst meth="repeat">
+      <a:schemeClr val="dk1">
+        <a:shade val="80000"/>
+      </a:schemeClr>
+    </dgm:linClrLst>
+    <dgm:effectClrLst/>
+    <dgm:txLinClrLst/>
+    <dgm:txFillClrLst meth="repeat">
+      <a:schemeClr val="dk1"/>
+    </dgm:txFillClrLst>
+    <dgm:txEffectClrLst/>
+  </dgm:styleLbl>
+  <dgm:styleLbl name="lnNode1">
+    <dgm:fillClrLst meth="repeat">
+      <a:schemeClr val="lt1"/>
+    </dgm:fillClrLst>
+    <dgm:linClrLst meth="repeat">
+      <a:schemeClr val="dk1">
+        <a:shade val="80000"/>
+      </a:schemeClr>
+    </dgm:linClrLst>
+    <dgm:effectClrLst/>
+    <dgm:txLinClrLst/>
+    <dgm:txFillClrLst meth="repeat">
+      <a:schemeClr val="dk1"/>
+    </dgm:txFillClrLst>
+    <dgm:txEffectClrLst/>
+  </dgm:styleLbl>
+  <dgm:styleLbl name="vennNode1">
+    <dgm:fillClrLst meth="repeat">
+      <a:schemeClr val="lt1">
+        <a:alpha val="50000"/>
+      </a:schemeClr>
+    </dgm:fillClrLst>
+    <dgm:linClrLst meth="repeat">
+      <a:schemeClr val="dk1">
+        <a:shade val="80000"/>
+      </a:schemeClr>
+    </dgm:linClrLst>
+    <dgm:effectClrLst/>
+    <dgm:txLinClrLst/>
+    <dgm:txFillClrLst/>
+    <dgm:txEffectClrLst/>
+  </dgm:styleLbl>
+  <dgm:styleLbl name="node2">
+    <dgm:fillClrLst meth="repeat">
+      <a:schemeClr val="lt1"/>
+    </dgm:fillClrLst>
+    <dgm:linClrLst meth="repeat">
+      <a:schemeClr val="dk1">
+        <a:shade val="80000"/>
+      </a:schemeClr>
+    </dgm:linClrLst>
+    <dgm:effectClrLst/>
+    <dgm:txLinClrLst/>
+    <dgm:txFillClrLst meth="repeat">
+      <a:schemeClr val="dk1"/>
+    </dgm:txFillClrLst>
+    <dgm:txEffectClrLst/>
+  </dgm:styleLbl>
+  <dgm:styleLbl name="node3">
+    <dgm:fillClrLst meth="repeat">
+      <a:schemeClr val="lt1"/>
+    </dgm:fillClrLst>
+    <dgm:linClrLst meth="repeat">
+      <a:schemeClr val="dk1">
+        <a:shade val="80000"/>
+      </a:schemeClr>
+    </dgm:linClrLst>
+    <dgm:effectClrLst/>
+    <dgm:txLinClrLst/>
+    <dgm:txFillClrLst meth="repeat">
+      <a:schemeClr val="dk1"/>
+    </dgm:txFillClrLst>
+    <dgm:txEffectClrLst/>
+  </dgm:styleLbl>
+  <dgm:styleLbl name="node4">
+    <dgm:fillClrLst meth="repeat">
+      <a:schemeClr val="lt1"/>
+    </dgm:fillClrLst>
+    <dgm:linClrLst meth="repeat">
+      <a:schemeClr val="dk1">
+        <a:shade val="80000"/>
+      </a:schemeClr>
+    </dgm:linClrLst>
+    <dgm:effectClrLst/>
+    <dgm:txLinClrLst/>
+    <dgm:txFillClrLst meth="repeat">
+      <a:schemeClr val="dk1"/>
+    </dgm:txFillClrLst>
+    <dgm:txEffectClrLst/>
+  </dgm:styleLbl>
+  <dgm:styleLbl name="fgImgPlace1">
+    <dgm:fillClrLst meth="repeat">
+      <a:schemeClr val="dk1">
+        <a:tint val="40000"/>
+      </a:schemeClr>
+    </dgm:fillClrLst>
+    <dgm:linClrLst meth="repeat">
+      <a:schemeClr val="dk1">
+        <a:shade val="80000"/>
+      </a:schemeClr>
+    </dgm:linClrLst>
+    <dgm:effectClrLst/>
+    <dgm:txLinClrLst/>
+    <dgm:txFillClrLst meth="repeat">
+      <a:schemeClr val="lt1"/>
+    </dgm:txFillClrLst>
+    <dgm:txEffectClrLst/>
+  </dgm:styleLbl>
+  <dgm:styleLbl name="alignImgPlace1">
+    <dgm:fillClrLst meth="repeat">
+      <a:schemeClr val="dk1">
+        <a:tint val="40000"/>
+      </a:schemeClr>
+    </dgm:fillClrLst>
+    <dgm:linClrLst meth="repeat">
+      <a:schemeClr val="dk1">
+        <a:shade val="80000"/>
+      </a:schemeClr>
+    </dgm:linClrLst>
+    <dgm:effectClrLst/>
+    <dgm:txLinClrLst/>
+    <dgm:txFillClrLst meth="repeat">
+      <a:schemeClr val="lt1"/>
+    </dgm:txFillClrLst>
+    <dgm:txEffectClrLst/>
+  </dgm:styleLbl>
+  <dgm:styleLbl name="bgImgPlace1">
+    <dgm:fillClrLst meth="repeat">
+      <a:schemeClr val="dk1">
+        <a:tint val="40000"/>
+      </a:schemeClr>
+    </dgm:fillClrLst>
+    <dgm:linClrLst meth="repeat">
+      <a:schemeClr val="dk1">
+        <a:shade val="80000"/>
+      </a:schemeClr>
+    </dgm:linClrLst>
+    <dgm:effectClrLst/>
+    <dgm:txLinClrLst/>
+    <dgm:txFillClrLst meth="repeat">
+      <a:schemeClr val="lt1"/>
+    </dgm:txFillClrLst>
+    <dgm:txEffectClrLst/>
+  </dgm:styleLbl>
+  <dgm:styleLbl name="sibTrans2D1">
+    <dgm:fillClrLst meth="repeat">
+      <a:schemeClr val="dk1">
+        <a:tint val="60000"/>
+      </a:schemeClr>
+    </dgm:fillClrLst>
+    <dgm:linClrLst meth="repeat">
+      <a:schemeClr val="dk1">
+        <a:tint val="60000"/>
+      </a:schemeClr>
+    </dgm:linClrLst>
+    <dgm:effectClrLst/>
+    <dgm:txLinClrLst/>
+    <dgm:txFillClrLst meth="repeat">
+      <a:schemeClr val="dk1"/>
+    </dgm:txFillClrLst>
+    <dgm:txEffectClrLst/>
+  </dgm:styleLbl>
+  <dgm:styleLbl name="fgSibTrans2D1">
+    <dgm:fillClrLst meth="repeat">
+      <a:schemeClr val="dk1">
+        <a:tint val="60000"/>
+      </a:schemeClr>
+    </dgm:fillClrLst>
+    <dgm:linClrLst meth="repeat">
+      <a:schemeClr val="dk1">
+        <a:tint val="60000"/>
+      </a:schemeClr>
+    </dgm:linClrLst>
+    <dgm:effectClrLst/>
+    <dgm:txLinClrLst/>
+    <dgm:txFillClrLst meth="repeat">
+      <a:schemeClr val="dk1"/>
+    </dgm:txFillClrLst>
+    <dgm:txEffectClrLst/>
+  </dgm:styleLbl>
+  <dgm:styleLbl name="bgSibTrans2D1">
+    <dgm:fillClrLst meth="repeat">
+      <a:schemeClr val="dk1">
+        <a:tint val="60000"/>
+      </a:schemeClr>
+    </dgm:fillClrLst>
+    <dgm:linClrLst meth="repeat">
+      <a:schemeClr val="dk1">
+        <a:tint val="60000"/>
+      </a:schemeClr>
+    </dgm:linClrLst>
+    <dgm:effectClrLst/>
+    <dgm:txLinClrLst/>
+    <dgm:txFillClrLst meth="repeat">
+      <a:schemeClr val="dk1"/>
+    </dgm:txFillClrLst>
+    <dgm:txEffectClrLst/>
+  </dgm:styleLbl>
+  <dgm:styleLbl name="sibTrans1D1">
+    <dgm:fillClrLst meth="repeat">
+      <a:schemeClr val="dk1"/>
+    </dgm:fillClrLst>
+    <dgm:linClrLst meth="repeat">
+      <a:schemeClr val="dk1"/>
+    </dgm:linClrLst>
+    <dgm:effectClrLst/>
+    <dgm:txLinClrLst/>
+    <dgm:txFillClrLst meth="repeat">
+      <a:schemeClr val="tx1"/>
+    </dgm:txFillClrLst>
+    <dgm:txEffectClrLst/>
+  </dgm:styleLbl>
+  <dgm:styleLbl name="callout">
+    <dgm:fillClrLst meth="repeat">
+      <a:schemeClr val="dk1"/>
+    </dgm:fillClrLst>
+    <dgm:linClrLst meth="repeat">
+      <a:schemeClr val="dk1"/>
+    </dgm:linClrLst>
+    <dgm:effectClrLst/>
+    <dgm:txLinClrLst/>
+    <dgm:txFillClrLst meth="repeat">
+      <a:schemeClr val="tx1"/>
+    </dgm:txFillClrLst>
+    <dgm:txEffectClrLst/>
+  </dgm:styleLbl>
+  <dgm:styleLbl name="asst0">
+    <dgm:fillClrLst meth="repeat">
+      <a:schemeClr val="lt1"/>
+    </dgm:fillClrLst>
+    <dgm:linClrLst meth="repeat">
+      <a:schemeClr val="dk1">
+        <a:shade val="80000"/>
+      </a:schemeClr>
+    </dgm:linClrLst>
+    <dgm:effectClrLst/>
+    <dgm:txLinClrLst/>
+    <dgm:txFillClrLst meth="repeat">
+      <a:schemeClr val="dk1"/>
+    </dgm:txFillClrLst>
+    <dgm:txEffectClrLst/>
+  </dgm:styleLbl>
+  <dgm:styleLbl name="asst1">
+    <dgm:fillClrLst meth="repeat">
+      <a:schemeClr val="lt1"/>
+    </dgm:fillClrLst>
+    <dgm:linClrLst meth="repeat">
+      <a:schemeClr val="dk1">
+        <a:shade val="80000"/>
+      </a:schemeClr>
+    </dgm:linClrLst>
+    <dgm:effectClrLst/>
+    <dgm:txLinClrLst/>
+    <dgm:txFillClrLst meth="repeat">
+      <a:schemeClr val="dk1"/>
+    </dgm:txFillClrLst>
+    <dgm:txEffectClrLst/>
+  </dgm:styleLbl>
+  <dgm:styleLbl name="asst2">
+    <dgm:fillClrLst meth="repeat">
+      <a:schemeClr val="lt1"/>
+    </dgm:fillClrLst>
+    <dgm:linClrLst meth="repeat">
+      <a:schemeClr val="dk1">
+        <a:shade val="80000"/>
+      </a:schemeClr>
+    </dgm:linClrLst>
+    <dgm:effectClrLst/>
+    <dgm:txLinClrLst/>
+    <dgm:txFillClrLst meth="repeat">
+      <a:schemeClr val="dk1"/>
+    </dgm:txFillClrLst>
+    <dgm:txEffectClrLst/>
+  </dgm:styleLbl>
+  <dgm:styleLbl name="asst3">
+    <dgm:fillClrLst meth="repeat">
+      <a:schemeClr val="lt1"/>
+    </dgm:fillClrLst>
+    <dgm:linClrLst meth="repeat">
+      <a:schemeClr val="dk1">
+        <a:shade val="80000"/>
+      </a:schemeClr>
+    </dgm:linClrLst>
+    <dgm:effectClrLst/>
+    <dgm:txLinClrLst/>
+    <dgm:txFillClrLst meth="repeat">
+      <a:schemeClr val="dk1"/>
+    </dgm:txFillClrLst>
+    <dgm:txEffectClrLst/>
+  </dgm:styleLbl>
+  <dgm:styleLbl name="asst4">
+    <dgm:fillClrLst meth="repeat">
+      <a:schemeClr val="lt1"/>
+    </dgm:fillClrLst>
+    <dgm:linClrLst meth="repeat">
+      <a:schemeClr val="dk1">
+        <a:shade val="80000"/>
+      </a:schemeClr>
+    </dgm:linClrLst>
+    <dgm:effectClrLst/>
+    <dgm:txLinClrLst/>
+    <dgm:txFillClrLst meth="repeat">
+      <a:schemeClr val="dk1"/>
+    </dgm:txFillClrLst>
+    <dgm:txEffectClrLst/>
+  </dgm:styleLbl>
+  <dgm:styleLbl name="parChTrans2D1">
+    <dgm:fillClrLst meth="repeat">
+      <a:schemeClr val="dk1">
+        <a:tint val="60000"/>
+      </a:schemeClr>
+    </dgm:fillClrLst>
+    <dgm:linClrLst meth="repeat">
+      <a:schemeClr val="dk1">
+        <a:tint val="60000"/>
+      </a:schemeClr>
+    </dgm:linClrLst>
+    <dgm:effectClrLst/>
+    <dgm:txLinClrLst/>
+    <dgm:txFillClrLst/>
+    <dgm:txEffectClrLst/>
+  </dgm:styleLbl>
+  <dgm:styleLbl name="parChTrans2D2">
+    <dgm:fillClrLst meth="repeat">
+      <a:schemeClr val="dk1"/>
+    </dgm:fillClrLst>
+    <dgm:linClrLst meth="repeat">
+      <a:schemeClr val="dk1"/>
+    </dgm:linClrLst>
+    <dgm:effectClrLst/>
+    <dgm:txLinClrLst/>
+    <dgm:txFillClrLst/>
+    <dgm:txEffectClrLst/>
+  </dgm:styleLbl>
+  <dgm:styleLbl name="parChTrans2D3">
+    <dgm:fillClrLst meth="repeat">
+      <a:schemeClr val="dk1"/>
+    </dgm:fillClrLst>
+    <dgm:linClrLst meth="repeat">
+      <a:schemeClr val="dk1"/>
+    </dgm:linClrLst>
+    <dgm:effectClrLst/>
+    <dgm:txLinClrLst/>
+    <dgm:txFillClrLst/>
+    <dgm:txEffectClrLst/>
+  </dgm:styleLbl>
+  <dgm:styleLbl name="parChTrans2D4">
+    <dgm:fillClrLst meth="repeat">
+      <a:schemeClr val="dk1"/>
+    </dgm:fillClrLst>
+    <dgm:linClrLst meth="repeat">
+      <a:schemeClr val="dk1"/>
+    </dgm:linClrLst>
+    <dgm:effectClrLst/>
+    <dgm:txLinClrLst/>
+    <dgm:txFillClrLst meth="repeat">
+      <a:schemeClr val="lt1"/>
+    </dgm:txFillClrLst>
+    <dgm:txEffectClrLst/>
+  </dgm:styleLbl>
+  <dgm:styleLbl name="parChTrans1D1">
+    <dgm:fillClrLst meth="repeat">
+      <a:schemeClr val="dk1"/>
+    </dgm:fillClrLst>
+    <dgm:linClrLst meth="repeat">
+      <a:schemeClr val="dk1">
+        <a:shade val="60000"/>
+      </a:schemeClr>
+    </dgm:linClrLst>
+    <dgm:effectClrLst/>
+    <dgm:txLinClrLst/>
+    <dgm:txFillClrLst meth="repeat">
+      <a:schemeClr val="tx1"/>
+    </dgm:txFillClrLst>
+    <dgm:txEffectClrLst/>
+  </dgm:styleLbl>
+  <dgm:styleLbl name="parChTrans1D2">
+    <dgm:fillClrLst meth="repeat">
+      <a:schemeClr val="dk1"/>
+    </dgm:fillClrLst>
+    <dgm:linClrLst meth="repeat">
+      <a:schemeClr val="dk1">
+        <a:shade val="60000"/>
+      </a:schemeClr>
+    </dgm:linClrLst>
+    <dgm:effectClrLst/>
+    <dgm:txLinClrLst/>
+    <dgm:txFillClrLst meth="repeat">
+      <a:schemeClr val="tx1"/>
+    </dgm:txFillClrLst>
+    <dgm:txEffectClrLst/>
+  </dgm:styleLbl>
+  <dgm:styleLbl name="parChTrans1D3">
+    <dgm:fillClrLst meth="repeat">
+      <a:schemeClr val="dk1"/>
+    </dgm:fillClrLst>
+    <dgm:linClrLst meth="repeat">
+      <a:schemeClr val="dk1">
+        <a:shade val="80000"/>
+      </a:schemeClr>
+    </dgm:linClrLst>
+    <dgm:effectClrLst/>
+    <dgm:txLinClrLst/>
+    <dgm:txFillClrLst meth="repeat">
+      <a:schemeClr val="tx1"/>
+    </dgm:txFillClrLst>
+    <dgm:txEffectClrLst/>
+  </dgm:styleLbl>
+  <dgm:styleLbl name="parChTrans1D4">
+    <dgm:fillClrLst meth="repeat">
+      <a:schemeClr val="dk1"/>
+    </dgm:fillClrLst>
+    <dgm:linClrLst meth="repeat">
+      <a:schemeClr val="dk1">
+        <a:shade val="80000"/>
+      </a:schemeClr>
+    </dgm:linClrLst>
+    <dgm:effectClrLst/>
+    <dgm:txLinClrLst/>
+    <dgm:txFillClrLst meth="repeat">
+      <a:schemeClr val="tx1"/>
+    </dgm:txFillClrLst>
+    <dgm:txEffectClrLst/>
+  </dgm:styleLbl>
+  <dgm:styleLbl name="fgAcc1">
+    <dgm:fillClrLst meth="repeat">
+      <a:schemeClr val="dk1">
+        <a:alpha val="90000"/>
+        <a:tint val="40000"/>
+      </a:schemeClr>
+    </dgm:fillClrLst>
+    <dgm:linClrLst meth="repeat">
+      <a:schemeClr val="dk1"/>
+    </dgm:linClrLst>
+    <dgm:effectClrLst/>
+    <dgm:txLinClrLst/>
+    <dgm:txFillClrLst meth="repeat">
+      <a:schemeClr val="dk1"/>
+    </dgm:txFillClrLst>
+    <dgm:txEffectClrLst/>
+  </dgm:styleLbl>
+  <dgm:styleLbl name="conFgAcc1">
+    <dgm:fillClrLst meth="repeat">
+      <a:schemeClr val="dk1">
+        <a:alpha val="90000"/>
+        <a:tint val="40000"/>
+      </a:schemeClr>
+    </dgm:fillClrLst>
+    <dgm:linClrLst meth="repeat">
+      <a:schemeClr val="dk1"/>
+    </dgm:linClrLst>
+    <dgm:effectClrLst/>
+    <dgm:txLinClrLst/>
+    <dgm:txFillClrLst meth="repeat">
+      <a:schemeClr val="dk1"/>
+    </dgm:txFillClrLst>
+    <dgm:txEffectClrLst/>
+  </dgm:styleLbl>
+  <dgm:styleLbl name="alignAcc1">
+    <dgm:fillClrLst meth="repeat">
+      <a:schemeClr val="dk1">
+        <a:alpha val="90000"/>
+        <a:tint val="40000"/>
+      </a:schemeClr>
+    </dgm:fillClrLst>
+    <dgm:linClrLst meth="repeat">
+      <a:schemeClr val="dk1"/>
+    </dgm:linClrLst>
+    <dgm:effectClrLst/>
+    <dgm:txLinClrLst/>
+    <dgm:txFillClrLst meth="repeat">
+      <a:schemeClr val="dk1"/>
+    </dgm:txFillClrLst>
+    <dgm:txEffectClrLst/>
+  </dgm:styleLbl>
+  <dgm:styleLbl name="trAlignAcc1">
+    <dgm:fillClrLst meth="repeat">
+      <a:schemeClr val="dk1">
+        <a:alpha val="40000"/>
+        <a:tint val="40000"/>
+      </a:schemeClr>
+    </dgm:fillClrLst>
+    <dgm:linClrLst meth="repeat">
+      <a:schemeClr val="dk1"/>
+    </dgm:linClrLst>
+    <dgm:effectClrLst/>
+    <dgm:txLinClrLst/>
+    <dgm:txFillClrLst meth="repeat">
+      <a:schemeClr val="dk1"/>
+    </dgm:txFillClrLst>
+    <dgm:txEffectClrLst/>
+  </dgm:styleLbl>
+  <dgm:styleLbl name="bgAcc1">
+    <dgm:fillClrLst meth="repeat">
+      <a:schemeClr val="dk1">
+        <a:alpha val="90000"/>
+        <a:tint val="40000"/>
+      </a:schemeClr>
+    </dgm:fillClrLst>
+    <dgm:linClrLst meth="repeat">
+      <a:schemeClr val="dk1"/>
+    </dgm:linClrLst>
+    <dgm:effectClrLst/>
+    <dgm:txLinClrLst/>
+    <dgm:txFillClrLst meth="repeat">
+      <a:schemeClr val="dk1"/>
+    </dgm:txFillClrLst>
+    <dgm:txEffectClrLst/>
+  </dgm:styleLbl>
+  <dgm:styleLbl name="solidFgAcc1">
+    <dgm:fillClrLst meth="repeat">
+      <a:schemeClr val="lt1"/>
+    </dgm:fillClrLst>
+    <dgm:linClrLst meth="repeat">
+      <a:schemeClr val="dk1"/>
+    </dgm:linClrLst>
+    <dgm:effectClrLst/>
+    <dgm:txLinClrLst/>
+    <dgm:txFillClrLst meth="repeat">
+      <a:schemeClr val="dk1"/>
+    </dgm:txFillClrLst>
+    <dgm:txEffectClrLst/>
+  </dgm:styleLbl>
+  <dgm:styleLbl name="solidAlignAcc1">
+    <dgm:fillClrLst meth="repeat">
+      <a:schemeClr val="lt1"/>
+    </dgm:fillClrLst>
+    <dgm:linClrLst meth="repeat">
+      <a:schemeClr val="dk1"/>
+    </dgm:linClrLst>
+    <dgm:effectClrLst/>
+    <dgm:txLinClrLst/>
+    <dgm:txFillClrLst meth="repeat">
+      <a:schemeClr val="dk1"/>
+    </dgm:txFillClrLst>
+    <dgm:txEffectClrLst/>
+  </dgm:styleLbl>
+  <dgm:styleLbl name="solidBgAcc1">
+    <dgm:fillClrLst meth="repeat">
+      <a:schemeClr val="lt1"/>
+    </dgm:fillClrLst>
+    <dgm:linClrLst meth="repeat">
+      <a:schemeClr val="dk1"/>
+    </dgm:linClrLst>
+    <dgm:effectClrLst/>
+    <dgm:txLinClrLst/>
+    <dgm:txFillClrLst meth="repeat">
+      <a:schemeClr val="dk1"/>
+    </dgm:txFillClrLst>
+    <dgm:txEffectClrLst/>
+  </dgm:styleLbl>
+  <dgm:styleLbl name="fgAccFollowNode1">
+    <dgm:fillClrLst meth="repeat">
+      <a:schemeClr val="lt1">
+        <a:alpha val="90000"/>
+        <a:tint val="40000"/>
+      </a:schemeClr>
+    </dgm:fillClrLst>
+    <dgm:linClrLst meth="repeat">
+      <a:schemeClr val="dk1">
+        <a:alpha val="90000"/>
+      </a:schemeClr>
+    </dgm:linClrLst>
+    <dgm:effectClrLst/>
+    <dgm:txLinClrLst/>
+    <dgm:txFillClrLst meth="repeat">
+      <a:schemeClr val="dk1"/>
+    </dgm:txFillClrLst>
+    <dgm:txEffectClrLst/>
+  </dgm:styleLbl>
+  <dgm:styleLbl name="alignAccFollowNode1">
+    <dgm:fillClrLst meth="repeat">
+      <a:schemeClr val="lt1">
+        <a:alpha val="90000"/>
+        <a:tint val="40000"/>
+      </a:schemeClr>
+    </dgm:fillClrLst>
+    <dgm:linClrLst meth="repeat">
+      <a:schemeClr val="dk1">
+        <a:alpha val="90000"/>
+      </a:schemeClr>
+    </dgm:linClrLst>
+    <dgm:effectClrLst/>
+    <dgm:txLinClrLst/>
+    <dgm:txFillClrLst meth="repeat">
+      <a:schemeClr val="dk1"/>
+    </dgm:txFillClrLst>
+    <dgm:txEffectClrLst/>
+  </dgm:styleLbl>
+  <dgm:styleLbl name="bgAccFollowNode1">
+    <dgm:fillClrLst meth="repeat">
+      <a:schemeClr val="lt1">
+        <a:alpha val="90000"/>
+        <a:tint val="40000"/>
+      </a:schemeClr>
+    </dgm:fillClrLst>
+    <dgm:linClrLst meth="repeat">
+      <a:schemeClr val="dk1">
+        <a:alpha val="90000"/>
+      </a:schemeClr>
+    </dgm:linClrLst>
+    <dgm:effectClrLst/>
+    <dgm:txLinClrLst/>
+    <dgm:txFillClrLst meth="repeat">
+      <a:schemeClr val="dk1"/>
+    </dgm:txFillClrLst>
+    <dgm:txEffectClrLst/>
+  </dgm:styleLbl>
+  <dgm:styleLbl name="fgAcc0">
+    <dgm:fillClrLst meth="repeat">
+      <a:schemeClr val="dk1">
+        <a:alpha val="90000"/>
+        <a:tint val="40000"/>
+      </a:schemeClr>
+    </dgm:fillClrLst>
+    <dgm:linClrLst meth="repeat">
+      <a:schemeClr val="dk1"/>
+    </dgm:linClrLst>
+    <dgm:effectClrLst/>
+    <dgm:txLinClrLst/>
+    <dgm:txFillClrLst meth="repeat">
+      <a:schemeClr val="dk1"/>
+    </dgm:txFillClrLst>
+    <dgm:txEffectClrLst/>
+  </dgm:styleLbl>
+  <dgm:styleLbl name="fgAcc2">
+    <dgm:fillClrLst meth="repeat">
+      <a:schemeClr val="dk1">
+        <a:alpha val="90000"/>
+        <a:tint val="40000"/>
+      </a:schemeClr>
+    </dgm:fillClrLst>
+    <dgm:linClrLst meth="repeat">
+      <a:schemeClr val="dk1"/>
+    </dgm:linClrLst>
+    <dgm:effectClrLst/>
+    <dgm:txLinClrLst/>
+    <dgm:txFillClrLst meth="repeat">
+      <a:schemeClr val="dk1"/>
+    </dgm:txFillClrLst>
+    <dgm:txEffectClrLst/>
+  </dgm:styleLbl>
+  <dgm:styleLbl name="fgAcc3">
+    <dgm:fillClrLst meth="repeat">
+      <a:schemeClr val="dk1">
+        <a:alpha val="90000"/>
+        <a:tint val="40000"/>
+      </a:schemeClr>
+    </dgm:fillClrLst>
+    <dgm:linClrLst meth="repeat">
+      <a:schemeClr val="dk1"/>
+    </dgm:linClrLst>
+    <dgm:effectClrLst/>
+    <dgm:txLinClrLst/>
+    <dgm:txFillClrLst meth="repeat">
+      <a:schemeClr val="dk1"/>
+    </dgm:txFillClrLst>
+    <dgm:txEffectClrLst/>
+  </dgm:styleLbl>
+  <dgm:styleLbl name="fgAcc4">
+    <dgm:fillClrLst meth="repeat">
+      <a:schemeClr val="dk1">
+        <a:alpha val="90000"/>
+        <a:tint val="40000"/>
+      </a:schemeClr>
+    </dgm:fillClrLst>
+    <dgm:linClrLst meth="repeat">
+      <a:schemeClr val="dk1"/>
+    </dgm:linClrLst>
+    <dgm:effectClrLst/>
+    <dgm:txLinClrLst/>
+    <dgm:txFillClrLst meth="repeat">
+      <a:schemeClr val="dk1"/>
+    </dgm:txFillClrLst>
+    <dgm:txEffectClrLst/>
+  </dgm:styleLbl>
+  <dgm:styleLbl name="bgShp">
+    <dgm:fillClrLst meth="repeat">
+      <a:schemeClr val="dk1">
+        <a:tint val="40000"/>
+      </a:schemeClr>
+    </dgm:fillClrLst>
+    <dgm:linClrLst meth="repeat">
+      <a:schemeClr val="dk1"/>
+    </dgm:linClrLst>
+    <dgm:effectClrLst/>
+    <dgm:txLinClrLst/>
+    <dgm:txFillClrLst meth="repeat">
+      <a:schemeClr val="dk1"/>
+    </dgm:txFillClrLst>
+    <dgm:txEffectClrLst/>
+  </dgm:styleLbl>
+  <dgm:styleLbl name="dkBgShp">
+    <dgm:fillClrLst meth="repeat">
+      <a:schemeClr val="dk1">
+        <a:shade val="80000"/>
+      </a:schemeClr>
+    </dgm:fillClrLst>
+    <dgm:linClrLst meth="repeat">
+      <a:schemeClr val="dk1"/>
+    </dgm:linClrLst>
+    <dgm:effectClrLst/>
+    <dgm:txLinClrLst/>
+    <dgm:txFillClrLst meth="repeat">
+      <a:schemeClr val="lt1"/>
+    </dgm:txFillClrLst>
+    <dgm:txEffectClrLst/>
+  </dgm:styleLbl>
+  <dgm:styleLbl name="trBgShp">
+    <dgm:fillClrLst meth="repeat">
+      <a:schemeClr val="dk1">
+        <a:tint val="50000"/>
+        <a:alpha val="40000"/>
+      </a:schemeClr>
+    </dgm:fillClrLst>
+    <dgm:linClrLst meth="repeat">
+      <a:schemeClr val="dk1"/>
+    </dgm:linClrLst>
+    <dgm:effectClrLst/>
+    <dgm:txLinClrLst/>
+    <dgm:txFillClrLst meth="repeat">
+      <a:schemeClr val="lt1"/>
+    </dgm:txFillClrLst>
+    <dgm:txEffectClrLst/>
+  </dgm:styleLbl>
+  <dgm:styleLbl name="fgShp">
+    <dgm:fillClrLst meth="repeat">
+      <a:schemeClr val="dk1">
+        <a:tint val="60000"/>
+      </a:schemeClr>
+    </dgm:fillClrLst>
+    <dgm:linClrLst meth="repeat">
+      <a:schemeClr val="lt1"/>
+    </dgm:linClrLst>
+    <dgm:effectClrLst/>
+    <dgm:txLinClrLst/>
+    <dgm:txFillClrLst meth="repeat">
+      <a:schemeClr val="dk1"/>
+    </dgm:txFillClrLst>
+    <dgm:txEffectClrLst/>
+  </dgm:styleLbl>
+  <dgm:styleLbl name="revTx">
+    <dgm:fillClrLst meth="repeat">
+      <a:schemeClr val="lt1">
+        <a:alpha val="0"/>
+      </a:schemeClr>
+    </dgm:fillClrLst>
+    <dgm:linClrLst meth="repeat">
+      <a:schemeClr val="dk1">
+        <a:alpha val="0"/>
+      </a:schemeClr>
+    </dgm:linClrLst>
+    <dgm:effectClrLst/>
+    <dgm:txLinClrLst/>
+    <dgm:txFillClrLst meth="repeat">
+      <a:schemeClr val="tx1"/>
+    </dgm:txFillClrLst>
+    <dgm:txEffectClrLst/>
+  </dgm:styleLbl>
+</dgm:colorsDef>
+</file>
+
+<file path=ppt/diagrams/colors2.xml><?xml version="1.0" encoding="utf-8"?>
 <dgm:colorsDef xmlns:dgm="http://schemas.openxmlformats.org/drawingml/2006/diagram" xmlns:a="http://schemas.openxmlformats.org/drawingml/2006/main" uniqueId="urn:microsoft.com/office/officeart/2005/8/colors/accent0_1">
   <dgm:title val=""/>
   <dgm:desc val=""/>
@@ -1616,6 +2424,944 @@
     <dgm:cxn modelId="{0CBB3538-DD55-400C-8B87-BBC12D1096C4}" type="presParOf" srcId="{5BD61685-EFEA-46D1-8EAC-C7F5FA652F5A}" destId="{8E93EF29-2DA9-4450-A94E-E84C7B43096D}" srcOrd="15" destOrd="0" presId="urn:microsoft.com/office/officeart/2005/8/layout/process5"/>
     <dgm:cxn modelId="{E1C0B2AD-C6CF-4CD4-865C-8F7DD394B693}" type="presParOf" srcId="{8E93EF29-2DA9-4450-A94E-E84C7B43096D}" destId="{778A386A-4C20-4FF7-83E2-F3C8471FE77A}" srcOrd="0" destOrd="0" presId="urn:microsoft.com/office/officeart/2005/8/layout/process5"/>
     <dgm:cxn modelId="{BE42DE19-20A9-4606-AC39-71D32451DA70}" type="presParOf" srcId="{5BD61685-EFEA-46D1-8EAC-C7F5FA652F5A}" destId="{895B3D7B-4668-43EF-92F3-F16B71473439}" srcOrd="16" destOrd="0" presId="urn:microsoft.com/office/officeart/2005/8/layout/process5"/>
+  </dgm:cxnLst>
+  <dgm:bg/>
+  <dgm:whole/>
+  <dgm:extLst>
+    <a:ext uri="http://schemas.microsoft.com/office/drawing/2008/diagram">
+      <dsp:dataModelExt xmlns:dsp="http://schemas.microsoft.com/office/drawing/2008/diagram" relId="rId6" minVer="http://schemas.openxmlformats.org/drawingml/2006/diagram"/>
+    </a:ext>
+  </dgm:extLst>
+</dgm:dataModel>
+</file>
+
+<file path=ppt/diagrams/data2.xml><?xml version="1.0" encoding="utf-8"?>
+<dgm:dataModel xmlns:dgm="http://schemas.openxmlformats.org/drawingml/2006/diagram" xmlns:a="http://schemas.openxmlformats.org/drawingml/2006/main">
+  <dgm:ptLst>
+    <dgm:pt modelId="{CDE4AA0B-5F06-4BD9-BB42-A3C5FE46EDD5}" type="doc">
+      <dgm:prSet loTypeId="urn:microsoft.com/office/officeart/2005/8/layout/process5" loCatId="process" qsTypeId="urn:microsoft.com/office/officeart/2005/8/quickstyle/3d3" qsCatId="3D" csTypeId="urn:microsoft.com/office/officeart/2005/8/colors/accent0_1" csCatId="mainScheme" phldr="1"/>
+      <dgm:spPr/>
+    </dgm:pt>
+    <dgm:pt modelId="{FB1CB032-2E4F-42E3-AC99-E83CFD9D0C41}">
+      <dgm:prSet phldrT="[Text]" custT="1"/>
+      <dgm:spPr/>
+      <dgm:t>
+        <a:bodyPr/>
+        <a:lstStyle/>
+        <a:p>
+          <a:r>
+            <a:rPr lang="en-GB" sz="1800" dirty="0"/>
+            <a:t>Create an array of  32K random symbols</a:t>
+          </a:r>
+          <a:endParaRPr lang="en-US" sz="1800" dirty="0"/>
+        </a:p>
+      </dgm:t>
+    </dgm:pt>
+    <dgm:pt modelId="{F9A5A989-2ED1-4073-AB0E-7B70D74FB5D7}" type="parTrans" cxnId="{585F8E84-1CD6-4DD9-B6E8-8EFCF70CCF5F}">
+      <dgm:prSet/>
+      <dgm:spPr/>
+      <dgm:t>
+        <a:bodyPr/>
+        <a:lstStyle/>
+        <a:p>
+          <a:endParaRPr lang="en-US"/>
+        </a:p>
+      </dgm:t>
+    </dgm:pt>
+    <dgm:pt modelId="{51AC868D-C5E3-446C-B42D-B2F6B6ADBEEF}" type="sibTrans" cxnId="{585F8E84-1CD6-4DD9-B6E8-8EFCF70CCF5F}">
+      <dgm:prSet/>
+      <dgm:spPr/>
+      <dgm:t>
+        <a:bodyPr/>
+        <a:lstStyle/>
+        <a:p>
+          <a:endParaRPr lang="en-US"/>
+        </a:p>
+      </dgm:t>
+    </dgm:pt>
+    <dgm:pt modelId="{37E92ECD-7D5C-4CCA-B6F2-FCB64D1C662B}">
+      <dgm:prSet phldrT="[Text]" custT="1"/>
+      <dgm:spPr/>
+      <dgm:t>
+        <a:bodyPr/>
+        <a:lstStyle/>
+        <a:p>
+          <a:r>
+            <a:rPr lang="en-GB" sz="1200" dirty="0"/>
+            <a:t>Modulate: </a:t>
+          </a:r>
+        </a:p>
+        <a:p>
+          <a:r>
+            <a:rPr lang="en-GB" sz="1200" dirty="0"/>
+            <a:t>QPSK, 16QAM, 64QAM</a:t>
+          </a:r>
+        </a:p>
+        <a:p>
+          <a:r>
+            <a:rPr lang="en-GB" sz="1200" dirty="0"/>
+            <a:t>QPSK: initial phase </a:t>
+          </a:r>
+          <a:r>
+            <a:rPr lang="el-GR" sz="1200" dirty="0"/>
+            <a:t>π</a:t>
+          </a:r>
+          <a:r>
+            <a:rPr lang="en-GB" sz="1200" dirty="0"/>
+            <a:t>/4</a:t>
+          </a:r>
+          <a:r>
+            <a:rPr lang="en-US" sz="1200" dirty="0"/>
+            <a:t> , gray coding</a:t>
+          </a:r>
+        </a:p>
+      </dgm:t>
+    </dgm:pt>
+    <dgm:pt modelId="{C2EB40F5-5127-4E50-AF66-7267D3B6F7B6}" type="parTrans" cxnId="{A723CEDD-E5A2-4CEE-A7BA-7CAA9D1CB5D5}">
+      <dgm:prSet/>
+      <dgm:spPr/>
+      <dgm:t>
+        <a:bodyPr/>
+        <a:lstStyle/>
+        <a:p>
+          <a:endParaRPr lang="en-US"/>
+        </a:p>
+      </dgm:t>
+    </dgm:pt>
+    <dgm:pt modelId="{F7548BA1-AB8C-4CEB-945D-12F806610994}" type="sibTrans" cxnId="{A723CEDD-E5A2-4CEE-A7BA-7CAA9D1CB5D5}">
+      <dgm:prSet/>
+      <dgm:spPr/>
+      <dgm:t>
+        <a:bodyPr/>
+        <a:lstStyle/>
+        <a:p>
+          <a:endParaRPr lang="en-US"/>
+        </a:p>
+      </dgm:t>
+    </dgm:pt>
+    <dgm:pt modelId="{2FE520D4-4C2D-44DC-918D-77C1D1D78EB9}">
+      <dgm:prSet phldrT="[Text]" custT="1"/>
+      <dgm:spPr/>
+      <dgm:t>
+        <a:bodyPr/>
+        <a:lstStyle/>
+        <a:p>
+          <a:r>
+            <a:rPr lang="en-US" sz="2000" dirty="0"/>
+            <a:t>Filter with a pulse shaping filter</a:t>
+          </a:r>
+          <a:r>
+            <a:rPr lang="en-US" sz="2000" baseline="30000" dirty="0"/>
+            <a:t>1</a:t>
+          </a:r>
+          <a:endParaRPr lang="en-US" sz="2000" dirty="0"/>
+        </a:p>
+      </dgm:t>
+    </dgm:pt>
+    <dgm:pt modelId="{28C6B240-84DC-4335-B710-F024ED6EF484}" type="parTrans" cxnId="{A4511EAB-B475-4A4C-BD08-FE3283B52822}">
+      <dgm:prSet/>
+      <dgm:spPr/>
+      <dgm:t>
+        <a:bodyPr/>
+        <a:lstStyle/>
+        <a:p>
+          <a:endParaRPr lang="en-US"/>
+        </a:p>
+      </dgm:t>
+    </dgm:pt>
+    <dgm:pt modelId="{4F48D43F-60A8-46CA-ABB7-394A2F5C667C}" type="sibTrans" cxnId="{A4511EAB-B475-4A4C-BD08-FE3283B52822}">
+      <dgm:prSet/>
+      <dgm:spPr/>
+      <dgm:t>
+        <a:bodyPr/>
+        <a:lstStyle/>
+        <a:p>
+          <a:endParaRPr lang="en-US"/>
+        </a:p>
+      </dgm:t>
+    </dgm:pt>
+    <dgm:pt modelId="{D9CED4B3-B54E-414C-B1E1-7BB7F935BC9C}">
+      <dgm:prSet phldrT="[Text]" custT="1"/>
+      <dgm:spPr/>
+      <dgm:t>
+        <a:bodyPr/>
+        <a:lstStyle/>
+        <a:p>
+          <a:r>
+            <a:rPr lang="en-US" sz="2000" dirty="0"/>
+            <a:t>Add AWGN</a:t>
+          </a:r>
+        </a:p>
+      </dgm:t>
+    </dgm:pt>
+    <dgm:pt modelId="{92BACA1F-1027-4123-8BBB-1B6E2B7D29CA}" type="parTrans" cxnId="{B3CCDC6F-85DE-4DC4-B62A-2036BFB0127E}">
+      <dgm:prSet/>
+      <dgm:spPr/>
+      <dgm:t>
+        <a:bodyPr/>
+        <a:lstStyle/>
+        <a:p>
+          <a:endParaRPr lang="en-US"/>
+        </a:p>
+      </dgm:t>
+    </dgm:pt>
+    <dgm:pt modelId="{E5BFD00D-A1FF-4783-AF22-0707B739E7DE}" type="sibTrans" cxnId="{B3CCDC6F-85DE-4DC4-B62A-2036BFB0127E}">
+      <dgm:prSet/>
+      <dgm:spPr/>
+      <dgm:t>
+        <a:bodyPr/>
+        <a:lstStyle/>
+        <a:p>
+          <a:endParaRPr lang="en-US"/>
+        </a:p>
+      </dgm:t>
+    </dgm:pt>
+    <dgm:pt modelId="{CAF7ED6A-33B4-4AC9-9016-D2C2B48CC68B}">
+      <dgm:prSet phldrT="[Text]" custT="1"/>
+      <dgm:spPr/>
+      <dgm:t>
+        <a:bodyPr/>
+        <a:lstStyle/>
+        <a:p>
+          <a:r>
+            <a:rPr lang="en-US" sz="1600" dirty="0"/>
+            <a:t>Add phase noise</a:t>
+          </a:r>
+        </a:p>
+      </dgm:t>
+    </dgm:pt>
+    <dgm:pt modelId="{84943193-10B6-4691-8934-608BC5BB17EA}" type="parTrans" cxnId="{5614944F-AA41-43E1-A1F7-9741C01688E2}">
+      <dgm:prSet/>
+      <dgm:spPr/>
+      <dgm:t>
+        <a:bodyPr/>
+        <a:lstStyle/>
+        <a:p>
+          <a:endParaRPr lang="en-US"/>
+        </a:p>
+      </dgm:t>
+    </dgm:pt>
+    <dgm:pt modelId="{9D1DBAF5-A177-4549-AF7E-9F54CDCC0D0B}" type="sibTrans" cxnId="{5614944F-AA41-43E1-A1F7-9741C01688E2}">
+      <dgm:prSet/>
+      <dgm:spPr/>
+      <dgm:t>
+        <a:bodyPr/>
+        <a:lstStyle/>
+        <a:p>
+          <a:endParaRPr lang="en-US"/>
+        </a:p>
+      </dgm:t>
+    </dgm:pt>
+    <dgm:pt modelId="{9D5190EE-90E8-4688-ACFD-DD1D70934FBD}">
+      <dgm:prSet phldrT="[Text]" custT="1"/>
+      <dgm:spPr/>
+      <dgm:t>
+        <a:bodyPr/>
+        <a:lstStyle/>
+        <a:p>
+          <a:r>
+            <a:rPr lang="en-US" sz="1600" dirty="0"/>
+            <a:t>Automatic gain control for normalization</a:t>
+          </a:r>
+        </a:p>
+      </dgm:t>
+    </dgm:pt>
+    <dgm:pt modelId="{B17DFC00-3239-4524-B93C-0F857E1ADCCD}" type="parTrans" cxnId="{915B19E1-354E-44BF-8A56-13EB919673A6}">
+      <dgm:prSet/>
+      <dgm:spPr/>
+      <dgm:t>
+        <a:bodyPr/>
+        <a:lstStyle/>
+        <a:p>
+          <a:endParaRPr lang="en-US"/>
+        </a:p>
+      </dgm:t>
+    </dgm:pt>
+    <dgm:pt modelId="{F5F65E4D-82C4-4F09-9442-76B3337D509D}" type="sibTrans" cxnId="{915B19E1-354E-44BF-8A56-13EB919673A6}">
+      <dgm:prSet/>
+      <dgm:spPr/>
+      <dgm:t>
+        <a:bodyPr/>
+        <a:lstStyle/>
+        <a:p>
+          <a:endParaRPr lang="en-US"/>
+        </a:p>
+      </dgm:t>
+    </dgm:pt>
+    <dgm:pt modelId="{FFE1BB70-6F2D-4347-BEDF-D8F830EC40E7}">
+      <dgm:prSet phldrT="[Text]" custT="1"/>
+      <dgm:spPr/>
+      <dgm:t>
+        <a:bodyPr/>
+        <a:lstStyle/>
+        <a:p>
+          <a:r>
+            <a:rPr lang="en-US" sz="1800" dirty="0"/>
+            <a:t>Match filtering with a pulse shaping filter</a:t>
+          </a:r>
+          <a:r>
+            <a:rPr lang="en-US" sz="1800" baseline="30000" dirty="0"/>
+            <a:t>1</a:t>
+          </a:r>
+          <a:endParaRPr lang="en-US" sz="1800" dirty="0"/>
+        </a:p>
+      </dgm:t>
+    </dgm:pt>
+    <dgm:pt modelId="{3A522C26-99FA-47B0-931B-13389090F77F}" type="parTrans" cxnId="{E8AA4BA0-30DE-44E9-BB4D-C919047BDA66}">
+      <dgm:prSet/>
+      <dgm:spPr/>
+      <dgm:t>
+        <a:bodyPr/>
+        <a:lstStyle/>
+        <a:p>
+          <a:endParaRPr lang="en-US"/>
+        </a:p>
+      </dgm:t>
+    </dgm:pt>
+    <dgm:pt modelId="{1B688F23-BB39-4C54-BF1C-5B1DE45DF827}" type="sibTrans" cxnId="{E8AA4BA0-30DE-44E9-BB4D-C919047BDA66}">
+      <dgm:prSet/>
+      <dgm:spPr/>
+      <dgm:t>
+        <a:bodyPr/>
+        <a:lstStyle/>
+        <a:p>
+          <a:endParaRPr lang="en-US"/>
+        </a:p>
+      </dgm:t>
+    </dgm:pt>
+    <dgm:pt modelId="{AFBFDAA9-83D6-432F-901D-87A0890536EF}">
+      <dgm:prSet phldrT="[Text]"/>
+      <dgm:spPr/>
+      <dgm:t>
+        <a:bodyPr/>
+        <a:lstStyle/>
+        <a:p>
+          <a:r>
+            <a:rPr lang="en-US" dirty="0"/>
+            <a:t>Demodulate from QPSK, 16QAM, 64QAM</a:t>
+          </a:r>
+        </a:p>
+      </dgm:t>
+    </dgm:pt>
+    <dgm:pt modelId="{4F8AF022-27EB-4F99-95AC-43FAAF04228A}" type="parTrans" cxnId="{0C09F8D8-5C8A-4358-AD1E-2BAB7CA79209}">
+      <dgm:prSet/>
+      <dgm:spPr/>
+      <dgm:t>
+        <a:bodyPr/>
+        <a:lstStyle/>
+        <a:p>
+          <a:endParaRPr lang="en-US"/>
+        </a:p>
+      </dgm:t>
+    </dgm:pt>
+    <dgm:pt modelId="{C2DAEA33-3A24-40F8-9C82-54578B2CCB12}" type="sibTrans" cxnId="{0C09F8D8-5C8A-4358-AD1E-2BAB7CA79209}">
+      <dgm:prSet/>
+      <dgm:spPr/>
+      <dgm:t>
+        <a:bodyPr/>
+        <a:lstStyle/>
+        <a:p>
+          <a:endParaRPr lang="en-US"/>
+        </a:p>
+      </dgm:t>
+    </dgm:pt>
+    <dgm:pt modelId="{D68049C6-70CD-4A5A-9A63-F07EE23435DC}">
+      <dgm:prSet phldrT="[Text]"/>
+      <dgm:spPr/>
+      <dgm:t>
+        <a:bodyPr/>
+        <a:lstStyle/>
+        <a:p>
+          <a:r>
+            <a:rPr lang="en-US" dirty="0"/>
+            <a:t>Estimate BER, SNR and plot spectra</a:t>
+          </a:r>
+        </a:p>
+      </dgm:t>
+    </dgm:pt>
+    <dgm:pt modelId="{D065A0AE-0D31-456E-94DF-3C61191B5D30}" type="parTrans" cxnId="{E0A81B69-433E-46F6-8EE5-D67878A0433C}">
+      <dgm:prSet/>
+      <dgm:spPr/>
+      <dgm:t>
+        <a:bodyPr/>
+        <a:lstStyle/>
+        <a:p>
+          <a:endParaRPr lang="en-US"/>
+        </a:p>
+      </dgm:t>
+    </dgm:pt>
+    <dgm:pt modelId="{04126CFE-B4FA-4A54-9BF9-7307F73A5B8C}" type="sibTrans" cxnId="{E0A81B69-433E-46F6-8EE5-D67878A0433C}">
+      <dgm:prSet/>
+      <dgm:spPr/>
+      <dgm:t>
+        <a:bodyPr/>
+        <a:lstStyle/>
+        <a:p>
+          <a:endParaRPr lang="en-US"/>
+        </a:p>
+      </dgm:t>
+    </dgm:pt>
+    <dgm:pt modelId="{03909401-4526-43BB-B2C8-7FEF824CE94A}">
+      <dgm:prSet phldrT="[Text]" custT="1"/>
+      <dgm:spPr/>
+      <dgm:t>
+        <a:bodyPr/>
+        <a:lstStyle/>
+        <a:p>
+          <a:r>
+            <a:rPr lang="en-US" sz="1600" dirty="0"/>
+            <a:t>Add Chromatic Dispersion</a:t>
+          </a:r>
+        </a:p>
+      </dgm:t>
+    </dgm:pt>
+    <dgm:pt modelId="{03DE9359-CFC4-4707-9015-EE9BB8074B58}" type="parTrans" cxnId="{F40BF01C-DBF2-4FE8-BD20-B6ABBBF410F5}">
+      <dgm:prSet/>
+      <dgm:spPr/>
+      <dgm:t>
+        <a:bodyPr/>
+        <a:lstStyle/>
+        <a:p>
+          <a:endParaRPr lang="en-US"/>
+        </a:p>
+      </dgm:t>
+    </dgm:pt>
+    <dgm:pt modelId="{1BE9B9AC-2847-4D1D-9B3A-95528B4026F9}" type="sibTrans" cxnId="{F40BF01C-DBF2-4FE8-BD20-B6ABBBF410F5}">
+      <dgm:prSet/>
+      <dgm:spPr/>
+      <dgm:t>
+        <a:bodyPr/>
+        <a:lstStyle/>
+        <a:p>
+          <a:endParaRPr lang="en-US"/>
+        </a:p>
+      </dgm:t>
+    </dgm:pt>
+    <dgm:pt modelId="{8F3F4507-EBFA-48D9-90DA-32B749CEA48E}">
+      <dgm:prSet phldrT="[Text]" custT="1"/>
+      <dgm:spPr/>
+      <dgm:t>
+        <a:bodyPr/>
+        <a:lstStyle/>
+        <a:p>
+          <a:r>
+            <a:rPr lang="en-US" sz="1600" dirty="0"/>
+            <a:t>Resolve Chromatic Dispersion</a:t>
+          </a:r>
+        </a:p>
+      </dgm:t>
+    </dgm:pt>
+    <dgm:pt modelId="{DD262953-69A9-4E1D-BCDA-042EF62940F1}" type="parTrans" cxnId="{A19FFA2B-ADC0-4F78-97AA-95D5822D71B7}">
+      <dgm:prSet/>
+      <dgm:spPr/>
+      <dgm:t>
+        <a:bodyPr/>
+        <a:lstStyle/>
+        <a:p>
+          <a:endParaRPr lang="en-US"/>
+        </a:p>
+      </dgm:t>
+    </dgm:pt>
+    <dgm:pt modelId="{00E75FAF-9A0E-4DA8-A5DD-FC4E8C0ADA8F}" type="sibTrans" cxnId="{A19FFA2B-ADC0-4F78-97AA-95D5822D71B7}">
+      <dgm:prSet/>
+      <dgm:spPr/>
+      <dgm:t>
+        <a:bodyPr/>
+        <a:lstStyle/>
+        <a:p>
+          <a:endParaRPr lang="en-US"/>
+        </a:p>
+      </dgm:t>
+    </dgm:pt>
+    <dgm:pt modelId="{90AC0117-74CB-4956-BEF9-713A80FB6BDB}">
+      <dgm:prSet phldrT="[Text]" custT="1"/>
+      <dgm:spPr/>
+      <dgm:t>
+        <a:bodyPr/>
+        <a:lstStyle/>
+        <a:p>
+          <a:r>
+            <a:rPr lang="en-US" sz="1600" dirty="0"/>
+            <a:t>Frequency Equalisation</a:t>
+          </a:r>
+        </a:p>
+      </dgm:t>
+    </dgm:pt>
+    <dgm:pt modelId="{11344F20-516A-4026-B243-0BBAA54A1A30}" type="parTrans" cxnId="{E0656820-4483-4087-B765-12B0A0EFD367}">
+      <dgm:prSet/>
+      <dgm:spPr/>
+      <dgm:t>
+        <a:bodyPr/>
+        <a:lstStyle/>
+        <a:p>
+          <a:endParaRPr lang="en-US"/>
+        </a:p>
+      </dgm:t>
+    </dgm:pt>
+    <dgm:pt modelId="{0EF9CF17-6B6A-4250-967C-C41A4A825FF9}" type="sibTrans" cxnId="{E0656820-4483-4087-B765-12B0A0EFD367}">
+      <dgm:prSet/>
+      <dgm:spPr/>
+      <dgm:t>
+        <a:bodyPr/>
+        <a:lstStyle/>
+        <a:p>
+          <a:endParaRPr lang="en-US"/>
+        </a:p>
+      </dgm:t>
+    </dgm:pt>
+    <dgm:pt modelId="{2853FD51-99DB-4110-8FF7-3CF4CD15FD29}">
+      <dgm:prSet phldrT="[Text]" custT="1"/>
+      <dgm:spPr/>
+      <dgm:t>
+        <a:bodyPr/>
+        <a:lstStyle/>
+        <a:p>
+          <a:r>
+            <a:rPr lang="en-US" sz="1600" dirty="0"/>
+            <a:t>Carrier Equalisation</a:t>
+          </a:r>
+        </a:p>
+      </dgm:t>
+    </dgm:pt>
+    <dgm:pt modelId="{442EC5F0-C235-4964-A5FA-D98A7FA4F871}" type="parTrans" cxnId="{2C3D8D68-C1ED-45A2-A01A-86563A578933}">
+      <dgm:prSet/>
+      <dgm:spPr/>
+      <dgm:t>
+        <a:bodyPr/>
+        <a:lstStyle/>
+        <a:p>
+          <a:endParaRPr lang="en-US"/>
+        </a:p>
+      </dgm:t>
+    </dgm:pt>
+    <dgm:pt modelId="{54A618FA-50AE-40D3-A867-4BE0E473E5D5}" type="sibTrans" cxnId="{2C3D8D68-C1ED-45A2-A01A-86563A578933}">
+      <dgm:prSet/>
+      <dgm:spPr/>
+      <dgm:t>
+        <a:bodyPr/>
+        <a:lstStyle/>
+        <a:p>
+          <a:endParaRPr lang="en-US"/>
+        </a:p>
+      </dgm:t>
+    </dgm:pt>
+    <dgm:pt modelId="{47D5DD2B-C168-44CD-81E3-F2673A343299}">
+      <dgm:prSet phldrT="[Text]" custT="1"/>
+      <dgm:spPr/>
+      <dgm:t>
+        <a:bodyPr/>
+        <a:lstStyle/>
+        <a:p>
+          <a:r>
+            <a:rPr lang="en-US" sz="1800" dirty="0"/>
+            <a:t>FEC Encoding/Preamble</a:t>
+          </a:r>
+        </a:p>
+      </dgm:t>
+    </dgm:pt>
+    <dgm:pt modelId="{FD85C7FF-BE6D-4463-88FF-7978D4079341}" type="parTrans" cxnId="{9B7D28FF-0BB3-4D78-A692-440B2C165613}">
+      <dgm:prSet/>
+      <dgm:spPr/>
+      <dgm:t>
+        <a:bodyPr/>
+        <a:lstStyle/>
+        <a:p>
+          <a:endParaRPr lang="en-US"/>
+        </a:p>
+      </dgm:t>
+    </dgm:pt>
+    <dgm:pt modelId="{74EA2338-CB9C-4403-BAF6-7ABBFA33645C}" type="sibTrans" cxnId="{9B7D28FF-0BB3-4D78-A692-440B2C165613}">
+      <dgm:prSet/>
+      <dgm:spPr/>
+      <dgm:t>
+        <a:bodyPr/>
+        <a:lstStyle/>
+        <a:p>
+          <a:endParaRPr lang="en-US"/>
+        </a:p>
+      </dgm:t>
+    </dgm:pt>
+    <dgm:pt modelId="{2CE5D9A6-FB9D-466A-AAD0-0C32D6EF82DE}">
+      <dgm:prSet phldrT="[Text]"/>
+      <dgm:spPr/>
+      <dgm:t>
+        <a:bodyPr/>
+        <a:lstStyle/>
+        <a:p>
+          <a:r>
+            <a:rPr lang="en-US" dirty="0"/>
+            <a:t>Decode using FEC</a:t>
+          </a:r>
+        </a:p>
+      </dgm:t>
+    </dgm:pt>
+    <dgm:pt modelId="{274A5EC3-507F-4B20-8D05-8E33265B4AF3}" type="parTrans" cxnId="{E5763CBC-1515-4A81-8D46-A3F5B52BD979}">
+      <dgm:prSet/>
+      <dgm:spPr/>
+      <dgm:t>
+        <a:bodyPr/>
+        <a:lstStyle/>
+        <a:p>
+          <a:endParaRPr lang="en-US"/>
+        </a:p>
+      </dgm:t>
+    </dgm:pt>
+    <dgm:pt modelId="{778579CA-6198-486D-A374-038D3E1E2D28}" type="sibTrans" cxnId="{E5763CBC-1515-4A81-8D46-A3F5B52BD979}">
+      <dgm:prSet/>
+      <dgm:spPr/>
+      <dgm:t>
+        <a:bodyPr/>
+        <a:lstStyle/>
+        <a:p>
+          <a:endParaRPr lang="en-US"/>
+        </a:p>
+      </dgm:t>
+    </dgm:pt>
+    <dgm:pt modelId="{5BD61685-EFEA-46D1-8EAC-C7F5FA652F5A}" type="pres">
+      <dgm:prSet presAssocID="{CDE4AA0B-5F06-4BD9-BB42-A3C5FE46EDD5}" presName="diagram" presStyleCnt="0">
+        <dgm:presLayoutVars>
+          <dgm:dir/>
+          <dgm:resizeHandles val="exact"/>
+        </dgm:presLayoutVars>
+      </dgm:prSet>
+      <dgm:spPr/>
+    </dgm:pt>
+    <dgm:pt modelId="{8D0241DE-6AAC-4256-9E26-64AD3F43CDBB}" type="pres">
+      <dgm:prSet presAssocID="{FB1CB032-2E4F-42E3-AC99-E83CFD9D0C41}" presName="node" presStyleLbl="node1" presStyleIdx="0" presStyleCnt="15">
+        <dgm:presLayoutVars>
+          <dgm:bulletEnabled val="1"/>
+        </dgm:presLayoutVars>
+      </dgm:prSet>
+      <dgm:spPr/>
+    </dgm:pt>
+    <dgm:pt modelId="{E5FE6FB6-CC7E-4A7D-AAD3-A1B8B90A387C}" type="pres">
+      <dgm:prSet presAssocID="{51AC868D-C5E3-446C-B42D-B2F6B6ADBEEF}" presName="sibTrans" presStyleLbl="sibTrans2D1" presStyleIdx="0" presStyleCnt="14"/>
+      <dgm:spPr/>
+    </dgm:pt>
+    <dgm:pt modelId="{BDEC236D-2E8B-43AC-AD2E-7FCAE4266E42}" type="pres">
+      <dgm:prSet presAssocID="{51AC868D-C5E3-446C-B42D-B2F6B6ADBEEF}" presName="connectorText" presStyleLbl="sibTrans2D1" presStyleIdx="0" presStyleCnt="14"/>
+      <dgm:spPr/>
+    </dgm:pt>
+    <dgm:pt modelId="{AE445B88-DC01-4FCA-A481-B4C32925223B}" type="pres">
+      <dgm:prSet presAssocID="{47D5DD2B-C168-44CD-81E3-F2673A343299}" presName="node" presStyleLbl="node1" presStyleIdx="1" presStyleCnt="15">
+        <dgm:presLayoutVars>
+          <dgm:bulletEnabled val="1"/>
+        </dgm:presLayoutVars>
+      </dgm:prSet>
+      <dgm:spPr/>
+    </dgm:pt>
+    <dgm:pt modelId="{ED444A14-DA62-4744-B946-403D32E225A0}" type="pres">
+      <dgm:prSet presAssocID="{74EA2338-CB9C-4403-BAF6-7ABBFA33645C}" presName="sibTrans" presStyleLbl="sibTrans2D1" presStyleIdx="1" presStyleCnt="14"/>
+      <dgm:spPr/>
+    </dgm:pt>
+    <dgm:pt modelId="{C5346EBF-FCC3-4C23-A68D-A5863D3FBBA7}" type="pres">
+      <dgm:prSet presAssocID="{74EA2338-CB9C-4403-BAF6-7ABBFA33645C}" presName="connectorText" presStyleLbl="sibTrans2D1" presStyleIdx="1" presStyleCnt="14"/>
+      <dgm:spPr/>
+    </dgm:pt>
+    <dgm:pt modelId="{F46EE843-9331-4658-BB07-9E488F6BE40F}" type="pres">
+      <dgm:prSet presAssocID="{37E92ECD-7D5C-4CCA-B6F2-FCB64D1C662B}" presName="node" presStyleLbl="node1" presStyleIdx="2" presStyleCnt="15">
+        <dgm:presLayoutVars>
+          <dgm:bulletEnabled val="1"/>
+        </dgm:presLayoutVars>
+      </dgm:prSet>
+      <dgm:spPr/>
+    </dgm:pt>
+    <dgm:pt modelId="{2B2B9ABD-C83B-408B-9C62-8BCF95D32E0E}" type="pres">
+      <dgm:prSet presAssocID="{F7548BA1-AB8C-4CEB-945D-12F806610994}" presName="sibTrans" presStyleLbl="sibTrans2D1" presStyleIdx="2" presStyleCnt="14"/>
+      <dgm:spPr/>
+    </dgm:pt>
+    <dgm:pt modelId="{E162542E-51C1-447F-8CEF-84EDCBA169EC}" type="pres">
+      <dgm:prSet presAssocID="{F7548BA1-AB8C-4CEB-945D-12F806610994}" presName="connectorText" presStyleLbl="sibTrans2D1" presStyleIdx="2" presStyleCnt="14"/>
+      <dgm:spPr/>
+    </dgm:pt>
+    <dgm:pt modelId="{E1B631AD-BBC2-4EDF-B8AF-97B4C55E6634}" type="pres">
+      <dgm:prSet presAssocID="{2FE520D4-4C2D-44DC-918D-77C1D1D78EB9}" presName="node" presStyleLbl="node1" presStyleIdx="3" presStyleCnt="15">
+        <dgm:presLayoutVars>
+          <dgm:bulletEnabled val="1"/>
+        </dgm:presLayoutVars>
+      </dgm:prSet>
+      <dgm:spPr/>
+    </dgm:pt>
+    <dgm:pt modelId="{AFA14F17-7D20-4997-B6B3-B68C9189D6AE}" type="pres">
+      <dgm:prSet presAssocID="{4F48D43F-60A8-46CA-ABB7-394A2F5C667C}" presName="sibTrans" presStyleLbl="sibTrans2D1" presStyleIdx="3" presStyleCnt="14"/>
+      <dgm:spPr/>
+    </dgm:pt>
+    <dgm:pt modelId="{7B47C134-96BE-4C55-93AC-837215C84E97}" type="pres">
+      <dgm:prSet presAssocID="{4F48D43F-60A8-46CA-ABB7-394A2F5C667C}" presName="connectorText" presStyleLbl="sibTrans2D1" presStyleIdx="3" presStyleCnt="14"/>
+      <dgm:spPr/>
+    </dgm:pt>
+    <dgm:pt modelId="{698E58E8-AF14-4031-A07C-A81D1EE1B47E}" type="pres">
+      <dgm:prSet presAssocID="{D9CED4B3-B54E-414C-B1E1-7BB7F935BC9C}" presName="node" presStyleLbl="node1" presStyleIdx="4" presStyleCnt="15">
+        <dgm:presLayoutVars>
+          <dgm:bulletEnabled val="1"/>
+        </dgm:presLayoutVars>
+      </dgm:prSet>
+      <dgm:spPr/>
+    </dgm:pt>
+    <dgm:pt modelId="{4AAFA0DD-427F-4A02-AB70-3B417E712B3A}" type="pres">
+      <dgm:prSet presAssocID="{E5BFD00D-A1FF-4783-AF22-0707B739E7DE}" presName="sibTrans" presStyleLbl="sibTrans2D1" presStyleIdx="4" presStyleCnt="14"/>
+      <dgm:spPr/>
+    </dgm:pt>
+    <dgm:pt modelId="{234403FD-10B0-4917-8A6D-84BC4AC222D9}" type="pres">
+      <dgm:prSet presAssocID="{E5BFD00D-A1FF-4783-AF22-0707B739E7DE}" presName="connectorText" presStyleLbl="sibTrans2D1" presStyleIdx="4" presStyleCnt="14"/>
+      <dgm:spPr/>
+    </dgm:pt>
+    <dgm:pt modelId="{392791E9-5F4B-4A5D-9FA8-CE02DFB0F3B7}" type="pres">
+      <dgm:prSet presAssocID="{CAF7ED6A-33B4-4AC9-9016-D2C2B48CC68B}" presName="node" presStyleLbl="node1" presStyleIdx="5" presStyleCnt="15">
+        <dgm:presLayoutVars>
+          <dgm:bulletEnabled val="1"/>
+        </dgm:presLayoutVars>
+      </dgm:prSet>
+      <dgm:spPr/>
+    </dgm:pt>
+    <dgm:pt modelId="{CFEF9A24-ECDB-444A-AB45-0FBA21847897}" type="pres">
+      <dgm:prSet presAssocID="{9D1DBAF5-A177-4549-AF7E-9F54CDCC0D0B}" presName="sibTrans" presStyleLbl="sibTrans2D1" presStyleIdx="5" presStyleCnt="14"/>
+      <dgm:spPr/>
+    </dgm:pt>
+    <dgm:pt modelId="{9DFB2884-E0D6-4CFA-B761-B53B83D4D073}" type="pres">
+      <dgm:prSet presAssocID="{9D1DBAF5-A177-4549-AF7E-9F54CDCC0D0B}" presName="connectorText" presStyleLbl="sibTrans2D1" presStyleIdx="5" presStyleCnt="14"/>
+      <dgm:spPr/>
+    </dgm:pt>
+    <dgm:pt modelId="{A8C86915-318E-4FAB-860D-17954FCE7779}" type="pres">
+      <dgm:prSet presAssocID="{03909401-4526-43BB-B2C8-7FEF824CE94A}" presName="node" presStyleLbl="node1" presStyleIdx="6" presStyleCnt="15">
+        <dgm:presLayoutVars>
+          <dgm:bulletEnabled val="1"/>
+        </dgm:presLayoutVars>
+      </dgm:prSet>
+      <dgm:spPr/>
+    </dgm:pt>
+    <dgm:pt modelId="{FA5F4AB8-BF6B-4051-86D7-68585D786623}" type="pres">
+      <dgm:prSet presAssocID="{1BE9B9AC-2847-4D1D-9B3A-95528B4026F9}" presName="sibTrans" presStyleLbl="sibTrans2D1" presStyleIdx="6" presStyleCnt="14"/>
+      <dgm:spPr/>
+    </dgm:pt>
+    <dgm:pt modelId="{6E7E26B3-49A5-4080-9343-56991CB4723C}" type="pres">
+      <dgm:prSet presAssocID="{1BE9B9AC-2847-4D1D-9B3A-95528B4026F9}" presName="connectorText" presStyleLbl="sibTrans2D1" presStyleIdx="6" presStyleCnt="14"/>
+      <dgm:spPr/>
+    </dgm:pt>
+    <dgm:pt modelId="{950E5EBE-44BB-4C92-9EE4-BC22460A4EF9}" type="pres">
+      <dgm:prSet presAssocID="{9D5190EE-90E8-4688-ACFD-DD1D70934FBD}" presName="node" presStyleLbl="node1" presStyleIdx="7" presStyleCnt="15">
+        <dgm:presLayoutVars>
+          <dgm:bulletEnabled val="1"/>
+        </dgm:presLayoutVars>
+      </dgm:prSet>
+      <dgm:spPr/>
+    </dgm:pt>
+    <dgm:pt modelId="{46AA52BC-8B6D-46A3-A636-CF9997F06AA4}" type="pres">
+      <dgm:prSet presAssocID="{F5F65E4D-82C4-4F09-9442-76B3337D509D}" presName="sibTrans" presStyleLbl="sibTrans2D1" presStyleIdx="7" presStyleCnt="14"/>
+      <dgm:spPr/>
+    </dgm:pt>
+    <dgm:pt modelId="{803980FC-9D68-4298-A4D7-ECFD6CFD77FD}" type="pres">
+      <dgm:prSet presAssocID="{F5F65E4D-82C4-4F09-9442-76B3337D509D}" presName="connectorText" presStyleLbl="sibTrans2D1" presStyleIdx="7" presStyleCnt="14"/>
+      <dgm:spPr/>
+    </dgm:pt>
+    <dgm:pt modelId="{49308249-96A5-498C-8AC7-09736140A2A8}" type="pres">
+      <dgm:prSet presAssocID="{8F3F4507-EBFA-48D9-90DA-32B749CEA48E}" presName="node" presStyleLbl="node1" presStyleIdx="8" presStyleCnt="15">
+        <dgm:presLayoutVars>
+          <dgm:bulletEnabled val="1"/>
+        </dgm:presLayoutVars>
+      </dgm:prSet>
+      <dgm:spPr/>
+    </dgm:pt>
+    <dgm:pt modelId="{7BF54FDC-96D6-4CEB-B263-D3B76D35F08D}" type="pres">
+      <dgm:prSet presAssocID="{00E75FAF-9A0E-4DA8-A5DD-FC4E8C0ADA8F}" presName="sibTrans" presStyleLbl="sibTrans2D1" presStyleIdx="8" presStyleCnt="14"/>
+      <dgm:spPr/>
+    </dgm:pt>
+    <dgm:pt modelId="{5E0E70C2-F2A8-4577-B34E-60B0163DDDE2}" type="pres">
+      <dgm:prSet presAssocID="{00E75FAF-9A0E-4DA8-A5DD-FC4E8C0ADA8F}" presName="connectorText" presStyleLbl="sibTrans2D1" presStyleIdx="8" presStyleCnt="14"/>
+      <dgm:spPr/>
+    </dgm:pt>
+    <dgm:pt modelId="{BC801E3C-457A-409A-B127-A8456892A3E7}" type="pres">
+      <dgm:prSet presAssocID="{90AC0117-74CB-4956-BEF9-713A80FB6BDB}" presName="node" presStyleLbl="node1" presStyleIdx="9" presStyleCnt="15">
+        <dgm:presLayoutVars>
+          <dgm:bulletEnabled val="1"/>
+        </dgm:presLayoutVars>
+      </dgm:prSet>
+      <dgm:spPr/>
+    </dgm:pt>
+    <dgm:pt modelId="{4FFE8EC9-D9A2-40A7-A437-D999A4E561AD}" type="pres">
+      <dgm:prSet presAssocID="{0EF9CF17-6B6A-4250-967C-C41A4A825FF9}" presName="sibTrans" presStyleLbl="sibTrans2D1" presStyleIdx="9" presStyleCnt="14"/>
+      <dgm:spPr/>
+    </dgm:pt>
+    <dgm:pt modelId="{10EA3286-211D-46AB-9E8F-954B658B9276}" type="pres">
+      <dgm:prSet presAssocID="{0EF9CF17-6B6A-4250-967C-C41A4A825FF9}" presName="connectorText" presStyleLbl="sibTrans2D1" presStyleIdx="9" presStyleCnt="14"/>
+      <dgm:spPr/>
+    </dgm:pt>
+    <dgm:pt modelId="{9F885388-DD9F-4FC9-B8FD-7AEB89374FF2}" type="pres">
+      <dgm:prSet presAssocID="{2853FD51-99DB-4110-8FF7-3CF4CD15FD29}" presName="node" presStyleLbl="node1" presStyleIdx="10" presStyleCnt="15">
+        <dgm:presLayoutVars>
+          <dgm:bulletEnabled val="1"/>
+        </dgm:presLayoutVars>
+      </dgm:prSet>
+      <dgm:spPr/>
+    </dgm:pt>
+    <dgm:pt modelId="{82A205C9-B43F-4750-8554-98B9F4070306}" type="pres">
+      <dgm:prSet presAssocID="{54A618FA-50AE-40D3-A867-4BE0E473E5D5}" presName="sibTrans" presStyleLbl="sibTrans2D1" presStyleIdx="10" presStyleCnt="14"/>
+      <dgm:spPr/>
+    </dgm:pt>
+    <dgm:pt modelId="{9607A927-0406-4927-9141-DA4EF53542AA}" type="pres">
+      <dgm:prSet presAssocID="{54A618FA-50AE-40D3-A867-4BE0E473E5D5}" presName="connectorText" presStyleLbl="sibTrans2D1" presStyleIdx="10" presStyleCnt="14"/>
+      <dgm:spPr/>
+    </dgm:pt>
+    <dgm:pt modelId="{FBCBAEE7-C221-48EF-A1A6-E811F960AB76}" type="pres">
+      <dgm:prSet presAssocID="{FFE1BB70-6F2D-4347-BEDF-D8F830EC40E7}" presName="node" presStyleLbl="node1" presStyleIdx="11" presStyleCnt="15">
+        <dgm:presLayoutVars>
+          <dgm:bulletEnabled val="1"/>
+        </dgm:presLayoutVars>
+      </dgm:prSet>
+      <dgm:spPr/>
+    </dgm:pt>
+    <dgm:pt modelId="{61B62871-FB35-4F21-8737-103845057CBF}" type="pres">
+      <dgm:prSet presAssocID="{1B688F23-BB39-4C54-BF1C-5B1DE45DF827}" presName="sibTrans" presStyleLbl="sibTrans2D1" presStyleIdx="11" presStyleCnt="14"/>
+      <dgm:spPr/>
+    </dgm:pt>
+    <dgm:pt modelId="{8E230428-6428-4476-9C7F-2D74146CF5BB}" type="pres">
+      <dgm:prSet presAssocID="{1B688F23-BB39-4C54-BF1C-5B1DE45DF827}" presName="connectorText" presStyleLbl="sibTrans2D1" presStyleIdx="11" presStyleCnt="14"/>
+      <dgm:spPr/>
+    </dgm:pt>
+    <dgm:pt modelId="{F5037606-C157-4155-BED8-849633FCB3A8}" type="pres">
+      <dgm:prSet presAssocID="{AFBFDAA9-83D6-432F-901D-87A0890536EF}" presName="node" presStyleLbl="node1" presStyleIdx="12" presStyleCnt="15">
+        <dgm:presLayoutVars>
+          <dgm:bulletEnabled val="1"/>
+        </dgm:presLayoutVars>
+      </dgm:prSet>
+      <dgm:spPr/>
+    </dgm:pt>
+    <dgm:pt modelId="{8E93EF29-2DA9-4450-A94E-E84C7B43096D}" type="pres">
+      <dgm:prSet presAssocID="{C2DAEA33-3A24-40F8-9C82-54578B2CCB12}" presName="sibTrans" presStyleLbl="sibTrans2D1" presStyleIdx="12" presStyleCnt="14"/>
+      <dgm:spPr/>
+    </dgm:pt>
+    <dgm:pt modelId="{778A386A-4C20-4FF7-83E2-F3C8471FE77A}" type="pres">
+      <dgm:prSet presAssocID="{C2DAEA33-3A24-40F8-9C82-54578B2CCB12}" presName="connectorText" presStyleLbl="sibTrans2D1" presStyleIdx="12" presStyleCnt="14"/>
+      <dgm:spPr/>
+    </dgm:pt>
+    <dgm:pt modelId="{AA2CF8B9-19B1-4347-9C12-2F0D171E7FED}" type="pres">
+      <dgm:prSet presAssocID="{2CE5D9A6-FB9D-466A-AAD0-0C32D6EF82DE}" presName="node" presStyleLbl="node1" presStyleIdx="13" presStyleCnt="15">
+        <dgm:presLayoutVars>
+          <dgm:bulletEnabled val="1"/>
+        </dgm:presLayoutVars>
+      </dgm:prSet>
+      <dgm:spPr/>
+    </dgm:pt>
+    <dgm:pt modelId="{2BE4EF29-79FD-4B6C-B4B7-7871815716AD}" type="pres">
+      <dgm:prSet presAssocID="{778579CA-6198-486D-A374-038D3E1E2D28}" presName="sibTrans" presStyleLbl="sibTrans2D1" presStyleIdx="13" presStyleCnt="14"/>
+      <dgm:spPr/>
+    </dgm:pt>
+    <dgm:pt modelId="{0536B591-B061-4898-842A-3728931B5BEF}" type="pres">
+      <dgm:prSet presAssocID="{778579CA-6198-486D-A374-038D3E1E2D28}" presName="connectorText" presStyleLbl="sibTrans2D1" presStyleIdx="13" presStyleCnt="14"/>
+      <dgm:spPr/>
+    </dgm:pt>
+    <dgm:pt modelId="{895B3D7B-4668-43EF-92F3-F16B71473439}" type="pres">
+      <dgm:prSet presAssocID="{D68049C6-70CD-4A5A-9A63-F07EE23435DC}" presName="node" presStyleLbl="node1" presStyleIdx="14" presStyleCnt="15">
+        <dgm:presLayoutVars>
+          <dgm:bulletEnabled val="1"/>
+        </dgm:presLayoutVars>
+      </dgm:prSet>
+      <dgm:spPr/>
+    </dgm:pt>
+  </dgm:ptLst>
+  <dgm:cxnLst>
+    <dgm:cxn modelId="{53403001-CED4-4343-9053-2820042B52BB}" type="presOf" srcId="{0EF9CF17-6B6A-4250-967C-C41A4A825FF9}" destId="{10EA3286-211D-46AB-9E8F-954B658B9276}" srcOrd="1" destOrd="0" presId="urn:microsoft.com/office/officeart/2005/8/layout/process5"/>
+    <dgm:cxn modelId="{211D6F09-FCF1-450D-94D1-53E3D9D76458}" type="presOf" srcId="{51AC868D-C5E3-446C-B42D-B2F6B6ADBEEF}" destId="{BDEC236D-2E8B-43AC-AD2E-7FCAE4266E42}" srcOrd="1" destOrd="0" presId="urn:microsoft.com/office/officeart/2005/8/layout/process5"/>
+    <dgm:cxn modelId="{02953618-C4B5-41A6-88EC-E25E22F253D2}" type="presOf" srcId="{CAF7ED6A-33B4-4AC9-9016-D2C2B48CC68B}" destId="{392791E9-5F4B-4A5D-9FA8-CE02DFB0F3B7}" srcOrd="0" destOrd="0" presId="urn:microsoft.com/office/officeart/2005/8/layout/process5"/>
+    <dgm:cxn modelId="{BF3E2F1B-6E52-403C-B250-D76430672BED}" type="presOf" srcId="{8F3F4507-EBFA-48D9-90DA-32B749CEA48E}" destId="{49308249-96A5-498C-8AC7-09736140A2A8}" srcOrd="0" destOrd="0" presId="urn:microsoft.com/office/officeart/2005/8/layout/process5"/>
+    <dgm:cxn modelId="{F40BF01C-DBF2-4FE8-BD20-B6ABBBF410F5}" srcId="{CDE4AA0B-5F06-4BD9-BB42-A3C5FE46EDD5}" destId="{03909401-4526-43BB-B2C8-7FEF824CE94A}" srcOrd="6" destOrd="0" parTransId="{03DE9359-CFC4-4707-9015-EE9BB8074B58}" sibTransId="{1BE9B9AC-2847-4D1D-9B3A-95528B4026F9}"/>
+    <dgm:cxn modelId="{E0656820-4483-4087-B765-12B0A0EFD367}" srcId="{CDE4AA0B-5F06-4BD9-BB42-A3C5FE46EDD5}" destId="{90AC0117-74CB-4956-BEF9-713A80FB6BDB}" srcOrd="9" destOrd="0" parTransId="{11344F20-516A-4026-B243-0BBAA54A1A30}" sibTransId="{0EF9CF17-6B6A-4250-967C-C41A4A825FF9}"/>
+    <dgm:cxn modelId="{852E3629-3B0C-47E3-A757-9CA9F4A27C0D}" type="presOf" srcId="{1BE9B9AC-2847-4D1D-9B3A-95528B4026F9}" destId="{FA5F4AB8-BF6B-4051-86D7-68585D786623}" srcOrd="0" destOrd="0" presId="urn:microsoft.com/office/officeart/2005/8/layout/process5"/>
+    <dgm:cxn modelId="{A19FFA2B-ADC0-4F78-97AA-95D5822D71B7}" srcId="{CDE4AA0B-5F06-4BD9-BB42-A3C5FE46EDD5}" destId="{8F3F4507-EBFA-48D9-90DA-32B749CEA48E}" srcOrd="8" destOrd="0" parTransId="{DD262953-69A9-4E1D-BCDA-042EF62940F1}" sibTransId="{00E75FAF-9A0E-4DA8-A5DD-FC4E8C0ADA8F}"/>
+    <dgm:cxn modelId="{14CA7E2F-2B70-49A2-BF16-FB95EFA3D908}" type="presOf" srcId="{D9CED4B3-B54E-414C-B1E1-7BB7F935BC9C}" destId="{698E58E8-AF14-4031-A07C-A81D1EE1B47E}" srcOrd="0" destOrd="0" presId="urn:microsoft.com/office/officeart/2005/8/layout/process5"/>
+    <dgm:cxn modelId="{17F42B35-B399-44BC-92EF-7437D1F320B6}" type="presOf" srcId="{00E75FAF-9A0E-4DA8-A5DD-FC4E8C0ADA8F}" destId="{7BF54FDC-96D6-4CEB-B263-D3B76D35F08D}" srcOrd="0" destOrd="0" presId="urn:microsoft.com/office/officeart/2005/8/layout/process5"/>
+    <dgm:cxn modelId="{EF86EE3E-9351-4B18-A00B-B2C6D73F77D3}" type="presOf" srcId="{9D1DBAF5-A177-4549-AF7E-9F54CDCC0D0B}" destId="{9DFB2884-E0D6-4CFA-B761-B53B83D4D073}" srcOrd="1" destOrd="0" presId="urn:microsoft.com/office/officeart/2005/8/layout/process5"/>
+    <dgm:cxn modelId="{09A6F440-1EF3-4462-B65F-E1A4F19EF6D1}" type="presOf" srcId="{F7548BA1-AB8C-4CEB-945D-12F806610994}" destId="{2B2B9ABD-C83B-408B-9C62-8BCF95D32E0E}" srcOrd="0" destOrd="0" presId="urn:microsoft.com/office/officeart/2005/8/layout/process5"/>
+    <dgm:cxn modelId="{E570E95C-DE14-49A8-BBFB-B61F376A8489}" type="presOf" srcId="{03909401-4526-43BB-B2C8-7FEF824CE94A}" destId="{A8C86915-318E-4FAB-860D-17954FCE7779}" srcOrd="0" destOrd="0" presId="urn:microsoft.com/office/officeart/2005/8/layout/process5"/>
+    <dgm:cxn modelId="{29675D5E-4FC2-4D19-9723-EFFB1E33E79D}" type="presOf" srcId="{778579CA-6198-486D-A374-038D3E1E2D28}" destId="{0536B591-B061-4898-842A-3728931B5BEF}" srcOrd="1" destOrd="0" presId="urn:microsoft.com/office/officeart/2005/8/layout/process5"/>
+    <dgm:cxn modelId="{123A6E61-933C-4D8E-91A5-1ACDA499B333}" type="presOf" srcId="{F5F65E4D-82C4-4F09-9442-76B3337D509D}" destId="{46AA52BC-8B6D-46A3-A636-CF9997F06AA4}" srcOrd="0" destOrd="0" presId="urn:microsoft.com/office/officeart/2005/8/layout/process5"/>
+    <dgm:cxn modelId="{9B80AF61-9D3C-4EF3-A7D8-B75B3A17719A}" type="presOf" srcId="{D68049C6-70CD-4A5A-9A63-F07EE23435DC}" destId="{895B3D7B-4668-43EF-92F3-F16B71473439}" srcOrd="0" destOrd="0" presId="urn:microsoft.com/office/officeart/2005/8/layout/process5"/>
+    <dgm:cxn modelId="{3D37FA41-039B-4A1B-9039-DAF30FF51353}" type="presOf" srcId="{E5BFD00D-A1FF-4783-AF22-0707B739E7DE}" destId="{4AAFA0DD-427F-4A02-AB70-3B417E712B3A}" srcOrd="0" destOrd="0" presId="urn:microsoft.com/office/officeart/2005/8/layout/process5"/>
+    <dgm:cxn modelId="{2C3D8D68-C1ED-45A2-A01A-86563A578933}" srcId="{CDE4AA0B-5F06-4BD9-BB42-A3C5FE46EDD5}" destId="{2853FD51-99DB-4110-8FF7-3CF4CD15FD29}" srcOrd="10" destOrd="0" parTransId="{442EC5F0-C235-4964-A5FA-D98A7FA4F871}" sibTransId="{54A618FA-50AE-40D3-A867-4BE0E473E5D5}"/>
+    <dgm:cxn modelId="{E0A81B69-433E-46F6-8EE5-D67878A0433C}" srcId="{CDE4AA0B-5F06-4BD9-BB42-A3C5FE46EDD5}" destId="{D68049C6-70CD-4A5A-9A63-F07EE23435DC}" srcOrd="14" destOrd="0" parTransId="{D065A0AE-0D31-456E-94DF-3C61191B5D30}" sibTransId="{04126CFE-B4FA-4A54-9BF9-7307F73A5B8C}"/>
+    <dgm:cxn modelId="{B5974E4B-99A9-42F4-BBF6-E8424A919943}" type="presOf" srcId="{2FE520D4-4C2D-44DC-918D-77C1D1D78EB9}" destId="{E1B631AD-BBC2-4EDF-B8AF-97B4C55E6634}" srcOrd="0" destOrd="0" presId="urn:microsoft.com/office/officeart/2005/8/layout/process5"/>
+    <dgm:cxn modelId="{D9B3DE4B-1270-4A0B-A7D6-B4CC71861196}" type="presOf" srcId="{AFBFDAA9-83D6-432F-901D-87A0890536EF}" destId="{F5037606-C157-4155-BED8-849633FCB3A8}" srcOrd="0" destOrd="0" presId="urn:microsoft.com/office/officeart/2005/8/layout/process5"/>
+    <dgm:cxn modelId="{45B7E44D-2706-469B-9191-4F713B412C64}" type="presOf" srcId="{9D1DBAF5-A177-4549-AF7E-9F54CDCC0D0B}" destId="{CFEF9A24-ECDB-444A-AB45-0FBA21847897}" srcOrd="0" destOrd="0" presId="urn:microsoft.com/office/officeart/2005/8/layout/process5"/>
+    <dgm:cxn modelId="{5614944F-AA41-43E1-A1F7-9741C01688E2}" srcId="{CDE4AA0B-5F06-4BD9-BB42-A3C5FE46EDD5}" destId="{CAF7ED6A-33B4-4AC9-9016-D2C2B48CC68B}" srcOrd="5" destOrd="0" parTransId="{84943193-10B6-4691-8934-608BC5BB17EA}" sibTransId="{9D1DBAF5-A177-4549-AF7E-9F54CDCC0D0B}"/>
+    <dgm:cxn modelId="{B3CCDC6F-85DE-4DC4-B62A-2036BFB0127E}" srcId="{CDE4AA0B-5F06-4BD9-BB42-A3C5FE46EDD5}" destId="{D9CED4B3-B54E-414C-B1E1-7BB7F935BC9C}" srcOrd="4" destOrd="0" parTransId="{92BACA1F-1027-4123-8BBB-1B6E2B7D29CA}" sibTransId="{E5BFD00D-A1FF-4783-AF22-0707B739E7DE}"/>
+    <dgm:cxn modelId="{D541A151-8E38-492C-B8A8-9B3B99A7FB82}" type="presOf" srcId="{C2DAEA33-3A24-40F8-9C82-54578B2CCB12}" destId="{8E93EF29-2DA9-4450-A94E-E84C7B43096D}" srcOrd="0" destOrd="0" presId="urn:microsoft.com/office/officeart/2005/8/layout/process5"/>
+    <dgm:cxn modelId="{0BE93375-89FF-4B8D-9F65-05290EF6ED0D}" type="presOf" srcId="{FB1CB032-2E4F-42E3-AC99-E83CFD9D0C41}" destId="{8D0241DE-6AAC-4256-9E26-64AD3F43CDBB}" srcOrd="0" destOrd="0" presId="urn:microsoft.com/office/officeart/2005/8/layout/process5"/>
+    <dgm:cxn modelId="{4FAF1258-8752-44FD-B9C7-62A0B60DD61F}" type="presOf" srcId="{F5F65E4D-82C4-4F09-9442-76B3337D509D}" destId="{803980FC-9D68-4298-A4D7-ECFD6CFD77FD}" srcOrd="1" destOrd="0" presId="urn:microsoft.com/office/officeart/2005/8/layout/process5"/>
+    <dgm:cxn modelId="{510DE858-F997-4BAB-A4D6-8A9FFB9EE24B}" type="presOf" srcId="{FFE1BB70-6F2D-4347-BEDF-D8F830EC40E7}" destId="{FBCBAEE7-C221-48EF-A1A6-E811F960AB76}" srcOrd="0" destOrd="0" presId="urn:microsoft.com/office/officeart/2005/8/layout/process5"/>
+    <dgm:cxn modelId="{3CA9FF59-5797-4910-A5BC-6C1C64EF4C5A}" type="presOf" srcId="{C2DAEA33-3A24-40F8-9C82-54578B2CCB12}" destId="{778A386A-4C20-4FF7-83E2-F3C8471FE77A}" srcOrd="1" destOrd="0" presId="urn:microsoft.com/office/officeart/2005/8/layout/process5"/>
+    <dgm:cxn modelId="{47D2227C-FF9B-4CF1-A280-92AE87CA7182}" type="presOf" srcId="{74EA2338-CB9C-4403-BAF6-7ABBFA33645C}" destId="{C5346EBF-FCC3-4C23-A68D-A5863D3FBBA7}" srcOrd="1" destOrd="0" presId="urn:microsoft.com/office/officeart/2005/8/layout/process5"/>
+    <dgm:cxn modelId="{585F8E84-1CD6-4DD9-B6E8-8EFCF70CCF5F}" srcId="{CDE4AA0B-5F06-4BD9-BB42-A3C5FE46EDD5}" destId="{FB1CB032-2E4F-42E3-AC99-E83CFD9D0C41}" srcOrd="0" destOrd="0" parTransId="{F9A5A989-2ED1-4073-AB0E-7B70D74FB5D7}" sibTransId="{51AC868D-C5E3-446C-B42D-B2F6B6ADBEEF}"/>
+    <dgm:cxn modelId="{DBD25095-3C00-4E16-B029-5D0B241BAA74}" type="presOf" srcId="{2853FD51-99DB-4110-8FF7-3CF4CD15FD29}" destId="{9F885388-DD9F-4FC9-B8FD-7AEB89374FF2}" srcOrd="0" destOrd="0" presId="urn:microsoft.com/office/officeart/2005/8/layout/process5"/>
+    <dgm:cxn modelId="{F573E39D-D4F2-4CBE-BFAE-DC0829A55E27}" type="presOf" srcId="{778579CA-6198-486D-A374-038D3E1E2D28}" destId="{2BE4EF29-79FD-4B6C-B4B7-7871815716AD}" srcOrd="0" destOrd="0" presId="urn:microsoft.com/office/officeart/2005/8/layout/process5"/>
+    <dgm:cxn modelId="{A09F809E-60DD-4EE3-A3BE-78DD2086076B}" type="presOf" srcId="{54A618FA-50AE-40D3-A867-4BE0E473E5D5}" destId="{82A205C9-B43F-4750-8554-98B9F4070306}" srcOrd="0" destOrd="0" presId="urn:microsoft.com/office/officeart/2005/8/layout/process5"/>
+    <dgm:cxn modelId="{E8AA4BA0-30DE-44E9-BB4D-C919047BDA66}" srcId="{CDE4AA0B-5F06-4BD9-BB42-A3C5FE46EDD5}" destId="{FFE1BB70-6F2D-4347-BEDF-D8F830EC40E7}" srcOrd="11" destOrd="0" parTransId="{3A522C26-99FA-47B0-931B-13389090F77F}" sibTransId="{1B688F23-BB39-4C54-BF1C-5B1DE45DF827}"/>
+    <dgm:cxn modelId="{4BCD60A4-01DA-4642-8F7E-9D8F57AE9614}" type="presOf" srcId="{4F48D43F-60A8-46CA-ABB7-394A2F5C667C}" destId="{AFA14F17-7D20-4997-B6B3-B68C9189D6AE}" srcOrd="0" destOrd="0" presId="urn:microsoft.com/office/officeart/2005/8/layout/process5"/>
+    <dgm:cxn modelId="{043B1CA6-6BCD-4CA2-916C-E9D1C7616703}" type="presOf" srcId="{90AC0117-74CB-4956-BEF9-713A80FB6BDB}" destId="{BC801E3C-457A-409A-B127-A8456892A3E7}" srcOrd="0" destOrd="0" presId="urn:microsoft.com/office/officeart/2005/8/layout/process5"/>
+    <dgm:cxn modelId="{A4511EAB-B475-4A4C-BD08-FE3283B52822}" srcId="{CDE4AA0B-5F06-4BD9-BB42-A3C5FE46EDD5}" destId="{2FE520D4-4C2D-44DC-918D-77C1D1D78EB9}" srcOrd="3" destOrd="0" parTransId="{28C6B240-84DC-4335-B710-F024ED6EF484}" sibTransId="{4F48D43F-60A8-46CA-ABB7-394A2F5C667C}"/>
+    <dgm:cxn modelId="{BC73E0AF-706E-4C09-AFAB-36DAF83CED14}" type="presOf" srcId="{9D5190EE-90E8-4688-ACFD-DD1D70934FBD}" destId="{950E5EBE-44BB-4C92-9EE4-BC22460A4EF9}" srcOrd="0" destOrd="0" presId="urn:microsoft.com/office/officeart/2005/8/layout/process5"/>
+    <dgm:cxn modelId="{51C75AB1-431F-4AED-90E5-529E13415C98}" type="presOf" srcId="{74EA2338-CB9C-4403-BAF6-7ABBFA33645C}" destId="{ED444A14-DA62-4744-B946-403D32E225A0}" srcOrd="0" destOrd="0" presId="urn:microsoft.com/office/officeart/2005/8/layout/process5"/>
+    <dgm:cxn modelId="{1AC1DDBB-3CC8-46F1-8B79-B7968BE902A8}" type="presOf" srcId="{54A618FA-50AE-40D3-A867-4BE0E473E5D5}" destId="{9607A927-0406-4927-9141-DA4EF53542AA}" srcOrd="1" destOrd="0" presId="urn:microsoft.com/office/officeart/2005/8/layout/process5"/>
+    <dgm:cxn modelId="{E5763CBC-1515-4A81-8D46-A3F5B52BD979}" srcId="{CDE4AA0B-5F06-4BD9-BB42-A3C5FE46EDD5}" destId="{2CE5D9A6-FB9D-466A-AAD0-0C32D6EF82DE}" srcOrd="13" destOrd="0" parTransId="{274A5EC3-507F-4B20-8D05-8E33265B4AF3}" sibTransId="{778579CA-6198-486D-A374-038D3E1E2D28}"/>
+    <dgm:cxn modelId="{D688E9BC-C762-4948-BFA1-0646A53CB474}" type="presOf" srcId="{1B688F23-BB39-4C54-BF1C-5B1DE45DF827}" destId="{8E230428-6428-4476-9C7F-2D74146CF5BB}" srcOrd="1" destOrd="0" presId="urn:microsoft.com/office/officeart/2005/8/layout/process5"/>
+    <dgm:cxn modelId="{CB6495BD-AE81-49E0-A7CB-2C7DC18E4EF3}" type="presOf" srcId="{E5BFD00D-A1FF-4783-AF22-0707B739E7DE}" destId="{234403FD-10B0-4917-8A6D-84BC4AC222D9}" srcOrd="1" destOrd="0" presId="urn:microsoft.com/office/officeart/2005/8/layout/process5"/>
+    <dgm:cxn modelId="{9EAA02CB-C228-431E-9552-CDD9F0B523DE}" type="presOf" srcId="{47D5DD2B-C168-44CD-81E3-F2673A343299}" destId="{AE445B88-DC01-4FCA-A481-B4C32925223B}" srcOrd="0" destOrd="0" presId="urn:microsoft.com/office/officeart/2005/8/layout/process5"/>
+    <dgm:cxn modelId="{3D54F2D8-2523-4E4D-9177-BC384CFE9543}" type="presOf" srcId="{4F48D43F-60A8-46CA-ABB7-394A2F5C667C}" destId="{7B47C134-96BE-4C55-93AC-837215C84E97}" srcOrd="1" destOrd="0" presId="urn:microsoft.com/office/officeart/2005/8/layout/process5"/>
+    <dgm:cxn modelId="{0C09F8D8-5C8A-4358-AD1E-2BAB7CA79209}" srcId="{CDE4AA0B-5F06-4BD9-BB42-A3C5FE46EDD5}" destId="{AFBFDAA9-83D6-432F-901D-87A0890536EF}" srcOrd="12" destOrd="0" parTransId="{4F8AF022-27EB-4F99-95AC-43FAAF04228A}" sibTransId="{C2DAEA33-3A24-40F8-9C82-54578B2CCB12}"/>
+    <dgm:cxn modelId="{A723CEDD-E5A2-4CEE-A7BA-7CAA9D1CB5D5}" srcId="{CDE4AA0B-5F06-4BD9-BB42-A3C5FE46EDD5}" destId="{37E92ECD-7D5C-4CCA-B6F2-FCB64D1C662B}" srcOrd="2" destOrd="0" parTransId="{C2EB40F5-5127-4E50-AF66-7267D3B6F7B6}" sibTransId="{F7548BA1-AB8C-4CEB-945D-12F806610994}"/>
+    <dgm:cxn modelId="{44B770DE-0C20-4E0E-AE8E-6F1357939F3D}" type="presOf" srcId="{51AC868D-C5E3-446C-B42D-B2F6B6ADBEEF}" destId="{E5FE6FB6-CC7E-4A7D-AAD3-A1B8B90A387C}" srcOrd="0" destOrd="0" presId="urn:microsoft.com/office/officeart/2005/8/layout/process5"/>
+    <dgm:cxn modelId="{915B19E1-354E-44BF-8A56-13EB919673A6}" srcId="{CDE4AA0B-5F06-4BD9-BB42-A3C5FE46EDD5}" destId="{9D5190EE-90E8-4688-ACFD-DD1D70934FBD}" srcOrd="7" destOrd="0" parTransId="{B17DFC00-3239-4524-B93C-0F857E1ADCCD}" sibTransId="{F5F65E4D-82C4-4F09-9442-76B3337D509D}"/>
+    <dgm:cxn modelId="{213AEFE6-43AD-4471-AB01-7ABC6109C935}" type="presOf" srcId="{1B688F23-BB39-4C54-BF1C-5B1DE45DF827}" destId="{61B62871-FB35-4F21-8737-103845057CBF}" srcOrd="0" destOrd="0" presId="urn:microsoft.com/office/officeart/2005/8/layout/process5"/>
+    <dgm:cxn modelId="{FFA77AE7-C228-4D9B-9225-7A211F7F919C}" type="presOf" srcId="{1BE9B9AC-2847-4D1D-9B3A-95528B4026F9}" destId="{6E7E26B3-49A5-4080-9343-56991CB4723C}" srcOrd="1" destOrd="0" presId="urn:microsoft.com/office/officeart/2005/8/layout/process5"/>
+    <dgm:cxn modelId="{303A21E9-19D4-4070-BFC6-C9CD03D56231}" type="presOf" srcId="{F7548BA1-AB8C-4CEB-945D-12F806610994}" destId="{E162542E-51C1-447F-8CEF-84EDCBA169EC}" srcOrd="1" destOrd="0" presId="urn:microsoft.com/office/officeart/2005/8/layout/process5"/>
+    <dgm:cxn modelId="{CBAD9AEA-C99B-48F1-9200-9319EDA2E6F2}" type="presOf" srcId="{0EF9CF17-6B6A-4250-967C-C41A4A825FF9}" destId="{4FFE8EC9-D9A2-40A7-A437-D999A4E561AD}" srcOrd="0" destOrd="0" presId="urn:microsoft.com/office/officeart/2005/8/layout/process5"/>
+    <dgm:cxn modelId="{BC82B2EB-9F84-46C1-9578-D3E965D35D80}" type="presOf" srcId="{CDE4AA0B-5F06-4BD9-BB42-A3C5FE46EDD5}" destId="{5BD61685-EFEA-46D1-8EAC-C7F5FA652F5A}" srcOrd="0" destOrd="0" presId="urn:microsoft.com/office/officeart/2005/8/layout/process5"/>
+    <dgm:cxn modelId="{50B485F1-91DE-4A19-8EBE-6B50EFE02CA7}" type="presOf" srcId="{2CE5D9A6-FB9D-466A-AAD0-0C32D6EF82DE}" destId="{AA2CF8B9-19B1-4347-9C12-2F0D171E7FED}" srcOrd="0" destOrd="0" presId="urn:microsoft.com/office/officeart/2005/8/layout/process5"/>
+    <dgm:cxn modelId="{4ADDC5F8-914E-4304-A3DC-3AD8866708B4}" type="presOf" srcId="{00E75FAF-9A0E-4DA8-A5DD-FC4E8C0ADA8F}" destId="{5E0E70C2-F2A8-4577-B34E-60B0163DDDE2}" srcOrd="1" destOrd="0" presId="urn:microsoft.com/office/officeart/2005/8/layout/process5"/>
+    <dgm:cxn modelId="{744015FA-359D-46C9-BE88-4C69459C9D3B}" type="presOf" srcId="{37E92ECD-7D5C-4CCA-B6F2-FCB64D1C662B}" destId="{F46EE843-9331-4658-BB07-9E488F6BE40F}" srcOrd="0" destOrd="0" presId="urn:microsoft.com/office/officeart/2005/8/layout/process5"/>
+    <dgm:cxn modelId="{9B7D28FF-0BB3-4D78-A692-440B2C165613}" srcId="{CDE4AA0B-5F06-4BD9-BB42-A3C5FE46EDD5}" destId="{47D5DD2B-C168-44CD-81E3-F2673A343299}" srcOrd="1" destOrd="0" parTransId="{FD85C7FF-BE6D-4463-88FF-7978D4079341}" sibTransId="{74EA2338-CB9C-4403-BAF6-7ABBFA33645C}"/>
+    <dgm:cxn modelId="{73EA128D-59C3-4CA2-A775-8F76CE967BAC}" type="presParOf" srcId="{5BD61685-EFEA-46D1-8EAC-C7F5FA652F5A}" destId="{8D0241DE-6AAC-4256-9E26-64AD3F43CDBB}" srcOrd="0" destOrd="0" presId="urn:microsoft.com/office/officeart/2005/8/layout/process5"/>
+    <dgm:cxn modelId="{371F086A-01EF-4EDD-BD22-86E905406FC8}" type="presParOf" srcId="{5BD61685-EFEA-46D1-8EAC-C7F5FA652F5A}" destId="{E5FE6FB6-CC7E-4A7D-AAD3-A1B8B90A387C}" srcOrd="1" destOrd="0" presId="urn:microsoft.com/office/officeart/2005/8/layout/process5"/>
+    <dgm:cxn modelId="{D6352AF1-64DE-4B4F-8317-E67ABCCE7F10}" type="presParOf" srcId="{E5FE6FB6-CC7E-4A7D-AAD3-A1B8B90A387C}" destId="{BDEC236D-2E8B-43AC-AD2E-7FCAE4266E42}" srcOrd="0" destOrd="0" presId="urn:microsoft.com/office/officeart/2005/8/layout/process5"/>
+    <dgm:cxn modelId="{478F78F9-028A-4877-9EAC-BBF22E8390BC}" type="presParOf" srcId="{5BD61685-EFEA-46D1-8EAC-C7F5FA652F5A}" destId="{AE445B88-DC01-4FCA-A481-B4C32925223B}" srcOrd="2" destOrd="0" presId="urn:microsoft.com/office/officeart/2005/8/layout/process5"/>
+    <dgm:cxn modelId="{5811DA85-AECB-4A29-AAB1-FAD861BC0DAE}" type="presParOf" srcId="{5BD61685-EFEA-46D1-8EAC-C7F5FA652F5A}" destId="{ED444A14-DA62-4744-B946-403D32E225A0}" srcOrd="3" destOrd="0" presId="urn:microsoft.com/office/officeart/2005/8/layout/process5"/>
+    <dgm:cxn modelId="{3BE682EB-A6A7-4C01-A74F-24EF9C767A91}" type="presParOf" srcId="{ED444A14-DA62-4744-B946-403D32E225A0}" destId="{C5346EBF-FCC3-4C23-A68D-A5863D3FBBA7}" srcOrd="0" destOrd="0" presId="urn:microsoft.com/office/officeart/2005/8/layout/process5"/>
+    <dgm:cxn modelId="{7239A483-728C-469E-B248-FF5192396291}" type="presParOf" srcId="{5BD61685-EFEA-46D1-8EAC-C7F5FA652F5A}" destId="{F46EE843-9331-4658-BB07-9E488F6BE40F}" srcOrd="4" destOrd="0" presId="urn:microsoft.com/office/officeart/2005/8/layout/process5"/>
+    <dgm:cxn modelId="{F078BC96-13B8-4DF5-8A49-291876395376}" type="presParOf" srcId="{5BD61685-EFEA-46D1-8EAC-C7F5FA652F5A}" destId="{2B2B9ABD-C83B-408B-9C62-8BCF95D32E0E}" srcOrd="5" destOrd="0" presId="urn:microsoft.com/office/officeart/2005/8/layout/process5"/>
+    <dgm:cxn modelId="{79893E40-EC4F-41EF-B55C-ECCB37E4FE65}" type="presParOf" srcId="{2B2B9ABD-C83B-408B-9C62-8BCF95D32E0E}" destId="{E162542E-51C1-447F-8CEF-84EDCBA169EC}" srcOrd="0" destOrd="0" presId="urn:microsoft.com/office/officeart/2005/8/layout/process5"/>
+    <dgm:cxn modelId="{2942F7E1-033D-4980-8017-FC6D7D24658B}" type="presParOf" srcId="{5BD61685-EFEA-46D1-8EAC-C7F5FA652F5A}" destId="{E1B631AD-BBC2-4EDF-B8AF-97B4C55E6634}" srcOrd="6" destOrd="0" presId="urn:microsoft.com/office/officeart/2005/8/layout/process5"/>
+    <dgm:cxn modelId="{E0E51FC6-61CD-47AE-8699-7AC5739F4E4C}" type="presParOf" srcId="{5BD61685-EFEA-46D1-8EAC-C7F5FA652F5A}" destId="{AFA14F17-7D20-4997-B6B3-B68C9189D6AE}" srcOrd="7" destOrd="0" presId="urn:microsoft.com/office/officeart/2005/8/layout/process5"/>
+    <dgm:cxn modelId="{016B29D4-9F87-4C60-A8E3-3197E6FD0C2E}" type="presParOf" srcId="{AFA14F17-7D20-4997-B6B3-B68C9189D6AE}" destId="{7B47C134-96BE-4C55-93AC-837215C84E97}" srcOrd="0" destOrd="0" presId="urn:microsoft.com/office/officeart/2005/8/layout/process5"/>
+    <dgm:cxn modelId="{127EFA45-2DFB-4507-BA94-0BDDF1A5C0B5}" type="presParOf" srcId="{5BD61685-EFEA-46D1-8EAC-C7F5FA652F5A}" destId="{698E58E8-AF14-4031-A07C-A81D1EE1B47E}" srcOrd="8" destOrd="0" presId="urn:microsoft.com/office/officeart/2005/8/layout/process5"/>
+    <dgm:cxn modelId="{ED84050D-2645-412D-AB54-7B97D5996055}" type="presParOf" srcId="{5BD61685-EFEA-46D1-8EAC-C7F5FA652F5A}" destId="{4AAFA0DD-427F-4A02-AB70-3B417E712B3A}" srcOrd="9" destOrd="0" presId="urn:microsoft.com/office/officeart/2005/8/layout/process5"/>
+    <dgm:cxn modelId="{A2009680-7334-4F77-8EBD-07336D7143C7}" type="presParOf" srcId="{4AAFA0DD-427F-4A02-AB70-3B417E712B3A}" destId="{234403FD-10B0-4917-8A6D-84BC4AC222D9}" srcOrd="0" destOrd="0" presId="urn:microsoft.com/office/officeart/2005/8/layout/process5"/>
+    <dgm:cxn modelId="{AA93C635-4FAD-4E6F-9CCC-C6E97004C69B}" type="presParOf" srcId="{5BD61685-EFEA-46D1-8EAC-C7F5FA652F5A}" destId="{392791E9-5F4B-4A5D-9FA8-CE02DFB0F3B7}" srcOrd="10" destOrd="0" presId="urn:microsoft.com/office/officeart/2005/8/layout/process5"/>
+    <dgm:cxn modelId="{45A5B7ED-5CBC-499B-8D09-B89657FCB10A}" type="presParOf" srcId="{5BD61685-EFEA-46D1-8EAC-C7F5FA652F5A}" destId="{CFEF9A24-ECDB-444A-AB45-0FBA21847897}" srcOrd="11" destOrd="0" presId="urn:microsoft.com/office/officeart/2005/8/layout/process5"/>
+    <dgm:cxn modelId="{6631168B-1A16-4BDA-8588-34AC18ED7438}" type="presParOf" srcId="{CFEF9A24-ECDB-444A-AB45-0FBA21847897}" destId="{9DFB2884-E0D6-4CFA-B761-B53B83D4D073}" srcOrd="0" destOrd="0" presId="urn:microsoft.com/office/officeart/2005/8/layout/process5"/>
+    <dgm:cxn modelId="{BE817F4B-73EF-43AD-A803-3572EE00C253}" type="presParOf" srcId="{5BD61685-EFEA-46D1-8EAC-C7F5FA652F5A}" destId="{A8C86915-318E-4FAB-860D-17954FCE7779}" srcOrd="12" destOrd="0" presId="urn:microsoft.com/office/officeart/2005/8/layout/process5"/>
+    <dgm:cxn modelId="{4C64A989-0B2A-47AA-8B9B-802DBA65E52F}" type="presParOf" srcId="{5BD61685-EFEA-46D1-8EAC-C7F5FA652F5A}" destId="{FA5F4AB8-BF6B-4051-86D7-68585D786623}" srcOrd="13" destOrd="0" presId="urn:microsoft.com/office/officeart/2005/8/layout/process5"/>
+    <dgm:cxn modelId="{27A45E21-0DD2-48DA-BDEE-038D42901B2B}" type="presParOf" srcId="{FA5F4AB8-BF6B-4051-86D7-68585D786623}" destId="{6E7E26B3-49A5-4080-9343-56991CB4723C}" srcOrd="0" destOrd="0" presId="urn:microsoft.com/office/officeart/2005/8/layout/process5"/>
+    <dgm:cxn modelId="{C62DFF99-07E6-42A9-9712-7E5CB6743C9A}" type="presParOf" srcId="{5BD61685-EFEA-46D1-8EAC-C7F5FA652F5A}" destId="{950E5EBE-44BB-4C92-9EE4-BC22460A4EF9}" srcOrd="14" destOrd="0" presId="urn:microsoft.com/office/officeart/2005/8/layout/process5"/>
+    <dgm:cxn modelId="{C3761E36-BCA3-4D92-B005-88FB3CF9D16A}" type="presParOf" srcId="{5BD61685-EFEA-46D1-8EAC-C7F5FA652F5A}" destId="{46AA52BC-8B6D-46A3-A636-CF9997F06AA4}" srcOrd="15" destOrd="0" presId="urn:microsoft.com/office/officeart/2005/8/layout/process5"/>
+    <dgm:cxn modelId="{10AE5419-3FE7-4631-863F-DA482FE4C649}" type="presParOf" srcId="{46AA52BC-8B6D-46A3-A636-CF9997F06AA4}" destId="{803980FC-9D68-4298-A4D7-ECFD6CFD77FD}" srcOrd="0" destOrd="0" presId="urn:microsoft.com/office/officeart/2005/8/layout/process5"/>
+    <dgm:cxn modelId="{0FC96F97-5D14-4FFB-BC23-33AD95BE047C}" type="presParOf" srcId="{5BD61685-EFEA-46D1-8EAC-C7F5FA652F5A}" destId="{49308249-96A5-498C-8AC7-09736140A2A8}" srcOrd="16" destOrd="0" presId="urn:microsoft.com/office/officeart/2005/8/layout/process5"/>
+    <dgm:cxn modelId="{534DD88E-48FD-4048-A4D5-370E38BCBB3D}" type="presParOf" srcId="{5BD61685-EFEA-46D1-8EAC-C7F5FA652F5A}" destId="{7BF54FDC-96D6-4CEB-B263-D3B76D35F08D}" srcOrd="17" destOrd="0" presId="urn:microsoft.com/office/officeart/2005/8/layout/process5"/>
+    <dgm:cxn modelId="{C838BA5C-D164-4F0E-82F0-31087BA245B3}" type="presParOf" srcId="{7BF54FDC-96D6-4CEB-B263-D3B76D35F08D}" destId="{5E0E70C2-F2A8-4577-B34E-60B0163DDDE2}" srcOrd="0" destOrd="0" presId="urn:microsoft.com/office/officeart/2005/8/layout/process5"/>
+    <dgm:cxn modelId="{693AD5AB-1313-4245-9A79-082D5139509F}" type="presParOf" srcId="{5BD61685-EFEA-46D1-8EAC-C7F5FA652F5A}" destId="{BC801E3C-457A-409A-B127-A8456892A3E7}" srcOrd="18" destOrd="0" presId="urn:microsoft.com/office/officeart/2005/8/layout/process5"/>
+    <dgm:cxn modelId="{D6F13BB4-6990-447B-AAC2-70B7A1CA1385}" type="presParOf" srcId="{5BD61685-EFEA-46D1-8EAC-C7F5FA652F5A}" destId="{4FFE8EC9-D9A2-40A7-A437-D999A4E561AD}" srcOrd="19" destOrd="0" presId="urn:microsoft.com/office/officeart/2005/8/layout/process5"/>
+    <dgm:cxn modelId="{C26ECC02-C31A-40DC-A98E-99443058453F}" type="presParOf" srcId="{4FFE8EC9-D9A2-40A7-A437-D999A4E561AD}" destId="{10EA3286-211D-46AB-9E8F-954B658B9276}" srcOrd="0" destOrd="0" presId="urn:microsoft.com/office/officeart/2005/8/layout/process5"/>
+    <dgm:cxn modelId="{AF44ADD3-F608-4A49-A451-5D88ECE4A80C}" type="presParOf" srcId="{5BD61685-EFEA-46D1-8EAC-C7F5FA652F5A}" destId="{9F885388-DD9F-4FC9-B8FD-7AEB89374FF2}" srcOrd="20" destOrd="0" presId="urn:microsoft.com/office/officeart/2005/8/layout/process5"/>
+    <dgm:cxn modelId="{BE05DB49-8378-409A-8B4B-F4CF49D0F850}" type="presParOf" srcId="{5BD61685-EFEA-46D1-8EAC-C7F5FA652F5A}" destId="{82A205C9-B43F-4750-8554-98B9F4070306}" srcOrd="21" destOrd="0" presId="urn:microsoft.com/office/officeart/2005/8/layout/process5"/>
+    <dgm:cxn modelId="{C8789969-5A1C-4C14-AA60-60482486EE1C}" type="presParOf" srcId="{82A205C9-B43F-4750-8554-98B9F4070306}" destId="{9607A927-0406-4927-9141-DA4EF53542AA}" srcOrd="0" destOrd="0" presId="urn:microsoft.com/office/officeart/2005/8/layout/process5"/>
+    <dgm:cxn modelId="{72088C1E-06B5-4B50-8D2A-43BC349EE979}" type="presParOf" srcId="{5BD61685-EFEA-46D1-8EAC-C7F5FA652F5A}" destId="{FBCBAEE7-C221-48EF-A1A6-E811F960AB76}" srcOrd="22" destOrd="0" presId="urn:microsoft.com/office/officeart/2005/8/layout/process5"/>
+    <dgm:cxn modelId="{A665520E-E9CA-4AA1-B727-8009F8E2DF59}" type="presParOf" srcId="{5BD61685-EFEA-46D1-8EAC-C7F5FA652F5A}" destId="{61B62871-FB35-4F21-8737-103845057CBF}" srcOrd="23" destOrd="0" presId="urn:microsoft.com/office/officeart/2005/8/layout/process5"/>
+    <dgm:cxn modelId="{0C59C304-F716-4E97-BA9F-3ADEE3E3D63B}" type="presParOf" srcId="{61B62871-FB35-4F21-8737-103845057CBF}" destId="{8E230428-6428-4476-9C7F-2D74146CF5BB}" srcOrd="0" destOrd="0" presId="urn:microsoft.com/office/officeart/2005/8/layout/process5"/>
+    <dgm:cxn modelId="{969EC660-22D2-4760-85B6-3A6D6EE07491}" type="presParOf" srcId="{5BD61685-EFEA-46D1-8EAC-C7F5FA652F5A}" destId="{F5037606-C157-4155-BED8-849633FCB3A8}" srcOrd="24" destOrd="0" presId="urn:microsoft.com/office/officeart/2005/8/layout/process5"/>
+    <dgm:cxn modelId="{0CBB3538-DD55-400C-8B87-BBC12D1096C4}" type="presParOf" srcId="{5BD61685-EFEA-46D1-8EAC-C7F5FA652F5A}" destId="{8E93EF29-2DA9-4450-A94E-E84C7B43096D}" srcOrd="25" destOrd="0" presId="urn:microsoft.com/office/officeart/2005/8/layout/process5"/>
+    <dgm:cxn modelId="{E1C0B2AD-C6CF-4CD4-865C-8F7DD394B693}" type="presParOf" srcId="{8E93EF29-2DA9-4450-A94E-E84C7B43096D}" destId="{778A386A-4C20-4FF7-83E2-F3C8471FE77A}" srcOrd="0" destOrd="0" presId="urn:microsoft.com/office/officeart/2005/8/layout/process5"/>
+    <dgm:cxn modelId="{5F6254AB-C4C7-4A6A-BCDE-53B5B33F9F04}" type="presParOf" srcId="{5BD61685-EFEA-46D1-8EAC-C7F5FA652F5A}" destId="{AA2CF8B9-19B1-4347-9C12-2F0D171E7FED}" srcOrd="26" destOrd="0" presId="urn:microsoft.com/office/officeart/2005/8/layout/process5"/>
+    <dgm:cxn modelId="{691263A7-EA14-478A-AD8D-85C49E7FEB16}" type="presParOf" srcId="{5BD61685-EFEA-46D1-8EAC-C7F5FA652F5A}" destId="{2BE4EF29-79FD-4B6C-B4B7-7871815716AD}" srcOrd="27" destOrd="0" presId="urn:microsoft.com/office/officeart/2005/8/layout/process5"/>
+    <dgm:cxn modelId="{E3404015-E02A-403E-A5A8-D548B0E6FDE8}" type="presParOf" srcId="{2BE4EF29-79FD-4B6C-B4B7-7871815716AD}" destId="{0536B591-B061-4898-842A-3728931B5BEF}" srcOrd="0" destOrd="0" presId="urn:microsoft.com/office/officeart/2005/8/layout/process5"/>
+    <dgm:cxn modelId="{BE42DE19-20A9-4606-AC39-71D32451DA70}" type="presParOf" srcId="{5BD61685-EFEA-46D1-8EAC-C7F5FA652F5A}" destId="{895B3D7B-4668-43EF-92F3-F16B71473439}" srcOrd="28" destOrd="0" presId="urn:microsoft.com/office/officeart/2005/8/layout/process5"/>
   </dgm:cxnLst>
   <dgm:bg/>
   <dgm:whole/>
@@ -3065,7 +4811,2642 @@
 </dsp:drawing>
 </file>
 
+<file path=ppt/diagrams/drawing2.xml><?xml version="1.0" encoding="utf-8"?>
+<dsp:drawing xmlns:dgm="http://schemas.openxmlformats.org/drawingml/2006/diagram" xmlns:dsp="http://schemas.microsoft.com/office/drawing/2008/diagram" xmlns:a="http://schemas.openxmlformats.org/drawingml/2006/main">
+  <dsp:spTree>
+    <dsp:nvGrpSpPr>
+      <dsp:cNvPr id="0" name=""/>
+      <dsp:cNvGrpSpPr/>
+    </dsp:nvGrpSpPr>
+    <dsp:grpSpPr/>
+    <dsp:sp modelId="{8D0241DE-6AAC-4256-9E26-64AD3F43CDBB}">
+      <dsp:nvSpPr>
+        <dsp:cNvPr id="0" name=""/>
+        <dsp:cNvSpPr/>
+      </dsp:nvSpPr>
+      <dsp:spPr>
+        <a:xfrm>
+          <a:off x="5344" y="383979"/>
+          <a:ext cx="1656920" cy="994152"/>
+        </a:xfrm>
+        <a:prstGeom prst="roundRect">
+          <a:avLst>
+            <a:gd name="adj" fmla="val 10000"/>
+          </a:avLst>
+        </a:prstGeom>
+        <a:solidFill>
+          <a:schemeClr val="lt1">
+            <a:hueOff val="0"/>
+            <a:satOff val="0"/>
+            <a:lumOff val="0"/>
+            <a:alphaOff val="0"/>
+          </a:schemeClr>
+        </a:solidFill>
+        <a:ln>
+          <a:noFill/>
+        </a:ln>
+        <a:effectLst/>
+        <a:scene3d>
+          <a:camera prst="orthographicFront">
+            <a:rot lat="0" lon="0" rev="0"/>
+          </a:camera>
+          <a:lightRig rig="contrasting" dir="t">
+            <a:rot lat="0" lon="0" rev="1200000"/>
+          </a:lightRig>
+        </a:scene3d>
+        <a:sp3d contourW="19050" prstMaterial="metal">
+          <a:bevelT w="88900" h="203200"/>
+          <a:bevelB w="165100" h="254000"/>
+        </a:sp3d>
+      </dsp:spPr>
+      <dsp:style>
+        <a:lnRef idx="0">
+          <a:scrgbClr r="0" g="0" b="0"/>
+        </a:lnRef>
+        <a:fillRef idx="1">
+          <a:scrgbClr r="0" g="0" b="0"/>
+        </a:fillRef>
+        <a:effectRef idx="2">
+          <a:scrgbClr r="0" g="0" b="0"/>
+        </a:effectRef>
+        <a:fontRef idx="minor">
+          <a:schemeClr val="lt1"/>
+        </a:fontRef>
+      </dsp:style>
+      <dsp:txBody>
+        <a:bodyPr spcFirstLastPara="0" vert="horz" wrap="square" lIns="68580" tIns="68580" rIns="68580" bIns="68580" numCol="1" spcCol="1270" anchor="ctr" anchorCtr="0">
+          <a:noAutofit/>
+        </a:bodyPr>
+        <a:lstStyle/>
+        <a:p>
+          <a:pPr marL="0" lvl="0" indent="0" algn="ctr" defTabSz="800100">
+            <a:lnSpc>
+              <a:spcPct val="90000"/>
+            </a:lnSpc>
+            <a:spcBef>
+              <a:spcPct val="0"/>
+            </a:spcBef>
+            <a:spcAft>
+              <a:spcPct val="35000"/>
+            </a:spcAft>
+            <a:buNone/>
+          </a:pPr>
+          <a:r>
+            <a:rPr lang="en-GB" sz="1800" kern="1200" dirty="0"/>
+            <a:t>Create an array of  32K random symbols</a:t>
+          </a:r>
+          <a:endParaRPr lang="en-US" sz="1800" kern="1200" dirty="0"/>
+        </a:p>
+      </dsp:txBody>
+      <dsp:txXfrm>
+        <a:off x="34462" y="413097"/>
+        <a:ext cx="1598684" cy="935916"/>
+      </dsp:txXfrm>
+    </dsp:sp>
+    <dsp:sp modelId="{E5FE6FB6-CC7E-4A7D-AAD3-A1B8B90A387C}">
+      <dsp:nvSpPr>
+        <dsp:cNvPr id="0" name=""/>
+        <dsp:cNvSpPr/>
+      </dsp:nvSpPr>
+      <dsp:spPr>
+        <a:xfrm>
+          <a:off x="1808074" y="675597"/>
+          <a:ext cx="351267" cy="410916"/>
+        </a:xfrm>
+        <a:prstGeom prst="rightArrow">
+          <a:avLst>
+            <a:gd name="adj1" fmla="val 60000"/>
+            <a:gd name="adj2" fmla="val 50000"/>
+          </a:avLst>
+        </a:prstGeom>
+        <a:solidFill>
+          <a:schemeClr val="dk1">
+            <a:tint val="60000"/>
+            <a:hueOff val="0"/>
+            <a:satOff val="0"/>
+            <a:lumOff val="0"/>
+            <a:alphaOff val="0"/>
+          </a:schemeClr>
+        </a:solidFill>
+        <a:ln>
+          <a:noFill/>
+        </a:ln>
+        <a:effectLst/>
+        <a:scene3d>
+          <a:camera prst="orthographicFront">
+            <a:rot lat="0" lon="0" rev="0"/>
+          </a:camera>
+          <a:lightRig rig="contrasting" dir="t">
+            <a:rot lat="0" lon="0" rev="1200000"/>
+          </a:lightRig>
+        </a:scene3d>
+        <a:sp3d z="-182000" contourW="19050" prstMaterial="metal">
+          <a:bevelT w="88900" h="203200"/>
+          <a:bevelB w="165100" h="254000"/>
+        </a:sp3d>
+      </dsp:spPr>
+      <dsp:style>
+        <a:lnRef idx="0">
+          <a:scrgbClr r="0" g="0" b="0"/>
+        </a:lnRef>
+        <a:fillRef idx="1">
+          <a:scrgbClr r="0" g="0" b="0"/>
+        </a:fillRef>
+        <a:effectRef idx="0">
+          <a:scrgbClr r="0" g="0" b="0"/>
+        </a:effectRef>
+        <a:fontRef idx="minor">
+          <a:schemeClr val="lt1"/>
+        </a:fontRef>
+      </dsp:style>
+      <dsp:txBody>
+        <a:bodyPr spcFirstLastPara="0" vert="horz" wrap="square" lIns="0" tIns="0" rIns="0" bIns="0" numCol="1" spcCol="1270" anchor="ctr" anchorCtr="0">
+          <a:noAutofit/>
+        </a:bodyPr>
+        <a:lstStyle/>
+        <a:p>
+          <a:pPr marL="0" lvl="0" indent="0" algn="ctr" defTabSz="622300">
+            <a:lnSpc>
+              <a:spcPct val="90000"/>
+            </a:lnSpc>
+            <a:spcBef>
+              <a:spcPct val="0"/>
+            </a:spcBef>
+            <a:spcAft>
+              <a:spcPct val="35000"/>
+            </a:spcAft>
+            <a:buNone/>
+          </a:pPr>
+          <a:endParaRPr lang="en-US" sz="1400" kern="1200"/>
+        </a:p>
+      </dsp:txBody>
+      <dsp:txXfrm>
+        <a:off x="1808074" y="757780"/>
+        <a:ext cx="245887" cy="246550"/>
+      </dsp:txXfrm>
+    </dsp:sp>
+    <dsp:sp modelId="{AE445B88-DC01-4FCA-A481-B4C32925223B}">
+      <dsp:nvSpPr>
+        <dsp:cNvPr id="0" name=""/>
+        <dsp:cNvSpPr/>
+      </dsp:nvSpPr>
+      <dsp:spPr>
+        <a:xfrm>
+          <a:off x="2325033" y="383979"/>
+          <a:ext cx="1656920" cy="994152"/>
+        </a:xfrm>
+        <a:prstGeom prst="roundRect">
+          <a:avLst>
+            <a:gd name="adj" fmla="val 10000"/>
+          </a:avLst>
+        </a:prstGeom>
+        <a:solidFill>
+          <a:schemeClr val="lt1">
+            <a:hueOff val="0"/>
+            <a:satOff val="0"/>
+            <a:lumOff val="0"/>
+            <a:alphaOff val="0"/>
+          </a:schemeClr>
+        </a:solidFill>
+        <a:ln>
+          <a:noFill/>
+        </a:ln>
+        <a:effectLst/>
+        <a:scene3d>
+          <a:camera prst="orthographicFront">
+            <a:rot lat="0" lon="0" rev="0"/>
+          </a:camera>
+          <a:lightRig rig="contrasting" dir="t">
+            <a:rot lat="0" lon="0" rev="1200000"/>
+          </a:lightRig>
+        </a:scene3d>
+        <a:sp3d contourW="19050" prstMaterial="metal">
+          <a:bevelT w="88900" h="203200"/>
+          <a:bevelB w="165100" h="254000"/>
+        </a:sp3d>
+      </dsp:spPr>
+      <dsp:style>
+        <a:lnRef idx="0">
+          <a:scrgbClr r="0" g="0" b="0"/>
+        </a:lnRef>
+        <a:fillRef idx="1">
+          <a:scrgbClr r="0" g="0" b="0"/>
+        </a:fillRef>
+        <a:effectRef idx="2">
+          <a:scrgbClr r="0" g="0" b="0"/>
+        </a:effectRef>
+        <a:fontRef idx="minor">
+          <a:schemeClr val="lt1"/>
+        </a:fontRef>
+      </dsp:style>
+      <dsp:txBody>
+        <a:bodyPr spcFirstLastPara="0" vert="horz" wrap="square" lIns="68580" tIns="68580" rIns="68580" bIns="68580" numCol="1" spcCol="1270" anchor="ctr" anchorCtr="0">
+          <a:noAutofit/>
+        </a:bodyPr>
+        <a:lstStyle/>
+        <a:p>
+          <a:pPr marL="0" lvl="0" indent="0" algn="ctr" defTabSz="800100">
+            <a:lnSpc>
+              <a:spcPct val="90000"/>
+            </a:lnSpc>
+            <a:spcBef>
+              <a:spcPct val="0"/>
+            </a:spcBef>
+            <a:spcAft>
+              <a:spcPct val="35000"/>
+            </a:spcAft>
+            <a:buNone/>
+          </a:pPr>
+          <a:r>
+            <a:rPr lang="en-US" sz="1800" kern="1200" dirty="0"/>
+            <a:t>FEC Encoding/Preamble</a:t>
+          </a:r>
+        </a:p>
+      </dsp:txBody>
+      <dsp:txXfrm>
+        <a:off x="2354151" y="413097"/>
+        <a:ext cx="1598684" cy="935916"/>
+      </dsp:txXfrm>
+    </dsp:sp>
+    <dsp:sp modelId="{ED444A14-DA62-4744-B946-403D32E225A0}">
+      <dsp:nvSpPr>
+        <dsp:cNvPr id="0" name=""/>
+        <dsp:cNvSpPr/>
+      </dsp:nvSpPr>
+      <dsp:spPr>
+        <a:xfrm>
+          <a:off x="4127762" y="675597"/>
+          <a:ext cx="351267" cy="410916"/>
+        </a:xfrm>
+        <a:prstGeom prst="rightArrow">
+          <a:avLst>
+            <a:gd name="adj1" fmla="val 60000"/>
+            <a:gd name="adj2" fmla="val 50000"/>
+          </a:avLst>
+        </a:prstGeom>
+        <a:solidFill>
+          <a:schemeClr val="dk1">
+            <a:tint val="60000"/>
+            <a:hueOff val="0"/>
+            <a:satOff val="0"/>
+            <a:lumOff val="0"/>
+            <a:alphaOff val="0"/>
+          </a:schemeClr>
+        </a:solidFill>
+        <a:ln>
+          <a:noFill/>
+        </a:ln>
+        <a:effectLst/>
+        <a:scene3d>
+          <a:camera prst="orthographicFront">
+            <a:rot lat="0" lon="0" rev="0"/>
+          </a:camera>
+          <a:lightRig rig="contrasting" dir="t">
+            <a:rot lat="0" lon="0" rev="1200000"/>
+          </a:lightRig>
+        </a:scene3d>
+        <a:sp3d z="-182000" contourW="19050" prstMaterial="metal">
+          <a:bevelT w="88900" h="203200"/>
+          <a:bevelB w="165100" h="254000"/>
+        </a:sp3d>
+      </dsp:spPr>
+      <dsp:style>
+        <a:lnRef idx="0">
+          <a:scrgbClr r="0" g="0" b="0"/>
+        </a:lnRef>
+        <a:fillRef idx="1">
+          <a:scrgbClr r="0" g="0" b="0"/>
+        </a:fillRef>
+        <a:effectRef idx="0">
+          <a:scrgbClr r="0" g="0" b="0"/>
+        </a:effectRef>
+        <a:fontRef idx="minor">
+          <a:schemeClr val="lt1"/>
+        </a:fontRef>
+      </dsp:style>
+      <dsp:txBody>
+        <a:bodyPr spcFirstLastPara="0" vert="horz" wrap="square" lIns="0" tIns="0" rIns="0" bIns="0" numCol="1" spcCol="1270" anchor="ctr" anchorCtr="0">
+          <a:noAutofit/>
+        </a:bodyPr>
+        <a:lstStyle/>
+        <a:p>
+          <a:pPr marL="0" lvl="0" indent="0" algn="ctr" defTabSz="622300">
+            <a:lnSpc>
+              <a:spcPct val="90000"/>
+            </a:lnSpc>
+            <a:spcBef>
+              <a:spcPct val="0"/>
+            </a:spcBef>
+            <a:spcAft>
+              <a:spcPct val="35000"/>
+            </a:spcAft>
+            <a:buNone/>
+          </a:pPr>
+          <a:endParaRPr lang="en-US" sz="1400" kern="1200"/>
+        </a:p>
+      </dsp:txBody>
+      <dsp:txXfrm>
+        <a:off x="4127762" y="757780"/>
+        <a:ext cx="245887" cy="246550"/>
+      </dsp:txXfrm>
+    </dsp:sp>
+    <dsp:sp modelId="{F46EE843-9331-4658-BB07-9E488F6BE40F}">
+      <dsp:nvSpPr>
+        <dsp:cNvPr id="0" name=""/>
+        <dsp:cNvSpPr/>
+      </dsp:nvSpPr>
+      <dsp:spPr>
+        <a:xfrm>
+          <a:off x="4644721" y="383979"/>
+          <a:ext cx="1656920" cy="994152"/>
+        </a:xfrm>
+        <a:prstGeom prst="roundRect">
+          <a:avLst>
+            <a:gd name="adj" fmla="val 10000"/>
+          </a:avLst>
+        </a:prstGeom>
+        <a:solidFill>
+          <a:schemeClr val="lt1">
+            <a:hueOff val="0"/>
+            <a:satOff val="0"/>
+            <a:lumOff val="0"/>
+            <a:alphaOff val="0"/>
+          </a:schemeClr>
+        </a:solidFill>
+        <a:ln>
+          <a:noFill/>
+        </a:ln>
+        <a:effectLst/>
+        <a:scene3d>
+          <a:camera prst="orthographicFront">
+            <a:rot lat="0" lon="0" rev="0"/>
+          </a:camera>
+          <a:lightRig rig="contrasting" dir="t">
+            <a:rot lat="0" lon="0" rev="1200000"/>
+          </a:lightRig>
+        </a:scene3d>
+        <a:sp3d contourW="19050" prstMaterial="metal">
+          <a:bevelT w="88900" h="203200"/>
+          <a:bevelB w="165100" h="254000"/>
+        </a:sp3d>
+      </dsp:spPr>
+      <dsp:style>
+        <a:lnRef idx="0">
+          <a:scrgbClr r="0" g="0" b="0"/>
+        </a:lnRef>
+        <a:fillRef idx="1">
+          <a:scrgbClr r="0" g="0" b="0"/>
+        </a:fillRef>
+        <a:effectRef idx="2">
+          <a:scrgbClr r="0" g="0" b="0"/>
+        </a:effectRef>
+        <a:fontRef idx="minor">
+          <a:schemeClr val="lt1"/>
+        </a:fontRef>
+      </dsp:style>
+      <dsp:txBody>
+        <a:bodyPr spcFirstLastPara="0" vert="horz" wrap="square" lIns="45720" tIns="45720" rIns="45720" bIns="45720" numCol="1" spcCol="1270" anchor="ctr" anchorCtr="0">
+          <a:noAutofit/>
+        </a:bodyPr>
+        <a:lstStyle/>
+        <a:p>
+          <a:pPr marL="0" lvl="0" indent="0" algn="ctr" defTabSz="533400">
+            <a:lnSpc>
+              <a:spcPct val="90000"/>
+            </a:lnSpc>
+            <a:spcBef>
+              <a:spcPct val="0"/>
+            </a:spcBef>
+            <a:spcAft>
+              <a:spcPct val="35000"/>
+            </a:spcAft>
+            <a:buNone/>
+          </a:pPr>
+          <a:r>
+            <a:rPr lang="en-GB" sz="1200" kern="1200" dirty="0"/>
+            <a:t>Modulate: </a:t>
+          </a:r>
+        </a:p>
+        <a:p>
+          <a:pPr marL="0" lvl="0" indent="0" algn="ctr" defTabSz="533400">
+            <a:lnSpc>
+              <a:spcPct val="90000"/>
+            </a:lnSpc>
+            <a:spcBef>
+              <a:spcPct val="0"/>
+            </a:spcBef>
+            <a:spcAft>
+              <a:spcPct val="35000"/>
+            </a:spcAft>
+            <a:buNone/>
+          </a:pPr>
+          <a:r>
+            <a:rPr lang="en-GB" sz="1200" kern="1200" dirty="0"/>
+            <a:t>QPSK, 16QAM, 64QAM</a:t>
+          </a:r>
+        </a:p>
+        <a:p>
+          <a:pPr marL="0" lvl="0" indent="0" algn="ctr" defTabSz="533400">
+            <a:lnSpc>
+              <a:spcPct val="90000"/>
+            </a:lnSpc>
+            <a:spcBef>
+              <a:spcPct val="0"/>
+            </a:spcBef>
+            <a:spcAft>
+              <a:spcPct val="35000"/>
+            </a:spcAft>
+            <a:buNone/>
+          </a:pPr>
+          <a:r>
+            <a:rPr lang="en-GB" sz="1200" kern="1200" dirty="0"/>
+            <a:t>QPSK: initial phase </a:t>
+          </a:r>
+          <a:r>
+            <a:rPr lang="el-GR" sz="1200" kern="1200" dirty="0"/>
+            <a:t>π</a:t>
+          </a:r>
+          <a:r>
+            <a:rPr lang="en-GB" sz="1200" kern="1200" dirty="0"/>
+            <a:t>/4</a:t>
+          </a:r>
+          <a:r>
+            <a:rPr lang="en-US" sz="1200" kern="1200" dirty="0"/>
+            <a:t> , gray coding</a:t>
+          </a:r>
+        </a:p>
+      </dsp:txBody>
+      <dsp:txXfrm>
+        <a:off x="4673839" y="413097"/>
+        <a:ext cx="1598684" cy="935916"/>
+      </dsp:txXfrm>
+    </dsp:sp>
+    <dsp:sp modelId="{2B2B9ABD-C83B-408B-9C62-8BCF95D32E0E}">
+      <dsp:nvSpPr>
+        <dsp:cNvPr id="0" name=""/>
+        <dsp:cNvSpPr/>
+      </dsp:nvSpPr>
+      <dsp:spPr>
+        <a:xfrm>
+          <a:off x="6447451" y="675597"/>
+          <a:ext cx="351267" cy="410916"/>
+        </a:xfrm>
+        <a:prstGeom prst="rightArrow">
+          <a:avLst>
+            <a:gd name="adj1" fmla="val 60000"/>
+            <a:gd name="adj2" fmla="val 50000"/>
+          </a:avLst>
+        </a:prstGeom>
+        <a:solidFill>
+          <a:schemeClr val="dk1">
+            <a:tint val="60000"/>
+            <a:hueOff val="0"/>
+            <a:satOff val="0"/>
+            <a:lumOff val="0"/>
+            <a:alphaOff val="0"/>
+          </a:schemeClr>
+        </a:solidFill>
+        <a:ln>
+          <a:noFill/>
+        </a:ln>
+        <a:effectLst/>
+        <a:scene3d>
+          <a:camera prst="orthographicFront">
+            <a:rot lat="0" lon="0" rev="0"/>
+          </a:camera>
+          <a:lightRig rig="contrasting" dir="t">
+            <a:rot lat="0" lon="0" rev="1200000"/>
+          </a:lightRig>
+        </a:scene3d>
+        <a:sp3d z="-182000" contourW="19050" prstMaterial="metal">
+          <a:bevelT w="88900" h="203200"/>
+          <a:bevelB w="165100" h="254000"/>
+        </a:sp3d>
+      </dsp:spPr>
+      <dsp:style>
+        <a:lnRef idx="0">
+          <a:scrgbClr r="0" g="0" b="0"/>
+        </a:lnRef>
+        <a:fillRef idx="1">
+          <a:scrgbClr r="0" g="0" b="0"/>
+        </a:fillRef>
+        <a:effectRef idx="0">
+          <a:scrgbClr r="0" g="0" b="0"/>
+        </a:effectRef>
+        <a:fontRef idx="minor">
+          <a:schemeClr val="lt1"/>
+        </a:fontRef>
+      </dsp:style>
+      <dsp:txBody>
+        <a:bodyPr spcFirstLastPara="0" vert="horz" wrap="square" lIns="0" tIns="0" rIns="0" bIns="0" numCol="1" spcCol="1270" anchor="ctr" anchorCtr="0">
+          <a:noAutofit/>
+        </a:bodyPr>
+        <a:lstStyle/>
+        <a:p>
+          <a:pPr marL="0" lvl="0" indent="0" algn="ctr" defTabSz="622300">
+            <a:lnSpc>
+              <a:spcPct val="90000"/>
+            </a:lnSpc>
+            <a:spcBef>
+              <a:spcPct val="0"/>
+            </a:spcBef>
+            <a:spcAft>
+              <a:spcPct val="35000"/>
+            </a:spcAft>
+            <a:buNone/>
+          </a:pPr>
+          <a:endParaRPr lang="en-US" sz="1400" kern="1200"/>
+        </a:p>
+      </dsp:txBody>
+      <dsp:txXfrm>
+        <a:off x="6447451" y="757780"/>
+        <a:ext cx="245887" cy="246550"/>
+      </dsp:txXfrm>
+    </dsp:sp>
+    <dsp:sp modelId="{E1B631AD-BBC2-4EDF-B8AF-97B4C55E6634}">
+      <dsp:nvSpPr>
+        <dsp:cNvPr id="0" name=""/>
+        <dsp:cNvSpPr/>
+      </dsp:nvSpPr>
+      <dsp:spPr>
+        <a:xfrm>
+          <a:off x="6964410" y="383979"/>
+          <a:ext cx="1656920" cy="994152"/>
+        </a:xfrm>
+        <a:prstGeom prst="roundRect">
+          <a:avLst>
+            <a:gd name="adj" fmla="val 10000"/>
+          </a:avLst>
+        </a:prstGeom>
+        <a:solidFill>
+          <a:schemeClr val="lt1">
+            <a:hueOff val="0"/>
+            <a:satOff val="0"/>
+            <a:lumOff val="0"/>
+            <a:alphaOff val="0"/>
+          </a:schemeClr>
+        </a:solidFill>
+        <a:ln>
+          <a:noFill/>
+        </a:ln>
+        <a:effectLst/>
+        <a:scene3d>
+          <a:camera prst="orthographicFront">
+            <a:rot lat="0" lon="0" rev="0"/>
+          </a:camera>
+          <a:lightRig rig="contrasting" dir="t">
+            <a:rot lat="0" lon="0" rev="1200000"/>
+          </a:lightRig>
+        </a:scene3d>
+        <a:sp3d contourW="19050" prstMaterial="metal">
+          <a:bevelT w="88900" h="203200"/>
+          <a:bevelB w="165100" h="254000"/>
+        </a:sp3d>
+      </dsp:spPr>
+      <dsp:style>
+        <a:lnRef idx="0">
+          <a:scrgbClr r="0" g="0" b="0"/>
+        </a:lnRef>
+        <a:fillRef idx="1">
+          <a:scrgbClr r="0" g="0" b="0"/>
+        </a:fillRef>
+        <a:effectRef idx="2">
+          <a:scrgbClr r="0" g="0" b="0"/>
+        </a:effectRef>
+        <a:fontRef idx="minor">
+          <a:schemeClr val="lt1"/>
+        </a:fontRef>
+      </dsp:style>
+      <dsp:txBody>
+        <a:bodyPr spcFirstLastPara="0" vert="horz" wrap="square" lIns="76200" tIns="76200" rIns="76200" bIns="76200" numCol="1" spcCol="1270" anchor="ctr" anchorCtr="0">
+          <a:noAutofit/>
+        </a:bodyPr>
+        <a:lstStyle/>
+        <a:p>
+          <a:pPr marL="0" lvl="0" indent="0" algn="ctr" defTabSz="889000">
+            <a:lnSpc>
+              <a:spcPct val="90000"/>
+            </a:lnSpc>
+            <a:spcBef>
+              <a:spcPct val="0"/>
+            </a:spcBef>
+            <a:spcAft>
+              <a:spcPct val="35000"/>
+            </a:spcAft>
+            <a:buNone/>
+          </a:pPr>
+          <a:r>
+            <a:rPr lang="en-US" sz="2000" kern="1200" dirty="0"/>
+            <a:t>Filter with a pulse shaping filter</a:t>
+          </a:r>
+          <a:r>
+            <a:rPr lang="en-US" sz="2000" kern="1200" baseline="30000" dirty="0"/>
+            <a:t>1</a:t>
+          </a:r>
+          <a:endParaRPr lang="en-US" sz="2000" kern="1200" dirty="0"/>
+        </a:p>
+      </dsp:txBody>
+      <dsp:txXfrm>
+        <a:off x="6993528" y="413097"/>
+        <a:ext cx="1598684" cy="935916"/>
+      </dsp:txXfrm>
+    </dsp:sp>
+    <dsp:sp modelId="{AFA14F17-7D20-4997-B6B3-B68C9189D6AE}">
+      <dsp:nvSpPr>
+        <dsp:cNvPr id="0" name=""/>
+        <dsp:cNvSpPr/>
+      </dsp:nvSpPr>
+      <dsp:spPr>
+        <a:xfrm>
+          <a:off x="8767139" y="675597"/>
+          <a:ext cx="351267" cy="410916"/>
+        </a:xfrm>
+        <a:prstGeom prst="rightArrow">
+          <a:avLst>
+            <a:gd name="adj1" fmla="val 60000"/>
+            <a:gd name="adj2" fmla="val 50000"/>
+          </a:avLst>
+        </a:prstGeom>
+        <a:solidFill>
+          <a:schemeClr val="dk1">
+            <a:tint val="60000"/>
+            <a:hueOff val="0"/>
+            <a:satOff val="0"/>
+            <a:lumOff val="0"/>
+            <a:alphaOff val="0"/>
+          </a:schemeClr>
+        </a:solidFill>
+        <a:ln>
+          <a:noFill/>
+        </a:ln>
+        <a:effectLst/>
+        <a:scene3d>
+          <a:camera prst="orthographicFront">
+            <a:rot lat="0" lon="0" rev="0"/>
+          </a:camera>
+          <a:lightRig rig="contrasting" dir="t">
+            <a:rot lat="0" lon="0" rev="1200000"/>
+          </a:lightRig>
+        </a:scene3d>
+        <a:sp3d z="-182000" contourW="19050" prstMaterial="metal">
+          <a:bevelT w="88900" h="203200"/>
+          <a:bevelB w="165100" h="254000"/>
+        </a:sp3d>
+      </dsp:spPr>
+      <dsp:style>
+        <a:lnRef idx="0">
+          <a:scrgbClr r="0" g="0" b="0"/>
+        </a:lnRef>
+        <a:fillRef idx="1">
+          <a:scrgbClr r="0" g="0" b="0"/>
+        </a:fillRef>
+        <a:effectRef idx="0">
+          <a:scrgbClr r="0" g="0" b="0"/>
+        </a:effectRef>
+        <a:fontRef idx="minor">
+          <a:schemeClr val="lt1"/>
+        </a:fontRef>
+      </dsp:style>
+      <dsp:txBody>
+        <a:bodyPr spcFirstLastPara="0" vert="horz" wrap="square" lIns="0" tIns="0" rIns="0" bIns="0" numCol="1" spcCol="1270" anchor="ctr" anchorCtr="0">
+          <a:noAutofit/>
+        </a:bodyPr>
+        <a:lstStyle/>
+        <a:p>
+          <a:pPr marL="0" lvl="0" indent="0" algn="ctr" defTabSz="622300">
+            <a:lnSpc>
+              <a:spcPct val="90000"/>
+            </a:lnSpc>
+            <a:spcBef>
+              <a:spcPct val="0"/>
+            </a:spcBef>
+            <a:spcAft>
+              <a:spcPct val="35000"/>
+            </a:spcAft>
+            <a:buNone/>
+          </a:pPr>
+          <a:endParaRPr lang="en-US" sz="1400" kern="1200"/>
+        </a:p>
+      </dsp:txBody>
+      <dsp:txXfrm>
+        <a:off x="8767139" y="757780"/>
+        <a:ext cx="245887" cy="246550"/>
+      </dsp:txXfrm>
+    </dsp:sp>
+    <dsp:sp modelId="{698E58E8-AF14-4031-A07C-A81D1EE1B47E}">
+      <dsp:nvSpPr>
+        <dsp:cNvPr id="0" name=""/>
+        <dsp:cNvSpPr/>
+      </dsp:nvSpPr>
+      <dsp:spPr>
+        <a:xfrm>
+          <a:off x="9284098" y="383979"/>
+          <a:ext cx="1656920" cy="994152"/>
+        </a:xfrm>
+        <a:prstGeom prst="roundRect">
+          <a:avLst>
+            <a:gd name="adj" fmla="val 10000"/>
+          </a:avLst>
+        </a:prstGeom>
+        <a:solidFill>
+          <a:schemeClr val="lt1">
+            <a:hueOff val="0"/>
+            <a:satOff val="0"/>
+            <a:lumOff val="0"/>
+            <a:alphaOff val="0"/>
+          </a:schemeClr>
+        </a:solidFill>
+        <a:ln>
+          <a:noFill/>
+        </a:ln>
+        <a:effectLst/>
+        <a:scene3d>
+          <a:camera prst="orthographicFront">
+            <a:rot lat="0" lon="0" rev="0"/>
+          </a:camera>
+          <a:lightRig rig="contrasting" dir="t">
+            <a:rot lat="0" lon="0" rev="1200000"/>
+          </a:lightRig>
+        </a:scene3d>
+        <a:sp3d contourW="19050" prstMaterial="metal">
+          <a:bevelT w="88900" h="203200"/>
+          <a:bevelB w="165100" h="254000"/>
+        </a:sp3d>
+      </dsp:spPr>
+      <dsp:style>
+        <a:lnRef idx="0">
+          <a:scrgbClr r="0" g="0" b="0"/>
+        </a:lnRef>
+        <a:fillRef idx="1">
+          <a:scrgbClr r="0" g="0" b="0"/>
+        </a:fillRef>
+        <a:effectRef idx="2">
+          <a:scrgbClr r="0" g="0" b="0"/>
+        </a:effectRef>
+        <a:fontRef idx="minor">
+          <a:schemeClr val="lt1"/>
+        </a:fontRef>
+      </dsp:style>
+      <dsp:txBody>
+        <a:bodyPr spcFirstLastPara="0" vert="horz" wrap="square" lIns="76200" tIns="76200" rIns="76200" bIns="76200" numCol="1" spcCol="1270" anchor="ctr" anchorCtr="0">
+          <a:noAutofit/>
+        </a:bodyPr>
+        <a:lstStyle/>
+        <a:p>
+          <a:pPr marL="0" lvl="0" indent="0" algn="ctr" defTabSz="889000">
+            <a:lnSpc>
+              <a:spcPct val="90000"/>
+            </a:lnSpc>
+            <a:spcBef>
+              <a:spcPct val="0"/>
+            </a:spcBef>
+            <a:spcAft>
+              <a:spcPct val="35000"/>
+            </a:spcAft>
+            <a:buNone/>
+          </a:pPr>
+          <a:r>
+            <a:rPr lang="en-US" sz="2000" kern="1200" dirty="0"/>
+            <a:t>Add AWGN</a:t>
+          </a:r>
+        </a:p>
+      </dsp:txBody>
+      <dsp:txXfrm>
+        <a:off x="9313216" y="413097"/>
+        <a:ext cx="1598684" cy="935916"/>
+      </dsp:txXfrm>
+    </dsp:sp>
+    <dsp:sp modelId="{4AAFA0DD-427F-4A02-AB70-3B417E712B3A}">
+      <dsp:nvSpPr>
+        <dsp:cNvPr id="0" name=""/>
+        <dsp:cNvSpPr/>
+      </dsp:nvSpPr>
+      <dsp:spPr>
+        <a:xfrm rot="5400000">
+          <a:off x="9936925" y="1494115"/>
+          <a:ext cx="351267" cy="410916"/>
+        </a:xfrm>
+        <a:prstGeom prst="rightArrow">
+          <a:avLst>
+            <a:gd name="adj1" fmla="val 60000"/>
+            <a:gd name="adj2" fmla="val 50000"/>
+          </a:avLst>
+        </a:prstGeom>
+        <a:solidFill>
+          <a:schemeClr val="dk1">
+            <a:tint val="60000"/>
+            <a:hueOff val="0"/>
+            <a:satOff val="0"/>
+            <a:lumOff val="0"/>
+            <a:alphaOff val="0"/>
+          </a:schemeClr>
+        </a:solidFill>
+        <a:ln>
+          <a:noFill/>
+        </a:ln>
+        <a:effectLst/>
+        <a:scene3d>
+          <a:camera prst="orthographicFront">
+            <a:rot lat="0" lon="0" rev="0"/>
+          </a:camera>
+          <a:lightRig rig="contrasting" dir="t">
+            <a:rot lat="0" lon="0" rev="1200000"/>
+          </a:lightRig>
+        </a:scene3d>
+        <a:sp3d z="-182000" contourW="19050" prstMaterial="metal">
+          <a:bevelT w="88900" h="203200"/>
+          <a:bevelB w="165100" h="254000"/>
+        </a:sp3d>
+      </dsp:spPr>
+      <dsp:style>
+        <a:lnRef idx="0">
+          <a:scrgbClr r="0" g="0" b="0"/>
+        </a:lnRef>
+        <a:fillRef idx="1">
+          <a:scrgbClr r="0" g="0" b="0"/>
+        </a:fillRef>
+        <a:effectRef idx="0">
+          <a:scrgbClr r="0" g="0" b="0"/>
+        </a:effectRef>
+        <a:fontRef idx="minor">
+          <a:schemeClr val="lt1"/>
+        </a:fontRef>
+      </dsp:style>
+      <dsp:txBody>
+        <a:bodyPr spcFirstLastPara="0" vert="horz" wrap="square" lIns="0" tIns="0" rIns="0" bIns="0" numCol="1" spcCol="1270" anchor="ctr" anchorCtr="0">
+          <a:noAutofit/>
+        </a:bodyPr>
+        <a:lstStyle/>
+        <a:p>
+          <a:pPr marL="0" lvl="0" indent="0" algn="ctr" defTabSz="622300">
+            <a:lnSpc>
+              <a:spcPct val="90000"/>
+            </a:lnSpc>
+            <a:spcBef>
+              <a:spcPct val="0"/>
+            </a:spcBef>
+            <a:spcAft>
+              <a:spcPct val="35000"/>
+            </a:spcAft>
+            <a:buNone/>
+          </a:pPr>
+          <a:endParaRPr lang="en-US" sz="1400" kern="1200"/>
+        </a:p>
+      </dsp:txBody>
+      <dsp:txXfrm rot="-5400000">
+        <a:off x="9989284" y="1523939"/>
+        <a:ext cx="246550" cy="245887"/>
+      </dsp:txXfrm>
+    </dsp:sp>
+    <dsp:sp modelId="{392791E9-5F4B-4A5D-9FA8-CE02DFB0F3B7}">
+      <dsp:nvSpPr>
+        <dsp:cNvPr id="0" name=""/>
+        <dsp:cNvSpPr/>
+      </dsp:nvSpPr>
+      <dsp:spPr>
+        <a:xfrm>
+          <a:off x="9284098" y="2040899"/>
+          <a:ext cx="1656920" cy="994152"/>
+        </a:xfrm>
+        <a:prstGeom prst="roundRect">
+          <a:avLst>
+            <a:gd name="adj" fmla="val 10000"/>
+          </a:avLst>
+        </a:prstGeom>
+        <a:solidFill>
+          <a:schemeClr val="lt1">
+            <a:hueOff val="0"/>
+            <a:satOff val="0"/>
+            <a:lumOff val="0"/>
+            <a:alphaOff val="0"/>
+          </a:schemeClr>
+        </a:solidFill>
+        <a:ln>
+          <a:noFill/>
+        </a:ln>
+        <a:effectLst/>
+        <a:scene3d>
+          <a:camera prst="orthographicFront">
+            <a:rot lat="0" lon="0" rev="0"/>
+          </a:camera>
+          <a:lightRig rig="contrasting" dir="t">
+            <a:rot lat="0" lon="0" rev="1200000"/>
+          </a:lightRig>
+        </a:scene3d>
+        <a:sp3d contourW="19050" prstMaterial="metal">
+          <a:bevelT w="88900" h="203200"/>
+          <a:bevelB w="165100" h="254000"/>
+        </a:sp3d>
+      </dsp:spPr>
+      <dsp:style>
+        <a:lnRef idx="0">
+          <a:scrgbClr r="0" g="0" b="0"/>
+        </a:lnRef>
+        <a:fillRef idx="1">
+          <a:scrgbClr r="0" g="0" b="0"/>
+        </a:fillRef>
+        <a:effectRef idx="2">
+          <a:scrgbClr r="0" g="0" b="0"/>
+        </a:effectRef>
+        <a:fontRef idx="minor">
+          <a:schemeClr val="lt1"/>
+        </a:fontRef>
+      </dsp:style>
+      <dsp:txBody>
+        <a:bodyPr spcFirstLastPara="0" vert="horz" wrap="square" lIns="60960" tIns="60960" rIns="60960" bIns="60960" numCol="1" spcCol="1270" anchor="ctr" anchorCtr="0">
+          <a:noAutofit/>
+        </a:bodyPr>
+        <a:lstStyle/>
+        <a:p>
+          <a:pPr marL="0" lvl="0" indent="0" algn="ctr" defTabSz="711200">
+            <a:lnSpc>
+              <a:spcPct val="90000"/>
+            </a:lnSpc>
+            <a:spcBef>
+              <a:spcPct val="0"/>
+            </a:spcBef>
+            <a:spcAft>
+              <a:spcPct val="35000"/>
+            </a:spcAft>
+            <a:buNone/>
+          </a:pPr>
+          <a:r>
+            <a:rPr lang="en-US" sz="1600" kern="1200" dirty="0"/>
+            <a:t>Add phase noise</a:t>
+          </a:r>
+        </a:p>
+      </dsp:txBody>
+      <dsp:txXfrm>
+        <a:off x="9313216" y="2070017"/>
+        <a:ext cx="1598684" cy="935916"/>
+      </dsp:txXfrm>
+    </dsp:sp>
+    <dsp:sp modelId="{CFEF9A24-ECDB-444A-AB45-0FBA21847897}">
+      <dsp:nvSpPr>
+        <dsp:cNvPr id="0" name=""/>
+        <dsp:cNvSpPr/>
+      </dsp:nvSpPr>
+      <dsp:spPr>
+        <a:xfrm rot="10800000">
+          <a:off x="8787022" y="2332517"/>
+          <a:ext cx="351267" cy="410916"/>
+        </a:xfrm>
+        <a:prstGeom prst="rightArrow">
+          <a:avLst>
+            <a:gd name="adj1" fmla="val 60000"/>
+            <a:gd name="adj2" fmla="val 50000"/>
+          </a:avLst>
+        </a:prstGeom>
+        <a:solidFill>
+          <a:schemeClr val="dk1">
+            <a:tint val="60000"/>
+            <a:hueOff val="0"/>
+            <a:satOff val="0"/>
+            <a:lumOff val="0"/>
+            <a:alphaOff val="0"/>
+          </a:schemeClr>
+        </a:solidFill>
+        <a:ln>
+          <a:noFill/>
+        </a:ln>
+        <a:effectLst/>
+        <a:scene3d>
+          <a:camera prst="orthographicFront">
+            <a:rot lat="0" lon="0" rev="0"/>
+          </a:camera>
+          <a:lightRig rig="contrasting" dir="t">
+            <a:rot lat="0" lon="0" rev="1200000"/>
+          </a:lightRig>
+        </a:scene3d>
+        <a:sp3d z="-182000" contourW="19050" prstMaterial="metal">
+          <a:bevelT w="88900" h="203200"/>
+          <a:bevelB w="165100" h="254000"/>
+        </a:sp3d>
+      </dsp:spPr>
+      <dsp:style>
+        <a:lnRef idx="0">
+          <a:scrgbClr r="0" g="0" b="0"/>
+        </a:lnRef>
+        <a:fillRef idx="1">
+          <a:scrgbClr r="0" g="0" b="0"/>
+        </a:fillRef>
+        <a:effectRef idx="0">
+          <a:scrgbClr r="0" g="0" b="0"/>
+        </a:effectRef>
+        <a:fontRef idx="minor">
+          <a:schemeClr val="lt1"/>
+        </a:fontRef>
+      </dsp:style>
+      <dsp:txBody>
+        <a:bodyPr spcFirstLastPara="0" vert="horz" wrap="square" lIns="0" tIns="0" rIns="0" bIns="0" numCol="1" spcCol="1270" anchor="ctr" anchorCtr="0">
+          <a:noAutofit/>
+        </a:bodyPr>
+        <a:lstStyle/>
+        <a:p>
+          <a:pPr marL="0" lvl="0" indent="0" algn="ctr" defTabSz="622300">
+            <a:lnSpc>
+              <a:spcPct val="90000"/>
+            </a:lnSpc>
+            <a:spcBef>
+              <a:spcPct val="0"/>
+            </a:spcBef>
+            <a:spcAft>
+              <a:spcPct val="35000"/>
+            </a:spcAft>
+            <a:buNone/>
+          </a:pPr>
+          <a:endParaRPr lang="en-US" sz="1400" kern="1200"/>
+        </a:p>
+      </dsp:txBody>
+      <dsp:txXfrm rot="10800000">
+        <a:off x="8892402" y="2414700"/>
+        <a:ext cx="245887" cy="246550"/>
+      </dsp:txXfrm>
+    </dsp:sp>
+    <dsp:sp modelId="{A8C86915-318E-4FAB-860D-17954FCE7779}">
+      <dsp:nvSpPr>
+        <dsp:cNvPr id="0" name=""/>
+        <dsp:cNvSpPr/>
+      </dsp:nvSpPr>
+      <dsp:spPr>
+        <a:xfrm>
+          <a:off x="6964410" y="2040899"/>
+          <a:ext cx="1656920" cy="994152"/>
+        </a:xfrm>
+        <a:prstGeom prst="roundRect">
+          <a:avLst>
+            <a:gd name="adj" fmla="val 10000"/>
+          </a:avLst>
+        </a:prstGeom>
+        <a:solidFill>
+          <a:schemeClr val="lt1">
+            <a:hueOff val="0"/>
+            <a:satOff val="0"/>
+            <a:lumOff val="0"/>
+            <a:alphaOff val="0"/>
+          </a:schemeClr>
+        </a:solidFill>
+        <a:ln>
+          <a:noFill/>
+        </a:ln>
+        <a:effectLst/>
+        <a:scene3d>
+          <a:camera prst="orthographicFront">
+            <a:rot lat="0" lon="0" rev="0"/>
+          </a:camera>
+          <a:lightRig rig="contrasting" dir="t">
+            <a:rot lat="0" lon="0" rev="1200000"/>
+          </a:lightRig>
+        </a:scene3d>
+        <a:sp3d contourW="19050" prstMaterial="metal">
+          <a:bevelT w="88900" h="203200"/>
+          <a:bevelB w="165100" h="254000"/>
+        </a:sp3d>
+      </dsp:spPr>
+      <dsp:style>
+        <a:lnRef idx="0">
+          <a:scrgbClr r="0" g="0" b="0"/>
+        </a:lnRef>
+        <a:fillRef idx="1">
+          <a:scrgbClr r="0" g="0" b="0"/>
+        </a:fillRef>
+        <a:effectRef idx="2">
+          <a:scrgbClr r="0" g="0" b="0"/>
+        </a:effectRef>
+        <a:fontRef idx="minor">
+          <a:schemeClr val="lt1"/>
+        </a:fontRef>
+      </dsp:style>
+      <dsp:txBody>
+        <a:bodyPr spcFirstLastPara="0" vert="horz" wrap="square" lIns="60960" tIns="60960" rIns="60960" bIns="60960" numCol="1" spcCol="1270" anchor="ctr" anchorCtr="0">
+          <a:noAutofit/>
+        </a:bodyPr>
+        <a:lstStyle/>
+        <a:p>
+          <a:pPr marL="0" lvl="0" indent="0" algn="ctr" defTabSz="711200">
+            <a:lnSpc>
+              <a:spcPct val="90000"/>
+            </a:lnSpc>
+            <a:spcBef>
+              <a:spcPct val="0"/>
+            </a:spcBef>
+            <a:spcAft>
+              <a:spcPct val="35000"/>
+            </a:spcAft>
+            <a:buNone/>
+          </a:pPr>
+          <a:r>
+            <a:rPr lang="en-US" sz="1600" kern="1200" dirty="0"/>
+            <a:t>Add Chromatic Dispersion</a:t>
+          </a:r>
+        </a:p>
+      </dsp:txBody>
+      <dsp:txXfrm>
+        <a:off x="6993528" y="2070017"/>
+        <a:ext cx="1598684" cy="935916"/>
+      </dsp:txXfrm>
+    </dsp:sp>
+    <dsp:sp modelId="{FA5F4AB8-BF6B-4051-86D7-68585D786623}">
+      <dsp:nvSpPr>
+        <dsp:cNvPr id="0" name=""/>
+        <dsp:cNvSpPr/>
+      </dsp:nvSpPr>
+      <dsp:spPr>
+        <a:xfrm rot="10800000">
+          <a:off x="6467334" y="2332517"/>
+          <a:ext cx="351267" cy="410916"/>
+        </a:xfrm>
+        <a:prstGeom prst="rightArrow">
+          <a:avLst>
+            <a:gd name="adj1" fmla="val 60000"/>
+            <a:gd name="adj2" fmla="val 50000"/>
+          </a:avLst>
+        </a:prstGeom>
+        <a:solidFill>
+          <a:schemeClr val="dk1">
+            <a:tint val="60000"/>
+            <a:hueOff val="0"/>
+            <a:satOff val="0"/>
+            <a:lumOff val="0"/>
+            <a:alphaOff val="0"/>
+          </a:schemeClr>
+        </a:solidFill>
+        <a:ln>
+          <a:noFill/>
+        </a:ln>
+        <a:effectLst/>
+        <a:scene3d>
+          <a:camera prst="orthographicFront">
+            <a:rot lat="0" lon="0" rev="0"/>
+          </a:camera>
+          <a:lightRig rig="contrasting" dir="t">
+            <a:rot lat="0" lon="0" rev="1200000"/>
+          </a:lightRig>
+        </a:scene3d>
+        <a:sp3d z="-182000" contourW="19050" prstMaterial="metal">
+          <a:bevelT w="88900" h="203200"/>
+          <a:bevelB w="165100" h="254000"/>
+        </a:sp3d>
+      </dsp:spPr>
+      <dsp:style>
+        <a:lnRef idx="0">
+          <a:scrgbClr r="0" g="0" b="0"/>
+        </a:lnRef>
+        <a:fillRef idx="1">
+          <a:scrgbClr r="0" g="0" b="0"/>
+        </a:fillRef>
+        <a:effectRef idx="0">
+          <a:scrgbClr r="0" g="0" b="0"/>
+        </a:effectRef>
+        <a:fontRef idx="minor">
+          <a:schemeClr val="lt1"/>
+        </a:fontRef>
+      </dsp:style>
+      <dsp:txBody>
+        <a:bodyPr spcFirstLastPara="0" vert="horz" wrap="square" lIns="0" tIns="0" rIns="0" bIns="0" numCol="1" spcCol="1270" anchor="ctr" anchorCtr="0">
+          <a:noAutofit/>
+        </a:bodyPr>
+        <a:lstStyle/>
+        <a:p>
+          <a:pPr marL="0" lvl="0" indent="0" algn="ctr" defTabSz="622300">
+            <a:lnSpc>
+              <a:spcPct val="90000"/>
+            </a:lnSpc>
+            <a:spcBef>
+              <a:spcPct val="0"/>
+            </a:spcBef>
+            <a:spcAft>
+              <a:spcPct val="35000"/>
+            </a:spcAft>
+            <a:buNone/>
+          </a:pPr>
+          <a:endParaRPr lang="en-US" sz="1400" kern="1200"/>
+        </a:p>
+      </dsp:txBody>
+      <dsp:txXfrm rot="10800000">
+        <a:off x="6572714" y="2414700"/>
+        <a:ext cx="245887" cy="246550"/>
+      </dsp:txXfrm>
+    </dsp:sp>
+    <dsp:sp modelId="{950E5EBE-44BB-4C92-9EE4-BC22460A4EF9}">
+      <dsp:nvSpPr>
+        <dsp:cNvPr id="0" name=""/>
+        <dsp:cNvSpPr/>
+      </dsp:nvSpPr>
+      <dsp:spPr>
+        <a:xfrm>
+          <a:off x="4644721" y="2040899"/>
+          <a:ext cx="1656920" cy="994152"/>
+        </a:xfrm>
+        <a:prstGeom prst="roundRect">
+          <a:avLst>
+            <a:gd name="adj" fmla="val 10000"/>
+          </a:avLst>
+        </a:prstGeom>
+        <a:solidFill>
+          <a:schemeClr val="lt1">
+            <a:hueOff val="0"/>
+            <a:satOff val="0"/>
+            <a:lumOff val="0"/>
+            <a:alphaOff val="0"/>
+          </a:schemeClr>
+        </a:solidFill>
+        <a:ln>
+          <a:noFill/>
+        </a:ln>
+        <a:effectLst/>
+        <a:scene3d>
+          <a:camera prst="orthographicFront">
+            <a:rot lat="0" lon="0" rev="0"/>
+          </a:camera>
+          <a:lightRig rig="contrasting" dir="t">
+            <a:rot lat="0" lon="0" rev="1200000"/>
+          </a:lightRig>
+        </a:scene3d>
+        <a:sp3d contourW="19050" prstMaterial="metal">
+          <a:bevelT w="88900" h="203200"/>
+          <a:bevelB w="165100" h="254000"/>
+        </a:sp3d>
+      </dsp:spPr>
+      <dsp:style>
+        <a:lnRef idx="0">
+          <a:scrgbClr r="0" g="0" b="0"/>
+        </a:lnRef>
+        <a:fillRef idx="1">
+          <a:scrgbClr r="0" g="0" b="0"/>
+        </a:fillRef>
+        <a:effectRef idx="2">
+          <a:scrgbClr r="0" g="0" b="0"/>
+        </a:effectRef>
+        <a:fontRef idx="minor">
+          <a:schemeClr val="lt1"/>
+        </a:fontRef>
+      </dsp:style>
+      <dsp:txBody>
+        <a:bodyPr spcFirstLastPara="0" vert="horz" wrap="square" lIns="60960" tIns="60960" rIns="60960" bIns="60960" numCol="1" spcCol="1270" anchor="ctr" anchorCtr="0">
+          <a:noAutofit/>
+        </a:bodyPr>
+        <a:lstStyle/>
+        <a:p>
+          <a:pPr marL="0" lvl="0" indent="0" algn="ctr" defTabSz="711200">
+            <a:lnSpc>
+              <a:spcPct val="90000"/>
+            </a:lnSpc>
+            <a:spcBef>
+              <a:spcPct val="0"/>
+            </a:spcBef>
+            <a:spcAft>
+              <a:spcPct val="35000"/>
+            </a:spcAft>
+            <a:buNone/>
+          </a:pPr>
+          <a:r>
+            <a:rPr lang="en-US" sz="1600" kern="1200" dirty="0"/>
+            <a:t>Automatic gain control for normalization</a:t>
+          </a:r>
+        </a:p>
+      </dsp:txBody>
+      <dsp:txXfrm>
+        <a:off x="4673839" y="2070017"/>
+        <a:ext cx="1598684" cy="935916"/>
+      </dsp:txXfrm>
+    </dsp:sp>
+    <dsp:sp modelId="{46AA52BC-8B6D-46A3-A636-CF9997F06AA4}">
+      <dsp:nvSpPr>
+        <dsp:cNvPr id="0" name=""/>
+        <dsp:cNvSpPr/>
+      </dsp:nvSpPr>
+      <dsp:spPr>
+        <a:xfrm rot="10800000">
+          <a:off x="4147645" y="2332517"/>
+          <a:ext cx="351267" cy="410916"/>
+        </a:xfrm>
+        <a:prstGeom prst="rightArrow">
+          <a:avLst>
+            <a:gd name="adj1" fmla="val 60000"/>
+            <a:gd name="adj2" fmla="val 50000"/>
+          </a:avLst>
+        </a:prstGeom>
+        <a:solidFill>
+          <a:schemeClr val="dk1">
+            <a:tint val="60000"/>
+            <a:hueOff val="0"/>
+            <a:satOff val="0"/>
+            <a:lumOff val="0"/>
+            <a:alphaOff val="0"/>
+          </a:schemeClr>
+        </a:solidFill>
+        <a:ln>
+          <a:noFill/>
+        </a:ln>
+        <a:effectLst/>
+        <a:scene3d>
+          <a:camera prst="orthographicFront">
+            <a:rot lat="0" lon="0" rev="0"/>
+          </a:camera>
+          <a:lightRig rig="contrasting" dir="t">
+            <a:rot lat="0" lon="0" rev="1200000"/>
+          </a:lightRig>
+        </a:scene3d>
+        <a:sp3d z="-182000" contourW="19050" prstMaterial="metal">
+          <a:bevelT w="88900" h="203200"/>
+          <a:bevelB w="165100" h="254000"/>
+        </a:sp3d>
+      </dsp:spPr>
+      <dsp:style>
+        <a:lnRef idx="0">
+          <a:scrgbClr r="0" g="0" b="0"/>
+        </a:lnRef>
+        <a:fillRef idx="1">
+          <a:scrgbClr r="0" g="0" b="0"/>
+        </a:fillRef>
+        <a:effectRef idx="0">
+          <a:scrgbClr r="0" g="0" b="0"/>
+        </a:effectRef>
+        <a:fontRef idx="minor">
+          <a:schemeClr val="lt1"/>
+        </a:fontRef>
+      </dsp:style>
+      <dsp:txBody>
+        <a:bodyPr spcFirstLastPara="0" vert="horz" wrap="square" lIns="0" tIns="0" rIns="0" bIns="0" numCol="1" spcCol="1270" anchor="ctr" anchorCtr="0">
+          <a:noAutofit/>
+        </a:bodyPr>
+        <a:lstStyle/>
+        <a:p>
+          <a:pPr marL="0" lvl="0" indent="0" algn="ctr" defTabSz="622300">
+            <a:lnSpc>
+              <a:spcPct val="90000"/>
+            </a:lnSpc>
+            <a:spcBef>
+              <a:spcPct val="0"/>
+            </a:spcBef>
+            <a:spcAft>
+              <a:spcPct val="35000"/>
+            </a:spcAft>
+            <a:buNone/>
+          </a:pPr>
+          <a:endParaRPr lang="en-US" sz="1400" kern="1200"/>
+        </a:p>
+      </dsp:txBody>
+      <dsp:txXfrm rot="10800000">
+        <a:off x="4253025" y="2414700"/>
+        <a:ext cx="245887" cy="246550"/>
+      </dsp:txXfrm>
+    </dsp:sp>
+    <dsp:sp modelId="{49308249-96A5-498C-8AC7-09736140A2A8}">
+      <dsp:nvSpPr>
+        <dsp:cNvPr id="0" name=""/>
+        <dsp:cNvSpPr/>
+      </dsp:nvSpPr>
+      <dsp:spPr>
+        <a:xfrm>
+          <a:off x="2325033" y="2040899"/>
+          <a:ext cx="1656920" cy="994152"/>
+        </a:xfrm>
+        <a:prstGeom prst="roundRect">
+          <a:avLst>
+            <a:gd name="adj" fmla="val 10000"/>
+          </a:avLst>
+        </a:prstGeom>
+        <a:solidFill>
+          <a:schemeClr val="lt1">
+            <a:hueOff val="0"/>
+            <a:satOff val="0"/>
+            <a:lumOff val="0"/>
+            <a:alphaOff val="0"/>
+          </a:schemeClr>
+        </a:solidFill>
+        <a:ln>
+          <a:noFill/>
+        </a:ln>
+        <a:effectLst/>
+        <a:scene3d>
+          <a:camera prst="orthographicFront">
+            <a:rot lat="0" lon="0" rev="0"/>
+          </a:camera>
+          <a:lightRig rig="contrasting" dir="t">
+            <a:rot lat="0" lon="0" rev="1200000"/>
+          </a:lightRig>
+        </a:scene3d>
+        <a:sp3d contourW="19050" prstMaterial="metal">
+          <a:bevelT w="88900" h="203200"/>
+          <a:bevelB w="165100" h="254000"/>
+        </a:sp3d>
+      </dsp:spPr>
+      <dsp:style>
+        <a:lnRef idx="0">
+          <a:scrgbClr r="0" g="0" b="0"/>
+        </a:lnRef>
+        <a:fillRef idx="1">
+          <a:scrgbClr r="0" g="0" b="0"/>
+        </a:fillRef>
+        <a:effectRef idx="2">
+          <a:scrgbClr r="0" g="0" b="0"/>
+        </a:effectRef>
+        <a:fontRef idx="minor">
+          <a:schemeClr val="lt1"/>
+        </a:fontRef>
+      </dsp:style>
+      <dsp:txBody>
+        <a:bodyPr spcFirstLastPara="0" vert="horz" wrap="square" lIns="60960" tIns="60960" rIns="60960" bIns="60960" numCol="1" spcCol="1270" anchor="ctr" anchorCtr="0">
+          <a:noAutofit/>
+        </a:bodyPr>
+        <a:lstStyle/>
+        <a:p>
+          <a:pPr marL="0" lvl="0" indent="0" algn="ctr" defTabSz="711200">
+            <a:lnSpc>
+              <a:spcPct val="90000"/>
+            </a:lnSpc>
+            <a:spcBef>
+              <a:spcPct val="0"/>
+            </a:spcBef>
+            <a:spcAft>
+              <a:spcPct val="35000"/>
+            </a:spcAft>
+            <a:buNone/>
+          </a:pPr>
+          <a:r>
+            <a:rPr lang="en-US" sz="1600" kern="1200" dirty="0"/>
+            <a:t>Resolve Chromatic Dispersion</a:t>
+          </a:r>
+        </a:p>
+      </dsp:txBody>
+      <dsp:txXfrm>
+        <a:off x="2354151" y="2070017"/>
+        <a:ext cx="1598684" cy="935916"/>
+      </dsp:txXfrm>
+    </dsp:sp>
+    <dsp:sp modelId="{7BF54FDC-96D6-4CEB-B263-D3B76D35F08D}">
+      <dsp:nvSpPr>
+        <dsp:cNvPr id="0" name=""/>
+        <dsp:cNvSpPr/>
+      </dsp:nvSpPr>
+      <dsp:spPr>
+        <a:xfrm rot="10800000">
+          <a:off x="1827957" y="2332517"/>
+          <a:ext cx="351267" cy="410916"/>
+        </a:xfrm>
+        <a:prstGeom prst="rightArrow">
+          <a:avLst>
+            <a:gd name="adj1" fmla="val 60000"/>
+            <a:gd name="adj2" fmla="val 50000"/>
+          </a:avLst>
+        </a:prstGeom>
+        <a:solidFill>
+          <a:schemeClr val="dk1">
+            <a:tint val="60000"/>
+            <a:hueOff val="0"/>
+            <a:satOff val="0"/>
+            <a:lumOff val="0"/>
+            <a:alphaOff val="0"/>
+          </a:schemeClr>
+        </a:solidFill>
+        <a:ln>
+          <a:noFill/>
+        </a:ln>
+        <a:effectLst/>
+        <a:scene3d>
+          <a:camera prst="orthographicFront">
+            <a:rot lat="0" lon="0" rev="0"/>
+          </a:camera>
+          <a:lightRig rig="contrasting" dir="t">
+            <a:rot lat="0" lon="0" rev="1200000"/>
+          </a:lightRig>
+        </a:scene3d>
+        <a:sp3d z="-182000" contourW="19050" prstMaterial="metal">
+          <a:bevelT w="88900" h="203200"/>
+          <a:bevelB w="165100" h="254000"/>
+        </a:sp3d>
+      </dsp:spPr>
+      <dsp:style>
+        <a:lnRef idx="0">
+          <a:scrgbClr r="0" g="0" b="0"/>
+        </a:lnRef>
+        <a:fillRef idx="1">
+          <a:scrgbClr r="0" g="0" b="0"/>
+        </a:fillRef>
+        <a:effectRef idx="0">
+          <a:scrgbClr r="0" g="0" b="0"/>
+        </a:effectRef>
+        <a:fontRef idx="minor">
+          <a:schemeClr val="lt1"/>
+        </a:fontRef>
+      </dsp:style>
+      <dsp:txBody>
+        <a:bodyPr spcFirstLastPara="0" vert="horz" wrap="square" lIns="0" tIns="0" rIns="0" bIns="0" numCol="1" spcCol="1270" anchor="ctr" anchorCtr="0">
+          <a:noAutofit/>
+        </a:bodyPr>
+        <a:lstStyle/>
+        <a:p>
+          <a:pPr marL="0" lvl="0" indent="0" algn="ctr" defTabSz="622300">
+            <a:lnSpc>
+              <a:spcPct val="90000"/>
+            </a:lnSpc>
+            <a:spcBef>
+              <a:spcPct val="0"/>
+            </a:spcBef>
+            <a:spcAft>
+              <a:spcPct val="35000"/>
+            </a:spcAft>
+            <a:buNone/>
+          </a:pPr>
+          <a:endParaRPr lang="en-US" sz="1400" kern="1200"/>
+        </a:p>
+      </dsp:txBody>
+      <dsp:txXfrm rot="10800000">
+        <a:off x="1933337" y="2414700"/>
+        <a:ext cx="245887" cy="246550"/>
+      </dsp:txXfrm>
+    </dsp:sp>
+    <dsp:sp modelId="{BC801E3C-457A-409A-B127-A8456892A3E7}">
+      <dsp:nvSpPr>
+        <dsp:cNvPr id="0" name=""/>
+        <dsp:cNvSpPr/>
+      </dsp:nvSpPr>
+      <dsp:spPr>
+        <a:xfrm>
+          <a:off x="5344" y="2040899"/>
+          <a:ext cx="1656920" cy="994152"/>
+        </a:xfrm>
+        <a:prstGeom prst="roundRect">
+          <a:avLst>
+            <a:gd name="adj" fmla="val 10000"/>
+          </a:avLst>
+        </a:prstGeom>
+        <a:solidFill>
+          <a:schemeClr val="lt1">
+            <a:hueOff val="0"/>
+            <a:satOff val="0"/>
+            <a:lumOff val="0"/>
+            <a:alphaOff val="0"/>
+          </a:schemeClr>
+        </a:solidFill>
+        <a:ln>
+          <a:noFill/>
+        </a:ln>
+        <a:effectLst/>
+        <a:scene3d>
+          <a:camera prst="orthographicFront">
+            <a:rot lat="0" lon="0" rev="0"/>
+          </a:camera>
+          <a:lightRig rig="contrasting" dir="t">
+            <a:rot lat="0" lon="0" rev="1200000"/>
+          </a:lightRig>
+        </a:scene3d>
+        <a:sp3d contourW="19050" prstMaterial="metal">
+          <a:bevelT w="88900" h="203200"/>
+          <a:bevelB w="165100" h="254000"/>
+        </a:sp3d>
+      </dsp:spPr>
+      <dsp:style>
+        <a:lnRef idx="0">
+          <a:scrgbClr r="0" g="0" b="0"/>
+        </a:lnRef>
+        <a:fillRef idx="1">
+          <a:scrgbClr r="0" g="0" b="0"/>
+        </a:fillRef>
+        <a:effectRef idx="2">
+          <a:scrgbClr r="0" g="0" b="0"/>
+        </a:effectRef>
+        <a:fontRef idx="minor">
+          <a:schemeClr val="lt1"/>
+        </a:fontRef>
+      </dsp:style>
+      <dsp:txBody>
+        <a:bodyPr spcFirstLastPara="0" vert="horz" wrap="square" lIns="60960" tIns="60960" rIns="60960" bIns="60960" numCol="1" spcCol="1270" anchor="ctr" anchorCtr="0">
+          <a:noAutofit/>
+        </a:bodyPr>
+        <a:lstStyle/>
+        <a:p>
+          <a:pPr marL="0" lvl="0" indent="0" algn="ctr" defTabSz="711200">
+            <a:lnSpc>
+              <a:spcPct val="90000"/>
+            </a:lnSpc>
+            <a:spcBef>
+              <a:spcPct val="0"/>
+            </a:spcBef>
+            <a:spcAft>
+              <a:spcPct val="35000"/>
+            </a:spcAft>
+            <a:buNone/>
+          </a:pPr>
+          <a:r>
+            <a:rPr lang="en-US" sz="1600" kern="1200" dirty="0"/>
+            <a:t>Frequency Equalisation</a:t>
+          </a:r>
+        </a:p>
+      </dsp:txBody>
+      <dsp:txXfrm>
+        <a:off x="34462" y="2070017"/>
+        <a:ext cx="1598684" cy="935916"/>
+      </dsp:txXfrm>
+    </dsp:sp>
+    <dsp:sp modelId="{4FFE8EC9-D9A2-40A7-A437-D999A4E561AD}">
+      <dsp:nvSpPr>
+        <dsp:cNvPr id="0" name=""/>
+        <dsp:cNvSpPr/>
+      </dsp:nvSpPr>
+      <dsp:spPr>
+        <a:xfrm rot="5400000">
+          <a:off x="658171" y="3151036"/>
+          <a:ext cx="351267" cy="410916"/>
+        </a:xfrm>
+        <a:prstGeom prst="rightArrow">
+          <a:avLst>
+            <a:gd name="adj1" fmla="val 60000"/>
+            <a:gd name="adj2" fmla="val 50000"/>
+          </a:avLst>
+        </a:prstGeom>
+        <a:solidFill>
+          <a:schemeClr val="dk1">
+            <a:tint val="60000"/>
+            <a:hueOff val="0"/>
+            <a:satOff val="0"/>
+            <a:lumOff val="0"/>
+            <a:alphaOff val="0"/>
+          </a:schemeClr>
+        </a:solidFill>
+        <a:ln>
+          <a:noFill/>
+        </a:ln>
+        <a:effectLst/>
+        <a:scene3d>
+          <a:camera prst="orthographicFront">
+            <a:rot lat="0" lon="0" rev="0"/>
+          </a:camera>
+          <a:lightRig rig="contrasting" dir="t">
+            <a:rot lat="0" lon="0" rev="1200000"/>
+          </a:lightRig>
+        </a:scene3d>
+        <a:sp3d z="-182000" contourW="19050" prstMaterial="metal">
+          <a:bevelT w="88900" h="203200"/>
+          <a:bevelB w="165100" h="254000"/>
+        </a:sp3d>
+      </dsp:spPr>
+      <dsp:style>
+        <a:lnRef idx="0">
+          <a:scrgbClr r="0" g="0" b="0"/>
+        </a:lnRef>
+        <a:fillRef idx="1">
+          <a:scrgbClr r="0" g="0" b="0"/>
+        </a:fillRef>
+        <a:effectRef idx="0">
+          <a:scrgbClr r="0" g="0" b="0"/>
+        </a:effectRef>
+        <a:fontRef idx="minor">
+          <a:schemeClr val="lt1"/>
+        </a:fontRef>
+      </dsp:style>
+      <dsp:txBody>
+        <a:bodyPr spcFirstLastPara="0" vert="horz" wrap="square" lIns="0" tIns="0" rIns="0" bIns="0" numCol="1" spcCol="1270" anchor="ctr" anchorCtr="0">
+          <a:noAutofit/>
+        </a:bodyPr>
+        <a:lstStyle/>
+        <a:p>
+          <a:pPr marL="0" lvl="0" indent="0" algn="ctr" defTabSz="622300">
+            <a:lnSpc>
+              <a:spcPct val="90000"/>
+            </a:lnSpc>
+            <a:spcBef>
+              <a:spcPct val="0"/>
+            </a:spcBef>
+            <a:spcAft>
+              <a:spcPct val="35000"/>
+            </a:spcAft>
+            <a:buNone/>
+          </a:pPr>
+          <a:endParaRPr lang="en-US" sz="1400" kern="1200"/>
+        </a:p>
+      </dsp:txBody>
+      <dsp:txXfrm rot="-5400000">
+        <a:off x="710530" y="3180860"/>
+        <a:ext cx="246550" cy="245887"/>
+      </dsp:txXfrm>
+    </dsp:sp>
+    <dsp:sp modelId="{9F885388-DD9F-4FC9-B8FD-7AEB89374FF2}">
+      <dsp:nvSpPr>
+        <dsp:cNvPr id="0" name=""/>
+        <dsp:cNvSpPr/>
+      </dsp:nvSpPr>
+      <dsp:spPr>
+        <a:xfrm>
+          <a:off x="5344" y="3697819"/>
+          <a:ext cx="1656920" cy="994152"/>
+        </a:xfrm>
+        <a:prstGeom prst="roundRect">
+          <a:avLst>
+            <a:gd name="adj" fmla="val 10000"/>
+          </a:avLst>
+        </a:prstGeom>
+        <a:solidFill>
+          <a:schemeClr val="lt1">
+            <a:hueOff val="0"/>
+            <a:satOff val="0"/>
+            <a:lumOff val="0"/>
+            <a:alphaOff val="0"/>
+          </a:schemeClr>
+        </a:solidFill>
+        <a:ln>
+          <a:noFill/>
+        </a:ln>
+        <a:effectLst/>
+        <a:scene3d>
+          <a:camera prst="orthographicFront">
+            <a:rot lat="0" lon="0" rev="0"/>
+          </a:camera>
+          <a:lightRig rig="contrasting" dir="t">
+            <a:rot lat="0" lon="0" rev="1200000"/>
+          </a:lightRig>
+        </a:scene3d>
+        <a:sp3d contourW="19050" prstMaterial="metal">
+          <a:bevelT w="88900" h="203200"/>
+          <a:bevelB w="165100" h="254000"/>
+        </a:sp3d>
+      </dsp:spPr>
+      <dsp:style>
+        <a:lnRef idx="0">
+          <a:scrgbClr r="0" g="0" b="0"/>
+        </a:lnRef>
+        <a:fillRef idx="1">
+          <a:scrgbClr r="0" g="0" b="0"/>
+        </a:fillRef>
+        <a:effectRef idx="2">
+          <a:scrgbClr r="0" g="0" b="0"/>
+        </a:effectRef>
+        <a:fontRef idx="minor">
+          <a:schemeClr val="lt1"/>
+        </a:fontRef>
+      </dsp:style>
+      <dsp:txBody>
+        <a:bodyPr spcFirstLastPara="0" vert="horz" wrap="square" lIns="60960" tIns="60960" rIns="60960" bIns="60960" numCol="1" spcCol="1270" anchor="ctr" anchorCtr="0">
+          <a:noAutofit/>
+        </a:bodyPr>
+        <a:lstStyle/>
+        <a:p>
+          <a:pPr marL="0" lvl="0" indent="0" algn="ctr" defTabSz="711200">
+            <a:lnSpc>
+              <a:spcPct val="90000"/>
+            </a:lnSpc>
+            <a:spcBef>
+              <a:spcPct val="0"/>
+            </a:spcBef>
+            <a:spcAft>
+              <a:spcPct val="35000"/>
+            </a:spcAft>
+            <a:buNone/>
+          </a:pPr>
+          <a:r>
+            <a:rPr lang="en-US" sz="1600" kern="1200" dirty="0"/>
+            <a:t>Carrier Equalisation</a:t>
+          </a:r>
+        </a:p>
+      </dsp:txBody>
+      <dsp:txXfrm>
+        <a:off x="34462" y="3726937"/>
+        <a:ext cx="1598684" cy="935916"/>
+      </dsp:txXfrm>
+    </dsp:sp>
+    <dsp:sp modelId="{82A205C9-B43F-4750-8554-98B9F4070306}">
+      <dsp:nvSpPr>
+        <dsp:cNvPr id="0" name=""/>
+        <dsp:cNvSpPr/>
+      </dsp:nvSpPr>
+      <dsp:spPr>
+        <a:xfrm>
+          <a:off x="1808074" y="3989437"/>
+          <a:ext cx="351267" cy="410916"/>
+        </a:xfrm>
+        <a:prstGeom prst="rightArrow">
+          <a:avLst>
+            <a:gd name="adj1" fmla="val 60000"/>
+            <a:gd name="adj2" fmla="val 50000"/>
+          </a:avLst>
+        </a:prstGeom>
+        <a:solidFill>
+          <a:schemeClr val="dk1">
+            <a:tint val="60000"/>
+            <a:hueOff val="0"/>
+            <a:satOff val="0"/>
+            <a:lumOff val="0"/>
+            <a:alphaOff val="0"/>
+          </a:schemeClr>
+        </a:solidFill>
+        <a:ln>
+          <a:noFill/>
+        </a:ln>
+        <a:effectLst/>
+        <a:scene3d>
+          <a:camera prst="orthographicFront">
+            <a:rot lat="0" lon="0" rev="0"/>
+          </a:camera>
+          <a:lightRig rig="contrasting" dir="t">
+            <a:rot lat="0" lon="0" rev="1200000"/>
+          </a:lightRig>
+        </a:scene3d>
+        <a:sp3d z="-182000" contourW="19050" prstMaterial="metal">
+          <a:bevelT w="88900" h="203200"/>
+          <a:bevelB w="165100" h="254000"/>
+        </a:sp3d>
+      </dsp:spPr>
+      <dsp:style>
+        <a:lnRef idx="0">
+          <a:scrgbClr r="0" g="0" b="0"/>
+        </a:lnRef>
+        <a:fillRef idx="1">
+          <a:scrgbClr r="0" g="0" b="0"/>
+        </a:fillRef>
+        <a:effectRef idx="0">
+          <a:scrgbClr r="0" g="0" b="0"/>
+        </a:effectRef>
+        <a:fontRef idx="minor">
+          <a:schemeClr val="lt1"/>
+        </a:fontRef>
+      </dsp:style>
+      <dsp:txBody>
+        <a:bodyPr spcFirstLastPara="0" vert="horz" wrap="square" lIns="0" tIns="0" rIns="0" bIns="0" numCol="1" spcCol="1270" anchor="ctr" anchorCtr="0">
+          <a:noAutofit/>
+        </a:bodyPr>
+        <a:lstStyle/>
+        <a:p>
+          <a:pPr marL="0" lvl="0" indent="0" algn="ctr" defTabSz="622300">
+            <a:lnSpc>
+              <a:spcPct val="90000"/>
+            </a:lnSpc>
+            <a:spcBef>
+              <a:spcPct val="0"/>
+            </a:spcBef>
+            <a:spcAft>
+              <a:spcPct val="35000"/>
+            </a:spcAft>
+            <a:buNone/>
+          </a:pPr>
+          <a:endParaRPr lang="en-US" sz="1400" kern="1200"/>
+        </a:p>
+      </dsp:txBody>
+      <dsp:txXfrm>
+        <a:off x="1808074" y="4071620"/>
+        <a:ext cx="245887" cy="246550"/>
+      </dsp:txXfrm>
+    </dsp:sp>
+    <dsp:sp modelId="{FBCBAEE7-C221-48EF-A1A6-E811F960AB76}">
+      <dsp:nvSpPr>
+        <dsp:cNvPr id="0" name=""/>
+        <dsp:cNvSpPr/>
+      </dsp:nvSpPr>
+      <dsp:spPr>
+        <a:xfrm>
+          <a:off x="2325033" y="3697819"/>
+          <a:ext cx="1656920" cy="994152"/>
+        </a:xfrm>
+        <a:prstGeom prst="roundRect">
+          <a:avLst>
+            <a:gd name="adj" fmla="val 10000"/>
+          </a:avLst>
+        </a:prstGeom>
+        <a:solidFill>
+          <a:schemeClr val="lt1">
+            <a:hueOff val="0"/>
+            <a:satOff val="0"/>
+            <a:lumOff val="0"/>
+            <a:alphaOff val="0"/>
+          </a:schemeClr>
+        </a:solidFill>
+        <a:ln>
+          <a:noFill/>
+        </a:ln>
+        <a:effectLst/>
+        <a:scene3d>
+          <a:camera prst="orthographicFront">
+            <a:rot lat="0" lon="0" rev="0"/>
+          </a:camera>
+          <a:lightRig rig="contrasting" dir="t">
+            <a:rot lat="0" lon="0" rev="1200000"/>
+          </a:lightRig>
+        </a:scene3d>
+        <a:sp3d contourW="19050" prstMaterial="metal">
+          <a:bevelT w="88900" h="203200"/>
+          <a:bevelB w="165100" h="254000"/>
+        </a:sp3d>
+      </dsp:spPr>
+      <dsp:style>
+        <a:lnRef idx="0">
+          <a:scrgbClr r="0" g="0" b="0"/>
+        </a:lnRef>
+        <a:fillRef idx="1">
+          <a:scrgbClr r="0" g="0" b="0"/>
+        </a:fillRef>
+        <a:effectRef idx="2">
+          <a:scrgbClr r="0" g="0" b="0"/>
+        </a:effectRef>
+        <a:fontRef idx="minor">
+          <a:schemeClr val="lt1"/>
+        </a:fontRef>
+      </dsp:style>
+      <dsp:txBody>
+        <a:bodyPr spcFirstLastPara="0" vert="horz" wrap="square" lIns="68580" tIns="68580" rIns="68580" bIns="68580" numCol="1" spcCol="1270" anchor="ctr" anchorCtr="0">
+          <a:noAutofit/>
+        </a:bodyPr>
+        <a:lstStyle/>
+        <a:p>
+          <a:pPr marL="0" lvl="0" indent="0" algn="ctr" defTabSz="800100">
+            <a:lnSpc>
+              <a:spcPct val="90000"/>
+            </a:lnSpc>
+            <a:spcBef>
+              <a:spcPct val="0"/>
+            </a:spcBef>
+            <a:spcAft>
+              <a:spcPct val="35000"/>
+            </a:spcAft>
+            <a:buNone/>
+          </a:pPr>
+          <a:r>
+            <a:rPr lang="en-US" sz="1800" kern="1200" dirty="0"/>
+            <a:t>Match filtering with a pulse shaping filter</a:t>
+          </a:r>
+          <a:r>
+            <a:rPr lang="en-US" sz="1800" kern="1200" baseline="30000" dirty="0"/>
+            <a:t>1</a:t>
+          </a:r>
+          <a:endParaRPr lang="en-US" sz="1800" kern="1200" dirty="0"/>
+        </a:p>
+      </dsp:txBody>
+      <dsp:txXfrm>
+        <a:off x="2354151" y="3726937"/>
+        <a:ext cx="1598684" cy="935916"/>
+      </dsp:txXfrm>
+    </dsp:sp>
+    <dsp:sp modelId="{61B62871-FB35-4F21-8737-103845057CBF}">
+      <dsp:nvSpPr>
+        <dsp:cNvPr id="0" name=""/>
+        <dsp:cNvSpPr/>
+      </dsp:nvSpPr>
+      <dsp:spPr>
+        <a:xfrm>
+          <a:off x="4127762" y="3989437"/>
+          <a:ext cx="351267" cy="410916"/>
+        </a:xfrm>
+        <a:prstGeom prst="rightArrow">
+          <a:avLst>
+            <a:gd name="adj1" fmla="val 60000"/>
+            <a:gd name="adj2" fmla="val 50000"/>
+          </a:avLst>
+        </a:prstGeom>
+        <a:solidFill>
+          <a:schemeClr val="dk1">
+            <a:tint val="60000"/>
+            <a:hueOff val="0"/>
+            <a:satOff val="0"/>
+            <a:lumOff val="0"/>
+            <a:alphaOff val="0"/>
+          </a:schemeClr>
+        </a:solidFill>
+        <a:ln>
+          <a:noFill/>
+        </a:ln>
+        <a:effectLst/>
+        <a:scene3d>
+          <a:camera prst="orthographicFront">
+            <a:rot lat="0" lon="0" rev="0"/>
+          </a:camera>
+          <a:lightRig rig="contrasting" dir="t">
+            <a:rot lat="0" lon="0" rev="1200000"/>
+          </a:lightRig>
+        </a:scene3d>
+        <a:sp3d z="-182000" contourW="19050" prstMaterial="metal">
+          <a:bevelT w="88900" h="203200"/>
+          <a:bevelB w="165100" h="254000"/>
+        </a:sp3d>
+      </dsp:spPr>
+      <dsp:style>
+        <a:lnRef idx="0">
+          <a:scrgbClr r="0" g="0" b="0"/>
+        </a:lnRef>
+        <a:fillRef idx="1">
+          <a:scrgbClr r="0" g="0" b="0"/>
+        </a:fillRef>
+        <a:effectRef idx="0">
+          <a:scrgbClr r="0" g="0" b="0"/>
+        </a:effectRef>
+        <a:fontRef idx="minor">
+          <a:schemeClr val="lt1"/>
+        </a:fontRef>
+      </dsp:style>
+      <dsp:txBody>
+        <a:bodyPr spcFirstLastPara="0" vert="horz" wrap="square" lIns="0" tIns="0" rIns="0" bIns="0" numCol="1" spcCol="1270" anchor="ctr" anchorCtr="0">
+          <a:noAutofit/>
+        </a:bodyPr>
+        <a:lstStyle/>
+        <a:p>
+          <a:pPr marL="0" lvl="0" indent="0" algn="ctr" defTabSz="622300">
+            <a:lnSpc>
+              <a:spcPct val="90000"/>
+            </a:lnSpc>
+            <a:spcBef>
+              <a:spcPct val="0"/>
+            </a:spcBef>
+            <a:spcAft>
+              <a:spcPct val="35000"/>
+            </a:spcAft>
+            <a:buNone/>
+          </a:pPr>
+          <a:endParaRPr lang="en-US" sz="1400" kern="1200"/>
+        </a:p>
+      </dsp:txBody>
+      <dsp:txXfrm>
+        <a:off x="4127762" y="4071620"/>
+        <a:ext cx="245887" cy="246550"/>
+      </dsp:txXfrm>
+    </dsp:sp>
+    <dsp:sp modelId="{F5037606-C157-4155-BED8-849633FCB3A8}">
+      <dsp:nvSpPr>
+        <dsp:cNvPr id="0" name=""/>
+        <dsp:cNvSpPr/>
+      </dsp:nvSpPr>
+      <dsp:spPr>
+        <a:xfrm>
+          <a:off x="4644721" y="3697819"/>
+          <a:ext cx="1656920" cy="994152"/>
+        </a:xfrm>
+        <a:prstGeom prst="roundRect">
+          <a:avLst>
+            <a:gd name="adj" fmla="val 10000"/>
+          </a:avLst>
+        </a:prstGeom>
+        <a:solidFill>
+          <a:schemeClr val="lt1">
+            <a:hueOff val="0"/>
+            <a:satOff val="0"/>
+            <a:lumOff val="0"/>
+            <a:alphaOff val="0"/>
+          </a:schemeClr>
+        </a:solidFill>
+        <a:ln>
+          <a:noFill/>
+        </a:ln>
+        <a:effectLst/>
+        <a:scene3d>
+          <a:camera prst="orthographicFront">
+            <a:rot lat="0" lon="0" rev="0"/>
+          </a:camera>
+          <a:lightRig rig="contrasting" dir="t">
+            <a:rot lat="0" lon="0" rev="1200000"/>
+          </a:lightRig>
+        </a:scene3d>
+        <a:sp3d contourW="19050" prstMaterial="metal">
+          <a:bevelT w="88900" h="203200"/>
+          <a:bevelB w="165100" h="254000"/>
+        </a:sp3d>
+      </dsp:spPr>
+      <dsp:style>
+        <a:lnRef idx="0">
+          <a:scrgbClr r="0" g="0" b="0"/>
+        </a:lnRef>
+        <a:fillRef idx="1">
+          <a:scrgbClr r="0" g="0" b="0"/>
+        </a:fillRef>
+        <a:effectRef idx="2">
+          <a:scrgbClr r="0" g="0" b="0"/>
+        </a:effectRef>
+        <a:fontRef idx="minor">
+          <a:schemeClr val="lt1"/>
+        </a:fontRef>
+      </dsp:style>
+      <dsp:txBody>
+        <a:bodyPr spcFirstLastPara="0" vert="horz" wrap="square" lIns="64770" tIns="64770" rIns="64770" bIns="64770" numCol="1" spcCol="1270" anchor="ctr" anchorCtr="0">
+          <a:noAutofit/>
+        </a:bodyPr>
+        <a:lstStyle/>
+        <a:p>
+          <a:pPr marL="0" lvl="0" indent="0" algn="ctr" defTabSz="755650">
+            <a:lnSpc>
+              <a:spcPct val="90000"/>
+            </a:lnSpc>
+            <a:spcBef>
+              <a:spcPct val="0"/>
+            </a:spcBef>
+            <a:spcAft>
+              <a:spcPct val="35000"/>
+            </a:spcAft>
+            <a:buNone/>
+          </a:pPr>
+          <a:r>
+            <a:rPr lang="en-US" sz="1700" kern="1200" dirty="0"/>
+            <a:t>Demodulate from QPSK, 16QAM, 64QAM</a:t>
+          </a:r>
+        </a:p>
+      </dsp:txBody>
+      <dsp:txXfrm>
+        <a:off x="4673839" y="3726937"/>
+        <a:ext cx="1598684" cy="935916"/>
+      </dsp:txXfrm>
+    </dsp:sp>
+    <dsp:sp modelId="{8E93EF29-2DA9-4450-A94E-E84C7B43096D}">
+      <dsp:nvSpPr>
+        <dsp:cNvPr id="0" name=""/>
+        <dsp:cNvSpPr/>
+      </dsp:nvSpPr>
+      <dsp:spPr>
+        <a:xfrm>
+          <a:off x="6447451" y="3989437"/>
+          <a:ext cx="351267" cy="410916"/>
+        </a:xfrm>
+        <a:prstGeom prst="rightArrow">
+          <a:avLst>
+            <a:gd name="adj1" fmla="val 60000"/>
+            <a:gd name="adj2" fmla="val 50000"/>
+          </a:avLst>
+        </a:prstGeom>
+        <a:solidFill>
+          <a:schemeClr val="dk1">
+            <a:tint val="60000"/>
+            <a:hueOff val="0"/>
+            <a:satOff val="0"/>
+            <a:lumOff val="0"/>
+            <a:alphaOff val="0"/>
+          </a:schemeClr>
+        </a:solidFill>
+        <a:ln>
+          <a:noFill/>
+        </a:ln>
+        <a:effectLst/>
+        <a:scene3d>
+          <a:camera prst="orthographicFront">
+            <a:rot lat="0" lon="0" rev="0"/>
+          </a:camera>
+          <a:lightRig rig="contrasting" dir="t">
+            <a:rot lat="0" lon="0" rev="1200000"/>
+          </a:lightRig>
+        </a:scene3d>
+        <a:sp3d z="-182000" contourW="19050" prstMaterial="metal">
+          <a:bevelT w="88900" h="203200"/>
+          <a:bevelB w="165100" h="254000"/>
+        </a:sp3d>
+      </dsp:spPr>
+      <dsp:style>
+        <a:lnRef idx="0">
+          <a:scrgbClr r="0" g="0" b="0"/>
+        </a:lnRef>
+        <a:fillRef idx="1">
+          <a:scrgbClr r="0" g="0" b="0"/>
+        </a:fillRef>
+        <a:effectRef idx="0">
+          <a:scrgbClr r="0" g="0" b="0"/>
+        </a:effectRef>
+        <a:fontRef idx="minor">
+          <a:schemeClr val="lt1"/>
+        </a:fontRef>
+      </dsp:style>
+      <dsp:txBody>
+        <a:bodyPr spcFirstLastPara="0" vert="horz" wrap="square" lIns="0" tIns="0" rIns="0" bIns="0" numCol="1" spcCol="1270" anchor="ctr" anchorCtr="0">
+          <a:noAutofit/>
+        </a:bodyPr>
+        <a:lstStyle/>
+        <a:p>
+          <a:pPr marL="0" lvl="0" indent="0" algn="ctr" defTabSz="622300">
+            <a:lnSpc>
+              <a:spcPct val="90000"/>
+            </a:lnSpc>
+            <a:spcBef>
+              <a:spcPct val="0"/>
+            </a:spcBef>
+            <a:spcAft>
+              <a:spcPct val="35000"/>
+            </a:spcAft>
+            <a:buNone/>
+          </a:pPr>
+          <a:endParaRPr lang="en-US" sz="1400" kern="1200"/>
+        </a:p>
+      </dsp:txBody>
+      <dsp:txXfrm>
+        <a:off x="6447451" y="4071620"/>
+        <a:ext cx="245887" cy="246550"/>
+      </dsp:txXfrm>
+    </dsp:sp>
+    <dsp:sp modelId="{AA2CF8B9-19B1-4347-9C12-2F0D171E7FED}">
+      <dsp:nvSpPr>
+        <dsp:cNvPr id="0" name=""/>
+        <dsp:cNvSpPr/>
+      </dsp:nvSpPr>
+      <dsp:spPr>
+        <a:xfrm>
+          <a:off x="6964410" y="3697819"/>
+          <a:ext cx="1656920" cy="994152"/>
+        </a:xfrm>
+        <a:prstGeom prst="roundRect">
+          <a:avLst>
+            <a:gd name="adj" fmla="val 10000"/>
+          </a:avLst>
+        </a:prstGeom>
+        <a:solidFill>
+          <a:schemeClr val="lt1">
+            <a:hueOff val="0"/>
+            <a:satOff val="0"/>
+            <a:lumOff val="0"/>
+            <a:alphaOff val="0"/>
+          </a:schemeClr>
+        </a:solidFill>
+        <a:ln>
+          <a:noFill/>
+        </a:ln>
+        <a:effectLst/>
+        <a:scene3d>
+          <a:camera prst="orthographicFront">
+            <a:rot lat="0" lon="0" rev="0"/>
+          </a:camera>
+          <a:lightRig rig="contrasting" dir="t">
+            <a:rot lat="0" lon="0" rev="1200000"/>
+          </a:lightRig>
+        </a:scene3d>
+        <a:sp3d contourW="19050" prstMaterial="metal">
+          <a:bevelT w="88900" h="203200"/>
+          <a:bevelB w="165100" h="254000"/>
+        </a:sp3d>
+      </dsp:spPr>
+      <dsp:style>
+        <a:lnRef idx="0">
+          <a:scrgbClr r="0" g="0" b="0"/>
+        </a:lnRef>
+        <a:fillRef idx="1">
+          <a:scrgbClr r="0" g="0" b="0"/>
+        </a:fillRef>
+        <a:effectRef idx="2">
+          <a:scrgbClr r="0" g="0" b="0"/>
+        </a:effectRef>
+        <a:fontRef idx="minor">
+          <a:schemeClr val="lt1"/>
+        </a:fontRef>
+      </dsp:style>
+      <dsp:txBody>
+        <a:bodyPr spcFirstLastPara="0" vert="horz" wrap="square" lIns="64770" tIns="64770" rIns="64770" bIns="64770" numCol="1" spcCol="1270" anchor="ctr" anchorCtr="0">
+          <a:noAutofit/>
+        </a:bodyPr>
+        <a:lstStyle/>
+        <a:p>
+          <a:pPr marL="0" lvl="0" indent="0" algn="ctr" defTabSz="755650">
+            <a:lnSpc>
+              <a:spcPct val="90000"/>
+            </a:lnSpc>
+            <a:spcBef>
+              <a:spcPct val="0"/>
+            </a:spcBef>
+            <a:spcAft>
+              <a:spcPct val="35000"/>
+            </a:spcAft>
+            <a:buNone/>
+          </a:pPr>
+          <a:r>
+            <a:rPr lang="en-US" sz="1700" kern="1200" dirty="0"/>
+            <a:t>Decode using FEC</a:t>
+          </a:r>
+        </a:p>
+      </dsp:txBody>
+      <dsp:txXfrm>
+        <a:off x="6993528" y="3726937"/>
+        <a:ext cx="1598684" cy="935916"/>
+      </dsp:txXfrm>
+    </dsp:sp>
+    <dsp:sp modelId="{2BE4EF29-79FD-4B6C-B4B7-7871815716AD}">
+      <dsp:nvSpPr>
+        <dsp:cNvPr id="0" name=""/>
+        <dsp:cNvSpPr/>
+      </dsp:nvSpPr>
+      <dsp:spPr>
+        <a:xfrm>
+          <a:off x="8767139" y="3989437"/>
+          <a:ext cx="351267" cy="410916"/>
+        </a:xfrm>
+        <a:prstGeom prst="rightArrow">
+          <a:avLst>
+            <a:gd name="adj1" fmla="val 60000"/>
+            <a:gd name="adj2" fmla="val 50000"/>
+          </a:avLst>
+        </a:prstGeom>
+        <a:solidFill>
+          <a:schemeClr val="dk1">
+            <a:tint val="60000"/>
+            <a:hueOff val="0"/>
+            <a:satOff val="0"/>
+            <a:lumOff val="0"/>
+            <a:alphaOff val="0"/>
+          </a:schemeClr>
+        </a:solidFill>
+        <a:ln>
+          <a:noFill/>
+        </a:ln>
+        <a:effectLst/>
+        <a:scene3d>
+          <a:camera prst="orthographicFront">
+            <a:rot lat="0" lon="0" rev="0"/>
+          </a:camera>
+          <a:lightRig rig="contrasting" dir="t">
+            <a:rot lat="0" lon="0" rev="1200000"/>
+          </a:lightRig>
+        </a:scene3d>
+        <a:sp3d z="-182000" contourW="19050" prstMaterial="metal">
+          <a:bevelT w="88900" h="203200"/>
+          <a:bevelB w="165100" h="254000"/>
+        </a:sp3d>
+      </dsp:spPr>
+      <dsp:style>
+        <a:lnRef idx="0">
+          <a:scrgbClr r="0" g="0" b="0"/>
+        </a:lnRef>
+        <a:fillRef idx="1">
+          <a:scrgbClr r="0" g="0" b="0"/>
+        </a:fillRef>
+        <a:effectRef idx="0">
+          <a:scrgbClr r="0" g="0" b="0"/>
+        </a:effectRef>
+        <a:fontRef idx="minor">
+          <a:schemeClr val="lt1"/>
+        </a:fontRef>
+      </dsp:style>
+      <dsp:txBody>
+        <a:bodyPr spcFirstLastPara="0" vert="horz" wrap="square" lIns="0" tIns="0" rIns="0" bIns="0" numCol="1" spcCol="1270" anchor="ctr" anchorCtr="0">
+          <a:noAutofit/>
+        </a:bodyPr>
+        <a:lstStyle/>
+        <a:p>
+          <a:pPr marL="0" lvl="0" indent="0" algn="ctr" defTabSz="622300">
+            <a:lnSpc>
+              <a:spcPct val="90000"/>
+            </a:lnSpc>
+            <a:spcBef>
+              <a:spcPct val="0"/>
+            </a:spcBef>
+            <a:spcAft>
+              <a:spcPct val="35000"/>
+            </a:spcAft>
+            <a:buNone/>
+          </a:pPr>
+          <a:endParaRPr lang="en-US" sz="1400" kern="1200"/>
+        </a:p>
+      </dsp:txBody>
+      <dsp:txXfrm>
+        <a:off x="8767139" y="4071620"/>
+        <a:ext cx="245887" cy="246550"/>
+      </dsp:txXfrm>
+    </dsp:sp>
+    <dsp:sp modelId="{895B3D7B-4668-43EF-92F3-F16B71473439}">
+      <dsp:nvSpPr>
+        <dsp:cNvPr id="0" name=""/>
+        <dsp:cNvSpPr/>
+      </dsp:nvSpPr>
+      <dsp:spPr>
+        <a:xfrm>
+          <a:off x="9284098" y="3697819"/>
+          <a:ext cx="1656920" cy="994152"/>
+        </a:xfrm>
+        <a:prstGeom prst="roundRect">
+          <a:avLst>
+            <a:gd name="adj" fmla="val 10000"/>
+          </a:avLst>
+        </a:prstGeom>
+        <a:solidFill>
+          <a:schemeClr val="lt1">
+            <a:hueOff val="0"/>
+            <a:satOff val="0"/>
+            <a:lumOff val="0"/>
+            <a:alphaOff val="0"/>
+          </a:schemeClr>
+        </a:solidFill>
+        <a:ln>
+          <a:noFill/>
+        </a:ln>
+        <a:effectLst/>
+        <a:scene3d>
+          <a:camera prst="orthographicFront">
+            <a:rot lat="0" lon="0" rev="0"/>
+          </a:camera>
+          <a:lightRig rig="contrasting" dir="t">
+            <a:rot lat="0" lon="0" rev="1200000"/>
+          </a:lightRig>
+        </a:scene3d>
+        <a:sp3d contourW="19050" prstMaterial="metal">
+          <a:bevelT w="88900" h="203200"/>
+          <a:bevelB w="165100" h="254000"/>
+        </a:sp3d>
+      </dsp:spPr>
+      <dsp:style>
+        <a:lnRef idx="0">
+          <a:scrgbClr r="0" g="0" b="0"/>
+        </a:lnRef>
+        <a:fillRef idx="1">
+          <a:scrgbClr r="0" g="0" b="0"/>
+        </a:fillRef>
+        <a:effectRef idx="2">
+          <a:scrgbClr r="0" g="0" b="0"/>
+        </a:effectRef>
+        <a:fontRef idx="minor">
+          <a:schemeClr val="lt1"/>
+        </a:fontRef>
+      </dsp:style>
+      <dsp:txBody>
+        <a:bodyPr spcFirstLastPara="0" vert="horz" wrap="square" lIns="64770" tIns="64770" rIns="64770" bIns="64770" numCol="1" spcCol="1270" anchor="ctr" anchorCtr="0">
+          <a:noAutofit/>
+        </a:bodyPr>
+        <a:lstStyle/>
+        <a:p>
+          <a:pPr marL="0" lvl="0" indent="0" algn="ctr" defTabSz="755650">
+            <a:lnSpc>
+              <a:spcPct val="90000"/>
+            </a:lnSpc>
+            <a:spcBef>
+              <a:spcPct val="0"/>
+            </a:spcBef>
+            <a:spcAft>
+              <a:spcPct val="35000"/>
+            </a:spcAft>
+            <a:buNone/>
+          </a:pPr>
+          <a:r>
+            <a:rPr lang="en-US" sz="1700" kern="1200" dirty="0"/>
+            <a:t>Estimate BER, SNR and plot spectra</a:t>
+          </a:r>
+        </a:p>
+      </dsp:txBody>
+      <dsp:txXfrm>
+        <a:off x="9313216" y="3726937"/>
+        <a:ext cx="1598684" cy="935916"/>
+      </dsp:txXfrm>
+    </dsp:sp>
+  </dsp:spTree>
+</dsp:drawing>
+</file>
+
 <file path=ppt/diagrams/layout1.xml><?xml version="1.0" encoding="utf-8"?>
+<dgm:layoutDef xmlns:dgm="http://schemas.openxmlformats.org/drawingml/2006/diagram" xmlns:a="http://schemas.openxmlformats.org/drawingml/2006/main" uniqueId="urn:microsoft.com/office/officeart/2005/8/layout/process5">
+  <dgm:title val=""/>
+  <dgm:desc val=""/>
+  <dgm:catLst>
+    <dgm:cat type="process" pri="17000"/>
+  </dgm:catLst>
+  <dgm:sampData>
+    <dgm:dataModel>
+      <dgm:ptLst>
+        <dgm:pt modelId="0" type="doc"/>
+        <dgm:pt modelId="1">
+          <dgm:prSet phldr="1"/>
+        </dgm:pt>
+        <dgm:pt modelId="2">
+          <dgm:prSet phldr="1"/>
+        </dgm:pt>
+        <dgm:pt modelId="3">
+          <dgm:prSet phldr="1"/>
+        </dgm:pt>
+        <dgm:pt modelId="4">
+          <dgm:prSet phldr="1"/>
+        </dgm:pt>
+        <dgm:pt modelId="5">
+          <dgm:prSet phldr="1"/>
+        </dgm:pt>
+      </dgm:ptLst>
+      <dgm:cxnLst>
+        <dgm:cxn modelId="7" srcId="0" destId="1" srcOrd="0" destOrd="0"/>
+        <dgm:cxn modelId="8" srcId="0" destId="2" srcOrd="1" destOrd="0"/>
+        <dgm:cxn modelId="9" srcId="0" destId="3" srcOrd="2" destOrd="0"/>
+        <dgm:cxn modelId="10" srcId="0" destId="4" srcOrd="3" destOrd="0"/>
+        <dgm:cxn modelId="11" srcId="0" destId="5" srcOrd="4" destOrd="0"/>
+      </dgm:cxnLst>
+      <dgm:bg/>
+      <dgm:whole/>
+    </dgm:dataModel>
+  </dgm:sampData>
+  <dgm:styleData>
+    <dgm:dataModel>
+      <dgm:ptLst>
+        <dgm:pt modelId="0" type="doc"/>
+        <dgm:pt modelId="1"/>
+        <dgm:pt modelId="2"/>
+      </dgm:ptLst>
+      <dgm:cxnLst>
+        <dgm:cxn modelId="3" srcId="0" destId="1" srcOrd="0" destOrd="0"/>
+        <dgm:cxn modelId="4" srcId="0" destId="2" srcOrd="1" destOrd="0"/>
+      </dgm:cxnLst>
+      <dgm:bg/>
+      <dgm:whole/>
+    </dgm:dataModel>
+  </dgm:styleData>
+  <dgm:clrData>
+    <dgm:dataModel>
+      <dgm:ptLst>
+        <dgm:pt modelId="0" type="doc"/>
+        <dgm:pt modelId="1"/>
+        <dgm:pt modelId="2"/>
+        <dgm:pt modelId="3"/>
+        <dgm:pt modelId="4"/>
+      </dgm:ptLst>
+      <dgm:cxnLst>
+        <dgm:cxn modelId="5" srcId="0" destId="1" srcOrd="0" destOrd="0"/>
+        <dgm:cxn modelId="6" srcId="0" destId="2" srcOrd="1" destOrd="0"/>
+        <dgm:cxn modelId="7" srcId="0" destId="3" srcOrd="2" destOrd="0"/>
+        <dgm:cxn modelId="8" srcId="0" destId="4" srcOrd="3" destOrd="0"/>
+      </dgm:cxnLst>
+      <dgm:bg/>
+      <dgm:whole/>
+    </dgm:dataModel>
+  </dgm:clrData>
+  <dgm:layoutNode name="diagram">
+    <dgm:varLst>
+      <dgm:dir/>
+      <dgm:resizeHandles val="exact"/>
+    </dgm:varLst>
+    <dgm:choose name="Name0">
+      <dgm:if name="Name1" axis="self" func="var" arg="dir" op="equ" val="norm">
+        <dgm:alg type="snake">
+          <dgm:param type="grDir" val="tL"/>
+          <dgm:param type="flowDir" val="row"/>
+          <dgm:param type="contDir" val="revDir"/>
+          <dgm:param type="bkpt" val="endCnv"/>
+        </dgm:alg>
+      </dgm:if>
+      <dgm:else name="Name2">
+        <dgm:alg type="snake">
+          <dgm:param type="grDir" val="tR"/>
+          <dgm:param type="flowDir" val="row"/>
+          <dgm:param type="contDir" val="revDir"/>
+          <dgm:param type="bkpt" val="endCnv"/>
+        </dgm:alg>
+      </dgm:else>
+    </dgm:choose>
+    <dgm:shape xmlns:r="http://schemas.openxmlformats.org/officeDocument/2006/relationships" r:blip="">
+      <dgm:adjLst/>
+    </dgm:shape>
+    <dgm:presOf/>
+    <dgm:constrLst>
+      <dgm:constr type="w" for="ch" ptType="node" refType="w"/>
+      <dgm:constr type="w" for="ch" forName="sibTrans" refType="w" refFor="ch" refPtType="node" op="equ" fact="0.4"/>
+      <dgm:constr type="sp" refType="w" refFor="ch" refForName="sibTrans" op="equ"/>
+      <dgm:constr type="primFontSz" for="ch" ptType="node" op="equ" val="65"/>
+      <dgm:constr type="primFontSz" for="des" forName="connectorText" op="equ" val="55"/>
+      <dgm:constr type="primFontSz" for="des" forName="connectorText" refType="primFontSz" refFor="ch" refPtType="node" op="lte" fact="0.8"/>
+    </dgm:constrLst>
+    <dgm:ruleLst/>
+    <dgm:forEach name="nodesForEach" axis="ch" ptType="node">
+      <dgm:layoutNode name="node">
+        <dgm:varLst>
+          <dgm:bulletEnabled val="1"/>
+        </dgm:varLst>
+        <dgm:alg type="tx"/>
+        <dgm:shape xmlns:r="http://schemas.openxmlformats.org/officeDocument/2006/relationships" type="roundRect" r:blip="">
+          <dgm:adjLst>
+            <dgm:adj idx="1" val="0.1"/>
+          </dgm:adjLst>
+        </dgm:shape>
+        <dgm:presOf axis="desOrSelf" ptType="node"/>
+        <dgm:constrLst>
+          <dgm:constr type="h" refType="w" fact="0.6"/>
+          <dgm:constr type="tMarg" refType="primFontSz" fact="0.3"/>
+          <dgm:constr type="bMarg" refType="primFontSz" fact="0.3"/>
+          <dgm:constr type="lMarg" refType="primFontSz" fact="0.3"/>
+          <dgm:constr type="rMarg" refType="primFontSz" fact="0.3"/>
+        </dgm:constrLst>
+        <dgm:ruleLst>
+          <dgm:rule type="primFontSz" val="5" fact="NaN" max="NaN"/>
+        </dgm:ruleLst>
+      </dgm:layoutNode>
+      <dgm:forEach name="sibTransForEach" axis="followSib" ptType="sibTrans" cnt="1">
+        <dgm:layoutNode name="sibTrans">
+          <dgm:alg type="conn">
+            <dgm:param type="begPts" val="auto"/>
+            <dgm:param type="endPts" val="auto"/>
+          </dgm:alg>
+          <dgm:shape xmlns:r="http://schemas.openxmlformats.org/officeDocument/2006/relationships" type="conn" r:blip="">
+            <dgm:adjLst/>
+          </dgm:shape>
+          <dgm:presOf axis="self"/>
+          <dgm:constrLst>
+            <dgm:constr type="h" refType="w" fact="0.62"/>
+            <dgm:constr type="connDist"/>
+          </dgm:constrLst>
+          <dgm:ruleLst/>
+          <dgm:layoutNode name="connectorText">
+            <dgm:alg type="tx">
+              <dgm:param type="autoTxRot" val="upr"/>
+            </dgm:alg>
+            <dgm:shape xmlns:r="http://schemas.openxmlformats.org/officeDocument/2006/relationships" type="conn" r:blip="" hideGeom="1">
+              <dgm:adjLst/>
+            </dgm:shape>
+            <dgm:presOf axis="self"/>
+            <dgm:constrLst>
+              <dgm:constr type="lMarg"/>
+              <dgm:constr type="rMarg"/>
+              <dgm:constr type="tMarg"/>
+              <dgm:constr type="bMarg"/>
+            </dgm:constrLst>
+            <dgm:ruleLst>
+              <dgm:rule type="primFontSz" val="5" fact="NaN" max="NaN"/>
+            </dgm:ruleLst>
+          </dgm:layoutNode>
+        </dgm:layoutNode>
+      </dgm:forEach>
+    </dgm:forEach>
+  </dgm:layoutNode>
+</dgm:layoutDef>
+</file>
+
+<file path=ppt/diagrams/layout2.xml><?xml version="1.0" encoding="utf-8"?>
 <dgm:layoutDef xmlns:dgm="http://schemas.openxmlformats.org/drawingml/2006/diagram" xmlns:a="http://schemas.openxmlformats.org/drawingml/2006/main" uniqueId="urn:microsoft.com/office/officeart/2005/8/layout/process5">
   <dgm:title val=""/>
   <dgm:desc val=""/>
@@ -4566,6 +8947,1336 @@
 </dgm:styleDef>
 </file>
 
+<file path=ppt/diagrams/quickStyle2.xml><?xml version="1.0" encoding="utf-8"?>
+<dgm:styleDef xmlns:dgm="http://schemas.openxmlformats.org/drawingml/2006/diagram" xmlns:a="http://schemas.openxmlformats.org/drawingml/2006/main" uniqueId="urn:microsoft.com/office/officeart/2005/8/quickstyle/3d3">
+  <dgm:title val=""/>
+  <dgm:desc val=""/>
+  <dgm:catLst>
+    <dgm:cat type="3D" pri="11300"/>
+  </dgm:catLst>
+  <dgm:scene3d>
+    <a:camera prst="orthographicFront"/>
+    <a:lightRig rig="threePt" dir="t"/>
+  </dgm:scene3d>
+  <dgm:styleLbl name="node0">
+    <dgm:scene3d>
+      <a:camera prst="orthographicFront">
+        <a:rot lat="0" lon="0" rev="0"/>
+      </a:camera>
+      <a:lightRig rig="contrasting" dir="t">
+        <a:rot lat="0" lon="0" rev="1200000"/>
+      </a:lightRig>
+    </dgm:scene3d>
+    <dgm:sp3d contourW="19050" prstMaterial="metal">
+      <a:bevelT w="88900" h="203200"/>
+      <a:bevelB w="165100" h="254000"/>
+    </dgm:sp3d>
+    <dgm:txPr/>
+    <dgm:style>
+      <a:lnRef idx="0">
+        <a:scrgbClr r="0" g="0" b="0"/>
+      </a:lnRef>
+      <a:fillRef idx="1">
+        <a:scrgbClr r="0" g="0" b="0"/>
+      </a:fillRef>
+      <a:effectRef idx="1">
+        <a:scrgbClr r="0" g="0" b="0"/>
+      </a:effectRef>
+      <a:fontRef idx="minor">
+        <a:schemeClr val="lt1"/>
+      </a:fontRef>
+    </dgm:style>
+  </dgm:styleLbl>
+  <dgm:styleLbl name="lnNode1">
+    <dgm:scene3d>
+      <a:camera prst="orthographicFront">
+        <a:rot lat="0" lon="0" rev="0"/>
+      </a:camera>
+      <a:lightRig rig="contrasting" dir="t">
+        <a:rot lat="0" lon="0" rev="1200000"/>
+      </a:lightRig>
+    </dgm:scene3d>
+    <dgm:sp3d contourW="19050" prstMaterial="metal">
+      <a:bevelT w="88900" h="203200"/>
+      <a:bevelB w="165100" h="254000"/>
+    </dgm:sp3d>
+    <dgm:txPr/>
+    <dgm:style>
+      <a:lnRef idx="0">
+        <a:scrgbClr r="0" g="0" b="0"/>
+      </a:lnRef>
+      <a:fillRef idx="1">
+        <a:scrgbClr r="0" g="0" b="0"/>
+      </a:fillRef>
+      <a:effectRef idx="1">
+        <a:scrgbClr r="0" g="0" b="0"/>
+      </a:effectRef>
+      <a:fontRef idx="minor">
+        <a:schemeClr val="lt1"/>
+      </a:fontRef>
+    </dgm:style>
+  </dgm:styleLbl>
+  <dgm:styleLbl name="vennNode1">
+    <dgm:scene3d>
+      <a:camera prst="orthographicFront">
+        <a:rot lat="0" lon="0" rev="0"/>
+      </a:camera>
+      <a:lightRig rig="contrasting" dir="t">
+        <a:rot lat="0" lon="0" rev="1200000"/>
+      </a:lightRig>
+    </dgm:scene3d>
+    <dgm:sp3d contourW="12700" prstMaterial="clear">
+      <a:bevelT w="177800" h="254000"/>
+      <a:bevelB w="152400"/>
+    </dgm:sp3d>
+    <dgm:txPr/>
+    <dgm:style>
+      <a:lnRef idx="0">
+        <a:scrgbClr r="0" g="0" b="0"/>
+      </a:lnRef>
+      <a:fillRef idx="1">
+        <a:scrgbClr r="0" g="0" b="0"/>
+      </a:fillRef>
+      <a:effectRef idx="0">
+        <a:scrgbClr r="0" g="0" b="0"/>
+      </a:effectRef>
+      <a:fontRef idx="minor">
+        <a:schemeClr val="tx1"/>
+      </a:fontRef>
+    </dgm:style>
+  </dgm:styleLbl>
+  <dgm:styleLbl name="alignNode1">
+    <dgm:scene3d>
+      <a:camera prst="orthographicFront">
+        <a:rot lat="0" lon="0" rev="0"/>
+      </a:camera>
+      <a:lightRig rig="contrasting" dir="t">
+        <a:rot lat="0" lon="0" rev="1200000"/>
+      </a:lightRig>
+    </dgm:scene3d>
+    <dgm:sp3d contourW="19050" prstMaterial="metal">
+      <a:bevelT w="88900" h="203200"/>
+      <a:bevelB w="165100" h="254000"/>
+    </dgm:sp3d>
+    <dgm:txPr/>
+    <dgm:style>
+      <a:lnRef idx="0">
+        <a:scrgbClr r="0" g="0" b="0"/>
+      </a:lnRef>
+      <a:fillRef idx="1">
+        <a:scrgbClr r="0" g="0" b="0"/>
+      </a:fillRef>
+      <a:effectRef idx="2">
+        <a:scrgbClr r="0" g="0" b="0"/>
+      </a:effectRef>
+      <a:fontRef idx="minor">
+        <a:schemeClr val="lt1"/>
+      </a:fontRef>
+    </dgm:style>
+  </dgm:styleLbl>
+  <dgm:styleLbl name="node1">
+    <dgm:scene3d>
+      <a:camera prst="orthographicFront">
+        <a:rot lat="0" lon="0" rev="0"/>
+      </a:camera>
+      <a:lightRig rig="contrasting" dir="t">
+        <a:rot lat="0" lon="0" rev="1200000"/>
+      </a:lightRig>
+    </dgm:scene3d>
+    <dgm:sp3d contourW="19050" prstMaterial="metal">
+      <a:bevelT w="88900" h="203200"/>
+      <a:bevelB w="165100" h="254000"/>
+    </dgm:sp3d>
+    <dgm:txPr/>
+    <dgm:style>
+      <a:lnRef idx="0">
+        <a:scrgbClr r="0" g="0" b="0"/>
+      </a:lnRef>
+      <a:fillRef idx="1">
+        <a:scrgbClr r="0" g="0" b="0"/>
+      </a:fillRef>
+      <a:effectRef idx="2">
+        <a:scrgbClr r="0" g="0" b="0"/>
+      </a:effectRef>
+      <a:fontRef idx="minor">
+        <a:schemeClr val="lt1"/>
+      </a:fontRef>
+    </dgm:style>
+  </dgm:styleLbl>
+  <dgm:styleLbl name="node2">
+    <dgm:scene3d>
+      <a:camera prst="orthographicFront">
+        <a:rot lat="0" lon="0" rev="0"/>
+      </a:camera>
+      <a:lightRig rig="contrasting" dir="t">
+        <a:rot lat="0" lon="0" rev="1200000"/>
+      </a:lightRig>
+    </dgm:scene3d>
+    <dgm:sp3d contourW="19050" prstMaterial="metal">
+      <a:bevelT w="88900" h="203200"/>
+      <a:bevelB w="165100" h="254000"/>
+    </dgm:sp3d>
+    <dgm:txPr/>
+    <dgm:style>
+      <a:lnRef idx="0">
+        <a:scrgbClr r="0" g="0" b="0"/>
+      </a:lnRef>
+      <a:fillRef idx="1">
+        <a:scrgbClr r="0" g="0" b="0"/>
+      </a:fillRef>
+      <a:effectRef idx="1">
+        <a:scrgbClr r="0" g="0" b="0"/>
+      </a:effectRef>
+      <a:fontRef idx="minor">
+        <a:schemeClr val="lt1"/>
+      </a:fontRef>
+    </dgm:style>
+  </dgm:styleLbl>
+  <dgm:styleLbl name="node3">
+    <dgm:scene3d>
+      <a:camera prst="orthographicFront">
+        <a:rot lat="0" lon="0" rev="0"/>
+      </a:camera>
+      <a:lightRig rig="contrasting" dir="t">
+        <a:rot lat="0" lon="0" rev="1200000"/>
+      </a:lightRig>
+    </dgm:scene3d>
+    <dgm:sp3d contourW="19050" prstMaterial="metal">
+      <a:bevelT w="88900" h="203200"/>
+      <a:bevelB w="165100" h="254000"/>
+    </dgm:sp3d>
+    <dgm:txPr/>
+    <dgm:style>
+      <a:lnRef idx="0">
+        <a:scrgbClr r="0" g="0" b="0"/>
+      </a:lnRef>
+      <a:fillRef idx="1">
+        <a:scrgbClr r="0" g="0" b="0"/>
+      </a:fillRef>
+      <a:effectRef idx="1">
+        <a:scrgbClr r="0" g="0" b="0"/>
+      </a:effectRef>
+      <a:fontRef idx="minor">
+        <a:schemeClr val="lt1"/>
+      </a:fontRef>
+    </dgm:style>
+  </dgm:styleLbl>
+  <dgm:styleLbl name="node4">
+    <dgm:scene3d>
+      <a:camera prst="orthographicFront">
+        <a:rot lat="0" lon="0" rev="0"/>
+      </a:camera>
+      <a:lightRig rig="contrasting" dir="t">
+        <a:rot lat="0" lon="0" rev="1200000"/>
+      </a:lightRig>
+    </dgm:scene3d>
+    <dgm:sp3d contourW="19050" prstMaterial="metal">
+      <a:bevelT w="88900" h="203200"/>
+      <a:bevelB w="165100" h="254000"/>
+    </dgm:sp3d>
+    <dgm:txPr/>
+    <dgm:style>
+      <a:lnRef idx="0">
+        <a:scrgbClr r="0" g="0" b="0"/>
+      </a:lnRef>
+      <a:fillRef idx="1">
+        <a:scrgbClr r="0" g="0" b="0"/>
+      </a:fillRef>
+      <a:effectRef idx="1">
+        <a:scrgbClr r="0" g="0" b="0"/>
+      </a:effectRef>
+      <a:fontRef idx="minor">
+        <a:schemeClr val="lt1"/>
+      </a:fontRef>
+    </dgm:style>
+  </dgm:styleLbl>
+  <dgm:styleLbl name="fgImgPlace1">
+    <dgm:scene3d>
+      <a:camera prst="orthographicFront">
+        <a:rot lat="0" lon="0" rev="0"/>
+      </a:camera>
+      <a:lightRig rig="contrasting" dir="t">
+        <a:rot lat="0" lon="0" rev="1200000"/>
+      </a:lightRig>
+    </dgm:scene3d>
+    <dgm:sp3d z="300000" contourW="19050" prstMaterial="metal">
+      <a:bevelT w="88900" h="203200"/>
+      <a:bevelB w="165100" h="254000"/>
+    </dgm:sp3d>
+    <dgm:txPr/>
+    <dgm:style>
+      <a:lnRef idx="0">
+        <a:scrgbClr r="0" g="0" b="0"/>
+      </a:lnRef>
+      <a:fillRef idx="1">
+        <a:scrgbClr r="0" g="0" b="0"/>
+      </a:fillRef>
+      <a:effectRef idx="1">
+        <a:scrgbClr r="0" g="0" b="0"/>
+      </a:effectRef>
+      <a:fontRef idx="minor"/>
+    </dgm:style>
+  </dgm:styleLbl>
+  <dgm:styleLbl name="alignImgPlace1">
+    <dgm:scene3d>
+      <a:camera prst="orthographicFront">
+        <a:rot lat="0" lon="0" rev="0"/>
+      </a:camera>
+      <a:lightRig rig="contrasting" dir="t">
+        <a:rot lat="0" lon="0" rev="1200000"/>
+      </a:lightRig>
+    </dgm:scene3d>
+    <dgm:sp3d contourW="12700" prstMaterial="flat">
+      <a:bevelT w="177800" h="254000"/>
+      <a:bevelB w="152400"/>
+    </dgm:sp3d>
+    <dgm:txPr/>
+    <dgm:style>
+      <a:lnRef idx="0">
+        <a:scrgbClr r="0" g="0" b="0"/>
+      </a:lnRef>
+      <a:fillRef idx="1">
+        <a:scrgbClr r="0" g="0" b="0"/>
+      </a:fillRef>
+      <a:effectRef idx="1">
+        <a:scrgbClr r="0" g="0" b="0"/>
+      </a:effectRef>
+      <a:fontRef idx="minor"/>
+    </dgm:style>
+  </dgm:styleLbl>
+  <dgm:styleLbl name="bgImgPlace1">
+    <dgm:scene3d>
+      <a:camera prst="orthographicFront">
+        <a:rot lat="0" lon="0" rev="0"/>
+      </a:camera>
+      <a:lightRig rig="contrasting" dir="t">
+        <a:rot lat="0" lon="0" rev="1200000"/>
+      </a:lightRig>
+    </dgm:scene3d>
+    <dgm:sp3d z="-300000" contourW="19050" prstMaterial="metal">
+      <a:bevelT w="88900" h="203200"/>
+      <a:bevelB w="165100" h="254000"/>
+    </dgm:sp3d>
+    <dgm:txPr/>
+    <dgm:style>
+      <a:lnRef idx="0">
+        <a:scrgbClr r="0" g="0" b="0"/>
+      </a:lnRef>
+      <a:fillRef idx="1">
+        <a:scrgbClr r="0" g="0" b="0"/>
+      </a:fillRef>
+      <a:effectRef idx="1">
+        <a:scrgbClr r="0" g="0" b="0"/>
+      </a:effectRef>
+      <a:fontRef idx="minor"/>
+    </dgm:style>
+  </dgm:styleLbl>
+  <dgm:styleLbl name="sibTrans2D1">
+    <dgm:scene3d>
+      <a:camera prst="orthographicFront">
+        <a:rot lat="0" lon="0" rev="0"/>
+      </a:camera>
+      <a:lightRig rig="contrasting" dir="t">
+        <a:rot lat="0" lon="0" rev="1200000"/>
+      </a:lightRig>
+    </dgm:scene3d>
+    <dgm:sp3d z="-182000" contourW="19050" prstMaterial="metal">
+      <a:bevelT w="88900" h="203200"/>
+      <a:bevelB w="165100" h="254000"/>
+    </dgm:sp3d>
+    <dgm:txPr/>
+    <dgm:style>
+      <a:lnRef idx="0">
+        <a:scrgbClr r="0" g="0" b="0"/>
+      </a:lnRef>
+      <a:fillRef idx="1">
+        <a:scrgbClr r="0" g="0" b="0"/>
+      </a:fillRef>
+      <a:effectRef idx="0">
+        <a:scrgbClr r="0" g="0" b="0"/>
+      </a:effectRef>
+      <a:fontRef idx="minor">
+        <a:schemeClr val="lt1"/>
+      </a:fontRef>
+    </dgm:style>
+  </dgm:styleLbl>
+  <dgm:styleLbl name="fgSibTrans2D1">
+    <dgm:scene3d>
+      <a:camera prst="orthographicFront">
+        <a:rot lat="0" lon="0" rev="0"/>
+      </a:camera>
+      <a:lightRig rig="contrasting" dir="t">
+        <a:rot lat="0" lon="0" rev="1200000"/>
+      </a:lightRig>
+    </dgm:scene3d>
+    <dgm:sp3d z="300000" contourW="19050" prstMaterial="metal">
+      <a:bevelT w="88900" h="203200"/>
+      <a:bevelB w="165100" h="254000"/>
+    </dgm:sp3d>
+    <dgm:txPr/>
+    <dgm:style>
+      <a:lnRef idx="0">
+        <a:scrgbClr r="0" g="0" b="0"/>
+      </a:lnRef>
+      <a:fillRef idx="1">
+        <a:scrgbClr r="0" g="0" b="0"/>
+      </a:fillRef>
+      <a:effectRef idx="0">
+        <a:scrgbClr r="0" g="0" b="0"/>
+      </a:effectRef>
+      <a:fontRef idx="minor"/>
+    </dgm:style>
+  </dgm:styleLbl>
+  <dgm:styleLbl name="bgSibTrans2D1">
+    <dgm:scene3d>
+      <a:camera prst="orthographicFront">
+        <a:rot lat="0" lon="0" rev="0"/>
+      </a:camera>
+      <a:lightRig rig="contrasting" dir="t">
+        <a:rot lat="0" lon="0" rev="1200000"/>
+      </a:lightRig>
+    </dgm:scene3d>
+    <dgm:sp3d z="-300000" contourW="19050" prstMaterial="metal">
+      <a:bevelT w="88900" h="203200"/>
+      <a:bevelB w="165100" h="254000"/>
+    </dgm:sp3d>
+    <dgm:txPr/>
+    <dgm:style>
+      <a:lnRef idx="0">
+        <a:scrgbClr r="0" g="0" b="0"/>
+      </a:lnRef>
+      <a:fillRef idx="1">
+        <a:scrgbClr r="0" g="0" b="0"/>
+      </a:fillRef>
+      <a:effectRef idx="0">
+        <a:scrgbClr r="0" g="0" b="0"/>
+      </a:effectRef>
+      <a:fontRef idx="minor"/>
+    </dgm:style>
+  </dgm:styleLbl>
+  <dgm:styleLbl name="sibTrans1D1">
+    <dgm:scene3d>
+      <a:camera prst="orthographicFront">
+        <a:rot lat="0" lon="0" rev="0"/>
+      </a:camera>
+      <a:lightRig rig="contrasting" dir="t">
+        <a:rot lat="0" lon="0" rev="1200000"/>
+      </a:lightRig>
+    </dgm:scene3d>
+    <dgm:sp3d z="-110000"/>
+    <dgm:txPr/>
+    <dgm:style>
+      <a:lnRef idx="1">
+        <a:scrgbClr r="0" g="0" b="0"/>
+      </a:lnRef>
+      <a:fillRef idx="0">
+        <a:scrgbClr r="0" g="0" b="0"/>
+      </a:fillRef>
+      <a:effectRef idx="0">
+        <a:scrgbClr r="0" g="0" b="0"/>
+      </a:effectRef>
+      <a:fontRef idx="minor"/>
+    </dgm:style>
+  </dgm:styleLbl>
+  <dgm:styleLbl name="callout">
+    <dgm:scene3d>
+      <a:camera prst="orthographicFront">
+        <a:rot lat="0" lon="0" rev="0"/>
+      </a:camera>
+      <a:lightRig rig="contrasting" dir="t">
+        <a:rot lat="0" lon="0" rev="1200000"/>
+      </a:lightRig>
+    </dgm:scene3d>
+    <dgm:sp3d z="10000"/>
+    <dgm:txPr/>
+    <dgm:style>
+      <a:lnRef idx="2">
+        <a:scrgbClr r="0" g="0" b="0"/>
+      </a:lnRef>
+      <a:fillRef idx="1">
+        <a:scrgbClr r="0" g="0" b="0"/>
+      </a:fillRef>
+      <a:effectRef idx="0">
+        <a:scrgbClr r="0" g="0" b="0"/>
+      </a:effectRef>
+      <a:fontRef idx="minor"/>
+    </dgm:style>
+  </dgm:styleLbl>
+  <dgm:styleLbl name="asst0">
+    <dgm:scene3d>
+      <a:camera prst="orthographicFront">
+        <a:rot lat="0" lon="0" rev="0"/>
+      </a:camera>
+      <a:lightRig rig="contrasting" dir="t">
+        <a:rot lat="0" lon="0" rev="1200000"/>
+      </a:lightRig>
+    </dgm:scene3d>
+    <dgm:sp3d contourW="19050" prstMaterial="metal">
+      <a:bevelT w="88900" h="203200"/>
+      <a:bevelB w="165100" h="254000"/>
+    </dgm:sp3d>
+    <dgm:txPr/>
+    <dgm:style>
+      <a:lnRef idx="0">
+        <a:scrgbClr r="0" g="0" b="0"/>
+      </a:lnRef>
+      <a:fillRef idx="1">
+        <a:scrgbClr r="0" g="0" b="0"/>
+      </a:fillRef>
+      <a:effectRef idx="1">
+        <a:scrgbClr r="0" g="0" b="0"/>
+      </a:effectRef>
+      <a:fontRef idx="minor">
+        <a:schemeClr val="lt1"/>
+      </a:fontRef>
+    </dgm:style>
+  </dgm:styleLbl>
+  <dgm:styleLbl name="asst1">
+    <dgm:scene3d>
+      <a:camera prst="orthographicFront">
+        <a:rot lat="0" lon="0" rev="0"/>
+      </a:camera>
+      <a:lightRig rig="contrasting" dir="t">
+        <a:rot lat="0" lon="0" rev="1200000"/>
+      </a:lightRig>
+    </dgm:scene3d>
+    <dgm:sp3d contourW="19050" prstMaterial="metal">
+      <a:bevelT w="88900" h="203200"/>
+      <a:bevelB w="165100" h="254000"/>
+    </dgm:sp3d>
+    <dgm:txPr/>
+    <dgm:style>
+      <a:lnRef idx="0">
+        <a:scrgbClr r="0" g="0" b="0"/>
+      </a:lnRef>
+      <a:fillRef idx="1">
+        <a:scrgbClr r="0" g="0" b="0"/>
+      </a:fillRef>
+      <a:effectRef idx="1">
+        <a:scrgbClr r="0" g="0" b="0"/>
+      </a:effectRef>
+      <a:fontRef idx="minor">
+        <a:schemeClr val="lt1"/>
+      </a:fontRef>
+    </dgm:style>
+  </dgm:styleLbl>
+  <dgm:styleLbl name="asst2">
+    <dgm:scene3d>
+      <a:camera prst="orthographicFront">
+        <a:rot lat="0" lon="0" rev="0"/>
+      </a:camera>
+      <a:lightRig rig="contrasting" dir="t">
+        <a:rot lat="0" lon="0" rev="1200000"/>
+      </a:lightRig>
+    </dgm:scene3d>
+    <dgm:sp3d contourW="19050" prstMaterial="metal">
+      <a:bevelT w="88900" h="203200"/>
+      <a:bevelB w="165100" h="254000"/>
+    </dgm:sp3d>
+    <dgm:txPr/>
+    <dgm:style>
+      <a:lnRef idx="0">
+        <a:scrgbClr r="0" g="0" b="0"/>
+      </a:lnRef>
+      <a:fillRef idx="1">
+        <a:scrgbClr r="0" g="0" b="0"/>
+      </a:fillRef>
+      <a:effectRef idx="1">
+        <a:scrgbClr r="0" g="0" b="0"/>
+      </a:effectRef>
+      <a:fontRef idx="minor">
+        <a:schemeClr val="lt1"/>
+      </a:fontRef>
+    </dgm:style>
+  </dgm:styleLbl>
+  <dgm:styleLbl name="asst3">
+    <dgm:scene3d>
+      <a:camera prst="orthographicFront">
+        <a:rot lat="0" lon="0" rev="0"/>
+      </a:camera>
+      <a:lightRig rig="contrasting" dir="t">
+        <a:rot lat="0" lon="0" rev="1200000"/>
+      </a:lightRig>
+    </dgm:scene3d>
+    <dgm:sp3d contourW="19050" prstMaterial="metal">
+      <a:bevelT w="88900" h="203200"/>
+      <a:bevelB w="165100" h="254000"/>
+    </dgm:sp3d>
+    <dgm:txPr/>
+    <dgm:style>
+      <a:lnRef idx="0">
+        <a:scrgbClr r="0" g="0" b="0"/>
+      </a:lnRef>
+      <a:fillRef idx="1">
+        <a:scrgbClr r="0" g="0" b="0"/>
+      </a:fillRef>
+      <a:effectRef idx="1">
+        <a:scrgbClr r="0" g="0" b="0"/>
+      </a:effectRef>
+      <a:fontRef idx="minor">
+        <a:schemeClr val="lt1"/>
+      </a:fontRef>
+    </dgm:style>
+  </dgm:styleLbl>
+  <dgm:styleLbl name="asst4">
+    <dgm:scene3d>
+      <a:camera prst="orthographicFront"/>
+      <a:lightRig rig="threePt" dir="t"/>
+    </dgm:scene3d>
+    <dgm:sp3d contourW="19050" prstMaterial="metal">
+      <a:bevelT w="88900" h="203200"/>
+      <a:bevelB w="165100" h="254000"/>
+    </dgm:sp3d>
+    <dgm:txPr/>
+    <dgm:style>
+      <a:lnRef idx="0">
+        <a:scrgbClr r="0" g="0" b="0"/>
+      </a:lnRef>
+      <a:fillRef idx="1">
+        <a:scrgbClr r="0" g="0" b="0"/>
+      </a:fillRef>
+      <a:effectRef idx="1">
+        <a:scrgbClr r="0" g="0" b="0"/>
+      </a:effectRef>
+      <a:fontRef idx="minor">
+        <a:schemeClr val="lt1"/>
+      </a:fontRef>
+    </dgm:style>
+  </dgm:styleLbl>
+  <dgm:styleLbl name="parChTrans2D1">
+    <dgm:scene3d>
+      <a:camera prst="orthographicFront">
+        <a:rot lat="0" lon="0" rev="0"/>
+      </a:camera>
+      <a:lightRig rig="contrasting" dir="t">
+        <a:rot lat="0" lon="0" rev="1200000"/>
+      </a:lightRig>
+    </dgm:scene3d>
+    <dgm:sp3d contourW="19050" prstMaterial="metal">
+      <a:bevelT w="88900" h="203200"/>
+      <a:bevelB w="165100" h="254000"/>
+    </dgm:sp3d>
+    <dgm:txPr/>
+    <dgm:style>
+      <a:lnRef idx="0">
+        <a:scrgbClr r="0" g="0" b="0"/>
+      </a:lnRef>
+      <a:fillRef idx="1">
+        <a:scrgbClr r="0" g="0" b="0"/>
+      </a:fillRef>
+      <a:effectRef idx="0">
+        <a:scrgbClr r="0" g="0" b="0"/>
+      </a:effectRef>
+      <a:fontRef idx="minor"/>
+    </dgm:style>
+  </dgm:styleLbl>
+  <dgm:styleLbl name="parChTrans2D2">
+    <dgm:scene3d>
+      <a:camera prst="orthographicFront">
+        <a:rot lat="0" lon="0" rev="0"/>
+      </a:camera>
+      <a:lightRig rig="contrasting" dir="t">
+        <a:rot lat="0" lon="0" rev="1200000"/>
+      </a:lightRig>
+    </dgm:scene3d>
+    <dgm:sp3d contourW="19050" prstMaterial="metal">
+      <a:bevelT w="88900" h="203200"/>
+      <a:bevelB w="165100" h="254000"/>
+    </dgm:sp3d>
+    <dgm:txPr/>
+    <dgm:style>
+      <a:lnRef idx="0">
+        <a:scrgbClr r="0" g="0" b="0"/>
+      </a:lnRef>
+      <a:fillRef idx="1">
+        <a:scrgbClr r="0" g="0" b="0"/>
+      </a:fillRef>
+      <a:effectRef idx="0">
+        <a:scrgbClr r="0" g="0" b="0"/>
+      </a:effectRef>
+      <a:fontRef idx="minor"/>
+    </dgm:style>
+  </dgm:styleLbl>
+  <dgm:styleLbl name="parChTrans2D3">
+    <dgm:scene3d>
+      <a:camera prst="orthographicFront">
+        <a:rot lat="0" lon="0" rev="0"/>
+      </a:camera>
+      <a:lightRig rig="contrasting" dir="t">
+        <a:rot lat="0" lon="0" rev="1200000"/>
+      </a:lightRig>
+    </dgm:scene3d>
+    <dgm:sp3d contourW="19050" prstMaterial="metal">
+      <a:bevelT w="88900" h="203200"/>
+      <a:bevelB w="165100" h="254000"/>
+    </dgm:sp3d>
+    <dgm:txPr/>
+    <dgm:style>
+      <a:lnRef idx="0">
+        <a:scrgbClr r="0" g="0" b="0"/>
+      </a:lnRef>
+      <a:fillRef idx="1">
+        <a:scrgbClr r="0" g="0" b="0"/>
+      </a:fillRef>
+      <a:effectRef idx="0">
+        <a:scrgbClr r="0" g="0" b="0"/>
+      </a:effectRef>
+      <a:fontRef idx="minor"/>
+    </dgm:style>
+  </dgm:styleLbl>
+  <dgm:styleLbl name="parChTrans2D4">
+    <dgm:scene3d>
+      <a:camera prst="orthographicFront">
+        <a:rot lat="0" lon="0" rev="0"/>
+      </a:camera>
+      <a:lightRig rig="contrasting" dir="t">
+        <a:rot lat="0" lon="0" rev="1200000"/>
+      </a:lightRig>
+    </dgm:scene3d>
+    <dgm:sp3d contourW="19050" prstMaterial="metal">
+      <a:bevelT w="88900" h="203200"/>
+      <a:bevelB w="165100" h="254000"/>
+    </dgm:sp3d>
+    <dgm:txPr/>
+    <dgm:style>
+      <a:lnRef idx="0">
+        <a:scrgbClr r="0" g="0" b="0"/>
+      </a:lnRef>
+      <a:fillRef idx="1">
+        <a:scrgbClr r="0" g="0" b="0"/>
+      </a:fillRef>
+      <a:effectRef idx="0">
+        <a:scrgbClr r="0" g="0" b="0"/>
+      </a:effectRef>
+      <a:fontRef idx="minor"/>
+    </dgm:style>
+  </dgm:styleLbl>
+  <dgm:styleLbl name="parChTrans1D1">
+    <dgm:scene3d>
+      <a:camera prst="orthographicFront">
+        <a:rot lat="0" lon="0" rev="0"/>
+      </a:camera>
+      <a:lightRig rig="contrasting" dir="t">
+        <a:rot lat="0" lon="0" rev="1200000"/>
+      </a:lightRig>
+    </dgm:scene3d>
+    <dgm:sp3d z="-110000"/>
+    <dgm:txPr/>
+    <dgm:style>
+      <a:lnRef idx="2">
+        <a:scrgbClr r="0" g="0" b="0"/>
+      </a:lnRef>
+      <a:fillRef idx="0">
+        <a:scrgbClr r="0" g="0" b="0"/>
+      </a:fillRef>
+      <a:effectRef idx="0">
+        <a:scrgbClr r="0" g="0" b="0"/>
+      </a:effectRef>
+      <a:fontRef idx="minor"/>
+    </dgm:style>
+  </dgm:styleLbl>
+  <dgm:styleLbl name="parChTrans1D2">
+    <dgm:scene3d>
+      <a:camera prst="orthographicFront">
+        <a:rot lat="0" lon="0" rev="0"/>
+      </a:camera>
+      <a:lightRig rig="contrasting" dir="t">
+        <a:rot lat="0" lon="0" rev="1200000"/>
+      </a:lightRig>
+    </dgm:scene3d>
+    <dgm:sp3d z="-110000"/>
+    <dgm:txPr/>
+    <dgm:style>
+      <a:lnRef idx="2">
+        <a:scrgbClr r="0" g="0" b="0"/>
+      </a:lnRef>
+      <a:fillRef idx="0">
+        <a:scrgbClr r="0" g="0" b="0"/>
+      </a:fillRef>
+      <a:effectRef idx="0">
+        <a:scrgbClr r="0" g="0" b="0"/>
+      </a:effectRef>
+      <a:fontRef idx="minor"/>
+    </dgm:style>
+  </dgm:styleLbl>
+  <dgm:styleLbl name="parChTrans1D3">
+    <dgm:scene3d>
+      <a:camera prst="orthographicFront">
+        <a:rot lat="0" lon="0" rev="0"/>
+      </a:camera>
+      <a:lightRig rig="contrasting" dir="t">
+        <a:rot lat="0" lon="0" rev="1200000"/>
+      </a:lightRig>
+    </dgm:scene3d>
+    <dgm:sp3d z="-110000"/>
+    <dgm:txPr/>
+    <dgm:style>
+      <a:lnRef idx="2">
+        <a:scrgbClr r="0" g="0" b="0"/>
+      </a:lnRef>
+      <a:fillRef idx="0">
+        <a:scrgbClr r="0" g="0" b="0"/>
+      </a:fillRef>
+      <a:effectRef idx="0">
+        <a:scrgbClr r="0" g="0" b="0"/>
+      </a:effectRef>
+      <a:fontRef idx="minor"/>
+    </dgm:style>
+  </dgm:styleLbl>
+  <dgm:styleLbl name="parChTrans1D4">
+    <dgm:scene3d>
+      <a:camera prst="orthographicFront">
+        <a:rot lat="0" lon="0" rev="0"/>
+      </a:camera>
+      <a:lightRig rig="contrasting" dir="t">
+        <a:rot lat="0" lon="0" rev="1200000"/>
+      </a:lightRig>
+    </dgm:scene3d>
+    <dgm:sp3d z="-110000"/>
+    <dgm:txPr/>
+    <dgm:style>
+      <a:lnRef idx="2">
+        <a:scrgbClr r="0" g="0" b="0"/>
+      </a:lnRef>
+      <a:fillRef idx="0">
+        <a:scrgbClr r="0" g="0" b="0"/>
+      </a:fillRef>
+      <a:effectRef idx="0">
+        <a:scrgbClr r="0" g="0" b="0"/>
+      </a:effectRef>
+      <a:fontRef idx="minor"/>
+    </dgm:style>
+  </dgm:styleLbl>
+  <dgm:styleLbl name="fgAcc1">
+    <dgm:scene3d>
+      <a:camera prst="orthographicFront">
+        <a:rot lat="0" lon="0" rev="0"/>
+      </a:camera>
+      <a:lightRig rig="contrasting" dir="t">
+        <a:rot lat="0" lon="0" rev="1200000"/>
+      </a:lightRig>
+    </dgm:scene3d>
+    <dgm:sp3d z="300000" contourW="19050" prstMaterial="metal">
+      <a:bevelT w="88900" h="203200"/>
+      <a:bevelB w="165100" h="254000"/>
+    </dgm:sp3d>
+    <dgm:txPr/>
+    <dgm:style>
+      <a:lnRef idx="0">
+        <a:scrgbClr r="0" g="0" b="0"/>
+      </a:lnRef>
+      <a:fillRef idx="1">
+        <a:scrgbClr r="0" g="0" b="0"/>
+      </a:fillRef>
+      <a:effectRef idx="0">
+        <a:scrgbClr r="0" g="0" b="0"/>
+      </a:effectRef>
+      <a:fontRef idx="minor"/>
+    </dgm:style>
+  </dgm:styleLbl>
+  <dgm:styleLbl name="conFgAcc1">
+    <dgm:scene3d>
+      <a:camera prst="orthographicFront">
+        <a:rot lat="0" lon="0" rev="0"/>
+      </a:camera>
+      <a:lightRig rig="contrasting" dir="t">
+        <a:rot lat="0" lon="0" rev="1200000"/>
+      </a:lightRig>
+    </dgm:scene3d>
+    <dgm:sp3d z="300000" contourW="19050" prstMaterial="metal">
+      <a:bevelT w="88900" h="203200"/>
+      <a:bevelB w="165100" h="254000"/>
+    </dgm:sp3d>
+    <dgm:txPr/>
+    <dgm:style>
+      <a:lnRef idx="0">
+        <a:scrgbClr r="0" g="0" b="0"/>
+      </a:lnRef>
+      <a:fillRef idx="1">
+        <a:scrgbClr r="0" g="0" b="0"/>
+      </a:fillRef>
+      <a:effectRef idx="0">
+        <a:scrgbClr r="0" g="0" b="0"/>
+      </a:effectRef>
+      <a:fontRef idx="minor"/>
+    </dgm:style>
+  </dgm:styleLbl>
+  <dgm:styleLbl name="alignAcc1">
+    <dgm:scene3d>
+      <a:camera prst="orthographicFront">
+        <a:rot lat="0" lon="0" rev="0"/>
+      </a:camera>
+      <a:lightRig rig="contrasting" dir="t">
+        <a:rot lat="0" lon="0" rev="1200000"/>
+      </a:lightRig>
+    </dgm:scene3d>
+    <dgm:sp3d contourW="19050" prstMaterial="metal">
+      <a:bevelT w="88900" h="203200"/>
+      <a:bevelB w="165100" h="254000"/>
+    </dgm:sp3d>
+    <dgm:txPr/>
+    <dgm:style>
+      <a:lnRef idx="0">
+        <a:scrgbClr r="0" g="0" b="0"/>
+      </a:lnRef>
+      <a:fillRef idx="1">
+        <a:scrgbClr r="0" g="0" b="0"/>
+      </a:fillRef>
+      <a:effectRef idx="0">
+        <a:scrgbClr r="0" g="0" b="0"/>
+      </a:effectRef>
+      <a:fontRef idx="minor"/>
+    </dgm:style>
+  </dgm:styleLbl>
+  <dgm:styleLbl name="trAlignAcc1">
+    <dgm:scene3d>
+      <a:camera prst="orthographicFront">
+        <a:rot lat="0" lon="0" rev="0"/>
+      </a:camera>
+      <a:lightRig rig="contrasting" dir="t">
+        <a:rot lat="0" lon="0" rev="1200000"/>
+      </a:lightRig>
+    </dgm:scene3d>
+    <dgm:sp3d contourW="19050" prstMaterial="metal">
+      <a:bevelT w="88900" h="203200"/>
+      <a:bevelB w="165100" h="254000"/>
+    </dgm:sp3d>
+    <dgm:txPr/>
+    <dgm:style>
+      <a:lnRef idx="0">
+        <a:scrgbClr r="0" g="0" b="0"/>
+      </a:lnRef>
+      <a:fillRef idx="1">
+        <a:scrgbClr r="0" g="0" b="0"/>
+      </a:fillRef>
+      <a:effectRef idx="1">
+        <a:scrgbClr r="0" g="0" b="0"/>
+      </a:effectRef>
+      <a:fontRef idx="minor"/>
+    </dgm:style>
+  </dgm:styleLbl>
+  <dgm:styleLbl name="bgAcc1">
+    <dgm:scene3d>
+      <a:camera prst="orthographicFront">
+        <a:rot lat="0" lon="0" rev="0"/>
+      </a:camera>
+      <a:lightRig rig="contrasting" dir="t">
+        <a:rot lat="0" lon="0" rev="1200000"/>
+      </a:lightRig>
+    </dgm:scene3d>
+    <dgm:sp3d z="-300000" contourW="19050" prstMaterial="metal">
+      <a:bevelT w="88900" h="203200"/>
+      <a:bevelB w="165100" h="254000"/>
+    </dgm:sp3d>
+    <dgm:txPr/>
+    <dgm:style>
+      <a:lnRef idx="0">
+        <a:scrgbClr r="0" g="0" b="0"/>
+      </a:lnRef>
+      <a:fillRef idx="1">
+        <a:scrgbClr r="0" g="0" b="0"/>
+      </a:fillRef>
+      <a:effectRef idx="0">
+        <a:scrgbClr r="0" g="0" b="0"/>
+      </a:effectRef>
+      <a:fontRef idx="minor"/>
+    </dgm:style>
+  </dgm:styleLbl>
+  <dgm:styleLbl name="solidFgAcc1">
+    <dgm:scene3d>
+      <a:camera prst="orthographicFront">
+        <a:rot lat="0" lon="0" rev="0"/>
+      </a:camera>
+      <a:lightRig rig="contrasting" dir="t">
+        <a:rot lat="0" lon="0" rev="1200000"/>
+      </a:lightRig>
+    </dgm:scene3d>
+    <dgm:sp3d z="300000" contourW="12700" prstMaterial="flat">
+      <a:bevelT w="177800" h="254000"/>
+      <a:bevelB w="152400"/>
+    </dgm:sp3d>
+    <dgm:txPr/>
+    <dgm:style>
+      <a:lnRef idx="0">
+        <a:scrgbClr r="0" g="0" b="0"/>
+      </a:lnRef>
+      <a:fillRef idx="1">
+        <a:scrgbClr r="0" g="0" b="0"/>
+      </a:fillRef>
+      <a:effectRef idx="0">
+        <a:scrgbClr r="0" g="0" b="0"/>
+      </a:effectRef>
+      <a:fontRef idx="minor"/>
+    </dgm:style>
+  </dgm:styleLbl>
+  <dgm:styleLbl name="solidAlignAcc1">
+    <dgm:scene3d>
+      <a:camera prst="orthographicFront">
+        <a:rot lat="0" lon="0" rev="0"/>
+      </a:camera>
+      <a:lightRig rig="contrasting" dir="t">
+        <a:rot lat="0" lon="0" rev="1200000"/>
+      </a:lightRig>
+    </dgm:scene3d>
+    <dgm:sp3d contourW="19050" prstMaterial="metal">
+      <a:bevelT w="88900" h="203200"/>
+      <a:bevelB w="165100" h="254000"/>
+    </dgm:sp3d>
+    <dgm:txPr/>
+    <dgm:style>
+      <a:lnRef idx="0">
+        <a:scrgbClr r="0" g="0" b="0"/>
+      </a:lnRef>
+      <a:fillRef idx="1">
+        <a:scrgbClr r="0" g="0" b="0"/>
+      </a:fillRef>
+      <a:effectRef idx="0">
+        <a:scrgbClr r="0" g="0" b="0"/>
+      </a:effectRef>
+      <a:fontRef idx="minor"/>
+    </dgm:style>
+  </dgm:styleLbl>
+  <dgm:styleLbl name="solidBgAcc1">
+    <dgm:scene3d>
+      <a:camera prst="orthographicFront">
+        <a:rot lat="0" lon="0" rev="0"/>
+      </a:camera>
+      <a:lightRig rig="contrasting" dir="t">
+        <a:rot lat="0" lon="0" rev="1200000"/>
+      </a:lightRig>
+    </dgm:scene3d>
+    <dgm:sp3d z="-300000" contourW="19050" prstMaterial="metal">
+      <a:bevelT w="88900" h="203200"/>
+      <a:bevelB w="165100" h="254000"/>
+    </dgm:sp3d>
+    <dgm:txPr/>
+    <dgm:style>
+      <a:lnRef idx="0">
+        <a:scrgbClr r="0" g="0" b="0"/>
+      </a:lnRef>
+      <a:fillRef idx="1">
+        <a:scrgbClr r="0" g="0" b="0"/>
+      </a:fillRef>
+      <a:effectRef idx="0">
+        <a:scrgbClr r="0" g="0" b="0"/>
+      </a:effectRef>
+      <a:fontRef idx="minor"/>
+    </dgm:style>
+  </dgm:styleLbl>
+  <dgm:styleLbl name="fgAccFollowNode1">
+    <dgm:scene3d>
+      <a:camera prst="orthographicFront">
+        <a:rot lat="0" lon="0" rev="0"/>
+      </a:camera>
+      <a:lightRig rig="contrasting" dir="t">
+        <a:rot lat="0" lon="0" rev="1200000"/>
+      </a:lightRig>
+    </dgm:scene3d>
+    <dgm:sp3d z="300000" contourW="19050" prstMaterial="metal">
+      <a:bevelT w="88900" h="203200"/>
+      <a:bevelB w="165100" h="254000"/>
+    </dgm:sp3d>
+    <dgm:txPr/>
+    <dgm:style>
+      <a:lnRef idx="0">
+        <a:scrgbClr r="0" g="0" b="0"/>
+      </a:lnRef>
+      <a:fillRef idx="1">
+        <a:scrgbClr r="0" g="0" b="0"/>
+      </a:fillRef>
+      <a:effectRef idx="0">
+        <a:scrgbClr r="0" g="0" b="0"/>
+      </a:effectRef>
+      <a:fontRef idx="minor"/>
+    </dgm:style>
+  </dgm:styleLbl>
+  <dgm:styleLbl name="alignAccFollowNode1">
+    <dgm:scene3d>
+      <a:camera prst="orthographicFront">
+        <a:rot lat="0" lon="0" rev="0"/>
+      </a:camera>
+      <a:lightRig rig="contrasting" dir="t">
+        <a:rot lat="0" lon="0" rev="1200000"/>
+      </a:lightRig>
+    </dgm:scene3d>
+    <dgm:sp3d contourW="19050" prstMaterial="metal">
+      <a:bevelT w="88900" h="203200"/>
+      <a:bevelB w="165100" h="254000"/>
+    </dgm:sp3d>
+    <dgm:txPr/>
+    <dgm:style>
+      <a:lnRef idx="0">
+        <a:scrgbClr r="0" g="0" b="0"/>
+      </a:lnRef>
+      <a:fillRef idx="1">
+        <a:scrgbClr r="0" g="0" b="0"/>
+      </a:fillRef>
+      <a:effectRef idx="0">
+        <a:scrgbClr r="0" g="0" b="0"/>
+      </a:effectRef>
+      <a:fontRef idx="minor"/>
+    </dgm:style>
+  </dgm:styleLbl>
+  <dgm:styleLbl name="bgAccFollowNode1">
+    <dgm:scene3d>
+      <a:camera prst="orthographicFront">
+        <a:rot lat="0" lon="0" rev="0"/>
+      </a:camera>
+      <a:lightRig rig="contrasting" dir="t">
+        <a:rot lat="0" lon="0" rev="1200000"/>
+      </a:lightRig>
+    </dgm:scene3d>
+    <dgm:sp3d z="-300000" contourW="19050" prstMaterial="metal">
+      <a:bevelT w="88900" h="203200"/>
+      <a:bevelB w="165100" h="254000"/>
+    </dgm:sp3d>
+    <dgm:txPr/>
+    <dgm:style>
+      <a:lnRef idx="0">
+        <a:scrgbClr r="0" g="0" b="0"/>
+      </a:lnRef>
+      <a:fillRef idx="1">
+        <a:scrgbClr r="0" g="0" b="0"/>
+      </a:fillRef>
+      <a:effectRef idx="0">
+        <a:scrgbClr r="0" g="0" b="0"/>
+      </a:effectRef>
+      <a:fontRef idx="minor"/>
+    </dgm:style>
+  </dgm:styleLbl>
+  <dgm:styleLbl name="fgAcc0">
+    <dgm:scene3d>
+      <a:camera prst="orthographicFront">
+        <a:rot lat="0" lon="0" rev="0"/>
+      </a:camera>
+      <a:lightRig rig="contrasting" dir="t">
+        <a:rot lat="0" lon="0" rev="1200000"/>
+      </a:lightRig>
+    </dgm:scene3d>
+    <dgm:sp3d z="300000" contourW="19050" prstMaterial="metal">
+      <a:bevelT w="88900" h="203200"/>
+      <a:bevelB w="165100" h="254000"/>
+    </dgm:sp3d>
+    <dgm:txPr/>
+    <dgm:style>
+      <a:lnRef idx="0">
+        <a:scrgbClr r="0" g="0" b="0"/>
+      </a:lnRef>
+      <a:fillRef idx="1">
+        <a:scrgbClr r="0" g="0" b="0"/>
+      </a:fillRef>
+      <a:effectRef idx="0">
+        <a:scrgbClr r="0" g="0" b="0"/>
+      </a:effectRef>
+      <a:fontRef idx="minor"/>
+    </dgm:style>
+  </dgm:styleLbl>
+  <dgm:styleLbl name="fgAcc2">
+    <dgm:scene3d>
+      <a:camera prst="orthographicFront">
+        <a:rot lat="0" lon="0" rev="0"/>
+      </a:camera>
+      <a:lightRig rig="contrasting" dir="t">
+        <a:rot lat="0" lon="0" rev="1200000"/>
+      </a:lightRig>
+    </dgm:scene3d>
+    <dgm:sp3d z="300000" contourW="19050" prstMaterial="metal">
+      <a:bevelT w="88900" h="203200"/>
+      <a:bevelB w="165100" h="254000"/>
+    </dgm:sp3d>
+    <dgm:txPr/>
+    <dgm:style>
+      <a:lnRef idx="0">
+        <a:scrgbClr r="0" g="0" b="0"/>
+      </a:lnRef>
+      <a:fillRef idx="1">
+        <a:scrgbClr r="0" g="0" b="0"/>
+      </a:fillRef>
+      <a:effectRef idx="0">
+        <a:scrgbClr r="0" g="0" b="0"/>
+      </a:effectRef>
+      <a:fontRef idx="minor"/>
+    </dgm:style>
+  </dgm:styleLbl>
+  <dgm:styleLbl name="fgAcc3">
+    <dgm:scene3d>
+      <a:camera prst="orthographicFront">
+        <a:rot lat="0" lon="0" rev="0"/>
+      </a:camera>
+      <a:lightRig rig="contrasting" dir="t">
+        <a:rot lat="0" lon="0" rev="1200000"/>
+      </a:lightRig>
+    </dgm:scene3d>
+    <dgm:sp3d z="300000" contourW="19050" prstMaterial="metal">
+      <a:bevelT w="88900" h="203200"/>
+      <a:bevelB w="165100" h="254000"/>
+    </dgm:sp3d>
+    <dgm:txPr/>
+    <dgm:style>
+      <a:lnRef idx="0">
+        <a:scrgbClr r="0" g="0" b="0"/>
+      </a:lnRef>
+      <a:fillRef idx="1">
+        <a:scrgbClr r="0" g="0" b="0"/>
+      </a:fillRef>
+      <a:effectRef idx="0">
+        <a:scrgbClr r="0" g="0" b="0"/>
+      </a:effectRef>
+      <a:fontRef idx="minor"/>
+    </dgm:style>
+  </dgm:styleLbl>
+  <dgm:styleLbl name="fgAcc4">
+    <dgm:scene3d>
+      <a:camera prst="orthographicFront">
+        <a:rot lat="0" lon="0" rev="0"/>
+      </a:camera>
+      <a:lightRig rig="contrasting" dir="t">
+        <a:rot lat="0" lon="0" rev="1200000"/>
+      </a:lightRig>
+    </dgm:scene3d>
+    <dgm:sp3d z="300000" contourW="19050" prstMaterial="metal">
+      <a:bevelT w="88900" h="203200"/>
+      <a:bevelB w="165100" h="254000"/>
+    </dgm:sp3d>
+    <dgm:txPr/>
+    <dgm:style>
+      <a:lnRef idx="0">
+        <a:scrgbClr r="0" g="0" b="0"/>
+      </a:lnRef>
+      <a:fillRef idx="1">
+        <a:scrgbClr r="0" g="0" b="0"/>
+      </a:fillRef>
+      <a:effectRef idx="0">
+        <a:scrgbClr r="0" g="0" b="0"/>
+      </a:effectRef>
+      <a:fontRef idx="minor"/>
+    </dgm:style>
+  </dgm:styleLbl>
+  <dgm:styleLbl name="bgShp">
+    <dgm:scene3d>
+      <a:camera prst="orthographicFront">
+        <a:rot lat="0" lon="0" rev="0"/>
+      </a:camera>
+      <a:lightRig rig="contrasting" dir="t">
+        <a:rot lat="0" lon="0" rev="1200000"/>
+      </a:lightRig>
+    </dgm:scene3d>
+    <dgm:sp3d z="-300000" prstMaterial="plastic"/>
+    <dgm:txPr/>
+    <dgm:style>
+      <a:lnRef idx="1">
+        <a:scrgbClr r="0" g="0" b="0"/>
+      </a:lnRef>
+      <a:fillRef idx="1">
+        <a:scrgbClr r="0" g="0" b="0"/>
+      </a:fillRef>
+      <a:effectRef idx="0">
+        <a:scrgbClr r="0" g="0" b="0"/>
+      </a:effectRef>
+      <a:fontRef idx="minor"/>
+    </dgm:style>
+  </dgm:styleLbl>
+  <dgm:styleLbl name="dkBgShp">
+    <dgm:scene3d>
+      <a:camera prst="orthographicFront">
+        <a:rot lat="0" lon="0" rev="0"/>
+      </a:camera>
+      <a:lightRig rig="contrasting" dir="t">
+        <a:rot lat="0" lon="0" rev="1200000"/>
+      </a:lightRig>
+    </dgm:scene3d>
+    <dgm:sp3d contourW="12700" prstMaterial="flat">
+      <a:bevelT w="100800" h="154000"/>
+      <a:bevelB w="152400"/>
+    </dgm:sp3d>
+    <dgm:txPr/>
+    <dgm:style>
+      <a:lnRef idx="0">
+        <a:scrgbClr r="0" g="0" b="0"/>
+      </a:lnRef>
+      <a:fillRef idx="1">
+        <a:scrgbClr r="0" g="0" b="0"/>
+      </a:fillRef>
+      <a:effectRef idx="0">
+        <a:scrgbClr r="0" g="0" b="0"/>
+      </a:effectRef>
+      <a:fontRef idx="minor"/>
+    </dgm:style>
+  </dgm:styleLbl>
+  <dgm:styleLbl name="trBgShp">
+    <dgm:scene3d>
+      <a:camera prst="orthographicFront">
+        <a:rot lat="0" lon="0" rev="0"/>
+      </a:camera>
+      <a:lightRig rig="contrasting" dir="t">
+        <a:rot lat="0" lon="0" rev="1200000"/>
+      </a:lightRig>
+    </dgm:scene3d>
+    <dgm:sp3d z="-152400" prstMaterial="matte"/>
+    <dgm:txPr/>
+    <dgm:style>
+      <a:lnRef idx="1">
+        <a:scrgbClr r="0" g="0" b="0"/>
+      </a:lnRef>
+      <a:fillRef idx="1">
+        <a:scrgbClr r="0" g="0" b="0"/>
+      </a:fillRef>
+      <a:effectRef idx="0">
+        <a:scrgbClr r="0" g="0" b="0"/>
+      </a:effectRef>
+      <a:fontRef idx="minor"/>
+    </dgm:style>
+  </dgm:styleLbl>
+  <dgm:styleLbl name="fgShp">
+    <dgm:scene3d>
+      <a:camera prst="orthographicFront">
+        <a:rot lat="0" lon="0" rev="0"/>
+      </a:camera>
+      <a:lightRig rig="contrasting" dir="t">
+        <a:rot lat="0" lon="0" rev="1200000"/>
+      </a:lightRig>
+    </dgm:scene3d>
+    <dgm:sp3d z="300000" contourW="19050" prstMaterial="metal">
+      <a:bevelT w="88900" h="203200"/>
+      <a:bevelB w="165100" h="254000"/>
+    </dgm:sp3d>
+    <dgm:txPr/>
+    <dgm:style>
+      <a:lnRef idx="0">
+        <a:scrgbClr r="0" g="0" b="0"/>
+      </a:lnRef>
+      <a:fillRef idx="1">
+        <a:scrgbClr r="0" g="0" b="0"/>
+      </a:fillRef>
+      <a:effectRef idx="0">
+        <a:scrgbClr r="0" g="0" b="0"/>
+      </a:effectRef>
+      <a:fontRef idx="minor"/>
+    </dgm:style>
+  </dgm:styleLbl>
+  <dgm:styleLbl name="revTx">
+    <dgm:scene3d>
+      <a:camera prst="orthographicFront"/>
+      <a:lightRig rig="threePt" dir="t"/>
+    </dgm:scene3d>
+    <dgm:sp3d/>
+    <dgm:txPr/>
+    <dgm:style>
+      <a:lnRef idx="1">
+        <a:scrgbClr r="0" g="0" b="0"/>
+      </a:lnRef>
+      <a:fillRef idx="0">
+        <a:scrgbClr r="0" g="0" b="0"/>
+      </a:fillRef>
+      <a:effectRef idx="0">
+        <a:scrgbClr r="0" g="0" b="0"/>
+      </a:effectRef>
+      <a:fontRef idx="minor"/>
+    </dgm:style>
+  </dgm:styleLbl>
+</dgm:styleDef>
+</file>
+
 <file path=ppt/slideLayouts/slideLayout1.xml><?xml version="1.0" encoding="utf-8"?>
 <p:sldLayout xmlns:a="http://schemas.openxmlformats.org/drawingml/2006/main" xmlns:r="http://schemas.openxmlformats.org/officeDocument/2006/relationships" xmlns:p="http://schemas.openxmlformats.org/presentationml/2006/main" type="title" preserve="1">
   <p:cSld name="Title Slide">
@@ -4713,7 +10424,7 @@
           <a:p>
             <a:fld id="{1D6AAEF1-BB65-438A-947A-6BD8EC392D5A}" type="datetimeFigureOut">
               <a:rPr lang="en-US" smtClean="0"/>
-              <a:t>1/7/2021</a:t>
+              <a:t>1/8/2021</a:t>
             </a:fld>
             <a:endParaRPr lang="en-US"/>
           </a:p>
@@ -4911,7 +10622,7 @@
           <a:p>
             <a:fld id="{1D6AAEF1-BB65-438A-947A-6BD8EC392D5A}" type="datetimeFigureOut">
               <a:rPr lang="en-US" smtClean="0"/>
-              <a:t>1/7/2021</a:t>
+              <a:t>1/8/2021</a:t>
             </a:fld>
             <a:endParaRPr lang="en-US"/>
           </a:p>
@@ -5119,7 +10830,7 @@
           <a:p>
             <a:fld id="{1D6AAEF1-BB65-438A-947A-6BD8EC392D5A}" type="datetimeFigureOut">
               <a:rPr lang="en-US" smtClean="0"/>
-              <a:t>1/7/2021</a:t>
+              <a:t>1/8/2021</a:t>
             </a:fld>
             <a:endParaRPr lang="en-US"/>
           </a:p>
@@ -5317,7 +11028,7 @@
           <a:p>
             <a:fld id="{1D6AAEF1-BB65-438A-947A-6BD8EC392D5A}" type="datetimeFigureOut">
               <a:rPr lang="en-US" smtClean="0"/>
-              <a:t>1/7/2021</a:t>
+              <a:t>1/8/2021</a:t>
             </a:fld>
             <a:endParaRPr lang="en-US"/>
           </a:p>
@@ -5592,7 +11303,7 @@
           <a:p>
             <a:fld id="{1D6AAEF1-BB65-438A-947A-6BD8EC392D5A}" type="datetimeFigureOut">
               <a:rPr lang="en-US" smtClean="0"/>
-              <a:t>1/7/2021</a:t>
+              <a:t>1/8/2021</a:t>
             </a:fld>
             <a:endParaRPr lang="en-US"/>
           </a:p>
@@ -5857,7 +11568,7 @@
           <a:p>
             <a:fld id="{1D6AAEF1-BB65-438A-947A-6BD8EC392D5A}" type="datetimeFigureOut">
               <a:rPr lang="en-US" smtClean="0"/>
-              <a:t>1/7/2021</a:t>
+              <a:t>1/8/2021</a:t>
             </a:fld>
             <a:endParaRPr lang="en-US"/>
           </a:p>
@@ -6269,7 +11980,7 @@
           <a:p>
             <a:fld id="{1D6AAEF1-BB65-438A-947A-6BD8EC392D5A}" type="datetimeFigureOut">
               <a:rPr lang="en-US" smtClean="0"/>
-              <a:t>1/7/2021</a:t>
+              <a:t>1/8/2021</a:t>
             </a:fld>
             <a:endParaRPr lang="en-US"/>
           </a:p>
@@ -6410,7 +12121,7 @@
           <a:p>
             <a:fld id="{1D6AAEF1-BB65-438A-947A-6BD8EC392D5A}" type="datetimeFigureOut">
               <a:rPr lang="en-US" smtClean="0"/>
-              <a:t>1/7/2021</a:t>
+              <a:t>1/8/2021</a:t>
             </a:fld>
             <a:endParaRPr lang="en-US"/>
           </a:p>
@@ -6523,7 +12234,7 @@
           <a:p>
             <a:fld id="{1D6AAEF1-BB65-438A-947A-6BD8EC392D5A}" type="datetimeFigureOut">
               <a:rPr lang="en-US" smtClean="0"/>
-              <a:t>1/7/2021</a:t>
+              <a:t>1/8/2021</a:t>
             </a:fld>
             <a:endParaRPr lang="en-US"/>
           </a:p>
@@ -6834,7 +12545,7 @@
           <a:p>
             <a:fld id="{1D6AAEF1-BB65-438A-947A-6BD8EC392D5A}" type="datetimeFigureOut">
               <a:rPr lang="en-US" smtClean="0"/>
-              <a:t>1/7/2021</a:t>
+              <a:t>1/8/2021</a:t>
             </a:fld>
             <a:endParaRPr lang="en-US"/>
           </a:p>
@@ -7122,7 +12833,7 @@
           <a:p>
             <a:fld id="{1D6AAEF1-BB65-438A-947A-6BD8EC392D5A}" type="datetimeFigureOut">
               <a:rPr lang="en-US" smtClean="0"/>
-              <a:t>1/7/2021</a:t>
+              <a:t>1/8/2021</a:t>
             </a:fld>
             <a:endParaRPr lang="en-US"/>
           </a:p>
@@ -7363,7 +13074,7 @@
           <a:p>
             <a:fld id="{1D6AAEF1-BB65-438A-947A-6BD8EC392D5A}" type="datetimeFigureOut">
               <a:rPr lang="en-US" smtClean="0"/>
-              <a:t>1/7/2021</a:t>
+              <a:t>1/8/2021</a:t>
             </a:fld>
             <a:endParaRPr lang="en-US"/>
           </a:p>
@@ -9927,7 +15638,7 @@
           <a:p>
             <a:r>
               <a:rPr lang="en-GB" dirty="0"/>
-              <a:t>Draw Diagram of Entire Process</a:t>
+              <a:t>Diagram of Current Process</a:t>
             </a:r>
             <a:endParaRPr lang="en-US" dirty="0"/>
           </a:p>
@@ -10074,6 +15785,176 @@
           <p:cNvPr id="2" name="Title 1">
             <a:extLst>
               <a:ext uri="{FF2B5EF4-FFF2-40B4-BE49-F238E27FC236}">
+                <a16:creationId xmlns:a16="http://schemas.microsoft.com/office/drawing/2014/main" id="{B6C3F710-D6D0-4CB1-A37F-DC622C097486}"/>
+              </a:ext>
+            </a:extLst>
+          </p:cNvPr>
+          <p:cNvSpPr>
+            <a:spLocks noGrp="1"/>
+          </p:cNvSpPr>
+          <p:nvPr>
+            <p:ph type="title"/>
+          </p:nvPr>
+        </p:nvSpPr>
+        <p:spPr>
+          <a:xfrm>
+            <a:off x="819540" y="-224551"/>
+            <a:ext cx="10515600" cy="1325563"/>
+          </a:xfrm>
+        </p:spPr>
+        <p:txBody>
+          <a:bodyPr/>
+          <a:lstStyle/>
+          <a:p>
+            <a:r>
+              <a:rPr lang="en-GB" dirty="0"/>
+              <a:t>Diagram of Expanded Process</a:t>
+            </a:r>
+            <a:endParaRPr lang="en-US" dirty="0"/>
+          </a:p>
+        </p:txBody>
+      </p:sp>
+      <p:graphicFrame>
+        <p:nvGraphicFramePr>
+          <p:cNvPr id="4" name="Content Placeholder 3">
+            <a:extLst>
+              <a:ext uri="{FF2B5EF4-FFF2-40B4-BE49-F238E27FC236}">
+                <a16:creationId xmlns:a16="http://schemas.microsoft.com/office/drawing/2014/main" id="{D254ADF0-D96C-426F-9387-288C498B0107}"/>
+              </a:ext>
+            </a:extLst>
+          </p:cNvPr>
+          <p:cNvGraphicFramePr>
+            <a:graphicFrameLocks noGrp="1"/>
+          </p:cNvGraphicFramePr>
+          <p:nvPr>
+            <p:ph idx="1"/>
+            <p:extLst>
+              <p:ext uri="{D42A27DB-BD31-4B8C-83A1-F6EECF244321}">
+                <p14:modId xmlns:p14="http://schemas.microsoft.com/office/powerpoint/2010/main" val="1098556327"/>
+              </p:ext>
+            </p:extLst>
+          </p:nvPr>
+        </p:nvGraphicFramePr>
+        <p:xfrm>
+          <a:off x="511628" y="634482"/>
+          <a:ext cx="10946364" cy="5075951"/>
+        </p:xfrm>
+        <a:graphic>
+          <a:graphicData uri="http://schemas.openxmlformats.org/drawingml/2006/diagram">
+            <dgm:relIds xmlns:dgm="http://schemas.openxmlformats.org/drawingml/2006/diagram" xmlns:r="http://schemas.openxmlformats.org/officeDocument/2006/relationships" r:dm="rId2" r:lo="rId3" r:qs="rId4" r:cs="rId5"/>
+          </a:graphicData>
+        </a:graphic>
+      </p:graphicFrame>
+      <p:sp>
+        <p:nvSpPr>
+          <p:cNvPr id="5" name="TextBox 4">
+            <a:extLst>
+              <a:ext uri="{FF2B5EF4-FFF2-40B4-BE49-F238E27FC236}">
+                <a16:creationId xmlns:a16="http://schemas.microsoft.com/office/drawing/2014/main" id="{4173E832-C431-413C-8C35-AEDC303C9978}"/>
+              </a:ext>
+            </a:extLst>
+          </p:cNvPr>
+          <p:cNvSpPr txBox="1"/>
+          <p:nvPr/>
+        </p:nvSpPr>
+        <p:spPr>
+          <a:xfrm>
+            <a:off x="9223495" y="5419251"/>
+            <a:ext cx="2968505" cy="1754326"/>
+          </a:xfrm>
+          <a:prstGeom prst="rect">
+            <a:avLst/>
+          </a:prstGeom>
+          <a:noFill/>
+        </p:spPr>
+        <p:txBody>
+          <a:bodyPr wrap="none" rtlCol="0">
+            <a:spAutoFit/>
+          </a:bodyPr>
+          <a:lstStyle/>
+          <a:p>
+            <a:pPr lvl="0"/>
+            <a:r>
+              <a:rPr lang="en-US" sz="1800" baseline="30000" dirty="0"/>
+              <a:t>1</a:t>
+            </a:r>
+            <a:r>
+              <a:rPr lang="en-US" sz="1800" dirty="0"/>
+              <a:t>Filter Parameters:</a:t>
+            </a:r>
+          </a:p>
+          <a:p>
+            <a:pPr lvl="0"/>
+            <a:r>
+              <a:rPr lang="en-US" sz="1800" dirty="0"/>
+              <a:t>Upsampling/Downscaling = 8</a:t>
+            </a:r>
+          </a:p>
+          <a:p>
+            <a:pPr lvl="0"/>
+            <a:r>
+              <a:rPr lang="en-US" sz="1800" dirty="0" err="1"/>
+              <a:t>Rolloff</a:t>
+            </a:r>
+            <a:r>
+              <a:rPr lang="en-US" sz="1800" dirty="0"/>
+              <a:t> = 0.2</a:t>
+            </a:r>
+          </a:p>
+          <a:p>
+            <a:pPr lvl="0"/>
+            <a:r>
+              <a:rPr lang="en-US" sz="1800" dirty="0"/>
+              <a:t>Tap Length = 32</a:t>
+            </a:r>
+          </a:p>
+          <a:p>
+            <a:pPr lvl="0"/>
+            <a:r>
+              <a:rPr lang="en-US" sz="1800" dirty="0"/>
+              <a:t>Shape: Root Raised Cosine</a:t>
+            </a:r>
+          </a:p>
+          <a:p>
+            <a:endParaRPr lang="en-US" dirty="0"/>
+          </a:p>
+        </p:txBody>
+      </p:sp>
+    </p:spTree>
+    <p:extLst>
+      <p:ext uri="{BB962C8B-B14F-4D97-AF65-F5344CB8AC3E}">
+        <p14:creationId xmlns:p14="http://schemas.microsoft.com/office/powerpoint/2010/main" val="1653571233"/>
+      </p:ext>
+    </p:extLst>
+  </p:cSld>
+  <p:clrMapOvr>
+    <a:masterClrMapping/>
+  </p:clrMapOvr>
+</p:sld>
+</file>
+
+<file path=ppt/slides/slide15.xml><?xml version="1.0" encoding="utf-8"?>
+<p:sld xmlns:a="http://schemas.openxmlformats.org/drawingml/2006/main" xmlns:r="http://schemas.openxmlformats.org/officeDocument/2006/relationships" xmlns:p="http://schemas.openxmlformats.org/presentationml/2006/main">
+  <p:cSld>
+    <p:spTree>
+      <p:nvGrpSpPr>
+        <p:cNvPr id="1" name=""/>
+        <p:cNvGrpSpPr/>
+        <p:nvPr/>
+      </p:nvGrpSpPr>
+      <p:grpSpPr>
+        <a:xfrm>
+          <a:off x="0" y="0"/>
+          <a:ext cx="0" cy="0"/>
+          <a:chOff x="0" y="0"/>
+          <a:chExt cx="0" cy="0"/>
+        </a:xfrm>
+      </p:grpSpPr>
+      <p:sp>
+        <p:nvSpPr>
+          <p:cNvPr id="2" name="Title 1">
+            <a:extLst>
+              <a:ext uri="{FF2B5EF4-FFF2-40B4-BE49-F238E27FC236}">
                 <a16:creationId xmlns:a16="http://schemas.microsoft.com/office/drawing/2014/main" id="{3B62A8B8-F1D2-497D-A0FE-384C987930DD}"/>
               </a:ext>
             </a:extLst>
@@ -10120,7 +16001,7 @@
           <a:p>
             <a:r>
               <a:rPr lang="en-US" dirty="0"/>
-              <a:t>Filter Delay</a:t>
+              <a:t>Filter Delay (Done)</a:t>
             </a:r>
           </a:p>
           <a:p>
@@ -10150,24 +16031,14 @@
           <a:p>
             <a:r>
               <a:rPr lang="en-US" dirty="0"/>
-              <a:t>Carrier </a:t>
+              <a:t>Carrier Equalisation</a:t>
             </a:r>
-            <a:r>
-              <a:rPr lang="en-US" dirty="0" err="1"/>
-              <a:t>Equalisation</a:t>
-            </a:r>
-            <a:endParaRPr lang="en-US" dirty="0"/>
           </a:p>
           <a:p>
             <a:r>
               <a:rPr lang="en-US" dirty="0"/>
-              <a:t>Frequency </a:t>
+              <a:t>Frequency Equalisation</a:t>
             </a:r>
-            <a:r>
-              <a:rPr lang="en-US" dirty="0" err="1"/>
-              <a:t>Equalisation</a:t>
-            </a:r>
-            <a:endParaRPr lang="en-US" dirty="0"/>
           </a:p>
           <a:p>
             <a:endParaRPr lang="en-US" dirty="0"/>
@@ -10190,7 +16061,7 @@
 </p:sld>
 </file>
 
-<file path=ppt/slides/slide15.xml><?xml version="1.0" encoding="utf-8"?>
+<file path=ppt/slides/slide16.xml><?xml version="1.0" encoding="utf-8"?>
 <p:sld xmlns:a="http://schemas.openxmlformats.org/drawingml/2006/main" xmlns:r="http://schemas.openxmlformats.org/officeDocument/2006/relationships" xmlns:p="http://schemas.openxmlformats.org/presentationml/2006/main">
   <p:cSld>
     <p:spTree>

--- a/Master's meetings presentation.pptx
+++ b/Master's meetings presentation.pptx
@@ -20,7 +20,8 @@
     <p:sldId id="269" r:id="rId15"/>
     <p:sldId id="272" r:id="rId16"/>
     <p:sldId id="270" r:id="rId17"/>
-    <p:sldId id="271" r:id="rId18"/>
+    <p:sldId id="273" r:id="rId18"/>
+    <p:sldId id="271" r:id="rId19"/>
   </p:sldIdLst>
   <p:sldSz cx="12192000" cy="6858000"/>
   <p:notesSz cx="6858000" cy="9144000"/>
@@ -10424,7 +10425,7 @@
           <a:p>
             <a:fld id="{1D6AAEF1-BB65-438A-947A-6BD8EC392D5A}" type="datetimeFigureOut">
               <a:rPr lang="en-US" smtClean="0"/>
-              <a:t>1/8/2021</a:t>
+              <a:t>1/12/2021</a:t>
             </a:fld>
             <a:endParaRPr lang="en-US"/>
           </a:p>
@@ -10622,7 +10623,7 @@
           <a:p>
             <a:fld id="{1D6AAEF1-BB65-438A-947A-6BD8EC392D5A}" type="datetimeFigureOut">
               <a:rPr lang="en-US" smtClean="0"/>
-              <a:t>1/8/2021</a:t>
+              <a:t>1/12/2021</a:t>
             </a:fld>
             <a:endParaRPr lang="en-US"/>
           </a:p>
@@ -10830,7 +10831,7 @@
           <a:p>
             <a:fld id="{1D6AAEF1-BB65-438A-947A-6BD8EC392D5A}" type="datetimeFigureOut">
               <a:rPr lang="en-US" smtClean="0"/>
-              <a:t>1/8/2021</a:t>
+              <a:t>1/12/2021</a:t>
             </a:fld>
             <a:endParaRPr lang="en-US"/>
           </a:p>
@@ -11028,7 +11029,7 @@
           <a:p>
             <a:fld id="{1D6AAEF1-BB65-438A-947A-6BD8EC392D5A}" type="datetimeFigureOut">
               <a:rPr lang="en-US" smtClean="0"/>
-              <a:t>1/8/2021</a:t>
+              <a:t>1/12/2021</a:t>
             </a:fld>
             <a:endParaRPr lang="en-US"/>
           </a:p>
@@ -11303,7 +11304,7 @@
           <a:p>
             <a:fld id="{1D6AAEF1-BB65-438A-947A-6BD8EC392D5A}" type="datetimeFigureOut">
               <a:rPr lang="en-US" smtClean="0"/>
-              <a:t>1/8/2021</a:t>
+              <a:t>1/12/2021</a:t>
             </a:fld>
             <a:endParaRPr lang="en-US"/>
           </a:p>
@@ -11568,7 +11569,7 @@
           <a:p>
             <a:fld id="{1D6AAEF1-BB65-438A-947A-6BD8EC392D5A}" type="datetimeFigureOut">
               <a:rPr lang="en-US" smtClean="0"/>
-              <a:t>1/8/2021</a:t>
+              <a:t>1/12/2021</a:t>
             </a:fld>
             <a:endParaRPr lang="en-US"/>
           </a:p>
@@ -11980,7 +11981,7 @@
           <a:p>
             <a:fld id="{1D6AAEF1-BB65-438A-947A-6BD8EC392D5A}" type="datetimeFigureOut">
               <a:rPr lang="en-US" smtClean="0"/>
-              <a:t>1/8/2021</a:t>
+              <a:t>1/12/2021</a:t>
             </a:fld>
             <a:endParaRPr lang="en-US"/>
           </a:p>
@@ -12121,7 +12122,7 @@
           <a:p>
             <a:fld id="{1D6AAEF1-BB65-438A-947A-6BD8EC392D5A}" type="datetimeFigureOut">
               <a:rPr lang="en-US" smtClean="0"/>
-              <a:t>1/8/2021</a:t>
+              <a:t>1/12/2021</a:t>
             </a:fld>
             <a:endParaRPr lang="en-US"/>
           </a:p>
@@ -12234,7 +12235,7 @@
           <a:p>
             <a:fld id="{1D6AAEF1-BB65-438A-947A-6BD8EC392D5A}" type="datetimeFigureOut">
               <a:rPr lang="en-US" smtClean="0"/>
-              <a:t>1/8/2021</a:t>
+              <a:t>1/12/2021</a:t>
             </a:fld>
             <a:endParaRPr lang="en-US"/>
           </a:p>
@@ -12545,7 +12546,7 @@
           <a:p>
             <a:fld id="{1D6AAEF1-BB65-438A-947A-6BD8EC392D5A}" type="datetimeFigureOut">
               <a:rPr lang="en-US" smtClean="0"/>
-              <a:t>1/8/2021</a:t>
+              <a:t>1/12/2021</a:t>
             </a:fld>
             <a:endParaRPr lang="en-US"/>
           </a:p>
@@ -12833,7 +12834,7 @@
           <a:p>
             <a:fld id="{1D6AAEF1-BB65-438A-947A-6BD8EC392D5A}" type="datetimeFigureOut">
               <a:rPr lang="en-US" smtClean="0"/>
-              <a:t>1/8/2021</a:t>
+              <a:t>1/12/2021</a:t>
             </a:fld>
             <a:endParaRPr lang="en-US"/>
           </a:p>
@@ -13074,7 +13075,7 @@
           <a:p>
             <a:fld id="{1D6AAEF1-BB65-438A-947A-6BD8EC392D5A}" type="datetimeFigureOut">
               <a:rPr lang="en-US" smtClean="0"/>
-              <a:t>1/8/2021</a:t>
+              <a:t>1/12/2021</a:t>
             </a:fld>
             <a:endParaRPr lang="en-US"/>
           </a:p>
@@ -16001,7 +16002,7 @@
           <a:p>
             <a:r>
               <a:rPr lang="en-US" dirty="0"/>
-              <a:t>Filter Delay (Done)</a:t>
+              <a:t>Filter Delay</a:t>
             </a:r>
           </a:p>
           <a:p>
@@ -16062,6 +16063,741 @@
 </file>
 
 <file path=ppt/slides/slide16.xml><?xml version="1.0" encoding="utf-8"?>
+<p:sld xmlns:a="http://schemas.openxmlformats.org/drawingml/2006/main" xmlns:r="http://schemas.openxmlformats.org/officeDocument/2006/relationships" xmlns:p="http://schemas.openxmlformats.org/presentationml/2006/main">
+  <p:cSld>
+    <p:spTree>
+      <p:nvGrpSpPr>
+        <p:cNvPr id="1" name=""/>
+        <p:cNvGrpSpPr/>
+        <p:nvPr/>
+      </p:nvGrpSpPr>
+      <p:grpSpPr>
+        <a:xfrm>
+          <a:off x="0" y="0"/>
+          <a:ext cx="0" cy="0"/>
+          <a:chOff x="0" y="0"/>
+          <a:chExt cx="0" cy="0"/>
+        </a:xfrm>
+      </p:grpSpPr>
+      <p:pic>
+        <p:nvPicPr>
+          <p:cNvPr id="1026" name="Picture 2">
+            <a:extLst>
+              <a:ext uri="{FF2B5EF4-FFF2-40B4-BE49-F238E27FC236}">
+                <a16:creationId xmlns:a16="http://schemas.microsoft.com/office/drawing/2014/main" id="{B426CD0F-7E94-4ADF-8982-8B00FA1DA422}"/>
+              </a:ext>
+            </a:extLst>
+          </p:cNvPr>
+          <p:cNvPicPr>
+            <a:picLocks noChangeAspect="1" noChangeArrowheads="1"/>
+          </p:cNvPicPr>
+          <p:nvPr/>
+        </p:nvPicPr>
+        <p:blipFill>
+          <a:blip r:embed="rId2">
+            <a:extLst>
+              <a:ext uri="{28A0092B-C50C-407E-A947-70E740481C1C}">
+                <a14:useLocalDpi xmlns:a14="http://schemas.microsoft.com/office/drawing/2010/main" val="0"/>
+              </a:ext>
+            </a:extLst>
+          </a:blip>
+          <a:srcRect/>
+          <a:stretch>
+            <a:fillRect/>
+          </a:stretch>
+        </p:blipFill>
+        <p:spPr bwMode="auto">
+          <a:xfrm>
+            <a:off x="127000" y="-23637875"/>
+            <a:ext cx="6667500" cy="5000625"/>
+          </a:xfrm>
+          <a:prstGeom prst="rect">
+            <a:avLst/>
+          </a:prstGeom>
+          <a:noFill/>
+          <a:extLst>
+            <a:ext uri="{909E8E84-426E-40DD-AFC4-6F175D3DCCD1}">
+              <a14:hiddenFill xmlns:a14="http://schemas.microsoft.com/office/drawing/2010/main">
+                <a:solidFill>
+                  <a:srgbClr val="FFFFFF"/>
+                </a:solidFill>
+              </a14:hiddenFill>
+            </a:ext>
+          </a:extLst>
+        </p:spPr>
+      </p:pic>
+      <p:pic>
+        <p:nvPicPr>
+          <p:cNvPr id="1027" name="Picture 3">
+            <a:extLst>
+              <a:ext uri="{FF2B5EF4-FFF2-40B4-BE49-F238E27FC236}">
+                <a16:creationId xmlns:a16="http://schemas.microsoft.com/office/drawing/2014/main" id="{42181F10-5ED3-40ED-BF2E-5A102EA49F2A}"/>
+              </a:ext>
+            </a:extLst>
+          </p:cNvPr>
+          <p:cNvPicPr>
+            <a:picLocks noChangeAspect="1" noChangeArrowheads="1"/>
+          </p:cNvPicPr>
+          <p:nvPr/>
+        </p:nvPicPr>
+        <p:blipFill>
+          <a:blip r:embed="rId3">
+            <a:extLst>
+              <a:ext uri="{28A0092B-C50C-407E-A947-70E740481C1C}">
+                <a14:useLocalDpi xmlns:a14="http://schemas.microsoft.com/office/drawing/2010/main" val="0"/>
+              </a:ext>
+            </a:extLst>
+          </a:blip>
+          <a:srcRect/>
+          <a:stretch>
+            <a:fillRect/>
+          </a:stretch>
+        </p:blipFill>
+        <p:spPr bwMode="auto">
+          <a:xfrm>
+            <a:off x="127000" y="-18837275"/>
+            <a:ext cx="11258550" cy="4629150"/>
+          </a:xfrm>
+          <a:prstGeom prst="rect">
+            <a:avLst/>
+          </a:prstGeom>
+          <a:noFill/>
+          <a:extLst>
+            <a:ext uri="{909E8E84-426E-40DD-AFC4-6F175D3DCCD1}">
+              <a14:hiddenFill xmlns:a14="http://schemas.microsoft.com/office/drawing/2010/main">
+                <a:solidFill>
+                  <a:srgbClr val="FFFFFF"/>
+                </a:solidFill>
+              </a14:hiddenFill>
+            </a:ext>
+          </a:extLst>
+        </p:spPr>
+      </p:pic>
+      <p:pic>
+        <p:nvPicPr>
+          <p:cNvPr id="1028" name="Picture 4">
+            <a:extLst>
+              <a:ext uri="{FF2B5EF4-FFF2-40B4-BE49-F238E27FC236}">
+                <a16:creationId xmlns:a16="http://schemas.microsoft.com/office/drawing/2014/main" id="{7FF0846A-DD88-4C16-9F1E-509223A0CAD8}"/>
+              </a:ext>
+            </a:extLst>
+          </p:cNvPr>
+          <p:cNvPicPr>
+            <a:picLocks noChangeAspect="1" noChangeArrowheads="1"/>
+          </p:cNvPicPr>
+          <p:nvPr/>
+        </p:nvPicPr>
+        <p:blipFill>
+          <a:blip r:embed="rId4">
+            <a:extLst>
+              <a:ext uri="{28A0092B-C50C-407E-A947-70E740481C1C}">
+                <a14:useLocalDpi xmlns:a14="http://schemas.microsoft.com/office/drawing/2010/main" val="0"/>
+              </a:ext>
+            </a:extLst>
+          </a:blip>
+          <a:srcRect/>
+          <a:stretch>
+            <a:fillRect/>
+          </a:stretch>
+        </p:blipFill>
+        <p:spPr bwMode="auto">
+          <a:xfrm>
+            <a:off x="127000" y="-14401800"/>
+            <a:ext cx="6667500" cy="5000625"/>
+          </a:xfrm>
+          <a:prstGeom prst="rect">
+            <a:avLst/>
+          </a:prstGeom>
+          <a:noFill/>
+          <a:extLst>
+            <a:ext uri="{909E8E84-426E-40DD-AFC4-6F175D3DCCD1}">
+              <a14:hiddenFill xmlns:a14="http://schemas.microsoft.com/office/drawing/2010/main">
+                <a:solidFill>
+                  <a:srgbClr val="FFFFFF"/>
+                </a:solidFill>
+              </a14:hiddenFill>
+            </a:ext>
+          </a:extLst>
+        </p:spPr>
+      </p:pic>
+      <p:pic>
+        <p:nvPicPr>
+          <p:cNvPr id="1029" name="Picture 5">
+            <a:extLst>
+              <a:ext uri="{FF2B5EF4-FFF2-40B4-BE49-F238E27FC236}">
+                <a16:creationId xmlns:a16="http://schemas.microsoft.com/office/drawing/2014/main" id="{026E5410-3217-4F14-9408-84B1E0196EF0}"/>
+              </a:ext>
+            </a:extLst>
+          </p:cNvPr>
+          <p:cNvPicPr>
+            <a:picLocks noChangeAspect="1" noChangeArrowheads="1"/>
+          </p:cNvPicPr>
+          <p:nvPr/>
+        </p:nvPicPr>
+        <p:blipFill>
+          <a:blip r:embed="rId5">
+            <a:extLst>
+              <a:ext uri="{28A0092B-C50C-407E-A947-70E740481C1C}">
+                <a14:useLocalDpi xmlns:a14="http://schemas.microsoft.com/office/drawing/2010/main" val="0"/>
+              </a:ext>
+            </a:extLst>
+          </a:blip>
+          <a:srcRect/>
+          <a:stretch>
+            <a:fillRect/>
+          </a:stretch>
+        </p:blipFill>
+        <p:spPr bwMode="auto">
+          <a:xfrm>
+            <a:off x="127000" y="-9601200"/>
+            <a:ext cx="6667500" cy="5000625"/>
+          </a:xfrm>
+          <a:prstGeom prst="rect">
+            <a:avLst/>
+          </a:prstGeom>
+          <a:noFill/>
+          <a:extLst>
+            <a:ext uri="{909E8E84-426E-40DD-AFC4-6F175D3DCCD1}">
+              <a14:hiddenFill xmlns:a14="http://schemas.microsoft.com/office/drawing/2010/main">
+                <a:solidFill>
+                  <a:srgbClr val="FFFFFF"/>
+                </a:solidFill>
+              </a14:hiddenFill>
+            </a:ext>
+          </a:extLst>
+        </p:spPr>
+      </p:pic>
+      <p:pic>
+        <p:nvPicPr>
+          <p:cNvPr id="1031" name="Picture 7">
+            <a:extLst>
+              <a:ext uri="{FF2B5EF4-FFF2-40B4-BE49-F238E27FC236}">
+                <a16:creationId xmlns:a16="http://schemas.microsoft.com/office/drawing/2014/main" id="{42C0C556-3295-494A-9872-C940CFACF385}"/>
+              </a:ext>
+            </a:extLst>
+          </p:cNvPr>
+          <p:cNvPicPr>
+            <a:picLocks noChangeAspect="1" noChangeArrowheads="1"/>
+          </p:cNvPicPr>
+          <p:nvPr/>
+        </p:nvPicPr>
+        <p:blipFill>
+          <a:blip r:embed="rId6">
+            <a:extLst>
+              <a:ext uri="{28A0092B-C50C-407E-A947-70E740481C1C}">
+                <a14:useLocalDpi xmlns:a14="http://schemas.microsoft.com/office/drawing/2010/main" val="0"/>
+              </a:ext>
+            </a:extLst>
+          </a:blip>
+          <a:srcRect/>
+          <a:stretch>
+            <a:fillRect/>
+          </a:stretch>
+        </p:blipFill>
+        <p:spPr bwMode="auto">
+          <a:xfrm>
+            <a:off x="8756246" y="2456120"/>
+            <a:ext cx="3059575" cy="1708976"/>
+          </a:xfrm>
+          <a:prstGeom prst="rect">
+            <a:avLst/>
+          </a:prstGeom>
+          <a:noFill/>
+          <a:extLst>
+            <a:ext uri="{909E8E84-426E-40DD-AFC4-6F175D3DCCD1}">
+              <a14:hiddenFill xmlns:a14="http://schemas.microsoft.com/office/drawing/2010/main">
+                <a:solidFill>
+                  <a:srgbClr val="FFFFFF"/>
+                </a:solidFill>
+              </a14:hiddenFill>
+            </a:ext>
+          </a:extLst>
+        </p:spPr>
+      </p:pic>
+      <p:pic>
+        <p:nvPicPr>
+          <p:cNvPr id="1032" name="Picture 8">
+            <a:extLst>
+              <a:ext uri="{FF2B5EF4-FFF2-40B4-BE49-F238E27FC236}">
+                <a16:creationId xmlns:a16="http://schemas.microsoft.com/office/drawing/2014/main" id="{4277CC1B-9420-48C3-87A1-5D3E761673F6}"/>
+              </a:ext>
+            </a:extLst>
+          </p:cNvPr>
+          <p:cNvPicPr>
+            <a:picLocks noChangeAspect="1" noChangeArrowheads="1"/>
+          </p:cNvPicPr>
+          <p:nvPr/>
+        </p:nvPicPr>
+        <p:blipFill>
+          <a:blip r:embed="rId7">
+            <a:extLst>
+              <a:ext uri="{28A0092B-C50C-407E-A947-70E740481C1C}">
+                <a14:useLocalDpi xmlns:a14="http://schemas.microsoft.com/office/drawing/2010/main" val="0"/>
+              </a:ext>
+            </a:extLst>
+          </a:blip>
+          <a:srcRect/>
+          <a:stretch>
+            <a:fillRect/>
+          </a:stretch>
+        </p:blipFill>
+        <p:spPr bwMode="auto">
+          <a:xfrm>
+            <a:off x="4741747" y="4312391"/>
+            <a:ext cx="3302643" cy="2476983"/>
+          </a:xfrm>
+          <a:prstGeom prst="rect">
+            <a:avLst/>
+          </a:prstGeom>
+          <a:noFill/>
+          <a:extLst>
+            <a:ext uri="{909E8E84-426E-40DD-AFC4-6F175D3DCCD1}">
+              <a14:hiddenFill xmlns:a14="http://schemas.microsoft.com/office/drawing/2010/main">
+                <a:solidFill>
+                  <a:srgbClr val="FFFFFF"/>
+                </a:solidFill>
+              </a14:hiddenFill>
+            </a:ext>
+          </a:extLst>
+        </p:spPr>
+      </p:pic>
+      <p:pic>
+        <p:nvPicPr>
+          <p:cNvPr id="1033" name="Picture 9">
+            <a:extLst>
+              <a:ext uri="{FF2B5EF4-FFF2-40B4-BE49-F238E27FC236}">
+                <a16:creationId xmlns:a16="http://schemas.microsoft.com/office/drawing/2014/main" id="{A50FE1B9-9EE3-4D29-9202-C0D16C9D2FC9}"/>
+              </a:ext>
+            </a:extLst>
+          </p:cNvPr>
+          <p:cNvPicPr>
+            <a:picLocks noChangeAspect="1" noChangeArrowheads="1"/>
+          </p:cNvPicPr>
+          <p:nvPr/>
+        </p:nvPicPr>
+        <p:blipFill>
+          <a:blip r:embed="rId8">
+            <a:extLst>
+              <a:ext uri="{28A0092B-C50C-407E-A947-70E740481C1C}">
+                <a14:useLocalDpi xmlns:a14="http://schemas.microsoft.com/office/drawing/2010/main" val="0"/>
+              </a:ext>
+            </a:extLst>
+          </a:blip>
+          <a:srcRect/>
+          <a:stretch>
+            <a:fillRect/>
+          </a:stretch>
+        </p:blipFill>
+        <p:spPr bwMode="auto">
+          <a:xfrm>
+            <a:off x="127000" y="9236075"/>
+            <a:ext cx="6667500" cy="5000625"/>
+          </a:xfrm>
+          <a:prstGeom prst="rect">
+            <a:avLst/>
+          </a:prstGeom>
+          <a:noFill/>
+          <a:extLst>
+            <a:ext uri="{909E8E84-426E-40DD-AFC4-6F175D3DCCD1}">
+              <a14:hiddenFill xmlns:a14="http://schemas.microsoft.com/office/drawing/2010/main">
+                <a:solidFill>
+                  <a:srgbClr val="FFFFFF"/>
+                </a:solidFill>
+              </a14:hiddenFill>
+            </a:ext>
+          </a:extLst>
+        </p:spPr>
+      </p:pic>
+      <p:pic>
+        <p:nvPicPr>
+          <p:cNvPr id="1034" name="Picture 10">
+            <a:extLst>
+              <a:ext uri="{FF2B5EF4-FFF2-40B4-BE49-F238E27FC236}">
+                <a16:creationId xmlns:a16="http://schemas.microsoft.com/office/drawing/2014/main" id="{14CDA239-45F1-497D-BB29-B74DB8053272}"/>
+              </a:ext>
+            </a:extLst>
+          </p:cNvPr>
+          <p:cNvPicPr>
+            <a:picLocks noChangeAspect="1" noChangeArrowheads="1"/>
+          </p:cNvPicPr>
+          <p:nvPr/>
+        </p:nvPicPr>
+        <p:blipFill>
+          <a:blip r:embed="rId9">
+            <a:extLst>
+              <a:ext uri="{28A0092B-C50C-407E-A947-70E740481C1C}">
+                <a14:useLocalDpi xmlns:a14="http://schemas.microsoft.com/office/drawing/2010/main" val="0"/>
+              </a:ext>
+            </a:extLst>
+          </a:blip>
+          <a:srcRect/>
+          <a:stretch>
+            <a:fillRect/>
+          </a:stretch>
+        </p:blipFill>
+        <p:spPr bwMode="auto">
+          <a:xfrm>
+            <a:off x="127000" y="14036675"/>
+            <a:ext cx="6667500" cy="5000625"/>
+          </a:xfrm>
+          <a:prstGeom prst="rect">
+            <a:avLst/>
+          </a:prstGeom>
+          <a:noFill/>
+          <a:extLst>
+            <a:ext uri="{909E8E84-426E-40DD-AFC4-6F175D3DCCD1}">
+              <a14:hiddenFill xmlns:a14="http://schemas.microsoft.com/office/drawing/2010/main">
+                <a:solidFill>
+                  <a:srgbClr val="FFFFFF"/>
+                </a:solidFill>
+              </a14:hiddenFill>
+            </a:ext>
+          </a:extLst>
+        </p:spPr>
+      </p:pic>
+      <p:pic>
+        <p:nvPicPr>
+          <p:cNvPr id="1035" name="Picture 11">
+            <a:extLst>
+              <a:ext uri="{FF2B5EF4-FFF2-40B4-BE49-F238E27FC236}">
+                <a16:creationId xmlns:a16="http://schemas.microsoft.com/office/drawing/2014/main" id="{D6D58A71-2C22-49EE-8EEF-77D2C9485F43}"/>
+              </a:ext>
+            </a:extLst>
+          </p:cNvPr>
+          <p:cNvPicPr>
+            <a:picLocks noChangeAspect="1" noChangeArrowheads="1"/>
+          </p:cNvPicPr>
+          <p:nvPr/>
+        </p:nvPicPr>
+        <p:blipFill>
+          <a:blip r:embed="rId10">
+            <a:extLst>
+              <a:ext uri="{28A0092B-C50C-407E-A947-70E740481C1C}">
+                <a14:useLocalDpi xmlns:a14="http://schemas.microsoft.com/office/drawing/2010/main" val="0"/>
+              </a:ext>
+            </a:extLst>
+          </a:blip>
+          <a:srcRect/>
+          <a:stretch>
+            <a:fillRect/>
+          </a:stretch>
+        </p:blipFill>
+        <p:spPr bwMode="auto">
+          <a:xfrm>
+            <a:off x="127000" y="18837275"/>
+            <a:ext cx="6667500" cy="5000625"/>
+          </a:xfrm>
+          <a:prstGeom prst="rect">
+            <a:avLst/>
+          </a:prstGeom>
+          <a:noFill/>
+          <a:extLst>
+            <a:ext uri="{909E8E84-426E-40DD-AFC4-6F175D3DCCD1}">
+              <a14:hiddenFill xmlns:a14="http://schemas.microsoft.com/office/drawing/2010/main">
+                <a:solidFill>
+                  <a:srgbClr val="FFFFFF"/>
+                </a:solidFill>
+              </a14:hiddenFill>
+            </a:ext>
+          </a:extLst>
+        </p:spPr>
+      </p:pic>
+      <p:pic>
+        <p:nvPicPr>
+          <p:cNvPr id="1036" name="Picture 12">
+            <a:extLst>
+              <a:ext uri="{FF2B5EF4-FFF2-40B4-BE49-F238E27FC236}">
+                <a16:creationId xmlns:a16="http://schemas.microsoft.com/office/drawing/2014/main" id="{104C8779-B59D-4C69-8E4C-4003A00F349B}"/>
+              </a:ext>
+            </a:extLst>
+          </p:cNvPr>
+          <p:cNvPicPr>
+            <a:picLocks noChangeAspect="1" noChangeArrowheads="1"/>
+          </p:cNvPicPr>
+          <p:nvPr/>
+        </p:nvPicPr>
+        <p:blipFill>
+          <a:blip r:embed="rId2">
+            <a:extLst>
+              <a:ext uri="{28A0092B-C50C-407E-A947-70E740481C1C}">
+                <a14:useLocalDpi xmlns:a14="http://schemas.microsoft.com/office/drawing/2010/main" val="0"/>
+              </a:ext>
+            </a:extLst>
+          </a:blip>
+          <a:srcRect/>
+          <a:stretch>
+            <a:fillRect/>
+          </a:stretch>
+        </p:blipFill>
+        <p:spPr bwMode="auto">
+          <a:xfrm>
+            <a:off x="56378" y="200024"/>
+            <a:ext cx="4577590" cy="3433193"/>
+          </a:xfrm>
+          <a:prstGeom prst="rect">
+            <a:avLst/>
+          </a:prstGeom>
+          <a:noFill/>
+          <a:extLst>
+            <a:ext uri="{909E8E84-426E-40DD-AFC4-6F175D3DCCD1}">
+              <a14:hiddenFill xmlns:a14="http://schemas.microsoft.com/office/drawing/2010/main">
+                <a:solidFill>
+                  <a:srgbClr val="FFFFFF"/>
+                </a:solidFill>
+              </a14:hiddenFill>
+            </a:ext>
+          </a:extLst>
+        </p:spPr>
+      </p:pic>
+      <p:pic>
+        <p:nvPicPr>
+          <p:cNvPr id="1037" name="Picture 13">
+            <a:extLst>
+              <a:ext uri="{FF2B5EF4-FFF2-40B4-BE49-F238E27FC236}">
+                <a16:creationId xmlns:a16="http://schemas.microsoft.com/office/drawing/2014/main" id="{70DD5886-C6CC-4CD2-91CB-49E354F9F03C}"/>
+              </a:ext>
+            </a:extLst>
+          </p:cNvPr>
+          <p:cNvPicPr>
+            <a:picLocks noChangeAspect="1" noChangeArrowheads="1"/>
+          </p:cNvPicPr>
+          <p:nvPr/>
+        </p:nvPicPr>
+        <p:blipFill>
+          <a:blip r:embed="rId3">
+            <a:extLst>
+              <a:ext uri="{28A0092B-C50C-407E-A947-70E740481C1C}">
+                <a14:useLocalDpi xmlns:a14="http://schemas.microsoft.com/office/drawing/2010/main" val="0"/>
+              </a:ext>
+            </a:extLst>
+          </a:blip>
+          <a:srcRect/>
+          <a:stretch>
+            <a:fillRect/>
+          </a:stretch>
+        </p:blipFill>
+        <p:spPr bwMode="auto">
+          <a:xfrm>
+            <a:off x="4540332" y="113851"/>
+            <a:ext cx="3727048" cy="1846509"/>
+          </a:xfrm>
+          <a:prstGeom prst="rect">
+            <a:avLst/>
+          </a:prstGeom>
+          <a:noFill/>
+          <a:extLst>
+            <a:ext uri="{909E8E84-426E-40DD-AFC4-6F175D3DCCD1}">
+              <a14:hiddenFill xmlns:a14="http://schemas.microsoft.com/office/drawing/2010/main">
+                <a:solidFill>
+                  <a:srgbClr val="FFFFFF"/>
+                </a:solidFill>
+              </a14:hiddenFill>
+            </a:ext>
+          </a:extLst>
+        </p:spPr>
+      </p:pic>
+      <p:pic>
+        <p:nvPicPr>
+          <p:cNvPr id="1038" name="Picture 14">
+            <a:extLst>
+              <a:ext uri="{FF2B5EF4-FFF2-40B4-BE49-F238E27FC236}">
+                <a16:creationId xmlns:a16="http://schemas.microsoft.com/office/drawing/2014/main" id="{1D1D0080-E6D1-4D51-A892-7FB11BBB68DE}"/>
+              </a:ext>
+            </a:extLst>
+          </p:cNvPr>
+          <p:cNvPicPr>
+            <a:picLocks noChangeAspect="1" noChangeArrowheads="1"/>
+          </p:cNvPicPr>
+          <p:nvPr/>
+        </p:nvPicPr>
+        <p:blipFill>
+          <a:blip r:embed="rId5">
+            <a:extLst>
+              <a:ext uri="{28A0092B-C50C-407E-A947-70E740481C1C}">
+                <a14:useLocalDpi xmlns:a14="http://schemas.microsoft.com/office/drawing/2010/main" val="0"/>
+              </a:ext>
+            </a:extLst>
+          </a:blip>
+          <a:srcRect/>
+          <a:stretch>
+            <a:fillRect/>
+          </a:stretch>
+        </p:blipFill>
+        <p:spPr bwMode="auto">
+          <a:xfrm>
+            <a:off x="4828385" y="1968291"/>
+            <a:ext cx="3114890" cy="2336168"/>
+          </a:xfrm>
+          <a:prstGeom prst="rect">
+            <a:avLst/>
+          </a:prstGeom>
+          <a:noFill/>
+          <a:extLst>
+            <a:ext uri="{909E8E84-426E-40DD-AFC4-6F175D3DCCD1}">
+              <a14:hiddenFill xmlns:a14="http://schemas.microsoft.com/office/drawing/2010/main">
+                <a:solidFill>
+                  <a:srgbClr val="FFFFFF"/>
+                </a:solidFill>
+              </a14:hiddenFill>
+            </a:ext>
+          </a:extLst>
+        </p:spPr>
+      </p:pic>
+      <p:pic>
+        <p:nvPicPr>
+          <p:cNvPr id="1039" name="Picture 15">
+            <a:extLst>
+              <a:ext uri="{FF2B5EF4-FFF2-40B4-BE49-F238E27FC236}">
+                <a16:creationId xmlns:a16="http://schemas.microsoft.com/office/drawing/2014/main" id="{C1208B76-EBBE-4F6B-A2F4-F1403FA093BE}"/>
+              </a:ext>
+            </a:extLst>
+          </p:cNvPr>
+          <p:cNvPicPr>
+            <a:picLocks noChangeAspect="1" noChangeArrowheads="1"/>
+          </p:cNvPicPr>
+          <p:nvPr/>
+        </p:nvPicPr>
+        <p:blipFill>
+          <a:blip r:embed="rId8">
+            <a:extLst>
+              <a:ext uri="{28A0092B-C50C-407E-A947-70E740481C1C}">
+                <a14:useLocalDpi xmlns:a14="http://schemas.microsoft.com/office/drawing/2010/main" val="0"/>
+              </a:ext>
+            </a:extLst>
+          </a:blip>
+          <a:srcRect/>
+          <a:stretch>
+            <a:fillRect/>
+          </a:stretch>
+        </p:blipFill>
+        <p:spPr bwMode="auto">
+          <a:xfrm>
+            <a:off x="8662444" y="4165096"/>
+            <a:ext cx="3302643" cy="2476982"/>
+          </a:xfrm>
+          <a:prstGeom prst="rect">
+            <a:avLst/>
+          </a:prstGeom>
+          <a:noFill/>
+          <a:extLst>
+            <a:ext uri="{909E8E84-426E-40DD-AFC4-6F175D3DCCD1}">
+              <a14:hiddenFill xmlns:a14="http://schemas.microsoft.com/office/drawing/2010/main">
+                <a:solidFill>
+                  <a:srgbClr val="FFFFFF"/>
+                </a:solidFill>
+              </a14:hiddenFill>
+            </a:ext>
+          </a:extLst>
+        </p:spPr>
+      </p:pic>
+      <p:pic>
+        <p:nvPicPr>
+          <p:cNvPr id="1040" name="Picture 16">
+            <a:extLst>
+              <a:ext uri="{FF2B5EF4-FFF2-40B4-BE49-F238E27FC236}">
+                <a16:creationId xmlns:a16="http://schemas.microsoft.com/office/drawing/2014/main" id="{7A4846BF-89B6-4052-943D-124DCAE458D0}"/>
+              </a:ext>
+            </a:extLst>
+          </p:cNvPr>
+          <p:cNvPicPr>
+            <a:picLocks noChangeAspect="1" noChangeArrowheads="1"/>
+          </p:cNvPicPr>
+          <p:nvPr/>
+        </p:nvPicPr>
+        <p:blipFill>
+          <a:blip r:embed="rId9">
+            <a:extLst>
+              <a:ext uri="{28A0092B-C50C-407E-A947-70E740481C1C}">
+                <a14:useLocalDpi xmlns:a14="http://schemas.microsoft.com/office/drawing/2010/main" val="0"/>
+              </a:ext>
+            </a:extLst>
+          </a:blip>
+          <a:srcRect/>
+          <a:stretch>
+            <a:fillRect/>
+          </a:stretch>
+        </p:blipFill>
+        <p:spPr bwMode="auto">
+          <a:xfrm>
+            <a:off x="9178724" y="73500"/>
+            <a:ext cx="2845441" cy="2134081"/>
+          </a:xfrm>
+          <a:prstGeom prst="rect">
+            <a:avLst/>
+          </a:prstGeom>
+          <a:noFill/>
+          <a:extLst>
+            <a:ext uri="{909E8E84-426E-40DD-AFC4-6F175D3DCCD1}">
+              <a14:hiddenFill xmlns:a14="http://schemas.microsoft.com/office/drawing/2010/main">
+                <a:solidFill>
+                  <a:srgbClr val="FFFFFF"/>
+                </a:solidFill>
+              </a14:hiddenFill>
+            </a:ext>
+          </a:extLst>
+        </p:spPr>
+      </p:pic>
+      <p:pic>
+        <p:nvPicPr>
+          <p:cNvPr id="1041" name="Picture 17">
+            <a:extLst>
+              <a:ext uri="{FF2B5EF4-FFF2-40B4-BE49-F238E27FC236}">
+                <a16:creationId xmlns:a16="http://schemas.microsoft.com/office/drawing/2014/main" id="{8F4C5C7D-0753-40EC-9250-F984CABE3A5C}"/>
+              </a:ext>
+            </a:extLst>
+          </p:cNvPr>
+          <p:cNvPicPr>
+            <a:picLocks noChangeAspect="1" noChangeArrowheads="1"/>
+          </p:cNvPicPr>
+          <p:nvPr/>
+        </p:nvPicPr>
+        <p:blipFill>
+          <a:blip r:embed="rId4">
+            <a:extLst>
+              <a:ext uri="{28A0092B-C50C-407E-A947-70E740481C1C}">
+                <a14:useLocalDpi xmlns:a14="http://schemas.microsoft.com/office/drawing/2010/main" val="0"/>
+              </a:ext>
+            </a:extLst>
+          </a:blip>
+          <a:srcRect/>
+          <a:stretch>
+            <a:fillRect/>
+          </a:stretch>
+        </p:blipFill>
+        <p:spPr bwMode="auto">
+          <a:xfrm>
+            <a:off x="126574" y="3633218"/>
+            <a:ext cx="4192350" cy="3144262"/>
+          </a:xfrm>
+          <a:prstGeom prst="rect">
+            <a:avLst/>
+          </a:prstGeom>
+          <a:noFill/>
+          <a:extLst>
+            <a:ext uri="{909E8E84-426E-40DD-AFC4-6F175D3DCCD1}">
+              <a14:hiddenFill xmlns:a14="http://schemas.microsoft.com/office/drawing/2010/main">
+                <a:solidFill>
+                  <a:srgbClr val="FFFFFF"/>
+                </a:solidFill>
+              </a14:hiddenFill>
+            </a:ext>
+          </a:extLst>
+        </p:spPr>
+      </p:pic>
+    </p:spTree>
+    <p:extLst>
+      <p:ext uri="{BB962C8B-B14F-4D97-AF65-F5344CB8AC3E}">
+        <p14:creationId xmlns:p14="http://schemas.microsoft.com/office/powerpoint/2010/main" val="2898554826"/>
+      </p:ext>
+    </p:extLst>
+  </p:cSld>
+  <p:clrMapOvr>
+    <a:masterClrMapping/>
+  </p:clrMapOvr>
+</p:sld>
+</file>
+
+<file path=ppt/slides/slide17.xml><?xml version="1.0" encoding="utf-8"?>
 <p:sld xmlns:a="http://schemas.openxmlformats.org/drawingml/2006/main" xmlns:r="http://schemas.openxmlformats.org/officeDocument/2006/relationships" xmlns:p="http://schemas.openxmlformats.org/presentationml/2006/main">
   <p:cSld>
     <p:spTree>

--- a/Master's meetings presentation.pptx
+++ b/Master's meetings presentation.pptx
@@ -2440,7 +2440,7 @@
 <dgm:dataModel xmlns:dgm="http://schemas.openxmlformats.org/drawingml/2006/diagram" xmlns:a="http://schemas.openxmlformats.org/drawingml/2006/main">
   <dgm:ptLst>
     <dgm:pt modelId="{CDE4AA0B-5F06-4BD9-BB42-A3C5FE46EDD5}" type="doc">
-      <dgm:prSet loTypeId="urn:microsoft.com/office/officeart/2005/8/layout/process5" loCatId="process" qsTypeId="urn:microsoft.com/office/officeart/2005/8/quickstyle/3d3" qsCatId="3D" csTypeId="urn:microsoft.com/office/officeart/2005/8/colors/accent0_1" csCatId="mainScheme" phldr="1"/>
+      <dgm:prSet loTypeId="urn:microsoft.com/office/officeart/2005/8/layout/process5" loCatId="process" qsTypeId="urn:microsoft.com/office/officeart/2005/8/quickstyle/simple1" qsCatId="simple" csTypeId="urn:microsoft.com/office/officeart/2005/8/colors/accent0_1" csCatId="mainScheme" phldr="1"/>
       <dgm:spPr/>
     </dgm:pt>
     <dgm:pt modelId="{FB1CB032-2E4F-42E3-AC99-E83CFD9D0C41}">
@@ -3018,7 +3018,7 @@
         </a:p>
       </dgm:t>
     </dgm:pt>
-    <dgm:pt modelId="{5BD61685-EFEA-46D1-8EAC-C7F5FA652F5A}" type="pres">
+    <dgm:pt modelId="{DD3C201D-6F0E-4E80-8A4B-54BFE3AB5355}" type="pres">
       <dgm:prSet presAssocID="{CDE4AA0B-5F06-4BD9-BB42-A3C5FE46EDD5}" presName="diagram" presStyleCnt="0">
         <dgm:presLayoutVars>
           <dgm:dir/>
@@ -3027,7 +3027,7 @@
       </dgm:prSet>
       <dgm:spPr/>
     </dgm:pt>
-    <dgm:pt modelId="{8D0241DE-6AAC-4256-9E26-64AD3F43CDBB}" type="pres">
+    <dgm:pt modelId="{D8CE9071-4049-4819-A4D8-5167789C7C51}" type="pres">
       <dgm:prSet presAssocID="{FB1CB032-2E4F-42E3-AC99-E83CFD9D0C41}" presName="node" presStyleLbl="node1" presStyleIdx="0" presStyleCnt="15">
         <dgm:presLayoutVars>
           <dgm:bulletEnabled val="1"/>
@@ -3035,15 +3035,15 @@
       </dgm:prSet>
       <dgm:spPr/>
     </dgm:pt>
-    <dgm:pt modelId="{E5FE6FB6-CC7E-4A7D-AAD3-A1B8B90A387C}" type="pres">
+    <dgm:pt modelId="{D8BC0FC3-1732-4A41-910A-DC713AC915F0}" type="pres">
       <dgm:prSet presAssocID="{51AC868D-C5E3-446C-B42D-B2F6B6ADBEEF}" presName="sibTrans" presStyleLbl="sibTrans2D1" presStyleIdx="0" presStyleCnt="14"/>
       <dgm:spPr/>
     </dgm:pt>
-    <dgm:pt modelId="{BDEC236D-2E8B-43AC-AD2E-7FCAE4266E42}" type="pres">
+    <dgm:pt modelId="{14A77041-243A-4B4E-AFB6-5564FDEED79A}" type="pres">
       <dgm:prSet presAssocID="{51AC868D-C5E3-446C-B42D-B2F6B6ADBEEF}" presName="connectorText" presStyleLbl="sibTrans2D1" presStyleIdx="0" presStyleCnt="14"/>
       <dgm:spPr/>
     </dgm:pt>
-    <dgm:pt modelId="{AE445B88-DC01-4FCA-A481-B4C32925223B}" type="pres">
+    <dgm:pt modelId="{D262D2C9-DD8B-435E-BD6B-2A90010EE04B}" type="pres">
       <dgm:prSet presAssocID="{47D5DD2B-C168-44CD-81E3-F2673A343299}" presName="node" presStyleLbl="node1" presStyleIdx="1" presStyleCnt="15">
         <dgm:presLayoutVars>
           <dgm:bulletEnabled val="1"/>
@@ -3051,15 +3051,15 @@
       </dgm:prSet>
       <dgm:spPr/>
     </dgm:pt>
-    <dgm:pt modelId="{ED444A14-DA62-4744-B946-403D32E225A0}" type="pres">
+    <dgm:pt modelId="{68C0E020-4FD0-4491-BAE4-B0295B8EB972}" type="pres">
       <dgm:prSet presAssocID="{74EA2338-CB9C-4403-BAF6-7ABBFA33645C}" presName="sibTrans" presStyleLbl="sibTrans2D1" presStyleIdx="1" presStyleCnt="14"/>
       <dgm:spPr/>
     </dgm:pt>
-    <dgm:pt modelId="{C5346EBF-FCC3-4C23-A68D-A5863D3FBBA7}" type="pres">
+    <dgm:pt modelId="{54104EE3-829A-4FA2-AEE6-EB6EC90522B7}" type="pres">
       <dgm:prSet presAssocID="{74EA2338-CB9C-4403-BAF6-7ABBFA33645C}" presName="connectorText" presStyleLbl="sibTrans2D1" presStyleIdx="1" presStyleCnt="14"/>
       <dgm:spPr/>
     </dgm:pt>
-    <dgm:pt modelId="{F46EE843-9331-4658-BB07-9E488F6BE40F}" type="pres">
+    <dgm:pt modelId="{AC5DA3F6-BC12-4EFB-8885-CBED78A91B80}" type="pres">
       <dgm:prSet presAssocID="{37E92ECD-7D5C-4CCA-B6F2-FCB64D1C662B}" presName="node" presStyleLbl="node1" presStyleIdx="2" presStyleCnt="15">
         <dgm:presLayoutVars>
           <dgm:bulletEnabled val="1"/>
@@ -3067,15 +3067,15 @@
       </dgm:prSet>
       <dgm:spPr/>
     </dgm:pt>
-    <dgm:pt modelId="{2B2B9ABD-C83B-408B-9C62-8BCF95D32E0E}" type="pres">
+    <dgm:pt modelId="{7AF6076B-F6E4-48D2-B941-932FBF7B5BF8}" type="pres">
       <dgm:prSet presAssocID="{F7548BA1-AB8C-4CEB-945D-12F806610994}" presName="sibTrans" presStyleLbl="sibTrans2D1" presStyleIdx="2" presStyleCnt="14"/>
       <dgm:spPr/>
     </dgm:pt>
-    <dgm:pt modelId="{E162542E-51C1-447F-8CEF-84EDCBA169EC}" type="pres">
+    <dgm:pt modelId="{8894FEA4-08FF-40D1-BEBA-E252738416C6}" type="pres">
       <dgm:prSet presAssocID="{F7548BA1-AB8C-4CEB-945D-12F806610994}" presName="connectorText" presStyleLbl="sibTrans2D1" presStyleIdx="2" presStyleCnt="14"/>
       <dgm:spPr/>
     </dgm:pt>
-    <dgm:pt modelId="{E1B631AD-BBC2-4EDF-B8AF-97B4C55E6634}" type="pres">
+    <dgm:pt modelId="{BDC9D4F9-6BFA-4FBD-ABCD-1E6096C92643}" type="pres">
       <dgm:prSet presAssocID="{2FE520D4-4C2D-44DC-918D-77C1D1D78EB9}" presName="node" presStyleLbl="node1" presStyleIdx="3" presStyleCnt="15">
         <dgm:presLayoutVars>
           <dgm:bulletEnabled val="1"/>
@@ -3083,15 +3083,15 @@
       </dgm:prSet>
       <dgm:spPr/>
     </dgm:pt>
-    <dgm:pt modelId="{AFA14F17-7D20-4997-B6B3-B68C9189D6AE}" type="pres">
+    <dgm:pt modelId="{5EBDDE8C-1468-4CA2-9D2A-300F69E062E0}" type="pres">
       <dgm:prSet presAssocID="{4F48D43F-60A8-46CA-ABB7-394A2F5C667C}" presName="sibTrans" presStyleLbl="sibTrans2D1" presStyleIdx="3" presStyleCnt="14"/>
       <dgm:spPr/>
     </dgm:pt>
-    <dgm:pt modelId="{7B47C134-96BE-4C55-93AC-837215C84E97}" type="pres">
+    <dgm:pt modelId="{7DA26E4B-50EA-43A1-BA6A-2BC6B90858A8}" type="pres">
       <dgm:prSet presAssocID="{4F48D43F-60A8-46CA-ABB7-394A2F5C667C}" presName="connectorText" presStyleLbl="sibTrans2D1" presStyleIdx="3" presStyleCnt="14"/>
       <dgm:spPr/>
     </dgm:pt>
-    <dgm:pt modelId="{698E58E8-AF14-4031-A07C-A81D1EE1B47E}" type="pres">
+    <dgm:pt modelId="{C58AF20F-1669-42BD-9ACE-636E78C80D8D}" type="pres">
       <dgm:prSet presAssocID="{D9CED4B3-B54E-414C-B1E1-7BB7F935BC9C}" presName="node" presStyleLbl="node1" presStyleIdx="4" presStyleCnt="15">
         <dgm:presLayoutVars>
           <dgm:bulletEnabled val="1"/>
@@ -3099,15 +3099,15 @@
       </dgm:prSet>
       <dgm:spPr/>
     </dgm:pt>
-    <dgm:pt modelId="{4AAFA0DD-427F-4A02-AB70-3B417E712B3A}" type="pres">
+    <dgm:pt modelId="{7557190D-BD84-403C-8960-28C9063E0A41}" type="pres">
       <dgm:prSet presAssocID="{E5BFD00D-A1FF-4783-AF22-0707B739E7DE}" presName="sibTrans" presStyleLbl="sibTrans2D1" presStyleIdx="4" presStyleCnt="14"/>
       <dgm:spPr/>
     </dgm:pt>
-    <dgm:pt modelId="{234403FD-10B0-4917-8A6D-84BC4AC222D9}" type="pres">
+    <dgm:pt modelId="{AF370918-BBE7-47DE-9DDB-042D6DBD5351}" type="pres">
       <dgm:prSet presAssocID="{E5BFD00D-A1FF-4783-AF22-0707B739E7DE}" presName="connectorText" presStyleLbl="sibTrans2D1" presStyleIdx="4" presStyleCnt="14"/>
       <dgm:spPr/>
     </dgm:pt>
-    <dgm:pt modelId="{392791E9-5F4B-4A5D-9FA8-CE02DFB0F3B7}" type="pres">
+    <dgm:pt modelId="{CEA0BD65-F717-4769-8AAE-60686BDF38C6}" type="pres">
       <dgm:prSet presAssocID="{CAF7ED6A-33B4-4AC9-9016-D2C2B48CC68B}" presName="node" presStyleLbl="node1" presStyleIdx="5" presStyleCnt="15">
         <dgm:presLayoutVars>
           <dgm:bulletEnabled val="1"/>
@@ -3115,15 +3115,15 @@
       </dgm:prSet>
       <dgm:spPr/>
     </dgm:pt>
-    <dgm:pt modelId="{CFEF9A24-ECDB-444A-AB45-0FBA21847897}" type="pres">
+    <dgm:pt modelId="{410531A4-8815-4C70-A912-5F4BFF301227}" type="pres">
       <dgm:prSet presAssocID="{9D1DBAF5-A177-4549-AF7E-9F54CDCC0D0B}" presName="sibTrans" presStyleLbl="sibTrans2D1" presStyleIdx="5" presStyleCnt="14"/>
       <dgm:spPr/>
     </dgm:pt>
-    <dgm:pt modelId="{9DFB2884-E0D6-4CFA-B761-B53B83D4D073}" type="pres">
+    <dgm:pt modelId="{5751433D-ADA2-46FB-B9AA-C072072411AA}" type="pres">
       <dgm:prSet presAssocID="{9D1DBAF5-A177-4549-AF7E-9F54CDCC0D0B}" presName="connectorText" presStyleLbl="sibTrans2D1" presStyleIdx="5" presStyleCnt="14"/>
       <dgm:spPr/>
     </dgm:pt>
-    <dgm:pt modelId="{A8C86915-318E-4FAB-860D-17954FCE7779}" type="pres">
+    <dgm:pt modelId="{341AA5BA-4B19-42C6-8956-FA95EC009B5C}" type="pres">
       <dgm:prSet presAssocID="{03909401-4526-43BB-B2C8-7FEF824CE94A}" presName="node" presStyleLbl="node1" presStyleIdx="6" presStyleCnt="15">
         <dgm:presLayoutVars>
           <dgm:bulletEnabled val="1"/>
@@ -3131,15 +3131,15 @@
       </dgm:prSet>
       <dgm:spPr/>
     </dgm:pt>
-    <dgm:pt modelId="{FA5F4AB8-BF6B-4051-86D7-68585D786623}" type="pres">
+    <dgm:pt modelId="{4B7269C3-4712-4AFA-A269-612EBE88A570}" type="pres">
       <dgm:prSet presAssocID="{1BE9B9AC-2847-4D1D-9B3A-95528B4026F9}" presName="sibTrans" presStyleLbl="sibTrans2D1" presStyleIdx="6" presStyleCnt="14"/>
       <dgm:spPr/>
     </dgm:pt>
-    <dgm:pt modelId="{6E7E26B3-49A5-4080-9343-56991CB4723C}" type="pres">
+    <dgm:pt modelId="{07A07C47-5489-4A8A-A94A-24D34432A1A3}" type="pres">
       <dgm:prSet presAssocID="{1BE9B9AC-2847-4D1D-9B3A-95528B4026F9}" presName="connectorText" presStyleLbl="sibTrans2D1" presStyleIdx="6" presStyleCnt="14"/>
       <dgm:spPr/>
     </dgm:pt>
-    <dgm:pt modelId="{950E5EBE-44BB-4C92-9EE4-BC22460A4EF9}" type="pres">
+    <dgm:pt modelId="{17C43CC8-89E5-42D9-897A-A0E634920B88}" type="pres">
       <dgm:prSet presAssocID="{9D5190EE-90E8-4688-ACFD-DD1D70934FBD}" presName="node" presStyleLbl="node1" presStyleIdx="7" presStyleCnt="15">
         <dgm:presLayoutVars>
           <dgm:bulletEnabled val="1"/>
@@ -3147,15 +3147,15 @@
       </dgm:prSet>
       <dgm:spPr/>
     </dgm:pt>
-    <dgm:pt modelId="{46AA52BC-8B6D-46A3-A636-CF9997F06AA4}" type="pres">
+    <dgm:pt modelId="{753DAADC-2DC2-4646-8545-1D7C89C91F5A}" type="pres">
       <dgm:prSet presAssocID="{F5F65E4D-82C4-4F09-9442-76B3337D509D}" presName="sibTrans" presStyleLbl="sibTrans2D1" presStyleIdx="7" presStyleCnt="14"/>
       <dgm:spPr/>
     </dgm:pt>
-    <dgm:pt modelId="{803980FC-9D68-4298-A4D7-ECFD6CFD77FD}" type="pres">
+    <dgm:pt modelId="{0B087793-5D7E-4ADA-835F-F373F886BEAA}" type="pres">
       <dgm:prSet presAssocID="{F5F65E4D-82C4-4F09-9442-76B3337D509D}" presName="connectorText" presStyleLbl="sibTrans2D1" presStyleIdx="7" presStyleCnt="14"/>
       <dgm:spPr/>
     </dgm:pt>
-    <dgm:pt modelId="{49308249-96A5-498C-8AC7-09736140A2A8}" type="pres">
+    <dgm:pt modelId="{2CA64BA6-F8FC-4DB6-8782-658549C2A2F5}" type="pres">
       <dgm:prSet presAssocID="{8F3F4507-EBFA-48D9-90DA-32B749CEA48E}" presName="node" presStyleLbl="node1" presStyleIdx="8" presStyleCnt="15">
         <dgm:presLayoutVars>
           <dgm:bulletEnabled val="1"/>
@@ -3163,15 +3163,15 @@
       </dgm:prSet>
       <dgm:spPr/>
     </dgm:pt>
-    <dgm:pt modelId="{7BF54FDC-96D6-4CEB-B263-D3B76D35F08D}" type="pres">
+    <dgm:pt modelId="{C8DC4A97-B93F-49C9-A57A-6ED88871F429}" type="pres">
       <dgm:prSet presAssocID="{00E75FAF-9A0E-4DA8-A5DD-FC4E8C0ADA8F}" presName="sibTrans" presStyleLbl="sibTrans2D1" presStyleIdx="8" presStyleCnt="14"/>
       <dgm:spPr/>
     </dgm:pt>
-    <dgm:pt modelId="{5E0E70C2-F2A8-4577-B34E-60B0163DDDE2}" type="pres">
+    <dgm:pt modelId="{BAAC5FEA-FA57-400D-8C70-0A96EBCF3498}" type="pres">
       <dgm:prSet presAssocID="{00E75FAF-9A0E-4DA8-A5DD-FC4E8C0ADA8F}" presName="connectorText" presStyleLbl="sibTrans2D1" presStyleIdx="8" presStyleCnt="14"/>
       <dgm:spPr/>
     </dgm:pt>
-    <dgm:pt modelId="{BC801E3C-457A-409A-B127-A8456892A3E7}" type="pres">
+    <dgm:pt modelId="{7A916C5C-A383-4442-8ABE-0E566FAF7F88}" type="pres">
       <dgm:prSet presAssocID="{90AC0117-74CB-4956-BEF9-713A80FB6BDB}" presName="node" presStyleLbl="node1" presStyleIdx="9" presStyleCnt="15">
         <dgm:presLayoutVars>
           <dgm:bulletEnabled val="1"/>
@@ -3179,15 +3179,15 @@
       </dgm:prSet>
       <dgm:spPr/>
     </dgm:pt>
-    <dgm:pt modelId="{4FFE8EC9-D9A2-40A7-A437-D999A4E561AD}" type="pres">
+    <dgm:pt modelId="{F09400A7-1C09-4CAA-8CEC-B5CC4FCF0436}" type="pres">
       <dgm:prSet presAssocID="{0EF9CF17-6B6A-4250-967C-C41A4A825FF9}" presName="sibTrans" presStyleLbl="sibTrans2D1" presStyleIdx="9" presStyleCnt="14"/>
       <dgm:spPr/>
     </dgm:pt>
-    <dgm:pt modelId="{10EA3286-211D-46AB-9E8F-954B658B9276}" type="pres">
+    <dgm:pt modelId="{E52CB78F-1830-4D1F-86FE-30FF2625FC56}" type="pres">
       <dgm:prSet presAssocID="{0EF9CF17-6B6A-4250-967C-C41A4A825FF9}" presName="connectorText" presStyleLbl="sibTrans2D1" presStyleIdx="9" presStyleCnt="14"/>
       <dgm:spPr/>
     </dgm:pt>
-    <dgm:pt modelId="{9F885388-DD9F-4FC9-B8FD-7AEB89374FF2}" type="pres">
+    <dgm:pt modelId="{3B377935-DD62-49ED-861C-ADAE53057C46}" type="pres">
       <dgm:prSet presAssocID="{2853FD51-99DB-4110-8FF7-3CF4CD15FD29}" presName="node" presStyleLbl="node1" presStyleIdx="10" presStyleCnt="15">
         <dgm:presLayoutVars>
           <dgm:bulletEnabled val="1"/>
@@ -3195,15 +3195,15 @@
       </dgm:prSet>
       <dgm:spPr/>
     </dgm:pt>
-    <dgm:pt modelId="{82A205C9-B43F-4750-8554-98B9F4070306}" type="pres">
+    <dgm:pt modelId="{E0F896DA-1C5B-4BB5-9200-9DB6D15CD0F4}" type="pres">
       <dgm:prSet presAssocID="{54A618FA-50AE-40D3-A867-4BE0E473E5D5}" presName="sibTrans" presStyleLbl="sibTrans2D1" presStyleIdx="10" presStyleCnt="14"/>
       <dgm:spPr/>
     </dgm:pt>
-    <dgm:pt modelId="{9607A927-0406-4927-9141-DA4EF53542AA}" type="pres">
+    <dgm:pt modelId="{F613C6D6-D82E-4D35-B82B-BDF59FF814FF}" type="pres">
       <dgm:prSet presAssocID="{54A618FA-50AE-40D3-A867-4BE0E473E5D5}" presName="connectorText" presStyleLbl="sibTrans2D1" presStyleIdx="10" presStyleCnt="14"/>
       <dgm:spPr/>
     </dgm:pt>
-    <dgm:pt modelId="{FBCBAEE7-C221-48EF-A1A6-E811F960AB76}" type="pres">
+    <dgm:pt modelId="{0D152BF3-CDA8-438C-9FBF-80B154BE6C02}" type="pres">
       <dgm:prSet presAssocID="{FFE1BB70-6F2D-4347-BEDF-D8F830EC40E7}" presName="node" presStyleLbl="node1" presStyleIdx="11" presStyleCnt="15">
         <dgm:presLayoutVars>
           <dgm:bulletEnabled val="1"/>
@@ -3211,15 +3211,15 @@
       </dgm:prSet>
       <dgm:spPr/>
     </dgm:pt>
-    <dgm:pt modelId="{61B62871-FB35-4F21-8737-103845057CBF}" type="pres">
+    <dgm:pt modelId="{3C1633DE-B658-47F6-9062-D832C6035B5D}" type="pres">
       <dgm:prSet presAssocID="{1B688F23-BB39-4C54-BF1C-5B1DE45DF827}" presName="sibTrans" presStyleLbl="sibTrans2D1" presStyleIdx="11" presStyleCnt="14"/>
       <dgm:spPr/>
     </dgm:pt>
-    <dgm:pt modelId="{8E230428-6428-4476-9C7F-2D74146CF5BB}" type="pres">
+    <dgm:pt modelId="{96BC49EA-65BD-4002-BF42-F4F2AA393C28}" type="pres">
       <dgm:prSet presAssocID="{1B688F23-BB39-4C54-BF1C-5B1DE45DF827}" presName="connectorText" presStyleLbl="sibTrans2D1" presStyleIdx="11" presStyleCnt="14"/>
       <dgm:spPr/>
     </dgm:pt>
-    <dgm:pt modelId="{F5037606-C157-4155-BED8-849633FCB3A8}" type="pres">
+    <dgm:pt modelId="{92184039-C2F0-49BA-9552-41BCEBCC15D8}" type="pres">
       <dgm:prSet presAssocID="{AFBFDAA9-83D6-432F-901D-87A0890536EF}" presName="node" presStyleLbl="node1" presStyleIdx="12" presStyleCnt="15">
         <dgm:presLayoutVars>
           <dgm:bulletEnabled val="1"/>
@@ -3227,15 +3227,15 @@
       </dgm:prSet>
       <dgm:spPr/>
     </dgm:pt>
-    <dgm:pt modelId="{8E93EF29-2DA9-4450-A94E-E84C7B43096D}" type="pres">
+    <dgm:pt modelId="{EF4EE57F-91C1-43A1-A371-A8AAD541BC2A}" type="pres">
       <dgm:prSet presAssocID="{C2DAEA33-3A24-40F8-9C82-54578B2CCB12}" presName="sibTrans" presStyleLbl="sibTrans2D1" presStyleIdx="12" presStyleCnt="14"/>
       <dgm:spPr/>
     </dgm:pt>
-    <dgm:pt modelId="{778A386A-4C20-4FF7-83E2-F3C8471FE77A}" type="pres">
+    <dgm:pt modelId="{D0A73825-3220-4CB7-8032-F0492EDBDBE9}" type="pres">
       <dgm:prSet presAssocID="{C2DAEA33-3A24-40F8-9C82-54578B2CCB12}" presName="connectorText" presStyleLbl="sibTrans2D1" presStyleIdx="12" presStyleCnt="14"/>
       <dgm:spPr/>
     </dgm:pt>
-    <dgm:pt modelId="{AA2CF8B9-19B1-4347-9C12-2F0D171E7FED}" type="pres">
+    <dgm:pt modelId="{12CE1CFD-B93F-4649-9E0B-098C55B343AE}" type="pres">
       <dgm:prSet presAssocID="{2CE5D9A6-FB9D-466A-AAD0-0C32D6EF82DE}" presName="node" presStyleLbl="node1" presStyleIdx="13" presStyleCnt="15">
         <dgm:presLayoutVars>
           <dgm:bulletEnabled val="1"/>
@@ -3243,15 +3243,15 @@
       </dgm:prSet>
       <dgm:spPr/>
     </dgm:pt>
-    <dgm:pt modelId="{2BE4EF29-79FD-4B6C-B4B7-7871815716AD}" type="pres">
+    <dgm:pt modelId="{EBF866C1-118F-4269-9E20-52CB3BB6C7E7}" type="pres">
       <dgm:prSet presAssocID="{778579CA-6198-486D-A374-038D3E1E2D28}" presName="sibTrans" presStyleLbl="sibTrans2D1" presStyleIdx="13" presStyleCnt="14"/>
       <dgm:spPr/>
     </dgm:pt>
-    <dgm:pt modelId="{0536B591-B061-4898-842A-3728931B5BEF}" type="pres">
+    <dgm:pt modelId="{74A26CB0-783A-457D-8F81-BF72E2882B62}" type="pres">
       <dgm:prSet presAssocID="{778579CA-6198-486D-A374-038D3E1E2D28}" presName="connectorText" presStyleLbl="sibTrans2D1" presStyleIdx="13" presStyleCnt="14"/>
       <dgm:spPr/>
     </dgm:pt>
-    <dgm:pt modelId="{895B3D7B-4668-43EF-92F3-F16B71473439}" type="pres">
+    <dgm:pt modelId="{B5F89BEC-1ADB-4A7C-9AC2-FA8321D875EE}" type="pres">
       <dgm:prSet presAssocID="{D68049C6-70CD-4A5A-9A63-F07EE23435DC}" presName="node" presStyleLbl="node1" presStyleIdx="14" presStyleCnt="15">
         <dgm:presLayoutVars>
           <dgm:bulletEnabled val="1"/>
@@ -3261,108 +3261,108 @@
     </dgm:pt>
   </dgm:ptLst>
   <dgm:cxnLst>
-    <dgm:cxn modelId="{53403001-CED4-4343-9053-2820042B52BB}" type="presOf" srcId="{0EF9CF17-6B6A-4250-967C-C41A4A825FF9}" destId="{10EA3286-211D-46AB-9E8F-954B658B9276}" srcOrd="1" destOrd="0" presId="urn:microsoft.com/office/officeart/2005/8/layout/process5"/>
-    <dgm:cxn modelId="{211D6F09-FCF1-450D-94D1-53E3D9D76458}" type="presOf" srcId="{51AC868D-C5E3-446C-B42D-B2F6B6ADBEEF}" destId="{BDEC236D-2E8B-43AC-AD2E-7FCAE4266E42}" srcOrd="1" destOrd="0" presId="urn:microsoft.com/office/officeart/2005/8/layout/process5"/>
-    <dgm:cxn modelId="{02953618-C4B5-41A6-88EC-E25E22F253D2}" type="presOf" srcId="{CAF7ED6A-33B4-4AC9-9016-D2C2B48CC68B}" destId="{392791E9-5F4B-4A5D-9FA8-CE02DFB0F3B7}" srcOrd="0" destOrd="0" presId="urn:microsoft.com/office/officeart/2005/8/layout/process5"/>
-    <dgm:cxn modelId="{BF3E2F1B-6E52-403C-B250-D76430672BED}" type="presOf" srcId="{8F3F4507-EBFA-48D9-90DA-32B749CEA48E}" destId="{49308249-96A5-498C-8AC7-09736140A2A8}" srcOrd="0" destOrd="0" presId="urn:microsoft.com/office/officeart/2005/8/layout/process5"/>
+    <dgm:cxn modelId="{57089008-81A4-4E5A-ACAF-2E817657CC01}" type="presOf" srcId="{1BE9B9AC-2847-4D1D-9B3A-95528B4026F9}" destId="{4B7269C3-4712-4AFA-A269-612EBE88A570}" srcOrd="0" destOrd="0" presId="urn:microsoft.com/office/officeart/2005/8/layout/process5"/>
+    <dgm:cxn modelId="{FB05EA0B-ED9A-43E4-87E4-44F5D070DEE6}" type="presOf" srcId="{74EA2338-CB9C-4403-BAF6-7ABBFA33645C}" destId="{54104EE3-829A-4FA2-AEE6-EB6EC90522B7}" srcOrd="1" destOrd="0" presId="urn:microsoft.com/office/officeart/2005/8/layout/process5"/>
+    <dgm:cxn modelId="{3D827513-8A11-4DDB-82F3-688B365F542C}" type="presOf" srcId="{FB1CB032-2E4F-42E3-AC99-E83CFD9D0C41}" destId="{D8CE9071-4049-4819-A4D8-5167789C7C51}" srcOrd="0" destOrd="0" presId="urn:microsoft.com/office/officeart/2005/8/layout/process5"/>
+    <dgm:cxn modelId="{6788F414-6857-4E60-A21D-8F8B2BAB10C5}" type="presOf" srcId="{0EF9CF17-6B6A-4250-967C-C41A4A825FF9}" destId="{F09400A7-1C09-4CAA-8CEC-B5CC4FCF0436}" srcOrd="0" destOrd="0" presId="urn:microsoft.com/office/officeart/2005/8/layout/process5"/>
+    <dgm:cxn modelId="{56FBD116-E4B2-4D83-A760-6D79C46C87E8}" type="presOf" srcId="{47D5DD2B-C168-44CD-81E3-F2673A343299}" destId="{D262D2C9-DD8B-435E-BD6B-2A90010EE04B}" srcOrd="0" destOrd="0" presId="urn:microsoft.com/office/officeart/2005/8/layout/process5"/>
     <dgm:cxn modelId="{F40BF01C-DBF2-4FE8-BD20-B6ABBBF410F5}" srcId="{CDE4AA0B-5F06-4BD9-BB42-A3C5FE46EDD5}" destId="{03909401-4526-43BB-B2C8-7FEF824CE94A}" srcOrd="6" destOrd="0" parTransId="{03DE9359-CFC4-4707-9015-EE9BB8074B58}" sibTransId="{1BE9B9AC-2847-4D1D-9B3A-95528B4026F9}"/>
     <dgm:cxn modelId="{E0656820-4483-4087-B765-12B0A0EFD367}" srcId="{CDE4AA0B-5F06-4BD9-BB42-A3C5FE46EDD5}" destId="{90AC0117-74CB-4956-BEF9-713A80FB6BDB}" srcOrd="9" destOrd="0" parTransId="{11344F20-516A-4026-B243-0BBAA54A1A30}" sibTransId="{0EF9CF17-6B6A-4250-967C-C41A4A825FF9}"/>
-    <dgm:cxn modelId="{852E3629-3B0C-47E3-A757-9CA9F4A27C0D}" type="presOf" srcId="{1BE9B9AC-2847-4D1D-9B3A-95528B4026F9}" destId="{FA5F4AB8-BF6B-4051-86D7-68585D786623}" srcOrd="0" destOrd="0" presId="urn:microsoft.com/office/officeart/2005/8/layout/process5"/>
+    <dgm:cxn modelId="{86B01122-F372-471E-AB5F-2AF6D3AB002E}" type="presOf" srcId="{D68049C6-70CD-4A5A-9A63-F07EE23435DC}" destId="{B5F89BEC-1ADB-4A7C-9AC2-FA8321D875EE}" srcOrd="0" destOrd="0" presId="urn:microsoft.com/office/officeart/2005/8/layout/process5"/>
     <dgm:cxn modelId="{A19FFA2B-ADC0-4F78-97AA-95D5822D71B7}" srcId="{CDE4AA0B-5F06-4BD9-BB42-A3C5FE46EDD5}" destId="{8F3F4507-EBFA-48D9-90DA-32B749CEA48E}" srcOrd="8" destOrd="0" parTransId="{DD262953-69A9-4E1D-BCDA-042EF62940F1}" sibTransId="{00E75FAF-9A0E-4DA8-A5DD-FC4E8C0ADA8F}"/>
-    <dgm:cxn modelId="{14CA7E2F-2B70-49A2-BF16-FB95EFA3D908}" type="presOf" srcId="{D9CED4B3-B54E-414C-B1E1-7BB7F935BC9C}" destId="{698E58E8-AF14-4031-A07C-A81D1EE1B47E}" srcOrd="0" destOrd="0" presId="urn:microsoft.com/office/officeart/2005/8/layout/process5"/>
-    <dgm:cxn modelId="{17F42B35-B399-44BC-92EF-7437D1F320B6}" type="presOf" srcId="{00E75FAF-9A0E-4DA8-A5DD-FC4E8C0ADA8F}" destId="{7BF54FDC-96D6-4CEB-B263-D3B76D35F08D}" srcOrd="0" destOrd="0" presId="urn:microsoft.com/office/officeart/2005/8/layout/process5"/>
-    <dgm:cxn modelId="{EF86EE3E-9351-4B18-A00B-B2C6D73F77D3}" type="presOf" srcId="{9D1DBAF5-A177-4549-AF7E-9F54CDCC0D0B}" destId="{9DFB2884-E0D6-4CFA-B761-B53B83D4D073}" srcOrd="1" destOrd="0" presId="urn:microsoft.com/office/officeart/2005/8/layout/process5"/>
-    <dgm:cxn modelId="{09A6F440-1EF3-4462-B65F-E1A4F19EF6D1}" type="presOf" srcId="{F7548BA1-AB8C-4CEB-945D-12F806610994}" destId="{2B2B9ABD-C83B-408B-9C62-8BCF95D32E0E}" srcOrd="0" destOrd="0" presId="urn:microsoft.com/office/officeart/2005/8/layout/process5"/>
-    <dgm:cxn modelId="{E570E95C-DE14-49A8-BBFB-B61F376A8489}" type="presOf" srcId="{03909401-4526-43BB-B2C8-7FEF824CE94A}" destId="{A8C86915-318E-4FAB-860D-17954FCE7779}" srcOrd="0" destOrd="0" presId="urn:microsoft.com/office/officeart/2005/8/layout/process5"/>
-    <dgm:cxn modelId="{29675D5E-4FC2-4D19-9723-EFFB1E33E79D}" type="presOf" srcId="{778579CA-6198-486D-A374-038D3E1E2D28}" destId="{0536B591-B061-4898-842A-3728931B5BEF}" srcOrd="1" destOrd="0" presId="urn:microsoft.com/office/officeart/2005/8/layout/process5"/>
-    <dgm:cxn modelId="{123A6E61-933C-4D8E-91A5-1ACDA499B333}" type="presOf" srcId="{F5F65E4D-82C4-4F09-9442-76B3337D509D}" destId="{46AA52BC-8B6D-46A3-A636-CF9997F06AA4}" srcOrd="0" destOrd="0" presId="urn:microsoft.com/office/officeart/2005/8/layout/process5"/>
-    <dgm:cxn modelId="{9B80AF61-9D3C-4EF3-A7D8-B75B3A17719A}" type="presOf" srcId="{D68049C6-70CD-4A5A-9A63-F07EE23435DC}" destId="{895B3D7B-4668-43EF-92F3-F16B71473439}" srcOrd="0" destOrd="0" presId="urn:microsoft.com/office/officeart/2005/8/layout/process5"/>
-    <dgm:cxn modelId="{3D37FA41-039B-4A1B-9039-DAF30FF51353}" type="presOf" srcId="{E5BFD00D-A1FF-4783-AF22-0707B739E7DE}" destId="{4AAFA0DD-427F-4A02-AB70-3B417E712B3A}" srcOrd="0" destOrd="0" presId="urn:microsoft.com/office/officeart/2005/8/layout/process5"/>
+    <dgm:cxn modelId="{79A05A2D-F844-4357-94A5-6B749E1B7A9C}" type="presOf" srcId="{1B688F23-BB39-4C54-BF1C-5B1DE45DF827}" destId="{3C1633DE-B658-47F6-9062-D832C6035B5D}" srcOrd="0" destOrd="0" presId="urn:microsoft.com/office/officeart/2005/8/layout/process5"/>
+    <dgm:cxn modelId="{E7F9A037-4EA0-42BB-819B-CE59A0410311}" type="presOf" srcId="{AFBFDAA9-83D6-432F-901D-87A0890536EF}" destId="{92184039-C2F0-49BA-9552-41BCEBCC15D8}" srcOrd="0" destOrd="0" presId="urn:microsoft.com/office/officeart/2005/8/layout/process5"/>
+    <dgm:cxn modelId="{51940C5C-9300-4A18-8327-07C9DBA6B9D1}" type="presOf" srcId="{51AC868D-C5E3-446C-B42D-B2F6B6ADBEEF}" destId="{D8BC0FC3-1732-4A41-910A-DC713AC915F0}" srcOrd="0" destOrd="0" presId="urn:microsoft.com/office/officeart/2005/8/layout/process5"/>
+    <dgm:cxn modelId="{4A3A6E5C-E6D9-4958-9571-F5A2204CA2EA}" type="presOf" srcId="{1BE9B9AC-2847-4D1D-9B3A-95528B4026F9}" destId="{07A07C47-5489-4A8A-A94A-24D34432A1A3}" srcOrd="1" destOrd="0" presId="urn:microsoft.com/office/officeart/2005/8/layout/process5"/>
+    <dgm:cxn modelId="{95ED6762-F22D-4CAA-8C51-FB3E8BE720CF}" type="presOf" srcId="{778579CA-6198-486D-A374-038D3E1E2D28}" destId="{74A26CB0-783A-457D-8F81-BF72E2882B62}" srcOrd="1" destOrd="0" presId="urn:microsoft.com/office/officeart/2005/8/layout/process5"/>
+    <dgm:cxn modelId="{1DF6A562-BF94-44CE-A8A8-35F8D93B6EFE}" type="presOf" srcId="{CAF7ED6A-33B4-4AC9-9016-D2C2B48CC68B}" destId="{CEA0BD65-F717-4769-8AAE-60686BDF38C6}" srcOrd="0" destOrd="0" presId="urn:microsoft.com/office/officeart/2005/8/layout/process5"/>
+    <dgm:cxn modelId="{AEAB5643-60E8-4140-B102-18D5E86E449C}" type="presOf" srcId="{51AC868D-C5E3-446C-B42D-B2F6B6ADBEEF}" destId="{14A77041-243A-4B4E-AFB6-5564FDEED79A}" srcOrd="1" destOrd="0" presId="urn:microsoft.com/office/officeart/2005/8/layout/process5"/>
+    <dgm:cxn modelId="{0CB37345-E44C-45C0-9339-52AF9BE3C8D4}" type="presOf" srcId="{74EA2338-CB9C-4403-BAF6-7ABBFA33645C}" destId="{68C0E020-4FD0-4491-BAE4-B0295B8EB972}" srcOrd="0" destOrd="0" presId="urn:microsoft.com/office/officeart/2005/8/layout/process5"/>
+    <dgm:cxn modelId="{2898FF66-E314-4E3B-9007-20E185F87D1F}" type="presOf" srcId="{778579CA-6198-486D-A374-038D3E1E2D28}" destId="{EBF866C1-118F-4269-9E20-52CB3BB6C7E7}" srcOrd="0" destOrd="0" presId="urn:microsoft.com/office/officeart/2005/8/layout/process5"/>
+    <dgm:cxn modelId="{4F247767-BBCF-4224-93F1-F9026F983934}" type="presOf" srcId="{2853FD51-99DB-4110-8FF7-3CF4CD15FD29}" destId="{3B377935-DD62-49ED-861C-ADAE53057C46}" srcOrd="0" destOrd="0" presId="urn:microsoft.com/office/officeart/2005/8/layout/process5"/>
     <dgm:cxn modelId="{2C3D8D68-C1ED-45A2-A01A-86563A578933}" srcId="{CDE4AA0B-5F06-4BD9-BB42-A3C5FE46EDD5}" destId="{2853FD51-99DB-4110-8FF7-3CF4CD15FD29}" srcOrd="10" destOrd="0" parTransId="{442EC5F0-C235-4964-A5FA-D98A7FA4F871}" sibTransId="{54A618FA-50AE-40D3-A867-4BE0E473E5D5}"/>
     <dgm:cxn modelId="{E0A81B69-433E-46F6-8EE5-D67878A0433C}" srcId="{CDE4AA0B-5F06-4BD9-BB42-A3C5FE46EDD5}" destId="{D68049C6-70CD-4A5A-9A63-F07EE23435DC}" srcOrd="14" destOrd="0" parTransId="{D065A0AE-0D31-456E-94DF-3C61191B5D30}" sibTransId="{04126CFE-B4FA-4A54-9BF9-7307F73A5B8C}"/>
-    <dgm:cxn modelId="{B5974E4B-99A9-42F4-BBF6-E8424A919943}" type="presOf" srcId="{2FE520D4-4C2D-44DC-918D-77C1D1D78EB9}" destId="{E1B631AD-BBC2-4EDF-B8AF-97B4C55E6634}" srcOrd="0" destOrd="0" presId="urn:microsoft.com/office/officeart/2005/8/layout/process5"/>
-    <dgm:cxn modelId="{D9B3DE4B-1270-4A0B-A7D6-B4CC71861196}" type="presOf" srcId="{AFBFDAA9-83D6-432F-901D-87A0890536EF}" destId="{F5037606-C157-4155-BED8-849633FCB3A8}" srcOrd="0" destOrd="0" presId="urn:microsoft.com/office/officeart/2005/8/layout/process5"/>
-    <dgm:cxn modelId="{45B7E44D-2706-469B-9191-4F713B412C64}" type="presOf" srcId="{9D1DBAF5-A177-4549-AF7E-9F54CDCC0D0B}" destId="{CFEF9A24-ECDB-444A-AB45-0FBA21847897}" srcOrd="0" destOrd="0" presId="urn:microsoft.com/office/officeart/2005/8/layout/process5"/>
+    <dgm:cxn modelId="{0733116C-92DB-444F-A6C7-A0FE270C062D}" type="presOf" srcId="{03909401-4526-43BB-B2C8-7FEF824CE94A}" destId="{341AA5BA-4B19-42C6-8956-FA95EC009B5C}" srcOrd="0" destOrd="0" presId="urn:microsoft.com/office/officeart/2005/8/layout/process5"/>
     <dgm:cxn modelId="{5614944F-AA41-43E1-A1F7-9741C01688E2}" srcId="{CDE4AA0B-5F06-4BD9-BB42-A3C5FE46EDD5}" destId="{CAF7ED6A-33B4-4AC9-9016-D2C2B48CC68B}" srcOrd="5" destOrd="0" parTransId="{84943193-10B6-4691-8934-608BC5BB17EA}" sibTransId="{9D1DBAF5-A177-4549-AF7E-9F54CDCC0D0B}"/>
     <dgm:cxn modelId="{B3CCDC6F-85DE-4DC4-B62A-2036BFB0127E}" srcId="{CDE4AA0B-5F06-4BD9-BB42-A3C5FE46EDD5}" destId="{D9CED4B3-B54E-414C-B1E1-7BB7F935BC9C}" srcOrd="4" destOrd="0" parTransId="{92BACA1F-1027-4123-8BBB-1B6E2B7D29CA}" sibTransId="{E5BFD00D-A1FF-4783-AF22-0707B739E7DE}"/>
-    <dgm:cxn modelId="{D541A151-8E38-492C-B8A8-9B3B99A7FB82}" type="presOf" srcId="{C2DAEA33-3A24-40F8-9C82-54578B2CCB12}" destId="{8E93EF29-2DA9-4450-A94E-E84C7B43096D}" srcOrd="0" destOrd="0" presId="urn:microsoft.com/office/officeart/2005/8/layout/process5"/>
-    <dgm:cxn modelId="{0BE93375-89FF-4B8D-9F65-05290EF6ED0D}" type="presOf" srcId="{FB1CB032-2E4F-42E3-AC99-E83CFD9D0C41}" destId="{8D0241DE-6AAC-4256-9E26-64AD3F43CDBB}" srcOrd="0" destOrd="0" presId="urn:microsoft.com/office/officeart/2005/8/layout/process5"/>
-    <dgm:cxn modelId="{4FAF1258-8752-44FD-B9C7-62A0B60DD61F}" type="presOf" srcId="{F5F65E4D-82C4-4F09-9442-76B3337D509D}" destId="{803980FC-9D68-4298-A4D7-ECFD6CFD77FD}" srcOrd="1" destOrd="0" presId="urn:microsoft.com/office/officeart/2005/8/layout/process5"/>
-    <dgm:cxn modelId="{510DE858-F997-4BAB-A4D6-8A9FFB9EE24B}" type="presOf" srcId="{FFE1BB70-6F2D-4347-BEDF-D8F830EC40E7}" destId="{FBCBAEE7-C221-48EF-A1A6-E811F960AB76}" srcOrd="0" destOrd="0" presId="urn:microsoft.com/office/officeart/2005/8/layout/process5"/>
-    <dgm:cxn modelId="{3CA9FF59-5797-4910-A5BC-6C1C64EF4C5A}" type="presOf" srcId="{C2DAEA33-3A24-40F8-9C82-54578B2CCB12}" destId="{778A386A-4C20-4FF7-83E2-F3C8471FE77A}" srcOrd="1" destOrd="0" presId="urn:microsoft.com/office/officeart/2005/8/layout/process5"/>
-    <dgm:cxn modelId="{47D2227C-FF9B-4CF1-A280-92AE87CA7182}" type="presOf" srcId="{74EA2338-CB9C-4403-BAF6-7ABBFA33645C}" destId="{C5346EBF-FCC3-4C23-A68D-A5863D3FBBA7}" srcOrd="1" destOrd="0" presId="urn:microsoft.com/office/officeart/2005/8/layout/process5"/>
+    <dgm:cxn modelId="{5DBB5352-3150-4173-A7F3-5BFB83E335DA}" type="presOf" srcId="{54A618FA-50AE-40D3-A867-4BE0E473E5D5}" destId="{E0F896DA-1C5B-4BB5-9200-9DB6D15CD0F4}" srcOrd="0" destOrd="0" presId="urn:microsoft.com/office/officeart/2005/8/layout/process5"/>
+    <dgm:cxn modelId="{DF38DD76-CF0C-41CE-8FA4-0BD06EDA7610}" type="presOf" srcId="{FFE1BB70-6F2D-4347-BEDF-D8F830EC40E7}" destId="{0D152BF3-CDA8-438C-9FBF-80B154BE6C02}" srcOrd="0" destOrd="0" presId="urn:microsoft.com/office/officeart/2005/8/layout/process5"/>
+    <dgm:cxn modelId="{1E114D57-D426-4BC3-BA22-D0C20CBA8C15}" type="presOf" srcId="{C2DAEA33-3A24-40F8-9C82-54578B2CCB12}" destId="{EF4EE57F-91C1-43A1-A371-A8AAD541BC2A}" srcOrd="0" destOrd="0" presId="urn:microsoft.com/office/officeart/2005/8/layout/process5"/>
+    <dgm:cxn modelId="{84407E7D-EDA0-47E5-AFDF-37C6EDB7369F}" type="presOf" srcId="{E5BFD00D-A1FF-4783-AF22-0707B739E7DE}" destId="{7557190D-BD84-403C-8960-28C9063E0A41}" srcOrd="0" destOrd="0" presId="urn:microsoft.com/office/officeart/2005/8/layout/process5"/>
+    <dgm:cxn modelId="{3952BF7D-AD66-49A8-9744-956AC9961B5F}" type="presOf" srcId="{9D1DBAF5-A177-4549-AF7E-9F54CDCC0D0B}" destId="{5751433D-ADA2-46FB-B9AA-C072072411AA}" srcOrd="1" destOrd="0" presId="urn:microsoft.com/office/officeart/2005/8/layout/process5"/>
     <dgm:cxn modelId="{585F8E84-1CD6-4DD9-B6E8-8EFCF70CCF5F}" srcId="{CDE4AA0B-5F06-4BD9-BB42-A3C5FE46EDD5}" destId="{FB1CB032-2E4F-42E3-AC99-E83CFD9D0C41}" srcOrd="0" destOrd="0" parTransId="{F9A5A989-2ED1-4073-AB0E-7B70D74FB5D7}" sibTransId="{51AC868D-C5E3-446C-B42D-B2F6B6ADBEEF}"/>
-    <dgm:cxn modelId="{DBD25095-3C00-4E16-B029-5D0B241BAA74}" type="presOf" srcId="{2853FD51-99DB-4110-8FF7-3CF4CD15FD29}" destId="{9F885388-DD9F-4FC9-B8FD-7AEB89374FF2}" srcOrd="0" destOrd="0" presId="urn:microsoft.com/office/officeart/2005/8/layout/process5"/>
-    <dgm:cxn modelId="{F573E39D-D4F2-4CBE-BFAE-DC0829A55E27}" type="presOf" srcId="{778579CA-6198-486D-A374-038D3E1E2D28}" destId="{2BE4EF29-79FD-4B6C-B4B7-7871815716AD}" srcOrd="0" destOrd="0" presId="urn:microsoft.com/office/officeart/2005/8/layout/process5"/>
-    <dgm:cxn modelId="{A09F809E-60DD-4EE3-A3BE-78DD2086076B}" type="presOf" srcId="{54A618FA-50AE-40D3-A867-4BE0E473E5D5}" destId="{82A205C9-B43F-4750-8554-98B9F4070306}" srcOrd="0" destOrd="0" presId="urn:microsoft.com/office/officeart/2005/8/layout/process5"/>
+    <dgm:cxn modelId="{BF305188-7D73-4C59-9153-80F840CBE7AA}" type="presOf" srcId="{F7548BA1-AB8C-4CEB-945D-12F806610994}" destId="{7AF6076B-F6E4-48D2-B941-932FBF7B5BF8}" srcOrd="0" destOrd="0" presId="urn:microsoft.com/office/officeart/2005/8/layout/process5"/>
+    <dgm:cxn modelId="{B5EFFE8A-1100-42E1-AA34-135ED347B785}" type="presOf" srcId="{F5F65E4D-82C4-4F09-9442-76B3337D509D}" destId="{0B087793-5D7E-4ADA-835F-F373F886BEAA}" srcOrd="1" destOrd="0" presId="urn:microsoft.com/office/officeart/2005/8/layout/process5"/>
+    <dgm:cxn modelId="{8756D391-39C8-4F6E-B099-1C9D12DCE617}" type="presOf" srcId="{8F3F4507-EBFA-48D9-90DA-32B749CEA48E}" destId="{2CA64BA6-F8FC-4DB6-8782-658549C2A2F5}" srcOrd="0" destOrd="0" presId="urn:microsoft.com/office/officeart/2005/8/layout/process5"/>
+    <dgm:cxn modelId="{2E626C94-9593-4634-9CB9-13185D8934F7}" type="presOf" srcId="{2CE5D9A6-FB9D-466A-AAD0-0C32D6EF82DE}" destId="{12CE1CFD-B93F-4649-9E0B-098C55B343AE}" srcOrd="0" destOrd="0" presId="urn:microsoft.com/office/officeart/2005/8/layout/process5"/>
+    <dgm:cxn modelId="{D06AED9B-76A3-4A89-B878-284F774CC747}" type="presOf" srcId="{54A618FA-50AE-40D3-A867-4BE0E473E5D5}" destId="{F613C6D6-D82E-4D35-B82B-BDF59FF814FF}" srcOrd="1" destOrd="0" presId="urn:microsoft.com/office/officeart/2005/8/layout/process5"/>
+    <dgm:cxn modelId="{8359489F-852B-4A5A-89C2-881D30E832B0}" type="presOf" srcId="{00E75FAF-9A0E-4DA8-A5DD-FC4E8C0ADA8F}" destId="{C8DC4A97-B93F-49C9-A57A-6ED88871F429}" srcOrd="0" destOrd="0" presId="urn:microsoft.com/office/officeart/2005/8/layout/process5"/>
     <dgm:cxn modelId="{E8AA4BA0-30DE-44E9-BB4D-C919047BDA66}" srcId="{CDE4AA0B-5F06-4BD9-BB42-A3C5FE46EDD5}" destId="{FFE1BB70-6F2D-4347-BEDF-D8F830EC40E7}" srcOrd="11" destOrd="0" parTransId="{3A522C26-99FA-47B0-931B-13389090F77F}" sibTransId="{1B688F23-BB39-4C54-BF1C-5B1DE45DF827}"/>
-    <dgm:cxn modelId="{4BCD60A4-01DA-4642-8F7E-9D8F57AE9614}" type="presOf" srcId="{4F48D43F-60A8-46CA-ABB7-394A2F5C667C}" destId="{AFA14F17-7D20-4997-B6B3-B68C9189D6AE}" srcOrd="0" destOrd="0" presId="urn:microsoft.com/office/officeart/2005/8/layout/process5"/>
-    <dgm:cxn modelId="{043B1CA6-6BCD-4CA2-916C-E9D1C7616703}" type="presOf" srcId="{90AC0117-74CB-4956-BEF9-713A80FB6BDB}" destId="{BC801E3C-457A-409A-B127-A8456892A3E7}" srcOrd="0" destOrd="0" presId="urn:microsoft.com/office/officeart/2005/8/layout/process5"/>
+    <dgm:cxn modelId="{7D5A2EA2-9B62-4957-A269-E50ACC86BF40}" type="presOf" srcId="{4F48D43F-60A8-46CA-ABB7-394A2F5C667C}" destId="{5EBDDE8C-1468-4CA2-9D2A-300F69E062E0}" srcOrd="0" destOrd="0" presId="urn:microsoft.com/office/officeart/2005/8/layout/process5"/>
     <dgm:cxn modelId="{A4511EAB-B475-4A4C-BD08-FE3283B52822}" srcId="{CDE4AA0B-5F06-4BD9-BB42-A3C5FE46EDD5}" destId="{2FE520D4-4C2D-44DC-918D-77C1D1D78EB9}" srcOrd="3" destOrd="0" parTransId="{28C6B240-84DC-4335-B710-F024ED6EF484}" sibTransId="{4F48D43F-60A8-46CA-ABB7-394A2F5C667C}"/>
-    <dgm:cxn modelId="{BC73E0AF-706E-4C09-AFAB-36DAF83CED14}" type="presOf" srcId="{9D5190EE-90E8-4688-ACFD-DD1D70934FBD}" destId="{950E5EBE-44BB-4C92-9EE4-BC22460A4EF9}" srcOrd="0" destOrd="0" presId="urn:microsoft.com/office/officeart/2005/8/layout/process5"/>
-    <dgm:cxn modelId="{51C75AB1-431F-4AED-90E5-529E13415C98}" type="presOf" srcId="{74EA2338-CB9C-4403-BAF6-7ABBFA33645C}" destId="{ED444A14-DA62-4744-B946-403D32E225A0}" srcOrd="0" destOrd="0" presId="urn:microsoft.com/office/officeart/2005/8/layout/process5"/>
-    <dgm:cxn modelId="{1AC1DDBB-3CC8-46F1-8B79-B7968BE902A8}" type="presOf" srcId="{54A618FA-50AE-40D3-A867-4BE0E473E5D5}" destId="{9607A927-0406-4927-9141-DA4EF53542AA}" srcOrd="1" destOrd="0" presId="urn:microsoft.com/office/officeart/2005/8/layout/process5"/>
+    <dgm:cxn modelId="{7DB5FAAD-49DB-4522-A82B-70DF6D6CDA15}" type="presOf" srcId="{0EF9CF17-6B6A-4250-967C-C41A4A825FF9}" destId="{E52CB78F-1830-4D1F-86FE-30FF2625FC56}" srcOrd="1" destOrd="0" presId="urn:microsoft.com/office/officeart/2005/8/layout/process5"/>
     <dgm:cxn modelId="{E5763CBC-1515-4A81-8D46-A3F5B52BD979}" srcId="{CDE4AA0B-5F06-4BD9-BB42-A3C5FE46EDD5}" destId="{2CE5D9A6-FB9D-466A-AAD0-0C32D6EF82DE}" srcOrd="13" destOrd="0" parTransId="{274A5EC3-507F-4B20-8D05-8E33265B4AF3}" sibTransId="{778579CA-6198-486D-A374-038D3E1E2D28}"/>
-    <dgm:cxn modelId="{D688E9BC-C762-4948-BFA1-0646A53CB474}" type="presOf" srcId="{1B688F23-BB39-4C54-BF1C-5B1DE45DF827}" destId="{8E230428-6428-4476-9C7F-2D74146CF5BB}" srcOrd="1" destOrd="0" presId="urn:microsoft.com/office/officeart/2005/8/layout/process5"/>
-    <dgm:cxn modelId="{CB6495BD-AE81-49E0-A7CB-2C7DC18E4EF3}" type="presOf" srcId="{E5BFD00D-A1FF-4783-AF22-0707B739E7DE}" destId="{234403FD-10B0-4917-8A6D-84BC4AC222D9}" srcOrd="1" destOrd="0" presId="urn:microsoft.com/office/officeart/2005/8/layout/process5"/>
-    <dgm:cxn modelId="{9EAA02CB-C228-431E-9552-CDD9F0B523DE}" type="presOf" srcId="{47D5DD2B-C168-44CD-81E3-F2673A343299}" destId="{AE445B88-DC01-4FCA-A481-B4C32925223B}" srcOrd="0" destOrd="0" presId="urn:microsoft.com/office/officeart/2005/8/layout/process5"/>
-    <dgm:cxn modelId="{3D54F2D8-2523-4E4D-9177-BC384CFE9543}" type="presOf" srcId="{4F48D43F-60A8-46CA-ABB7-394A2F5C667C}" destId="{7B47C134-96BE-4C55-93AC-837215C84E97}" srcOrd="1" destOrd="0" presId="urn:microsoft.com/office/officeart/2005/8/layout/process5"/>
+    <dgm:cxn modelId="{030030C0-A0BA-4038-9005-7BB1C0E046CD}" type="presOf" srcId="{9D1DBAF5-A177-4549-AF7E-9F54CDCC0D0B}" destId="{410531A4-8815-4C70-A912-5F4BFF301227}" srcOrd="0" destOrd="0" presId="urn:microsoft.com/office/officeart/2005/8/layout/process5"/>
+    <dgm:cxn modelId="{2B21ECC5-0B93-4BE2-A6DC-53981F1D59EA}" type="presOf" srcId="{90AC0117-74CB-4956-BEF9-713A80FB6BDB}" destId="{7A916C5C-A383-4442-8ABE-0E566FAF7F88}" srcOrd="0" destOrd="0" presId="urn:microsoft.com/office/officeart/2005/8/layout/process5"/>
+    <dgm:cxn modelId="{A60146C6-2D91-430F-874D-E195A0B7BF8E}" type="presOf" srcId="{E5BFD00D-A1FF-4783-AF22-0707B739E7DE}" destId="{AF370918-BBE7-47DE-9DDB-042D6DBD5351}" srcOrd="1" destOrd="0" presId="urn:microsoft.com/office/officeart/2005/8/layout/process5"/>
+    <dgm:cxn modelId="{56B118CA-9B82-4798-B900-245B706B11FF}" type="presOf" srcId="{C2DAEA33-3A24-40F8-9C82-54578B2CCB12}" destId="{D0A73825-3220-4CB7-8032-F0492EDBDBE9}" srcOrd="1" destOrd="0" presId="urn:microsoft.com/office/officeart/2005/8/layout/process5"/>
+    <dgm:cxn modelId="{02F06ED3-F50C-4EEC-865E-F2162402ACBE}" type="presOf" srcId="{37E92ECD-7D5C-4CCA-B6F2-FCB64D1C662B}" destId="{AC5DA3F6-BC12-4EFB-8885-CBED78A91B80}" srcOrd="0" destOrd="0" presId="urn:microsoft.com/office/officeart/2005/8/layout/process5"/>
+    <dgm:cxn modelId="{02E8B0D3-E3A9-47DF-A076-B2E4CBEABC00}" type="presOf" srcId="{00E75FAF-9A0E-4DA8-A5DD-FC4E8C0ADA8F}" destId="{BAAC5FEA-FA57-400D-8C70-0A96EBCF3498}" srcOrd="1" destOrd="0" presId="urn:microsoft.com/office/officeart/2005/8/layout/process5"/>
     <dgm:cxn modelId="{0C09F8D8-5C8A-4358-AD1E-2BAB7CA79209}" srcId="{CDE4AA0B-5F06-4BD9-BB42-A3C5FE46EDD5}" destId="{AFBFDAA9-83D6-432F-901D-87A0890536EF}" srcOrd="12" destOrd="0" parTransId="{4F8AF022-27EB-4F99-95AC-43FAAF04228A}" sibTransId="{C2DAEA33-3A24-40F8-9C82-54578B2CCB12}"/>
+    <dgm:cxn modelId="{963F57D9-88C1-4D4A-9C15-2983F3DF4B74}" type="presOf" srcId="{D9CED4B3-B54E-414C-B1E1-7BB7F935BC9C}" destId="{C58AF20F-1669-42BD-9ACE-636E78C80D8D}" srcOrd="0" destOrd="0" presId="urn:microsoft.com/office/officeart/2005/8/layout/process5"/>
+    <dgm:cxn modelId="{71DCF5DC-81DA-489B-BE5B-7E5D412591EB}" type="presOf" srcId="{4F48D43F-60A8-46CA-ABB7-394A2F5C667C}" destId="{7DA26E4B-50EA-43A1-BA6A-2BC6B90858A8}" srcOrd="1" destOrd="0" presId="urn:microsoft.com/office/officeart/2005/8/layout/process5"/>
     <dgm:cxn modelId="{A723CEDD-E5A2-4CEE-A7BA-7CAA9D1CB5D5}" srcId="{CDE4AA0B-5F06-4BD9-BB42-A3C5FE46EDD5}" destId="{37E92ECD-7D5C-4CCA-B6F2-FCB64D1C662B}" srcOrd="2" destOrd="0" parTransId="{C2EB40F5-5127-4E50-AF66-7267D3B6F7B6}" sibTransId="{F7548BA1-AB8C-4CEB-945D-12F806610994}"/>
-    <dgm:cxn modelId="{44B770DE-0C20-4E0E-AE8E-6F1357939F3D}" type="presOf" srcId="{51AC868D-C5E3-446C-B42D-B2F6B6ADBEEF}" destId="{E5FE6FB6-CC7E-4A7D-AAD3-A1B8B90A387C}" srcOrd="0" destOrd="0" presId="urn:microsoft.com/office/officeart/2005/8/layout/process5"/>
+    <dgm:cxn modelId="{C1AC62DE-A4B5-4BEA-B821-B1EC733095CC}" type="presOf" srcId="{9D5190EE-90E8-4688-ACFD-DD1D70934FBD}" destId="{17C43CC8-89E5-42D9-897A-A0E634920B88}" srcOrd="0" destOrd="0" presId="urn:microsoft.com/office/officeart/2005/8/layout/process5"/>
     <dgm:cxn modelId="{915B19E1-354E-44BF-8A56-13EB919673A6}" srcId="{CDE4AA0B-5F06-4BD9-BB42-A3C5FE46EDD5}" destId="{9D5190EE-90E8-4688-ACFD-DD1D70934FBD}" srcOrd="7" destOrd="0" parTransId="{B17DFC00-3239-4524-B93C-0F857E1ADCCD}" sibTransId="{F5F65E4D-82C4-4F09-9442-76B3337D509D}"/>
-    <dgm:cxn modelId="{213AEFE6-43AD-4471-AB01-7ABC6109C935}" type="presOf" srcId="{1B688F23-BB39-4C54-BF1C-5B1DE45DF827}" destId="{61B62871-FB35-4F21-8737-103845057CBF}" srcOrd="0" destOrd="0" presId="urn:microsoft.com/office/officeart/2005/8/layout/process5"/>
-    <dgm:cxn modelId="{FFA77AE7-C228-4D9B-9225-7A211F7F919C}" type="presOf" srcId="{1BE9B9AC-2847-4D1D-9B3A-95528B4026F9}" destId="{6E7E26B3-49A5-4080-9343-56991CB4723C}" srcOrd="1" destOrd="0" presId="urn:microsoft.com/office/officeart/2005/8/layout/process5"/>
-    <dgm:cxn modelId="{303A21E9-19D4-4070-BFC6-C9CD03D56231}" type="presOf" srcId="{F7548BA1-AB8C-4CEB-945D-12F806610994}" destId="{E162542E-51C1-447F-8CEF-84EDCBA169EC}" srcOrd="1" destOrd="0" presId="urn:microsoft.com/office/officeart/2005/8/layout/process5"/>
-    <dgm:cxn modelId="{CBAD9AEA-C99B-48F1-9200-9319EDA2E6F2}" type="presOf" srcId="{0EF9CF17-6B6A-4250-967C-C41A4A825FF9}" destId="{4FFE8EC9-D9A2-40A7-A437-D999A4E561AD}" srcOrd="0" destOrd="0" presId="urn:microsoft.com/office/officeart/2005/8/layout/process5"/>
-    <dgm:cxn modelId="{BC82B2EB-9F84-46C1-9578-D3E965D35D80}" type="presOf" srcId="{CDE4AA0B-5F06-4BD9-BB42-A3C5FE46EDD5}" destId="{5BD61685-EFEA-46D1-8EAC-C7F5FA652F5A}" srcOrd="0" destOrd="0" presId="urn:microsoft.com/office/officeart/2005/8/layout/process5"/>
-    <dgm:cxn modelId="{50B485F1-91DE-4A19-8EBE-6B50EFE02CA7}" type="presOf" srcId="{2CE5D9A6-FB9D-466A-AAD0-0C32D6EF82DE}" destId="{AA2CF8B9-19B1-4347-9C12-2F0D171E7FED}" srcOrd="0" destOrd="0" presId="urn:microsoft.com/office/officeart/2005/8/layout/process5"/>
-    <dgm:cxn modelId="{4ADDC5F8-914E-4304-A3DC-3AD8866708B4}" type="presOf" srcId="{00E75FAF-9A0E-4DA8-A5DD-FC4E8C0ADA8F}" destId="{5E0E70C2-F2A8-4577-B34E-60B0163DDDE2}" srcOrd="1" destOrd="0" presId="urn:microsoft.com/office/officeart/2005/8/layout/process5"/>
-    <dgm:cxn modelId="{744015FA-359D-46C9-BE88-4C69459C9D3B}" type="presOf" srcId="{37E92ECD-7D5C-4CCA-B6F2-FCB64D1C662B}" destId="{F46EE843-9331-4658-BB07-9E488F6BE40F}" srcOrd="0" destOrd="0" presId="urn:microsoft.com/office/officeart/2005/8/layout/process5"/>
+    <dgm:cxn modelId="{184F83E7-A76E-43A4-A8C3-FD062AD2D74E}" type="presOf" srcId="{F5F65E4D-82C4-4F09-9442-76B3337D509D}" destId="{753DAADC-2DC2-4646-8545-1D7C89C91F5A}" srcOrd="0" destOrd="0" presId="urn:microsoft.com/office/officeart/2005/8/layout/process5"/>
+    <dgm:cxn modelId="{2EC159EA-B33A-47A3-B160-E7F3682D077C}" type="presOf" srcId="{1B688F23-BB39-4C54-BF1C-5B1DE45DF827}" destId="{96BC49EA-65BD-4002-BF42-F4F2AA393C28}" srcOrd="1" destOrd="0" presId="urn:microsoft.com/office/officeart/2005/8/layout/process5"/>
+    <dgm:cxn modelId="{D739B7EE-273C-4F17-B215-BA6A963DA737}" type="presOf" srcId="{CDE4AA0B-5F06-4BD9-BB42-A3C5FE46EDD5}" destId="{DD3C201D-6F0E-4E80-8A4B-54BFE3AB5355}" srcOrd="0" destOrd="0" presId="urn:microsoft.com/office/officeart/2005/8/layout/process5"/>
+    <dgm:cxn modelId="{C0F01DF6-31C4-4929-9DE1-C1702F9776F3}" type="presOf" srcId="{F7548BA1-AB8C-4CEB-945D-12F806610994}" destId="{8894FEA4-08FF-40D1-BEBA-E252738416C6}" srcOrd="1" destOrd="0" presId="urn:microsoft.com/office/officeart/2005/8/layout/process5"/>
+    <dgm:cxn modelId="{939634FA-99F0-458C-A394-E3EAA63266C6}" type="presOf" srcId="{2FE520D4-4C2D-44DC-918D-77C1D1D78EB9}" destId="{BDC9D4F9-6BFA-4FBD-ABCD-1E6096C92643}" srcOrd="0" destOrd="0" presId="urn:microsoft.com/office/officeart/2005/8/layout/process5"/>
     <dgm:cxn modelId="{9B7D28FF-0BB3-4D78-A692-440B2C165613}" srcId="{CDE4AA0B-5F06-4BD9-BB42-A3C5FE46EDD5}" destId="{47D5DD2B-C168-44CD-81E3-F2673A343299}" srcOrd="1" destOrd="0" parTransId="{FD85C7FF-BE6D-4463-88FF-7978D4079341}" sibTransId="{74EA2338-CB9C-4403-BAF6-7ABBFA33645C}"/>
-    <dgm:cxn modelId="{73EA128D-59C3-4CA2-A775-8F76CE967BAC}" type="presParOf" srcId="{5BD61685-EFEA-46D1-8EAC-C7F5FA652F5A}" destId="{8D0241DE-6AAC-4256-9E26-64AD3F43CDBB}" srcOrd="0" destOrd="0" presId="urn:microsoft.com/office/officeart/2005/8/layout/process5"/>
-    <dgm:cxn modelId="{371F086A-01EF-4EDD-BD22-86E905406FC8}" type="presParOf" srcId="{5BD61685-EFEA-46D1-8EAC-C7F5FA652F5A}" destId="{E5FE6FB6-CC7E-4A7D-AAD3-A1B8B90A387C}" srcOrd="1" destOrd="0" presId="urn:microsoft.com/office/officeart/2005/8/layout/process5"/>
-    <dgm:cxn modelId="{D6352AF1-64DE-4B4F-8317-E67ABCCE7F10}" type="presParOf" srcId="{E5FE6FB6-CC7E-4A7D-AAD3-A1B8B90A387C}" destId="{BDEC236D-2E8B-43AC-AD2E-7FCAE4266E42}" srcOrd="0" destOrd="0" presId="urn:microsoft.com/office/officeart/2005/8/layout/process5"/>
-    <dgm:cxn modelId="{478F78F9-028A-4877-9EAC-BBF22E8390BC}" type="presParOf" srcId="{5BD61685-EFEA-46D1-8EAC-C7F5FA652F5A}" destId="{AE445B88-DC01-4FCA-A481-B4C32925223B}" srcOrd="2" destOrd="0" presId="urn:microsoft.com/office/officeart/2005/8/layout/process5"/>
-    <dgm:cxn modelId="{5811DA85-AECB-4A29-AAB1-FAD861BC0DAE}" type="presParOf" srcId="{5BD61685-EFEA-46D1-8EAC-C7F5FA652F5A}" destId="{ED444A14-DA62-4744-B946-403D32E225A0}" srcOrd="3" destOrd="0" presId="urn:microsoft.com/office/officeart/2005/8/layout/process5"/>
-    <dgm:cxn modelId="{3BE682EB-A6A7-4C01-A74F-24EF9C767A91}" type="presParOf" srcId="{ED444A14-DA62-4744-B946-403D32E225A0}" destId="{C5346EBF-FCC3-4C23-A68D-A5863D3FBBA7}" srcOrd="0" destOrd="0" presId="urn:microsoft.com/office/officeart/2005/8/layout/process5"/>
-    <dgm:cxn modelId="{7239A483-728C-469E-B248-FF5192396291}" type="presParOf" srcId="{5BD61685-EFEA-46D1-8EAC-C7F5FA652F5A}" destId="{F46EE843-9331-4658-BB07-9E488F6BE40F}" srcOrd="4" destOrd="0" presId="urn:microsoft.com/office/officeart/2005/8/layout/process5"/>
-    <dgm:cxn modelId="{F078BC96-13B8-4DF5-8A49-291876395376}" type="presParOf" srcId="{5BD61685-EFEA-46D1-8EAC-C7F5FA652F5A}" destId="{2B2B9ABD-C83B-408B-9C62-8BCF95D32E0E}" srcOrd="5" destOrd="0" presId="urn:microsoft.com/office/officeart/2005/8/layout/process5"/>
-    <dgm:cxn modelId="{79893E40-EC4F-41EF-B55C-ECCB37E4FE65}" type="presParOf" srcId="{2B2B9ABD-C83B-408B-9C62-8BCF95D32E0E}" destId="{E162542E-51C1-447F-8CEF-84EDCBA169EC}" srcOrd="0" destOrd="0" presId="urn:microsoft.com/office/officeart/2005/8/layout/process5"/>
-    <dgm:cxn modelId="{2942F7E1-033D-4980-8017-FC6D7D24658B}" type="presParOf" srcId="{5BD61685-EFEA-46D1-8EAC-C7F5FA652F5A}" destId="{E1B631AD-BBC2-4EDF-B8AF-97B4C55E6634}" srcOrd="6" destOrd="0" presId="urn:microsoft.com/office/officeart/2005/8/layout/process5"/>
-    <dgm:cxn modelId="{E0E51FC6-61CD-47AE-8699-7AC5739F4E4C}" type="presParOf" srcId="{5BD61685-EFEA-46D1-8EAC-C7F5FA652F5A}" destId="{AFA14F17-7D20-4997-B6B3-B68C9189D6AE}" srcOrd="7" destOrd="0" presId="urn:microsoft.com/office/officeart/2005/8/layout/process5"/>
-    <dgm:cxn modelId="{016B29D4-9F87-4C60-A8E3-3197E6FD0C2E}" type="presParOf" srcId="{AFA14F17-7D20-4997-B6B3-B68C9189D6AE}" destId="{7B47C134-96BE-4C55-93AC-837215C84E97}" srcOrd="0" destOrd="0" presId="urn:microsoft.com/office/officeart/2005/8/layout/process5"/>
-    <dgm:cxn modelId="{127EFA45-2DFB-4507-BA94-0BDDF1A5C0B5}" type="presParOf" srcId="{5BD61685-EFEA-46D1-8EAC-C7F5FA652F5A}" destId="{698E58E8-AF14-4031-A07C-A81D1EE1B47E}" srcOrd="8" destOrd="0" presId="urn:microsoft.com/office/officeart/2005/8/layout/process5"/>
-    <dgm:cxn modelId="{ED84050D-2645-412D-AB54-7B97D5996055}" type="presParOf" srcId="{5BD61685-EFEA-46D1-8EAC-C7F5FA652F5A}" destId="{4AAFA0DD-427F-4A02-AB70-3B417E712B3A}" srcOrd="9" destOrd="0" presId="urn:microsoft.com/office/officeart/2005/8/layout/process5"/>
-    <dgm:cxn modelId="{A2009680-7334-4F77-8EBD-07336D7143C7}" type="presParOf" srcId="{4AAFA0DD-427F-4A02-AB70-3B417E712B3A}" destId="{234403FD-10B0-4917-8A6D-84BC4AC222D9}" srcOrd="0" destOrd="0" presId="urn:microsoft.com/office/officeart/2005/8/layout/process5"/>
-    <dgm:cxn modelId="{AA93C635-4FAD-4E6F-9CCC-C6E97004C69B}" type="presParOf" srcId="{5BD61685-EFEA-46D1-8EAC-C7F5FA652F5A}" destId="{392791E9-5F4B-4A5D-9FA8-CE02DFB0F3B7}" srcOrd="10" destOrd="0" presId="urn:microsoft.com/office/officeart/2005/8/layout/process5"/>
-    <dgm:cxn modelId="{45A5B7ED-5CBC-499B-8D09-B89657FCB10A}" type="presParOf" srcId="{5BD61685-EFEA-46D1-8EAC-C7F5FA652F5A}" destId="{CFEF9A24-ECDB-444A-AB45-0FBA21847897}" srcOrd="11" destOrd="0" presId="urn:microsoft.com/office/officeart/2005/8/layout/process5"/>
-    <dgm:cxn modelId="{6631168B-1A16-4BDA-8588-34AC18ED7438}" type="presParOf" srcId="{CFEF9A24-ECDB-444A-AB45-0FBA21847897}" destId="{9DFB2884-E0D6-4CFA-B761-B53B83D4D073}" srcOrd="0" destOrd="0" presId="urn:microsoft.com/office/officeart/2005/8/layout/process5"/>
-    <dgm:cxn modelId="{BE817F4B-73EF-43AD-A803-3572EE00C253}" type="presParOf" srcId="{5BD61685-EFEA-46D1-8EAC-C7F5FA652F5A}" destId="{A8C86915-318E-4FAB-860D-17954FCE7779}" srcOrd="12" destOrd="0" presId="urn:microsoft.com/office/officeart/2005/8/layout/process5"/>
-    <dgm:cxn modelId="{4C64A989-0B2A-47AA-8B9B-802DBA65E52F}" type="presParOf" srcId="{5BD61685-EFEA-46D1-8EAC-C7F5FA652F5A}" destId="{FA5F4AB8-BF6B-4051-86D7-68585D786623}" srcOrd="13" destOrd="0" presId="urn:microsoft.com/office/officeart/2005/8/layout/process5"/>
-    <dgm:cxn modelId="{27A45E21-0DD2-48DA-BDEE-038D42901B2B}" type="presParOf" srcId="{FA5F4AB8-BF6B-4051-86D7-68585D786623}" destId="{6E7E26B3-49A5-4080-9343-56991CB4723C}" srcOrd="0" destOrd="0" presId="urn:microsoft.com/office/officeart/2005/8/layout/process5"/>
-    <dgm:cxn modelId="{C62DFF99-07E6-42A9-9712-7E5CB6743C9A}" type="presParOf" srcId="{5BD61685-EFEA-46D1-8EAC-C7F5FA652F5A}" destId="{950E5EBE-44BB-4C92-9EE4-BC22460A4EF9}" srcOrd="14" destOrd="0" presId="urn:microsoft.com/office/officeart/2005/8/layout/process5"/>
-    <dgm:cxn modelId="{C3761E36-BCA3-4D92-B005-88FB3CF9D16A}" type="presParOf" srcId="{5BD61685-EFEA-46D1-8EAC-C7F5FA652F5A}" destId="{46AA52BC-8B6D-46A3-A636-CF9997F06AA4}" srcOrd="15" destOrd="0" presId="urn:microsoft.com/office/officeart/2005/8/layout/process5"/>
-    <dgm:cxn modelId="{10AE5419-3FE7-4631-863F-DA482FE4C649}" type="presParOf" srcId="{46AA52BC-8B6D-46A3-A636-CF9997F06AA4}" destId="{803980FC-9D68-4298-A4D7-ECFD6CFD77FD}" srcOrd="0" destOrd="0" presId="urn:microsoft.com/office/officeart/2005/8/layout/process5"/>
-    <dgm:cxn modelId="{0FC96F97-5D14-4FFB-BC23-33AD95BE047C}" type="presParOf" srcId="{5BD61685-EFEA-46D1-8EAC-C7F5FA652F5A}" destId="{49308249-96A5-498C-8AC7-09736140A2A8}" srcOrd="16" destOrd="0" presId="urn:microsoft.com/office/officeart/2005/8/layout/process5"/>
-    <dgm:cxn modelId="{534DD88E-48FD-4048-A4D5-370E38BCBB3D}" type="presParOf" srcId="{5BD61685-EFEA-46D1-8EAC-C7F5FA652F5A}" destId="{7BF54FDC-96D6-4CEB-B263-D3B76D35F08D}" srcOrd="17" destOrd="0" presId="urn:microsoft.com/office/officeart/2005/8/layout/process5"/>
-    <dgm:cxn modelId="{C838BA5C-D164-4F0E-82F0-31087BA245B3}" type="presParOf" srcId="{7BF54FDC-96D6-4CEB-B263-D3B76D35F08D}" destId="{5E0E70C2-F2A8-4577-B34E-60B0163DDDE2}" srcOrd="0" destOrd="0" presId="urn:microsoft.com/office/officeart/2005/8/layout/process5"/>
-    <dgm:cxn modelId="{693AD5AB-1313-4245-9A79-082D5139509F}" type="presParOf" srcId="{5BD61685-EFEA-46D1-8EAC-C7F5FA652F5A}" destId="{BC801E3C-457A-409A-B127-A8456892A3E7}" srcOrd="18" destOrd="0" presId="urn:microsoft.com/office/officeart/2005/8/layout/process5"/>
-    <dgm:cxn modelId="{D6F13BB4-6990-447B-AAC2-70B7A1CA1385}" type="presParOf" srcId="{5BD61685-EFEA-46D1-8EAC-C7F5FA652F5A}" destId="{4FFE8EC9-D9A2-40A7-A437-D999A4E561AD}" srcOrd="19" destOrd="0" presId="urn:microsoft.com/office/officeart/2005/8/layout/process5"/>
-    <dgm:cxn modelId="{C26ECC02-C31A-40DC-A98E-99443058453F}" type="presParOf" srcId="{4FFE8EC9-D9A2-40A7-A437-D999A4E561AD}" destId="{10EA3286-211D-46AB-9E8F-954B658B9276}" srcOrd="0" destOrd="0" presId="urn:microsoft.com/office/officeart/2005/8/layout/process5"/>
-    <dgm:cxn modelId="{AF44ADD3-F608-4A49-A451-5D88ECE4A80C}" type="presParOf" srcId="{5BD61685-EFEA-46D1-8EAC-C7F5FA652F5A}" destId="{9F885388-DD9F-4FC9-B8FD-7AEB89374FF2}" srcOrd="20" destOrd="0" presId="urn:microsoft.com/office/officeart/2005/8/layout/process5"/>
-    <dgm:cxn modelId="{BE05DB49-8378-409A-8B4B-F4CF49D0F850}" type="presParOf" srcId="{5BD61685-EFEA-46D1-8EAC-C7F5FA652F5A}" destId="{82A205C9-B43F-4750-8554-98B9F4070306}" srcOrd="21" destOrd="0" presId="urn:microsoft.com/office/officeart/2005/8/layout/process5"/>
-    <dgm:cxn modelId="{C8789969-5A1C-4C14-AA60-60482486EE1C}" type="presParOf" srcId="{82A205C9-B43F-4750-8554-98B9F4070306}" destId="{9607A927-0406-4927-9141-DA4EF53542AA}" srcOrd="0" destOrd="0" presId="urn:microsoft.com/office/officeart/2005/8/layout/process5"/>
-    <dgm:cxn modelId="{72088C1E-06B5-4B50-8D2A-43BC349EE979}" type="presParOf" srcId="{5BD61685-EFEA-46D1-8EAC-C7F5FA652F5A}" destId="{FBCBAEE7-C221-48EF-A1A6-E811F960AB76}" srcOrd="22" destOrd="0" presId="urn:microsoft.com/office/officeart/2005/8/layout/process5"/>
-    <dgm:cxn modelId="{A665520E-E9CA-4AA1-B727-8009F8E2DF59}" type="presParOf" srcId="{5BD61685-EFEA-46D1-8EAC-C7F5FA652F5A}" destId="{61B62871-FB35-4F21-8737-103845057CBF}" srcOrd="23" destOrd="0" presId="urn:microsoft.com/office/officeart/2005/8/layout/process5"/>
-    <dgm:cxn modelId="{0C59C304-F716-4E97-BA9F-3ADEE3E3D63B}" type="presParOf" srcId="{61B62871-FB35-4F21-8737-103845057CBF}" destId="{8E230428-6428-4476-9C7F-2D74146CF5BB}" srcOrd="0" destOrd="0" presId="urn:microsoft.com/office/officeart/2005/8/layout/process5"/>
-    <dgm:cxn modelId="{969EC660-22D2-4760-85B6-3A6D6EE07491}" type="presParOf" srcId="{5BD61685-EFEA-46D1-8EAC-C7F5FA652F5A}" destId="{F5037606-C157-4155-BED8-849633FCB3A8}" srcOrd="24" destOrd="0" presId="urn:microsoft.com/office/officeart/2005/8/layout/process5"/>
-    <dgm:cxn modelId="{0CBB3538-DD55-400C-8B87-BBC12D1096C4}" type="presParOf" srcId="{5BD61685-EFEA-46D1-8EAC-C7F5FA652F5A}" destId="{8E93EF29-2DA9-4450-A94E-E84C7B43096D}" srcOrd="25" destOrd="0" presId="urn:microsoft.com/office/officeart/2005/8/layout/process5"/>
-    <dgm:cxn modelId="{E1C0B2AD-C6CF-4CD4-865C-8F7DD394B693}" type="presParOf" srcId="{8E93EF29-2DA9-4450-A94E-E84C7B43096D}" destId="{778A386A-4C20-4FF7-83E2-F3C8471FE77A}" srcOrd="0" destOrd="0" presId="urn:microsoft.com/office/officeart/2005/8/layout/process5"/>
-    <dgm:cxn modelId="{5F6254AB-C4C7-4A6A-BCDE-53B5B33F9F04}" type="presParOf" srcId="{5BD61685-EFEA-46D1-8EAC-C7F5FA652F5A}" destId="{AA2CF8B9-19B1-4347-9C12-2F0D171E7FED}" srcOrd="26" destOrd="0" presId="urn:microsoft.com/office/officeart/2005/8/layout/process5"/>
-    <dgm:cxn modelId="{691263A7-EA14-478A-AD8D-85C49E7FEB16}" type="presParOf" srcId="{5BD61685-EFEA-46D1-8EAC-C7F5FA652F5A}" destId="{2BE4EF29-79FD-4B6C-B4B7-7871815716AD}" srcOrd="27" destOrd="0" presId="urn:microsoft.com/office/officeart/2005/8/layout/process5"/>
-    <dgm:cxn modelId="{E3404015-E02A-403E-A5A8-D548B0E6FDE8}" type="presParOf" srcId="{2BE4EF29-79FD-4B6C-B4B7-7871815716AD}" destId="{0536B591-B061-4898-842A-3728931B5BEF}" srcOrd="0" destOrd="0" presId="urn:microsoft.com/office/officeart/2005/8/layout/process5"/>
-    <dgm:cxn modelId="{BE42DE19-20A9-4606-AC39-71D32451DA70}" type="presParOf" srcId="{5BD61685-EFEA-46D1-8EAC-C7F5FA652F5A}" destId="{895B3D7B-4668-43EF-92F3-F16B71473439}" srcOrd="28" destOrd="0" presId="urn:microsoft.com/office/officeart/2005/8/layout/process5"/>
+    <dgm:cxn modelId="{D4023FEE-157F-49C6-ACAC-91D36DD048C7}" type="presParOf" srcId="{DD3C201D-6F0E-4E80-8A4B-54BFE3AB5355}" destId="{D8CE9071-4049-4819-A4D8-5167789C7C51}" srcOrd="0" destOrd="0" presId="urn:microsoft.com/office/officeart/2005/8/layout/process5"/>
+    <dgm:cxn modelId="{CAC6EF46-C5AE-446A-9FE1-192AD98E8180}" type="presParOf" srcId="{DD3C201D-6F0E-4E80-8A4B-54BFE3AB5355}" destId="{D8BC0FC3-1732-4A41-910A-DC713AC915F0}" srcOrd="1" destOrd="0" presId="urn:microsoft.com/office/officeart/2005/8/layout/process5"/>
+    <dgm:cxn modelId="{08DA0B38-3A94-485B-9B9E-8B8AFF68FDF4}" type="presParOf" srcId="{D8BC0FC3-1732-4A41-910A-DC713AC915F0}" destId="{14A77041-243A-4B4E-AFB6-5564FDEED79A}" srcOrd="0" destOrd="0" presId="urn:microsoft.com/office/officeart/2005/8/layout/process5"/>
+    <dgm:cxn modelId="{E88FF328-F48F-4914-8E9E-93BF88B5EE45}" type="presParOf" srcId="{DD3C201D-6F0E-4E80-8A4B-54BFE3AB5355}" destId="{D262D2C9-DD8B-435E-BD6B-2A90010EE04B}" srcOrd="2" destOrd="0" presId="urn:microsoft.com/office/officeart/2005/8/layout/process5"/>
+    <dgm:cxn modelId="{A218EC70-ECA6-4433-AA01-E642F38B4309}" type="presParOf" srcId="{DD3C201D-6F0E-4E80-8A4B-54BFE3AB5355}" destId="{68C0E020-4FD0-4491-BAE4-B0295B8EB972}" srcOrd="3" destOrd="0" presId="urn:microsoft.com/office/officeart/2005/8/layout/process5"/>
+    <dgm:cxn modelId="{5463A9D7-7C5D-4B91-B5A1-EACDBFE82E30}" type="presParOf" srcId="{68C0E020-4FD0-4491-BAE4-B0295B8EB972}" destId="{54104EE3-829A-4FA2-AEE6-EB6EC90522B7}" srcOrd="0" destOrd="0" presId="urn:microsoft.com/office/officeart/2005/8/layout/process5"/>
+    <dgm:cxn modelId="{67881C4E-FA85-4282-BA3A-DBCD44EF4F0E}" type="presParOf" srcId="{DD3C201D-6F0E-4E80-8A4B-54BFE3AB5355}" destId="{AC5DA3F6-BC12-4EFB-8885-CBED78A91B80}" srcOrd="4" destOrd="0" presId="urn:microsoft.com/office/officeart/2005/8/layout/process5"/>
+    <dgm:cxn modelId="{DD05DC8D-EA8D-41B7-9ED8-E8874314E645}" type="presParOf" srcId="{DD3C201D-6F0E-4E80-8A4B-54BFE3AB5355}" destId="{7AF6076B-F6E4-48D2-B941-932FBF7B5BF8}" srcOrd="5" destOrd="0" presId="urn:microsoft.com/office/officeart/2005/8/layout/process5"/>
+    <dgm:cxn modelId="{4C5FB5B1-952B-4F97-ABA2-5DABD03F991D}" type="presParOf" srcId="{7AF6076B-F6E4-48D2-B941-932FBF7B5BF8}" destId="{8894FEA4-08FF-40D1-BEBA-E252738416C6}" srcOrd="0" destOrd="0" presId="urn:microsoft.com/office/officeart/2005/8/layout/process5"/>
+    <dgm:cxn modelId="{9619B76B-CBA0-4356-9725-F787B8863747}" type="presParOf" srcId="{DD3C201D-6F0E-4E80-8A4B-54BFE3AB5355}" destId="{BDC9D4F9-6BFA-4FBD-ABCD-1E6096C92643}" srcOrd="6" destOrd="0" presId="urn:microsoft.com/office/officeart/2005/8/layout/process5"/>
+    <dgm:cxn modelId="{66D18A5B-45FF-4F3E-B116-92B78B814A94}" type="presParOf" srcId="{DD3C201D-6F0E-4E80-8A4B-54BFE3AB5355}" destId="{5EBDDE8C-1468-4CA2-9D2A-300F69E062E0}" srcOrd="7" destOrd="0" presId="urn:microsoft.com/office/officeart/2005/8/layout/process5"/>
+    <dgm:cxn modelId="{003D40B5-2C7A-4213-A4D1-8EFEAE9AE27D}" type="presParOf" srcId="{5EBDDE8C-1468-4CA2-9D2A-300F69E062E0}" destId="{7DA26E4B-50EA-43A1-BA6A-2BC6B90858A8}" srcOrd="0" destOrd="0" presId="urn:microsoft.com/office/officeart/2005/8/layout/process5"/>
+    <dgm:cxn modelId="{04393FA4-90E3-46F3-949C-905834B85B0D}" type="presParOf" srcId="{DD3C201D-6F0E-4E80-8A4B-54BFE3AB5355}" destId="{C58AF20F-1669-42BD-9ACE-636E78C80D8D}" srcOrd="8" destOrd="0" presId="urn:microsoft.com/office/officeart/2005/8/layout/process5"/>
+    <dgm:cxn modelId="{8C649149-8809-4520-B307-3CFAE16F5A76}" type="presParOf" srcId="{DD3C201D-6F0E-4E80-8A4B-54BFE3AB5355}" destId="{7557190D-BD84-403C-8960-28C9063E0A41}" srcOrd="9" destOrd="0" presId="urn:microsoft.com/office/officeart/2005/8/layout/process5"/>
+    <dgm:cxn modelId="{6E8BEC5B-8B47-46B2-8A5A-19398BEE9837}" type="presParOf" srcId="{7557190D-BD84-403C-8960-28C9063E0A41}" destId="{AF370918-BBE7-47DE-9DDB-042D6DBD5351}" srcOrd="0" destOrd="0" presId="urn:microsoft.com/office/officeart/2005/8/layout/process5"/>
+    <dgm:cxn modelId="{08AB0B86-C9C4-485D-9DD0-D74C68DE4265}" type="presParOf" srcId="{DD3C201D-6F0E-4E80-8A4B-54BFE3AB5355}" destId="{CEA0BD65-F717-4769-8AAE-60686BDF38C6}" srcOrd="10" destOrd="0" presId="urn:microsoft.com/office/officeart/2005/8/layout/process5"/>
+    <dgm:cxn modelId="{9EA05C14-F0B1-4A64-972D-03D720A22ADF}" type="presParOf" srcId="{DD3C201D-6F0E-4E80-8A4B-54BFE3AB5355}" destId="{410531A4-8815-4C70-A912-5F4BFF301227}" srcOrd="11" destOrd="0" presId="urn:microsoft.com/office/officeart/2005/8/layout/process5"/>
+    <dgm:cxn modelId="{DD26D59B-6C44-4A48-9723-3D5EB65803C9}" type="presParOf" srcId="{410531A4-8815-4C70-A912-5F4BFF301227}" destId="{5751433D-ADA2-46FB-B9AA-C072072411AA}" srcOrd="0" destOrd="0" presId="urn:microsoft.com/office/officeart/2005/8/layout/process5"/>
+    <dgm:cxn modelId="{091F1206-383E-449D-BE68-A1EE8BA4BF4D}" type="presParOf" srcId="{DD3C201D-6F0E-4E80-8A4B-54BFE3AB5355}" destId="{341AA5BA-4B19-42C6-8956-FA95EC009B5C}" srcOrd="12" destOrd="0" presId="urn:microsoft.com/office/officeart/2005/8/layout/process5"/>
+    <dgm:cxn modelId="{68D04261-8678-4F08-BBC5-1EECBC5C7647}" type="presParOf" srcId="{DD3C201D-6F0E-4E80-8A4B-54BFE3AB5355}" destId="{4B7269C3-4712-4AFA-A269-612EBE88A570}" srcOrd="13" destOrd="0" presId="urn:microsoft.com/office/officeart/2005/8/layout/process5"/>
+    <dgm:cxn modelId="{10299F4B-194D-4B44-B06E-4CC8D7D66335}" type="presParOf" srcId="{4B7269C3-4712-4AFA-A269-612EBE88A570}" destId="{07A07C47-5489-4A8A-A94A-24D34432A1A3}" srcOrd="0" destOrd="0" presId="urn:microsoft.com/office/officeart/2005/8/layout/process5"/>
+    <dgm:cxn modelId="{1437F9BF-376A-4982-9FDA-AA689B126AC5}" type="presParOf" srcId="{DD3C201D-6F0E-4E80-8A4B-54BFE3AB5355}" destId="{17C43CC8-89E5-42D9-897A-A0E634920B88}" srcOrd="14" destOrd="0" presId="urn:microsoft.com/office/officeart/2005/8/layout/process5"/>
+    <dgm:cxn modelId="{3FBC5228-5204-4E43-ADF4-12B7A4F14C0B}" type="presParOf" srcId="{DD3C201D-6F0E-4E80-8A4B-54BFE3AB5355}" destId="{753DAADC-2DC2-4646-8545-1D7C89C91F5A}" srcOrd="15" destOrd="0" presId="urn:microsoft.com/office/officeart/2005/8/layout/process5"/>
+    <dgm:cxn modelId="{1ABDBCCE-135D-4B28-96A3-D2BC5325F543}" type="presParOf" srcId="{753DAADC-2DC2-4646-8545-1D7C89C91F5A}" destId="{0B087793-5D7E-4ADA-835F-F373F886BEAA}" srcOrd="0" destOrd="0" presId="urn:microsoft.com/office/officeart/2005/8/layout/process5"/>
+    <dgm:cxn modelId="{3F25A3CD-175F-4007-949C-FBD95C043401}" type="presParOf" srcId="{DD3C201D-6F0E-4E80-8A4B-54BFE3AB5355}" destId="{2CA64BA6-F8FC-4DB6-8782-658549C2A2F5}" srcOrd="16" destOrd="0" presId="urn:microsoft.com/office/officeart/2005/8/layout/process5"/>
+    <dgm:cxn modelId="{F073BFFE-0848-4BEB-8BE5-910FB74F9CFC}" type="presParOf" srcId="{DD3C201D-6F0E-4E80-8A4B-54BFE3AB5355}" destId="{C8DC4A97-B93F-49C9-A57A-6ED88871F429}" srcOrd="17" destOrd="0" presId="urn:microsoft.com/office/officeart/2005/8/layout/process5"/>
+    <dgm:cxn modelId="{CF4A0F75-8FB0-4816-B7EE-B8C7257242E4}" type="presParOf" srcId="{C8DC4A97-B93F-49C9-A57A-6ED88871F429}" destId="{BAAC5FEA-FA57-400D-8C70-0A96EBCF3498}" srcOrd="0" destOrd="0" presId="urn:microsoft.com/office/officeart/2005/8/layout/process5"/>
+    <dgm:cxn modelId="{B4C6378E-E136-4020-9E00-B9D57C14422D}" type="presParOf" srcId="{DD3C201D-6F0E-4E80-8A4B-54BFE3AB5355}" destId="{7A916C5C-A383-4442-8ABE-0E566FAF7F88}" srcOrd="18" destOrd="0" presId="urn:microsoft.com/office/officeart/2005/8/layout/process5"/>
+    <dgm:cxn modelId="{6C2CE79A-70C4-4FD3-BAEA-6427503F2D1B}" type="presParOf" srcId="{DD3C201D-6F0E-4E80-8A4B-54BFE3AB5355}" destId="{F09400A7-1C09-4CAA-8CEC-B5CC4FCF0436}" srcOrd="19" destOrd="0" presId="urn:microsoft.com/office/officeart/2005/8/layout/process5"/>
+    <dgm:cxn modelId="{65FF5E85-BC37-4BAF-BD41-F7F7EFC0F4DF}" type="presParOf" srcId="{F09400A7-1C09-4CAA-8CEC-B5CC4FCF0436}" destId="{E52CB78F-1830-4D1F-86FE-30FF2625FC56}" srcOrd="0" destOrd="0" presId="urn:microsoft.com/office/officeart/2005/8/layout/process5"/>
+    <dgm:cxn modelId="{F0AFC259-230A-4816-A450-CC7939F27184}" type="presParOf" srcId="{DD3C201D-6F0E-4E80-8A4B-54BFE3AB5355}" destId="{3B377935-DD62-49ED-861C-ADAE53057C46}" srcOrd="20" destOrd="0" presId="urn:microsoft.com/office/officeart/2005/8/layout/process5"/>
+    <dgm:cxn modelId="{CAAAA632-F44A-4C4F-A298-D8745061E2B5}" type="presParOf" srcId="{DD3C201D-6F0E-4E80-8A4B-54BFE3AB5355}" destId="{E0F896DA-1C5B-4BB5-9200-9DB6D15CD0F4}" srcOrd="21" destOrd="0" presId="urn:microsoft.com/office/officeart/2005/8/layout/process5"/>
+    <dgm:cxn modelId="{DBFF865A-5B1A-4C09-8974-1A797D488D9B}" type="presParOf" srcId="{E0F896DA-1C5B-4BB5-9200-9DB6D15CD0F4}" destId="{F613C6D6-D82E-4D35-B82B-BDF59FF814FF}" srcOrd="0" destOrd="0" presId="urn:microsoft.com/office/officeart/2005/8/layout/process5"/>
+    <dgm:cxn modelId="{38E2D8E1-CC8D-435F-B27A-1AD09C786118}" type="presParOf" srcId="{DD3C201D-6F0E-4E80-8A4B-54BFE3AB5355}" destId="{0D152BF3-CDA8-438C-9FBF-80B154BE6C02}" srcOrd="22" destOrd="0" presId="urn:microsoft.com/office/officeart/2005/8/layout/process5"/>
+    <dgm:cxn modelId="{3EFED807-A63F-469E-B5EC-FE6E7657CBC8}" type="presParOf" srcId="{DD3C201D-6F0E-4E80-8A4B-54BFE3AB5355}" destId="{3C1633DE-B658-47F6-9062-D832C6035B5D}" srcOrd="23" destOrd="0" presId="urn:microsoft.com/office/officeart/2005/8/layout/process5"/>
+    <dgm:cxn modelId="{6CACEF55-D3DA-4B15-930F-529F50A513FF}" type="presParOf" srcId="{3C1633DE-B658-47F6-9062-D832C6035B5D}" destId="{96BC49EA-65BD-4002-BF42-F4F2AA393C28}" srcOrd="0" destOrd="0" presId="urn:microsoft.com/office/officeart/2005/8/layout/process5"/>
+    <dgm:cxn modelId="{B4646398-F1A1-4A5C-9867-6D8CA7547245}" type="presParOf" srcId="{DD3C201D-6F0E-4E80-8A4B-54BFE3AB5355}" destId="{92184039-C2F0-49BA-9552-41BCEBCC15D8}" srcOrd="24" destOrd="0" presId="urn:microsoft.com/office/officeart/2005/8/layout/process5"/>
+    <dgm:cxn modelId="{69B9614C-CCE6-44BF-A3A4-47F546B20775}" type="presParOf" srcId="{DD3C201D-6F0E-4E80-8A4B-54BFE3AB5355}" destId="{EF4EE57F-91C1-43A1-A371-A8AAD541BC2A}" srcOrd="25" destOrd="0" presId="urn:microsoft.com/office/officeart/2005/8/layout/process5"/>
+    <dgm:cxn modelId="{C389B6B8-A3CA-4521-82B6-EE1CF211AB32}" type="presParOf" srcId="{EF4EE57F-91C1-43A1-A371-A8AAD541BC2A}" destId="{D0A73825-3220-4CB7-8032-F0492EDBDBE9}" srcOrd="0" destOrd="0" presId="urn:microsoft.com/office/officeart/2005/8/layout/process5"/>
+    <dgm:cxn modelId="{39BFBDD0-A748-4DF1-BF17-481F1D84E43E}" type="presParOf" srcId="{DD3C201D-6F0E-4E80-8A4B-54BFE3AB5355}" destId="{12CE1CFD-B93F-4649-9E0B-098C55B343AE}" srcOrd="26" destOrd="0" presId="urn:microsoft.com/office/officeart/2005/8/layout/process5"/>
+    <dgm:cxn modelId="{839B002F-C461-4A04-AC09-2CF8C17B9C91}" type="presParOf" srcId="{DD3C201D-6F0E-4E80-8A4B-54BFE3AB5355}" destId="{EBF866C1-118F-4269-9E20-52CB3BB6C7E7}" srcOrd="27" destOrd="0" presId="urn:microsoft.com/office/officeart/2005/8/layout/process5"/>
+    <dgm:cxn modelId="{A9764235-E844-4AF4-B1CF-A429FBD06277}" type="presParOf" srcId="{EBF866C1-118F-4269-9E20-52CB3BB6C7E7}" destId="{74A26CB0-783A-457D-8F81-BF72E2882B62}" srcOrd="0" destOrd="0" presId="urn:microsoft.com/office/officeart/2005/8/layout/process5"/>
+    <dgm:cxn modelId="{E42FDAFD-D060-47AA-80E1-1D333FBF2DC6}" type="presParOf" srcId="{DD3C201D-6F0E-4E80-8A4B-54BFE3AB5355}" destId="{B5F89BEC-1ADB-4A7C-9AC2-FA8321D875EE}" srcOrd="28" destOrd="0" presId="urn:microsoft.com/office/officeart/2005/8/layout/process5"/>
   </dgm:cxnLst>
   <dgm:bg/>
   <dgm:whole/>
@@ -4820,7 +4820,7 @@
       <dsp:cNvGrpSpPr/>
     </dsp:nvGrpSpPr>
     <dsp:grpSpPr/>
-    <dsp:sp modelId="{8D0241DE-6AAC-4256-9E26-64AD3F43CDBB}">
+    <dsp:sp modelId="{D8CE9071-4049-4819-A4D8-5167789C7C51}">
       <dsp:nvSpPr>
         <dsp:cNvPr id="0" name=""/>
         <dsp:cNvSpPr/>
@@ -4843,31 +4843,29 @@
             <a:alphaOff val="0"/>
           </a:schemeClr>
         </a:solidFill>
-        <a:ln>
-          <a:noFill/>
+        <a:ln w="12700" cap="flat" cmpd="sng" algn="ctr">
+          <a:solidFill>
+            <a:schemeClr val="dk1">
+              <a:shade val="80000"/>
+              <a:hueOff val="0"/>
+              <a:satOff val="0"/>
+              <a:lumOff val="0"/>
+              <a:alphaOff val="0"/>
+            </a:schemeClr>
+          </a:solidFill>
+          <a:prstDash val="solid"/>
+          <a:miter lim="800000"/>
         </a:ln>
         <a:effectLst/>
-        <a:scene3d>
-          <a:camera prst="orthographicFront">
-            <a:rot lat="0" lon="0" rev="0"/>
-          </a:camera>
-          <a:lightRig rig="contrasting" dir="t">
-            <a:rot lat="0" lon="0" rev="1200000"/>
-          </a:lightRig>
-        </a:scene3d>
-        <a:sp3d contourW="19050" prstMaterial="metal">
-          <a:bevelT w="88900" h="203200"/>
-          <a:bevelB w="165100" h="254000"/>
-        </a:sp3d>
       </dsp:spPr>
       <dsp:style>
-        <a:lnRef idx="0">
+        <a:lnRef idx="2">
           <a:scrgbClr r="0" g="0" b="0"/>
         </a:lnRef>
         <a:fillRef idx="1">
           <a:scrgbClr r="0" g="0" b="0"/>
         </a:fillRef>
-        <a:effectRef idx="2">
+        <a:effectRef idx="0">
           <a:scrgbClr r="0" g="0" b="0"/>
         </a:effectRef>
         <a:fontRef idx="minor">
@@ -4904,7 +4902,7 @@
         <a:ext cx="1598684" cy="935916"/>
       </dsp:txXfrm>
     </dsp:sp>
-    <dsp:sp modelId="{E5FE6FB6-CC7E-4A7D-AAD3-A1B8B90A387C}">
+    <dsp:sp modelId="{D8BC0FC3-1732-4A41-910A-DC713AC915F0}">
       <dsp:nvSpPr>
         <dsp:cNvPr id="0" name=""/>
         <dsp:cNvSpPr/>
@@ -4933,18 +4931,6 @@
           <a:noFill/>
         </a:ln>
         <a:effectLst/>
-        <a:scene3d>
-          <a:camera prst="orthographicFront">
-            <a:rot lat="0" lon="0" rev="0"/>
-          </a:camera>
-          <a:lightRig rig="contrasting" dir="t">
-            <a:rot lat="0" lon="0" rev="1200000"/>
-          </a:lightRig>
-        </a:scene3d>
-        <a:sp3d z="-182000" contourW="19050" prstMaterial="metal">
-          <a:bevelT w="88900" h="203200"/>
-          <a:bevelB w="165100" h="254000"/>
-        </a:sp3d>
       </dsp:spPr>
       <dsp:style>
         <a:lnRef idx="0">
@@ -4986,7 +4972,7 @@
         <a:ext cx="245887" cy="246550"/>
       </dsp:txXfrm>
     </dsp:sp>
-    <dsp:sp modelId="{AE445B88-DC01-4FCA-A481-B4C32925223B}">
+    <dsp:sp modelId="{D262D2C9-DD8B-435E-BD6B-2A90010EE04B}">
       <dsp:nvSpPr>
         <dsp:cNvPr id="0" name=""/>
         <dsp:cNvSpPr/>
@@ -5009,31 +4995,29 @@
             <a:alphaOff val="0"/>
           </a:schemeClr>
         </a:solidFill>
-        <a:ln>
-          <a:noFill/>
+        <a:ln w="12700" cap="flat" cmpd="sng" algn="ctr">
+          <a:solidFill>
+            <a:schemeClr val="dk1">
+              <a:shade val="80000"/>
+              <a:hueOff val="0"/>
+              <a:satOff val="0"/>
+              <a:lumOff val="0"/>
+              <a:alphaOff val="0"/>
+            </a:schemeClr>
+          </a:solidFill>
+          <a:prstDash val="solid"/>
+          <a:miter lim="800000"/>
         </a:ln>
         <a:effectLst/>
-        <a:scene3d>
-          <a:camera prst="orthographicFront">
-            <a:rot lat="0" lon="0" rev="0"/>
-          </a:camera>
-          <a:lightRig rig="contrasting" dir="t">
-            <a:rot lat="0" lon="0" rev="1200000"/>
-          </a:lightRig>
-        </a:scene3d>
-        <a:sp3d contourW="19050" prstMaterial="metal">
-          <a:bevelT w="88900" h="203200"/>
-          <a:bevelB w="165100" h="254000"/>
-        </a:sp3d>
       </dsp:spPr>
       <dsp:style>
-        <a:lnRef idx="0">
+        <a:lnRef idx="2">
           <a:scrgbClr r="0" g="0" b="0"/>
         </a:lnRef>
         <a:fillRef idx="1">
           <a:scrgbClr r="0" g="0" b="0"/>
         </a:fillRef>
-        <a:effectRef idx="2">
+        <a:effectRef idx="0">
           <a:scrgbClr r="0" g="0" b="0"/>
         </a:effectRef>
         <a:fontRef idx="minor">
@@ -5069,7 +5053,7 @@
         <a:ext cx="1598684" cy="935916"/>
       </dsp:txXfrm>
     </dsp:sp>
-    <dsp:sp modelId="{ED444A14-DA62-4744-B946-403D32E225A0}">
+    <dsp:sp modelId="{68C0E020-4FD0-4491-BAE4-B0295B8EB972}">
       <dsp:nvSpPr>
         <dsp:cNvPr id="0" name=""/>
         <dsp:cNvSpPr/>
@@ -5098,18 +5082,6 @@
           <a:noFill/>
         </a:ln>
         <a:effectLst/>
-        <a:scene3d>
-          <a:camera prst="orthographicFront">
-            <a:rot lat="0" lon="0" rev="0"/>
-          </a:camera>
-          <a:lightRig rig="contrasting" dir="t">
-            <a:rot lat="0" lon="0" rev="1200000"/>
-          </a:lightRig>
-        </a:scene3d>
-        <a:sp3d z="-182000" contourW="19050" prstMaterial="metal">
-          <a:bevelT w="88900" h="203200"/>
-          <a:bevelB w="165100" h="254000"/>
-        </a:sp3d>
       </dsp:spPr>
       <dsp:style>
         <a:lnRef idx="0">
@@ -5151,7 +5123,7 @@
         <a:ext cx="245887" cy="246550"/>
       </dsp:txXfrm>
     </dsp:sp>
-    <dsp:sp modelId="{F46EE843-9331-4658-BB07-9E488F6BE40F}">
+    <dsp:sp modelId="{AC5DA3F6-BC12-4EFB-8885-CBED78A91B80}">
       <dsp:nvSpPr>
         <dsp:cNvPr id="0" name=""/>
         <dsp:cNvSpPr/>
@@ -5174,31 +5146,29 @@
             <a:alphaOff val="0"/>
           </a:schemeClr>
         </a:solidFill>
-        <a:ln>
-          <a:noFill/>
+        <a:ln w="12700" cap="flat" cmpd="sng" algn="ctr">
+          <a:solidFill>
+            <a:schemeClr val="dk1">
+              <a:shade val="80000"/>
+              <a:hueOff val="0"/>
+              <a:satOff val="0"/>
+              <a:lumOff val="0"/>
+              <a:alphaOff val="0"/>
+            </a:schemeClr>
+          </a:solidFill>
+          <a:prstDash val="solid"/>
+          <a:miter lim="800000"/>
         </a:ln>
         <a:effectLst/>
-        <a:scene3d>
-          <a:camera prst="orthographicFront">
-            <a:rot lat="0" lon="0" rev="0"/>
-          </a:camera>
-          <a:lightRig rig="contrasting" dir="t">
-            <a:rot lat="0" lon="0" rev="1200000"/>
-          </a:lightRig>
-        </a:scene3d>
-        <a:sp3d contourW="19050" prstMaterial="metal">
-          <a:bevelT w="88900" h="203200"/>
-          <a:bevelB w="165100" h="254000"/>
-        </a:sp3d>
       </dsp:spPr>
       <dsp:style>
-        <a:lnRef idx="0">
+        <a:lnRef idx="2">
           <a:scrgbClr r="0" g="0" b="0"/>
         </a:lnRef>
         <a:fillRef idx="1">
           <a:scrgbClr r="0" g="0" b="0"/>
         </a:fillRef>
-        <a:effectRef idx="2">
+        <a:effectRef idx="0">
           <a:scrgbClr r="0" g="0" b="0"/>
         </a:effectRef>
         <a:fontRef idx="minor">
@@ -5282,7 +5252,7 @@
         <a:ext cx="1598684" cy="935916"/>
       </dsp:txXfrm>
     </dsp:sp>
-    <dsp:sp modelId="{2B2B9ABD-C83B-408B-9C62-8BCF95D32E0E}">
+    <dsp:sp modelId="{7AF6076B-F6E4-48D2-B941-932FBF7B5BF8}">
       <dsp:nvSpPr>
         <dsp:cNvPr id="0" name=""/>
         <dsp:cNvSpPr/>
@@ -5311,18 +5281,6 @@
           <a:noFill/>
         </a:ln>
         <a:effectLst/>
-        <a:scene3d>
-          <a:camera prst="orthographicFront">
-            <a:rot lat="0" lon="0" rev="0"/>
-          </a:camera>
-          <a:lightRig rig="contrasting" dir="t">
-            <a:rot lat="0" lon="0" rev="1200000"/>
-          </a:lightRig>
-        </a:scene3d>
-        <a:sp3d z="-182000" contourW="19050" prstMaterial="metal">
-          <a:bevelT w="88900" h="203200"/>
-          <a:bevelB w="165100" h="254000"/>
-        </a:sp3d>
       </dsp:spPr>
       <dsp:style>
         <a:lnRef idx="0">
@@ -5364,7 +5322,7 @@
         <a:ext cx="245887" cy="246550"/>
       </dsp:txXfrm>
     </dsp:sp>
-    <dsp:sp modelId="{E1B631AD-BBC2-4EDF-B8AF-97B4C55E6634}">
+    <dsp:sp modelId="{BDC9D4F9-6BFA-4FBD-ABCD-1E6096C92643}">
       <dsp:nvSpPr>
         <dsp:cNvPr id="0" name=""/>
         <dsp:cNvSpPr/>
@@ -5387,31 +5345,29 @@
             <a:alphaOff val="0"/>
           </a:schemeClr>
         </a:solidFill>
-        <a:ln>
-          <a:noFill/>
+        <a:ln w="12700" cap="flat" cmpd="sng" algn="ctr">
+          <a:solidFill>
+            <a:schemeClr val="dk1">
+              <a:shade val="80000"/>
+              <a:hueOff val="0"/>
+              <a:satOff val="0"/>
+              <a:lumOff val="0"/>
+              <a:alphaOff val="0"/>
+            </a:schemeClr>
+          </a:solidFill>
+          <a:prstDash val="solid"/>
+          <a:miter lim="800000"/>
         </a:ln>
         <a:effectLst/>
-        <a:scene3d>
-          <a:camera prst="orthographicFront">
-            <a:rot lat="0" lon="0" rev="0"/>
-          </a:camera>
-          <a:lightRig rig="contrasting" dir="t">
-            <a:rot lat="0" lon="0" rev="1200000"/>
-          </a:lightRig>
-        </a:scene3d>
-        <a:sp3d contourW="19050" prstMaterial="metal">
-          <a:bevelT w="88900" h="203200"/>
-          <a:bevelB w="165100" h="254000"/>
-        </a:sp3d>
       </dsp:spPr>
       <dsp:style>
-        <a:lnRef idx="0">
+        <a:lnRef idx="2">
           <a:scrgbClr r="0" g="0" b="0"/>
         </a:lnRef>
         <a:fillRef idx="1">
           <a:scrgbClr r="0" g="0" b="0"/>
         </a:fillRef>
-        <a:effectRef idx="2">
+        <a:effectRef idx="0">
           <a:scrgbClr r="0" g="0" b="0"/>
         </a:effectRef>
         <a:fontRef idx="minor">
@@ -5452,7 +5408,7 @@
         <a:ext cx="1598684" cy="935916"/>
       </dsp:txXfrm>
     </dsp:sp>
-    <dsp:sp modelId="{AFA14F17-7D20-4997-B6B3-B68C9189D6AE}">
+    <dsp:sp modelId="{5EBDDE8C-1468-4CA2-9D2A-300F69E062E0}">
       <dsp:nvSpPr>
         <dsp:cNvPr id="0" name=""/>
         <dsp:cNvSpPr/>
@@ -5481,18 +5437,6 @@
           <a:noFill/>
         </a:ln>
         <a:effectLst/>
-        <a:scene3d>
-          <a:camera prst="orthographicFront">
-            <a:rot lat="0" lon="0" rev="0"/>
-          </a:camera>
-          <a:lightRig rig="contrasting" dir="t">
-            <a:rot lat="0" lon="0" rev="1200000"/>
-          </a:lightRig>
-        </a:scene3d>
-        <a:sp3d z="-182000" contourW="19050" prstMaterial="metal">
-          <a:bevelT w="88900" h="203200"/>
-          <a:bevelB w="165100" h="254000"/>
-        </a:sp3d>
       </dsp:spPr>
       <dsp:style>
         <a:lnRef idx="0">
@@ -5534,7 +5478,7 @@
         <a:ext cx="245887" cy="246550"/>
       </dsp:txXfrm>
     </dsp:sp>
-    <dsp:sp modelId="{698E58E8-AF14-4031-A07C-A81D1EE1B47E}">
+    <dsp:sp modelId="{C58AF20F-1669-42BD-9ACE-636E78C80D8D}">
       <dsp:nvSpPr>
         <dsp:cNvPr id="0" name=""/>
         <dsp:cNvSpPr/>
@@ -5557,31 +5501,29 @@
             <a:alphaOff val="0"/>
           </a:schemeClr>
         </a:solidFill>
-        <a:ln>
-          <a:noFill/>
+        <a:ln w="12700" cap="flat" cmpd="sng" algn="ctr">
+          <a:solidFill>
+            <a:schemeClr val="dk1">
+              <a:shade val="80000"/>
+              <a:hueOff val="0"/>
+              <a:satOff val="0"/>
+              <a:lumOff val="0"/>
+              <a:alphaOff val="0"/>
+            </a:schemeClr>
+          </a:solidFill>
+          <a:prstDash val="solid"/>
+          <a:miter lim="800000"/>
         </a:ln>
         <a:effectLst/>
-        <a:scene3d>
-          <a:camera prst="orthographicFront">
-            <a:rot lat="0" lon="0" rev="0"/>
-          </a:camera>
-          <a:lightRig rig="contrasting" dir="t">
-            <a:rot lat="0" lon="0" rev="1200000"/>
-          </a:lightRig>
-        </a:scene3d>
-        <a:sp3d contourW="19050" prstMaterial="metal">
-          <a:bevelT w="88900" h="203200"/>
-          <a:bevelB w="165100" h="254000"/>
-        </a:sp3d>
       </dsp:spPr>
       <dsp:style>
-        <a:lnRef idx="0">
+        <a:lnRef idx="2">
           <a:scrgbClr r="0" g="0" b="0"/>
         </a:lnRef>
         <a:fillRef idx="1">
           <a:scrgbClr r="0" g="0" b="0"/>
         </a:fillRef>
-        <a:effectRef idx="2">
+        <a:effectRef idx="0">
           <a:scrgbClr r="0" g="0" b="0"/>
         </a:effectRef>
         <a:fontRef idx="minor">
@@ -5617,7 +5559,7 @@
         <a:ext cx="1598684" cy="935916"/>
       </dsp:txXfrm>
     </dsp:sp>
-    <dsp:sp modelId="{4AAFA0DD-427F-4A02-AB70-3B417E712B3A}">
+    <dsp:sp modelId="{7557190D-BD84-403C-8960-28C9063E0A41}">
       <dsp:nvSpPr>
         <dsp:cNvPr id="0" name=""/>
         <dsp:cNvSpPr/>
@@ -5646,18 +5588,6 @@
           <a:noFill/>
         </a:ln>
         <a:effectLst/>
-        <a:scene3d>
-          <a:camera prst="orthographicFront">
-            <a:rot lat="0" lon="0" rev="0"/>
-          </a:camera>
-          <a:lightRig rig="contrasting" dir="t">
-            <a:rot lat="0" lon="0" rev="1200000"/>
-          </a:lightRig>
-        </a:scene3d>
-        <a:sp3d z="-182000" contourW="19050" prstMaterial="metal">
-          <a:bevelT w="88900" h="203200"/>
-          <a:bevelB w="165100" h="254000"/>
-        </a:sp3d>
       </dsp:spPr>
       <dsp:style>
         <a:lnRef idx="0">
@@ -5699,7 +5629,7 @@
         <a:ext cx="246550" cy="245887"/>
       </dsp:txXfrm>
     </dsp:sp>
-    <dsp:sp modelId="{392791E9-5F4B-4A5D-9FA8-CE02DFB0F3B7}">
+    <dsp:sp modelId="{CEA0BD65-F717-4769-8AAE-60686BDF38C6}">
       <dsp:nvSpPr>
         <dsp:cNvPr id="0" name=""/>
         <dsp:cNvSpPr/>
@@ -5722,31 +5652,29 @@
             <a:alphaOff val="0"/>
           </a:schemeClr>
         </a:solidFill>
-        <a:ln>
-          <a:noFill/>
+        <a:ln w="12700" cap="flat" cmpd="sng" algn="ctr">
+          <a:solidFill>
+            <a:schemeClr val="dk1">
+              <a:shade val="80000"/>
+              <a:hueOff val="0"/>
+              <a:satOff val="0"/>
+              <a:lumOff val="0"/>
+              <a:alphaOff val="0"/>
+            </a:schemeClr>
+          </a:solidFill>
+          <a:prstDash val="solid"/>
+          <a:miter lim="800000"/>
         </a:ln>
         <a:effectLst/>
-        <a:scene3d>
-          <a:camera prst="orthographicFront">
-            <a:rot lat="0" lon="0" rev="0"/>
-          </a:camera>
-          <a:lightRig rig="contrasting" dir="t">
-            <a:rot lat="0" lon="0" rev="1200000"/>
-          </a:lightRig>
-        </a:scene3d>
-        <a:sp3d contourW="19050" prstMaterial="metal">
-          <a:bevelT w="88900" h="203200"/>
-          <a:bevelB w="165100" h="254000"/>
-        </a:sp3d>
       </dsp:spPr>
       <dsp:style>
-        <a:lnRef idx="0">
+        <a:lnRef idx="2">
           <a:scrgbClr r="0" g="0" b="0"/>
         </a:lnRef>
         <a:fillRef idx="1">
           <a:scrgbClr r="0" g="0" b="0"/>
         </a:fillRef>
-        <a:effectRef idx="2">
+        <a:effectRef idx="0">
           <a:scrgbClr r="0" g="0" b="0"/>
         </a:effectRef>
         <a:fontRef idx="minor">
@@ -5782,7 +5710,7 @@
         <a:ext cx="1598684" cy="935916"/>
       </dsp:txXfrm>
     </dsp:sp>
-    <dsp:sp modelId="{CFEF9A24-ECDB-444A-AB45-0FBA21847897}">
+    <dsp:sp modelId="{410531A4-8815-4C70-A912-5F4BFF301227}">
       <dsp:nvSpPr>
         <dsp:cNvPr id="0" name=""/>
         <dsp:cNvSpPr/>
@@ -5811,18 +5739,6 @@
           <a:noFill/>
         </a:ln>
         <a:effectLst/>
-        <a:scene3d>
-          <a:camera prst="orthographicFront">
-            <a:rot lat="0" lon="0" rev="0"/>
-          </a:camera>
-          <a:lightRig rig="contrasting" dir="t">
-            <a:rot lat="0" lon="0" rev="1200000"/>
-          </a:lightRig>
-        </a:scene3d>
-        <a:sp3d z="-182000" contourW="19050" prstMaterial="metal">
-          <a:bevelT w="88900" h="203200"/>
-          <a:bevelB w="165100" h="254000"/>
-        </a:sp3d>
       </dsp:spPr>
       <dsp:style>
         <a:lnRef idx="0">
@@ -5864,7 +5780,7 @@
         <a:ext cx="245887" cy="246550"/>
       </dsp:txXfrm>
     </dsp:sp>
-    <dsp:sp modelId="{A8C86915-318E-4FAB-860D-17954FCE7779}">
+    <dsp:sp modelId="{341AA5BA-4B19-42C6-8956-FA95EC009B5C}">
       <dsp:nvSpPr>
         <dsp:cNvPr id="0" name=""/>
         <dsp:cNvSpPr/>
@@ -5887,31 +5803,29 @@
             <a:alphaOff val="0"/>
           </a:schemeClr>
         </a:solidFill>
-        <a:ln>
-          <a:noFill/>
+        <a:ln w="12700" cap="flat" cmpd="sng" algn="ctr">
+          <a:solidFill>
+            <a:schemeClr val="dk1">
+              <a:shade val="80000"/>
+              <a:hueOff val="0"/>
+              <a:satOff val="0"/>
+              <a:lumOff val="0"/>
+              <a:alphaOff val="0"/>
+            </a:schemeClr>
+          </a:solidFill>
+          <a:prstDash val="solid"/>
+          <a:miter lim="800000"/>
         </a:ln>
         <a:effectLst/>
-        <a:scene3d>
-          <a:camera prst="orthographicFront">
-            <a:rot lat="0" lon="0" rev="0"/>
-          </a:camera>
-          <a:lightRig rig="contrasting" dir="t">
-            <a:rot lat="0" lon="0" rev="1200000"/>
-          </a:lightRig>
-        </a:scene3d>
-        <a:sp3d contourW="19050" prstMaterial="metal">
-          <a:bevelT w="88900" h="203200"/>
-          <a:bevelB w="165100" h="254000"/>
-        </a:sp3d>
       </dsp:spPr>
       <dsp:style>
-        <a:lnRef idx="0">
+        <a:lnRef idx="2">
           <a:scrgbClr r="0" g="0" b="0"/>
         </a:lnRef>
         <a:fillRef idx="1">
           <a:scrgbClr r="0" g="0" b="0"/>
         </a:fillRef>
-        <a:effectRef idx="2">
+        <a:effectRef idx="0">
           <a:scrgbClr r="0" g="0" b="0"/>
         </a:effectRef>
         <a:fontRef idx="minor">
@@ -5947,7 +5861,7 @@
         <a:ext cx="1598684" cy="935916"/>
       </dsp:txXfrm>
     </dsp:sp>
-    <dsp:sp modelId="{FA5F4AB8-BF6B-4051-86D7-68585D786623}">
+    <dsp:sp modelId="{4B7269C3-4712-4AFA-A269-612EBE88A570}">
       <dsp:nvSpPr>
         <dsp:cNvPr id="0" name=""/>
         <dsp:cNvSpPr/>
@@ -5976,18 +5890,6 @@
           <a:noFill/>
         </a:ln>
         <a:effectLst/>
-        <a:scene3d>
-          <a:camera prst="orthographicFront">
-            <a:rot lat="0" lon="0" rev="0"/>
-          </a:camera>
-          <a:lightRig rig="contrasting" dir="t">
-            <a:rot lat="0" lon="0" rev="1200000"/>
-          </a:lightRig>
-        </a:scene3d>
-        <a:sp3d z="-182000" contourW="19050" prstMaterial="metal">
-          <a:bevelT w="88900" h="203200"/>
-          <a:bevelB w="165100" h="254000"/>
-        </a:sp3d>
       </dsp:spPr>
       <dsp:style>
         <a:lnRef idx="0">
@@ -6029,7 +5931,7 @@
         <a:ext cx="245887" cy="246550"/>
       </dsp:txXfrm>
     </dsp:sp>
-    <dsp:sp modelId="{950E5EBE-44BB-4C92-9EE4-BC22460A4EF9}">
+    <dsp:sp modelId="{17C43CC8-89E5-42D9-897A-A0E634920B88}">
       <dsp:nvSpPr>
         <dsp:cNvPr id="0" name=""/>
         <dsp:cNvSpPr/>
@@ -6052,31 +5954,29 @@
             <a:alphaOff val="0"/>
           </a:schemeClr>
         </a:solidFill>
-        <a:ln>
-          <a:noFill/>
+        <a:ln w="12700" cap="flat" cmpd="sng" algn="ctr">
+          <a:solidFill>
+            <a:schemeClr val="dk1">
+              <a:shade val="80000"/>
+              <a:hueOff val="0"/>
+              <a:satOff val="0"/>
+              <a:lumOff val="0"/>
+              <a:alphaOff val="0"/>
+            </a:schemeClr>
+          </a:solidFill>
+          <a:prstDash val="solid"/>
+          <a:miter lim="800000"/>
         </a:ln>
         <a:effectLst/>
-        <a:scene3d>
-          <a:camera prst="orthographicFront">
-            <a:rot lat="0" lon="0" rev="0"/>
-          </a:camera>
-          <a:lightRig rig="contrasting" dir="t">
-            <a:rot lat="0" lon="0" rev="1200000"/>
-          </a:lightRig>
-        </a:scene3d>
-        <a:sp3d contourW="19050" prstMaterial="metal">
-          <a:bevelT w="88900" h="203200"/>
-          <a:bevelB w="165100" h="254000"/>
-        </a:sp3d>
       </dsp:spPr>
       <dsp:style>
-        <a:lnRef idx="0">
+        <a:lnRef idx="2">
           <a:scrgbClr r="0" g="0" b="0"/>
         </a:lnRef>
         <a:fillRef idx="1">
           <a:scrgbClr r="0" g="0" b="0"/>
         </a:fillRef>
-        <a:effectRef idx="2">
+        <a:effectRef idx="0">
           <a:scrgbClr r="0" g="0" b="0"/>
         </a:effectRef>
         <a:fontRef idx="minor">
@@ -6112,7 +6012,7 @@
         <a:ext cx="1598684" cy="935916"/>
       </dsp:txXfrm>
     </dsp:sp>
-    <dsp:sp modelId="{46AA52BC-8B6D-46A3-A636-CF9997F06AA4}">
+    <dsp:sp modelId="{753DAADC-2DC2-4646-8545-1D7C89C91F5A}">
       <dsp:nvSpPr>
         <dsp:cNvPr id="0" name=""/>
         <dsp:cNvSpPr/>
@@ -6141,18 +6041,6 @@
           <a:noFill/>
         </a:ln>
         <a:effectLst/>
-        <a:scene3d>
-          <a:camera prst="orthographicFront">
-            <a:rot lat="0" lon="0" rev="0"/>
-          </a:camera>
-          <a:lightRig rig="contrasting" dir="t">
-            <a:rot lat="0" lon="0" rev="1200000"/>
-          </a:lightRig>
-        </a:scene3d>
-        <a:sp3d z="-182000" contourW="19050" prstMaterial="metal">
-          <a:bevelT w="88900" h="203200"/>
-          <a:bevelB w="165100" h="254000"/>
-        </a:sp3d>
       </dsp:spPr>
       <dsp:style>
         <a:lnRef idx="0">
@@ -6194,7 +6082,7 @@
         <a:ext cx="245887" cy="246550"/>
       </dsp:txXfrm>
     </dsp:sp>
-    <dsp:sp modelId="{49308249-96A5-498C-8AC7-09736140A2A8}">
+    <dsp:sp modelId="{2CA64BA6-F8FC-4DB6-8782-658549C2A2F5}">
       <dsp:nvSpPr>
         <dsp:cNvPr id="0" name=""/>
         <dsp:cNvSpPr/>
@@ -6217,31 +6105,29 @@
             <a:alphaOff val="0"/>
           </a:schemeClr>
         </a:solidFill>
-        <a:ln>
-          <a:noFill/>
+        <a:ln w="12700" cap="flat" cmpd="sng" algn="ctr">
+          <a:solidFill>
+            <a:schemeClr val="dk1">
+              <a:shade val="80000"/>
+              <a:hueOff val="0"/>
+              <a:satOff val="0"/>
+              <a:lumOff val="0"/>
+              <a:alphaOff val="0"/>
+            </a:schemeClr>
+          </a:solidFill>
+          <a:prstDash val="solid"/>
+          <a:miter lim="800000"/>
         </a:ln>
         <a:effectLst/>
-        <a:scene3d>
-          <a:camera prst="orthographicFront">
-            <a:rot lat="0" lon="0" rev="0"/>
-          </a:camera>
-          <a:lightRig rig="contrasting" dir="t">
-            <a:rot lat="0" lon="0" rev="1200000"/>
-          </a:lightRig>
-        </a:scene3d>
-        <a:sp3d contourW="19050" prstMaterial="metal">
-          <a:bevelT w="88900" h="203200"/>
-          <a:bevelB w="165100" h="254000"/>
-        </a:sp3d>
       </dsp:spPr>
       <dsp:style>
-        <a:lnRef idx="0">
+        <a:lnRef idx="2">
           <a:scrgbClr r="0" g="0" b="0"/>
         </a:lnRef>
         <a:fillRef idx="1">
           <a:scrgbClr r="0" g="0" b="0"/>
         </a:fillRef>
-        <a:effectRef idx="2">
+        <a:effectRef idx="0">
           <a:scrgbClr r="0" g="0" b="0"/>
         </a:effectRef>
         <a:fontRef idx="minor">
@@ -6277,7 +6163,7 @@
         <a:ext cx="1598684" cy="935916"/>
       </dsp:txXfrm>
     </dsp:sp>
-    <dsp:sp modelId="{7BF54FDC-96D6-4CEB-B263-D3B76D35F08D}">
+    <dsp:sp modelId="{C8DC4A97-B93F-49C9-A57A-6ED88871F429}">
       <dsp:nvSpPr>
         <dsp:cNvPr id="0" name=""/>
         <dsp:cNvSpPr/>
@@ -6306,18 +6192,6 @@
           <a:noFill/>
         </a:ln>
         <a:effectLst/>
-        <a:scene3d>
-          <a:camera prst="orthographicFront">
-            <a:rot lat="0" lon="0" rev="0"/>
-          </a:camera>
-          <a:lightRig rig="contrasting" dir="t">
-            <a:rot lat="0" lon="0" rev="1200000"/>
-          </a:lightRig>
-        </a:scene3d>
-        <a:sp3d z="-182000" contourW="19050" prstMaterial="metal">
-          <a:bevelT w="88900" h="203200"/>
-          <a:bevelB w="165100" h="254000"/>
-        </a:sp3d>
       </dsp:spPr>
       <dsp:style>
         <a:lnRef idx="0">
@@ -6359,7 +6233,7 @@
         <a:ext cx="245887" cy="246550"/>
       </dsp:txXfrm>
     </dsp:sp>
-    <dsp:sp modelId="{BC801E3C-457A-409A-B127-A8456892A3E7}">
+    <dsp:sp modelId="{7A916C5C-A383-4442-8ABE-0E566FAF7F88}">
       <dsp:nvSpPr>
         <dsp:cNvPr id="0" name=""/>
         <dsp:cNvSpPr/>
@@ -6382,31 +6256,29 @@
             <a:alphaOff val="0"/>
           </a:schemeClr>
         </a:solidFill>
-        <a:ln>
-          <a:noFill/>
+        <a:ln w="12700" cap="flat" cmpd="sng" algn="ctr">
+          <a:solidFill>
+            <a:schemeClr val="dk1">
+              <a:shade val="80000"/>
+              <a:hueOff val="0"/>
+              <a:satOff val="0"/>
+              <a:lumOff val="0"/>
+              <a:alphaOff val="0"/>
+            </a:schemeClr>
+          </a:solidFill>
+          <a:prstDash val="solid"/>
+          <a:miter lim="800000"/>
         </a:ln>
         <a:effectLst/>
-        <a:scene3d>
-          <a:camera prst="orthographicFront">
-            <a:rot lat="0" lon="0" rev="0"/>
-          </a:camera>
-          <a:lightRig rig="contrasting" dir="t">
-            <a:rot lat="0" lon="0" rev="1200000"/>
-          </a:lightRig>
-        </a:scene3d>
-        <a:sp3d contourW="19050" prstMaterial="metal">
-          <a:bevelT w="88900" h="203200"/>
-          <a:bevelB w="165100" h="254000"/>
-        </a:sp3d>
       </dsp:spPr>
       <dsp:style>
-        <a:lnRef idx="0">
+        <a:lnRef idx="2">
           <a:scrgbClr r="0" g="0" b="0"/>
         </a:lnRef>
         <a:fillRef idx="1">
           <a:scrgbClr r="0" g="0" b="0"/>
         </a:fillRef>
-        <a:effectRef idx="2">
+        <a:effectRef idx="0">
           <a:scrgbClr r="0" g="0" b="0"/>
         </a:effectRef>
         <a:fontRef idx="minor">
@@ -6442,7 +6314,7 @@
         <a:ext cx="1598684" cy="935916"/>
       </dsp:txXfrm>
     </dsp:sp>
-    <dsp:sp modelId="{4FFE8EC9-D9A2-40A7-A437-D999A4E561AD}">
+    <dsp:sp modelId="{F09400A7-1C09-4CAA-8CEC-B5CC4FCF0436}">
       <dsp:nvSpPr>
         <dsp:cNvPr id="0" name=""/>
         <dsp:cNvSpPr/>
@@ -6471,18 +6343,6 @@
           <a:noFill/>
         </a:ln>
         <a:effectLst/>
-        <a:scene3d>
-          <a:camera prst="orthographicFront">
-            <a:rot lat="0" lon="0" rev="0"/>
-          </a:camera>
-          <a:lightRig rig="contrasting" dir="t">
-            <a:rot lat="0" lon="0" rev="1200000"/>
-          </a:lightRig>
-        </a:scene3d>
-        <a:sp3d z="-182000" contourW="19050" prstMaterial="metal">
-          <a:bevelT w="88900" h="203200"/>
-          <a:bevelB w="165100" h="254000"/>
-        </a:sp3d>
       </dsp:spPr>
       <dsp:style>
         <a:lnRef idx="0">
@@ -6524,7 +6384,7 @@
         <a:ext cx="246550" cy="245887"/>
       </dsp:txXfrm>
     </dsp:sp>
-    <dsp:sp modelId="{9F885388-DD9F-4FC9-B8FD-7AEB89374FF2}">
+    <dsp:sp modelId="{3B377935-DD62-49ED-861C-ADAE53057C46}">
       <dsp:nvSpPr>
         <dsp:cNvPr id="0" name=""/>
         <dsp:cNvSpPr/>
@@ -6547,31 +6407,29 @@
             <a:alphaOff val="0"/>
           </a:schemeClr>
         </a:solidFill>
-        <a:ln>
-          <a:noFill/>
+        <a:ln w="12700" cap="flat" cmpd="sng" algn="ctr">
+          <a:solidFill>
+            <a:schemeClr val="dk1">
+              <a:shade val="80000"/>
+              <a:hueOff val="0"/>
+              <a:satOff val="0"/>
+              <a:lumOff val="0"/>
+              <a:alphaOff val="0"/>
+            </a:schemeClr>
+          </a:solidFill>
+          <a:prstDash val="solid"/>
+          <a:miter lim="800000"/>
         </a:ln>
         <a:effectLst/>
-        <a:scene3d>
-          <a:camera prst="orthographicFront">
-            <a:rot lat="0" lon="0" rev="0"/>
-          </a:camera>
-          <a:lightRig rig="contrasting" dir="t">
-            <a:rot lat="0" lon="0" rev="1200000"/>
-          </a:lightRig>
-        </a:scene3d>
-        <a:sp3d contourW="19050" prstMaterial="metal">
-          <a:bevelT w="88900" h="203200"/>
-          <a:bevelB w="165100" h="254000"/>
-        </a:sp3d>
       </dsp:spPr>
       <dsp:style>
-        <a:lnRef idx="0">
+        <a:lnRef idx="2">
           <a:scrgbClr r="0" g="0" b="0"/>
         </a:lnRef>
         <a:fillRef idx="1">
           <a:scrgbClr r="0" g="0" b="0"/>
         </a:fillRef>
-        <a:effectRef idx="2">
+        <a:effectRef idx="0">
           <a:scrgbClr r="0" g="0" b="0"/>
         </a:effectRef>
         <a:fontRef idx="minor">
@@ -6607,7 +6465,7 @@
         <a:ext cx="1598684" cy="935916"/>
       </dsp:txXfrm>
     </dsp:sp>
-    <dsp:sp modelId="{82A205C9-B43F-4750-8554-98B9F4070306}">
+    <dsp:sp modelId="{E0F896DA-1C5B-4BB5-9200-9DB6D15CD0F4}">
       <dsp:nvSpPr>
         <dsp:cNvPr id="0" name=""/>
         <dsp:cNvSpPr/>
@@ -6636,18 +6494,6 @@
           <a:noFill/>
         </a:ln>
         <a:effectLst/>
-        <a:scene3d>
-          <a:camera prst="orthographicFront">
-            <a:rot lat="0" lon="0" rev="0"/>
-          </a:camera>
-          <a:lightRig rig="contrasting" dir="t">
-            <a:rot lat="0" lon="0" rev="1200000"/>
-          </a:lightRig>
-        </a:scene3d>
-        <a:sp3d z="-182000" contourW="19050" prstMaterial="metal">
-          <a:bevelT w="88900" h="203200"/>
-          <a:bevelB w="165100" h="254000"/>
-        </a:sp3d>
       </dsp:spPr>
       <dsp:style>
         <a:lnRef idx="0">
@@ -6689,7 +6535,7 @@
         <a:ext cx="245887" cy="246550"/>
       </dsp:txXfrm>
     </dsp:sp>
-    <dsp:sp modelId="{FBCBAEE7-C221-48EF-A1A6-E811F960AB76}">
+    <dsp:sp modelId="{0D152BF3-CDA8-438C-9FBF-80B154BE6C02}">
       <dsp:nvSpPr>
         <dsp:cNvPr id="0" name=""/>
         <dsp:cNvSpPr/>
@@ -6712,31 +6558,29 @@
             <a:alphaOff val="0"/>
           </a:schemeClr>
         </a:solidFill>
-        <a:ln>
-          <a:noFill/>
+        <a:ln w="12700" cap="flat" cmpd="sng" algn="ctr">
+          <a:solidFill>
+            <a:schemeClr val="dk1">
+              <a:shade val="80000"/>
+              <a:hueOff val="0"/>
+              <a:satOff val="0"/>
+              <a:lumOff val="0"/>
+              <a:alphaOff val="0"/>
+            </a:schemeClr>
+          </a:solidFill>
+          <a:prstDash val="solid"/>
+          <a:miter lim="800000"/>
         </a:ln>
         <a:effectLst/>
-        <a:scene3d>
-          <a:camera prst="orthographicFront">
-            <a:rot lat="0" lon="0" rev="0"/>
-          </a:camera>
-          <a:lightRig rig="contrasting" dir="t">
-            <a:rot lat="0" lon="0" rev="1200000"/>
-          </a:lightRig>
-        </a:scene3d>
-        <a:sp3d contourW="19050" prstMaterial="metal">
-          <a:bevelT w="88900" h="203200"/>
-          <a:bevelB w="165100" h="254000"/>
-        </a:sp3d>
       </dsp:spPr>
       <dsp:style>
-        <a:lnRef idx="0">
+        <a:lnRef idx="2">
           <a:scrgbClr r="0" g="0" b="0"/>
         </a:lnRef>
         <a:fillRef idx="1">
           <a:scrgbClr r="0" g="0" b="0"/>
         </a:fillRef>
-        <a:effectRef idx="2">
+        <a:effectRef idx="0">
           <a:scrgbClr r="0" g="0" b="0"/>
         </a:effectRef>
         <a:fontRef idx="minor">
@@ -6777,7 +6621,7 @@
         <a:ext cx="1598684" cy="935916"/>
       </dsp:txXfrm>
     </dsp:sp>
-    <dsp:sp modelId="{61B62871-FB35-4F21-8737-103845057CBF}">
+    <dsp:sp modelId="{3C1633DE-B658-47F6-9062-D832C6035B5D}">
       <dsp:nvSpPr>
         <dsp:cNvPr id="0" name=""/>
         <dsp:cNvSpPr/>
@@ -6806,18 +6650,6 @@
           <a:noFill/>
         </a:ln>
         <a:effectLst/>
-        <a:scene3d>
-          <a:camera prst="orthographicFront">
-            <a:rot lat="0" lon="0" rev="0"/>
-          </a:camera>
-          <a:lightRig rig="contrasting" dir="t">
-            <a:rot lat="0" lon="0" rev="1200000"/>
-          </a:lightRig>
-        </a:scene3d>
-        <a:sp3d z="-182000" contourW="19050" prstMaterial="metal">
-          <a:bevelT w="88900" h="203200"/>
-          <a:bevelB w="165100" h="254000"/>
-        </a:sp3d>
       </dsp:spPr>
       <dsp:style>
         <a:lnRef idx="0">
@@ -6859,7 +6691,7 @@
         <a:ext cx="245887" cy="246550"/>
       </dsp:txXfrm>
     </dsp:sp>
-    <dsp:sp modelId="{F5037606-C157-4155-BED8-849633FCB3A8}">
+    <dsp:sp modelId="{92184039-C2F0-49BA-9552-41BCEBCC15D8}">
       <dsp:nvSpPr>
         <dsp:cNvPr id="0" name=""/>
         <dsp:cNvSpPr/>
@@ -6882,31 +6714,29 @@
             <a:alphaOff val="0"/>
           </a:schemeClr>
         </a:solidFill>
-        <a:ln>
-          <a:noFill/>
+        <a:ln w="12700" cap="flat" cmpd="sng" algn="ctr">
+          <a:solidFill>
+            <a:schemeClr val="dk1">
+              <a:shade val="80000"/>
+              <a:hueOff val="0"/>
+              <a:satOff val="0"/>
+              <a:lumOff val="0"/>
+              <a:alphaOff val="0"/>
+            </a:schemeClr>
+          </a:solidFill>
+          <a:prstDash val="solid"/>
+          <a:miter lim="800000"/>
         </a:ln>
         <a:effectLst/>
-        <a:scene3d>
-          <a:camera prst="orthographicFront">
-            <a:rot lat="0" lon="0" rev="0"/>
-          </a:camera>
-          <a:lightRig rig="contrasting" dir="t">
-            <a:rot lat="0" lon="0" rev="1200000"/>
-          </a:lightRig>
-        </a:scene3d>
-        <a:sp3d contourW="19050" prstMaterial="metal">
-          <a:bevelT w="88900" h="203200"/>
-          <a:bevelB w="165100" h="254000"/>
-        </a:sp3d>
       </dsp:spPr>
       <dsp:style>
-        <a:lnRef idx="0">
+        <a:lnRef idx="2">
           <a:scrgbClr r="0" g="0" b="0"/>
         </a:lnRef>
         <a:fillRef idx="1">
           <a:scrgbClr r="0" g="0" b="0"/>
         </a:fillRef>
-        <a:effectRef idx="2">
+        <a:effectRef idx="0">
           <a:scrgbClr r="0" g="0" b="0"/>
         </a:effectRef>
         <a:fontRef idx="minor">
@@ -6942,7 +6772,7 @@
         <a:ext cx="1598684" cy="935916"/>
       </dsp:txXfrm>
     </dsp:sp>
-    <dsp:sp modelId="{8E93EF29-2DA9-4450-A94E-E84C7B43096D}">
+    <dsp:sp modelId="{EF4EE57F-91C1-43A1-A371-A8AAD541BC2A}">
       <dsp:nvSpPr>
         <dsp:cNvPr id="0" name=""/>
         <dsp:cNvSpPr/>
@@ -6971,18 +6801,6 @@
           <a:noFill/>
         </a:ln>
         <a:effectLst/>
-        <a:scene3d>
-          <a:camera prst="orthographicFront">
-            <a:rot lat="0" lon="0" rev="0"/>
-          </a:camera>
-          <a:lightRig rig="contrasting" dir="t">
-            <a:rot lat="0" lon="0" rev="1200000"/>
-          </a:lightRig>
-        </a:scene3d>
-        <a:sp3d z="-182000" contourW="19050" prstMaterial="metal">
-          <a:bevelT w="88900" h="203200"/>
-          <a:bevelB w="165100" h="254000"/>
-        </a:sp3d>
       </dsp:spPr>
       <dsp:style>
         <a:lnRef idx="0">
@@ -7024,7 +6842,7 @@
         <a:ext cx="245887" cy="246550"/>
       </dsp:txXfrm>
     </dsp:sp>
-    <dsp:sp modelId="{AA2CF8B9-19B1-4347-9C12-2F0D171E7FED}">
+    <dsp:sp modelId="{12CE1CFD-B93F-4649-9E0B-098C55B343AE}">
       <dsp:nvSpPr>
         <dsp:cNvPr id="0" name=""/>
         <dsp:cNvSpPr/>
@@ -7047,31 +6865,29 @@
             <a:alphaOff val="0"/>
           </a:schemeClr>
         </a:solidFill>
-        <a:ln>
-          <a:noFill/>
+        <a:ln w="12700" cap="flat" cmpd="sng" algn="ctr">
+          <a:solidFill>
+            <a:schemeClr val="dk1">
+              <a:shade val="80000"/>
+              <a:hueOff val="0"/>
+              <a:satOff val="0"/>
+              <a:lumOff val="0"/>
+              <a:alphaOff val="0"/>
+            </a:schemeClr>
+          </a:solidFill>
+          <a:prstDash val="solid"/>
+          <a:miter lim="800000"/>
         </a:ln>
         <a:effectLst/>
-        <a:scene3d>
-          <a:camera prst="orthographicFront">
-            <a:rot lat="0" lon="0" rev="0"/>
-          </a:camera>
-          <a:lightRig rig="contrasting" dir="t">
-            <a:rot lat="0" lon="0" rev="1200000"/>
-          </a:lightRig>
-        </a:scene3d>
-        <a:sp3d contourW="19050" prstMaterial="metal">
-          <a:bevelT w="88900" h="203200"/>
-          <a:bevelB w="165100" h="254000"/>
-        </a:sp3d>
       </dsp:spPr>
       <dsp:style>
-        <a:lnRef idx="0">
+        <a:lnRef idx="2">
           <a:scrgbClr r="0" g="0" b="0"/>
         </a:lnRef>
         <a:fillRef idx="1">
           <a:scrgbClr r="0" g="0" b="0"/>
         </a:fillRef>
-        <a:effectRef idx="2">
+        <a:effectRef idx="0">
           <a:scrgbClr r="0" g="0" b="0"/>
         </a:effectRef>
         <a:fontRef idx="minor">
@@ -7107,7 +6923,7 @@
         <a:ext cx="1598684" cy="935916"/>
       </dsp:txXfrm>
     </dsp:sp>
-    <dsp:sp modelId="{2BE4EF29-79FD-4B6C-B4B7-7871815716AD}">
+    <dsp:sp modelId="{EBF866C1-118F-4269-9E20-52CB3BB6C7E7}">
       <dsp:nvSpPr>
         <dsp:cNvPr id="0" name=""/>
         <dsp:cNvSpPr/>
@@ -7136,18 +6952,6 @@
           <a:noFill/>
         </a:ln>
         <a:effectLst/>
-        <a:scene3d>
-          <a:camera prst="orthographicFront">
-            <a:rot lat="0" lon="0" rev="0"/>
-          </a:camera>
-          <a:lightRig rig="contrasting" dir="t">
-            <a:rot lat="0" lon="0" rev="1200000"/>
-          </a:lightRig>
-        </a:scene3d>
-        <a:sp3d z="-182000" contourW="19050" prstMaterial="metal">
-          <a:bevelT w="88900" h="203200"/>
-          <a:bevelB w="165100" h="254000"/>
-        </a:sp3d>
       </dsp:spPr>
       <dsp:style>
         <a:lnRef idx="0">
@@ -7189,7 +6993,7 @@
         <a:ext cx="245887" cy="246550"/>
       </dsp:txXfrm>
     </dsp:sp>
-    <dsp:sp modelId="{895B3D7B-4668-43EF-92F3-F16B71473439}">
+    <dsp:sp modelId="{B5F89BEC-1ADB-4A7C-9AC2-FA8321D875EE}">
       <dsp:nvSpPr>
         <dsp:cNvPr id="0" name=""/>
         <dsp:cNvSpPr/>
@@ -7212,31 +7016,29 @@
             <a:alphaOff val="0"/>
           </a:schemeClr>
         </a:solidFill>
-        <a:ln>
-          <a:noFill/>
+        <a:ln w="12700" cap="flat" cmpd="sng" algn="ctr">
+          <a:solidFill>
+            <a:schemeClr val="dk1">
+              <a:shade val="80000"/>
+              <a:hueOff val="0"/>
+              <a:satOff val="0"/>
+              <a:lumOff val="0"/>
+              <a:alphaOff val="0"/>
+            </a:schemeClr>
+          </a:solidFill>
+          <a:prstDash val="solid"/>
+          <a:miter lim="800000"/>
         </a:ln>
         <a:effectLst/>
-        <a:scene3d>
-          <a:camera prst="orthographicFront">
-            <a:rot lat="0" lon="0" rev="0"/>
-          </a:camera>
-          <a:lightRig rig="contrasting" dir="t">
-            <a:rot lat="0" lon="0" rev="1200000"/>
-          </a:lightRig>
-        </a:scene3d>
-        <a:sp3d contourW="19050" prstMaterial="metal">
-          <a:bevelT w="88900" h="203200"/>
-          <a:bevelB w="165100" h="254000"/>
-        </a:sp3d>
       </dsp:spPr>
       <dsp:style>
-        <a:lnRef idx="0">
+        <a:lnRef idx="2">
           <a:scrgbClr r="0" g="0" b="0"/>
         </a:lnRef>
         <a:fillRef idx="1">
           <a:scrgbClr r="0" g="0" b="0"/>
         </a:fillRef>
-        <a:effectRef idx="2">
+        <a:effectRef idx="0">
           <a:scrgbClr r="0" g="0" b="0"/>
         </a:effectRef>
         <a:fontRef idx="minor">
@@ -8949,11 +8751,11 @@
 </file>
 
 <file path=ppt/diagrams/quickStyle2.xml><?xml version="1.0" encoding="utf-8"?>
-<dgm:styleDef xmlns:dgm="http://schemas.openxmlformats.org/drawingml/2006/diagram" xmlns:a="http://schemas.openxmlformats.org/drawingml/2006/main" uniqueId="urn:microsoft.com/office/officeart/2005/8/quickstyle/3d3">
+<dgm:styleDef xmlns:dgm="http://schemas.openxmlformats.org/drawingml/2006/diagram" xmlns:a="http://schemas.openxmlformats.org/drawingml/2006/main" uniqueId="urn:microsoft.com/office/officeart/2005/8/quickstyle/simple1">
   <dgm:title val=""/>
   <dgm:desc val=""/>
   <dgm:catLst>
-    <dgm:cat type="3D" pri="11300"/>
+    <dgm:cat type="simple" pri="10100"/>
   </dgm:catLst>
   <dgm:scene3d>
     <a:camera prst="orthographicFront"/>
@@ -8961,26 +8763,19 @@
   </dgm:scene3d>
   <dgm:styleLbl name="node0">
     <dgm:scene3d>
-      <a:camera prst="orthographicFront">
-        <a:rot lat="0" lon="0" rev="0"/>
-      </a:camera>
-      <a:lightRig rig="contrasting" dir="t">
-        <a:rot lat="0" lon="0" rev="1200000"/>
-      </a:lightRig>
+      <a:camera prst="orthographicFront"/>
+      <a:lightRig rig="threePt" dir="t"/>
     </dgm:scene3d>
-    <dgm:sp3d contourW="19050" prstMaterial="metal">
-      <a:bevelT w="88900" h="203200"/>
-      <a:bevelB w="165100" h="254000"/>
-    </dgm:sp3d>
+    <dgm:sp3d/>
     <dgm:txPr/>
     <dgm:style>
-      <a:lnRef idx="0">
+      <a:lnRef idx="2">
         <a:scrgbClr r="0" g="0" b="0"/>
       </a:lnRef>
       <a:fillRef idx="1">
         <a:scrgbClr r="0" g="0" b="0"/>
       </a:fillRef>
-      <a:effectRef idx="1">
+      <a:effectRef idx="0">
         <a:scrgbClr r="0" g="0" b="0"/>
       </a:effectRef>
       <a:fontRef idx="minor">
@@ -8990,26 +8785,19 @@
   </dgm:styleLbl>
   <dgm:styleLbl name="lnNode1">
     <dgm:scene3d>
-      <a:camera prst="orthographicFront">
-        <a:rot lat="0" lon="0" rev="0"/>
-      </a:camera>
-      <a:lightRig rig="contrasting" dir="t">
-        <a:rot lat="0" lon="0" rev="1200000"/>
-      </a:lightRig>
+      <a:camera prst="orthographicFront"/>
+      <a:lightRig rig="threePt" dir="t"/>
     </dgm:scene3d>
-    <dgm:sp3d contourW="19050" prstMaterial="metal">
-      <a:bevelT w="88900" h="203200"/>
-      <a:bevelB w="165100" h="254000"/>
-    </dgm:sp3d>
+    <dgm:sp3d/>
     <dgm:txPr/>
     <dgm:style>
-      <a:lnRef idx="0">
+      <a:lnRef idx="2">
         <a:scrgbClr r="0" g="0" b="0"/>
       </a:lnRef>
       <a:fillRef idx="1">
         <a:scrgbClr r="0" g="0" b="0"/>
       </a:fillRef>
-      <a:effectRef idx="1">
+      <a:effectRef idx="0">
         <a:scrgbClr r="0" g="0" b="0"/>
       </a:effectRef>
       <a:fontRef idx="minor">
@@ -9019,20 +8807,13 @@
   </dgm:styleLbl>
   <dgm:styleLbl name="vennNode1">
     <dgm:scene3d>
-      <a:camera prst="orthographicFront">
-        <a:rot lat="0" lon="0" rev="0"/>
-      </a:camera>
-      <a:lightRig rig="contrasting" dir="t">
-        <a:rot lat="0" lon="0" rev="1200000"/>
-      </a:lightRig>
+      <a:camera prst="orthographicFront"/>
+      <a:lightRig rig="threePt" dir="t"/>
     </dgm:scene3d>
-    <dgm:sp3d contourW="12700" prstMaterial="clear">
-      <a:bevelT w="177800" h="254000"/>
-      <a:bevelB w="152400"/>
-    </dgm:sp3d>
+    <dgm:sp3d/>
     <dgm:txPr/>
     <dgm:style>
-      <a:lnRef idx="0">
+      <a:lnRef idx="2">
         <a:scrgbClr r="0" g="0" b="0"/>
       </a:lnRef>
       <a:fillRef idx="1">
@@ -9048,26 +8829,19 @@
   </dgm:styleLbl>
   <dgm:styleLbl name="alignNode1">
     <dgm:scene3d>
-      <a:camera prst="orthographicFront">
-        <a:rot lat="0" lon="0" rev="0"/>
-      </a:camera>
-      <a:lightRig rig="contrasting" dir="t">
-        <a:rot lat="0" lon="0" rev="1200000"/>
-      </a:lightRig>
+      <a:camera prst="orthographicFront"/>
+      <a:lightRig rig="threePt" dir="t"/>
     </dgm:scene3d>
-    <dgm:sp3d contourW="19050" prstMaterial="metal">
-      <a:bevelT w="88900" h="203200"/>
-      <a:bevelB w="165100" h="254000"/>
-    </dgm:sp3d>
+    <dgm:sp3d/>
     <dgm:txPr/>
     <dgm:style>
-      <a:lnRef idx="0">
+      <a:lnRef idx="2">
         <a:scrgbClr r="0" g="0" b="0"/>
       </a:lnRef>
       <a:fillRef idx="1">
         <a:scrgbClr r="0" g="0" b="0"/>
       </a:fillRef>
-      <a:effectRef idx="2">
+      <a:effectRef idx="0">
         <a:scrgbClr r="0" g="0" b="0"/>
       </a:effectRef>
       <a:fontRef idx="minor">
@@ -9077,26 +8851,19 @@
   </dgm:styleLbl>
   <dgm:styleLbl name="node1">
     <dgm:scene3d>
-      <a:camera prst="orthographicFront">
-        <a:rot lat="0" lon="0" rev="0"/>
-      </a:camera>
-      <a:lightRig rig="contrasting" dir="t">
-        <a:rot lat="0" lon="0" rev="1200000"/>
-      </a:lightRig>
+      <a:camera prst="orthographicFront"/>
+      <a:lightRig rig="threePt" dir="t"/>
     </dgm:scene3d>
-    <dgm:sp3d contourW="19050" prstMaterial="metal">
-      <a:bevelT w="88900" h="203200"/>
-      <a:bevelB w="165100" h="254000"/>
-    </dgm:sp3d>
+    <dgm:sp3d/>
     <dgm:txPr/>
     <dgm:style>
-      <a:lnRef idx="0">
+      <a:lnRef idx="2">
         <a:scrgbClr r="0" g="0" b="0"/>
       </a:lnRef>
       <a:fillRef idx="1">
         <a:scrgbClr r="0" g="0" b="0"/>
       </a:fillRef>
-      <a:effectRef idx="2">
+      <a:effectRef idx="0">
         <a:scrgbClr r="0" g="0" b="0"/>
       </a:effectRef>
       <a:fontRef idx="minor">
@@ -9106,26 +8873,19 @@
   </dgm:styleLbl>
   <dgm:styleLbl name="node2">
     <dgm:scene3d>
-      <a:camera prst="orthographicFront">
-        <a:rot lat="0" lon="0" rev="0"/>
-      </a:camera>
-      <a:lightRig rig="contrasting" dir="t">
-        <a:rot lat="0" lon="0" rev="1200000"/>
-      </a:lightRig>
+      <a:camera prst="orthographicFront"/>
+      <a:lightRig rig="threePt" dir="t"/>
     </dgm:scene3d>
-    <dgm:sp3d contourW="19050" prstMaterial="metal">
-      <a:bevelT w="88900" h="203200"/>
-      <a:bevelB w="165100" h="254000"/>
-    </dgm:sp3d>
+    <dgm:sp3d/>
     <dgm:txPr/>
     <dgm:style>
-      <a:lnRef idx="0">
+      <a:lnRef idx="2">
         <a:scrgbClr r="0" g="0" b="0"/>
       </a:lnRef>
       <a:fillRef idx="1">
         <a:scrgbClr r="0" g="0" b="0"/>
       </a:fillRef>
-      <a:effectRef idx="1">
+      <a:effectRef idx="0">
         <a:scrgbClr r="0" g="0" b="0"/>
       </a:effectRef>
       <a:fontRef idx="minor">
@@ -9135,26 +8895,19 @@
   </dgm:styleLbl>
   <dgm:styleLbl name="node3">
     <dgm:scene3d>
-      <a:camera prst="orthographicFront">
-        <a:rot lat="0" lon="0" rev="0"/>
-      </a:camera>
-      <a:lightRig rig="contrasting" dir="t">
-        <a:rot lat="0" lon="0" rev="1200000"/>
-      </a:lightRig>
+      <a:camera prst="orthographicFront"/>
+      <a:lightRig rig="threePt" dir="t"/>
     </dgm:scene3d>
-    <dgm:sp3d contourW="19050" prstMaterial="metal">
-      <a:bevelT w="88900" h="203200"/>
-      <a:bevelB w="165100" h="254000"/>
-    </dgm:sp3d>
+    <dgm:sp3d/>
     <dgm:txPr/>
     <dgm:style>
-      <a:lnRef idx="0">
+      <a:lnRef idx="2">
         <a:scrgbClr r="0" g="0" b="0"/>
       </a:lnRef>
       <a:fillRef idx="1">
         <a:scrgbClr r="0" g="0" b="0"/>
       </a:fillRef>
-      <a:effectRef idx="1">
+      <a:effectRef idx="0">
         <a:scrgbClr r="0" g="0" b="0"/>
       </a:effectRef>
       <a:fontRef idx="minor">
@@ -9164,26 +8917,19 @@
   </dgm:styleLbl>
   <dgm:styleLbl name="node4">
     <dgm:scene3d>
-      <a:camera prst="orthographicFront">
-        <a:rot lat="0" lon="0" rev="0"/>
-      </a:camera>
-      <a:lightRig rig="contrasting" dir="t">
-        <a:rot lat="0" lon="0" rev="1200000"/>
-      </a:lightRig>
+      <a:camera prst="orthographicFront"/>
+      <a:lightRig rig="threePt" dir="t"/>
     </dgm:scene3d>
-    <dgm:sp3d contourW="19050" prstMaterial="metal">
-      <a:bevelT w="88900" h="203200"/>
-      <a:bevelB w="165100" h="254000"/>
-    </dgm:sp3d>
+    <dgm:sp3d/>
     <dgm:txPr/>
     <dgm:style>
-      <a:lnRef idx="0">
+      <a:lnRef idx="2">
         <a:scrgbClr r="0" g="0" b="0"/>
       </a:lnRef>
       <a:fillRef idx="1">
         <a:scrgbClr r="0" g="0" b="0"/>
       </a:fillRef>
-      <a:effectRef idx="1">
+      <a:effectRef idx="0">
         <a:scrgbClr r="0" g="0" b="0"/>
       </a:effectRef>
       <a:fontRef idx="minor">
@@ -9193,26 +8939,19 @@
   </dgm:styleLbl>
   <dgm:styleLbl name="fgImgPlace1">
     <dgm:scene3d>
-      <a:camera prst="orthographicFront">
-        <a:rot lat="0" lon="0" rev="0"/>
-      </a:camera>
-      <a:lightRig rig="contrasting" dir="t">
-        <a:rot lat="0" lon="0" rev="1200000"/>
-      </a:lightRig>
+      <a:camera prst="orthographicFront"/>
+      <a:lightRig rig="threePt" dir="t"/>
     </dgm:scene3d>
-    <dgm:sp3d z="300000" contourW="19050" prstMaterial="metal">
-      <a:bevelT w="88900" h="203200"/>
-      <a:bevelB w="165100" h="254000"/>
-    </dgm:sp3d>
+    <dgm:sp3d/>
     <dgm:txPr/>
     <dgm:style>
-      <a:lnRef idx="0">
+      <a:lnRef idx="2">
         <a:scrgbClr r="0" g="0" b="0"/>
       </a:lnRef>
       <a:fillRef idx="1">
         <a:scrgbClr r="0" g="0" b="0"/>
       </a:fillRef>
-      <a:effectRef idx="1">
+      <a:effectRef idx="0">
         <a:scrgbClr r="0" g="0" b="0"/>
       </a:effectRef>
       <a:fontRef idx="minor"/>
@@ -9220,26 +8959,19 @@
   </dgm:styleLbl>
   <dgm:styleLbl name="alignImgPlace1">
     <dgm:scene3d>
-      <a:camera prst="orthographicFront">
-        <a:rot lat="0" lon="0" rev="0"/>
-      </a:camera>
-      <a:lightRig rig="contrasting" dir="t">
-        <a:rot lat="0" lon="0" rev="1200000"/>
-      </a:lightRig>
+      <a:camera prst="orthographicFront"/>
+      <a:lightRig rig="threePt" dir="t"/>
     </dgm:scene3d>
-    <dgm:sp3d contourW="12700" prstMaterial="flat">
-      <a:bevelT w="177800" h="254000"/>
-      <a:bevelB w="152400"/>
-    </dgm:sp3d>
+    <dgm:sp3d/>
     <dgm:txPr/>
     <dgm:style>
-      <a:lnRef idx="0">
+      <a:lnRef idx="2">
         <a:scrgbClr r="0" g="0" b="0"/>
       </a:lnRef>
       <a:fillRef idx="1">
         <a:scrgbClr r="0" g="0" b="0"/>
       </a:fillRef>
-      <a:effectRef idx="1">
+      <a:effectRef idx="0">
         <a:scrgbClr r="0" g="0" b="0"/>
       </a:effectRef>
       <a:fontRef idx="minor"/>
@@ -9247,26 +8979,19 @@
   </dgm:styleLbl>
   <dgm:styleLbl name="bgImgPlace1">
     <dgm:scene3d>
-      <a:camera prst="orthographicFront">
-        <a:rot lat="0" lon="0" rev="0"/>
-      </a:camera>
-      <a:lightRig rig="contrasting" dir="t">
-        <a:rot lat="0" lon="0" rev="1200000"/>
-      </a:lightRig>
+      <a:camera prst="orthographicFront"/>
+      <a:lightRig rig="threePt" dir="t"/>
     </dgm:scene3d>
-    <dgm:sp3d z="-300000" contourW="19050" prstMaterial="metal">
-      <a:bevelT w="88900" h="203200"/>
-      <a:bevelB w="165100" h="254000"/>
-    </dgm:sp3d>
+    <dgm:sp3d/>
     <dgm:txPr/>
     <dgm:style>
-      <a:lnRef idx="0">
+      <a:lnRef idx="2">
         <a:scrgbClr r="0" g="0" b="0"/>
       </a:lnRef>
       <a:fillRef idx="1">
         <a:scrgbClr r="0" g="0" b="0"/>
       </a:fillRef>
-      <a:effectRef idx="1">
+      <a:effectRef idx="0">
         <a:scrgbClr r="0" g="0" b="0"/>
       </a:effectRef>
       <a:fontRef idx="minor"/>
@@ -9274,17 +8999,10 @@
   </dgm:styleLbl>
   <dgm:styleLbl name="sibTrans2D1">
     <dgm:scene3d>
-      <a:camera prst="orthographicFront">
-        <a:rot lat="0" lon="0" rev="0"/>
-      </a:camera>
-      <a:lightRig rig="contrasting" dir="t">
-        <a:rot lat="0" lon="0" rev="1200000"/>
-      </a:lightRig>
+      <a:camera prst="orthographicFront"/>
+      <a:lightRig rig="threePt" dir="t"/>
     </dgm:scene3d>
-    <dgm:sp3d z="-182000" contourW="19050" prstMaterial="metal">
-      <a:bevelT w="88900" h="203200"/>
-      <a:bevelB w="165100" h="254000"/>
-    </dgm:sp3d>
+    <dgm:sp3d/>
     <dgm:txPr/>
     <dgm:style>
       <a:lnRef idx="0">
@@ -9303,17 +9021,10 @@
   </dgm:styleLbl>
   <dgm:styleLbl name="fgSibTrans2D1">
     <dgm:scene3d>
-      <a:camera prst="orthographicFront">
-        <a:rot lat="0" lon="0" rev="0"/>
-      </a:camera>
-      <a:lightRig rig="contrasting" dir="t">
-        <a:rot lat="0" lon="0" rev="1200000"/>
-      </a:lightRig>
+      <a:camera prst="orthographicFront"/>
+      <a:lightRig rig="threePt" dir="t"/>
     </dgm:scene3d>
-    <dgm:sp3d z="300000" contourW="19050" prstMaterial="metal">
-      <a:bevelT w="88900" h="203200"/>
-      <a:bevelB w="165100" h="254000"/>
-    </dgm:sp3d>
+    <dgm:sp3d/>
     <dgm:txPr/>
     <dgm:style>
       <a:lnRef idx="0">
@@ -9323,108 +9034,6 @@
         <a:scrgbClr r="0" g="0" b="0"/>
       </a:fillRef>
       <a:effectRef idx="0">
-        <a:scrgbClr r="0" g="0" b="0"/>
-      </a:effectRef>
-      <a:fontRef idx="minor"/>
-    </dgm:style>
-  </dgm:styleLbl>
-  <dgm:styleLbl name="bgSibTrans2D1">
-    <dgm:scene3d>
-      <a:camera prst="orthographicFront">
-        <a:rot lat="0" lon="0" rev="0"/>
-      </a:camera>
-      <a:lightRig rig="contrasting" dir="t">
-        <a:rot lat="0" lon="0" rev="1200000"/>
-      </a:lightRig>
-    </dgm:scene3d>
-    <dgm:sp3d z="-300000" contourW="19050" prstMaterial="metal">
-      <a:bevelT w="88900" h="203200"/>
-      <a:bevelB w="165100" h="254000"/>
-    </dgm:sp3d>
-    <dgm:txPr/>
-    <dgm:style>
-      <a:lnRef idx="0">
-        <a:scrgbClr r="0" g="0" b="0"/>
-      </a:lnRef>
-      <a:fillRef idx="1">
-        <a:scrgbClr r="0" g="0" b="0"/>
-      </a:fillRef>
-      <a:effectRef idx="0">
-        <a:scrgbClr r="0" g="0" b="0"/>
-      </a:effectRef>
-      <a:fontRef idx="minor"/>
-    </dgm:style>
-  </dgm:styleLbl>
-  <dgm:styleLbl name="sibTrans1D1">
-    <dgm:scene3d>
-      <a:camera prst="orthographicFront">
-        <a:rot lat="0" lon="0" rev="0"/>
-      </a:camera>
-      <a:lightRig rig="contrasting" dir="t">
-        <a:rot lat="0" lon="0" rev="1200000"/>
-      </a:lightRig>
-    </dgm:scene3d>
-    <dgm:sp3d z="-110000"/>
-    <dgm:txPr/>
-    <dgm:style>
-      <a:lnRef idx="1">
-        <a:scrgbClr r="0" g="0" b="0"/>
-      </a:lnRef>
-      <a:fillRef idx="0">
-        <a:scrgbClr r="0" g="0" b="0"/>
-      </a:fillRef>
-      <a:effectRef idx="0">
-        <a:scrgbClr r="0" g="0" b="0"/>
-      </a:effectRef>
-      <a:fontRef idx="minor"/>
-    </dgm:style>
-  </dgm:styleLbl>
-  <dgm:styleLbl name="callout">
-    <dgm:scene3d>
-      <a:camera prst="orthographicFront">
-        <a:rot lat="0" lon="0" rev="0"/>
-      </a:camera>
-      <a:lightRig rig="contrasting" dir="t">
-        <a:rot lat="0" lon="0" rev="1200000"/>
-      </a:lightRig>
-    </dgm:scene3d>
-    <dgm:sp3d z="10000"/>
-    <dgm:txPr/>
-    <dgm:style>
-      <a:lnRef idx="2">
-        <a:scrgbClr r="0" g="0" b="0"/>
-      </a:lnRef>
-      <a:fillRef idx="1">
-        <a:scrgbClr r="0" g="0" b="0"/>
-      </a:fillRef>
-      <a:effectRef idx="0">
-        <a:scrgbClr r="0" g="0" b="0"/>
-      </a:effectRef>
-      <a:fontRef idx="minor"/>
-    </dgm:style>
-  </dgm:styleLbl>
-  <dgm:styleLbl name="asst0">
-    <dgm:scene3d>
-      <a:camera prst="orthographicFront">
-        <a:rot lat="0" lon="0" rev="0"/>
-      </a:camera>
-      <a:lightRig rig="contrasting" dir="t">
-        <a:rot lat="0" lon="0" rev="1200000"/>
-      </a:lightRig>
-    </dgm:scene3d>
-    <dgm:sp3d contourW="19050" prstMaterial="metal">
-      <a:bevelT w="88900" h="203200"/>
-      <a:bevelB w="165100" h="254000"/>
-    </dgm:sp3d>
-    <dgm:txPr/>
-    <dgm:style>
-      <a:lnRef idx="0">
-        <a:scrgbClr r="0" g="0" b="0"/>
-      </a:lnRef>
-      <a:fillRef idx="1">
-        <a:scrgbClr r="0" g="0" b="0"/>
-      </a:fillRef>
-      <a:effectRef idx="1">
         <a:scrgbClr r="0" g="0" b="0"/>
       </a:effectRef>
       <a:fontRef idx="minor">
@@ -9432,19 +9041,12 @@
       </a:fontRef>
     </dgm:style>
   </dgm:styleLbl>
-  <dgm:styleLbl name="asst1">
+  <dgm:styleLbl name="bgSibTrans2D1">
     <dgm:scene3d>
-      <a:camera prst="orthographicFront">
-        <a:rot lat="0" lon="0" rev="0"/>
-      </a:camera>
-      <a:lightRig rig="contrasting" dir="t">
-        <a:rot lat="0" lon="0" rev="1200000"/>
-      </a:lightRig>
+      <a:camera prst="orthographicFront"/>
+      <a:lightRig rig="threePt" dir="t"/>
     </dgm:scene3d>
-    <dgm:sp3d contourW="19050" prstMaterial="metal">
-      <a:bevelT w="88900" h="203200"/>
-      <a:bevelB w="165100" h="254000"/>
-    </dgm:sp3d>
+    <dgm:sp3d/>
     <dgm:txPr/>
     <dgm:style>
       <a:lnRef idx="0">
@@ -9453,7 +9055,7 @@
       <a:fillRef idx="1">
         <a:scrgbClr r="0" g="0" b="0"/>
       </a:fillRef>
-      <a:effectRef idx="1">
+      <a:effectRef idx="0">
         <a:scrgbClr r="0" g="0" b="0"/>
       </a:effectRef>
       <a:fontRef idx="minor">
@@ -9461,28 +9063,61 @@
       </a:fontRef>
     </dgm:style>
   </dgm:styleLbl>
-  <dgm:styleLbl name="asst2">
+  <dgm:styleLbl name="sibTrans1D1">
     <dgm:scene3d>
-      <a:camera prst="orthographicFront">
-        <a:rot lat="0" lon="0" rev="0"/>
-      </a:camera>
-      <a:lightRig rig="contrasting" dir="t">
-        <a:rot lat="0" lon="0" rev="1200000"/>
-      </a:lightRig>
+      <a:camera prst="orthographicFront"/>
+      <a:lightRig rig="threePt" dir="t"/>
     </dgm:scene3d>
-    <dgm:sp3d contourW="19050" prstMaterial="metal">
-      <a:bevelT w="88900" h="203200"/>
-      <a:bevelB w="165100" h="254000"/>
-    </dgm:sp3d>
+    <dgm:sp3d/>
     <dgm:txPr/>
     <dgm:style>
-      <a:lnRef idx="0">
+      <a:lnRef idx="1">
+        <a:scrgbClr r="0" g="0" b="0"/>
+      </a:lnRef>
+      <a:fillRef idx="0">
+        <a:scrgbClr r="0" g="0" b="0"/>
+      </a:fillRef>
+      <a:effectRef idx="0">
+        <a:scrgbClr r="0" g="0" b="0"/>
+      </a:effectRef>
+      <a:fontRef idx="minor"/>
+    </dgm:style>
+  </dgm:styleLbl>
+  <dgm:styleLbl name="callout">
+    <dgm:scene3d>
+      <a:camera prst="orthographicFront"/>
+      <a:lightRig rig="threePt" dir="t"/>
+    </dgm:scene3d>
+    <dgm:sp3d/>
+    <dgm:txPr/>
+    <dgm:style>
+      <a:lnRef idx="2">
         <a:scrgbClr r="0" g="0" b="0"/>
       </a:lnRef>
       <a:fillRef idx="1">
         <a:scrgbClr r="0" g="0" b="0"/>
       </a:fillRef>
-      <a:effectRef idx="1">
+      <a:effectRef idx="0">
+        <a:scrgbClr r="0" g="0" b="0"/>
+      </a:effectRef>
+      <a:fontRef idx="minor"/>
+    </dgm:style>
+  </dgm:styleLbl>
+  <dgm:styleLbl name="asst0">
+    <dgm:scene3d>
+      <a:camera prst="orthographicFront"/>
+      <a:lightRig rig="threePt" dir="t"/>
+    </dgm:scene3d>
+    <dgm:sp3d/>
+    <dgm:txPr/>
+    <dgm:style>
+      <a:lnRef idx="2">
+        <a:scrgbClr r="0" g="0" b="0"/>
+      </a:lnRef>
+      <a:fillRef idx="1">
+        <a:scrgbClr r="0" g="0" b="0"/>
+      </a:fillRef>
+      <a:effectRef idx="0">
         <a:scrgbClr r="0" g="0" b="0"/>
       </a:effectRef>
       <a:fontRef idx="minor">
@@ -9490,28 +9125,21 @@
       </a:fontRef>
     </dgm:style>
   </dgm:styleLbl>
-  <dgm:styleLbl name="asst3">
+  <dgm:styleLbl name="asst1">
     <dgm:scene3d>
-      <a:camera prst="orthographicFront">
-        <a:rot lat="0" lon="0" rev="0"/>
-      </a:camera>
-      <a:lightRig rig="contrasting" dir="t">
-        <a:rot lat="0" lon="0" rev="1200000"/>
-      </a:lightRig>
+      <a:camera prst="orthographicFront"/>
+      <a:lightRig rig="threePt" dir="t"/>
     </dgm:scene3d>
-    <dgm:sp3d contourW="19050" prstMaterial="metal">
-      <a:bevelT w="88900" h="203200"/>
-      <a:bevelB w="165100" h="254000"/>
-    </dgm:sp3d>
+    <dgm:sp3d/>
     <dgm:txPr/>
     <dgm:style>
-      <a:lnRef idx="0">
+      <a:lnRef idx="2">
         <a:scrgbClr r="0" g="0" b="0"/>
       </a:lnRef>
       <a:fillRef idx="1">
         <a:scrgbClr r="0" g="0" b="0"/>
       </a:fillRef>
-      <a:effectRef idx="1">
+      <a:effectRef idx="0">
         <a:scrgbClr r="0" g="0" b="0"/>
       </a:effectRef>
       <a:fontRef idx="minor">
@@ -9519,24 +9147,65 @@
       </a:fontRef>
     </dgm:style>
   </dgm:styleLbl>
+  <dgm:styleLbl name="asst2">
+    <dgm:scene3d>
+      <a:camera prst="orthographicFront"/>
+      <a:lightRig rig="threePt" dir="t"/>
+    </dgm:scene3d>
+    <dgm:sp3d/>
+    <dgm:txPr/>
+    <dgm:style>
+      <a:lnRef idx="2">
+        <a:scrgbClr r="0" g="0" b="0"/>
+      </a:lnRef>
+      <a:fillRef idx="1">
+        <a:scrgbClr r="0" g="0" b="0"/>
+      </a:fillRef>
+      <a:effectRef idx="0">
+        <a:scrgbClr r="0" g="0" b="0"/>
+      </a:effectRef>
+      <a:fontRef idx="minor">
+        <a:schemeClr val="lt1"/>
+      </a:fontRef>
+    </dgm:style>
+  </dgm:styleLbl>
+  <dgm:styleLbl name="asst3">
+    <dgm:scene3d>
+      <a:camera prst="orthographicFront"/>
+      <a:lightRig rig="threePt" dir="t"/>
+    </dgm:scene3d>
+    <dgm:sp3d/>
+    <dgm:txPr/>
+    <dgm:style>
+      <a:lnRef idx="2">
+        <a:scrgbClr r="0" g="0" b="0"/>
+      </a:lnRef>
+      <a:fillRef idx="1">
+        <a:scrgbClr r="0" g="0" b="0"/>
+      </a:fillRef>
+      <a:effectRef idx="0">
+        <a:scrgbClr r="0" g="0" b="0"/>
+      </a:effectRef>
+      <a:fontRef idx="minor">
+        <a:schemeClr val="lt1"/>
+      </a:fontRef>
+    </dgm:style>
+  </dgm:styleLbl>
   <dgm:styleLbl name="asst4">
     <dgm:scene3d>
       <a:camera prst="orthographicFront"/>
       <a:lightRig rig="threePt" dir="t"/>
     </dgm:scene3d>
-    <dgm:sp3d contourW="19050" prstMaterial="metal">
-      <a:bevelT w="88900" h="203200"/>
-      <a:bevelB w="165100" h="254000"/>
-    </dgm:sp3d>
+    <dgm:sp3d/>
     <dgm:txPr/>
     <dgm:style>
-      <a:lnRef idx="0">
+      <a:lnRef idx="2">
         <a:scrgbClr r="0" g="0" b="0"/>
       </a:lnRef>
       <a:fillRef idx="1">
         <a:scrgbClr r="0" g="0" b="0"/>
       </a:fillRef>
-      <a:effectRef idx="1">
+      <a:effectRef idx="0">
         <a:scrgbClr r="0" g="0" b="0"/>
       </a:effectRef>
       <a:fontRef idx="minor">
@@ -9546,17 +9215,478 @@
   </dgm:styleLbl>
   <dgm:styleLbl name="parChTrans2D1">
     <dgm:scene3d>
-      <a:camera prst="orthographicFront">
-        <a:rot lat="0" lon="0" rev="0"/>
-      </a:camera>
-      <a:lightRig rig="contrasting" dir="t">
-        <a:rot lat="0" lon="0" rev="1200000"/>
-      </a:lightRig>
+      <a:camera prst="orthographicFront"/>
+      <a:lightRig rig="threePt" dir="t"/>
     </dgm:scene3d>
-    <dgm:sp3d contourW="19050" prstMaterial="metal">
-      <a:bevelT w="88900" h="203200"/>
-      <a:bevelB w="165100" h="254000"/>
-    </dgm:sp3d>
+    <dgm:sp3d/>
+    <dgm:txPr/>
+    <dgm:style>
+      <a:lnRef idx="2">
+        <a:scrgbClr r="0" g="0" b="0"/>
+      </a:lnRef>
+      <a:fillRef idx="1">
+        <a:scrgbClr r="0" g="0" b="0"/>
+      </a:fillRef>
+      <a:effectRef idx="0">
+        <a:scrgbClr r="0" g="0" b="0"/>
+      </a:effectRef>
+      <a:fontRef idx="minor">
+        <a:schemeClr val="lt1"/>
+      </a:fontRef>
+    </dgm:style>
+  </dgm:styleLbl>
+  <dgm:styleLbl name="parChTrans2D2">
+    <dgm:scene3d>
+      <a:camera prst="orthographicFront"/>
+      <a:lightRig rig="threePt" dir="t"/>
+    </dgm:scene3d>
+    <dgm:sp3d/>
+    <dgm:txPr/>
+    <dgm:style>
+      <a:lnRef idx="2">
+        <a:scrgbClr r="0" g="0" b="0"/>
+      </a:lnRef>
+      <a:fillRef idx="1">
+        <a:scrgbClr r="0" g="0" b="0"/>
+      </a:fillRef>
+      <a:effectRef idx="0">
+        <a:scrgbClr r="0" g="0" b="0"/>
+      </a:effectRef>
+      <a:fontRef idx="minor">
+        <a:schemeClr val="lt1"/>
+      </a:fontRef>
+    </dgm:style>
+  </dgm:styleLbl>
+  <dgm:styleLbl name="parChTrans2D3">
+    <dgm:scene3d>
+      <a:camera prst="orthographicFront"/>
+      <a:lightRig rig="threePt" dir="t"/>
+    </dgm:scene3d>
+    <dgm:sp3d/>
+    <dgm:txPr/>
+    <dgm:style>
+      <a:lnRef idx="2">
+        <a:scrgbClr r="0" g="0" b="0"/>
+      </a:lnRef>
+      <a:fillRef idx="1">
+        <a:scrgbClr r="0" g="0" b="0"/>
+      </a:fillRef>
+      <a:effectRef idx="0">
+        <a:scrgbClr r="0" g="0" b="0"/>
+      </a:effectRef>
+      <a:fontRef idx="minor">
+        <a:schemeClr val="lt1"/>
+      </a:fontRef>
+    </dgm:style>
+  </dgm:styleLbl>
+  <dgm:styleLbl name="parChTrans2D4">
+    <dgm:scene3d>
+      <a:camera prst="orthographicFront"/>
+      <a:lightRig rig="threePt" dir="t"/>
+    </dgm:scene3d>
+    <dgm:sp3d/>
+    <dgm:txPr/>
+    <dgm:style>
+      <a:lnRef idx="2">
+        <a:scrgbClr r="0" g="0" b="0"/>
+      </a:lnRef>
+      <a:fillRef idx="1">
+        <a:scrgbClr r="0" g="0" b="0"/>
+      </a:fillRef>
+      <a:effectRef idx="0">
+        <a:scrgbClr r="0" g="0" b="0"/>
+      </a:effectRef>
+      <a:fontRef idx="minor">
+        <a:schemeClr val="lt1"/>
+      </a:fontRef>
+    </dgm:style>
+  </dgm:styleLbl>
+  <dgm:styleLbl name="parChTrans1D1">
+    <dgm:scene3d>
+      <a:camera prst="orthographicFront"/>
+      <a:lightRig rig="threePt" dir="t"/>
+    </dgm:scene3d>
+    <dgm:sp3d/>
+    <dgm:txPr/>
+    <dgm:style>
+      <a:lnRef idx="2">
+        <a:scrgbClr r="0" g="0" b="0"/>
+      </a:lnRef>
+      <a:fillRef idx="0">
+        <a:scrgbClr r="0" g="0" b="0"/>
+      </a:fillRef>
+      <a:effectRef idx="0">
+        <a:scrgbClr r="0" g="0" b="0"/>
+      </a:effectRef>
+      <a:fontRef idx="minor"/>
+    </dgm:style>
+  </dgm:styleLbl>
+  <dgm:styleLbl name="parChTrans1D2">
+    <dgm:scene3d>
+      <a:camera prst="orthographicFront"/>
+      <a:lightRig rig="threePt" dir="t"/>
+    </dgm:scene3d>
+    <dgm:sp3d/>
+    <dgm:txPr/>
+    <dgm:style>
+      <a:lnRef idx="2">
+        <a:scrgbClr r="0" g="0" b="0"/>
+      </a:lnRef>
+      <a:fillRef idx="0">
+        <a:scrgbClr r="0" g="0" b="0"/>
+      </a:fillRef>
+      <a:effectRef idx="0">
+        <a:scrgbClr r="0" g="0" b="0"/>
+      </a:effectRef>
+      <a:fontRef idx="minor"/>
+    </dgm:style>
+  </dgm:styleLbl>
+  <dgm:styleLbl name="parChTrans1D3">
+    <dgm:scene3d>
+      <a:camera prst="orthographicFront"/>
+      <a:lightRig rig="threePt" dir="t"/>
+    </dgm:scene3d>
+    <dgm:sp3d/>
+    <dgm:txPr/>
+    <dgm:style>
+      <a:lnRef idx="2">
+        <a:scrgbClr r="0" g="0" b="0"/>
+      </a:lnRef>
+      <a:fillRef idx="0">
+        <a:scrgbClr r="0" g="0" b="0"/>
+      </a:fillRef>
+      <a:effectRef idx="0">
+        <a:scrgbClr r="0" g="0" b="0"/>
+      </a:effectRef>
+      <a:fontRef idx="minor"/>
+    </dgm:style>
+  </dgm:styleLbl>
+  <dgm:styleLbl name="parChTrans1D4">
+    <dgm:scene3d>
+      <a:camera prst="orthographicFront"/>
+      <a:lightRig rig="threePt" dir="t"/>
+    </dgm:scene3d>
+    <dgm:sp3d/>
+    <dgm:txPr/>
+    <dgm:style>
+      <a:lnRef idx="2">
+        <a:scrgbClr r="0" g="0" b="0"/>
+      </a:lnRef>
+      <a:fillRef idx="0">
+        <a:scrgbClr r="0" g="0" b="0"/>
+      </a:fillRef>
+      <a:effectRef idx="0">
+        <a:scrgbClr r="0" g="0" b="0"/>
+      </a:effectRef>
+      <a:fontRef idx="minor"/>
+    </dgm:style>
+  </dgm:styleLbl>
+  <dgm:styleLbl name="fgAcc1">
+    <dgm:scene3d>
+      <a:camera prst="orthographicFront"/>
+      <a:lightRig rig="threePt" dir="t"/>
+    </dgm:scene3d>
+    <dgm:sp3d/>
+    <dgm:txPr/>
+    <dgm:style>
+      <a:lnRef idx="2">
+        <a:scrgbClr r="0" g="0" b="0"/>
+      </a:lnRef>
+      <a:fillRef idx="1">
+        <a:scrgbClr r="0" g="0" b="0"/>
+      </a:fillRef>
+      <a:effectRef idx="0">
+        <a:scrgbClr r="0" g="0" b="0"/>
+      </a:effectRef>
+      <a:fontRef idx="minor"/>
+    </dgm:style>
+  </dgm:styleLbl>
+  <dgm:styleLbl name="conFgAcc1">
+    <dgm:scene3d>
+      <a:camera prst="orthographicFront"/>
+      <a:lightRig rig="threePt" dir="t"/>
+    </dgm:scene3d>
+    <dgm:sp3d/>
+    <dgm:txPr/>
+    <dgm:style>
+      <a:lnRef idx="2">
+        <a:scrgbClr r="0" g="0" b="0"/>
+      </a:lnRef>
+      <a:fillRef idx="1">
+        <a:scrgbClr r="0" g="0" b="0"/>
+      </a:fillRef>
+      <a:effectRef idx="0">
+        <a:scrgbClr r="0" g="0" b="0"/>
+      </a:effectRef>
+      <a:fontRef idx="minor"/>
+    </dgm:style>
+  </dgm:styleLbl>
+  <dgm:styleLbl name="alignAcc1">
+    <dgm:scene3d>
+      <a:camera prst="orthographicFront"/>
+      <a:lightRig rig="threePt" dir="t"/>
+    </dgm:scene3d>
+    <dgm:sp3d/>
+    <dgm:txPr/>
+    <dgm:style>
+      <a:lnRef idx="2">
+        <a:scrgbClr r="0" g="0" b="0"/>
+      </a:lnRef>
+      <a:fillRef idx="1">
+        <a:scrgbClr r="0" g="0" b="0"/>
+      </a:fillRef>
+      <a:effectRef idx="0">
+        <a:scrgbClr r="0" g="0" b="0"/>
+      </a:effectRef>
+      <a:fontRef idx="minor"/>
+    </dgm:style>
+  </dgm:styleLbl>
+  <dgm:styleLbl name="trAlignAcc1">
+    <dgm:scene3d>
+      <a:camera prst="orthographicFront"/>
+      <a:lightRig rig="threePt" dir="t"/>
+    </dgm:scene3d>
+    <dgm:sp3d/>
+    <dgm:txPr/>
+    <dgm:style>
+      <a:lnRef idx="1">
+        <a:scrgbClr r="0" g="0" b="0"/>
+      </a:lnRef>
+      <a:fillRef idx="1">
+        <a:scrgbClr r="0" g="0" b="0"/>
+      </a:fillRef>
+      <a:effectRef idx="0">
+        <a:scrgbClr r="0" g="0" b="0"/>
+      </a:effectRef>
+      <a:fontRef idx="minor"/>
+    </dgm:style>
+  </dgm:styleLbl>
+  <dgm:styleLbl name="bgAcc1">
+    <dgm:scene3d>
+      <a:camera prst="orthographicFront"/>
+      <a:lightRig rig="threePt" dir="t"/>
+    </dgm:scene3d>
+    <dgm:sp3d/>
+    <dgm:txPr/>
+    <dgm:style>
+      <a:lnRef idx="2">
+        <a:scrgbClr r="0" g="0" b="0"/>
+      </a:lnRef>
+      <a:fillRef idx="1">
+        <a:scrgbClr r="0" g="0" b="0"/>
+      </a:fillRef>
+      <a:effectRef idx="0">
+        <a:scrgbClr r="0" g="0" b="0"/>
+      </a:effectRef>
+      <a:fontRef idx="minor"/>
+    </dgm:style>
+  </dgm:styleLbl>
+  <dgm:styleLbl name="solidFgAcc1">
+    <dgm:scene3d>
+      <a:camera prst="orthographicFront"/>
+      <a:lightRig rig="threePt" dir="t"/>
+    </dgm:scene3d>
+    <dgm:sp3d/>
+    <dgm:txPr/>
+    <dgm:style>
+      <a:lnRef idx="2">
+        <a:scrgbClr r="0" g="0" b="0"/>
+      </a:lnRef>
+      <a:fillRef idx="1">
+        <a:scrgbClr r="0" g="0" b="0"/>
+      </a:fillRef>
+      <a:effectRef idx="0">
+        <a:scrgbClr r="0" g="0" b="0"/>
+      </a:effectRef>
+      <a:fontRef idx="minor"/>
+    </dgm:style>
+  </dgm:styleLbl>
+  <dgm:styleLbl name="solidAlignAcc1">
+    <dgm:scene3d>
+      <a:camera prst="orthographicFront"/>
+      <a:lightRig rig="threePt" dir="t"/>
+    </dgm:scene3d>
+    <dgm:sp3d/>
+    <dgm:txPr/>
+    <dgm:style>
+      <a:lnRef idx="2">
+        <a:scrgbClr r="0" g="0" b="0"/>
+      </a:lnRef>
+      <a:fillRef idx="1">
+        <a:scrgbClr r="0" g="0" b="0"/>
+      </a:fillRef>
+      <a:effectRef idx="0">
+        <a:scrgbClr r="0" g="0" b="0"/>
+      </a:effectRef>
+      <a:fontRef idx="minor"/>
+    </dgm:style>
+  </dgm:styleLbl>
+  <dgm:styleLbl name="solidBgAcc1">
+    <dgm:scene3d>
+      <a:camera prst="orthographicFront"/>
+      <a:lightRig rig="threePt" dir="t"/>
+    </dgm:scene3d>
+    <dgm:sp3d/>
+    <dgm:txPr/>
+    <dgm:style>
+      <a:lnRef idx="2">
+        <a:scrgbClr r="0" g="0" b="0"/>
+      </a:lnRef>
+      <a:fillRef idx="1">
+        <a:scrgbClr r="0" g="0" b="0"/>
+      </a:fillRef>
+      <a:effectRef idx="0">
+        <a:scrgbClr r="0" g="0" b="0"/>
+      </a:effectRef>
+      <a:fontRef idx="minor"/>
+    </dgm:style>
+  </dgm:styleLbl>
+  <dgm:styleLbl name="fgAccFollowNode1">
+    <dgm:scene3d>
+      <a:camera prst="orthographicFront"/>
+      <a:lightRig rig="threePt" dir="t"/>
+    </dgm:scene3d>
+    <dgm:sp3d/>
+    <dgm:txPr/>
+    <dgm:style>
+      <a:lnRef idx="2">
+        <a:scrgbClr r="0" g="0" b="0"/>
+      </a:lnRef>
+      <a:fillRef idx="1">
+        <a:scrgbClr r="0" g="0" b="0"/>
+      </a:fillRef>
+      <a:effectRef idx="0">
+        <a:scrgbClr r="0" g="0" b="0"/>
+      </a:effectRef>
+      <a:fontRef idx="minor"/>
+    </dgm:style>
+  </dgm:styleLbl>
+  <dgm:styleLbl name="alignAccFollowNode1">
+    <dgm:scene3d>
+      <a:camera prst="orthographicFront"/>
+      <a:lightRig rig="threePt" dir="t"/>
+    </dgm:scene3d>
+    <dgm:sp3d/>
+    <dgm:txPr/>
+    <dgm:style>
+      <a:lnRef idx="2">
+        <a:scrgbClr r="0" g="0" b="0"/>
+      </a:lnRef>
+      <a:fillRef idx="1">
+        <a:scrgbClr r="0" g="0" b="0"/>
+      </a:fillRef>
+      <a:effectRef idx="0">
+        <a:scrgbClr r="0" g="0" b="0"/>
+      </a:effectRef>
+      <a:fontRef idx="minor"/>
+    </dgm:style>
+  </dgm:styleLbl>
+  <dgm:styleLbl name="bgAccFollowNode1">
+    <dgm:scene3d>
+      <a:camera prst="orthographicFront"/>
+      <a:lightRig rig="threePt" dir="t"/>
+    </dgm:scene3d>
+    <dgm:sp3d/>
+    <dgm:txPr/>
+    <dgm:style>
+      <a:lnRef idx="2">
+        <a:scrgbClr r="0" g="0" b="0"/>
+      </a:lnRef>
+      <a:fillRef idx="1">
+        <a:scrgbClr r="0" g="0" b="0"/>
+      </a:fillRef>
+      <a:effectRef idx="0">
+        <a:scrgbClr r="0" g="0" b="0"/>
+      </a:effectRef>
+      <a:fontRef idx="minor"/>
+    </dgm:style>
+  </dgm:styleLbl>
+  <dgm:styleLbl name="fgAcc0">
+    <dgm:scene3d>
+      <a:camera prst="orthographicFront"/>
+      <a:lightRig rig="threePt" dir="t"/>
+    </dgm:scene3d>
+    <dgm:sp3d/>
+    <dgm:txPr/>
+    <dgm:style>
+      <a:lnRef idx="2">
+        <a:scrgbClr r="0" g="0" b="0"/>
+      </a:lnRef>
+      <a:fillRef idx="1">
+        <a:scrgbClr r="0" g="0" b="0"/>
+      </a:fillRef>
+      <a:effectRef idx="0">
+        <a:scrgbClr r="0" g="0" b="0"/>
+      </a:effectRef>
+      <a:fontRef idx="minor"/>
+    </dgm:style>
+  </dgm:styleLbl>
+  <dgm:styleLbl name="fgAcc2">
+    <dgm:scene3d>
+      <a:camera prst="orthographicFront"/>
+      <a:lightRig rig="threePt" dir="t"/>
+    </dgm:scene3d>
+    <dgm:sp3d/>
+    <dgm:txPr/>
+    <dgm:style>
+      <a:lnRef idx="2">
+        <a:scrgbClr r="0" g="0" b="0"/>
+      </a:lnRef>
+      <a:fillRef idx="1">
+        <a:scrgbClr r="0" g="0" b="0"/>
+      </a:fillRef>
+      <a:effectRef idx="0">
+        <a:scrgbClr r="0" g="0" b="0"/>
+      </a:effectRef>
+      <a:fontRef idx="minor"/>
+    </dgm:style>
+  </dgm:styleLbl>
+  <dgm:styleLbl name="fgAcc3">
+    <dgm:scene3d>
+      <a:camera prst="orthographicFront"/>
+      <a:lightRig rig="threePt" dir="t"/>
+    </dgm:scene3d>
+    <dgm:sp3d/>
+    <dgm:txPr/>
+    <dgm:style>
+      <a:lnRef idx="2">
+        <a:scrgbClr r="0" g="0" b="0"/>
+      </a:lnRef>
+      <a:fillRef idx="1">
+        <a:scrgbClr r="0" g="0" b="0"/>
+      </a:fillRef>
+      <a:effectRef idx="0">
+        <a:scrgbClr r="0" g="0" b="0"/>
+      </a:effectRef>
+      <a:fontRef idx="minor"/>
+    </dgm:style>
+  </dgm:styleLbl>
+  <dgm:styleLbl name="fgAcc4">
+    <dgm:scene3d>
+      <a:camera prst="orthographicFront"/>
+      <a:lightRig rig="threePt" dir="t"/>
+    </dgm:scene3d>
+    <dgm:sp3d/>
+    <dgm:txPr/>
+    <dgm:style>
+      <a:lnRef idx="2">
+        <a:scrgbClr r="0" g="0" b="0"/>
+      </a:lnRef>
+      <a:fillRef idx="1">
+        <a:scrgbClr r="0" g="0" b="0"/>
+      </a:fillRef>
+      <a:effectRef idx="0">
+        <a:scrgbClr r="0" g="0" b="0"/>
+      </a:effectRef>
+      <a:fontRef idx="minor"/>
+    </dgm:style>
+  </dgm:styleLbl>
+  <dgm:styleLbl name="bgShp">
+    <dgm:scene3d>
+      <a:camera prst="orthographicFront"/>
+      <a:lightRig rig="threePt" dir="t"/>
+    </dgm:scene3d>
+    <dgm:sp3d/>
     <dgm:txPr/>
     <dgm:style>
       <a:lnRef idx="0">
@@ -9571,19 +9701,12 @@
       <a:fontRef idx="minor"/>
     </dgm:style>
   </dgm:styleLbl>
-  <dgm:styleLbl name="parChTrans2D2">
+  <dgm:styleLbl name="dkBgShp">
     <dgm:scene3d>
-      <a:camera prst="orthographicFront">
-        <a:rot lat="0" lon="0" rev="0"/>
-      </a:camera>
-      <a:lightRig rig="contrasting" dir="t">
-        <a:rot lat="0" lon="0" rev="1200000"/>
-      </a:lightRig>
+      <a:camera prst="orthographicFront"/>
+      <a:lightRig rig="threePt" dir="t"/>
     </dgm:scene3d>
-    <dgm:sp3d contourW="19050" prstMaterial="metal">
-      <a:bevelT w="88900" h="203200"/>
-      <a:bevelB w="165100" h="254000"/>
-    </dgm:sp3d>
+    <dgm:sp3d/>
     <dgm:txPr/>
     <dgm:style>
       <a:lnRef idx="0">
@@ -9598,19 +9721,12 @@
       <a:fontRef idx="minor"/>
     </dgm:style>
   </dgm:styleLbl>
-  <dgm:styleLbl name="parChTrans2D3">
+  <dgm:styleLbl name="trBgShp">
     <dgm:scene3d>
-      <a:camera prst="orthographicFront">
-        <a:rot lat="0" lon="0" rev="0"/>
-      </a:camera>
-      <a:lightRig rig="contrasting" dir="t">
-        <a:rot lat="0" lon="0" rev="1200000"/>
-      </a:lightRig>
+      <a:camera prst="orthographicFront"/>
+      <a:lightRig rig="threePt" dir="t"/>
     </dgm:scene3d>
-    <dgm:sp3d contourW="19050" prstMaterial="metal">
-      <a:bevelT w="88900" h="203200"/>
-      <a:bevelB w="165100" h="254000"/>
-    </dgm:sp3d>
+    <dgm:sp3d/>
     <dgm:txPr/>
     <dgm:style>
       <a:lnRef idx="0">
@@ -9625,625 +9741,15 @@
       <a:fontRef idx="minor"/>
     </dgm:style>
   </dgm:styleLbl>
-  <dgm:styleLbl name="parChTrans2D4">
+  <dgm:styleLbl name="fgShp">
     <dgm:scene3d>
-      <a:camera prst="orthographicFront">
-        <a:rot lat="0" lon="0" rev="0"/>
-      </a:camera>
-      <a:lightRig rig="contrasting" dir="t">
-        <a:rot lat="0" lon="0" rev="1200000"/>
-      </a:lightRig>
+      <a:camera prst="orthographicFront"/>
+      <a:lightRig rig="threePt" dir="t"/>
     </dgm:scene3d>
-    <dgm:sp3d contourW="19050" prstMaterial="metal">
-      <a:bevelT w="88900" h="203200"/>
-      <a:bevelB w="165100" h="254000"/>
-    </dgm:sp3d>
-    <dgm:txPr/>
-    <dgm:style>
-      <a:lnRef idx="0">
-        <a:scrgbClr r="0" g="0" b="0"/>
-      </a:lnRef>
-      <a:fillRef idx="1">
-        <a:scrgbClr r="0" g="0" b="0"/>
-      </a:fillRef>
-      <a:effectRef idx="0">
-        <a:scrgbClr r="0" g="0" b="0"/>
-      </a:effectRef>
-      <a:fontRef idx="minor"/>
-    </dgm:style>
-  </dgm:styleLbl>
-  <dgm:styleLbl name="parChTrans1D1">
-    <dgm:scene3d>
-      <a:camera prst="orthographicFront">
-        <a:rot lat="0" lon="0" rev="0"/>
-      </a:camera>
-      <a:lightRig rig="contrasting" dir="t">
-        <a:rot lat="0" lon="0" rev="1200000"/>
-      </a:lightRig>
-    </dgm:scene3d>
-    <dgm:sp3d z="-110000"/>
+    <dgm:sp3d/>
     <dgm:txPr/>
     <dgm:style>
       <a:lnRef idx="2">
-        <a:scrgbClr r="0" g="0" b="0"/>
-      </a:lnRef>
-      <a:fillRef idx="0">
-        <a:scrgbClr r="0" g="0" b="0"/>
-      </a:fillRef>
-      <a:effectRef idx="0">
-        <a:scrgbClr r="0" g="0" b="0"/>
-      </a:effectRef>
-      <a:fontRef idx="minor"/>
-    </dgm:style>
-  </dgm:styleLbl>
-  <dgm:styleLbl name="parChTrans1D2">
-    <dgm:scene3d>
-      <a:camera prst="orthographicFront">
-        <a:rot lat="0" lon="0" rev="0"/>
-      </a:camera>
-      <a:lightRig rig="contrasting" dir="t">
-        <a:rot lat="0" lon="0" rev="1200000"/>
-      </a:lightRig>
-    </dgm:scene3d>
-    <dgm:sp3d z="-110000"/>
-    <dgm:txPr/>
-    <dgm:style>
-      <a:lnRef idx="2">
-        <a:scrgbClr r="0" g="0" b="0"/>
-      </a:lnRef>
-      <a:fillRef idx="0">
-        <a:scrgbClr r="0" g="0" b="0"/>
-      </a:fillRef>
-      <a:effectRef idx="0">
-        <a:scrgbClr r="0" g="0" b="0"/>
-      </a:effectRef>
-      <a:fontRef idx="minor"/>
-    </dgm:style>
-  </dgm:styleLbl>
-  <dgm:styleLbl name="parChTrans1D3">
-    <dgm:scene3d>
-      <a:camera prst="orthographicFront">
-        <a:rot lat="0" lon="0" rev="0"/>
-      </a:camera>
-      <a:lightRig rig="contrasting" dir="t">
-        <a:rot lat="0" lon="0" rev="1200000"/>
-      </a:lightRig>
-    </dgm:scene3d>
-    <dgm:sp3d z="-110000"/>
-    <dgm:txPr/>
-    <dgm:style>
-      <a:lnRef idx="2">
-        <a:scrgbClr r="0" g="0" b="0"/>
-      </a:lnRef>
-      <a:fillRef idx="0">
-        <a:scrgbClr r="0" g="0" b="0"/>
-      </a:fillRef>
-      <a:effectRef idx="0">
-        <a:scrgbClr r="0" g="0" b="0"/>
-      </a:effectRef>
-      <a:fontRef idx="minor"/>
-    </dgm:style>
-  </dgm:styleLbl>
-  <dgm:styleLbl name="parChTrans1D4">
-    <dgm:scene3d>
-      <a:camera prst="orthographicFront">
-        <a:rot lat="0" lon="0" rev="0"/>
-      </a:camera>
-      <a:lightRig rig="contrasting" dir="t">
-        <a:rot lat="0" lon="0" rev="1200000"/>
-      </a:lightRig>
-    </dgm:scene3d>
-    <dgm:sp3d z="-110000"/>
-    <dgm:txPr/>
-    <dgm:style>
-      <a:lnRef idx="2">
-        <a:scrgbClr r="0" g="0" b="0"/>
-      </a:lnRef>
-      <a:fillRef idx="0">
-        <a:scrgbClr r="0" g="0" b="0"/>
-      </a:fillRef>
-      <a:effectRef idx="0">
-        <a:scrgbClr r="0" g="0" b="0"/>
-      </a:effectRef>
-      <a:fontRef idx="minor"/>
-    </dgm:style>
-  </dgm:styleLbl>
-  <dgm:styleLbl name="fgAcc1">
-    <dgm:scene3d>
-      <a:camera prst="orthographicFront">
-        <a:rot lat="0" lon="0" rev="0"/>
-      </a:camera>
-      <a:lightRig rig="contrasting" dir="t">
-        <a:rot lat="0" lon="0" rev="1200000"/>
-      </a:lightRig>
-    </dgm:scene3d>
-    <dgm:sp3d z="300000" contourW="19050" prstMaterial="metal">
-      <a:bevelT w="88900" h="203200"/>
-      <a:bevelB w="165100" h="254000"/>
-    </dgm:sp3d>
-    <dgm:txPr/>
-    <dgm:style>
-      <a:lnRef idx="0">
-        <a:scrgbClr r="0" g="0" b="0"/>
-      </a:lnRef>
-      <a:fillRef idx="1">
-        <a:scrgbClr r="0" g="0" b="0"/>
-      </a:fillRef>
-      <a:effectRef idx="0">
-        <a:scrgbClr r="0" g="0" b="0"/>
-      </a:effectRef>
-      <a:fontRef idx="minor"/>
-    </dgm:style>
-  </dgm:styleLbl>
-  <dgm:styleLbl name="conFgAcc1">
-    <dgm:scene3d>
-      <a:camera prst="orthographicFront">
-        <a:rot lat="0" lon="0" rev="0"/>
-      </a:camera>
-      <a:lightRig rig="contrasting" dir="t">
-        <a:rot lat="0" lon="0" rev="1200000"/>
-      </a:lightRig>
-    </dgm:scene3d>
-    <dgm:sp3d z="300000" contourW="19050" prstMaterial="metal">
-      <a:bevelT w="88900" h="203200"/>
-      <a:bevelB w="165100" h="254000"/>
-    </dgm:sp3d>
-    <dgm:txPr/>
-    <dgm:style>
-      <a:lnRef idx="0">
-        <a:scrgbClr r="0" g="0" b="0"/>
-      </a:lnRef>
-      <a:fillRef idx="1">
-        <a:scrgbClr r="0" g="0" b="0"/>
-      </a:fillRef>
-      <a:effectRef idx="0">
-        <a:scrgbClr r="0" g="0" b="0"/>
-      </a:effectRef>
-      <a:fontRef idx="minor"/>
-    </dgm:style>
-  </dgm:styleLbl>
-  <dgm:styleLbl name="alignAcc1">
-    <dgm:scene3d>
-      <a:camera prst="orthographicFront">
-        <a:rot lat="0" lon="0" rev="0"/>
-      </a:camera>
-      <a:lightRig rig="contrasting" dir="t">
-        <a:rot lat="0" lon="0" rev="1200000"/>
-      </a:lightRig>
-    </dgm:scene3d>
-    <dgm:sp3d contourW="19050" prstMaterial="metal">
-      <a:bevelT w="88900" h="203200"/>
-      <a:bevelB w="165100" h="254000"/>
-    </dgm:sp3d>
-    <dgm:txPr/>
-    <dgm:style>
-      <a:lnRef idx="0">
-        <a:scrgbClr r="0" g="0" b="0"/>
-      </a:lnRef>
-      <a:fillRef idx="1">
-        <a:scrgbClr r="0" g="0" b="0"/>
-      </a:fillRef>
-      <a:effectRef idx="0">
-        <a:scrgbClr r="0" g="0" b="0"/>
-      </a:effectRef>
-      <a:fontRef idx="minor"/>
-    </dgm:style>
-  </dgm:styleLbl>
-  <dgm:styleLbl name="trAlignAcc1">
-    <dgm:scene3d>
-      <a:camera prst="orthographicFront">
-        <a:rot lat="0" lon="0" rev="0"/>
-      </a:camera>
-      <a:lightRig rig="contrasting" dir="t">
-        <a:rot lat="0" lon="0" rev="1200000"/>
-      </a:lightRig>
-    </dgm:scene3d>
-    <dgm:sp3d contourW="19050" prstMaterial="metal">
-      <a:bevelT w="88900" h="203200"/>
-      <a:bevelB w="165100" h="254000"/>
-    </dgm:sp3d>
-    <dgm:txPr/>
-    <dgm:style>
-      <a:lnRef idx="0">
-        <a:scrgbClr r="0" g="0" b="0"/>
-      </a:lnRef>
-      <a:fillRef idx="1">
-        <a:scrgbClr r="0" g="0" b="0"/>
-      </a:fillRef>
-      <a:effectRef idx="1">
-        <a:scrgbClr r="0" g="0" b="0"/>
-      </a:effectRef>
-      <a:fontRef idx="minor"/>
-    </dgm:style>
-  </dgm:styleLbl>
-  <dgm:styleLbl name="bgAcc1">
-    <dgm:scene3d>
-      <a:camera prst="orthographicFront">
-        <a:rot lat="0" lon="0" rev="0"/>
-      </a:camera>
-      <a:lightRig rig="contrasting" dir="t">
-        <a:rot lat="0" lon="0" rev="1200000"/>
-      </a:lightRig>
-    </dgm:scene3d>
-    <dgm:sp3d z="-300000" contourW="19050" prstMaterial="metal">
-      <a:bevelT w="88900" h="203200"/>
-      <a:bevelB w="165100" h="254000"/>
-    </dgm:sp3d>
-    <dgm:txPr/>
-    <dgm:style>
-      <a:lnRef idx="0">
-        <a:scrgbClr r="0" g="0" b="0"/>
-      </a:lnRef>
-      <a:fillRef idx="1">
-        <a:scrgbClr r="0" g="0" b="0"/>
-      </a:fillRef>
-      <a:effectRef idx="0">
-        <a:scrgbClr r="0" g="0" b="0"/>
-      </a:effectRef>
-      <a:fontRef idx="minor"/>
-    </dgm:style>
-  </dgm:styleLbl>
-  <dgm:styleLbl name="solidFgAcc1">
-    <dgm:scene3d>
-      <a:camera prst="orthographicFront">
-        <a:rot lat="0" lon="0" rev="0"/>
-      </a:camera>
-      <a:lightRig rig="contrasting" dir="t">
-        <a:rot lat="0" lon="0" rev="1200000"/>
-      </a:lightRig>
-    </dgm:scene3d>
-    <dgm:sp3d z="300000" contourW="12700" prstMaterial="flat">
-      <a:bevelT w="177800" h="254000"/>
-      <a:bevelB w="152400"/>
-    </dgm:sp3d>
-    <dgm:txPr/>
-    <dgm:style>
-      <a:lnRef idx="0">
-        <a:scrgbClr r="0" g="0" b="0"/>
-      </a:lnRef>
-      <a:fillRef idx="1">
-        <a:scrgbClr r="0" g="0" b="0"/>
-      </a:fillRef>
-      <a:effectRef idx="0">
-        <a:scrgbClr r="0" g="0" b="0"/>
-      </a:effectRef>
-      <a:fontRef idx="minor"/>
-    </dgm:style>
-  </dgm:styleLbl>
-  <dgm:styleLbl name="solidAlignAcc1">
-    <dgm:scene3d>
-      <a:camera prst="orthographicFront">
-        <a:rot lat="0" lon="0" rev="0"/>
-      </a:camera>
-      <a:lightRig rig="contrasting" dir="t">
-        <a:rot lat="0" lon="0" rev="1200000"/>
-      </a:lightRig>
-    </dgm:scene3d>
-    <dgm:sp3d contourW="19050" prstMaterial="metal">
-      <a:bevelT w="88900" h="203200"/>
-      <a:bevelB w="165100" h="254000"/>
-    </dgm:sp3d>
-    <dgm:txPr/>
-    <dgm:style>
-      <a:lnRef idx="0">
-        <a:scrgbClr r="0" g="0" b="0"/>
-      </a:lnRef>
-      <a:fillRef idx="1">
-        <a:scrgbClr r="0" g="0" b="0"/>
-      </a:fillRef>
-      <a:effectRef idx="0">
-        <a:scrgbClr r="0" g="0" b="0"/>
-      </a:effectRef>
-      <a:fontRef idx="minor"/>
-    </dgm:style>
-  </dgm:styleLbl>
-  <dgm:styleLbl name="solidBgAcc1">
-    <dgm:scene3d>
-      <a:camera prst="orthographicFront">
-        <a:rot lat="0" lon="0" rev="0"/>
-      </a:camera>
-      <a:lightRig rig="contrasting" dir="t">
-        <a:rot lat="0" lon="0" rev="1200000"/>
-      </a:lightRig>
-    </dgm:scene3d>
-    <dgm:sp3d z="-300000" contourW="19050" prstMaterial="metal">
-      <a:bevelT w="88900" h="203200"/>
-      <a:bevelB w="165100" h="254000"/>
-    </dgm:sp3d>
-    <dgm:txPr/>
-    <dgm:style>
-      <a:lnRef idx="0">
-        <a:scrgbClr r="0" g="0" b="0"/>
-      </a:lnRef>
-      <a:fillRef idx="1">
-        <a:scrgbClr r="0" g="0" b="0"/>
-      </a:fillRef>
-      <a:effectRef idx="0">
-        <a:scrgbClr r="0" g="0" b="0"/>
-      </a:effectRef>
-      <a:fontRef idx="minor"/>
-    </dgm:style>
-  </dgm:styleLbl>
-  <dgm:styleLbl name="fgAccFollowNode1">
-    <dgm:scene3d>
-      <a:camera prst="orthographicFront">
-        <a:rot lat="0" lon="0" rev="0"/>
-      </a:camera>
-      <a:lightRig rig="contrasting" dir="t">
-        <a:rot lat="0" lon="0" rev="1200000"/>
-      </a:lightRig>
-    </dgm:scene3d>
-    <dgm:sp3d z="300000" contourW="19050" prstMaterial="metal">
-      <a:bevelT w="88900" h="203200"/>
-      <a:bevelB w="165100" h="254000"/>
-    </dgm:sp3d>
-    <dgm:txPr/>
-    <dgm:style>
-      <a:lnRef idx="0">
-        <a:scrgbClr r="0" g="0" b="0"/>
-      </a:lnRef>
-      <a:fillRef idx="1">
-        <a:scrgbClr r="0" g="0" b="0"/>
-      </a:fillRef>
-      <a:effectRef idx="0">
-        <a:scrgbClr r="0" g="0" b="0"/>
-      </a:effectRef>
-      <a:fontRef idx="minor"/>
-    </dgm:style>
-  </dgm:styleLbl>
-  <dgm:styleLbl name="alignAccFollowNode1">
-    <dgm:scene3d>
-      <a:camera prst="orthographicFront">
-        <a:rot lat="0" lon="0" rev="0"/>
-      </a:camera>
-      <a:lightRig rig="contrasting" dir="t">
-        <a:rot lat="0" lon="0" rev="1200000"/>
-      </a:lightRig>
-    </dgm:scene3d>
-    <dgm:sp3d contourW="19050" prstMaterial="metal">
-      <a:bevelT w="88900" h="203200"/>
-      <a:bevelB w="165100" h="254000"/>
-    </dgm:sp3d>
-    <dgm:txPr/>
-    <dgm:style>
-      <a:lnRef idx="0">
-        <a:scrgbClr r="0" g="0" b="0"/>
-      </a:lnRef>
-      <a:fillRef idx="1">
-        <a:scrgbClr r="0" g="0" b="0"/>
-      </a:fillRef>
-      <a:effectRef idx="0">
-        <a:scrgbClr r="0" g="0" b="0"/>
-      </a:effectRef>
-      <a:fontRef idx="minor"/>
-    </dgm:style>
-  </dgm:styleLbl>
-  <dgm:styleLbl name="bgAccFollowNode1">
-    <dgm:scene3d>
-      <a:camera prst="orthographicFront">
-        <a:rot lat="0" lon="0" rev="0"/>
-      </a:camera>
-      <a:lightRig rig="contrasting" dir="t">
-        <a:rot lat="0" lon="0" rev="1200000"/>
-      </a:lightRig>
-    </dgm:scene3d>
-    <dgm:sp3d z="-300000" contourW="19050" prstMaterial="metal">
-      <a:bevelT w="88900" h="203200"/>
-      <a:bevelB w="165100" h="254000"/>
-    </dgm:sp3d>
-    <dgm:txPr/>
-    <dgm:style>
-      <a:lnRef idx="0">
-        <a:scrgbClr r="0" g="0" b="0"/>
-      </a:lnRef>
-      <a:fillRef idx="1">
-        <a:scrgbClr r="0" g="0" b="0"/>
-      </a:fillRef>
-      <a:effectRef idx="0">
-        <a:scrgbClr r="0" g="0" b="0"/>
-      </a:effectRef>
-      <a:fontRef idx="minor"/>
-    </dgm:style>
-  </dgm:styleLbl>
-  <dgm:styleLbl name="fgAcc0">
-    <dgm:scene3d>
-      <a:camera prst="orthographicFront">
-        <a:rot lat="0" lon="0" rev="0"/>
-      </a:camera>
-      <a:lightRig rig="contrasting" dir="t">
-        <a:rot lat="0" lon="0" rev="1200000"/>
-      </a:lightRig>
-    </dgm:scene3d>
-    <dgm:sp3d z="300000" contourW="19050" prstMaterial="metal">
-      <a:bevelT w="88900" h="203200"/>
-      <a:bevelB w="165100" h="254000"/>
-    </dgm:sp3d>
-    <dgm:txPr/>
-    <dgm:style>
-      <a:lnRef idx="0">
-        <a:scrgbClr r="0" g="0" b="0"/>
-      </a:lnRef>
-      <a:fillRef idx="1">
-        <a:scrgbClr r="0" g="0" b="0"/>
-      </a:fillRef>
-      <a:effectRef idx="0">
-        <a:scrgbClr r="0" g="0" b="0"/>
-      </a:effectRef>
-      <a:fontRef idx="minor"/>
-    </dgm:style>
-  </dgm:styleLbl>
-  <dgm:styleLbl name="fgAcc2">
-    <dgm:scene3d>
-      <a:camera prst="orthographicFront">
-        <a:rot lat="0" lon="0" rev="0"/>
-      </a:camera>
-      <a:lightRig rig="contrasting" dir="t">
-        <a:rot lat="0" lon="0" rev="1200000"/>
-      </a:lightRig>
-    </dgm:scene3d>
-    <dgm:sp3d z="300000" contourW="19050" prstMaterial="metal">
-      <a:bevelT w="88900" h="203200"/>
-      <a:bevelB w="165100" h="254000"/>
-    </dgm:sp3d>
-    <dgm:txPr/>
-    <dgm:style>
-      <a:lnRef idx="0">
-        <a:scrgbClr r="0" g="0" b="0"/>
-      </a:lnRef>
-      <a:fillRef idx="1">
-        <a:scrgbClr r="0" g="0" b="0"/>
-      </a:fillRef>
-      <a:effectRef idx="0">
-        <a:scrgbClr r="0" g="0" b="0"/>
-      </a:effectRef>
-      <a:fontRef idx="minor"/>
-    </dgm:style>
-  </dgm:styleLbl>
-  <dgm:styleLbl name="fgAcc3">
-    <dgm:scene3d>
-      <a:camera prst="orthographicFront">
-        <a:rot lat="0" lon="0" rev="0"/>
-      </a:camera>
-      <a:lightRig rig="contrasting" dir="t">
-        <a:rot lat="0" lon="0" rev="1200000"/>
-      </a:lightRig>
-    </dgm:scene3d>
-    <dgm:sp3d z="300000" contourW="19050" prstMaterial="metal">
-      <a:bevelT w="88900" h="203200"/>
-      <a:bevelB w="165100" h="254000"/>
-    </dgm:sp3d>
-    <dgm:txPr/>
-    <dgm:style>
-      <a:lnRef idx="0">
-        <a:scrgbClr r="0" g="0" b="0"/>
-      </a:lnRef>
-      <a:fillRef idx="1">
-        <a:scrgbClr r="0" g="0" b="0"/>
-      </a:fillRef>
-      <a:effectRef idx="0">
-        <a:scrgbClr r="0" g="0" b="0"/>
-      </a:effectRef>
-      <a:fontRef idx="minor"/>
-    </dgm:style>
-  </dgm:styleLbl>
-  <dgm:styleLbl name="fgAcc4">
-    <dgm:scene3d>
-      <a:camera prst="orthographicFront">
-        <a:rot lat="0" lon="0" rev="0"/>
-      </a:camera>
-      <a:lightRig rig="contrasting" dir="t">
-        <a:rot lat="0" lon="0" rev="1200000"/>
-      </a:lightRig>
-    </dgm:scene3d>
-    <dgm:sp3d z="300000" contourW="19050" prstMaterial="metal">
-      <a:bevelT w="88900" h="203200"/>
-      <a:bevelB w="165100" h="254000"/>
-    </dgm:sp3d>
-    <dgm:txPr/>
-    <dgm:style>
-      <a:lnRef idx="0">
-        <a:scrgbClr r="0" g="0" b="0"/>
-      </a:lnRef>
-      <a:fillRef idx="1">
-        <a:scrgbClr r="0" g="0" b="0"/>
-      </a:fillRef>
-      <a:effectRef idx="0">
-        <a:scrgbClr r="0" g="0" b="0"/>
-      </a:effectRef>
-      <a:fontRef idx="minor"/>
-    </dgm:style>
-  </dgm:styleLbl>
-  <dgm:styleLbl name="bgShp">
-    <dgm:scene3d>
-      <a:camera prst="orthographicFront">
-        <a:rot lat="0" lon="0" rev="0"/>
-      </a:camera>
-      <a:lightRig rig="contrasting" dir="t">
-        <a:rot lat="0" lon="0" rev="1200000"/>
-      </a:lightRig>
-    </dgm:scene3d>
-    <dgm:sp3d z="-300000" prstMaterial="plastic"/>
-    <dgm:txPr/>
-    <dgm:style>
-      <a:lnRef idx="1">
-        <a:scrgbClr r="0" g="0" b="0"/>
-      </a:lnRef>
-      <a:fillRef idx="1">
-        <a:scrgbClr r="0" g="0" b="0"/>
-      </a:fillRef>
-      <a:effectRef idx="0">
-        <a:scrgbClr r="0" g="0" b="0"/>
-      </a:effectRef>
-      <a:fontRef idx="minor"/>
-    </dgm:style>
-  </dgm:styleLbl>
-  <dgm:styleLbl name="dkBgShp">
-    <dgm:scene3d>
-      <a:camera prst="orthographicFront">
-        <a:rot lat="0" lon="0" rev="0"/>
-      </a:camera>
-      <a:lightRig rig="contrasting" dir="t">
-        <a:rot lat="0" lon="0" rev="1200000"/>
-      </a:lightRig>
-    </dgm:scene3d>
-    <dgm:sp3d contourW="12700" prstMaterial="flat">
-      <a:bevelT w="100800" h="154000"/>
-      <a:bevelB w="152400"/>
-    </dgm:sp3d>
-    <dgm:txPr/>
-    <dgm:style>
-      <a:lnRef idx="0">
-        <a:scrgbClr r="0" g="0" b="0"/>
-      </a:lnRef>
-      <a:fillRef idx="1">
-        <a:scrgbClr r="0" g="0" b="0"/>
-      </a:fillRef>
-      <a:effectRef idx="0">
-        <a:scrgbClr r="0" g="0" b="0"/>
-      </a:effectRef>
-      <a:fontRef idx="minor"/>
-    </dgm:style>
-  </dgm:styleLbl>
-  <dgm:styleLbl name="trBgShp">
-    <dgm:scene3d>
-      <a:camera prst="orthographicFront">
-        <a:rot lat="0" lon="0" rev="0"/>
-      </a:camera>
-      <a:lightRig rig="contrasting" dir="t">
-        <a:rot lat="0" lon="0" rev="1200000"/>
-      </a:lightRig>
-    </dgm:scene3d>
-    <dgm:sp3d z="-152400" prstMaterial="matte"/>
-    <dgm:txPr/>
-    <dgm:style>
-      <a:lnRef idx="1">
-        <a:scrgbClr r="0" g="0" b="0"/>
-      </a:lnRef>
-      <a:fillRef idx="1">
-        <a:scrgbClr r="0" g="0" b="0"/>
-      </a:fillRef>
-      <a:effectRef idx="0">
-        <a:scrgbClr r="0" g="0" b="0"/>
-      </a:effectRef>
-      <a:fontRef idx="minor"/>
-    </dgm:style>
-  </dgm:styleLbl>
-  <dgm:styleLbl name="fgShp">
-    <dgm:scene3d>
-      <a:camera prst="orthographicFront">
-        <a:rot lat="0" lon="0" rev="0"/>
-      </a:camera>
-      <a:lightRig rig="contrasting" dir="t">
-        <a:rot lat="0" lon="0" rev="1200000"/>
-      </a:lightRig>
-    </dgm:scene3d>
-    <dgm:sp3d z="300000" contourW="19050" prstMaterial="metal">
-      <a:bevelT w="88900" h="203200"/>
-      <a:bevelB w="165100" h="254000"/>
-    </dgm:sp3d>
-    <dgm:txPr/>
-    <dgm:style>
-      <a:lnRef idx="0">
         <a:scrgbClr r="0" g="0" b="0"/>
       </a:lnRef>
       <a:fillRef idx="1">
@@ -10263,7 +9769,7 @@
     <dgm:sp3d/>
     <dgm:txPr/>
     <dgm:style>
-      <a:lnRef idx="1">
+      <a:lnRef idx="0">
         <a:scrgbClr r="0" g="0" b="0"/>
       </a:lnRef>
       <a:fillRef idx="0">
@@ -10425,7 +9931,7 @@
           <a:p>
             <a:fld id="{1D6AAEF1-BB65-438A-947A-6BD8EC392D5A}" type="datetimeFigureOut">
               <a:rPr lang="en-US" smtClean="0"/>
-              <a:t>1/12/2021</a:t>
+              <a:t>1/16/2021</a:t>
             </a:fld>
             <a:endParaRPr lang="en-US"/>
           </a:p>
@@ -10623,7 +10129,7 @@
           <a:p>
             <a:fld id="{1D6AAEF1-BB65-438A-947A-6BD8EC392D5A}" type="datetimeFigureOut">
               <a:rPr lang="en-US" smtClean="0"/>
-              <a:t>1/12/2021</a:t>
+              <a:t>1/16/2021</a:t>
             </a:fld>
             <a:endParaRPr lang="en-US"/>
           </a:p>
@@ -10831,7 +10337,7 @@
           <a:p>
             <a:fld id="{1D6AAEF1-BB65-438A-947A-6BD8EC392D5A}" type="datetimeFigureOut">
               <a:rPr lang="en-US" smtClean="0"/>
-              <a:t>1/12/2021</a:t>
+              <a:t>1/16/2021</a:t>
             </a:fld>
             <a:endParaRPr lang="en-US"/>
           </a:p>
@@ -11029,7 +10535,7 @@
           <a:p>
             <a:fld id="{1D6AAEF1-BB65-438A-947A-6BD8EC392D5A}" type="datetimeFigureOut">
               <a:rPr lang="en-US" smtClean="0"/>
-              <a:t>1/12/2021</a:t>
+              <a:t>1/16/2021</a:t>
             </a:fld>
             <a:endParaRPr lang="en-US"/>
           </a:p>
@@ -11304,7 +10810,7 @@
           <a:p>
             <a:fld id="{1D6AAEF1-BB65-438A-947A-6BD8EC392D5A}" type="datetimeFigureOut">
               <a:rPr lang="en-US" smtClean="0"/>
-              <a:t>1/12/2021</a:t>
+              <a:t>1/16/2021</a:t>
             </a:fld>
             <a:endParaRPr lang="en-US"/>
           </a:p>
@@ -11569,7 +11075,7 @@
           <a:p>
             <a:fld id="{1D6AAEF1-BB65-438A-947A-6BD8EC392D5A}" type="datetimeFigureOut">
               <a:rPr lang="en-US" smtClean="0"/>
-              <a:t>1/12/2021</a:t>
+              <a:t>1/16/2021</a:t>
             </a:fld>
             <a:endParaRPr lang="en-US"/>
           </a:p>
@@ -11981,7 +11487,7 @@
           <a:p>
             <a:fld id="{1D6AAEF1-BB65-438A-947A-6BD8EC392D5A}" type="datetimeFigureOut">
               <a:rPr lang="en-US" smtClean="0"/>
-              <a:t>1/12/2021</a:t>
+              <a:t>1/16/2021</a:t>
             </a:fld>
             <a:endParaRPr lang="en-US"/>
           </a:p>
@@ -12122,7 +11628,7 @@
           <a:p>
             <a:fld id="{1D6AAEF1-BB65-438A-947A-6BD8EC392D5A}" type="datetimeFigureOut">
               <a:rPr lang="en-US" smtClean="0"/>
-              <a:t>1/12/2021</a:t>
+              <a:t>1/16/2021</a:t>
             </a:fld>
             <a:endParaRPr lang="en-US"/>
           </a:p>
@@ -12235,7 +11741,7 @@
           <a:p>
             <a:fld id="{1D6AAEF1-BB65-438A-947A-6BD8EC392D5A}" type="datetimeFigureOut">
               <a:rPr lang="en-US" smtClean="0"/>
-              <a:t>1/12/2021</a:t>
+              <a:t>1/16/2021</a:t>
             </a:fld>
             <a:endParaRPr lang="en-US"/>
           </a:p>
@@ -12546,7 +12052,7 @@
           <a:p>
             <a:fld id="{1D6AAEF1-BB65-438A-947A-6BD8EC392D5A}" type="datetimeFigureOut">
               <a:rPr lang="en-US" smtClean="0"/>
-              <a:t>1/12/2021</a:t>
+              <a:t>1/16/2021</a:t>
             </a:fld>
             <a:endParaRPr lang="en-US"/>
           </a:p>
@@ -12834,7 +12340,7 @@
           <a:p>
             <a:fld id="{1D6AAEF1-BB65-438A-947A-6BD8EC392D5A}" type="datetimeFigureOut">
               <a:rPr lang="en-US" smtClean="0"/>
-              <a:t>1/12/2021</a:t>
+              <a:t>1/16/2021</a:t>
             </a:fld>
             <a:endParaRPr lang="en-US"/>
           </a:p>
@@ -13075,7 +12581,7 @@
           <a:p>
             <a:fld id="{1D6AAEF1-BB65-438A-947A-6BD8EC392D5A}" type="datetimeFigureOut">
               <a:rPr lang="en-US" smtClean="0"/>
-              <a:t>1/12/2021</a:t>
+              <a:t>1/16/2021</a:t>
             </a:fld>
             <a:endParaRPr lang="en-US"/>
           </a:p>
@@ -15831,13 +15337,13 @@
             <p:ph idx="1"/>
             <p:extLst>
               <p:ext uri="{D42A27DB-BD31-4B8C-83A1-F6EECF244321}">
-                <p14:modId xmlns:p14="http://schemas.microsoft.com/office/powerpoint/2010/main" val="1098556327"/>
+                <p14:modId xmlns:p14="http://schemas.microsoft.com/office/powerpoint/2010/main" val="2102087313"/>
               </p:ext>
             </p:extLst>
           </p:nvPr>
         </p:nvGraphicFramePr>
         <p:xfrm>
-          <a:off x="511628" y="634482"/>
+          <a:off x="530289" y="709126"/>
           <a:ext cx="10946364" cy="5075951"/>
         </p:xfrm>
         <a:graphic>

--- a/Master's meetings presentation.pptx
+++ b/Master's meetings presentation.pptx
@@ -17,11 +17,15 @@
     <p:sldId id="266" r:id="rId12"/>
     <p:sldId id="267" r:id="rId13"/>
     <p:sldId id="268" r:id="rId14"/>
-    <p:sldId id="269" r:id="rId15"/>
-    <p:sldId id="272" r:id="rId16"/>
-    <p:sldId id="270" r:id="rId17"/>
-    <p:sldId id="273" r:id="rId18"/>
-    <p:sldId id="271" r:id="rId19"/>
+    <p:sldId id="274" r:id="rId15"/>
+    <p:sldId id="269" r:id="rId16"/>
+    <p:sldId id="272" r:id="rId17"/>
+    <p:sldId id="270" r:id="rId18"/>
+    <p:sldId id="273" r:id="rId19"/>
+    <p:sldId id="271" r:id="rId20"/>
+    <p:sldId id="275" r:id="rId21"/>
+    <p:sldId id="276" r:id="rId22"/>
+    <p:sldId id="278" r:id="rId23"/>
   </p:sldIdLst>
   <p:sldSz cx="12192000" cy="6858000"/>
   <p:notesSz cx="6858000" cy="9144000"/>
@@ -126,128 +130,6 @@
     </p:ext>
   </p:extLst>
 </p:presentation>
-</file>
-
-<file path=ppt/revisionInfo.xml><?xml version="1.0" encoding="utf-8"?>
-<p1510:revInfo xmlns:a="http://schemas.openxmlformats.org/drawingml/2006/main" xmlns:r="http://schemas.openxmlformats.org/officeDocument/2006/relationships" xmlns:p1510="http://schemas.microsoft.com/office/powerpoint/2015/10/main">
-  <p1510:revLst>
-    <p1510:client id="{99393E6A-E5DA-4161-AF94-5EF99894ADD1}" v="1" dt="2020-11-07T17:58:05.207"/>
-  </p1510:revLst>
-</p1510:revInfo>
-</file>
-
-<file path=ppt/changesInfos/changesInfo1.xml><?xml version="1.0" encoding="utf-8"?>
-<pc:chgInfo xmlns:a="http://schemas.openxmlformats.org/drawingml/2006/main" xmlns:r="http://schemas.openxmlformats.org/officeDocument/2006/relationships" xmlns:ac="http://schemas.microsoft.com/office/drawing/2013/main/command" xmlns:pc="http://schemas.microsoft.com/office/powerpoint/2013/main/command">
-  <pc:docChgLst>
-    <pc:chgData name="emilios christou" userId="24346211dd9f44dd" providerId="LiveId" clId="{99393E6A-E5DA-4161-AF94-5EF99894ADD1}"/>
-    <pc:docChg chg="undo custSel addSld delSld modSld sldOrd">
-      <pc:chgData name="emilios christou" userId="24346211dd9f44dd" providerId="LiveId" clId="{99393E6A-E5DA-4161-AF94-5EF99894ADD1}" dt="2020-11-07T17:59:07.837" v="280" actId="20577"/>
-      <pc:docMkLst>
-        <pc:docMk/>
-      </pc:docMkLst>
-      <pc:sldChg chg="addSp delSp modSp mod">
-        <pc:chgData name="emilios christou" userId="24346211dd9f44dd" providerId="LiveId" clId="{99393E6A-E5DA-4161-AF94-5EF99894ADD1}" dt="2020-11-07T17:58:11.012" v="162" actId="1076"/>
-        <pc:sldMkLst>
-          <pc:docMk/>
-          <pc:sldMk cId="2055518084" sldId="264"/>
-        </pc:sldMkLst>
-        <pc:spChg chg="add del mod">
-          <ac:chgData name="emilios christou" userId="24346211dd9f44dd" providerId="LiveId" clId="{99393E6A-E5DA-4161-AF94-5EF99894ADD1}" dt="2020-11-07T17:57:53.653" v="156" actId="478"/>
-          <ac:spMkLst>
-            <pc:docMk/>
-            <pc:sldMk cId="2055518084" sldId="264"/>
-            <ac:spMk id="3" creationId="{D50FA920-5398-484F-BE62-987D02D849D9}"/>
-          </ac:spMkLst>
-        </pc:spChg>
-        <pc:spChg chg="add mod">
-          <ac:chgData name="emilios christou" userId="24346211dd9f44dd" providerId="LiveId" clId="{99393E6A-E5DA-4161-AF94-5EF99894ADD1}" dt="2020-11-07T17:58:11.012" v="162" actId="1076"/>
-          <ac:spMkLst>
-            <pc:docMk/>
-            <pc:sldMk cId="2055518084" sldId="264"/>
-            <ac:spMk id="6" creationId="{E695985B-799F-4D2A-B6B4-6264CA2DB280}"/>
-          </ac:spMkLst>
-        </pc:spChg>
-        <pc:picChg chg="add del">
-          <ac:chgData name="emilios christou" userId="24346211dd9f44dd" providerId="LiveId" clId="{99393E6A-E5DA-4161-AF94-5EF99894ADD1}" dt="2020-11-07T17:57:53.653" v="156" actId="478"/>
-          <ac:picMkLst>
-            <pc:docMk/>
-            <pc:sldMk cId="2055518084" sldId="264"/>
-            <ac:picMk id="4" creationId="{372D27E2-9851-4529-BBDD-B76B7D416D5E}"/>
-          </ac:picMkLst>
-        </pc:picChg>
-      </pc:sldChg>
-      <pc:sldChg chg="addSp delSp modSp mod">
-        <pc:chgData name="emilios christou" userId="24346211dd9f44dd" providerId="LiveId" clId="{99393E6A-E5DA-4161-AF94-5EF99894ADD1}" dt="2020-11-07T17:59:07.837" v="280" actId="20577"/>
-        <pc:sldMkLst>
-          <pc:docMk/>
-          <pc:sldMk cId="2645954593" sldId="265"/>
-        </pc:sldMkLst>
-        <pc:spChg chg="del">
-          <ac:chgData name="emilios christou" userId="24346211dd9f44dd" providerId="LiveId" clId="{99393E6A-E5DA-4161-AF94-5EF99894ADD1}" dt="2020-11-07T17:57:44.743" v="154" actId="478"/>
-          <ac:spMkLst>
-            <pc:docMk/>
-            <pc:sldMk cId="2645954593" sldId="265"/>
-            <ac:spMk id="2" creationId="{AD1405ED-3941-4D1C-8485-C86896B5B362}"/>
-          </ac:spMkLst>
-        </pc:spChg>
-        <pc:spChg chg="mod">
-          <ac:chgData name="emilios christou" userId="24346211dd9f44dd" providerId="LiveId" clId="{99393E6A-E5DA-4161-AF94-5EF99894ADD1}" dt="2020-11-07T17:59:07.837" v="280" actId="20577"/>
-          <ac:spMkLst>
-            <pc:docMk/>
-            <pc:sldMk cId="2645954593" sldId="265"/>
-            <ac:spMk id="3" creationId="{DF115913-C391-409D-A2C5-914051AC17A6}"/>
-          </ac:spMkLst>
-        </pc:spChg>
-        <pc:spChg chg="add mod">
-          <ac:chgData name="emilios christou" userId="24346211dd9f44dd" providerId="LiveId" clId="{99393E6A-E5DA-4161-AF94-5EF99894ADD1}" dt="2020-11-07T17:58:28.352" v="185" actId="20577"/>
-          <ac:spMkLst>
-            <pc:docMk/>
-            <pc:sldMk cId="2645954593" sldId="265"/>
-            <ac:spMk id="5" creationId="{9D62023B-BD1E-4C25-AF60-46F068140980}"/>
-          </ac:spMkLst>
-        </pc:spChg>
-      </pc:sldChg>
-      <pc:sldChg chg="modSp new del mod ord">
-        <pc:chgData name="emilios christou" userId="24346211dd9f44dd" providerId="LiveId" clId="{99393E6A-E5DA-4161-AF94-5EF99894ADD1}" dt="2020-11-07T17:54:47.148" v="152" actId="2696"/>
-        <pc:sldMkLst>
-          <pc:docMk/>
-          <pc:sldMk cId="4092302029" sldId="266"/>
-        </pc:sldMkLst>
-        <pc:spChg chg="mod">
-          <ac:chgData name="emilios christou" userId="24346211dd9f44dd" providerId="LiveId" clId="{99393E6A-E5DA-4161-AF94-5EF99894ADD1}" dt="2020-11-04T14:02:20.623" v="22" actId="20577"/>
-          <ac:spMkLst>
-            <pc:docMk/>
-            <pc:sldMk cId="4092302029" sldId="266"/>
-            <ac:spMk id="2" creationId="{8A385D4B-A36E-4A51-AA58-00CBA04506EC}"/>
-          </ac:spMkLst>
-        </pc:spChg>
-        <pc:spChg chg="mod">
-          <ac:chgData name="emilios christou" userId="24346211dd9f44dd" providerId="LiveId" clId="{99393E6A-E5DA-4161-AF94-5EF99894ADD1}" dt="2020-11-04T14:44:26.824" v="151" actId="5793"/>
-          <ac:spMkLst>
-            <pc:docMk/>
-            <pc:sldMk cId="4092302029" sldId="266"/>
-            <ac:spMk id="3" creationId="{497C39CC-9C80-432D-A95E-C175D03EAD23}"/>
-          </ac:spMkLst>
-        </pc:spChg>
-      </pc:sldChg>
-      <pc:sldChg chg="modSp new mod">
-        <pc:chgData name="emilios christou" userId="24346211dd9f44dd" providerId="LiveId" clId="{99393E6A-E5DA-4161-AF94-5EF99894ADD1}" dt="2020-11-04T14:33:07.257" v="145" actId="20577"/>
-        <pc:sldMkLst>
-          <pc:docMk/>
-          <pc:sldMk cId="675081134" sldId="267"/>
-        </pc:sldMkLst>
-        <pc:spChg chg="mod">
-          <ac:chgData name="emilios christou" userId="24346211dd9f44dd" providerId="LiveId" clId="{99393E6A-E5DA-4161-AF94-5EF99894ADD1}" dt="2020-11-04T14:33:07.257" v="145" actId="20577"/>
-          <ac:spMkLst>
-            <pc:docMk/>
-            <pc:sldMk cId="675081134" sldId="267"/>
-            <ac:spMk id="2" creationId="{52FFD31E-BC13-44E7-8C55-59A8BC430DDB}"/>
-          </ac:spMkLst>
-        </pc:spChg>
-      </pc:sldChg>
-    </pc:docChg>
-  </pc:docChgLst>
-</pc:chgInfo>
 </file>
 
 <file path=ppt/diagrams/colors1.xml><?xml version="1.0" encoding="utf-8"?>
@@ -9931,7 +9813,7 @@
           <a:p>
             <a:fld id="{1D6AAEF1-BB65-438A-947A-6BD8EC392D5A}" type="datetimeFigureOut">
               <a:rPr lang="en-US" smtClean="0"/>
-              <a:t>1/16/2021</a:t>
+              <a:t>2/10/2021</a:t>
             </a:fld>
             <a:endParaRPr lang="en-US"/>
           </a:p>
@@ -10129,7 +10011,7 @@
           <a:p>
             <a:fld id="{1D6AAEF1-BB65-438A-947A-6BD8EC392D5A}" type="datetimeFigureOut">
               <a:rPr lang="en-US" smtClean="0"/>
-              <a:t>1/16/2021</a:t>
+              <a:t>2/10/2021</a:t>
             </a:fld>
             <a:endParaRPr lang="en-US"/>
           </a:p>
@@ -10337,7 +10219,7 @@
           <a:p>
             <a:fld id="{1D6AAEF1-BB65-438A-947A-6BD8EC392D5A}" type="datetimeFigureOut">
               <a:rPr lang="en-US" smtClean="0"/>
-              <a:t>1/16/2021</a:t>
+              <a:t>2/10/2021</a:t>
             </a:fld>
             <a:endParaRPr lang="en-US"/>
           </a:p>
@@ -10535,7 +10417,7 @@
           <a:p>
             <a:fld id="{1D6AAEF1-BB65-438A-947A-6BD8EC392D5A}" type="datetimeFigureOut">
               <a:rPr lang="en-US" smtClean="0"/>
-              <a:t>1/16/2021</a:t>
+              <a:t>2/10/2021</a:t>
             </a:fld>
             <a:endParaRPr lang="en-US"/>
           </a:p>
@@ -10810,7 +10692,7 @@
           <a:p>
             <a:fld id="{1D6AAEF1-BB65-438A-947A-6BD8EC392D5A}" type="datetimeFigureOut">
               <a:rPr lang="en-US" smtClean="0"/>
-              <a:t>1/16/2021</a:t>
+              <a:t>2/10/2021</a:t>
             </a:fld>
             <a:endParaRPr lang="en-US"/>
           </a:p>
@@ -11075,7 +10957,7 @@
           <a:p>
             <a:fld id="{1D6AAEF1-BB65-438A-947A-6BD8EC392D5A}" type="datetimeFigureOut">
               <a:rPr lang="en-US" smtClean="0"/>
-              <a:t>1/16/2021</a:t>
+              <a:t>2/10/2021</a:t>
             </a:fld>
             <a:endParaRPr lang="en-US"/>
           </a:p>
@@ -11487,7 +11369,7 @@
           <a:p>
             <a:fld id="{1D6AAEF1-BB65-438A-947A-6BD8EC392D5A}" type="datetimeFigureOut">
               <a:rPr lang="en-US" smtClean="0"/>
-              <a:t>1/16/2021</a:t>
+              <a:t>2/10/2021</a:t>
             </a:fld>
             <a:endParaRPr lang="en-US"/>
           </a:p>
@@ -11628,7 +11510,7 @@
           <a:p>
             <a:fld id="{1D6AAEF1-BB65-438A-947A-6BD8EC392D5A}" type="datetimeFigureOut">
               <a:rPr lang="en-US" smtClean="0"/>
-              <a:t>1/16/2021</a:t>
+              <a:t>2/10/2021</a:t>
             </a:fld>
             <a:endParaRPr lang="en-US"/>
           </a:p>
@@ -11741,7 +11623,7 @@
           <a:p>
             <a:fld id="{1D6AAEF1-BB65-438A-947A-6BD8EC392D5A}" type="datetimeFigureOut">
               <a:rPr lang="en-US" smtClean="0"/>
-              <a:t>1/16/2021</a:t>
+              <a:t>2/10/2021</a:t>
             </a:fld>
             <a:endParaRPr lang="en-US"/>
           </a:p>
@@ -12052,7 +11934,7 @@
           <a:p>
             <a:fld id="{1D6AAEF1-BB65-438A-947A-6BD8EC392D5A}" type="datetimeFigureOut">
               <a:rPr lang="en-US" smtClean="0"/>
-              <a:t>1/16/2021</a:t>
+              <a:t>2/10/2021</a:t>
             </a:fld>
             <a:endParaRPr lang="en-US"/>
           </a:p>
@@ -12340,7 +12222,7 @@
           <a:p>
             <a:fld id="{1D6AAEF1-BB65-438A-947A-6BD8EC392D5A}" type="datetimeFigureOut">
               <a:rPr lang="en-US" smtClean="0"/>
-              <a:t>1/16/2021</a:t>
+              <a:t>2/10/2021</a:t>
             </a:fld>
             <a:endParaRPr lang="en-US"/>
           </a:p>
@@ -12581,7 +12463,7 @@
           <a:p>
             <a:fld id="{1D6AAEF1-BB65-438A-947A-6BD8EC392D5A}" type="datetimeFigureOut">
               <a:rPr lang="en-US" smtClean="0"/>
-              <a:t>1/16/2021</a:t>
+              <a:t>2/10/2021</a:t>
             </a:fld>
             <a:endParaRPr lang="en-US"/>
           </a:p>
@@ -14837,35 +14719,6 @@
       </p:sp>
       <p:pic>
         <p:nvPicPr>
-          <p:cNvPr id="6" name="Picture 5">
-            <a:extLst>
-              <a:ext uri="{FF2B5EF4-FFF2-40B4-BE49-F238E27FC236}">
-                <a16:creationId xmlns:a16="http://schemas.microsoft.com/office/drawing/2014/main" id="{FB811626-46D2-4E6F-B6E1-F77043B8AEE2}"/>
-              </a:ext>
-            </a:extLst>
-          </p:cNvPr>
-          <p:cNvPicPr>
-            <a:picLocks noChangeAspect="1"/>
-          </p:cNvPicPr>
-          <p:nvPr/>
-        </p:nvPicPr>
-        <p:blipFill rotWithShape="1">
-          <a:blip r:embed="rId2"/>
-          <a:srcRect l="24201" r="23352"/>
-          <a:stretch/>
-        </p:blipFill>
-        <p:spPr>
-          <a:xfrm>
-            <a:off x="84007" y="2608989"/>
-            <a:ext cx="3584448" cy="3639312"/>
-          </a:xfrm>
-          <a:prstGeom prst="rect">
-            <a:avLst/>
-          </a:prstGeom>
-        </p:spPr>
-      </p:pic>
-      <p:pic>
-        <p:nvPicPr>
           <p:cNvPr id="5" name="Picture 4">
             <a:extLst>
               <a:ext uri="{FF2B5EF4-FFF2-40B4-BE49-F238E27FC236}">
@@ -14879,13 +14732,13 @@
           <p:nvPr/>
         </p:nvPicPr>
         <p:blipFill rotWithShape="1">
-          <a:blip r:embed="rId3"/>
+          <a:blip r:embed="rId2"/>
           <a:srcRect l="65" t="770" r="4363" b="-3772"/>
           <a:stretch/>
         </p:blipFill>
         <p:spPr>
           <a:xfrm>
-            <a:off x="3783882" y="2608989"/>
+            <a:off x="3771048" y="2690804"/>
             <a:ext cx="4488024" cy="3805617"/>
           </a:xfrm>
           <a:prstGeom prst="rect">
@@ -14908,7 +14761,7 @@
           <p:nvPr/>
         </p:nvPicPr>
         <p:blipFill rotWithShape="1">
-          <a:blip r:embed="rId4"/>
+          <a:blip r:embed="rId3"/>
           <a:srcRect r="1" b="14208"/>
           <a:stretch/>
         </p:blipFill>
@@ -14961,6 +14814,82 @@
           </a:p>
         </p:txBody>
       </p:sp>
+      <p:pic>
+        <p:nvPicPr>
+          <p:cNvPr id="12" name="Picture 1">
+            <a:extLst>
+              <a:ext uri="{FF2B5EF4-FFF2-40B4-BE49-F238E27FC236}">
+                <a16:creationId xmlns:a16="http://schemas.microsoft.com/office/drawing/2014/main" id="{F6C59362-6462-4320-8CB2-EE775C2D3604}"/>
+              </a:ext>
+            </a:extLst>
+          </p:cNvPr>
+          <p:cNvPicPr>
+            <a:picLocks noChangeAspect="1" noChangeArrowheads="1"/>
+          </p:cNvPicPr>
+          <p:nvPr/>
+        </p:nvPicPr>
+        <p:blipFill>
+          <a:blip r:embed="rId4">
+            <a:extLst>
+              <a:ext uri="{28A0092B-C50C-407E-A947-70E740481C1C}">
+                <a14:useLocalDpi xmlns:a14="http://schemas.microsoft.com/office/drawing/2010/main" val="0"/>
+              </a:ext>
+            </a:extLst>
+          </a:blip>
+          <a:srcRect/>
+          <a:stretch>
+            <a:fillRect/>
+          </a:stretch>
+        </p:blipFill>
+        <p:spPr bwMode="auto">
+          <a:xfrm>
+            <a:off x="75447" y="3136931"/>
+            <a:ext cx="3567340" cy="2675505"/>
+          </a:xfrm>
+          <a:prstGeom prst="rect">
+            <a:avLst/>
+          </a:prstGeom>
+          <a:noFill/>
+          <a:extLst>
+            <a:ext uri="{909E8E84-426E-40DD-AFC4-6F175D3DCCD1}">
+              <a14:hiddenFill xmlns:a14="http://schemas.microsoft.com/office/drawing/2010/main">
+                <a:solidFill>
+                  <a:srgbClr val="FFFFFF"/>
+                </a:solidFill>
+              </a14:hiddenFill>
+            </a:ext>
+          </a:extLst>
+        </p:spPr>
+      </p:pic>
+      <p:pic>
+        <p:nvPicPr>
+          <p:cNvPr id="6" name="Picture 5">
+            <a:extLst>
+              <a:ext uri="{FF2B5EF4-FFF2-40B4-BE49-F238E27FC236}">
+                <a16:creationId xmlns:a16="http://schemas.microsoft.com/office/drawing/2014/main" id="{FB811626-46D2-4E6F-B6E1-F77043B8AEE2}"/>
+              </a:ext>
+            </a:extLst>
+          </p:cNvPr>
+          <p:cNvPicPr>
+            <a:picLocks noChangeAspect="1"/>
+          </p:cNvPicPr>
+          <p:nvPr/>
+        </p:nvPicPr>
+        <p:blipFill rotWithShape="1">
+          <a:blip r:embed="rId5"/>
+          <a:srcRect l="24201" r="23352"/>
+          <a:stretch/>
+        </p:blipFill>
+        <p:spPr>
+          <a:xfrm>
+            <a:off x="38641" y="2655027"/>
+            <a:ext cx="3584448" cy="3639312"/>
+          </a:xfrm>
+          <a:prstGeom prst="rect">
+            <a:avLst/>
+          </a:prstGeom>
+        </p:spPr>
+      </p:pic>
     </p:spTree>
     <p:extLst>
       <p:ext uri="{BB962C8B-B14F-4D97-AF65-F5344CB8AC3E}">
@@ -15092,6 +15021,41 @@
           </a:p>
         </p:txBody>
       </p:sp>
+      <p:sp>
+        <p:nvSpPr>
+          <p:cNvPr id="5" name="TextBox 4">
+            <a:extLst>
+              <a:ext uri="{FF2B5EF4-FFF2-40B4-BE49-F238E27FC236}">
+                <a16:creationId xmlns:a16="http://schemas.microsoft.com/office/drawing/2014/main" id="{E22C1794-30FE-4714-A7A9-1F35FFFA8F2D}"/>
+              </a:ext>
+            </a:extLst>
+          </p:cNvPr>
+          <p:cNvSpPr txBox="1"/>
+          <p:nvPr/>
+        </p:nvSpPr>
+        <p:spPr>
+          <a:xfrm>
+            <a:off x="10756490" y="6462877"/>
+            <a:ext cx="1543665" cy="369332"/>
+          </a:xfrm>
+          <a:prstGeom prst="rect">
+            <a:avLst/>
+          </a:prstGeom>
+          <a:noFill/>
+        </p:spPr>
+        <p:txBody>
+          <a:bodyPr wrap="square" rtlCol="0">
+            <a:spAutoFit/>
+          </a:bodyPr>
+          <a:lstStyle/>
+          <a:p>
+            <a:r>
+              <a:rPr lang="en-GB" dirty="0"/>
+              <a:t>Winter Break</a:t>
+            </a:r>
+          </a:p>
+        </p:txBody>
+      </p:sp>
     </p:spTree>
     <p:extLst>
       <p:ext uri="{BB962C8B-B14F-4D97-AF65-F5344CB8AC3E}">
@@ -15106,6 +15070,760 @@
 </file>
 
 <file path=ppt/slides/slide13.xml><?xml version="1.0" encoding="utf-8"?>
+<p:sld xmlns:a="http://schemas.openxmlformats.org/drawingml/2006/main" xmlns:r="http://schemas.openxmlformats.org/officeDocument/2006/relationships" xmlns:p="http://schemas.openxmlformats.org/presentationml/2006/main">
+  <p:cSld>
+    <p:spTree>
+      <p:nvGrpSpPr>
+        <p:cNvPr id="1" name=""/>
+        <p:cNvGrpSpPr/>
+        <p:nvPr/>
+      </p:nvGrpSpPr>
+      <p:grpSpPr>
+        <a:xfrm>
+          <a:off x="0" y="0"/>
+          <a:ext cx="0" cy="0"/>
+          <a:chOff x="0" y="0"/>
+          <a:chExt cx="0" cy="0"/>
+        </a:xfrm>
+      </p:grpSpPr>
+      <p:sp>
+        <p:nvSpPr>
+          <p:cNvPr id="2" name="Title 1">
+            <a:extLst>
+              <a:ext uri="{FF2B5EF4-FFF2-40B4-BE49-F238E27FC236}">
+                <a16:creationId xmlns:a16="http://schemas.microsoft.com/office/drawing/2014/main" id="{6B94A407-EFD6-4F0F-B332-FC82A1A331A8}"/>
+              </a:ext>
+            </a:extLst>
+          </p:cNvPr>
+          <p:cNvSpPr>
+            <a:spLocks noGrp="1"/>
+          </p:cNvSpPr>
+          <p:nvPr>
+            <p:ph type="title"/>
+          </p:nvPr>
+        </p:nvSpPr>
+        <p:spPr/>
+        <p:txBody>
+          <a:bodyPr/>
+          <a:lstStyle/>
+          <a:p>
+            <a:r>
+              <a:rPr lang="en-US"/>
+              <a:t>Approach to Solution of Desynchronisation:</a:t>
+            </a:r>
+            <a:endParaRPr lang="en-GB" dirty="0"/>
+          </a:p>
+        </p:txBody>
+      </p:sp>
+      <p:sp>
+        <p:nvSpPr>
+          <p:cNvPr id="4" name="Content Placeholder 2">
+            <a:extLst>
+              <a:ext uri="{FF2B5EF4-FFF2-40B4-BE49-F238E27FC236}">
+                <a16:creationId xmlns:a16="http://schemas.microsoft.com/office/drawing/2014/main" id="{D2CD58A7-71BA-4605-AF6C-56898504DEBF}"/>
+              </a:ext>
+            </a:extLst>
+          </p:cNvPr>
+          <p:cNvSpPr txBox="1">
+            <a:spLocks/>
+          </p:cNvSpPr>
+          <p:nvPr/>
+        </p:nvSpPr>
+        <p:spPr>
+          <a:xfrm>
+            <a:off x="838200" y="1690688"/>
+            <a:ext cx="10515600" cy="1603375"/>
+          </a:xfrm>
+          <a:prstGeom prst="rect">
+            <a:avLst/>
+          </a:prstGeom>
+        </p:spPr>
+        <p:txBody>
+          <a:bodyPr vert="horz" lIns="91440" tIns="45720" rIns="91440" bIns="45720" rtlCol="0">
+            <a:normAutofit lnSpcReduction="10000"/>
+          </a:bodyPr>
+          <a:lstStyle>
+            <a:lvl1pPr marL="228600" indent="-228600" algn="l" defTabSz="914400" rtl="0" eaLnBrk="1" latinLnBrk="0" hangingPunct="1">
+              <a:lnSpc>
+                <a:spcPct val="90000"/>
+              </a:lnSpc>
+              <a:spcBef>
+                <a:spcPts val="1000"/>
+              </a:spcBef>
+              <a:buFont typeface="Arial" panose="020B0604020202020204" pitchFamily="34" charset="0"/>
+              <a:buChar char="•"/>
+              <a:defRPr sz="2800" kern="1200">
+                <a:solidFill>
+                  <a:schemeClr val="tx1"/>
+                </a:solidFill>
+                <a:latin typeface="+mn-lt"/>
+                <a:ea typeface="+mn-ea"/>
+                <a:cs typeface="+mn-cs"/>
+              </a:defRPr>
+            </a:lvl1pPr>
+            <a:lvl2pPr marL="685800" indent="-228600" algn="l" defTabSz="914400" rtl="0" eaLnBrk="1" latinLnBrk="0" hangingPunct="1">
+              <a:lnSpc>
+                <a:spcPct val="90000"/>
+              </a:lnSpc>
+              <a:spcBef>
+                <a:spcPts val="500"/>
+              </a:spcBef>
+              <a:buFont typeface="Arial" panose="020B0604020202020204" pitchFamily="34" charset="0"/>
+              <a:buChar char="•"/>
+              <a:defRPr sz="2400" kern="1200">
+                <a:solidFill>
+                  <a:schemeClr val="tx1"/>
+                </a:solidFill>
+                <a:latin typeface="+mn-lt"/>
+                <a:ea typeface="+mn-ea"/>
+                <a:cs typeface="+mn-cs"/>
+              </a:defRPr>
+            </a:lvl2pPr>
+            <a:lvl3pPr marL="1143000" indent="-228600" algn="l" defTabSz="914400" rtl="0" eaLnBrk="1" latinLnBrk="0" hangingPunct="1">
+              <a:lnSpc>
+                <a:spcPct val="90000"/>
+              </a:lnSpc>
+              <a:spcBef>
+                <a:spcPts val="500"/>
+              </a:spcBef>
+              <a:buFont typeface="Arial" panose="020B0604020202020204" pitchFamily="34" charset="0"/>
+              <a:buChar char="•"/>
+              <a:defRPr sz="2000" kern="1200">
+                <a:solidFill>
+                  <a:schemeClr val="tx1"/>
+                </a:solidFill>
+                <a:latin typeface="+mn-lt"/>
+                <a:ea typeface="+mn-ea"/>
+                <a:cs typeface="+mn-cs"/>
+              </a:defRPr>
+            </a:lvl3pPr>
+            <a:lvl4pPr marL="1600200" indent="-228600" algn="l" defTabSz="914400" rtl="0" eaLnBrk="1" latinLnBrk="0" hangingPunct="1">
+              <a:lnSpc>
+                <a:spcPct val="90000"/>
+              </a:lnSpc>
+              <a:spcBef>
+                <a:spcPts val="500"/>
+              </a:spcBef>
+              <a:buFont typeface="Arial" panose="020B0604020202020204" pitchFamily="34" charset="0"/>
+              <a:buChar char="•"/>
+              <a:defRPr sz="1800" kern="1200">
+                <a:solidFill>
+                  <a:schemeClr val="tx1"/>
+                </a:solidFill>
+                <a:latin typeface="+mn-lt"/>
+                <a:ea typeface="+mn-ea"/>
+                <a:cs typeface="+mn-cs"/>
+              </a:defRPr>
+            </a:lvl4pPr>
+            <a:lvl5pPr marL="2057400" indent="-228600" algn="l" defTabSz="914400" rtl="0" eaLnBrk="1" latinLnBrk="0" hangingPunct="1">
+              <a:lnSpc>
+                <a:spcPct val="90000"/>
+              </a:lnSpc>
+              <a:spcBef>
+                <a:spcPts val="500"/>
+              </a:spcBef>
+              <a:buFont typeface="Arial" panose="020B0604020202020204" pitchFamily="34" charset="0"/>
+              <a:buChar char="•"/>
+              <a:defRPr sz="1800" kern="1200">
+                <a:solidFill>
+                  <a:schemeClr val="tx1"/>
+                </a:solidFill>
+                <a:latin typeface="+mn-lt"/>
+                <a:ea typeface="+mn-ea"/>
+                <a:cs typeface="+mn-cs"/>
+              </a:defRPr>
+            </a:lvl5pPr>
+            <a:lvl6pPr marL="2514600" indent="-228600" algn="l" defTabSz="914400" rtl="0" eaLnBrk="1" latinLnBrk="0" hangingPunct="1">
+              <a:lnSpc>
+                <a:spcPct val="90000"/>
+              </a:lnSpc>
+              <a:spcBef>
+                <a:spcPts val="500"/>
+              </a:spcBef>
+              <a:buFont typeface="Arial" panose="020B0604020202020204" pitchFamily="34" charset="0"/>
+              <a:buChar char="•"/>
+              <a:defRPr sz="1800" kern="1200">
+                <a:solidFill>
+                  <a:schemeClr val="tx1"/>
+                </a:solidFill>
+                <a:latin typeface="+mn-lt"/>
+                <a:ea typeface="+mn-ea"/>
+                <a:cs typeface="+mn-cs"/>
+              </a:defRPr>
+            </a:lvl6pPr>
+            <a:lvl7pPr marL="2971800" indent="-228600" algn="l" defTabSz="914400" rtl="0" eaLnBrk="1" latinLnBrk="0" hangingPunct="1">
+              <a:lnSpc>
+                <a:spcPct val="90000"/>
+              </a:lnSpc>
+              <a:spcBef>
+                <a:spcPts val="500"/>
+              </a:spcBef>
+              <a:buFont typeface="Arial" panose="020B0604020202020204" pitchFamily="34" charset="0"/>
+              <a:buChar char="•"/>
+              <a:defRPr sz="1800" kern="1200">
+                <a:solidFill>
+                  <a:schemeClr val="tx1"/>
+                </a:solidFill>
+                <a:latin typeface="+mn-lt"/>
+                <a:ea typeface="+mn-ea"/>
+                <a:cs typeface="+mn-cs"/>
+              </a:defRPr>
+            </a:lvl7pPr>
+            <a:lvl8pPr marL="3429000" indent="-228600" algn="l" defTabSz="914400" rtl="0" eaLnBrk="1" latinLnBrk="0" hangingPunct="1">
+              <a:lnSpc>
+                <a:spcPct val="90000"/>
+              </a:lnSpc>
+              <a:spcBef>
+                <a:spcPts val="500"/>
+              </a:spcBef>
+              <a:buFont typeface="Arial" panose="020B0604020202020204" pitchFamily="34" charset="0"/>
+              <a:buChar char="•"/>
+              <a:defRPr sz="1800" kern="1200">
+                <a:solidFill>
+                  <a:schemeClr val="tx1"/>
+                </a:solidFill>
+                <a:latin typeface="+mn-lt"/>
+                <a:ea typeface="+mn-ea"/>
+                <a:cs typeface="+mn-cs"/>
+              </a:defRPr>
+            </a:lvl8pPr>
+            <a:lvl9pPr marL="3886200" indent="-228600" algn="l" defTabSz="914400" rtl="0" eaLnBrk="1" latinLnBrk="0" hangingPunct="1">
+              <a:lnSpc>
+                <a:spcPct val="90000"/>
+              </a:lnSpc>
+              <a:spcBef>
+                <a:spcPts val="500"/>
+              </a:spcBef>
+              <a:buFont typeface="Arial" panose="020B0604020202020204" pitchFamily="34" charset="0"/>
+              <a:buChar char="•"/>
+              <a:defRPr sz="1800" kern="1200">
+                <a:solidFill>
+                  <a:schemeClr val="tx1"/>
+                </a:solidFill>
+                <a:latin typeface="+mn-lt"/>
+                <a:ea typeface="+mn-ea"/>
+                <a:cs typeface="+mn-cs"/>
+              </a:defRPr>
+            </a:lvl9pPr>
+          </a:lstStyle>
+          <a:p>
+            <a:pPr marL="0" indent="0">
+              <a:buFont typeface="Arial" panose="020B0604020202020204" pitchFamily="34" charset="0"/>
+              <a:buNone/>
+            </a:pPr>
+            <a:r>
+              <a:rPr lang="en-US" dirty="0"/>
+              <a:t>&gt; First Implemented a direct shift by N which perfectly accounted for the delay. The problem with this approach is that other parts of the system also add delay and their delay is unknown. An approach that </a:t>
+            </a:r>
+            <a:r>
+              <a:rPr lang="en-US" dirty="0" err="1"/>
+              <a:t>synchrosizes</a:t>
+            </a:r>
+            <a:r>
+              <a:rPr lang="en-US" dirty="0"/>
+              <a:t> the TX and RX signal regardless of delay is needed.</a:t>
+            </a:r>
+          </a:p>
+          <a:p>
+            <a:pPr marL="0" indent="0">
+              <a:buFont typeface="Arial" panose="020B0604020202020204" pitchFamily="34" charset="0"/>
+              <a:buNone/>
+            </a:pPr>
+            <a:endParaRPr lang="en-US" dirty="0"/>
+          </a:p>
+        </p:txBody>
+      </p:sp>
+      <p:sp>
+        <p:nvSpPr>
+          <p:cNvPr id="5" name="Content Placeholder 2">
+            <a:extLst>
+              <a:ext uri="{FF2B5EF4-FFF2-40B4-BE49-F238E27FC236}">
+                <a16:creationId xmlns:a16="http://schemas.microsoft.com/office/drawing/2014/main" id="{D2ACC808-EFF6-4754-8BC3-5159284F9920}"/>
+              </a:ext>
+            </a:extLst>
+          </p:cNvPr>
+          <p:cNvSpPr txBox="1">
+            <a:spLocks/>
+          </p:cNvSpPr>
+          <p:nvPr/>
+        </p:nvSpPr>
+        <p:spPr>
+          <a:xfrm>
+            <a:off x="838200" y="3330575"/>
+            <a:ext cx="10515600" cy="1603375"/>
+          </a:xfrm>
+          <a:prstGeom prst="rect">
+            <a:avLst/>
+          </a:prstGeom>
+        </p:spPr>
+        <p:txBody>
+          <a:bodyPr vert="horz" lIns="91440" tIns="45720" rIns="91440" bIns="45720" rtlCol="0">
+            <a:normAutofit fontScale="92500" lnSpcReduction="10000"/>
+          </a:bodyPr>
+          <a:lstStyle>
+            <a:lvl1pPr marL="228600" indent="-228600" algn="l" defTabSz="914400" rtl="0" eaLnBrk="1" latinLnBrk="0" hangingPunct="1">
+              <a:lnSpc>
+                <a:spcPct val="90000"/>
+              </a:lnSpc>
+              <a:spcBef>
+                <a:spcPts val="1000"/>
+              </a:spcBef>
+              <a:buFont typeface="Arial" panose="020B0604020202020204" pitchFamily="34" charset="0"/>
+              <a:buChar char="•"/>
+              <a:defRPr sz="2800" kern="1200">
+                <a:solidFill>
+                  <a:schemeClr val="tx1"/>
+                </a:solidFill>
+                <a:latin typeface="+mn-lt"/>
+                <a:ea typeface="+mn-ea"/>
+                <a:cs typeface="+mn-cs"/>
+              </a:defRPr>
+            </a:lvl1pPr>
+            <a:lvl2pPr marL="685800" indent="-228600" algn="l" defTabSz="914400" rtl="0" eaLnBrk="1" latinLnBrk="0" hangingPunct="1">
+              <a:lnSpc>
+                <a:spcPct val="90000"/>
+              </a:lnSpc>
+              <a:spcBef>
+                <a:spcPts val="500"/>
+              </a:spcBef>
+              <a:buFont typeface="Arial" panose="020B0604020202020204" pitchFamily="34" charset="0"/>
+              <a:buChar char="•"/>
+              <a:defRPr sz="2400" kern="1200">
+                <a:solidFill>
+                  <a:schemeClr val="tx1"/>
+                </a:solidFill>
+                <a:latin typeface="+mn-lt"/>
+                <a:ea typeface="+mn-ea"/>
+                <a:cs typeface="+mn-cs"/>
+              </a:defRPr>
+            </a:lvl2pPr>
+            <a:lvl3pPr marL="1143000" indent="-228600" algn="l" defTabSz="914400" rtl="0" eaLnBrk="1" latinLnBrk="0" hangingPunct="1">
+              <a:lnSpc>
+                <a:spcPct val="90000"/>
+              </a:lnSpc>
+              <a:spcBef>
+                <a:spcPts val="500"/>
+              </a:spcBef>
+              <a:buFont typeface="Arial" panose="020B0604020202020204" pitchFamily="34" charset="0"/>
+              <a:buChar char="•"/>
+              <a:defRPr sz="2000" kern="1200">
+                <a:solidFill>
+                  <a:schemeClr val="tx1"/>
+                </a:solidFill>
+                <a:latin typeface="+mn-lt"/>
+                <a:ea typeface="+mn-ea"/>
+                <a:cs typeface="+mn-cs"/>
+              </a:defRPr>
+            </a:lvl3pPr>
+            <a:lvl4pPr marL="1600200" indent="-228600" algn="l" defTabSz="914400" rtl="0" eaLnBrk="1" latinLnBrk="0" hangingPunct="1">
+              <a:lnSpc>
+                <a:spcPct val="90000"/>
+              </a:lnSpc>
+              <a:spcBef>
+                <a:spcPts val="500"/>
+              </a:spcBef>
+              <a:buFont typeface="Arial" panose="020B0604020202020204" pitchFamily="34" charset="0"/>
+              <a:buChar char="•"/>
+              <a:defRPr sz="1800" kern="1200">
+                <a:solidFill>
+                  <a:schemeClr val="tx1"/>
+                </a:solidFill>
+                <a:latin typeface="+mn-lt"/>
+                <a:ea typeface="+mn-ea"/>
+                <a:cs typeface="+mn-cs"/>
+              </a:defRPr>
+            </a:lvl4pPr>
+            <a:lvl5pPr marL="2057400" indent="-228600" algn="l" defTabSz="914400" rtl="0" eaLnBrk="1" latinLnBrk="0" hangingPunct="1">
+              <a:lnSpc>
+                <a:spcPct val="90000"/>
+              </a:lnSpc>
+              <a:spcBef>
+                <a:spcPts val="500"/>
+              </a:spcBef>
+              <a:buFont typeface="Arial" panose="020B0604020202020204" pitchFamily="34" charset="0"/>
+              <a:buChar char="•"/>
+              <a:defRPr sz="1800" kern="1200">
+                <a:solidFill>
+                  <a:schemeClr val="tx1"/>
+                </a:solidFill>
+                <a:latin typeface="+mn-lt"/>
+                <a:ea typeface="+mn-ea"/>
+                <a:cs typeface="+mn-cs"/>
+              </a:defRPr>
+            </a:lvl5pPr>
+            <a:lvl6pPr marL="2514600" indent="-228600" algn="l" defTabSz="914400" rtl="0" eaLnBrk="1" latinLnBrk="0" hangingPunct="1">
+              <a:lnSpc>
+                <a:spcPct val="90000"/>
+              </a:lnSpc>
+              <a:spcBef>
+                <a:spcPts val="500"/>
+              </a:spcBef>
+              <a:buFont typeface="Arial" panose="020B0604020202020204" pitchFamily="34" charset="0"/>
+              <a:buChar char="•"/>
+              <a:defRPr sz="1800" kern="1200">
+                <a:solidFill>
+                  <a:schemeClr val="tx1"/>
+                </a:solidFill>
+                <a:latin typeface="+mn-lt"/>
+                <a:ea typeface="+mn-ea"/>
+                <a:cs typeface="+mn-cs"/>
+              </a:defRPr>
+            </a:lvl6pPr>
+            <a:lvl7pPr marL="2971800" indent="-228600" algn="l" defTabSz="914400" rtl="0" eaLnBrk="1" latinLnBrk="0" hangingPunct="1">
+              <a:lnSpc>
+                <a:spcPct val="90000"/>
+              </a:lnSpc>
+              <a:spcBef>
+                <a:spcPts val="500"/>
+              </a:spcBef>
+              <a:buFont typeface="Arial" panose="020B0604020202020204" pitchFamily="34" charset="0"/>
+              <a:buChar char="•"/>
+              <a:defRPr sz="1800" kern="1200">
+                <a:solidFill>
+                  <a:schemeClr val="tx1"/>
+                </a:solidFill>
+                <a:latin typeface="+mn-lt"/>
+                <a:ea typeface="+mn-ea"/>
+                <a:cs typeface="+mn-cs"/>
+              </a:defRPr>
+            </a:lvl7pPr>
+            <a:lvl8pPr marL="3429000" indent="-228600" algn="l" defTabSz="914400" rtl="0" eaLnBrk="1" latinLnBrk="0" hangingPunct="1">
+              <a:lnSpc>
+                <a:spcPct val="90000"/>
+              </a:lnSpc>
+              <a:spcBef>
+                <a:spcPts val="500"/>
+              </a:spcBef>
+              <a:buFont typeface="Arial" panose="020B0604020202020204" pitchFamily="34" charset="0"/>
+              <a:buChar char="•"/>
+              <a:defRPr sz="1800" kern="1200">
+                <a:solidFill>
+                  <a:schemeClr val="tx1"/>
+                </a:solidFill>
+                <a:latin typeface="+mn-lt"/>
+                <a:ea typeface="+mn-ea"/>
+                <a:cs typeface="+mn-cs"/>
+              </a:defRPr>
+            </a:lvl8pPr>
+            <a:lvl9pPr marL="3886200" indent="-228600" algn="l" defTabSz="914400" rtl="0" eaLnBrk="1" latinLnBrk="0" hangingPunct="1">
+              <a:lnSpc>
+                <a:spcPct val="90000"/>
+              </a:lnSpc>
+              <a:spcBef>
+                <a:spcPts val="500"/>
+              </a:spcBef>
+              <a:buFont typeface="Arial" panose="020B0604020202020204" pitchFamily="34" charset="0"/>
+              <a:buChar char="•"/>
+              <a:defRPr sz="1800" kern="1200">
+                <a:solidFill>
+                  <a:schemeClr val="tx1"/>
+                </a:solidFill>
+                <a:latin typeface="+mn-lt"/>
+                <a:ea typeface="+mn-ea"/>
+                <a:cs typeface="+mn-cs"/>
+              </a:defRPr>
+            </a:lvl9pPr>
+          </a:lstStyle>
+          <a:p>
+            <a:pPr marL="0" indent="0">
+              <a:buFont typeface="Arial" panose="020B0604020202020204" pitchFamily="34" charset="0"/>
+              <a:buNone/>
+            </a:pPr>
+            <a:r>
+              <a:rPr lang="en-US" dirty="0"/>
+              <a:t>&gt; </a:t>
+            </a:r>
+            <a:r>
+              <a:rPr lang="en-US" dirty="0" err="1"/>
+              <a:t>Synchronisation</a:t>
+            </a:r>
+            <a:r>
+              <a:rPr lang="en-US" dirty="0"/>
+              <a:t> using cross-correlation has been implemented. The received </a:t>
+            </a:r>
+            <a:r>
+              <a:rPr lang="en-US" dirty="0" err="1"/>
+              <a:t>downsampled</a:t>
+            </a:r>
+            <a:r>
+              <a:rPr lang="en-US" dirty="0"/>
+              <a:t> signal after filtering with CD, AWGN and phase noise is correlated with the TX signal before pulse-shaping. </a:t>
+            </a:r>
+          </a:p>
+          <a:p>
+            <a:pPr marL="0" indent="0">
+              <a:buFont typeface="Arial" panose="020B0604020202020204" pitchFamily="34" charset="0"/>
+              <a:buNone/>
+            </a:pPr>
+            <a:r>
+              <a:rPr lang="en-US" dirty="0"/>
+              <a:t>The Argmax of this cross-correlation is the delay between these 2 signals.</a:t>
+            </a:r>
+          </a:p>
+        </p:txBody>
+      </p:sp>
+      <p:sp>
+        <p:nvSpPr>
+          <p:cNvPr id="6" name="Content Placeholder 2">
+            <a:extLst>
+              <a:ext uri="{FF2B5EF4-FFF2-40B4-BE49-F238E27FC236}">
+                <a16:creationId xmlns:a16="http://schemas.microsoft.com/office/drawing/2014/main" id="{F44C4F0B-6886-4724-AC68-829F65A39BA3}"/>
+              </a:ext>
+            </a:extLst>
+          </p:cNvPr>
+          <p:cNvSpPr txBox="1">
+            <a:spLocks/>
+          </p:cNvSpPr>
+          <p:nvPr/>
+        </p:nvSpPr>
+        <p:spPr>
+          <a:xfrm>
+            <a:off x="695960" y="5195887"/>
+            <a:ext cx="10515600" cy="1603375"/>
+          </a:xfrm>
+          <a:prstGeom prst="rect">
+            <a:avLst/>
+          </a:prstGeom>
+        </p:spPr>
+        <p:txBody>
+          <a:bodyPr vert="horz" lIns="91440" tIns="45720" rIns="91440" bIns="45720" rtlCol="0">
+            <a:normAutofit/>
+          </a:bodyPr>
+          <a:lstStyle>
+            <a:lvl1pPr marL="228600" indent="-228600" algn="l" defTabSz="914400" rtl="0" eaLnBrk="1" latinLnBrk="0" hangingPunct="1">
+              <a:lnSpc>
+                <a:spcPct val="90000"/>
+              </a:lnSpc>
+              <a:spcBef>
+                <a:spcPts val="1000"/>
+              </a:spcBef>
+              <a:buFont typeface="Arial" panose="020B0604020202020204" pitchFamily="34" charset="0"/>
+              <a:buChar char="•"/>
+              <a:defRPr sz="2800" kern="1200">
+                <a:solidFill>
+                  <a:schemeClr val="tx1"/>
+                </a:solidFill>
+                <a:latin typeface="+mn-lt"/>
+                <a:ea typeface="+mn-ea"/>
+                <a:cs typeface="+mn-cs"/>
+              </a:defRPr>
+            </a:lvl1pPr>
+            <a:lvl2pPr marL="685800" indent="-228600" algn="l" defTabSz="914400" rtl="0" eaLnBrk="1" latinLnBrk="0" hangingPunct="1">
+              <a:lnSpc>
+                <a:spcPct val="90000"/>
+              </a:lnSpc>
+              <a:spcBef>
+                <a:spcPts val="500"/>
+              </a:spcBef>
+              <a:buFont typeface="Arial" panose="020B0604020202020204" pitchFamily="34" charset="0"/>
+              <a:buChar char="•"/>
+              <a:defRPr sz="2400" kern="1200">
+                <a:solidFill>
+                  <a:schemeClr val="tx1"/>
+                </a:solidFill>
+                <a:latin typeface="+mn-lt"/>
+                <a:ea typeface="+mn-ea"/>
+                <a:cs typeface="+mn-cs"/>
+              </a:defRPr>
+            </a:lvl2pPr>
+            <a:lvl3pPr marL="1143000" indent="-228600" algn="l" defTabSz="914400" rtl="0" eaLnBrk="1" latinLnBrk="0" hangingPunct="1">
+              <a:lnSpc>
+                <a:spcPct val="90000"/>
+              </a:lnSpc>
+              <a:spcBef>
+                <a:spcPts val="500"/>
+              </a:spcBef>
+              <a:buFont typeface="Arial" panose="020B0604020202020204" pitchFamily="34" charset="0"/>
+              <a:buChar char="•"/>
+              <a:defRPr sz="2000" kern="1200">
+                <a:solidFill>
+                  <a:schemeClr val="tx1"/>
+                </a:solidFill>
+                <a:latin typeface="+mn-lt"/>
+                <a:ea typeface="+mn-ea"/>
+                <a:cs typeface="+mn-cs"/>
+              </a:defRPr>
+            </a:lvl3pPr>
+            <a:lvl4pPr marL="1600200" indent="-228600" algn="l" defTabSz="914400" rtl="0" eaLnBrk="1" latinLnBrk="0" hangingPunct="1">
+              <a:lnSpc>
+                <a:spcPct val="90000"/>
+              </a:lnSpc>
+              <a:spcBef>
+                <a:spcPts val="500"/>
+              </a:spcBef>
+              <a:buFont typeface="Arial" panose="020B0604020202020204" pitchFamily="34" charset="0"/>
+              <a:buChar char="•"/>
+              <a:defRPr sz="1800" kern="1200">
+                <a:solidFill>
+                  <a:schemeClr val="tx1"/>
+                </a:solidFill>
+                <a:latin typeface="+mn-lt"/>
+                <a:ea typeface="+mn-ea"/>
+                <a:cs typeface="+mn-cs"/>
+              </a:defRPr>
+            </a:lvl4pPr>
+            <a:lvl5pPr marL="2057400" indent="-228600" algn="l" defTabSz="914400" rtl="0" eaLnBrk="1" latinLnBrk="0" hangingPunct="1">
+              <a:lnSpc>
+                <a:spcPct val="90000"/>
+              </a:lnSpc>
+              <a:spcBef>
+                <a:spcPts val="500"/>
+              </a:spcBef>
+              <a:buFont typeface="Arial" panose="020B0604020202020204" pitchFamily="34" charset="0"/>
+              <a:buChar char="•"/>
+              <a:defRPr sz="1800" kern="1200">
+                <a:solidFill>
+                  <a:schemeClr val="tx1"/>
+                </a:solidFill>
+                <a:latin typeface="+mn-lt"/>
+                <a:ea typeface="+mn-ea"/>
+                <a:cs typeface="+mn-cs"/>
+              </a:defRPr>
+            </a:lvl5pPr>
+            <a:lvl6pPr marL="2514600" indent="-228600" algn="l" defTabSz="914400" rtl="0" eaLnBrk="1" latinLnBrk="0" hangingPunct="1">
+              <a:lnSpc>
+                <a:spcPct val="90000"/>
+              </a:lnSpc>
+              <a:spcBef>
+                <a:spcPts val="500"/>
+              </a:spcBef>
+              <a:buFont typeface="Arial" panose="020B0604020202020204" pitchFamily="34" charset="0"/>
+              <a:buChar char="•"/>
+              <a:defRPr sz="1800" kern="1200">
+                <a:solidFill>
+                  <a:schemeClr val="tx1"/>
+                </a:solidFill>
+                <a:latin typeface="+mn-lt"/>
+                <a:ea typeface="+mn-ea"/>
+                <a:cs typeface="+mn-cs"/>
+              </a:defRPr>
+            </a:lvl6pPr>
+            <a:lvl7pPr marL="2971800" indent="-228600" algn="l" defTabSz="914400" rtl="0" eaLnBrk="1" latinLnBrk="0" hangingPunct="1">
+              <a:lnSpc>
+                <a:spcPct val="90000"/>
+              </a:lnSpc>
+              <a:spcBef>
+                <a:spcPts val="500"/>
+              </a:spcBef>
+              <a:buFont typeface="Arial" panose="020B0604020202020204" pitchFamily="34" charset="0"/>
+              <a:buChar char="•"/>
+              <a:defRPr sz="1800" kern="1200">
+                <a:solidFill>
+                  <a:schemeClr val="tx1"/>
+                </a:solidFill>
+                <a:latin typeface="+mn-lt"/>
+                <a:ea typeface="+mn-ea"/>
+                <a:cs typeface="+mn-cs"/>
+              </a:defRPr>
+            </a:lvl7pPr>
+            <a:lvl8pPr marL="3429000" indent="-228600" algn="l" defTabSz="914400" rtl="0" eaLnBrk="1" latinLnBrk="0" hangingPunct="1">
+              <a:lnSpc>
+                <a:spcPct val="90000"/>
+              </a:lnSpc>
+              <a:spcBef>
+                <a:spcPts val="500"/>
+              </a:spcBef>
+              <a:buFont typeface="Arial" panose="020B0604020202020204" pitchFamily="34" charset="0"/>
+              <a:buChar char="•"/>
+              <a:defRPr sz="1800" kern="1200">
+                <a:solidFill>
+                  <a:schemeClr val="tx1"/>
+                </a:solidFill>
+                <a:latin typeface="+mn-lt"/>
+                <a:ea typeface="+mn-ea"/>
+                <a:cs typeface="+mn-cs"/>
+              </a:defRPr>
+            </a:lvl8pPr>
+            <a:lvl9pPr marL="3886200" indent="-228600" algn="l" defTabSz="914400" rtl="0" eaLnBrk="1" latinLnBrk="0" hangingPunct="1">
+              <a:lnSpc>
+                <a:spcPct val="90000"/>
+              </a:lnSpc>
+              <a:spcBef>
+                <a:spcPts val="500"/>
+              </a:spcBef>
+              <a:buFont typeface="Arial" panose="020B0604020202020204" pitchFamily="34" charset="0"/>
+              <a:buChar char="•"/>
+              <a:defRPr sz="1800" kern="1200">
+                <a:solidFill>
+                  <a:schemeClr val="tx1"/>
+                </a:solidFill>
+                <a:latin typeface="+mn-lt"/>
+                <a:ea typeface="+mn-ea"/>
+                <a:cs typeface="+mn-cs"/>
+              </a:defRPr>
+            </a:lvl9pPr>
+          </a:lstStyle>
+          <a:p>
+            <a:pPr marL="0" indent="0">
+              <a:buFont typeface="Arial" panose="020B0604020202020204" pitchFamily="34" charset="0"/>
+              <a:buNone/>
+            </a:pPr>
+            <a:r>
+              <a:rPr lang="en-US" dirty="0"/>
+              <a:t>Problems:</a:t>
+            </a:r>
+          </a:p>
+          <a:p>
+            <a:pPr marL="0" indent="0">
+              <a:buFont typeface="Arial" panose="020B0604020202020204" pitchFamily="34" charset="0"/>
+              <a:buNone/>
+            </a:pPr>
+            <a:r>
+              <a:rPr lang="en-US" dirty="0"/>
+              <a:t>This approach is not consistent and can also lead to values close to the true delay but off by 2-3 taps</a:t>
+            </a:r>
+          </a:p>
+        </p:txBody>
+      </p:sp>
+      <p:sp>
+        <p:nvSpPr>
+          <p:cNvPr id="7" name="TextBox 6">
+            <a:extLst>
+              <a:ext uri="{FF2B5EF4-FFF2-40B4-BE49-F238E27FC236}">
+                <a16:creationId xmlns:a16="http://schemas.microsoft.com/office/drawing/2014/main" id="{9E50DF15-211B-4DDD-80E4-3158A6D87774}"/>
+              </a:ext>
+            </a:extLst>
+          </p:cNvPr>
+          <p:cNvSpPr txBox="1"/>
+          <p:nvPr/>
+        </p:nvSpPr>
+        <p:spPr>
+          <a:xfrm>
+            <a:off x="10756490" y="6453546"/>
+            <a:ext cx="1543665" cy="369332"/>
+          </a:xfrm>
+          <a:prstGeom prst="rect">
+            <a:avLst/>
+          </a:prstGeom>
+          <a:noFill/>
+        </p:spPr>
+        <p:txBody>
+          <a:bodyPr wrap="square" rtlCol="0">
+            <a:spAutoFit/>
+          </a:bodyPr>
+          <a:lstStyle/>
+          <a:p>
+            <a:r>
+              <a:rPr lang="en-GB" dirty="0"/>
+              <a:t>Winter Break</a:t>
+            </a:r>
+          </a:p>
+        </p:txBody>
+      </p:sp>
+    </p:spTree>
+    <p:extLst>
+      <p:ext uri="{BB962C8B-B14F-4D97-AF65-F5344CB8AC3E}">
+        <p14:creationId xmlns:p14="http://schemas.microsoft.com/office/powerpoint/2010/main" val="4232944889"/>
+      </p:ext>
+    </p:extLst>
+  </p:cSld>
+  <p:clrMapOvr>
+    <a:masterClrMapping/>
+  </p:clrMapOvr>
+</p:sld>
+</file>
+
+<file path=ppt/slides/slide14.xml><?xml version="1.0" encoding="utf-8"?>
 <p:sld xmlns:a="http://schemas.openxmlformats.org/drawingml/2006/main" xmlns:r="http://schemas.openxmlformats.org/officeDocument/2006/relationships" xmlns:p="http://schemas.openxmlformats.org/presentationml/2006/main">
   <p:cSld>
     <p:spTree>
@@ -15257,6 +15975,41 @@
           </a:p>
         </p:txBody>
       </p:sp>
+      <p:sp>
+        <p:nvSpPr>
+          <p:cNvPr id="6" name="TextBox 5">
+            <a:extLst>
+              <a:ext uri="{FF2B5EF4-FFF2-40B4-BE49-F238E27FC236}">
+                <a16:creationId xmlns:a16="http://schemas.microsoft.com/office/drawing/2014/main" id="{09DADE72-E54B-4CB5-8DF2-D9DC16E36682}"/>
+              </a:ext>
+            </a:extLst>
+          </p:cNvPr>
+          <p:cNvSpPr txBox="1"/>
+          <p:nvPr/>
+        </p:nvSpPr>
+        <p:spPr>
+          <a:xfrm>
+            <a:off x="0" y="6584175"/>
+            <a:ext cx="1543665" cy="369332"/>
+          </a:xfrm>
+          <a:prstGeom prst="rect">
+            <a:avLst/>
+          </a:prstGeom>
+          <a:noFill/>
+        </p:spPr>
+        <p:txBody>
+          <a:bodyPr wrap="square" rtlCol="0">
+            <a:spAutoFit/>
+          </a:bodyPr>
+          <a:lstStyle/>
+          <a:p>
+            <a:r>
+              <a:rPr lang="en-GB" dirty="0"/>
+              <a:t>Winter Break</a:t>
+            </a:r>
+          </a:p>
+        </p:txBody>
+      </p:sp>
     </p:spTree>
     <p:extLst>
       <p:ext uri="{BB962C8B-B14F-4D97-AF65-F5344CB8AC3E}">
@@ -15270,7 +16023,7 @@
 </p:sld>
 </file>
 
-<file path=ppt/slides/slide14.xml><?xml version="1.0" encoding="utf-8"?>
+<file path=ppt/slides/slide15.xml><?xml version="1.0" encoding="utf-8"?>
 <p:sld xmlns:a="http://schemas.openxmlformats.org/drawingml/2006/main" xmlns:r="http://schemas.openxmlformats.org/officeDocument/2006/relationships" xmlns:p="http://schemas.openxmlformats.org/presentationml/2006/main">
   <p:cSld>
     <p:spTree>
@@ -15427,6 +16180,41 @@
           </a:p>
         </p:txBody>
       </p:sp>
+      <p:sp>
+        <p:nvSpPr>
+          <p:cNvPr id="6" name="TextBox 5">
+            <a:extLst>
+              <a:ext uri="{FF2B5EF4-FFF2-40B4-BE49-F238E27FC236}">
+                <a16:creationId xmlns:a16="http://schemas.microsoft.com/office/drawing/2014/main" id="{36302A1D-3225-478F-8735-B11B5D3F18D7}"/>
+              </a:ext>
+            </a:extLst>
+          </p:cNvPr>
+          <p:cNvSpPr txBox="1"/>
+          <p:nvPr/>
+        </p:nvSpPr>
+        <p:spPr>
+          <a:xfrm>
+            <a:off x="0" y="6488668"/>
+            <a:ext cx="1543665" cy="369332"/>
+          </a:xfrm>
+          <a:prstGeom prst="rect">
+            <a:avLst/>
+          </a:prstGeom>
+          <a:noFill/>
+        </p:spPr>
+        <p:txBody>
+          <a:bodyPr wrap="square" rtlCol="0">
+            <a:spAutoFit/>
+          </a:bodyPr>
+          <a:lstStyle/>
+          <a:p>
+            <a:r>
+              <a:rPr lang="en-GB" dirty="0"/>
+              <a:t>Winter Break</a:t>
+            </a:r>
+          </a:p>
+        </p:txBody>
+      </p:sp>
     </p:spTree>
     <p:extLst>
       <p:ext uri="{BB962C8B-B14F-4D97-AF65-F5344CB8AC3E}">
@@ -15440,7 +16228,7 @@
 </p:sld>
 </file>
 
-<file path=ppt/slides/slide15.xml><?xml version="1.0" encoding="utf-8"?>
+<file path=ppt/slides/slide16.xml><?xml version="1.0" encoding="utf-8"?>
 <p:sld xmlns:a="http://schemas.openxmlformats.org/drawingml/2006/main" xmlns:r="http://schemas.openxmlformats.org/officeDocument/2006/relationships" xmlns:p="http://schemas.openxmlformats.org/presentationml/2006/main">
   <p:cSld>
     <p:spTree>
@@ -15508,50 +16296,109 @@
           <a:p>
             <a:r>
               <a:rPr lang="en-US" dirty="0"/>
-              <a:t>Filter Delay</a:t>
+              <a:t>Filter Delay (Done)</a:t>
             </a:r>
           </a:p>
           <a:p>
             <a:r>
               <a:rPr lang="en-US" dirty="0"/>
-              <a:t>16QAM</a:t>
+              <a:t>16QAM (Done)</a:t>
             </a:r>
           </a:p>
           <a:p>
             <a:r>
               <a:rPr lang="en-US" dirty="0"/>
-              <a:t>64QAM</a:t>
+              <a:t>64QAM (Done)</a:t>
             </a:r>
           </a:p>
           <a:p>
             <a:r>
               <a:rPr lang="en-US" dirty="0"/>
-              <a:t>Chromatic Dispersion implementation and DSP filters to account for it</a:t>
+              <a:t>Chromatic Dispersion implementation and DSP filters to account for it (CD done, filters not working still, inverse CD does work)</a:t>
             </a:r>
           </a:p>
           <a:p>
             <a:r>
               <a:rPr lang="en-US" dirty="0"/>
-              <a:t>FEC</a:t>
+              <a:t>FEC (LDPC using </a:t>
             </a:r>
-          </a:p>
-          <a:p>
+            <a:r>
+              <a:rPr lang="en-US" dirty="0" err="1"/>
+              <a:t>dvb</a:t>
+            </a:r>
             <a:r>
               <a:rPr lang="en-US" dirty="0"/>
-              <a:t>Carrier Equalisation</a:t>
+              <a:t> s2 standard)</a:t>
             </a:r>
           </a:p>
           <a:p>
             <a:r>
               <a:rPr lang="en-US" dirty="0"/>
-              <a:t>Frequency Equalisation</a:t>
+              <a:t>Carrier </a:t>
             </a:r>
+            <a:r>
+              <a:rPr lang="en-US" dirty="0" err="1"/>
+              <a:t>Equalisation</a:t>
+            </a:r>
+            <a:r>
+              <a:rPr lang="en-US" dirty="0"/>
+              <a:t> (After FE)</a:t>
+            </a:r>
+          </a:p>
+          <a:p>
+            <a:r>
+              <a:rPr lang="en-US" dirty="0"/>
+              <a:t>Frequency </a:t>
+            </a:r>
+            <a:r>
+              <a:rPr lang="en-US" dirty="0" err="1"/>
+              <a:t>Equalisation</a:t>
+            </a:r>
+            <a:r>
+              <a:rPr lang="en-US" dirty="0"/>
+              <a:t> (Requires Local Oscillator Implementation – Ask)</a:t>
+            </a:r>
           </a:p>
           <a:p>
             <a:endParaRPr lang="en-US" dirty="0"/>
           </a:p>
           <a:p>
             <a:endParaRPr lang="en-US" dirty="0"/>
+          </a:p>
+        </p:txBody>
+      </p:sp>
+      <p:sp>
+        <p:nvSpPr>
+          <p:cNvPr id="4" name="TextBox 3">
+            <a:extLst>
+              <a:ext uri="{FF2B5EF4-FFF2-40B4-BE49-F238E27FC236}">
+                <a16:creationId xmlns:a16="http://schemas.microsoft.com/office/drawing/2014/main" id="{FF1051C1-636A-4256-9A7A-657CCA4351E4}"/>
+              </a:ext>
+            </a:extLst>
+          </p:cNvPr>
+          <p:cNvSpPr txBox="1"/>
+          <p:nvPr/>
+        </p:nvSpPr>
+        <p:spPr>
+          <a:xfrm>
+            <a:off x="10756490" y="6453546"/>
+            <a:ext cx="1543665" cy="369332"/>
+          </a:xfrm>
+          <a:prstGeom prst="rect">
+            <a:avLst/>
+          </a:prstGeom>
+          <a:noFill/>
+        </p:spPr>
+        <p:txBody>
+          <a:bodyPr wrap="square" rtlCol="0">
+            <a:spAutoFit/>
+          </a:bodyPr>
+          <a:lstStyle/>
+          <a:p>
+            <a:r>
+              <a:rPr lang="en-GB" dirty="0"/>
+              <a:t>Winter Break</a:t>
+            </a:r>
           </a:p>
         </p:txBody>
       </p:sp>
@@ -15568,7 +16415,7 @@
 </p:sld>
 </file>
 
-<file path=ppt/slides/slide16.xml><?xml version="1.0" encoding="utf-8"?>
+<file path=ppt/slides/slide17.xml><?xml version="1.0" encoding="utf-8"?>
 <p:sld xmlns:a="http://schemas.openxmlformats.org/drawingml/2006/main" xmlns:r="http://schemas.openxmlformats.org/officeDocument/2006/relationships" xmlns:p="http://schemas.openxmlformats.org/presentationml/2006/main">
   <p:cSld>
     <p:spTree>
@@ -15869,53 +16716,6 @@
       </p:pic>
       <p:pic>
         <p:nvPicPr>
-          <p:cNvPr id="1033" name="Picture 9">
-            <a:extLst>
-              <a:ext uri="{FF2B5EF4-FFF2-40B4-BE49-F238E27FC236}">
-                <a16:creationId xmlns:a16="http://schemas.microsoft.com/office/drawing/2014/main" id="{A50FE1B9-9EE3-4D29-9202-C0D16C9D2FC9}"/>
-              </a:ext>
-            </a:extLst>
-          </p:cNvPr>
-          <p:cNvPicPr>
-            <a:picLocks noChangeAspect="1" noChangeArrowheads="1"/>
-          </p:cNvPicPr>
-          <p:nvPr/>
-        </p:nvPicPr>
-        <p:blipFill>
-          <a:blip r:embed="rId8">
-            <a:extLst>
-              <a:ext uri="{28A0092B-C50C-407E-A947-70E740481C1C}">
-                <a14:useLocalDpi xmlns:a14="http://schemas.microsoft.com/office/drawing/2010/main" val="0"/>
-              </a:ext>
-            </a:extLst>
-          </a:blip>
-          <a:srcRect/>
-          <a:stretch>
-            <a:fillRect/>
-          </a:stretch>
-        </p:blipFill>
-        <p:spPr bwMode="auto">
-          <a:xfrm>
-            <a:off x="127000" y="9236075"/>
-            <a:ext cx="6667500" cy="5000625"/>
-          </a:xfrm>
-          <a:prstGeom prst="rect">
-            <a:avLst/>
-          </a:prstGeom>
-          <a:noFill/>
-          <a:extLst>
-            <a:ext uri="{909E8E84-426E-40DD-AFC4-6F175D3DCCD1}">
-              <a14:hiddenFill xmlns:a14="http://schemas.microsoft.com/office/drawing/2010/main">
-                <a:solidFill>
-                  <a:srgbClr val="FFFFFF"/>
-                </a:solidFill>
-              </a14:hiddenFill>
-            </a:ext>
-          </a:extLst>
-        </p:spPr>
-      </p:pic>
-      <p:pic>
-        <p:nvPicPr>
           <p:cNvPr id="1034" name="Picture 10">
             <a:extLst>
               <a:ext uri="{FF2B5EF4-FFF2-40B4-BE49-F238E27FC236}">
@@ -15929,7 +16729,7 @@
           <p:nvPr/>
         </p:nvPicPr>
         <p:blipFill>
-          <a:blip r:embed="rId9">
+          <a:blip r:embed="rId8">
             <a:extLst>
               <a:ext uri="{28A0092B-C50C-407E-A947-70E740481C1C}">
                 <a14:useLocalDpi xmlns:a14="http://schemas.microsoft.com/office/drawing/2010/main" val="0"/>
@@ -15976,7 +16776,7 @@
           <p:nvPr/>
         </p:nvPicPr>
         <p:blipFill>
-          <a:blip r:embed="rId10">
+          <a:blip r:embed="rId9">
             <a:extLst>
               <a:ext uri="{28A0092B-C50C-407E-A947-70E740481C1C}">
                 <a14:useLocalDpi xmlns:a14="http://schemas.microsoft.com/office/drawing/2010/main" val="0"/>
@@ -16164,7 +16964,7 @@
           <p:nvPr/>
         </p:nvPicPr>
         <p:blipFill>
-          <a:blip r:embed="rId8">
+          <a:blip r:embed="rId10">
             <a:extLst>
               <a:ext uri="{28A0092B-C50C-407E-A947-70E740481C1C}">
                 <a14:useLocalDpi xmlns:a14="http://schemas.microsoft.com/office/drawing/2010/main" val="0"/>
@@ -16211,7 +17011,7 @@
           <p:nvPr/>
         </p:nvPicPr>
         <p:blipFill>
-          <a:blip r:embed="rId9">
+          <a:blip r:embed="rId8">
             <a:extLst>
               <a:ext uri="{28A0092B-C50C-407E-A947-70E740481C1C}">
                 <a14:useLocalDpi xmlns:a14="http://schemas.microsoft.com/office/drawing/2010/main" val="0"/>
@@ -16290,6 +17090,41 @@
           </a:extLst>
         </p:spPr>
       </p:pic>
+      <p:sp>
+        <p:nvSpPr>
+          <p:cNvPr id="17" name="TextBox 16">
+            <a:extLst>
+              <a:ext uri="{FF2B5EF4-FFF2-40B4-BE49-F238E27FC236}">
+                <a16:creationId xmlns:a16="http://schemas.microsoft.com/office/drawing/2014/main" id="{024ACA3A-49ED-432B-B7AB-9FD1DCFB9A9D}"/>
+              </a:ext>
+            </a:extLst>
+          </p:cNvPr>
+          <p:cNvSpPr txBox="1"/>
+          <p:nvPr/>
+        </p:nvSpPr>
+        <p:spPr>
+          <a:xfrm>
+            <a:off x="10756490" y="6453546"/>
+            <a:ext cx="1543665" cy="369332"/>
+          </a:xfrm>
+          <a:prstGeom prst="rect">
+            <a:avLst/>
+          </a:prstGeom>
+          <a:noFill/>
+        </p:spPr>
+        <p:txBody>
+          <a:bodyPr wrap="square" rtlCol="0">
+            <a:spAutoFit/>
+          </a:bodyPr>
+          <a:lstStyle/>
+          <a:p>
+            <a:r>
+              <a:rPr lang="en-GB" dirty="0"/>
+              <a:t>Winter Break</a:t>
+            </a:r>
+          </a:p>
+        </p:txBody>
+      </p:sp>
     </p:spTree>
     <p:extLst>
       <p:ext uri="{BB962C8B-B14F-4D97-AF65-F5344CB8AC3E}">
@@ -16303,7 +17138,7 @@
 </p:sld>
 </file>
 
-<file path=ppt/slides/slide17.xml><?xml version="1.0" encoding="utf-8"?>
+<file path=ppt/slides/slide18.xml><?xml version="1.0" encoding="utf-8"?>
 <p:sld xmlns:a="http://schemas.openxmlformats.org/drawingml/2006/main" xmlns:r="http://schemas.openxmlformats.org/officeDocument/2006/relationships" xmlns:p="http://schemas.openxmlformats.org/presentationml/2006/main">
   <p:cSld>
     <p:spTree>
@@ -16336,14 +17171,19 @@
             <p:ph type="title"/>
           </p:nvPr>
         </p:nvSpPr>
-        <p:spPr/>
+        <p:spPr>
+          <a:xfrm>
+            <a:off x="189672" y="378236"/>
+            <a:ext cx="10515600" cy="1325563"/>
+          </a:xfrm>
+        </p:spPr>
         <p:txBody>
           <a:bodyPr/>
           <a:lstStyle/>
           <a:p>
             <a:r>
               <a:rPr lang="en-US" dirty="0"/>
-              <a:t>Probabilistic Shaping</a:t>
+              <a:t>Chromatic Dispersion Fix</a:t>
             </a:r>
           </a:p>
         </p:txBody>
@@ -16364,19 +17204,427 @@
             <p:ph idx="1"/>
           </p:nvPr>
         </p:nvSpPr>
-        <p:spPr/>
+        <p:spPr>
+          <a:xfrm>
+            <a:off x="838200" y="1825625"/>
+            <a:ext cx="4900127" cy="4351338"/>
+          </a:xfrm>
+        </p:spPr>
         <p:txBody>
-          <a:bodyPr/>
+          <a:bodyPr>
+            <a:normAutofit fontScale="85000" lnSpcReduction="20000"/>
+          </a:bodyPr>
           <a:lstStyle/>
           <a:p>
-            <a:endParaRPr lang="en-US" dirty="0"/>
+            <a:r>
+              <a:rPr lang="en-US" dirty="0"/>
+              <a:t>Implemented a version of the CD Model that inverses its operation</a:t>
+            </a:r>
+          </a:p>
+          <a:p>
+            <a:r>
+              <a:rPr lang="en-US" dirty="0"/>
+              <a:t>This allowed for debugging to effectively check if the original model was implemented correctly</a:t>
+            </a:r>
+          </a:p>
+          <a:p>
+            <a:r>
+              <a:rPr lang="en-US" dirty="0"/>
+              <a:t>Now applying the CD Model and then the Inverse CD Model perfectly demodulates the signal. This means that the Linear and OLS Filters should properly attempt to correct for CD. This is still not the case.</a:t>
+            </a:r>
+          </a:p>
+          <a:p>
+            <a:r>
+              <a:rPr lang="en-US" dirty="0"/>
+              <a:t>Considerations of moving into personally implemented adaptive filters instead of </a:t>
+            </a:r>
+            <a:r>
+              <a:rPr lang="en-US" dirty="0" err="1"/>
+              <a:t>Matlab</a:t>
+            </a:r>
+            <a:r>
+              <a:rPr lang="en-US" dirty="0"/>
+              <a:t>-provided ones</a:t>
+            </a:r>
           </a:p>
         </p:txBody>
       </p:sp>
+      <p:sp>
+        <p:nvSpPr>
+          <p:cNvPr id="4" name="TextBox 3">
+            <a:extLst>
+              <a:ext uri="{FF2B5EF4-FFF2-40B4-BE49-F238E27FC236}">
+                <a16:creationId xmlns:a16="http://schemas.microsoft.com/office/drawing/2014/main" id="{B3C0EA67-F5DB-4E32-AADF-4C368AAD7EEB}"/>
+              </a:ext>
+            </a:extLst>
+          </p:cNvPr>
+          <p:cNvSpPr txBox="1"/>
+          <p:nvPr/>
+        </p:nvSpPr>
+        <p:spPr>
+          <a:xfrm>
+            <a:off x="10705272" y="6492875"/>
+            <a:ext cx="1536639" cy="369332"/>
+          </a:xfrm>
+          <a:prstGeom prst="rect">
+            <a:avLst/>
+          </a:prstGeom>
+          <a:noFill/>
+        </p:spPr>
+        <p:txBody>
+          <a:bodyPr wrap="none" rtlCol="0">
+            <a:spAutoFit/>
+          </a:bodyPr>
+          <a:lstStyle/>
+          <a:p>
+            <a:r>
+              <a:rPr lang="en-GB" dirty="0"/>
+              <a:t>Week 1-2 Lent</a:t>
+            </a:r>
+          </a:p>
+        </p:txBody>
+      </p:sp>
+      <p:pic>
+        <p:nvPicPr>
+          <p:cNvPr id="8" name="Picture 7">
+            <a:extLst>
+              <a:ext uri="{FF2B5EF4-FFF2-40B4-BE49-F238E27FC236}">
+                <a16:creationId xmlns:a16="http://schemas.microsoft.com/office/drawing/2014/main" id="{34B08B97-2E4F-4157-9D76-CE1687FF8E03}"/>
+              </a:ext>
+            </a:extLst>
+          </p:cNvPr>
+          <p:cNvPicPr>
+            <a:picLocks noChangeAspect="1"/>
+          </p:cNvPicPr>
+          <p:nvPr/>
+        </p:nvPicPr>
+        <p:blipFill>
+          <a:blip r:embed="rId2"/>
+          <a:stretch>
+            <a:fillRect/>
+          </a:stretch>
+        </p:blipFill>
+        <p:spPr>
+          <a:xfrm>
+            <a:off x="6096000" y="465901"/>
+            <a:ext cx="3504559" cy="2719447"/>
+          </a:xfrm>
+          <a:prstGeom prst="rect">
+            <a:avLst/>
+          </a:prstGeom>
+        </p:spPr>
+      </p:pic>
+      <p:pic>
+        <p:nvPicPr>
+          <p:cNvPr id="10" name="Picture 9">
+            <a:extLst>
+              <a:ext uri="{FF2B5EF4-FFF2-40B4-BE49-F238E27FC236}">
+                <a16:creationId xmlns:a16="http://schemas.microsoft.com/office/drawing/2014/main" id="{AB26CB71-C050-4BF3-B9E0-00539CBC986A}"/>
+              </a:ext>
+            </a:extLst>
+          </p:cNvPr>
+          <p:cNvPicPr>
+            <a:picLocks/>
+          </p:cNvPicPr>
+          <p:nvPr/>
+        </p:nvPicPr>
+        <p:blipFill>
+          <a:blip r:embed="rId3"/>
+          <a:stretch>
+            <a:fillRect/>
+          </a:stretch>
+        </p:blipFill>
+        <p:spPr>
+          <a:xfrm>
+            <a:off x="6096000" y="3429000"/>
+            <a:ext cx="3506400" cy="2718000"/>
+          </a:xfrm>
+          <a:prstGeom prst="rect">
+            <a:avLst/>
+          </a:prstGeom>
+        </p:spPr>
+      </p:pic>
+      <p:pic>
+        <p:nvPicPr>
+          <p:cNvPr id="1035" name="Picture 11">
+            <a:extLst>
+              <a:ext uri="{FF2B5EF4-FFF2-40B4-BE49-F238E27FC236}">
+                <a16:creationId xmlns:a16="http://schemas.microsoft.com/office/drawing/2014/main" id="{324236C1-EFD2-4EAA-8974-DCDE12210C9E}"/>
+              </a:ext>
+            </a:extLst>
+          </p:cNvPr>
+          <p:cNvPicPr>
+            <a:picLocks noChangeAspect="1" noChangeArrowheads="1"/>
+          </p:cNvPicPr>
+          <p:nvPr/>
+        </p:nvPicPr>
+        <p:blipFill>
+          <a:blip r:embed="rId4">
+            <a:extLst>
+              <a:ext uri="{28A0092B-C50C-407E-A947-70E740481C1C}">
+                <a14:useLocalDpi xmlns:a14="http://schemas.microsoft.com/office/drawing/2010/main" val="0"/>
+              </a:ext>
+            </a:extLst>
+          </a:blip>
+          <a:srcRect/>
+          <a:stretch>
+            <a:fillRect/>
+          </a:stretch>
+        </p:blipFill>
+        <p:spPr bwMode="auto">
+          <a:xfrm>
+            <a:off x="9348000" y="2200736"/>
+            <a:ext cx="2781506" cy="2086129"/>
+          </a:xfrm>
+          <a:prstGeom prst="rect">
+            <a:avLst/>
+          </a:prstGeom>
+          <a:noFill/>
+          <a:extLst>
+            <a:ext uri="{909E8E84-426E-40DD-AFC4-6F175D3DCCD1}">
+              <a14:hiddenFill xmlns:a14="http://schemas.microsoft.com/office/drawing/2010/main">
+                <a:solidFill>
+                  <a:srgbClr val="FFFFFF"/>
+                </a:solidFill>
+              </a14:hiddenFill>
+            </a:ext>
+          </a:extLst>
+        </p:spPr>
+      </p:pic>
     </p:spTree>
     <p:extLst>
       <p:ext uri="{BB962C8B-B14F-4D97-AF65-F5344CB8AC3E}">
         <p14:creationId xmlns:p14="http://schemas.microsoft.com/office/powerpoint/2010/main" val="1721402480"/>
+      </p:ext>
+    </p:extLst>
+  </p:cSld>
+  <p:clrMapOvr>
+    <a:masterClrMapping/>
+  </p:clrMapOvr>
+</p:sld>
+</file>
+
+<file path=ppt/slides/slide19.xml><?xml version="1.0" encoding="utf-8"?>
+<p:sld xmlns:a="http://schemas.openxmlformats.org/drawingml/2006/main" xmlns:r="http://schemas.openxmlformats.org/officeDocument/2006/relationships" xmlns:p="http://schemas.openxmlformats.org/presentationml/2006/main">
+  <p:cSld>
+    <p:spTree>
+      <p:nvGrpSpPr>
+        <p:cNvPr id="1" name=""/>
+        <p:cNvGrpSpPr/>
+        <p:nvPr/>
+      </p:nvGrpSpPr>
+      <p:grpSpPr>
+        <a:xfrm>
+          <a:off x="0" y="0"/>
+          <a:ext cx="0" cy="0"/>
+          <a:chOff x="0" y="0"/>
+          <a:chExt cx="0" cy="0"/>
+        </a:xfrm>
+      </p:grpSpPr>
+      <p:sp>
+        <p:nvSpPr>
+          <p:cNvPr id="2" name="Title 1">
+            <a:extLst>
+              <a:ext uri="{FF2B5EF4-FFF2-40B4-BE49-F238E27FC236}">
+                <a16:creationId xmlns:a16="http://schemas.microsoft.com/office/drawing/2014/main" id="{9D0F53F5-311F-4459-8753-6B106E01ABA4}"/>
+              </a:ext>
+            </a:extLst>
+          </p:cNvPr>
+          <p:cNvSpPr>
+            <a:spLocks noGrp="1"/>
+          </p:cNvSpPr>
+          <p:nvPr>
+            <p:ph type="title"/>
+          </p:nvPr>
+        </p:nvSpPr>
+        <p:spPr>
+          <a:xfrm>
+            <a:off x="189672" y="378236"/>
+            <a:ext cx="10515600" cy="1325563"/>
+          </a:xfrm>
+        </p:spPr>
+        <p:txBody>
+          <a:bodyPr/>
+          <a:lstStyle/>
+          <a:p>
+            <a:r>
+              <a:rPr lang="en-US" dirty="0"/>
+              <a:t>Filter Taps Comparisons</a:t>
+            </a:r>
+          </a:p>
+        </p:txBody>
+      </p:sp>
+      <p:sp>
+        <p:nvSpPr>
+          <p:cNvPr id="4" name="TextBox 3">
+            <a:extLst>
+              <a:ext uri="{FF2B5EF4-FFF2-40B4-BE49-F238E27FC236}">
+                <a16:creationId xmlns:a16="http://schemas.microsoft.com/office/drawing/2014/main" id="{B3C0EA67-F5DB-4E32-AADF-4C368AAD7EEB}"/>
+              </a:ext>
+            </a:extLst>
+          </p:cNvPr>
+          <p:cNvSpPr txBox="1"/>
+          <p:nvPr/>
+        </p:nvSpPr>
+        <p:spPr>
+          <a:xfrm>
+            <a:off x="10705272" y="6492875"/>
+            <a:ext cx="1536639" cy="369332"/>
+          </a:xfrm>
+          <a:prstGeom prst="rect">
+            <a:avLst/>
+          </a:prstGeom>
+          <a:noFill/>
+        </p:spPr>
+        <p:txBody>
+          <a:bodyPr wrap="none" rtlCol="0">
+            <a:spAutoFit/>
+          </a:bodyPr>
+          <a:lstStyle/>
+          <a:p>
+            <a:r>
+              <a:rPr lang="en-GB" dirty="0"/>
+              <a:t>Week 1-2 Lent</a:t>
+            </a:r>
+          </a:p>
+        </p:txBody>
+      </p:sp>
+      <p:sp>
+        <p:nvSpPr>
+          <p:cNvPr id="11" name="TextBox 10">
+            <a:extLst>
+              <a:ext uri="{FF2B5EF4-FFF2-40B4-BE49-F238E27FC236}">
+                <a16:creationId xmlns:a16="http://schemas.microsoft.com/office/drawing/2014/main" id="{42287F33-1C27-49A6-9601-854F81103D38}"/>
+              </a:ext>
+            </a:extLst>
+          </p:cNvPr>
+          <p:cNvSpPr txBox="1"/>
+          <p:nvPr/>
+        </p:nvSpPr>
+        <p:spPr>
+          <a:xfrm>
+            <a:off x="616446" y="5973999"/>
+            <a:ext cx="4842031" cy="369332"/>
+          </a:xfrm>
+          <a:prstGeom prst="rect">
+            <a:avLst/>
+          </a:prstGeom>
+          <a:noFill/>
+        </p:spPr>
+        <p:txBody>
+          <a:bodyPr wrap="none" rtlCol="0">
+            <a:spAutoFit/>
+          </a:bodyPr>
+          <a:lstStyle/>
+          <a:p>
+            <a:r>
+              <a:rPr lang="en-US" dirty="0"/>
+              <a:t>Implementation from lectures in the time domain</a:t>
+            </a:r>
+            <a:endParaRPr lang="en-GB" dirty="0"/>
+          </a:p>
+        </p:txBody>
+      </p:sp>
+      <p:pic>
+        <p:nvPicPr>
+          <p:cNvPr id="13" name="Picture 12">
+            <a:extLst>
+              <a:ext uri="{FF2B5EF4-FFF2-40B4-BE49-F238E27FC236}">
+                <a16:creationId xmlns:a16="http://schemas.microsoft.com/office/drawing/2014/main" id="{135730C2-3112-4508-AB73-038AEF9B6657}"/>
+              </a:ext>
+            </a:extLst>
+          </p:cNvPr>
+          <p:cNvPicPr>
+            <a:picLocks noChangeAspect="1"/>
+          </p:cNvPicPr>
+          <p:nvPr/>
+        </p:nvPicPr>
+        <p:blipFill>
+          <a:blip r:embed="rId2"/>
+          <a:stretch>
+            <a:fillRect/>
+          </a:stretch>
+        </p:blipFill>
+        <p:spPr>
+          <a:xfrm>
+            <a:off x="5552240" y="1547590"/>
+            <a:ext cx="5901878" cy="4426409"/>
+          </a:xfrm>
+          <a:prstGeom prst="rect">
+            <a:avLst/>
+          </a:prstGeom>
+        </p:spPr>
+      </p:pic>
+      <p:sp>
+        <p:nvSpPr>
+          <p:cNvPr id="15" name="TextBox 14">
+            <a:extLst>
+              <a:ext uri="{FF2B5EF4-FFF2-40B4-BE49-F238E27FC236}">
+                <a16:creationId xmlns:a16="http://schemas.microsoft.com/office/drawing/2014/main" id="{ACB9E731-B295-49D9-923F-368DD815D1C5}"/>
+              </a:ext>
+            </a:extLst>
+          </p:cNvPr>
+          <p:cNvSpPr txBox="1"/>
+          <p:nvPr/>
+        </p:nvSpPr>
+        <p:spPr>
+          <a:xfrm>
+            <a:off x="6001965" y="5973999"/>
+            <a:ext cx="5358390" cy="369332"/>
+          </a:xfrm>
+          <a:prstGeom prst="rect">
+            <a:avLst/>
+          </a:prstGeom>
+          <a:noFill/>
+        </p:spPr>
+        <p:txBody>
+          <a:bodyPr wrap="none" rtlCol="0">
+            <a:spAutoFit/>
+          </a:bodyPr>
+          <a:lstStyle/>
+          <a:p>
+            <a:r>
+              <a:rPr lang="en-US" dirty="0"/>
+              <a:t>Implementation from lectures in the frequency domain</a:t>
+            </a:r>
+            <a:endParaRPr lang="en-GB" dirty="0"/>
+          </a:p>
+        </p:txBody>
+      </p:sp>
+      <p:pic>
+        <p:nvPicPr>
+          <p:cNvPr id="16" name="Picture 15">
+            <a:extLst>
+              <a:ext uri="{FF2B5EF4-FFF2-40B4-BE49-F238E27FC236}">
+                <a16:creationId xmlns:a16="http://schemas.microsoft.com/office/drawing/2014/main" id="{DAB0051C-2BB9-453A-8E2C-1FDF6BB9CFC9}"/>
+              </a:ext>
+            </a:extLst>
+          </p:cNvPr>
+          <p:cNvPicPr>
+            <a:picLocks noChangeAspect="1"/>
+          </p:cNvPicPr>
+          <p:nvPr/>
+        </p:nvPicPr>
+        <p:blipFill>
+          <a:blip r:embed="rId3"/>
+          <a:stretch>
+            <a:fillRect/>
+          </a:stretch>
+        </p:blipFill>
+        <p:spPr>
+          <a:xfrm>
+            <a:off x="0" y="1615014"/>
+            <a:ext cx="5722079" cy="4291559"/>
+          </a:xfrm>
+          <a:prstGeom prst="rect">
+            <a:avLst/>
+          </a:prstGeom>
+        </p:spPr>
+      </p:pic>
+    </p:spTree>
+    <p:extLst>
+      <p:ext uri="{BB962C8B-B14F-4D97-AF65-F5344CB8AC3E}">
+        <p14:creationId xmlns:p14="http://schemas.microsoft.com/office/powerpoint/2010/main" val="1966109016"/>
       </p:ext>
     </p:extLst>
   </p:cSld>
@@ -16625,6 +17873,390 @@
     <p:extLst>
       <p:ext uri="{BB962C8B-B14F-4D97-AF65-F5344CB8AC3E}">
         <p14:creationId xmlns:p14="http://schemas.microsoft.com/office/powerpoint/2010/main" val="4134243923"/>
+      </p:ext>
+    </p:extLst>
+  </p:cSld>
+  <p:clrMapOvr>
+    <a:masterClrMapping/>
+  </p:clrMapOvr>
+</p:sld>
+</file>
+
+<file path=ppt/slides/slide20.xml><?xml version="1.0" encoding="utf-8"?>
+<p:sld xmlns:a="http://schemas.openxmlformats.org/drawingml/2006/main" xmlns:r="http://schemas.openxmlformats.org/officeDocument/2006/relationships" xmlns:p="http://schemas.openxmlformats.org/presentationml/2006/main">
+  <p:cSld>
+    <p:spTree>
+      <p:nvGrpSpPr>
+        <p:cNvPr id="1" name=""/>
+        <p:cNvGrpSpPr/>
+        <p:nvPr/>
+      </p:nvGrpSpPr>
+      <p:grpSpPr>
+        <a:xfrm>
+          <a:off x="0" y="0"/>
+          <a:ext cx="0" cy="0"/>
+          <a:chOff x="0" y="0"/>
+          <a:chExt cx="0" cy="0"/>
+        </a:xfrm>
+      </p:grpSpPr>
+      <p:sp>
+        <p:nvSpPr>
+          <p:cNvPr id="2" name="Title 1">
+            <a:extLst>
+              <a:ext uri="{FF2B5EF4-FFF2-40B4-BE49-F238E27FC236}">
+                <a16:creationId xmlns:a16="http://schemas.microsoft.com/office/drawing/2014/main" id="{9D0F53F5-311F-4459-8753-6B106E01ABA4}"/>
+              </a:ext>
+            </a:extLst>
+          </p:cNvPr>
+          <p:cNvSpPr>
+            <a:spLocks noGrp="1"/>
+          </p:cNvSpPr>
+          <p:nvPr>
+            <p:ph type="title"/>
+          </p:nvPr>
+        </p:nvSpPr>
+        <p:spPr>
+          <a:xfrm>
+            <a:off x="189672" y="378236"/>
+            <a:ext cx="10515600" cy="1325563"/>
+          </a:xfrm>
+        </p:spPr>
+        <p:txBody>
+          <a:bodyPr/>
+          <a:lstStyle/>
+          <a:p>
+            <a:r>
+              <a:rPr lang="en-US" dirty="0"/>
+              <a:t>Filter Taps Comparisons</a:t>
+            </a:r>
+          </a:p>
+        </p:txBody>
+      </p:sp>
+      <p:sp>
+        <p:nvSpPr>
+          <p:cNvPr id="4" name="TextBox 3">
+            <a:extLst>
+              <a:ext uri="{FF2B5EF4-FFF2-40B4-BE49-F238E27FC236}">
+                <a16:creationId xmlns:a16="http://schemas.microsoft.com/office/drawing/2014/main" id="{B3C0EA67-F5DB-4E32-AADF-4C368AAD7EEB}"/>
+              </a:ext>
+            </a:extLst>
+          </p:cNvPr>
+          <p:cNvSpPr txBox="1"/>
+          <p:nvPr/>
+        </p:nvSpPr>
+        <p:spPr>
+          <a:xfrm>
+            <a:off x="10705272" y="6492875"/>
+            <a:ext cx="1536639" cy="369332"/>
+          </a:xfrm>
+          <a:prstGeom prst="rect">
+            <a:avLst/>
+          </a:prstGeom>
+          <a:noFill/>
+        </p:spPr>
+        <p:txBody>
+          <a:bodyPr wrap="none" rtlCol="0">
+            <a:spAutoFit/>
+          </a:bodyPr>
+          <a:lstStyle/>
+          <a:p>
+            <a:r>
+              <a:rPr lang="en-GB" dirty="0"/>
+              <a:t>Week 1-2 Lent</a:t>
+            </a:r>
+          </a:p>
+        </p:txBody>
+      </p:sp>
+      <p:pic>
+        <p:nvPicPr>
+          <p:cNvPr id="9" name="Picture 8">
+            <a:extLst>
+              <a:ext uri="{FF2B5EF4-FFF2-40B4-BE49-F238E27FC236}">
+                <a16:creationId xmlns:a16="http://schemas.microsoft.com/office/drawing/2014/main" id="{4A9EAF58-AD26-4974-A15C-4F38350F5243}"/>
+              </a:ext>
+            </a:extLst>
+          </p:cNvPr>
+          <p:cNvPicPr>
+            <a:picLocks noChangeAspect="1"/>
+          </p:cNvPicPr>
+          <p:nvPr/>
+        </p:nvPicPr>
+        <p:blipFill>
+          <a:blip r:embed="rId2"/>
+          <a:stretch>
+            <a:fillRect/>
+          </a:stretch>
+        </p:blipFill>
+        <p:spPr>
+          <a:xfrm>
+            <a:off x="72958" y="1527243"/>
+            <a:ext cx="5929008" cy="4446756"/>
+          </a:xfrm>
+          <a:prstGeom prst="rect">
+            <a:avLst/>
+          </a:prstGeom>
+        </p:spPr>
+      </p:pic>
+      <p:sp>
+        <p:nvSpPr>
+          <p:cNvPr id="11" name="TextBox 10">
+            <a:extLst>
+              <a:ext uri="{FF2B5EF4-FFF2-40B4-BE49-F238E27FC236}">
+                <a16:creationId xmlns:a16="http://schemas.microsoft.com/office/drawing/2014/main" id="{42287F33-1C27-49A6-9601-854F81103D38}"/>
+              </a:ext>
+            </a:extLst>
+          </p:cNvPr>
+          <p:cNvSpPr txBox="1"/>
+          <p:nvPr/>
+        </p:nvSpPr>
+        <p:spPr>
+          <a:xfrm>
+            <a:off x="616446" y="5973999"/>
+            <a:ext cx="5035994" cy="646331"/>
+          </a:xfrm>
+          <a:prstGeom prst="rect">
+            <a:avLst/>
+          </a:prstGeom>
+          <a:noFill/>
+        </p:spPr>
+        <p:txBody>
+          <a:bodyPr wrap="none" rtlCol="0">
+            <a:spAutoFit/>
+          </a:bodyPr>
+          <a:lstStyle/>
+          <a:p>
+            <a:r>
+              <a:rPr lang="en-GB" dirty="0"/>
+              <a:t>Modified </a:t>
+            </a:r>
+            <a:r>
+              <a:rPr lang="en-US" dirty="0"/>
+              <a:t>Implementation from lectures in the time </a:t>
+            </a:r>
+          </a:p>
+          <a:p>
+            <a:r>
+              <a:rPr lang="en-US" dirty="0"/>
+              <a:t>domain to fix lecture note mistakes</a:t>
+            </a:r>
+            <a:endParaRPr lang="en-GB" dirty="0"/>
+          </a:p>
+        </p:txBody>
+      </p:sp>
+      <p:pic>
+        <p:nvPicPr>
+          <p:cNvPr id="1025" name="Picture 1">
+            <a:extLst>
+              <a:ext uri="{FF2B5EF4-FFF2-40B4-BE49-F238E27FC236}">
+                <a16:creationId xmlns:a16="http://schemas.microsoft.com/office/drawing/2014/main" id="{7CD7776E-A056-4871-B3B2-9416D0B3B393}"/>
+              </a:ext>
+            </a:extLst>
+          </p:cNvPr>
+          <p:cNvPicPr>
+            <a:picLocks noChangeAspect="1" noChangeArrowheads="1"/>
+          </p:cNvPicPr>
+          <p:nvPr/>
+        </p:nvPicPr>
+        <p:blipFill>
+          <a:blip r:embed="rId3">
+            <a:extLst>
+              <a:ext uri="{28A0092B-C50C-407E-A947-70E740481C1C}">
+                <a14:useLocalDpi xmlns:a14="http://schemas.microsoft.com/office/drawing/2010/main" val="0"/>
+              </a:ext>
+            </a:extLst>
+          </a:blip>
+          <a:srcRect/>
+          <a:stretch>
+            <a:fillRect/>
+          </a:stretch>
+        </p:blipFill>
+        <p:spPr bwMode="auto">
+          <a:xfrm>
+            <a:off x="5652440" y="1371671"/>
+            <a:ext cx="6343865" cy="4757899"/>
+          </a:xfrm>
+          <a:prstGeom prst="rect">
+            <a:avLst/>
+          </a:prstGeom>
+          <a:noFill/>
+          <a:extLst>
+            <a:ext uri="{909E8E84-426E-40DD-AFC4-6F175D3DCCD1}">
+              <a14:hiddenFill xmlns:a14="http://schemas.microsoft.com/office/drawing/2010/main">
+                <a:solidFill>
+                  <a:srgbClr val="FFFFFF"/>
+                </a:solidFill>
+              </a14:hiddenFill>
+            </a:ext>
+          </a:extLst>
+        </p:spPr>
+      </p:pic>
+      <p:sp>
+        <p:nvSpPr>
+          <p:cNvPr id="12" name="TextBox 11">
+            <a:extLst>
+              <a:ext uri="{FF2B5EF4-FFF2-40B4-BE49-F238E27FC236}">
+                <a16:creationId xmlns:a16="http://schemas.microsoft.com/office/drawing/2014/main" id="{8FCFF6C1-8C4C-433D-B0F5-F070D32D72A2}"/>
+              </a:ext>
+            </a:extLst>
+          </p:cNvPr>
+          <p:cNvSpPr txBox="1"/>
+          <p:nvPr/>
+        </p:nvSpPr>
+        <p:spPr>
+          <a:xfrm>
+            <a:off x="6915003" y="6188225"/>
+            <a:ext cx="4040978" cy="369332"/>
+          </a:xfrm>
+          <a:prstGeom prst="rect">
+            <a:avLst/>
+          </a:prstGeom>
+          <a:noFill/>
+        </p:spPr>
+        <p:txBody>
+          <a:bodyPr wrap="none" rtlCol="0">
+            <a:spAutoFit/>
+          </a:bodyPr>
+          <a:lstStyle/>
+          <a:p>
+            <a:r>
+              <a:rPr lang="en-GB" dirty="0"/>
+              <a:t>Personal Implementation of FD-FIR  Filter</a:t>
+            </a:r>
+          </a:p>
+        </p:txBody>
+      </p:sp>
+    </p:spTree>
+    <p:extLst>
+      <p:ext uri="{BB962C8B-B14F-4D97-AF65-F5344CB8AC3E}">
+        <p14:creationId xmlns:p14="http://schemas.microsoft.com/office/powerpoint/2010/main" val="3060208619"/>
+      </p:ext>
+    </p:extLst>
+  </p:cSld>
+  <p:clrMapOvr>
+    <a:masterClrMapping/>
+  </p:clrMapOvr>
+</p:sld>
+</file>
+
+<file path=ppt/slides/slide21.xml><?xml version="1.0" encoding="utf-8"?>
+<p:sld xmlns:a="http://schemas.openxmlformats.org/drawingml/2006/main" xmlns:r="http://schemas.openxmlformats.org/officeDocument/2006/relationships" xmlns:p="http://schemas.openxmlformats.org/presentationml/2006/main">
+  <p:cSld>
+    <p:spTree>
+      <p:nvGrpSpPr>
+        <p:cNvPr id="1" name=""/>
+        <p:cNvGrpSpPr/>
+        <p:nvPr/>
+      </p:nvGrpSpPr>
+      <p:grpSpPr>
+        <a:xfrm>
+          <a:off x="0" y="0"/>
+          <a:ext cx="0" cy="0"/>
+          <a:chOff x="0" y="0"/>
+          <a:chExt cx="0" cy="0"/>
+        </a:xfrm>
+      </p:grpSpPr>
+      <p:sp>
+        <p:nvSpPr>
+          <p:cNvPr id="2" name="Title 1">
+            <a:extLst>
+              <a:ext uri="{FF2B5EF4-FFF2-40B4-BE49-F238E27FC236}">
+                <a16:creationId xmlns:a16="http://schemas.microsoft.com/office/drawing/2014/main" id="{E6BEF3AC-66E1-4B48-B243-DDC63F74CB80}"/>
+              </a:ext>
+            </a:extLst>
+          </p:cNvPr>
+          <p:cNvSpPr>
+            <a:spLocks noGrp="1"/>
+          </p:cNvSpPr>
+          <p:nvPr>
+            <p:ph type="title"/>
+          </p:nvPr>
+        </p:nvSpPr>
+        <p:spPr/>
+        <p:txBody>
+          <a:bodyPr/>
+          <a:lstStyle/>
+          <a:p>
+            <a:r>
+              <a:rPr lang="en-GB" dirty="0"/>
+              <a:t>Carrier Equalisation</a:t>
+            </a:r>
+          </a:p>
+        </p:txBody>
+      </p:sp>
+      <p:sp>
+        <p:nvSpPr>
+          <p:cNvPr id="3" name="Content Placeholder 2">
+            <a:extLst>
+              <a:ext uri="{FF2B5EF4-FFF2-40B4-BE49-F238E27FC236}">
+                <a16:creationId xmlns:a16="http://schemas.microsoft.com/office/drawing/2014/main" id="{B5225383-1530-4AEF-82BD-6228FA69A6E5}"/>
+              </a:ext>
+            </a:extLst>
+          </p:cNvPr>
+          <p:cNvSpPr>
+            <a:spLocks noGrp="1"/>
+          </p:cNvSpPr>
+          <p:nvPr>
+            <p:ph idx="1"/>
+          </p:nvPr>
+        </p:nvSpPr>
+        <p:spPr/>
+        <p:txBody>
+          <a:bodyPr/>
+          <a:lstStyle/>
+          <a:p>
+            <a:r>
+              <a:rPr lang="en-GB" dirty="0"/>
+              <a:t>Adaptive Equalisation Methods</a:t>
+            </a:r>
+          </a:p>
+          <a:p>
+            <a:pPr marL="0" indent="0">
+              <a:buNone/>
+            </a:pPr>
+            <a:r>
+              <a:rPr lang="en-GB" dirty="0"/>
+              <a:t>LMS, RMS filters. (MLSE as another option).</a:t>
+            </a:r>
+          </a:p>
+          <a:p>
+            <a:pPr marL="0" indent="0">
+              <a:buNone/>
+            </a:pPr>
+            <a:r>
+              <a:rPr lang="en-GB" dirty="0"/>
+              <a:t>Resources lack implementation details, some pre-defined functions in MATLAB work for QPSK with AWGN, but could not be extended to equalise CD in QPSK or other modulation formats.</a:t>
+            </a:r>
+          </a:p>
+          <a:p>
+            <a:pPr marL="0" indent="0">
+              <a:buNone/>
+            </a:pPr>
+            <a:endParaRPr lang="en-GB" dirty="0"/>
+          </a:p>
+          <a:p>
+            <a:pPr marL="0" indent="0">
+              <a:buNone/>
+            </a:pPr>
+            <a:r>
+              <a:rPr lang="en-GB" dirty="0"/>
+              <a:t>Alternative ways of Carrier Equalisation?</a:t>
+            </a:r>
+          </a:p>
+          <a:p>
+            <a:pPr marL="0" indent="0">
+              <a:buNone/>
+            </a:pPr>
+            <a:r>
+              <a:rPr lang="en-GB" dirty="0"/>
+              <a:t>Need for Frequency Equalisation? (Requires implementation of non-linear effects, different polarisation for signals etc)</a:t>
+            </a:r>
+          </a:p>
+        </p:txBody>
+      </p:sp>
+    </p:spTree>
+    <p:extLst>
+      <p:ext uri="{BB962C8B-B14F-4D97-AF65-F5344CB8AC3E}">
+        <p14:creationId xmlns:p14="http://schemas.microsoft.com/office/powerpoint/2010/main" val="2360607340"/>
       </p:ext>
     </p:extLst>
   </p:cSld>

--- a/Master's meetings presentation.pptx
+++ b/Master's meetings presentation.pptx
@@ -26,6 +26,14 @@
     <p:sldId id="275" r:id="rId21"/>
     <p:sldId id="276" r:id="rId22"/>
     <p:sldId id="278" r:id="rId23"/>
+    <p:sldId id="279" r:id="rId24"/>
+    <p:sldId id="256" r:id="rId25"/>
+    <p:sldId id="280" r:id="rId26"/>
+    <p:sldId id="281" r:id="rId27"/>
+    <p:sldId id="282" r:id="rId28"/>
+    <p:sldId id="283" r:id="rId29"/>
+    <p:sldId id="284" r:id="rId30"/>
+    <p:sldId id="285" r:id="rId31"/>
   </p:sldIdLst>
   <p:sldSz cx="12192000" cy="6858000"/>
   <p:notesSz cx="6858000" cy="9144000"/>
@@ -9813,7 +9821,7 @@
           <a:p>
             <a:fld id="{1D6AAEF1-BB65-438A-947A-6BD8EC392D5A}" type="datetimeFigureOut">
               <a:rPr lang="en-US" smtClean="0"/>
-              <a:t>2/10/2021</a:t>
+              <a:t>2/21/2021</a:t>
             </a:fld>
             <a:endParaRPr lang="en-US"/>
           </a:p>
@@ -10011,7 +10019,7 @@
           <a:p>
             <a:fld id="{1D6AAEF1-BB65-438A-947A-6BD8EC392D5A}" type="datetimeFigureOut">
               <a:rPr lang="en-US" smtClean="0"/>
-              <a:t>2/10/2021</a:t>
+              <a:t>2/21/2021</a:t>
             </a:fld>
             <a:endParaRPr lang="en-US"/>
           </a:p>
@@ -10219,7 +10227,7 @@
           <a:p>
             <a:fld id="{1D6AAEF1-BB65-438A-947A-6BD8EC392D5A}" type="datetimeFigureOut">
               <a:rPr lang="en-US" smtClean="0"/>
-              <a:t>2/10/2021</a:t>
+              <a:t>2/21/2021</a:t>
             </a:fld>
             <a:endParaRPr lang="en-US"/>
           </a:p>
@@ -10417,7 +10425,7 @@
           <a:p>
             <a:fld id="{1D6AAEF1-BB65-438A-947A-6BD8EC392D5A}" type="datetimeFigureOut">
               <a:rPr lang="en-US" smtClean="0"/>
-              <a:t>2/10/2021</a:t>
+              <a:t>2/21/2021</a:t>
             </a:fld>
             <a:endParaRPr lang="en-US"/>
           </a:p>
@@ -10692,7 +10700,7 @@
           <a:p>
             <a:fld id="{1D6AAEF1-BB65-438A-947A-6BD8EC392D5A}" type="datetimeFigureOut">
               <a:rPr lang="en-US" smtClean="0"/>
-              <a:t>2/10/2021</a:t>
+              <a:t>2/21/2021</a:t>
             </a:fld>
             <a:endParaRPr lang="en-US"/>
           </a:p>
@@ -10957,7 +10965,7 @@
           <a:p>
             <a:fld id="{1D6AAEF1-BB65-438A-947A-6BD8EC392D5A}" type="datetimeFigureOut">
               <a:rPr lang="en-US" smtClean="0"/>
-              <a:t>2/10/2021</a:t>
+              <a:t>2/21/2021</a:t>
             </a:fld>
             <a:endParaRPr lang="en-US"/>
           </a:p>
@@ -11369,7 +11377,7 @@
           <a:p>
             <a:fld id="{1D6AAEF1-BB65-438A-947A-6BD8EC392D5A}" type="datetimeFigureOut">
               <a:rPr lang="en-US" smtClean="0"/>
-              <a:t>2/10/2021</a:t>
+              <a:t>2/21/2021</a:t>
             </a:fld>
             <a:endParaRPr lang="en-US"/>
           </a:p>
@@ -11510,7 +11518,7 @@
           <a:p>
             <a:fld id="{1D6AAEF1-BB65-438A-947A-6BD8EC392D5A}" type="datetimeFigureOut">
               <a:rPr lang="en-US" smtClean="0"/>
-              <a:t>2/10/2021</a:t>
+              <a:t>2/21/2021</a:t>
             </a:fld>
             <a:endParaRPr lang="en-US"/>
           </a:p>
@@ -11623,7 +11631,7 @@
           <a:p>
             <a:fld id="{1D6AAEF1-BB65-438A-947A-6BD8EC392D5A}" type="datetimeFigureOut">
               <a:rPr lang="en-US" smtClean="0"/>
-              <a:t>2/10/2021</a:t>
+              <a:t>2/21/2021</a:t>
             </a:fld>
             <a:endParaRPr lang="en-US"/>
           </a:p>
@@ -11934,7 +11942,7 @@
           <a:p>
             <a:fld id="{1D6AAEF1-BB65-438A-947A-6BD8EC392D5A}" type="datetimeFigureOut">
               <a:rPr lang="en-US" smtClean="0"/>
-              <a:t>2/10/2021</a:t>
+              <a:t>2/21/2021</a:t>
             </a:fld>
             <a:endParaRPr lang="en-US"/>
           </a:p>
@@ -12222,7 +12230,7 @@
           <a:p>
             <a:fld id="{1D6AAEF1-BB65-438A-947A-6BD8EC392D5A}" type="datetimeFigureOut">
               <a:rPr lang="en-US" smtClean="0"/>
-              <a:t>2/10/2021</a:t>
+              <a:t>2/21/2021</a:t>
             </a:fld>
             <a:endParaRPr lang="en-US"/>
           </a:p>
@@ -12463,7 +12471,7 @@
           <a:p>
             <a:fld id="{1D6AAEF1-BB65-438A-947A-6BD8EC392D5A}" type="datetimeFigureOut">
               <a:rPr lang="en-US" smtClean="0"/>
-              <a:t>2/10/2021</a:t>
+              <a:t>2/21/2021</a:t>
             </a:fld>
             <a:endParaRPr lang="en-US"/>
           </a:p>
@@ -18266,6 +18274,1764 @@
 </p:sld>
 </file>
 
+<file path=ppt/slides/slide22.xml><?xml version="1.0" encoding="utf-8"?>
+<p:sld xmlns:a="http://schemas.openxmlformats.org/drawingml/2006/main" xmlns:r="http://schemas.openxmlformats.org/officeDocument/2006/relationships" xmlns:p="http://schemas.openxmlformats.org/presentationml/2006/main">
+  <p:cSld>
+    <p:spTree>
+      <p:nvGrpSpPr>
+        <p:cNvPr id="1" name=""/>
+        <p:cNvGrpSpPr/>
+        <p:nvPr/>
+      </p:nvGrpSpPr>
+      <p:grpSpPr>
+        <a:xfrm>
+          <a:off x="0" y="0"/>
+          <a:ext cx="0" cy="0"/>
+          <a:chOff x="0" y="0"/>
+          <a:chExt cx="0" cy="0"/>
+        </a:xfrm>
+      </p:grpSpPr>
+      <p:sp>
+        <p:nvSpPr>
+          <p:cNvPr id="2" name="Title 1">
+            <a:extLst>
+              <a:ext uri="{FF2B5EF4-FFF2-40B4-BE49-F238E27FC236}">
+                <a16:creationId xmlns:a16="http://schemas.microsoft.com/office/drawing/2014/main" id="{444665F1-CA25-4942-9D17-905F93542C11}"/>
+              </a:ext>
+            </a:extLst>
+          </p:cNvPr>
+          <p:cNvSpPr>
+            <a:spLocks noGrp="1"/>
+          </p:cNvSpPr>
+          <p:nvPr>
+            <p:ph type="title"/>
+          </p:nvPr>
+        </p:nvSpPr>
+        <p:spPr/>
+        <p:txBody>
+          <a:bodyPr>
+            <a:normAutofit fontScale="90000"/>
+          </a:bodyPr>
+          <a:lstStyle/>
+          <a:p>
+            <a:r>
+              <a:rPr lang="en-GB" b="1" dirty="0"/>
+              <a:t>Debugging Chromatic Dispersion: </a:t>
+            </a:r>
+            <a:br>
+              <a:rPr lang="en-GB" b="1" dirty="0"/>
+            </a:br>
+            <a:r>
+              <a:rPr lang="en-GB" dirty="0"/>
+              <a:t>Results for Chromatic Dispersion and the Filter applied correcting it</a:t>
+            </a:r>
+          </a:p>
+        </p:txBody>
+      </p:sp>
+      <p:sp>
+        <p:nvSpPr>
+          <p:cNvPr id="3" name="Content Placeholder 2">
+            <a:extLst>
+              <a:ext uri="{FF2B5EF4-FFF2-40B4-BE49-F238E27FC236}">
+                <a16:creationId xmlns:a16="http://schemas.microsoft.com/office/drawing/2014/main" id="{E8F5949A-B502-49A8-AD0B-8705DD45024D}"/>
+              </a:ext>
+            </a:extLst>
+          </p:cNvPr>
+          <p:cNvSpPr>
+            <a:spLocks noGrp="1"/>
+          </p:cNvSpPr>
+          <p:nvPr>
+            <p:ph idx="1"/>
+          </p:nvPr>
+        </p:nvSpPr>
+        <p:spPr>
+          <a:xfrm>
+            <a:off x="772885" y="2190490"/>
+            <a:ext cx="10515600" cy="3380857"/>
+          </a:xfrm>
+        </p:spPr>
+        <p:txBody>
+          <a:bodyPr>
+            <a:normAutofit fontScale="92500" lnSpcReduction="10000"/>
+          </a:bodyPr>
+          <a:lstStyle/>
+          <a:p>
+            <a:pPr>
+              <a:lnSpc>
+                <a:spcPct val="110000"/>
+              </a:lnSpc>
+            </a:pPr>
+            <a:r>
+              <a:rPr lang="en-GB" dirty="0"/>
+              <a:t>4 different modulation formats BPSK, QPSK, 16QAM and 64QAM. The signals were pulse-shaped with a raised-cosine filter with an </a:t>
+            </a:r>
+            <a:r>
+              <a:rPr lang="en-GB" dirty="0" err="1"/>
+              <a:t>upsampling</a:t>
+            </a:r>
+            <a:r>
+              <a:rPr lang="en-GB" dirty="0"/>
+              <a:t> of 2 samples per symbol. </a:t>
+            </a:r>
+          </a:p>
+          <a:p>
+            <a:pPr>
+              <a:lnSpc>
+                <a:spcPct val="110000"/>
+              </a:lnSpc>
+            </a:pPr>
+            <a:r>
+              <a:rPr lang="en-GB" dirty="0"/>
+              <a:t>A Chromatic Dispersion Model was applied to these samples. Scatter plots were made for each modulation between distances of 10 and 110 km.</a:t>
+            </a:r>
+          </a:p>
+          <a:p>
+            <a:pPr>
+              <a:lnSpc>
+                <a:spcPct val="110000"/>
+              </a:lnSpc>
+            </a:pPr>
+            <a:r>
+              <a:rPr lang="en-GB" dirty="0"/>
+              <a:t>A chromatic dispersion filter was applied immediately after CD was introduced and scatter plots were made for comparison.</a:t>
+            </a:r>
+          </a:p>
+          <a:p>
+            <a:pPr marL="0" indent="0">
+              <a:lnSpc>
+                <a:spcPct val="110000"/>
+              </a:lnSpc>
+              <a:buNone/>
+            </a:pPr>
+            <a:endParaRPr lang="en-GB" dirty="0"/>
+          </a:p>
+        </p:txBody>
+      </p:sp>
+      <p:sp>
+        <p:nvSpPr>
+          <p:cNvPr id="4" name="TextBox 3">
+            <a:extLst>
+              <a:ext uri="{FF2B5EF4-FFF2-40B4-BE49-F238E27FC236}">
+                <a16:creationId xmlns:a16="http://schemas.microsoft.com/office/drawing/2014/main" id="{352966B2-96B5-49AC-BA90-57FD117C3B7B}"/>
+              </a:ext>
+            </a:extLst>
+          </p:cNvPr>
+          <p:cNvSpPr txBox="1"/>
+          <p:nvPr/>
+        </p:nvSpPr>
+        <p:spPr>
+          <a:xfrm>
+            <a:off x="10988351" y="6488668"/>
+            <a:ext cx="1203649" cy="369332"/>
+          </a:xfrm>
+          <a:prstGeom prst="rect">
+            <a:avLst/>
+          </a:prstGeom>
+          <a:noFill/>
+        </p:spPr>
+        <p:txBody>
+          <a:bodyPr wrap="square" rtlCol="0">
+            <a:spAutoFit/>
+          </a:bodyPr>
+          <a:lstStyle/>
+          <a:p>
+            <a:r>
+              <a:rPr lang="en-GB" dirty="0"/>
+              <a:t>Weeks 3-4</a:t>
+            </a:r>
+          </a:p>
+        </p:txBody>
+      </p:sp>
+    </p:spTree>
+    <p:extLst>
+      <p:ext uri="{BB962C8B-B14F-4D97-AF65-F5344CB8AC3E}">
+        <p14:creationId xmlns:p14="http://schemas.microsoft.com/office/powerpoint/2010/main" val="705414405"/>
+      </p:ext>
+    </p:extLst>
+  </p:cSld>
+  <p:clrMapOvr>
+    <a:masterClrMapping/>
+  </p:clrMapOvr>
+</p:sld>
+</file>
+
+<file path=ppt/slides/slide23.xml><?xml version="1.0" encoding="utf-8"?>
+<p:sld xmlns:a="http://schemas.openxmlformats.org/drawingml/2006/main" xmlns:r="http://schemas.openxmlformats.org/officeDocument/2006/relationships" xmlns:p="http://schemas.openxmlformats.org/presentationml/2006/main">
+  <p:cSld>
+    <p:spTree>
+      <p:nvGrpSpPr>
+        <p:cNvPr id="1" name=""/>
+        <p:cNvGrpSpPr/>
+        <p:nvPr/>
+      </p:nvGrpSpPr>
+      <p:grpSpPr>
+        <a:xfrm>
+          <a:off x="0" y="0"/>
+          <a:ext cx="0" cy="0"/>
+          <a:chOff x="0" y="0"/>
+          <a:chExt cx="0" cy="0"/>
+        </a:xfrm>
+      </p:grpSpPr>
+      <p:sp>
+        <p:nvSpPr>
+          <p:cNvPr id="12" name="TextBox 11">
+            <a:extLst>
+              <a:ext uri="{FF2B5EF4-FFF2-40B4-BE49-F238E27FC236}">
+                <a16:creationId xmlns:a16="http://schemas.microsoft.com/office/drawing/2014/main" id="{F424DA2F-5E70-4288-A2ED-7ED05C5964A4}"/>
+              </a:ext>
+            </a:extLst>
+          </p:cNvPr>
+          <p:cNvSpPr txBox="1"/>
+          <p:nvPr/>
+        </p:nvSpPr>
+        <p:spPr>
+          <a:xfrm>
+            <a:off x="2853480" y="13785"/>
+            <a:ext cx="6497548" cy="769441"/>
+          </a:xfrm>
+          <a:prstGeom prst="rect">
+            <a:avLst/>
+          </a:prstGeom>
+          <a:noFill/>
+        </p:spPr>
+        <p:txBody>
+          <a:bodyPr wrap="none" rtlCol="0">
+            <a:spAutoFit/>
+          </a:bodyPr>
+          <a:lstStyle/>
+          <a:p>
+            <a:r>
+              <a:rPr lang="en-GB" sz="4400" b="1" dirty="0"/>
+              <a:t>BPSK Chromatic Dispersion</a:t>
+            </a:r>
+          </a:p>
+        </p:txBody>
+      </p:sp>
+      <p:pic>
+        <p:nvPicPr>
+          <p:cNvPr id="14" name="Picture 13" descr="Diagram&#10;&#10;Description automatically generated">
+            <a:extLst>
+              <a:ext uri="{FF2B5EF4-FFF2-40B4-BE49-F238E27FC236}">
+                <a16:creationId xmlns:a16="http://schemas.microsoft.com/office/drawing/2014/main" id="{9836CCB1-FD14-46AC-A106-F68D91EE0A68}"/>
+              </a:ext>
+            </a:extLst>
+          </p:cNvPr>
+          <p:cNvPicPr>
+            <a:picLocks noChangeAspect="1"/>
+          </p:cNvPicPr>
+          <p:nvPr/>
+        </p:nvPicPr>
+        <p:blipFill>
+          <a:blip r:embed="rId2">
+            <a:extLst>
+              <a:ext uri="{28A0092B-C50C-407E-A947-70E740481C1C}">
+                <a14:useLocalDpi xmlns:a14="http://schemas.microsoft.com/office/drawing/2010/main" val="0"/>
+              </a:ext>
+            </a:extLst>
+          </a:blip>
+          <a:stretch>
+            <a:fillRect/>
+          </a:stretch>
+        </p:blipFill>
+        <p:spPr>
+          <a:xfrm>
+            <a:off x="1633846" y="3617953"/>
+            <a:ext cx="3619652" cy="2713705"/>
+          </a:xfrm>
+          <a:prstGeom prst="rect">
+            <a:avLst/>
+          </a:prstGeom>
+        </p:spPr>
+      </p:pic>
+      <p:pic>
+        <p:nvPicPr>
+          <p:cNvPr id="17" name="Picture 16" descr="A picture containing chart&#10;&#10;Description automatically generated">
+            <a:extLst>
+              <a:ext uri="{FF2B5EF4-FFF2-40B4-BE49-F238E27FC236}">
+                <a16:creationId xmlns:a16="http://schemas.microsoft.com/office/drawing/2014/main" id="{0938EE0B-B717-4CFD-9826-6DDAD7BAD169}"/>
+              </a:ext>
+            </a:extLst>
+          </p:cNvPr>
+          <p:cNvPicPr>
+            <a:picLocks noChangeAspect="1"/>
+          </p:cNvPicPr>
+          <p:nvPr/>
+        </p:nvPicPr>
+        <p:blipFill>
+          <a:blip r:embed="rId3">
+            <a:extLst>
+              <a:ext uri="{28A0092B-C50C-407E-A947-70E740481C1C}">
+                <a14:useLocalDpi xmlns:a14="http://schemas.microsoft.com/office/drawing/2010/main" val="0"/>
+              </a:ext>
+            </a:extLst>
+          </a:blip>
+          <a:stretch>
+            <a:fillRect/>
+          </a:stretch>
+        </p:blipFill>
+        <p:spPr>
+          <a:xfrm>
+            <a:off x="7136119" y="3617953"/>
+            <a:ext cx="3663119" cy="2746293"/>
+          </a:xfrm>
+          <a:prstGeom prst="rect">
+            <a:avLst/>
+          </a:prstGeom>
+        </p:spPr>
+      </p:pic>
+      <p:pic>
+        <p:nvPicPr>
+          <p:cNvPr id="23" name="Picture 22" descr="Chart&#10;&#10;Description automatically generated">
+            <a:extLst>
+              <a:ext uri="{FF2B5EF4-FFF2-40B4-BE49-F238E27FC236}">
+                <a16:creationId xmlns:a16="http://schemas.microsoft.com/office/drawing/2014/main" id="{DD2C50AA-4A3B-41E1-A547-EFF796A4FA04}"/>
+              </a:ext>
+            </a:extLst>
+          </p:cNvPr>
+          <p:cNvPicPr>
+            <a:picLocks noChangeAspect="1"/>
+          </p:cNvPicPr>
+          <p:nvPr/>
+        </p:nvPicPr>
+        <p:blipFill>
+          <a:blip r:embed="rId4">
+            <a:extLst>
+              <a:ext uri="{28A0092B-C50C-407E-A947-70E740481C1C}">
+                <a14:useLocalDpi xmlns:a14="http://schemas.microsoft.com/office/drawing/2010/main" val="0"/>
+              </a:ext>
+            </a:extLst>
+          </a:blip>
+          <a:stretch>
+            <a:fillRect/>
+          </a:stretch>
+        </p:blipFill>
+        <p:spPr>
+          <a:xfrm>
+            <a:off x="1687656" y="597626"/>
+            <a:ext cx="3619646" cy="2713700"/>
+          </a:xfrm>
+          <a:prstGeom prst="rect">
+            <a:avLst/>
+          </a:prstGeom>
+        </p:spPr>
+      </p:pic>
+      <p:pic>
+        <p:nvPicPr>
+          <p:cNvPr id="26" name="Picture 25" descr="A picture containing diagram&#10;&#10;Description automatically generated">
+            <a:extLst>
+              <a:ext uri="{FF2B5EF4-FFF2-40B4-BE49-F238E27FC236}">
+                <a16:creationId xmlns:a16="http://schemas.microsoft.com/office/drawing/2014/main" id="{D13FCAA9-3443-484B-8908-715AE1CFD6B6}"/>
+              </a:ext>
+            </a:extLst>
+          </p:cNvPr>
+          <p:cNvPicPr>
+            <a:picLocks noChangeAspect="1"/>
+          </p:cNvPicPr>
+          <p:nvPr/>
+        </p:nvPicPr>
+        <p:blipFill>
+          <a:blip r:embed="rId5">
+            <a:extLst>
+              <a:ext uri="{28A0092B-C50C-407E-A947-70E740481C1C}">
+                <a14:useLocalDpi xmlns:a14="http://schemas.microsoft.com/office/drawing/2010/main" val="0"/>
+              </a:ext>
+            </a:extLst>
+          </a:blip>
+          <a:stretch>
+            <a:fillRect/>
+          </a:stretch>
+        </p:blipFill>
+        <p:spPr>
+          <a:xfrm>
+            <a:off x="7252935" y="668909"/>
+            <a:ext cx="3429486" cy="2571135"/>
+          </a:xfrm>
+          <a:prstGeom prst="rect">
+            <a:avLst/>
+          </a:prstGeom>
+        </p:spPr>
+      </p:pic>
+      <p:sp>
+        <p:nvSpPr>
+          <p:cNvPr id="10" name="TextBox 9">
+            <a:extLst>
+              <a:ext uri="{FF2B5EF4-FFF2-40B4-BE49-F238E27FC236}">
+                <a16:creationId xmlns:a16="http://schemas.microsoft.com/office/drawing/2014/main" id="{5AE22D2B-EFA7-47A6-B48F-EBD54570DA76}"/>
+              </a:ext>
+            </a:extLst>
+          </p:cNvPr>
+          <p:cNvSpPr txBox="1"/>
+          <p:nvPr/>
+        </p:nvSpPr>
+        <p:spPr>
+          <a:xfrm>
+            <a:off x="10988351" y="6488668"/>
+            <a:ext cx="1203649" cy="369332"/>
+          </a:xfrm>
+          <a:prstGeom prst="rect">
+            <a:avLst/>
+          </a:prstGeom>
+          <a:noFill/>
+        </p:spPr>
+        <p:txBody>
+          <a:bodyPr wrap="square" rtlCol="0">
+            <a:spAutoFit/>
+          </a:bodyPr>
+          <a:lstStyle/>
+          <a:p>
+            <a:r>
+              <a:rPr lang="en-GB" dirty="0"/>
+              <a:t>Weeks 3-4</a:t>
+            </a:r>
+          </a:p>
+        </p:txBody>
+      </p:sp>
+    </p:spTree>
+    <p:extLst>
+      <p:ext uri="{BB962C8B-B14F-4D97-AF65-F5344CB8AC3E}">
+        <p14:creationId xmlns:p14="http://schemas.microsoft.com/office/powerpoint/2010/main" val="258503146"/>
+      </p:ext>
+    </p:extLst>
+  </p:cSld>
+  <p:clrMapOvr>
+    <a:masterClrMapping/>
+  </p:clrMapOvr>
+</p:sld>
+</file>
+
+<file path=ppt/slides/slide24.xml><?xml version="1.0" encoding="utf-8"?>
+<p:sld xmlns:a="http://schemas.openxmlformats.org/drawingml/2006/main" xmlns:r="http://schemas.openxmlformats.org/officeDocument/2006/relationships" xmlns:p="http://schemas.openxmlformats.org/presentationml/2006/main">
+  <p:cSld>
+    <p:spTree>
+      <p:nvGrpSpPr>
+        <p:cNvPr id="1" name=""/>
+        <p:cNvGrpSpPr/>
+        <p:nvPr/>
+      </p:nvGrpSpPr>
+      <p:grpSpPr>
+        <a:xfrm>
+          <a:off x="0" y="0"/>
+          <a:ext cx="0" cy="0"/>
+          <a:chOff x="0" y="0"/>
+          <a:chExt cx="0" cy="0"/>
+        </a:xfrm>
+      </p:grpSpPr>
+      <p:pic>
+        <p:nvPicPr>
+          <p:cNvPr id="5" name="Picture 4" descr="Chart, scatter chart&#10;&#10;Description automatically generated">
+            <a:extLst>
+              <a:ext uri="{FF2B5EF4-FFF2-40B4-BE49-F238E27FC236}">
+                <a16:creationId xmlns:a16="http://schemas.microsoft.com/office/drawing/2014/main" id="{614BCDAC-93BD-4553-AB4A-C561C6CBC1C8}"/>
+              </a:ext>
+            </a:extLst>
+          </p:cNvPr>
+          <p:cNvPicPr>
+            <a:picLocks noChangeAspect="1"/>
+          </p:cNvPicPr>
+          <p:nvPr/>
+        </p:nvPicPr>
+        <p:blipFill>
+          <a:blip r:embed="rId2">
+            <a:extLst>
+              <a:ext uri="{28A0092B-C50C-407E-A947-70E740481C1C}">
+                <a14:useLocalDpi xmlns:a14="http://schemas.microsoft.com/office/drawing/2010/main" val="0"/>
+              </a:ext>
+            </a:extLst>
+          </a:blip>
+          <a:stretch>
+            <a:fillRect/>
+          </a:stretch>
+        </p:blipFill>
+        <p:spPr>
+          <a:xfrm>
+            <a:off x="7002715" y="3672638"/>
+            <a:ext cx="3392248" cy="2543217"/>
+          </a:xfrm>
+          <a:prstGeom prst="rect">
+            <a:avLst/>
+          </a:prstGeom>
+        </p:spPr>
+      </p:pic>
+      <p:pic>
+        <p:nvPicPr>
+          <p:cNvPr id="9" name="Picture 8" descr="Chart, scatter chart&#10;&#10;Description automatically generated">
+            <a:extLst>
+              <a:ext uri="{FF2B5EF4-FFF2-40B4-BE49-F238E27FC236}">
+                <a16:creationId xmlns:a16="http://schemas.microsoft.com/office/drawing/2014/main" id="{5FA35BF6-9488-4604-AADC-4EA4BEF93841}"/>
+              </a:ext>
+            </a:extLst>
+          </p:cNvPr>
+          <p:cNvPicPr>
+            <a:picLocks noChangeAspect="1"/>
+          </p:cNvPicPr>
+          <p:nvPr/>
+        </p:nvPicPr>
+        <p:blipFill>
+          <a:blip r:embed="rId3">
+            <a:extLst>
+              <a:ext uri="{28A0092B-C50C-407E-A947-70E740481C1C}">
+                <a14:useLocalDpi xmlns:a14="http://schemas.microsoft.com/office/drawing/2010/main" val="0"/>
+              </a:ext>
+            </a:extLst>
+          </a:blip>
+          <a:stretch>
+            <a:fillRect/>
+          </a:stretch>
+        </p:blipFill>
+        <p:spPr>
+          <a:xfrm>
+            <a:off x="6999187" y="642145"/>
+            <a:ext cx="3395776" cy="2545862"/>
+          </a:xfrm>
+          <a:prstGeom prst="rect">
+            <a:avLst/>
+          </a:prstGeom>
+        </p:spPr>
+      </p:pic>
+      <p:pic>
+        <p:nvPicPr>
+          <p:cNvPr id="19" name="Picture 18" descr="Chart&#10;&#10;Description automatically generated">
+            <a:extLst>
+              <a:ext uri="{FF2B5EF4-FFF2-40B4-BE49-F238E27FC236}">
+                <a16:creationId xmlns:a16="http://schemas.microsoft.com/office/drawing/2014/main" id="{903EE10F-E769-4C2B-82A3-A7BAB9B871A6}"/>
+              </a:ext>
+            </a:extLst>
+          </p:cNvPr>
+          <p:cNvPicPr>
+            <a:picLocks noChangeAspect="1"/>
+          </p:cNvPicPr>
+          <p:nvPr/>
+        </p:nvPicPr>
+        <p:blipFill>
+          <a:blip r:embed="rId4">
+            <a:extLst>
+              <a:ext uri="{28A0092B-C50C-407E-A947-70E740481C1C}">
+                <a14:useLocalDpi xmlns:a14="http://schemas.microsoft.com/office/drawing/2010/main" val="0"/>
+              </a:ext>
+            </a:extLst>
+          </a:blip>
+          <a:stretch>
+            <a:fillRect/>
+          </a:stretch>
+        </p:blipFill>
+        <p:spPr>
+          <a:xfrm>
+            <a:off x="1763743" y="642145"/>
+            <a:ext cx="3405922" cy="2553469"/>
+          </a:xfrm>
+          <a:prstGeom prst="rect">
+            <a:avLst/>
+          </a:prstGeom>
+        </p:spPr>
+      </p:pic>
+      <p:pic>
+        <p:nvPicPr>
+          <p:cNvPr id="21" name="Picture 20" descr="Chart&#10;&#10;Description automatically generated">
+            <a:extLst>
+              <a:ext uri="{FF2B5EF4-FFF2-40B4-BE49-F238E27FC236}">
+                <a16:creationId xmlns:a16="http://schemas.microsoft.com/office/drawing/2014/main" id="{7CB0854F-4193-4430-AD8F-21CAFADAEC2A}"/>
+              </a:ext>
+            </a:extLst>
+          </p:cNvPr>
+          <p:cNvPicPr>
+            <a:picLocks noChangeAspect="1"/>
+          </p:cNvPicPr>
+          <p:nvPr/>
+        </p:nvPicPr>
+        <p:blipFill>
+          <a:blip r:embed="rId5">
+            <a:extLst>
+              <a:ext uri="{28A0092B-C50C-407E-A947-70E740481C1C}">
+                <a14:useLocalDpi xmlns:a14="http://schemas.microsoft.com/office/drawing/2010/main" val="0"/>
+              </a:ext>
+            </a:extLst>
+          </a:blip>
+          <a:stretch>
+            <a:fillRect/>
+          </a:stretch>
+        </p:blipFill>
+        <p:spPr>
+          <a:xfrm>
+            <a:off x="1777417" y="3690772"/>
+            <a:ext cx="3392248" cy="2543217"/>
+          </a:xfrm>
+          <a:prstGeom prst="rect">
+            <a:avLst/>
+          </a:prstGeom>
+        </p:spPr>
+      </p:pic>
+      <p:sp>
+        <p:nvSpPr>
+          <p:cNvPr id="12" name="TextBox 11">
+            <a:extLst>
+              <a:ext uri="{FF2B5EF4-FFF2-40B4-BE49-F238E27FC236}">
+                <a16:creationId xmlns:a16="http://schemas.microsoft.com/office/drawing/2014/main" id="{F424DA2F-5E70-4288-A2ED-7ED05C5964A4}"/>
+              </a:ext>
+            </a:extLst>
+          </p:cNvPr>
+          <p:cNvSpPr txBox="1"/>
+          <p:nvPr/>
+        </p:nvSpPr>
+        <p:spPr>
+          <a:xfrm>
+            <a:off x="3129506" y="9846"/>
+            <a:ext cx="6227089" cy="769441"/>
+          </a:xfrm>
+          <a:prstGeom prst="rect">
+            <a:avLst/>
+          </a:prstGeom>
+          <a:noFill/>
+        </p:spPr>
+        <p:txBody>
+          <a:bodyPr wrap="none" rtlCol="0">
+            <a:spAutoFit/>
+          </a:bodyPr>
+          <a:lstStyle/>
+          <a:p>
+            <a:r>
+              <a:rPr lang="en-GB" sz="4400" b="1" dirty="0"/>
+              <a:t>BPSK Compensation Filter</a:t>
+            </a:r>
+          </a:p>
+        </p:txBody>
+      </p:sp>
+      <p:sp>
+        <p:nvSpPr>
+          <p:cNvPr id="7" name="TextBox 6">
+            <a:extLst>
+              <a:ext uri="{FF2B5EF4-FFF2-40B4-BE49-F238E27FC236}">
+                <a16:creationId xmlns:a16="http://schemas.microsoft.com/office/drawing/2014/main" id="{B23D6BFC-0139-4E32-935C-17CE7A700BB0}"/>
+              </a:ext>
+            </a:extLst>
+          </p:cNvPr>
+          <p:cNvSpPr txBox="1"/>
+          <p:nvPr/>
+        </p:nvSpPr>
+        <p:spPr>
+          <a:xfrm>
+            <a:off x="10988351" y="6488668"/>
+            <a:ext cx="1203649" cy="369332"/>
+          </a:xfrm>
+          <a:prstGeom prst="rect">
+            <a:avLst/>
+          </a:prstGeom>
+          <a:noFill/>
+        </p:spPr>
+        <p:txBody>
+          <a:bodyPr wrap="square" rtlCol="0">
+            <a:spAutoFit/>
+          </a:bodyPr>
+          <a:lstStyle/>
+          <a:p>
+            <a:r>
+              <a:rPr lang="en-GB" dirty="0"/>
+              <a:t>Weeks 3-4</a:t>
+            </a:r>
+          </a:p>
+        </p:txBody>
+      </p:sp>
+    </p:spTree>
+    <p:extLst>
+      <p:ext uri="{BB962C8B-B14F-4D97-AF65-F5344CB8AC3E}">
+        <p14:creationId xmlns:p14="http://schemas.microsoft.com/office/powerpoint/2010/main" val="1052468837"/>
+      </p:ext>
+    </p:extLst>
+  </p:cSld>
+  <p:clrMapOvr>
+    <a:masterClrMapping/>
+  </p:clrMapOvr>
+</p:sld>
+</file>
+
+<file path=ppt/slides/slide25.xml><?xml version="1.0" encoding="utf-8"?>
+<p:sld xmlns:a="http://schemas.openxmlformats.org/drawingml/2006/main" xmlns:r="http://schemas.openxmlformats.org/officeDocument/2006/relationships" xmlns:p="http://schemas.openxmlformats.org/presentationml/2006/main">
+  <p:cSld>
+    <p:spTree>
+      <p:nvGrpSpPr>
+        <p:cNvPr id="1" name=""/>
+        <p:cNvGrpSpPr/>
+        <p:nvPr/>
+      </p:nvGrpSpPr>
+      <p:grpSpPr>
+        <a:xfrm>
+          <a:off x="0" y="0"/>
+          <a:ext cx="0" cy="0"/>
+          <a:chOff x="0" y="0"/>
+          <a:chExt cx="0" cy="0"/>
+        </a:xfrm>
+      </p:grpSpPr>
+      <p:sp>
+        <p:nvSpPr>
+          <p:cNvPr id="2" name="Title 1">
+            <a:extLst>
+              <a:ext uri="{FF2B5EF4-FFF2-40B4-BE49-F238E27FC236}">
+                <a16:creationId xmlns:a16="http://schemas.microsoft.com/office/drawing/2014/main" id="{1BB0F7EE-FAE7-4F19-B558-2FCF4C2E3C8B}"/>
+              </a:ext>
+            </a:extLst>
+          </p:cNvPr>
+          <p:cNvSpPr>
+            <a:spLocks noGrp="1"/>
+          </p:cNvSpPr>
+          <p:nvPr>
+            <p:ph type="title"/>
+          </p:nvPr>
+        </p:nvSpPr>
+        <p:spPr/>
+        <p:txBody>
+          <a:bodyPr/>
+          <a:lstStyle/>
+          <a:p>
+            <a:r>
+              <a:rPr lang="en-GB" dirty="0"/>
+              <a:t>Notes on CD</a:t>
+            </a:r>
+          </a:p>
+        </p:txBody>
+      </p:sp>
+      <p:sp>
+        <p:nvSpPr>
+          <p:cNvPr id="3" name="Content Placeholder 2">
+            <a:extLst>
+              <a:ext uri="{FF2B5EF4-FFF2-40B4-BE49-F238E27FC236}">
+                <a16:creationId xmlns:a16="http://schemas.microsoft.com/office/drawing/2014/main" id="{9BF9EF71-72F3-4AC0-87E6-DA4028331C7D}"/>
+              </a:ext>
+            </a:extLst>
+          </p:cNvPr>
+          <p:cNvSpPr>
+            <a:spLocks noGrp="1"/>
+          </p:cNvSpPr>
+          <p:nvPr>
+            <p:ph idx="1"/>
+          </p:nvPr>
+        </p:nvSpPr>
+        <p:spPr>
+          <a:xfrm>
+            <a:off x="784998" y="2670790"/>
+            <a:ext cx="10980174" cy="4351338"/>
+          </a:xfrm>
+        </p:spPr>
+        <p:txBody>
+          <a:bodyPr/>
+          <a:lstStyle/>
+          <a:p>
+            <a:r>
+              <a:rPr lang="en-GB" dirty="0"/>
+              <a:t>All other modulation schemes (QPSK, 16,64QAM) show a pattern similar to AWGN noise with only discernible difference being greater deviations in amplitudes of symbols as distance increased.</a:t>
+            </a:r>
+          </a:p>
+          <a:p>
+            <a:r>
+              <a:rPr lang="en-GB" dirty="0"/>
+              <a:t>The CD filter effects BPSK symbols at small distances but otherwise does not practically reverse the effects of CD at any distance for higher modulation formats</a:t>
+            </a:r>
+          </a:p>
+        </p:txBody>
+      </p:sp>
+      <p:pic>
+        <p:nvPicPr>
+          <p:cNvPr id="5" name="Picture 4" descr="Chart, bubble chart&#10;&#10;Description automatically generated">
+            <a:extLst>
+              <a:ext uri="{FF2B5EF4-FFF2-40B4-BE49-F238E27FC236}">
+                <a16:creationId xmlns:a16="http://schemas.microsoft.com/office/drawing/2014/main" id="{481E6865-F7F3-48EC-8BBE-C7F20429F6C4}"/>
+              </a:ext>
+            </a:extLst>
+          </p:cNvPr>
+          <p:cNvPicPr>
+            <a:picLocks noChangeAspect="1"/>
+          </p:cNvPicPr>
+          <p:nvPr/>
+        </p:nvPicPr>
+        <p:blipFill>
+          <a:blip r:embed="rId2">
+            <a:extLst>
+              <a:ext uri="{28A0092B-C50C-407E-A947-70E740481C1C}">
+                <a14:useLocalDpi xmlns:a14="http://schemas.microsoft.com/office/drawing/2010/main" val="0"/>
+              </a:ext>
+            </a:extLst>
+          </a:blip>
+          <a:stretch>
+            <a:fillRect/>
+          </a:stretch>
+        </p:blipFill>
+        <p:spPr>
+          <a:xfrm>
+            <a:off x="9350477" y="365125"/>
+            <a:ext cx="2702181" cy="2025864"/>
+          </a:xfrm>
+          <a:prstGeom prst="rect">
+            <a:avLst/>
+          </a:prstGeom>
+        </p:spPr>
+      </p:pic>
+      <p:pic>
+        <p:nvPicPr>
+          <p:cNvPr id="7" name="Picture 6" descr="Chart&#10;&#10;Description automatically generated">
+            <a:extLst>
+              <a:ext uri="{FF2B5EF4-FFF2-40B4-BE49-F238E27FC236}">
+                <a16:creationId xmlns:a16="http://schemas.microsoft.com/office/drawing/2014/main" id="{E5694907-5133-4DF2-AFE3-0A2B60ADDDA5}"/>
+              </a:ext>
+            </a:extLst>
+          </p:cNvPr>
+          <p:cNvPicPr>
+            <a:picLocks noChangeAspect="1"/>
+          </p:cNvPicPr>
+          <p:nvPr/>
+        </p:nvPicPr>
+        <p:blipFill>
+          <a:blip r:embed="rId3">
+            <a:extLst>
+              <a:ext uri="{28A0092B-C50C-407E-A947-70E740481C1C}">
+                <a14:useLocalDpi xmlns:a14="http://schemas.microsoft.com/office/drawing/2010/main" val="0"/>
+              </a:ext>
+            </a:extLst>
+          </a:blip>
+          <a:stretch>
+            <a:fillRect/>
+          </a:stretch>
+        </p:blipFill>
+        <p:spPr>
+          <a:xfrm>
+            <a:off x="6275085" y="225224"/>
+            <a:ext cx="3075392" cy="2305665"/>
+          </a:xfrm>
+          <a:prstGeom prst="rect">
+            <a:avLst/>
+          </a:prstGeom>
+        </p:spPr>
+      </p:pic>
+      <p:sp>
+        <p:nvSpPr>
+          <p:cNvPr id="8" name="TextBox 7">
+            <a:extLst>
+              <a:ext uri="{FF2B5EF4-FFF2-40B4-BE49-F238E27FC236}">
+                <a16:creationId xmlns:a16="http://schemas.microsoft.com/office/drawing/2014/main" id="{E3763C6F-5A1E-4FCF-8360-484498507689}"/>
+              </a:ext>
+            </a:extLst>
+          </p:cNvPr>
+          <p:cNvSpPr txBox="1"/>
+          <p:nvPr/>
+        </p:nvSpPr>
+        <p:spPr>
+          <a:xfrm>
+            <a:off x="4473677" y="1032064"/>
+            <a:ext cx="1307867" cy="646331"/>
+          </a:xfrm>
+          <a:prstGeom prst="rect">
+            <a:avLst/>
+          </a:prstGeom>
+          <a:noFill/>
+        </p:spPr>
+        <p:txBody>
+          <a:bodyPr wrap="square" rtlCol="0">
+            <a:spAutoFit/>
+          </a:bodyPr>
+          <a:lstStyle/>
+          <a:p>
+            <a:r>
+              <a:rPr lang="en-GB" dirty="0"/>
+              <a:t>Samples of applied CD</a:t>
+            </a:r>
+          </a:p>
+        </p:txBody>
+      </p:sp>
+      <p:pic>
+        <p:nvPicPr>
+          <p:cNvPr id="10" name="Picture 9" descr="Chart&#10;&#10;Description automatically generated">
+            <a:extLst>
+              <a:ext uri="{FF2B5EF4-FFF2-40B4-BE49-F238E27FC236}">
+                <a16:creationId xmlns:a16="http://schemas.microsoft.com/office/drawing/2014/main" id="{65283203-BE5B-466C-BF68-82307DD61F2C}"/>
+              </a:ext>
+            </a:extLst>
+          </p:cNvPr>
+          <p:cNvPicPr>
+            <a:picLocks noChangeAspect="1"/>
+          </p:cNvPicPr>
+          <p:nvPr/>
+        </p:nvPicPr>
+        <p:blipFill>
+          <a:blip r:embed="rId4">
+            <a:extLst>
+              <a:ext uri="{28A0092B-C50C-407E-A947-70E740481C1C}">
+                <a14:useLocalDpi xmlns:a14="http://schemas.microsoft.com/office/drawing/2010/main" val="0"/>
+              </a:ext>
+            </a:extLst>
+          </a:blip>
+          <a:stretch>
+            <a:fillRect/>
+          </a:stretch>
+        </p:blipFill>
+        <p:spPr>
+          <a:xfrm>
+            <a:off x="9242321" y="4832136"/>
+            <a:ext cx="2702181" cy="2025864"/>
+          </a:xfrm>
+          <a:prstGeom prst="rect">
+            <a:avLst/>
+          </a:prstGeom>
+        </p:spPr>
+      </p:pic>
+      <p:pic>
+        <p:nvPicPr>
+          <p:cNvPr id="14" name="Picture 13" descr="Chart&#10;&#10;Description automatically generated">
+            <a:extLst>
+              <a:ext uri="{FF2B5EF4-FFF2-40B4-BE49-F238E27FC236}">
+                <a16:creationId xmlns:a16="http://schemas.microsoft.com/office/drawing/2014/main" id="{BF9ECB0D-9C08-4285-B374-2DF144C2DCFB}"/>
+              </a:ext>
+            </a:extLst>
+          </p:cNvPr>
+          <p:cNvPicPr>
+            <a:picLocks noChangeAspect="1"/>
+          </p:cNvPicPr>
+          <p:nvPr/>
+        </p:nvPicPr>
+        <p:blipFill>
+          <a:blip r:embed="rId5">
+            <a:extLst>
+              <a:ext uri="{28A0092B-C50C-407E-A947-70E740481C1C}">
+                <a14:useLocalDpi xmlns:a14="http://schemas.microsoft.com/office/drawing/2010/main" val="0"/>
+              </a:ext>
+            </a:extLst>
+          </a:blip>
+          <a:stretch>
+            <a:fillRect/>
+          </a:stretch>
+        </p:blipFill>
+        <p:spPr>
+          <a:xfrm>
+            <a:off x="6275085" y="4832135"/>
+            <a:ext cx="2702183" cy="2025865"/>
+          </a:xfrm>
+          <a:prstGeom prst="rect">
+            <a:avLst/>
+          </a:prstGeom>
+        </p:spPr>
+      </p:pic>
+      <p:sp>
+        <p:nvSpPr>
+          <p:cNvPr id="15" name="TextBox 14">
+            <a:extLst>
+              <a:ext uri="{FF2B5EF4-FFF2-40B4-BE49-F238E27FC236}">
+                <a16:creationId xmlns:a16="http://schemas.microsoft.com/office/drawing/2014/main" id="{5585D2CB-1B5F-4AB7-833E-97427231ECA1}"/>
+              </a:ext>
+            </a:extLst>
+          </p:cNvPr>
+          <p:cNvSpPr txBox="1"/>
+          <p:nvPr/>
+        </p:nvSpPr>
+        <p:spPr>
+          <a:xfrm>
+            <a:off x="3775941" y="5660401"/>
+            <a:ext cx="2216997" cy="369332"/>
+          </a:xfrm>
+          <a:prstGeom prst="rect">
+            <a:avLst/>
+          </a:prstGeom>
+          <a:noFill/>
+        </p:spPr>
+        <p:txBody>
+          <a:bodyPr wrap="square" rtlCol="0">
+            <a:spAutoFit/>
+          </a:bodyPr>
+          <a:lstStyle/>
+          <a:p>
+            <a:r>
+              <a:rPr lang="en-GB" dirty="0"/>
+              <a:t>Compensation of CD</a:t>
+            </a:r>
+          </a:p>
+        </p:txBody>
+      </p:sp>
+      <p:sp>
+        <p:nvSpPr>
+          <p:cNvPr id="11" name="TextBox 10">
+            <a:extLst>
+              <a:ext uri="{FF2B5EF4-FFF2-40B4-BE49-F238E27FC236}">
+                <a16:creationId xmlns:a16="http://schemas.microsoft.com/office/drawing/2014/main" id="{C58C2710-3E3B-4B7A-9027-D140C1265C95}"/>
+              </a:ext>
+            </a:extLst>
+          </p:cNvPr>
+          <p:cNvSpPr txBox="1"/>
+          <p:nvPr/>
+        </p:nvSpPr>
+        <p:spPr>
+          <a:xfrm>
+            <a:off x="0" y="6492875"/>
+            <a:ext cx="1203649" cy="369332"/>
+          </a:xfrm>
+          <a:prstGeom prst="rect">
+            <a:avLst/>
+          </a:prstGeom>
+          <a:noFill/>
+        </p:spPr>
+        <p:txBody>
+          <a:bodyPr wrap="square" rtlCol="0">
+            <a:spAutoFit/>
+          </a:bodyPr>
+          <a:lstStyle/>
+          <a:p>
+            <a:r>
+              <a:rPr lang="en-GB" dirty="0"/>
+              <a:t>Weeks 3-4</a:t>
+            </a:r>
+          </a:p>
+        </p:txBody>
+      </p:sp>
+    </p:spTree>
+    <p:extLst>
+      <p:ext uri="{BB962C8B-B14F-4D97-AF65-F5344CB8AC3E}">
+        <p14:creationId xmlns:p14="http://schemas.microsoft.com/office/powerpoint/2010/main" val="3697586576"/>
+      </p:ext>
+    </p:extLst>
+  </p:cSld>
+  <p:clrMapOvr>
+    <a:masterClrMapping/>
+  </p:clrMapOvr>
+</p:sld>
+</file>
+
+<file path=ppt/slides/slide26.xml><?xml version="1.0" encoding="utf-8"?>
+<p:sld xmlns:a="http://schemas.openxmlformats.org/drawingml/2006/main" xmlns:r="http://schemas.openxmlformats.org/officeDocument/2006/relationships" xmlns:p="http://schemas.openxmlformats.org/presentationml/2006/main">
+  <p:cSld>
+    <p:spTree>
+      <p:nvGrpSpPr>
+        <p:cNvPr id="1" name=""/>
+        <p:cNvGrpSpPr/>
+        <p:nvPr/>
+      </p:nvGrpSpPr>
+      <p:grpSpPr>
+        <a:xfrm>
+          <a:off x="0" y="0"/>
+          <a:ext cx="0" cy="0"/>
+          <a:chOff x="0" y="0"/>
+          <a:chExt cx="0" cy="0"/>
+        </a:xfrm>
+      </p:grpSpPr>
+      <p:sp>
+        <p:nvSpPr>
+          <p:cNvPr id="2" name="Title 1">
+            <a:extLst>
+              <a:ext uri="{FF2B5EF4-FFF2-40B4-BE49-F238E27FC236}">
+                <a16:creationId xmlns:a16="http://schemas.microsoft.com/office/drawing/2014/main" id="{06F14B68-65B1-4FA1-8A97-692B742991C7}"/>
+              </a:ext>
+            </a:extLst>
+          </p:cNvPr>
+          <p:cNvSpPr>
+            <a:spLocks noGrp="1"/>
+          </p:cNvSpPr>
+          <p:nvPr>
+            <p:ph type="title"/>
+          </p:nvPr>
+        </p:nvSpPr>
+        <p:spPr/>
+        <p:txBody>
+          <a:bodyPr/>
+          <a:lstStyle/>
+          <a:p>
+            <a:r>
+              <a:rPr lang="en-GB" dirty="0"/>
+              <a:t>Notes on effects of BPSK		</a:t>
+            </a:r>
+          </a:p>
+        </p:txBody>
+      </p:sp>
+      <p:sp>
+        <p:nvSpPr>
+          <p:cNvPr id="3" name="Content Placeholder 2">
+            <a:extLst>
+              <a:ext uri="{FF2B5EF4-FFF2-40B4-BE49-F238E27FC236}">
+                <a16:creationId xmlns:a16="http://schemas.microsoft.com/office/drawing/2014/main" id="{7FB3BAC2-3B71-481E-86B7-EC780176DA17}"/>
+              </a:ext>
+            </a:extLst>
+          </p:cNvPr>
+          <p:cNvSpPr>
+            <a:spLocks noGrp="1"/>
+          </p:cNvSpPr>
+          <p:nvPr>
+            <p:ph idx="1"/>
+          </p:nvPr>
+        </p:nvSpPr>
+        <p:spPr>
+          <a:xfrm>
+            <a:off x="912845" y="2805339"/>
+            <a:ext cx="10515600" cy="4351338"/>
+          </a:xfrm>
+        </p:spPr>
+        <p:txBody>
+          <a:bodyPr vert="horz" lIns="91440" tIns="45720" rIns="91440" bIns="45720" rtlCol="0" anchor="t">
+            <a:normAutofit/>
+          </a:bodyPr>
+          <a:lstStyle/>
+          <a:p>
+            <a:r>
+              <a:rPr lang="en-GB" dirty="0"/>
+              <a:t>Both the CD model and the filter create a third ‘symbol’ around 0</a:t>
+            </a:r>
+          </a:p>
+          <a:p>
+            <a:pPr marL="0" indent="0">
+              <a:buNone/>
+            </a:pPr>
+            <a:r>
+              <a:rPr lang="en-GB" dirty="0"/>
+              <a:t> </a:t>
+            </a:r>
+          </a:p>
+          <a:p>
+            <a:r>
+              <a:rPr lang="en-GB" dirty="0"/>
+              <a:t>Above 10km the CD filter does not account for amplitude deviations anymore but manages to split symbols into three regions around points -1, 0, and 1</a:t>
+            </a:r>
+          </a:p>
+          <a:p>
+            <a:endParaRPr lang="en-GB" dirty="0">
+              <a:cs typeface="Calibri" panose="020F0502020204030204"/>
+            </a:endParaRPr>
+          </a:p>
+          <a:p>
+            <a:r>
+              <a:rPr lang="en-GB" dirty="0">
+                <a:cs typeface="Calibri" panose="020F0502020204030204"/>
+              </a:rPr>
+              <a:t>With high SNRs, it is still decodable</a:t>
+            </a:r>
+          </a:p>
+        </p:txBody>
+      </p:sp>
+      <p:sp>
+        <p:nvSpPr>
+          <p:cNvPr id="4" name="TextBox 3">
+            <a:extLst>
+              <a:ext uri="{FF2B5EF4-FFF2-40B4-BE49-F238E27FC236}">
+                <a16:creationId xmlns:a16="http://schemas.microsoft.com/office/drawing/2014/main" id="{54308167-1998-4F64-8E6D-611240CA1470}"/>
+              </a:ext>
+            </a:extLst>
+          </p:cNvPr>
+          <p:cNvSpPr txBox="1"/>
+          <p:nvPr/>
+        </p:nvSpPr>
+        <p:spPr>
+          <a:xfrm>
+            <a:off x="10988351" y="6497999"/>
+            <a:ext cx="1203649" cy="369332"/>
+          </a:xfrm>
+          <a:prstGeom prst="rect">
+            <a:avLst/>
+          </a:prstGeom>
+          <a:noFill/>
+        </p:spPr>
+        <p:txBody>
+          <a:bodyPr wrap="square" rtlCol="0">
+            <a:spAutoFit/>
+          </a:bodyPr>
+          <a:lstStyle/>
+          <a:p>
+            <a:r>
+              <a:rPr lang="en-GB" dirty="0"/>
+              <a:t>Weeks 3-4</a:t>
+            </a:r>
+          </a:p>
+        </p:txBody>
+      </p:sp>
+    </p:spTree>
+    <p:extLst>
+      <p:ext uri="{BB962C8B-B14F-4D97-AF65-F5344CB8AC3E}">
+        <p14:creationId xmlns:p14="http://schemas.microsoft.com/office/powerpoint/2010/main" val="4281351763"/>
+      </p:ext>
+    </p:extLst>
+  </p:cSld>
+  <p:clrMapOvr>
+    <a:masterClrMapping/>
+  </p:clrMapOvr>
+</p:sld>
+</file>
+
+<file path=ppt/slides/slide27.xml><?xml version="1.0" encoding="utf-8"?>
+<p:sld xmlns:a="http://schemas.openxmlformats.org/drawingml/2006/main" xmlns:r="http://schemas.openxmlformats.org/officeDocument/2006/relationships" xmlns:p="http://schemas.openxmlformats.org/presentationml/2006/main">
+  <p:cSld>
+    <p:spTree>
+      <p:nvGrpSpPr>
+        <p:cNvPr id="1" name=""/>
+        <p:cNvGrpSpPr/>
+        <p:nvPr/>
+      </p:nvGrpSpPr>
+      <p:grpSpPr>
+        <a:xfrm>
+          <a:off x="0" y="0"/>
+          <a:ext cx="0" cy="0"/>
+          <a:chOff x="0" y="0"/>
+          <a:chExt cx="0" cy="0"/>
+        </a:xfrm>
+      </p:grpSpPr>
+      <p:sp>
+        <p:nvSpPr>
+          <p:cNvPr id="2" name="Title 1">
+            <a:extLst>
+              <a:ext uri="{FF2B5EF4-FFF2-40B4-BE49-F238E27FC236}">
+                <a16:creationId xmlns:a16="http://schemas.microsoft.com/office/drawing/2014/main" id="{F9DBFBD1-78A3-42B2-86AB-72458F42BC7C}"/>
+              </a:ext>
+            </a:extLst>
+          </p:cNvPr>
+          <p:cNvSpPr>
+            <a:spLocks noGrp="1"/>
+          </p:cNvSpPr>
+          <p:nvPr>
+            <p:ph type="title"/>
+          </p:nvPr>
+        </p:nvSpPr>
+        <p:spPr/>
+        <p:txBody>
+          <a:bodyPr/>
+          <a:lstStyle/>
+          <a:p>
+            <a:r>
+              <a:rPr lang="en-GB" dirty="0"/>
+              <a:t>Parameters Used:</a:t>
+            </a:r>
+          </a:p>
+        </p:txBody>
+      </p:sp>
+      <p:sp>
+        <p:nvSpPr>
+          <p:cNvPr id="3" name="Content Placeholder 2">
+            <a:extLst>
+              <a:ext uri="{FF2B5EF4-FFF2-40B4-BE49-F238E27FC236}">
+                <a16:creationId xmlns:a16="http://schemas.microsoft.com/office/drawing/2014/main" id="{CA05CCFC-C3E2-4A3D-B1B5-E1E058BEFBD2}"/>
+              </a:ext>
+            </a:extLst>
+          </p:cNvPr>
+          <p:cNvSpPr>
+            <a:spLocks noGrp="1"/>
+          </p:cNvSpPr>
+          <p:nvPr>
+            <p:ph idx="1"/>
+          </p:nvPr>
+        </p:nvSpPr>
+        <p:spPr/>
+        <p:txBody>
+          <a:bodyPr vert="horz" lIns="91440" tIns="45720" rIns="91440" bIns="45720" rtlCol="0" anchor="t">
+            <a:normAutofit fontScale="92500" lnSpcReduction="10000"/>
+          </a:bodyPr>
+          <a:lstStyle/>
+          <a:p>
+            <a:pPr algn="l"/>
+            <a:r>
+              <a:rPr lang="en-GB" b="0" i="0" dirty="0">
+                <a:effectLst/>
+                <a:latin typeface="Segoe UI" panose="020B0502040204020203" pitchFamily="34" charset="0"/>
+              </a:rPr>
+              <a:t>Symbols: 32768</a:t>
+            </a:r>
+          </a:p>
+          <a:p>
+            <a:pPr algn="l"/>
+            <a:r>
+              <a:rPr lang="en-GB" b="0" i="0" dirty="0" err="1">
+                <a:effectLst/>
+                <a:latin typeface="Segoe UI" panose="020B0502040204020203" pitchFamily="34" charset="0"/>
+              </a:rPr>
+              <a:t>Upsampling</a:t>
+            </a:r>
+            <a:r>
+              <a:rPr lang="en-GB" b="0" i="0" dirty="0">
+                <a:effectLst/>
+                <a:latin typeface="Segoe UI" panose="020B0502040204020203" pitchFamily="34" charset="0"/>
+              </a:rPr>
+              <a:t>: 2</a:t>
+            </a:r>
+          </a:p>
+          <a:p>
+            <a:pPr algn="l"/>
+            <a:r>
+              <a:rPr lang="en-GB" b="0" i="0" dirty="0">
+                <a:effectLst/>
+                <a:latin typeface="Segoe UI" panose="020B0502040204020203" pitchFamily="34" charset="0"/>
+              </a:rPr>
+              <a:t>Samples: 65536</a:t>
+            </a:r>
+          </a:p>
+          <a:p>
+            <a:pPr algn="l"/>
+            <a:r>
+              <a:rPr lang="en-GB" b="0" i="0" dirty="0">
+                <a:effectLst/>
+                <a:latin typeface="Segoe UI" panose="020B0502040204020203" pitchFamily="34" charset="0"/>
+              </a:rPr>
+              <a:t>Sample Rate: 64e9</a:t>
+            </a:r>
+          </a:p>
+          <a:p>
+            <a:pPr algn="l"/>
+            <a:r>
+              <a:rPr lang="en-GB" b="0" i="0" dirty="0">
+                <a:effectLst/>
+                <a:latin typeface="Segoe UI" panose="020B0502040204020203" pitchFamily="34" charset="0"/>
+              </a:rPr>
+              <a:t>T = sample rate^-1</a:t>
+            </a:r>
+          </a:p>
+          <a:p>
+            <a:pPr algn="l"/>
+            <a:r>
+              <a:rPr lang="en-GB" b="0" i="0" dirty="0">
+                <a:effectLst/>
+                <a:latin typeface="Segoe UI" panose="020B0502040204020203" pitchFamily="34" charset="0"/>
+              </a:rPr>
+              <a:t>Distances z: Between 10km to 110km in steps of 10km</a:t>
+            </a:r>
+          </a:p>
+          <a:p>
+            <a:pPr algn="l"/>
+            <a:r>
+              <a:rPr lang="en-GB" b="0" i="0" dirty="0">
+                <a:effectLst/>
+                <a:latin typeface="Segoe UI" panose="020B0502040204020203" pitchFamily="34" charset="0"/>
+              </a:rPr>
+              <a:t>lambda = 1550e-9</a:t>
+            </a:r>
+          </a:p>
+          <a:p>
+            <a:pPr algn="l"/>
+            <a:r>
+              <a:rPr lang="en-GB" b="0" i="0" dirty="0">
+                <a:effectLst/>
+                <a:latin typeface="Segoe UI" panose="020B0502040204020203" pitchFamily="34" charset="0"/>
+              </a:rPr>
+              <a:t>D = 16e-6 (s/m/m) == 16 </a:t>
+            </a:r>
+            <a:r>
+              <a:rPr lang="en-GB" b="0" i="0" dirty="0" err="1">
+                <a:effectLst/>
+                <a:latin typeface="Segoe UI" panose="020B0502040204020203" pitchFamily="34" charset="0"/>
+              </a:rPr>
+              <a:t>ps</a:t>
+            </a:r>
+            <a:r>
+              <a:rPr lang="en-GB" b="0" i="0" dirty="0">
+                <a:effectLst/>
+                <a:latin typeface="Segoe UI" panose="020B0502040204020203" pitchFamily="34" charset="0"/>
+              </a:rPr>
+              <a:t>/nm/km</a:t>
+            </a:r>
+          </a:p>
+          <a:p>
+            <a:pPr algn="l"/>
+            <a:r>
+              <a:rPr lang="en-GB" b="0" i="0" dirty="0">
+                <a:effectLst/>
+                <a:latin typeface="Segoe UI"/>
+                <a:cs typeface="Segoe UI"/>
+              </a:rPr>
+              <a:t>If z is too small, M as defined in Lecture 5 becomes 0 due to the floor function. Therefore</a:t>
+            </a:r>
+            <a:r>
+              <a:rPr lang="en-GB" dirty="0">
+                <a:latin typeface="Segoe UI"/>
+                <a:cs typeface="Segoe UI"/>
+              </a:rPr>
+              <a:t>,</a:t>
+            </a:r>
+            <a:r>
+              <a:rPr lang="en-GB" b="0" i="0" dirty="0">
+                <a:effectLst/>
+                <a:latin typeface="Segoe UI"/>
+                <a:cs typeface="Segoe UI"/>
+              </a:rPr>
+              <a:t> I set the filter to 1 tap if that is the case.</a:t>
+            </a:r>
+          </a:p>
+        </p:txBody>
+      </p:sp>
+      <p:sp>
+        <p:nvSpPr>
+          <p:cNvPr id="4" name="TextBox 3">
+            <a:extLst>
+              <a:ext uri="{FF2B5EF4-FFF2-40B4-BE49-F238E27FC236}">
+                <a16:creationId xmlns:a16="http://schemas.microsoft.com/office/drawing/2014/main" id="{B19215F9-1CD8-4D31-98C6-93BA1101D7FE}"/>
+              </a:ext>
+            </a:extLst>
+          </p:cNvPr>
+          <p:cNvSpPr txBox="1"/>
+          <p:nvPr/>
+        </p:nvSpPr>
+        <p:spPr>
+          <a:xfrm>
+            <a:off x="10988351" y="6488668"/>
+            <a:ext cx="1203649" cy="369332"/>
+          </a:xfrm>
+          <a:prstGeom prst="rect">
+            <a:avLst/>
+          </a:prstGeom>
+          <a:noFill/>
+        </p:spPr>
+        <p:txBody>
+          <a:bodyPr wrap="square" rtlCol="0">
+            <a:spAutoFit/>
+          </a:bodyPr>
+          <a:lstStyle/>
+          <a:p>
+            <a:r>
+              <a:rPr lang="en-GB" dirty="0"/>
+              <a:t>Weeks 3-4</a:t>
+            </a:r>
+          </a:p>
+        </p:txBody>
+      </p:sp>
+    </p:spTree>
+    <p:extLst>
+      <p:ext uri="{BB962C8B-B14F-4D97-AF65-F5344CB8AC3E}">
+        <p14:creationId xmlns:p14="http://schemas.microsoft.com/office/powerpoint/2010/main" val="3247527639"/>
+      </p:ext>
+    </p:extLst>
+  </p:cSld>
+  <p:clrMapOvr>
+    <a:masterClrMapping/>
+  </p:clrMapOvr>
+</p:sld>
+</file>
+
+<file path=ppt/slides/slide28.xml><?xml version="1.0" encoding="utf-8"?>
+<p:sld xmlns:a="http://schemas.openxmlformats.org/drawingml/2006/main" xmlns:r="http://schemas.openxmlformats.org/officeDocument/2006/relationships" xmlns:p="http://schemas.openxmlformats.org/presentationml/2006/main">
+  <p:cSld>
+    <p:spTree>
+      <p:nvGrpSpPr>
+        <p:cNvPr id="1" name=""/>
+        <p:cNvGrpSpPr/>
+        <p:nvPr/>
+      </p:nvGrpSpPr>
+      <p:grpSpPr>
+        <a:xfrm>
+          <a:off x="0" y="0"/>
+          <a:ext cx="0" cy="0"/>
+          <a:chOff x="0" y="0"/>
+          <a:chExt cx="0" cy="0"/>
+        </a:xfrm>
+      </p:grpSpPr>
+      <p:pic>
+        <p:nvPicPr>
+          <p:cNvPr id="3" name="Picture 3" descr="Chart&#10;&#10;Description automatically generated">
+            <a:extLst>
+              <a:ext uri="{FF2B5EF4-FFF2-40B4-BE49-F238E27FC236}">
+                <a16:creationId xmlns:a16="http://schemas.microsoft.com/office/drawing/2014/main" id="{F7C8E4BE-AB1C-4585-BE92-CC3E389C7983}"/>
+              </a:ext>
+            </a:extLst>
+          </p:cNvPr>
+          <p:cNvPicPr>
+            <a:picLocks noChangeAspect="1"/>
+          </p:cNvPicPr>
+          <p:nvPr/>
+        </p:nvPicPr>
+        <p:blipFill>
+          <a:blip r:embed="rId2"/>
+          <a:stretch>
+            <a:fillRect/>
+          </a:stretch>
+        </p:blipFill>
+        <p:spPr>
+          <a:xfrm>
+            <a:off x="174906" y="1362821"/>
+            <a:ext cx="5873843" cy="4379166"/>
+          </a:xfrm>
+          <a:prstGeom prst="rect">
+            <a:avLst/>
+          </a:prstGeom>
+        </p:spPr>
+      </p:pic>
+      <p:pic>
+        <p:nvPicPr>
+          <p:cNvPr id="4" name="Picture 4" descr="Chart&#10;&#10;Description automatically generated">
+            <a:extLst>
+              <a:ext uri="{FF2B5EF4-FFF2-40B4-BE49-F238E27FC236}">
+                <a16:creationId xmlns:a16="http://schemas.microsoft.com/office/drawing/2014/main" id="{91D662CD-7A65-426B-84FB-8829763829F2}"/>
+              </a:ext>
+            </a:extLst>
+          </p:cNvPr>
+          <p:cNvPicPr>
+            <a:picLocks noChangeAspect="1"/>
+          </p:cNvPicPr>
+          <p:nvPr/>
+        </p:nvPicPr>
+        <p:blipFill>
+          <a:blip r:embed="rId3"/>
+          <a:stretch>
+            <a:fillRect/>
+          </a:stretch>
+        </p:blipFill>
+        <p:spPr>
+          <a:xfrm>
+            <a:off x="6091614" y="1372720"/>
+            <a:ext cx="5857127" cy="4350217"/>
+          </a:xfrm>
+          <a:prstGeom prst="rect">
+            <a:avLst/>
+          </a:prstGeom>
+        </p:spPr>
+      </p:pic>
+      <p:sp>
+        <p:nvSpPr>
+          <p:cNvPr id="2" name="Title 1">
+            <a:extLst>
+              <a:ext uri="{FF2B5EF4-FFF2-40B4-BE49-F238E27FC236}">
+                <a16:creationId xmlns:a16="http://schemas.microsoft.com/office/drawing/2014/main" id="{063C0985-D257-4482-AA17-CC412978029A}"/>
+              </a:ext>
+            </a:extLst>
+          </p:cNvPr>
+          <p:cNvSpPr>
+            <a:spLocks noGrp="1"/>
+          </p:cNvSpPr>
+          <p:nvPr>
+            <p:ph type="title"/>
+          </p:nvPr>
+        </p:nvSpPr>
+        <p:spPr>
+          <a:xfrm>
+            <a:off x="479612" y="-196195"/>
+            <a:ext cx="11580159" cy="1517088"/>
+          </a:xfrm>
+        </p:spPr>
+        <p:txBody>
+          <a:bodyPr anchor="ctr">
+            <a:normAutofit/>
+          </a:bodyPr>
+          <a:lstStyle/>
+          <a:p>
+            <a:r>
+              <a:rPr lang="en-GB" sz="3200" dirty="0">
+                <a:cs typeface="Calibri Light"/>
+              </a:rPr>
+              <a:t>SNR vs BER graphs after applying CD and then filtering it with the compensating filter</a:t>
+            </a:r>
+          </a:p>
+        </p:txBody>
+      </p:sp>
+      <p:sp>
+        <p:nvSpPr>
+          <p:cNvPr id="6" name="TextBox 5">
+            <a:extLst>
+              <a:ext uri="{FF2B5EF4-FFF2-40B4-BE49-F238E27FC236}">
+                <a16:creationId xmlns:a16="http://schemas.microsoft.com/office/drawing/2014/main" id="{B29D2AF1-4C02-4308-B76F-3328CA18268D}"/>
+              </a:ext>
+            </a:extLst>
+          </p:cNvPr>
+          <p:cNvSpPr txBox="1"/>
+          <p:nvPr/>
+        </p:nvSpPr>
+        <p:spPr>
+          <a:xfrm>
+            <a:off x="10988351" y="6488668"/>
+            <a:ext cx="1203649" cy="369332"/>
+          </a:xfrm>
+          <a:prstGeom prst="rect">
+            <a:avLst/>
+          </a:prstGeom>
+          <a:noFill/>
+        </p:spPr>
+        <p:txBody>
+          <a:bodyPr wrap="square" rtlCol="0">
+            <a:spAutoFit/>
+          </a:bodyPr>
+          <a:lstStyle/>
+          <a:p>
+            <a:r>
+              <a:rPr lang="en-GB" dirty="0"/>
+              <a:t>Weeks 3-4</a:t>
+            </a:r>
+          </a:p>
+        </p:txBody>
+      </p:sp>
+    </p:spTree>
+    <p:extLst>
+      <p:ext uri="{BB962C8B-B14F-4D97-AF65-F5344CB8AC3E}">
+        <p14:creationId xmlns:p14="http://schemas.microsoft.com/office/powerpoint/2010/main" val="3206834519"/>
+      </p:ext>
+    </p:extLst>
+  </p:cSld>
+  <p:clrMapOvr>
+    <a:masterClrMapping/>
+  </p:clrMapOvr>
+</p:sld>
+</file>
+
+<file path=ppt/slides/slide29.xml><?xml version="1.0" encoding="utf-8"?>
+<p:sld xmlns:a="http://schemas.openxmlformats.org/drawingml/2006/main" xmlns:r="http://schemas.openxmlformats.org/officeDocument/2006/relationships" xmlns:p="http://schemas.openxmlformats.org/presentationml/2006/main">
+  <p:cSld>
+    <p:spTree>
+      <p:nvGrpSpPr>
+        <p:cNvPr id="1" name=""/>
+        <p:cNvGrpSpPr/>
+        <p:nvPr/>
+      </p:nvGrpSpPr>
+      <p:grpSpPr>
+        <a:xfrm>
+          <a:off x="0" y="0"/>
+          <a:ext cx="0" cy="0"/>
+          <a:chOff x="0" y="0"/>
+          <a:chExt cx="0" cy="0"/>
+        </a:xfrm>
+      </p:grpSpPr>
+      <p:pic>
+        <p:nvPicPr>
+          <p:cNvPr id="6" name="Picture 6" descr="Chart, line chart&#10;&#10;Description automatically generated">
+            <a:extLst>
+              <a:ext uri="{FF2B5EF4-FFF2-40B4-BE49-F238E27FC236}">
+                <a16:creationId xmlns:a16="http://schemas.microsoft.com/office/drawing/2014/main" id="{A2EEED30-1164-4701-B5DD-424414A27CC0}"/>
+              </a:ext>
+            </a:extLst>
+          </p:cNvPr>
+          <p:cNvPicPr>
+            <a:picLocks noChangeAspect="1"/>
+          </p:cNvPicPr>
+          <p:nvPr/>
+        </p:nvPicPr>
+        <p:blipFill>
+          <a:blip r:embed="rId2"/>
+          <a:stretch>
+            <a:fillRect/>
+          </a:stretch>
+        </p:blipFill>
+        <p:spPr>
+          <a:xfrm>
+            <a:off x="5981461" y="1400048"/>
+            <a:ext cx="6050012" cy="4489376"/>
+          </a:xfrm>
+          <a:prstGeom prst="rect">
+            <a:avLst/>
+          </a:prstGeom>
+        </p:spPr>
+      </p:pic>
+      <p:pic>
+        <p:nvPicPr>
+          <p:cNvPr id="5" name="Picture 5" descr="Chart&#10;&#10;Description automatically generated">
+            <a:extLst>
+              <a:ext uri="{FF2B5EF4-FFF2-40B4-BE49-F238E27FC236}">
+                <a16:creationId xmlns:a16="http://schemas.microsoft.com/office/drawing/2014/main" id="{8CCE7596-E4B4-4CDF-B887-CCBBB13E3D55}"/>
+              </a:ext>
+            </a:extLst>
+          </p:cNvPr>
+          <p:cNvPicPr>
+            <a:picLocks noChangeAspect="1"/>
+          </p:cNvPicPr>
+          <p:nvPr/>
+        </p:nvPicPr>
+        <p:blipFill>
+          <a:blip r:embed="rId3"/>
+          <a:stretch>
+            <a:fillRect/>
+          </a:stretch>
+        </p:blipFill>
+        <p:spPr>
+          <a:xfrm>
+            <a:off x="51837" y="1568136"/>
+            <a:ext cx="5807951" cy="4265258"/>
+          </a:xfrm>
+          <a:prstGeom prst="rect">
+            <a:avLst/>
+          </a:prstGeom>
+        </p:spPr>
+      </p:pic>
+      <p:sp>
+        <p:nvSpPr>
+          <p:cNvPr id="9" name="Title 1">
+            <a:extLst>
+              <a:ext uri="{FF2B5EF4-FFF2-40B4-BE49-F238E27FC236}">
+                <a16:creationId xmlns:a16="http://schemas.microsoft.com/office/drawing/2014/main" id="{2F1A9218-6E95-424E-9CA9-B4240921C4B8}"/>
+              </a:ext>
+            </a:extLst>
+          </p:cNvPr>
+          <p:cNvSpPr txBox="1">
+            <a:spLocks/>
+          </p:cNvSpPr>
+          <p:nvPr/>
+        </p:nvSpPr>
+        <p:spPr>
+          <a:xfrm>
+            <a:off x="479612" y="-196195"/>
+            <a:ext cx="11580159" cy="1517088"/>
+          </a:xfrm>
+          <a:prstGeom prst="rect">
+            <a:avLst/>
+          </a:prstGeom>
+        </p:spPr>
+        <p:txBody>
+          <a:bodyPr vert="horz" lIns="91440" tIns="45720" rIns="91440" bIns="45720" rtlCol="0" anchor="ctr">
+            <a:normAutofit/>
+          </a:bodyPr>
+          <a:lstStyle>
+            <a:lvl1pPr algn="l" defTabSz="914400" rtl="0" eaLnBrk="1" latinLnBrk="0" hangingPunct="1">
+              <a:lnSpc>
+                <a:spcPct val="90000"/>
+              </a:lnSpc>
+              <a:spcBef>
+                <a:spcPct val="0"/>
+              </a:spcBef>
+              <a:buNone/>
+              <a:defRPr sz="4400" kern="1200">
+                <a:solidFill>
+                  <a:schemeClr val="tx1"/>
+                </a:solidFill>
+                <a:latin typeface="+mj-lt"/>
+                <a:ea typeface="+mj-ea"/>
+                <a:cs typeface="+mj-cs"/>
+              </a:defRPr>
+            </a:lvl1pPr>
+          </a:lstStyle>
+          <a:p>
+            <a:r>
+              <a:rPr lang="en-GB" sz="3200" dirty="0">
+                <a:cs typeface="Calibri Light"/>
+              </a:rPr>
+              <a:t>SNR vs BER graphs after applying CD and then filtering it with the compensating filter</a:t>
+            </a:r>
+          </a:p>
+        </p:txBody>
+      </p:sp>
+      <p:sp>
+        <p:nvSpPr>
+          <p:cNvPr id="7" name="TextBox 6">
+            <a:extLst>
+              <a:ext uri="{FF2B5EF4-FFF2-40B4-BE49-F238E27FC236}">
+                <a16:creationId xmlns:a16="http://schemas.microsoft.com/office/drawing/2014/main" id="{9A98AED8-7918-4C09-ABC7-27204ED3C34A}"/>
+              </a:ext>
+            </a:extLst>
+          </p:cNvPr>
+          <p:cNvSpPr txBox="1"/>
+          <p:nvPr/>
+        </p:nvSpPr>
+        <p:spPr>
+          <a:xfrm>
+            <a:off x="10988351" y="6497999"/>
+            <a:ext cx="1203649" cy="369332"/>
+          </a:xfrm>
+          <a:prstGeom prst="rect">
+            <a:avLst/>
+          </a:prstGeom>
+          <a:noFill/>
+        </p:spPr>
+        <p:txBody>
+          <a:bodyPr wrap="square" rtlCol="0">
+            <a:spAutoFit/>
+          </a:bodyPr>
+          <a:lstStyle/>
+          <a:p>
+            <a:r>
+              <a:rPr lang="en-GB" dirty="0"/>
+              <a:t>Weeks 3-4</a:t>
+            </a:r>
+          </a:p>
+        </p:txBody>
+      </p:sp>
+    </p:spTree>
+    <p:extLst>
+      <p:ext uri="{BB962C8B-B14F-4D97-AF65-F5344CB8AC3E}">
+        <p14:creationId xmlns:p14="http://schemas.microsoft.com/office/powerpoint/2010/main" val="4238448665"/>
+      </p:ext>
+    </p:extLst>
+  </p:cSld>
+  <p:clrMapOvr>
+    <a:masterClrMapping/>
+  </p:clrMapOvr>
+</p:sld>
+</file>
+
 <file path=ppt/slides/slide3.xml><?xml version="1.0" encoding="utf-8"?>
 <p:sld xmlns:a="http://schemas.openxmlformats.org/drawingml/2006/main" xmlns:r="http://schemas.openxmlformats.org/officeDocument/2006/relationships" xmlns:p="http://schemas.openxmlformats.org/presentationml/2006/main">
   <p:cSld>

--- a/Master's meetings presentation.pptx
+++ b/Master's meetings presentation.pptx
@@ -34,6 +34,8 @@
     <p:sldId id="283" r:id="rId29"/>
     <p:sldId id="284" r:id="rId30"/>
     <p:sldId id="285" r:id="rId31"/>
+    <p:sldId id="286" r:id="rId32"/>
+    <p:sldId id="287" r:id="rId33"/>
   </p:sldIdLst>
   <p:sldSz cx="12192000" cy="6858000"/>
   <p:notesSz cx="6858000" cy="9144000"/>
@@ -9821,7 +9823,7 @@
           <a:p>
             <a:fld id="{1D6AAEF1-BB65-438A-947A-6BD8EC392D5A}" type="datetimeFigureOut">
               <a:rPr lang="en-US" smtClean="0"/>
-              <a:t>2/21/2021</a:t>
+              <a:t>2/27/2021</a:t>
             </a:fld>
             <a:endParaRPr lang="en-US"/>
           </a:p>
@@ -10019,7 +10021,7 @@
           <a:p>
             <a:fld id="{1D6AAEF1-BB65-438A-947A-6BD8EC392D5A}" type="datetimeFigureOut">
               <a:rPr lang="en-US" smtClean="0"/>
-              <a:t>2/21/2021</a:t>
+              <a:t>2/27/2021</a:t>
             </a:fld>
             <a:endParaRPr lang="en-US"/>
           </a:p>
@@ -10227,7 +10229,7 @@
           <a:p>
             <a:fld id="{1D6AAEF1-BB65-438A-947A-6BD8EC392D5A}" type="datetimeFigureOut">
               <a:rPr lang="en-US" smtClean="0"/>
-              <a:t>2/21/2021</a:t>
+              <a:t>2/27/2021</a:t>
             </a:fld>
             <a:endParaRPr lang="en-US"/>
           </a:p>
@@ -10425,7 +10427,7 @@
           <a:p>
             <a:fld id="{1D6AAEF1-BB65-438A-947A-6BD8EC392D5A}" type="datetimeFigureOut">
               <a:rPr lang="en-US" smtClean="0"/>
-              <a:t>2/21/2021</a:t>
+              <a:t>2/27/2021</a:t>
             </a:fld>
             <a:endParaRPr lang="en-US"/>
           </a:p>
@@ -10700,7 +10702,7 @@
           <a:p>
             <a:fld id="{1D6AAEF1-BB65-438A-947A-6BD8EC392D5A}" type="datetimeFigureOut">
               <a:rPr lang="en-US" smtClean="0"/>
-              <a:t>2/21/2021</a:t>
+              <a:t>2/27/2021</a:t>
             </a:fld>
             <a:endParaRPr lang="en-US"/>
           </a:p>
@@ -10965,7 +10967,7 @@
           <a:p>
             <a:fld id="{1D6AAEF1-BB65-438A-947A-6BD8EC392D5A}" type="datetimeFigureOut">
               <a:rPr lang="en-US" smtClean="0"/>
-              <a:t>2/21/2021</a:t>
+              <a:t>2/27/2021</a:t>
             </a:fld>
             <a:endParaRPr lang="en-US"/>
           </a:p>
@@ -11377,7 +11379,7 @@
           <a:p>
             <a:fld id="{1D6AAEF1-BB65-438A-947A-6BD8EC392D5A}" type="datetimeFigureOut">
               <a:rPr lang="en-US" smtClean="0"/>
-              <a:t>2/21/2021</a:t>
+              <a:t>2/27/2021</a:t>
             </a:fld>
             <a:endParaRPr lang="en-US"/>
           </a:p>
@@ -11518,7 +11520,7 @@
           <a:p>
             <a:fld id="{1D6AAEF1-BB65-438A-947A-6BD8EC392D5A}" type="datetimeFigureOut">
               <a:rPr lang="en-US" smtClean="0"/>
-              <a:t>2/21/2021</a:t>
+              <a:t>2/27/2021</a:t>
             </a:fld>
             <a:endParaRPr lang="en-US"/>
           </a:p>
@@ -11631,7 +11633,7 @@
           <a:p>
             <a:fld id="{1D6AAEF1-BB65-438A-947A-6BD8EC392D5A}" type="datetimeFigureOut">
               <a:rPr lang="en-US" smtClean="0"/>
-              <a:t>2/21/2021</a:t>
+              <a:t>2/27/2021</a:t>
             </a:fld>
             <a:endParaRPr lang="en-US"/>
           </a:p>
@@ -11942,7 +11944,7 @@
           <a:p>
             <a:fld id="{1D6AAEF1-BB65-438A-947A-6BD8EC392D5A}" type="datetimeFigureOut">
               <a:rPr lang="en-US" smtClean="0"/>
-              <a:t>2/21/2021</a:t>
+              <a:t>2/27/2021</a:t>
             </a:fld>
             <a:endParaRPr lang="en-US"/>
           </a:p>
@@ -12230,7 +12232,7 @@
           <a:p>
             <a:fld id="{1D6AAEF1-BB65-438A-947A-6BD8EC392D5A}" type="datetimeFigureOut">
               <a:rPr lang="en-US" smtClean="0"/>
-              <a:t>2/21/2021</a:t>
+              <a:t>2/27/2021</a:t>
             </a:fld>
             <a:endParaRPr lang="en-US"/>
           </a:p>
@@ -12471,7 +12473,7 @@
           <a:p>
             <a:fld id="{1D6AAEF1-BB65-438A-947A-6BD8EC392D5A}" type="datetimeFigureOut">
               <a:rPr lang="en-US" smtClean="0"/>
-              <a:t>2/21/2021</a:t>
+              <a:t>2/27/2021</a:t>
             </a:fld>
             <a:endParaRPr lang="en-US"/>
           </a:p>
@@ -20190,6 +20192,4025 @@
 </p:sld>
 </file>
 
+<file path=ppt/slides/slide30.xml><?xml version="1.0" encoding="utf-8"?>
+<p:sld xmlns:a="http://schemas.openxmlformats.org/drawingml/2006/main" xmlns:r="http://schemas.openxmlformats.org/officeDocument/2006/relationships" xmlns:p="http://schemas.openxmlformats.org/presentationml/2006/main">
+  <p:cSld>
+    <p:spTree>
+      <p:nvGrpSpPr>
+        <p:cNvPr id="1" name=""/>
+        <p:cNvGrpSpPr/>
+        <p:nvPr/>
+      </p:nvGrpSpPr>
+      <p:grpSpPr>
+        <a:xfrm>
+          <a:off x="0" y="0"/>
+          <a:ext cx="0" cy="0"/>
+          <a:chOff x="0" y="0"/>
+          <a:chExt cx="0" cy="0"/>
+        </a:xfrm>
+      </p:grpSpPr>
+      <p:sp>
+        <p:nvSpPr>
+          <p:cNvPr id="2" name="Title 1">
+            <a:extLst>
+              <a:ext uri="{FF2B5EF4-FFF2-40B4-BE49-F238E27FC236}">
+                <a16:creationId xmlns:a16="http://schemas.microsoft.com/office/drawing/2014/main" id="{FD64DF1C-87C5-43D7-80AA-2335EF4D7FC3}"/>
+              </a:ext>
+            </a:extLst>
+          </p:cNvPr>
+          <p:cNvSpPr>
+            <a:spLocks noGrp="1"/>
+          </p:cNvSpPr>
+          <p:nvPr>
+            <p:ph type="title"/>
+          </p:nvPr>
+        </p:nvSpPr>
+        <p:spPr>
+          <a:xfrm>
+            <a:off x="3309337" y="-9467"/>
+            <a:ext cx="10515600" cy="1325563"/>
+          </a:xfrm>
+        </p:spPr>
+        <p:txBody>
+          <a:bodyPr>
+            <a:normAutofit/>
+          </a:bodyPr>
+          <a:lstStyle/>
+          <a:p>
+            <a:r>
+              <a:rPr lang="en-GB" sz="3600" dirty="0"/>
+              <a:t>Reconfiguration of Model</a:t>
+            </a:r>
+          </a:p>
+        </p:txBody>
+      </p:sp>
+      <p:sp>
+        <p:nvSpPr>
+          <p:cNvPr id="72" name="Rectangle 71">
+            <a:extLst>
+              <a:ext uri="{FF2B5EF4-FFF2-40B4-BE49-F238E27FC236}">
+                <a16:creationId xmlns:a16="http://schemas.microsoft.com/office/drawing/2014/main" id="{D80DB572-9F74-4DE2-8AA6-2FEFBEDBD99F}"/>
+              </a:ext>
+            </a:extLst>
+          </p:cNvPr>
+          <p:cNvSpPr/>
+          <p:nvPr/>
+        </p:nvSpPr>
+        <p:spPr>
+          <a:xfrm>
+            <a:off x="1549270" y="4085958"/>
+            <a:ext cx="8274713" cy="2216744"/>
+          </a:xfrm>
+          <a:prstGeom prst="rect">
+            <a:avLst/>
+          </a:prstGeom>
+          <a:gradFill flip="none" rotWithShape="1">
+            <a:gsLst>
+              <a:gs pos="0">
+                <a:schemeClr val="accent3">
+                  <a:lumMod val="5000"/>
+                  <a:lumOff val="95000"/>
+                </a:schemeClr>
+              </a:gs>
+              <a:gs pos="74000">
+                <a:schemeClr val="accent3">
+                  <a:lumMod val="45000"/>
+                  <a:lumOff val="55000"/>
+                </a:schemeClr>
+              </a:gs>
+              <a:gs pos="83000">
+                <a:schemeClr val="accent3">
+                  <a:lumMod val="45000"/>
+                  <a:lumOff val="55000"/>
+                </a:schemeClr>
+              </a:gs>
+              <a:gs pos="100000">
+                <a:schemeClr val="accent3">
+                  <a:lumMod val="30000"/>
+                  <a:lumOff val="70000"/>
+                </a:schemeClr>
+              </a:gs>
+            </a:gsLst>
+            <a:lin ang="5400000" scaled="1"/>
+            <a:tileRect/>
+          </a:gradFill>
+          <a:ln w="15875">
+            <a:solidFill>
+              <a:schemeClr val="dk1">
+                <a:alpha val="26000"/>
+              </a:schemeClr>
+            </a:solidFill>
+            <a:prstDash val="sysDash"/>
+          </a:ln>
+        </p:spPr>
+        <p:style>
+          <a:lnRef idx="2">
+            <a:schemeClr val="dk1"/>
+          </a:lnRef>
+          <a:fillRef idx="1">
+            <a:schemeClr val="lt1"/>
+          </a:fillRef>
+          <a:effectRef idx="0">
+            <a:schemeClr val="dk1"/>
+          </a:effectRef>
+          <a:fontRef idx="minor">
+            <a:schemeClr val="dk1"/>
+          </a:fontRef>
+        </p:style>
+        <p:txBody>
+          <a:bodyPr rtlCol="0" anchor="ctr"/>
+          <a:lstStyle/>
+          <a:p>
+            <a:pPr algn="ctr"/>
+            <a:endParaRPr lang="en-US" sz="1400" dirty="0"/>
+          </a:p>
+        </p:txBody>
+      </p:sp>
+      <p:sp>
+        <p:nvSpPr>
+          <p:cNvPr id="73" name="Rectangle 72">
+            <a:extLst>
+              <a:ext uri="{FF2B5EF4-FFF2-40B4-BE49-F238E27FC236}">
+                <a16:creationId xmlns:a16="http://schemas.microsoft.com/office/drawing/2014/main" id="{F96BDE1E-B6F3-49BA-B1FE-0D6496BD6E18}"/>
+              </a:ext>
+            </a:extLst>
+          </p:cNvPr>
+          <p:cNvSpPr/>
+          <p:nvPr/>
+        </p:nvSpPr>
+        <p:spPr>
+          <a:xfrm>
+            <a:off x="2444303" y="2718644"/>
+            <a:ext cx="6122834" cy="1243944"/>
+          </a:xfrm>
+          <a:prstGeom prst="rect">
+            <a:avLst/>
+          </a:prstGeom>
+          <a:gradFill flip="none" rotWithShape="1">
+            <a:gsLst>
+              <a:gs pos="0">
+                <a:schemeClr val="accent5">
+                  <a:lumMod val="5000"/>
+                  <a:lumOff val="95000"/>
+                </a:schemeClr>
+              </a:gs>
+              <a:gs pos="74000">
+                <a:schemeClr val="accent5">
+                  <a:lumMod val="45000"/>
+                  <a:lumOff val="55000"/>
+                </a:schemeClr>
+              </a:gs>
+              <a:gs pos="83000">
+                <a:schemeClr val="accent5">
+                  <a:lumMod val="45000"/>
+                  <a:lumOff val="55000"/>
+                </a:schemeClr>
+              </a:gs>
+              <a:gs pos="100000">
+                <a:schemeClr val="accent5">
+                  <a:lumMod val="30000"/>
+                  <a:lumOff val="70000"/>
+                </a:schemeClr>
+              </a:gs>
+            </a:gsLst>
+            <a:lin ang="5400000" scaled="1"/>
+            <a:tileRect/>
+          </a:gradFill>
+          <a:ln w="15875">
+            <a:solidFill>
+              <a:schemeClr val="accent1">
+                <a:alpha val="26000"/>
+              </a:schemeClr>
+            </a:solidFill>
+            <a:prstDash val="sysDash"/>
+          </a:ln>
+        </p:spPr>
+        <p:style>
+          <a:lnRef idx="2">
+            <a:schemeClr val="dk1"/>
+          </a:lnRef>
+          <a:fillRef idx="1">
+            <a:schemeClr val="lt1"/>
+          </a:fillRef>
+          <a:effectRef idx="0">
+            <a:schemeClr val="dk1"/>
+          </a:effectRef>
+          <a:fontRef idx="minor">
+            <a:schemeClr val="dk1"/>
+          </a:fontRef>
+        </p:style>
+        <p:txBody>
+          <a:bodyPr rtlCol="0" anchor="ctr"/>
+          <a:lstStyle/>
+          <a:p>
+            <a:pPr algn="ctr"/>
+            <a:endParaRPr lang="en-US" sz="1400" dirty="0"/>
+          </a:p>
+        </p:txBody>
+      </p:sp>
+      <p:sp>
+        <p:nvSpPr>
+          <p:cNvPr id="74" name="Rectangle 73">
+            <a:extLst>
+              <a:ext uri="{FF2B5EF4-FFF2-40B4-BE49-F238E27FC236}">
+                <a16:creationId xmlns:a16="http://schemas.microsoft.com/office/drawing/2014/main" id="{A2BF6B5E-98A5-4B40-982C-63E780D275D5}"/>
+              </a:ext>
+            </a:extLst>
+          </p:cNvPr>
+          <p:cNvSpPr/>
+          <p:nvPr/>
+        </p:nvSpPr>
+        <p:spPr>
+          <a:xfrm>
+            <a:off x="2968466" y="1397542"/>
+            <a:ext cx="5173325" cy="1243944"/>
+          </a:xfrm>
+          <a:prstGeom prst="rect">
+            <a:avLst/>
+          </a:prstGeom>
+          <a:gradFill flip="none" rotWithShape="1">
+            <a:gsLst>
+              <a:gs pos="0">
+                <a:schemeClr val="accent3">
+                  <a:lumMod val="5000"/>
+                  <a:lumOff val="95000"/>
+                </a:schemeClr>
+              </a:gs>
+              <a:gs pos="74000">
+                <a:schemeClr val="accent3">
+                  <a:lumMod val="45000"/>
+                  <a:lumOff val="55000"/>
+                </a:schemeClr>
+              </a:gs>
+              <a:gs pos="83000">
+                <a:schemeClr val="accent3">
+                  <a:lumMod val="45000"/>
+                  <a:lumOff val="55000"/>
+                </a:schemeClr>
+              </a:gs>
+              <a:gs pos="100000">
+                <a:schemeClr val="accent3">
+                  <a:lumMod val="30000"/>
+                  <a:lumOff val="70000"/>
+                </a:schemeClr>
+              </a:gs>
+            </a:gsLst>
+            <a:lin ang="5400000" scaled="1"/>
+            <a:tileRect/>
+          </a:gradFill>
+          <a:ln w="15875">
+            <a:solidFill>
+              <a:schemeClr val="dk1">
+                <a:alpha val="26000"/>
+              </a:schemeClr>
+            </a:solidFill>
+            <a:prstDash val="sysDash"/>
+          </a:ln>
+        </p:spPr>
+        <p:style>
+          <a:lnRef idx="2">
+            <a:schemeClr val="dk1"/>
+          </a:lnRef>
+          <a:fillRef idx="1">
+            <a:schemeClr val="lt1"/>
+          </a:fillRef>
+          <a:effectRef idx="0">
+            <a:schemeClr val="dk1"/>
+          </a:effectRef>
+          <a:fontRef idx="minor">
+            <a:schemeClr val="dk1"/>
+          </a:fontRef>
+        </p:style>
+        <p:txBody>
+          <a:bodyPr rtlCol="0" anchor="ctr"/>
+          <a:lstStyle/>
+          <a:p>
+            <a:pPr algn="ctr"/>
+            <a:endParaRPr lang="en-US" sz="1400" dirty="0"/>
+          </a:p>
+        </p:txBody>
+      </p:sp>
+      <p:grpSp>
+        <p:nvGrpSpPr>
+          <p:cNvPr id="75" name="Group 74">
+            <a:extLst>
+              <a:ext uri="{FF2B5EF4-FFF2-40B4-BE49-F238E27FC236}">
+                <a16:creationId xmlns:a16="http://schemas.microsoft.com/office/drawing/2014/main" id="{070EEA4E-56AB-4B4B-A5ED-A4A783E824C2}"/>
+              </a:ext>
+            </a:extLst>
+          </p:cNvPr>
+          <p:cNvGrpSpPr/>
+          <p:nvPr/>
+        </p:nvGrpSpPr>
+        <p:grpSpPr>
+          <a:xfrm>
+            <a:off x="2994937" y="1699410"/>
+            <a:ext cx="1215000" cy="742500"/>
+            <a:chOff x="5344" y="383979"/>
+            <a:chExt cx="1656920" cy="994152"/>
+          </a:xfrm>
+        </p:grpSpPr>
+        <p:sp>
+          <p:nvSpPr>
+            <p:cNvPr id="76" name="Rectangle: Rounded Corners 75">
+              <a:extLst>
+                <a:ext uri="{FF2B5EF4-FFF2-40B4-BE49-F238E27FC236}">
+                  <a16:creationId xmlns:a16="http://schemas.microsoft.com/office/drawing/2014/main" id="{E1D98830-9014-4CF2-AD1E-75B58EF40348}"/>
+                </a:ext>
+              </a:extLst>
+            </p:cNvPr>
+            <p:cNvSpPr/>
+            <p:nvPr/>
+          </p:nvSpPr>
+          <p:spPr>
+            <a:xfrm>
+              <a:off x="5344" y="383979"/>
+              <a:ext cx="1656920" cy="994152"/>
+            </a:xfrm>
+            <a:prstGeom prst="roundRect">
+              <a:avLst>
+                <a:gd name="adj" fmla="val 10000"/>
+              </a:avLst>
+            </a:prstGeom>
+          </p:spPr>
+          <p:style>
+            <a:lnRef idx="2">
+              <a:schemeClr val="dk1">
+                <a:shade val="80000"/>
+                <a:hueOff val="0"/>
+                <a:satOff val="0"/>
+                <a:lumOff val="0"/>
+                <a:alphaOff val="0"/>
+              </a:schemeClr>
+            </a:lnRef>
+            <a:fillRef idx="1">
+              <a:schemeClr val="lt1">
+                <a:hueOff val="0"/>
+                <a:satOff val="0"/>
+                <a:lumOff val="0"/>
+                <a:alphaOff val="0"/>
+              </a:schemeClr>
+            </a:fillRef>
+            <a:effectRef idx="0">
+              <a:schemeClr val="lt1">
+                <a:hueOff val="0"/>
+                <a:satOff val="0"/>
+                <a:lumOff val="0"/>
+                <a:alphaOff val="0"/>
+              </a:schemeClr>
+            </a:effectRef>
+            <a:fontRef idx="minor">
+              <a:schemeClr val="dk1">
+                <a:hueOff val="0"/>
+                <a:satOff val="0"/>
+                <a:lumOff val="0"/>
+                <a:alphaOff val="0"/>
+              </a:schemeClr>
+            </a:fontRef>
+          </p:style>
+        </p:sp>
+        <p:sp>
+          <p:nvSpPr>
+            <p:cNvPr id="77" name="Rectangle: Rounded Corners 4">
+              <a:extLst>
+                <a:ext uri="{FF2B5EF4-FFF2-40B4-BE49-F238E27FC236}">
+                  <a16:creationId xmlns:a16="http://schemas.microsoft.com/office/drawing/2014/main" id="{188DBDC2-5833-42C9-ADAC-1A61E1625BA6}"/>
+                </a:ext>
+              </a:extLst>
+            </p:cNvPr>
+            <p:cNvSpPr txBox="1"/>
+            <p:nvPr/>
+          </p:nvSpPr>
+          <p:spPr>
+            <a:xfrm>
+              <a:off x="34462" y="413097"/>
+              <a:ext cx="1598684" cy="903775"/>
+            </a:xfrm>
+            <a:prstGeom prst="rect">
+              <a:avLst/>
+            </a:prstGeom>
+          </p:spPr>
+          <p:style>
+            <a:lnRef idx="0">
+              <a:scrgbClr r="0" g="0" b="0"/>
+            </a:lnRef>
+            <a:fillRef idx="0">
+              <a:scrgbClr r="0" g="0" b="0"/>
+            </a:fillRef>
+            <a:effectRef idx="0">
+              <a:scrgbClr r="0" g="0" b="0"/>
+            </a:effectRef>
+            <a:fontRef idx="minor">
+              <a:schemeClr val="dk1">
+                <a:hueOff val="0"/>
+                <a:satOff val="0"/>
+                <a:lumOff val="0"/>
+                <a:alphaOff val="0"/>
+              </a:schemeClr>
+            </a:fontRef>
+          </p:style>
+          <p:txBody>
+            <a:bodyPr spcFirstLastPara="0" vert="horz" wrap="square" lIns="68580" tIns="68580" rIns="68580" bIns="68580" numCol="1" spcCol="1270" anchor="ctr" anchorCtr="0">
+              <a:noAutofit/>
+            </a:bodyPr>
+            <a:lstStyle/>
+            <a:p>
+              <a:pPr marL="0" lvl="0" indent="0" algn="ctr" defTabSz="800100">
+                <a:lnSpc>
+                  <a:spcPct val="90000"/>
+                </a:lnSpc>
+                <a:spcBef>
+                  <a:spcPct val="0"/>
+                </a:spcBef>
+                <a:spcAft>
+                  <a:spcPct val="35000"/>
+                </a:spcAft>
+                <a:buNone/>
+              </a:pPr>
+              <a:r>
+                <a:rPr lang="en-GB" sz="1400" dirty="0"/>
+                <a:t>Pseudorandom Data Symbols</a:t>
+              </a:r>
+              <a:endParaRPr lang="en-US" sz="1400" kern="1200" dirty="0"/>
+            </a:p>
+          </p:txBody>
+        </p:sp>
+      </p:grpSp>
+      <p:cxnSp>
+        <p:nvCxnSpPr>
+          <p:cNvPr id="78" name="Straight Arrow Connector 77">
+            <a:extLst>
+              <a:ext uri="{FF2B5EF4-FFF2-40B4-BE49-F238E27FC236}">
+                <a16:creationId xmlns:a16="http://schemas.microsoft.com/office/drawing/2014/main" id="{BD5DC881-553C-48AD-9C5A-B78A2C24DED8}"/>
+              </a:ext>
+            </a:extLst>
+          </p:cNvPr>
+          <p:cNvCxnSpPr>
+            <a:cxnSpLocks/>
+            <a:stCxn id="76" idx="3"/>
+            <a:endCxn id="80" idx="1"/>
+          </p:cNvCxnSpPr>
+          <p:nvPr/>
+        </p:nvCxnSpPr>
+        <p:spPr>
+          <a:xfrm flipV="1">
+            <a:off x="4209937" y="2062908"/>
+            <a:ext cx="454514" cy="7752"/>
+          </a:xfrm>
+          <a:prstGeom prst="straightConnector1">
+            <a:avLst/>
+          </a:prstGeom>
+          <a:ln>
+            <a:tailEnd type="triangle"/>
+          </a:ln>
+        </p:spPr>
+        <p:style>
+          <a:lnRef idx="1">
+            <a:schemeClr val="dk1"/>
+          </a:lnRef>
+          <a:fillRef idx="0">
+            <a:schemeClr val="dk1"/>
+          </a:fillRef>
+          <a:effectRef idx="0">
+            <a:schemeClr val="dk1"/>
+          </a:effectRef>
+          <a:fontRef idx="minor">
+            <a:schemeClr val="tx1"/>
+          </a:fontRef>
+        </p:style>
+      </p:cxnSp>
+      <p:grpSp>
+        <p:nvGrpSpPr>
+          <p:cNvPr id="79" name="Group 78">
+            <a:extLst>
+              <a:ext uri="{FF2B5EF4-FFF2-40B4-BE49-F238E27FC236}">
+                <a16:creationId xmlns:a16="http://schemas.microsoft.com/office/drawing/2014/main" id="{6776876F-0EE2-4A96-B752-413CA4AE61CA}"/>
+              </a:ext>
+            </a:extLst>
+          </p:cNvPr>
+          <p:cNvGrpSpPr/>
+          <p:nvPr/>
+        </p:nvGrpSpPr>
+        <p:grpSpPr>
+          <a:xfrm>
+            <a:off x="4664451" y="1691658"/>
+            <a:ext cx="1620000" cy="742500"/>
+            <a:chOff x="2325033" y="383979"/>
+            <a:chExt cx="1656920" cy="994152"/>
+          </a:xfrm>
+        </p:grpSpPr>
+        <p:sp>
+          <p:nvSpPr>
+            <p:cNvPr id="80" name="Rectangle: Rounded Corners 79">
+              <a:extLst>
+                <a:ext uri="{FF2B5EF4-FFF2-40B4-BE49-F238E27FC236}">
+                  <a16:creationId xmlns:a16="http://schemas.microsoft.com/office/drawing/2014/main" id="{E5D116C0-A216-4F30-913F-80D3A53B788F}"/>
+                </a:ext>
+              </a:extLst>
+            </p:cNvPr>
+            <p:cNvSpPr/>
+            <p:nvPr/>
+          </p:nvSpPr>
+          <p:spPr>
+            <a:xfrm>
+              <a:off x="2325033" y="383979"/>
+              <a:ext cx="1656920" cy="994152"/>
+            </a:xfrm>
+            <a:prstGeom prst="roundRect">
+              <a:avLst>
+                <a:gd name="adj" fmla="val 10000"/>
+              </a:avLst>
+            </a:prstGeom>
+          </p:spPr>
+          <p:style>
+            <a:lnRef idx="2">
+              <a:schemeClr val="dk1">
+                <a:shade val="80000"/>
+                <a:hueOff val="0"/>
+                <a:satOff val="0"/>
+                <a:lumOff val="0"/>
+                <a:alphaOff val="0"/>
+              </a:schemeClr>
+            </a:lnRef>
+            <a:fillRef idx="1">
+              <a:schemeClr val="lt1">
+                <a:hueOff val="0"/>
+                <a:satOff val="0"/>
+                <a:lumOff val="0"/>
+                <a:alphaOff val="0"/>
+              </a:schemeClr>
+            </a:fillRef>
+            <a:effectRef idx="0">
+              <a:schemeClr val="lt1">
+                <a:hueOff val="0"/>
+                <a:satOff val="0"/>
+                <a:lumOff val="0"/>
+                <a:alphaOff val="0"/>
+              </a:schemeClr>
+            </a:effectRef>
+            <a:fontRef idx="minor">
+              <a:schemeClr val="dk1">
+                <a:hueOff val="0"/>
+                <a:satOff val="0"/>
+                <a:lumOff val="0"/>
+                <a:alphaOff val="0"/>
+              </a:schemeClr>
+            </a:fontRef>
+          </p:style>
+        </p:sp>
+        <p:sp>
+          <p:nvSpPr>
+            <p:cNvPr id="81" name="Rectangle: Rounded Corners 4">
+              <a:extLst>
+                <a:ext uri="{FF2B5EF4-FFF2-40B4-BE49-F238E27FC236}">
+                  <a16:creationId xmlns:a16="http://schemas.microsoft.com/office/drawing/2014/main" id="{067D1012-3A7A-4E3A-AB00-5A9A967AAC03}"/>
+                </a:ext>
+              </a:extLst>
+            </p:cNvPr>
+            <p:cNvSpPr txBox="1"/>
+            <p:nvPr/>
+          </p:nvSpPr>
+          <p:spPr>
+            <a:xfrm>
+              <a:off x="2354151" y="413097"/>
+              <a:ext cx="1598684" cy="935916"/>
+            </a:xfrm>
+            <a:prstGeom prst="rect">
+              <a:avLst/>
+            </a:prstGeom>
+          </p:spPr>
+          <p:style>
+            <a:lnRef idx="0">
+              <a:scrgbClr r="0" g="0" b="0"/>
+            </a:lnRef>
+            <a:fillRef idx="0">
+              <a:scrgbClr r="0" g="0" b="0"/>
+            </a:fillRef>
+            <a:effectRef idx="0">
+              <a:scrgbClr r="0" g="0" b="0"/>
+            </a:effectRef>
+            <a:fontRef idx="minor">
+              <a:schemeClr val="dk1">
+                <a:hueOff val="0"/>
+                <a:satOff val="0"/>
+                <a:lumOff val="0"/>
+                <a:alphaOff val="0"/>
+              </a:schemeClr>
+            </a:fontRef>
+          </p:style>
+          <p:txBody>
+            <a:bodyPr spcFirstLastPara="0" vert="horz" wrap="square" lIns="68580" tIns="68580" rIns="68580" bIns="68580" numCol="1" spcCol="1270" anchor="ctr" anchorCtr="0">
+              <a:noAutofit/>
+            </a:bodyPr>
+            <a:lstStyle/>
+            <a:p>
+              <a:pPr marL="0" lvl="0" indent="0" algn="ctr" defTabSz="800100">
+                <a:lnSpc>
+                  <a:spcPct val="90000"/>
+                </a:lnSpc>
+                <a:spcBef>
+                  <a:spcPct val="0"/>
+                </a:spcBef>
+                <a:spcAft>
+                  <a:spcPct val="35000"/>
+                </a:spcAft>
+                <a:buNone/>
+              </a:pPr>
+              <a:r>
+                <a:rPr lang="en-US" sz="1400" kern="1200" dirty="0"/>
+                <a:t>Forward Error Correction Encoding</a:t>
+              </a:r>
+            </a:p>
+          </p:txBody>
+        </p:sp>
+      </p:grpSp>
+      <p:grpSp>
+        <p:nvGrpSpPr>
+          <p:cNvPr id="82" name="Group 81">
+            <a:extLst>
+              <a:ext uri="{FF2B5EF4-FFF2-40B4-BE49-F238E27FC236}">
+                <a16:creationId xmlns:a16="http://schemas.microsoft.com/office/drawing/2014/main" id="{85D344F4-0269-42E4-94DE-69019C6F2492}"/>
+              </a:ext>
+            </a:extLst>
+          </p:cNvPr>
+          <p:cNvGrpSpPr/>
+          <p:nvPr/>
+        </p:nvGrpSpPr>
+        <p:grpSpPr>
+          <a:xfrm>
+            <a:off x="6820821" y="1681560"/>
+            <a:ext cx="1215000" cy="742500"/>
+            <a:chOff x="4644721" y="383979"/>
+            <a:chExt cx="1656920" cy="994152"/>
+          </a:xfrm>
+        </p:grpSpPr>
+        <p:sp>
+          <p:nvSpPr>
+            <p:cNvPr id="83" name="Rectangle: Rounded Corners 82">
+              <a:extLst>
+                <a:ext uri="{FF2B5EF4-FFF2-40B4-BE49-F238E27FC236}">
+                  <a16:creationId xmlns:a16="http://schemas.microsoft.com/office/drawing/2014/main" id="{D85265BE-691D-4964-955C-E2A4A95C7CF9}"/>
+                </a:ext>
+              </a:extLst>
+            </p:cNvPr>
+            <p:cNvSpPr/>
+            <p:nvPr/>
+          </p:nvSpPr>
+          <p:spPr>
+            <a:xfrm>
+              <a:off x="4644721" y="383979"/>
+              <a:ext cx="1656920" cy="994152"/>
+            </a:xfrm>
+            <a:prstGeom prst="roundRect">
+              <a:avLst>
+                <a:gd name="adj" fmla="val 10000"/>
+              </a:avLst>
+            </a:prstGeom>
+          </p:spPr>
+          <p:style>
+            <a:lnRef idx="2">
+              <a:schemeClr val="dk1">
+                <a:shade val="80000"/>
+                <a:hueOff val="0"/>
+                <a:satOff val="0"/>
+                <a:lumOff val="0"/>
+                <a:alphaOff val="0"/>
+              </a:schemeClr>
+            </a:lnRef>
+            <a:fillRef idx="1">
+              <a:schemeClr val="lt1">
+                <a:hueOff val="0"/>
+                <a:satOff val="0"/>
+                <a:lumOff val="0"/>
+                <a:alphaOff val="0"/>
+              </a:schemeClr>
+            </a:fillRef>
+            <a:effectRef idx="0">
+              <a:schemeClr val="lt1">
+                <a:hueOff val="0"/>
+                <a:satOff val="0"/>
+                <a:lumOff val="0"/>
+                <a:alphaOff val="0"/>
+              </a:schemeClr>
+            </a:effectRef>
+            <a:fontRef idx="minor">
+              <a:schemeClr val="dk1">
+                <a:hueOff val="0"/>
+                <a:satOff val="0"/>
+                <a:lumOff val="0"/>
+                <a:alphaOff val="0"/>
+              </a:schemeClr>
+            </a:fontRef>
+          </p:style>
+        </p:sp>
+        <p:sp>
+          <p:nvSpPr>
+            <p:cNvPr id="84" name="Rectangle: Rounded Corners 4">
+              <a:extLst>
+                <a:ext uri="{FF2B5EF4-FFF2-40B4-BE49-F238E27FC236}">
+                  <a16:creationId xmlns:a16="http://schemas.microsoft.com/office/drawing/2014/main" id="{07F72F52-367A-4739-B9C7-10074B2DC711}"/>
+                </a:ext>
+              </a:extLst>
+            </p:cNvPr>
+            <p:cNvSpPr txBox="1"/>
+            <p:nvPr/>
+          </p:nvSpPr>
+          <p:spPr>
+            <a:xfrm>
+              <a:off x="4685062" y="398977"/>
+              <a:ext cx="1598684" cy="935916"/>
+            </a:xfrm>
+            <a:prstGeom prst="rect">
+              <a:avLst/>
+            </a:prstGeom>
+          </p:spPr>
+          <p:style>
+            <a:lnRef idx="0">
+              <a:scrgbClr r="0" g="0" b="0"/>
+            </a:lnRef>
+            <a:fillRef idx="0">
+              <a:scrgbClr r="0" g="0" b="0"/>
+            </a:fillRef>
+            <a:effectRef idx="0">
+              <a:scrgbClr r="0" g="0" b="0"/>
+            </a:effectRef>
+            <a:fontRef idx="minor">
+              <a:schemeClr val="dk1">
+                <a:hueOff val="0"/>
+                <a:satOff val="0"/>
+                <a:lumOff val="0"/>
+                <a:alphaOff val="0"/>
+              </a:schemeClr>
+            </a:fontRef>
+          </p:style>
+          <p:txBody>
+            <a:bodyPr spcFirstLastPara="0" vert="horz" wrap="square" lIns="45720" tIns="45720" rIns="45720" bIns="45720" numCol="1" spcCol="1270" anchor="ctr" anchorCtr="0">
+              <a:noAutofit/>
+            </a:bodyPr>
+            <a:lstStyle/>
+            <a:p>
+              <a:pPr marL="0" lvl="0" indent="0" algn="ctr" defTabSz="533400">
+                <a:lnSpc>
+                  <a:spcPct val="90000"/>
+                </a:lnSpc>
+                <a:spcBef>
+                  <a:spcPct val="0"/>
+                </a:spcBef>
+                <a:spcAft>
+                  <a:spcPct val="35000"/>
+                </a:spcAft>
+                <a:buNone/>
+              </a:pPr>
+              <a:r>
+                <a:rPr lang="en-US" sz="1400" kern="1200" dirty="0"/>
+                <a:t>Modulation</a:t>
+              </a:r>
+            </a:p>
+          </p:txBody>
+        </p:sp>
+      </p:grpSp>
+      <p:cxnSp>
+        <p:nvCxnSpPr>
+          <p:cNvPr id="85" name="Straight Arrow Connector 84">
+            <a:extLst>
+              <a:ext uri="{FF2B5EF4-FFF2-40B4-BE49-F238E27FC236}">
+                <a16:creationId xmlns:a16="http://schemas.microsoft.com/office/drawing/2014/main" id="{69563D02-2544-4856-8823-3EF83FBCA201}"/>
+              </a:ext>
+            </a:extLst>
+          </p:cNvPr>
+          <p:cNvCxnSpPr>
+            <a:cxnSpLocks/>
+            <a:stCxn id="80" idx="3"/>
+            <a:endCxn id="83" idx="1"/>
+          </p:cNvCxnSpPr>
+          <p:nvPr/>
+        </p:nvCxnSpPr>
+        <p:spPr>
+          <a:xfrm flipV="1">
+            <a:off x="6284451" y="2052810"/>
+            <a:ext cx="536370" cy="10098"/>
+          </a:xfrm>
+          <a:prstGeom prst="straightConnector1">
+            <a:avLst/>
+          </a:prstGeom>
+          <a:ln>
+            <a:tailEnd type="triangle"/>
+          </a:ln>
+        </p:spPr>
+        <p:style>
+          <a:lnRef idx="1">
+            <a:schemeClr val="dk1"/>
+          </a:lnRef>
+          <a:fillRef idx="0">
+            <a:schemeClr val="dk1"/>
+          </a:fillRef>
+          <a:effectRef idx="0">
+            <a:schemeClr val="dk1"/>
+          </a:effectRef>
+          <a:fontRef idx="minor">
+            <a:schemeClr val="tx1"/>
+          </a:fontRef>
+        </p:style>
+      </p:cxnSp>
+      <p:grpSp>
+        <p:nvGrpSpPr>
+          <p:cNvPr id="86" name="Group 85">
+            <a:extLst>
+              <a:ext uri="{FF2B5EF4-FFF2-40B4-BE49-F238E27FC236}">
+                <a16:creationId xmlns:a16="http://schemas.microsoft.com/office/drawing/2014/main" id="{9CA00CAC-3499-4E30-B471-2A5DF96F43B0}"/>
+              </a:ext>
+            </a:extLst>
+          </p:cNvPr>
+          <p:cNvGrpSpPr/>
+          <p:nvPr/>
+        </p:nvGrpSpPr>
+        <p:grpSpPr>
+          <a:xfrm>
+            <a:off x="7226741" y="2941235"/>
+            <a:ext cx="1215000" cy="742500"/>
+            <a:chOff x="6964410" y="383979"/>
+            <a:chExt cx="1656920" cy="994152"/>
+          </a:xfrm>
+        </p:grpSpPr>
+        <p:sp>
+          <p:nvSpPr>
+            <p:cNvPr id="87" name="Rectangle: Rounded Corners 86">
+              <a:extLst>
+                <a:ext uri="{FF2B5EF4-FFF2-40B4-BE49-F238E27FC236}">
+                  <a16:creationId xmlns:a16="http://schemas.microsoft.com/office/drawing/2014/main" id="{19347242-BDBA-4585-A1A1-99D7523A647D}"/>
+                </a:ext>
+              </a:extLst>
+            </p:cNvPr>
+            <p:cNvSpPr/>
+            <p:nvPr/>
+          </p:nvSpPr>
+          <p:spPr>
+            <a:xfrm>
+              <a:off x="6964410" y="383979"/>
+              <a:ext cx="1656920" cy="994152"/>
+            </a:xfrm>
+            <a:prstGeom prst="roundRect">
+              <a:avLst>
+                <a:gd name="adj" fmla="val 10000"/>
+              </a:avLst>
+            </a:prstGeom>
+          </p:spPr>
+          <p:style>
+            <a:lnRef idx="2">
+              <a:schemeClr val="dk1">
+                <a:shade val="80000"/>
+                <a:hueOff val="0"/>
+                <a:satOff val="0"/>
+                <a:lumOff val="0"/>
+                <a:alphaOff val="0"/>
+              </a:schemeClr>
+            </a:lnRef>
+            <a:fillRef idx="1">
+              <a:schemeClr val="lt1">
+                <a:hueOff val="0"/>
+                <a:satOff val="0"/>
+                <a:lumOff val="0"/>
+                <a:alphaOff val="0"/>
+              </a:schemeClr>
+            </a:fillRef>
+            <a:effectRef idx="0">
+              <a:schemeClr val="lt1">
+                <a:hueOff val="0"/>
+                <a:satOff val="0"/>
+                <a:lumOff val="0"/>
+                <a:alphaOff val="0"/>
+              </a:schemeClr>
+            </a:effectRef>
+            <a:fontRef idx="minor">
+              <a:schemeClr val="dk1">
+                <a:hueOff val="0"/>
+                <a:satOff val="0"/>
+                <a:lumOff val="0"/>
+                <a:alphaOff val="0"/>
+              </a:schemeClr>
+            </a:fontRef>
+          </p:style>
+        </p:sp>
+        <p:sp>
+          <p:nvSpPr>
+            <p:cNvPr id="88" name="Rectangle: Rounded Corners 4">
+              <a:extLst>
+                <a:ext uri="{FF2B5EF4-FFF2-40B4-BE49-F238E27FC236}">
+                  <a16:creationId xmlns:a16="http://schemas.microsoft.com/office/drawing/2014/main" id="{D50877AC-C574-4C04-A648-F26CD289522A}"/>
+                </a:ext>
+              </a:extLst>
+            </p:cNvPr>
+            <p:cNvSpPr txBox="1"/>
+            <p:nvPr/>
+          </p:nvSpPr>
+          <p:spPr>
+            <a:xfrm>
+              <a:off x="6993528" y="413097"/>
+              <a:ext cx="1598684" cy="935916"/>
+            </a:xfrm>
+            <a:prstGeom prst="rect">
+              <a:avLst/>
+            </a:prstGeom>
+          </p:spPr>
+          <p:style>
+            <a:lnRef idx="0">
+              <a:scrgbClr r="0" g="0" b="0"/>
+            </a:lnRef>
+            <a:fillRef idx="0">
+              <a:scrgbClr r="0" g="0" b="0"/>
+            </a:fillRef>
+            <a:effectRef idx="0">
+              <a:scrgbClr r="0" g="0" b="0"/>
+            </a:effectRef>
+            <a:fontRef idx="minor">
+              <a:schemeClr val="dk1">
+                <a:hueOff val="0"/>
+                <a:satOff val="0"/>
+                <a:lumOff val="0"/>
+                <a:alphaOff val="0"/>
+              </a:schemeClr>
+            </a:fontRef>
+          </p:style>
+          <p:txBody>
+            <a:bodyPr spcFirstLastPara="0" vert="horz" wrap="square" lIns="76200" tIns="76200" rIns="76200" bIns="76200" numCol="1" spcCol="1270" anchor="ctr" anchorCtr="0">
+              <a:noAutofit/>
+            </a:bodyPr>
+            <a:lstStyle/>
+            <a:p>
+              <a:pPr marL="0" lvl="0" indent="0" algn="ctr" defTabSz="889000">
+                <a:lnSpc>
+                  <a:spcPct val="90000"/>
+                </a:lnSpc>
+                <a:spcBef>
+                  <a:spcPct val="0"/>
+                </a:spcBef>
+                <a:spcAft>
+                  <a:spcPct val="35000"/>
+                </a:spcAft>
+                <a:buNone/>
+              </a:pPr>
+              <a:r>
+                <a:rPr lang="en-US" sz="1400" kern="1200" dirty="0"/>
+                <a:t>Pulse Shape Filtering – Upsampling</a:t>
+              </a:r>
+            </a:p>
+          </p:txBody>
+        </p:sp>
+      </p:grpSp>
+      <p:grpSp>
+        <p:nvGrpSpPr>
+          <p:cNvPr id="89" name="Group 88">
+            <a:extLst>
+              <a:ext uri="{FF2B5EF4-FFF2-40B4-BE49-F238E27FC236}">
+                <a16:creationId xmlns:a16="http://schemas.microsoft.com/office/drawing/2014/main" id="{3C7ACBAD-8023-486B-940F-33A7B3F34C68}"/>
+              </a:ext>
+            </a:extLst>
+          </p:cNvPr>
+          <p:cNvGrpSpPr/>
+          <p:nvPr/>
+        </p:nvGrpSpPr>
+        <p:grpSpPr>
+          <a:xfrm>
+            <a:off x="5686627" y="2938430"/>
+            <a:ext cx="1242693" cy="745614"/>
+            <a:chOff x="9284098" y="383979"/>
+            <a:chExt cx="1656920" cy="994152"/>
+          </a:xfrm>
+        </p:grpSpPr>
+        <p:sp>
+          <p:nvSpPr>
+            <p:cNvPr id="90" name="Rectangle: Rounded Corners 89">
+              <a:extLst>
+                <a:ext uri="{FF2B5EF4-FFF2-40B4-BE49-F238E27FC236}">
+                  <a16:creationId xmlns:a16="http://schemas.microsoft.com/office/drawing/2014/main" id="{85F5F68F-5F28-4DBD-9F54-C9E2287ADD47}"/>
+                </a:ext>
+              </a:extLst>
+            </p:cNvPr>
+            <p:cNvSpPr/>
+            <p:nvPr/>
+          </p:nvSpPr>
+          <p:spPr>
+            <a:xfrm>
+              <a:off x="9284098" y="383979"/>
+              <a:ext cx="1656920" cy="994152"/>
+            </a:xfrm>
+            <a:prstGeom prst="roundRect">
+              <a:avLst>
+                <a:gd name="adj" fmla="val 10000"/>
+              </a:avLst>
+            </a:prstGeom>
+          </p:spPr>
+          <p:style>
+            <a:lnRef idx="2">
+              <a:schemeClr val="dk1">
+                <a:shade val="80000"/>
+                <a:hueOff val="0"/>
+                <a:satOff val="0"/>
+                <a:lumOff val="0"/>
+                <a:alphaOff val="0"/>
+              </a:schemeClr>
+            </a:lnRef>
+            <a:fillRef idx="1">
+              <a:schemeClr val="lt1">
+                <a:hueOff val="0"/>
+                <a:satOff val="0"/>
+                <a:lumOff val="0"/>
+                <a:alphaOff val="0"/>
+              </a:schemeClr>
+            </a:fillRef>
+            <a:effectRef idx="0">
+              <a:schemeClr val="lt1">
+                <a:hueOff val="0"/>
+                <a:satOff val="0"/>
+                <a:lumOff val="0"/>
+                <a:alphaOff val="0"/>
+              </a:schemeClr>
+            </a:effectRef>
+            <a:fontRef idx="minor">
+              <a:schemeClr val="dk1">
+                <a:hueOff val="0"/>
+                <a:satOff val="0"/>
+                <a:lumOff val="0"/>
+                <a:alphaOff val="0"/>
+              </a:schemeClr>
+            </a:fontRef>
+          </p:style>
+        </p:sp>
+        <p:sp>
+          <p:nvSpPr>
+            <p:cNvPr id="91" name="Rectangle: Rounded Corners 4">
+              <a:extLst>
+                <a:ext uri="{FF2B5EF4-FFF2-40B4-BE49-F238E27FC236}">
+                  <a16:creationId xmlns:a16="http://schemas.microsoft.com/office/drawing/2014/main" id="{A5540A38-B274-4A81-A7BC-3FA4C06C94F9}"/>
+                </a:ext>
+              </a:extLst>
+            </p:cNvPr>
+            <p:cNvSpPr txBox="1"/>
+            <p:nvPr/>
+          </p:nvSpPr>
+          <p:spPr>
+            <a:xfrm>
+              <a:off x="9313217" y="413098"/>
+              <a:ext cx="1598684" cy="935916"/>
+            </a:xfrm>
+            <a:prstGeom prst="rect">
+              <a:avLst/>
+            </a:prstGeom>
+          </p:spPr>
+          <p:style>
+            <a:lnRef idx="0">
+              <a:scrgbClr r="0" g="0" b="0"/>
+            </a:lnRef>
+            <a:fillRef idx="0">
+              <a:scrgbClr r="0" g="0" b="0"/>
+            </a:fillRef>
+            <a:effectRef idx="0">
+              <a:scrgbClr r="0" g="0" b="0"/>
+            </a:effectRef>
+            <a:fontRef idx="minor">
+              <a:schemeClr val="dk1">
+                <a:hueOff val="0"/>
+                <a:satOff val="0"/>
+                <a:lumOff val="0"/>
+                <a:alphaOff val="0"/>
+              </a:schemeClr>
+            </a:fontRef>
+          </p:style>
+          <p:txBody>
+            <a:bodyPr spcFirstLastPara="0" vert="horz" wrap="square" lIns="76200" tIns="76200" rIns="76200" bIns="76200" numCol="1" spcCol="1270" anchor="ctr" anchorCtr="0">
+              <a:noAutofit/>
+            </a:bodyPr>
+            <a:lstStyle/>
+            <a:p>
+              <a:pPr marL="0" lvl="0" indent="0" algn="ctr" defTabSz="889000">
+                <a:lnSpc>
+                  <a:spcPct val="90000"/>
+                </a:lnSpc>
+                <a:spcBef>
+                  <a:spcPct val="0"/>
+                </a:spcBef>
+                <a:spcAft>
+                  <a:spcPct val="35000"/>
+                </a:spcAft>
+                <a:buNone/>
+              </a:pPr>
+              <a:r>
+                <a:rPr lang="en-US" sz="1400" kern="1200" dirty="0"/>
+                <a:t>Add Chromatic Dispersion</a:t>
+              </a:r>
+            </a:p>
+          </p:txBody>
+        </p:sp>
+      </p:grpSp>
+      <p:sp>
+        <p:nvSpPr>
+          <p:cNvPr id="92" name="TextBox 91">
+            <a:extLst>
+              <a:ext uri="{FF2B5EF4-FFF2-40B4-BE49-F238E27FC236}">
+                <a16:creationId xmlns:a16="http://schemas.microsoft.com/office/drawing/2014/main" id="{359C21CC-8E99-477E-AAE5-DAFD8055199F}"/>
+              </a:ext>
+            </a:extLst>
+          </p:cNvPr>
+          <p:cNvSpPr txBox="1"/>
+          <p:nvPr/>
+        </p:nvSpPr>
+        <p:spPr>
+          <a:xfrm>
+            <a:off x="4269439" y="1403039"/>
+            <a:ext cx="2913625" cy="307777"/>
+          </a:xfrm>
+          <a:prstGeom prst="rect">
+            <a:avLst/>
+          </a:prstGeom>
+          <a:noFill/>
+        </p:spPr>
+        <p:txBody>
+          <a:bodyPr wrap="square" rtlCol="0">
+            <a:spAutoFit/>
+          </a:bodyPr>
+          <a:lstStyle/>
+          <a:p>
+            <a:r>
+              <a:rPr lang="en-US" sz="1400" b="1" dirty="0"/>
+              <a:t>Electrical Domain  -  Transmitter</a:t>
+            </a:r>
+          </a:p>
+        </p:txBody>
+      </p:sp>
+      <p:grpSp>
+        <p:nvGrpSpPr>
+          <p:cNvPr id="93" name="Group 92">
+            <a:extLst>
+              <a:ext uri="{FF2B5EF4-FFF2-40B4-BE49-F238E27FC236}">
+                <a16:creationId xmlns:a16="http://schemas.microsoft.com/office/drawing/2014/main" id="{56811278-D55A-43FE-9DB8-7F1DF47B1B0E}"/>
+              </a:ext>
+            </a:extLst>
+          </p:cNvPr>
+          <p:cNvGrpSpPr/>
+          <p:nvPr/>
+        </p:nvGrpSpPr>
+        <p:grpSpPr>
+          <a:xfrm>
+            <a:off x="4129479" y="2939956"/>
+            <a:ext cx="1242693" cy="745614"/>
+            <a:chOff x="9284098" y="383979"/>
+            <a:chExt cx="1656920" cy="994152"/>
+          </a:xfrm>
+        </p:grpSpPr>
+        <p:sp>
+          <p:nvSpPr>
+            <p:cNvPr id="94" name="Rectangle: Rounded Corners 93">
+              <a:extLst>
+                <a:ext uri="{FF2B5EF4-FFF2-40B4-BE49-F238E27FC236}">
+                  <a16:creationId xmlns:a16="http://schemas.microsoft.com/office/drawing/2014/main" id="{470B8877-77AF-4ABC-AFDB-09FC3D39C7EB}"/>
+                </a:ext>
+              </a:extLst>
+            </p:cNvPr>
+            <p:cNvSpPr/>
+            <p:nvPr/>
+          </p:nvSpPr>
+          <p:spPr>
+            <a:xfrm>
+              <a:off x="9284098" y="383979"/>
+              <a:ext cx="1656920" cy="994152"/>
+            </a:xfrm>
+            <a:prstGeom prst="roundRect">
+              <a:avLst>
+                <a:gd name="adj" fmla="val 10000"/>
+              </a:avLst>
+            </a:prstGeom>
+          </p:spPr>
+          <p:style>
+            <a:lnRef idx="2">
+              <a:schemeClr val="dk1">
+                <a:shade val="80000"/>
+                <a:hueOff val="0"/>
+                <a:satOff val="0"/>
+                <a:lumOff val="0"/>
+                <a:alphaOff val="0"/>
+              </a:schemeClr>
+            </a:lnRef>
+            <a:fillRef idx="1">
+              <a:schemeClr val="lt1">
+                <a:hueOff val="0"/>
+                <a:satOff val="0"/>
+                <a:lumOff val="0"/>
+                <a:alphaOff val="0"/>
+              </a:schemeClr>
+            </a:fillRef>
+            <a:effectRef idx="0">
+              <a:schemeClr val="lt1">
+                <a:hueOff val="0"/>
+                <a:satOff val="0"/>
+                <a:lumOff val="0"/>
+                <a:alphaOff val="0"/>
+              </a:schemeClr>
+            </a:effectRef>
+            <a:fontRef idx="minor">
+              <a:schemeClr val="dk1">
+                <a:hueOff val="0"/>
+                <a:satOff val="0"/>
+                <a:lumOff val="0"/>
+                <a:alphaOff val="0"/>
+              </a:schemeClr>
+            </a:fontRef>
+          </p:style>
+        </p:sp>
+        <p:sp>
+          <p:nvSpPr>
+            <p:cNvPr id="95" name="Rectangle: Rounded Corners 4">
+              <a:extLst>
+                <a:ext uri="{FF2B5EF4-FFF2-40B4-BE49-F238E27FC236}">
+                  <a16:creationId xmlns:a16="http://schemas.microsoft.com/office/drawing/2014/main" id="{059F6CCF-201A-4B5A-8978-04F1FD9F137E}"/>
+                </a:ext>
+              </a:extLst>
+            </p:cNvPr>
+            <p:cNvSpPr txBox="1"/>
+            <p:nvPr/>
+          </p:nvSpPr>
+          <p:spPr>
+            <a:xfrm>
+              <a:off x="9313216" y="413097"/>
+              <a:ext cx="1598684" cy="935916"/>
+            </a:xfrm>
+            <a:prstGeom prst="rect">
+              <a:avLst/>
+            </a:prstGeom>
+          </p:spPr>
+          <p:style>
+            <a:lnRef idx="0">
+              <a:scrgbClr r="0" g="0" b="0"/>
+            </a:lnRef>
+            <a:fillRef idx="0">
+              <a:scrgbClr r="0" g="0" b="0"/>
+            </a:fillRef>
+            <a:effectRef idx="0">
+              <a:scrgbClr r="0" g="0" b="0"/>
+            </a:effectRef>
+            <a:fontRef idx="minor">
+              <a:schemeClr val="dk1">
+                <a:hueOff val="0"/>
+                <a:satOff val="0"/>
+                <a:lumOff val="0"/>
+                <a:alphaOff val="0"/>
+              </a:schemeClr>
+            </a:fontRef>
+          </p:style>
+          <p:txBody>
+            <a:bodyPr spcFirstLastPara="0" vert="horz" wrap="square" lIns="76200" tIns="76200" rIns="76200" bIns="76200" numCol="1" spcCol="1270" anchor="ctr" anchorCtr="0">
+              <a:noAutofit/>
+            </a:bodyPr>
+            <a:lstStyle/>
+            <a:p>
+              <a:pPr marL="0" lvl="0" indent="0" algn="ctr" defTabSz="889000">
+                <a:lnSpc>
+                  <a:spcPct val="90000"/>
+                </a:lnSpc>
+                <a:spcBef>
+                  <a:spcPct val="0"/>
+                </a:spcBef>
+                <a:spcAft>
+                  <a:spcPct val="35000"/>
+                </a:spcAft>
+                <a:buNone/>
+              </a:pPr>
+              <a:r>
+                <a:rPr lang="en-US" sz="1400" kern="1200" dirty="0"/>
+                <a:t>Add AWGN</a:t>
+              </a:r>
+            </a:p>
+          </p:txBody>
+        </p:sp>
+      </p:grpSp>
+      <p:grpSp>
+        <p:nvGrpSpPr>
+          <p:cNvPr id="96" name="Group 95">
+            <a:extLst>
+              <a:ext uri="{FF2B5EF4-FFF2-40B4-BE49-F238E27FC236}">
+                <a16:creationId xmlns:a16="http://schemas.microsoft.com/office/drawing/2014/main" id="{020F4A22-A997-4B28-853B-3139D8595A77}"/>
+              </a:ext>
+            </a:extLst>
+          </p:cNvPr>
+          <p:cNvGrpSpPr/>
+          <p:nvPr/>
+        </p:nvGrpSpPr>
+        <p:grpSpPr>
+          <a:xfrm>
+            <a:off x="2577593" y="2939128"/>
+            <a:ext cx="1242693" cy="745614"/>
+            <a:chOff x="9284098" y="383979"/>
+            <a:chExt cx="1656920" cy="994152"/>
+          </a:xfrm>
+        </p:grpSpPr>
+        <p:sp>
+          <p:nvSpPr>
+            <p:cNvPr id="97" name="Rectangle: Rounded Corners 96">
+              <a:extLst>
+                <a:ext uri="{FF2B5EF4-FFF2-40B4-BE49-F238E27FC236}">
+                  <a16:creationId xmlns:a16="http://schemas.microsoft.com/office/drawing/2014/main" id="{2C52DE6C-B594-4CB6-9ED5-187CB4EAB49A}"/>
+                </a:ext>
+              </a:extLst>
+            </p:cNvPr>
+            <p:cNvSpPr/>
+            <p:nvPr/>
+          </p:nvSpPr>
+          <p:spPr>
+            <a:xfrm>
+              <a:off x="9284098" y="383979"/>
+              <a:ext cx="1656920" cy="994152"/>
+            </a:xfrm>
+            <a:prstGeom prst="roundRect">
+              <a:avLst>
+                <a:gd name="adj" fmla="val 10000"/>
+              </a:avLst>
+            </a:prstGeom>
+          </p:spPr>
+          <p:style>
+            <a:lnRef idx="2">
+              <a:schemeClr val="dk1">
+                <a:shade val="80000"/>
+                <a:hueOff val="0"/>
+                <a:satOff val="0"/>
+                <a:lumOff val="0"/>
+                <a:alphaOff val="0"/>
+              </a:schemeClr>
+            </a:lnRef>
+            <a:fillRef idx="1">
+              <a:schemeClr val="lt1">
+                <a:hueOff val="0"/>
+                <a:satOff val="0"/>
+                <a:lumOff val="0"/>
+                <a:alphaOff val="0"/>
+              </a:schemeClr>
+            </a:fillRef>
+            <a:effectRef idx="0">
+              <a:schemeClr val="lt1">
+                <a:hueOff val="0"/>
+                <a:satOff val="0"/>
+                <a:lumOff val="0"/>
+                <a:alphaOff val="0"/>
+              </a:schemeClr>
+            </a:effectRef>
+            <a:fontRef idx="minor">
+              <a:schemeClr val="dk1">
+                <a:hueOff val="0"/>
+                <a:satOff val="0"/>
+                <a:lumOff val="0"/>
+                <a:alphaOff val="0"/>
+              </a:schemeClr>
+            </a:fontRef>
+          </p:style>
+        </p:sp>
+        <p:sp>
+          <p:nvSpPr>
+            <p:cNvPr id="98" name="Rectangle: Rounded Corners 4">
+              <a:extLst>
+                <a:ext uri="{FF2B5EF4-FFF2-40B4-BE49-F238E27FC236}">
+                  <a16:creationId xmlns:a16="http://schemas.microsoft.com/office/drawing/2014/main" id="{38E653A7-1C11-4F6E-88F1-0353981A05C7}"/>
+                </a:ext>
+              </a:extLst>
+            </p:cNvPr>
+            <p:cNvSpPr txBox="1"/>
+            <p:nvPr/>
+          </p:nvSpPr>
+          <p:spPr>
+            <a:xfrm>
+              <a:off x="9313216" y="413097"/>
+              <a:ext cx="1598684" cy="935916"/>
+            </a:xfrm>
+            <a:prstGeom prst="rect">
+              <a:avLst/>
+            </a:prstGeom>
+          </p:spPr>
+          <p:style>
+            <a:lnRef idx="0">
+              <a:scrgbClr r="0" g="0" b="0"/>
+            </a:lnRef>
+            <a:fillRef idx="0">
+              <a:scrgbClr r="0" g="0" b="0"/>
+            </a:fillRef>
+            <a:effectRef idx="0">
+              <a:scrgbClr r="0" g="0" b="0"/>
+            </a:effectRef>
+            <a:fontRef idx="minor">
+              <a:schemeClr val="dk1">
+                <a:hueOff val="0"/>
+                <a:satOff val="0"/>
+                <a:lumOff val="0"/>
+                <a:alphaOff val="0"/>
+              </a:schemeClr>
+            </a:fontRef>
+          </p:style>
+          <p:txBody>
+            <a:bodyPr spcFirstLastPara="0" vert="horz" wrap="square" lIns="76200" tIns="76200" rIns="76200" bIns="76200" numCol="1" spcCol="1270" anchor="ctr" anchorCtr="0">
+              <a:noAutofit/>
+            </a:bodyPr>
+            <a:lstStyle/>
+            <a:p>
+              <a:pPr marL="0" lvl="0" indent="0" algn="ctr" defTabSz="889000">
+                <a:lnSpc>
+                  <a:spcPct val="90000"/>
+                </a:lnSpc>
+                <a:spcBef>
+                  <a:spcPct val="0"/>
+                </a:spcBef>
+                <a:spcAft>
+                  <a:spcPct val="35000"/>
+                </a:spcAft>
+                <a:buNone/>
+              </a:pPr>
+              <a:r>
+                <a:rPr lang="en-US" sz="1400" kern="1200" dirty="0"/>
+                <a:t>Add Phase Noise</a:t>
+              </a:r>
+            </a:p>
+          </p:txBody>
+        </p:sp>
+      </p:grpSp>
+      <p:cxnSp>
+        <p:nvCxnSpPr>
+          <p:cNvPr id="99" name="Straight Arrow Connector 98">
+            <a:extLst>
+              <a:ext uri="{FF2B5EF4-FFF2-40B4-BE49-F238E27FC236}">
+                <a16:creationId xmlns:a16="http://schemas.microsoft.com/office/drawing/2014/main" id="{018DD4C9-EDDB-4260-A91A-58FD421F4665}"/>
+              </a:ext>
+            </a:extLst>
+          </p:cNvPr>
+          <p:cNvCxnSpPr>
+            <a:cxnSpLocks/>
+            <a:stCxn id="87" idx="1"/>
+            <a:endCxn id="90" idx="3"/>
+          </p:cNvCxnSpPr>
+          <p:nvPr/>
+        </p:nvCxnSpPr>
+        <p:spPr>
+          <a:xfrm flipH="1" flipV="1">
+            <a:off x="6929320" y="3311237"/>
+            <a:ext cx="297421" cy="1248"/>
+          </a:xfrm>
+          <a:prstGeom prst="straightConnector1">
+            <a:avLst/>
+          </a:prstGeom>
+          <a:ln>
+            <a:tailEnd type="triangle"/>
+          </a:ln>
+        </p:spPr>
+        <p:style>
+          <a:lnRef idx="1">
+            <a:schemeClr val="dk1"/>
+          </a:lnRef>
+          <a:fillRef idx="0">
+            <a:schemeClr val="dk1"/>
+          </a:fillRef>
+          <a:effectRef idx="0">
+            <a:schemeClr val="dk1"/>
+          </a:effectRef>
+          <a:fontRef idx="minor">
+            <a:schemeClr val="tx1"/>
+          </a:fontRef>
+        </p:style>
+      </p:cxnSp>
+      <p:cxnSp>
+        <p:nvCxnSpPr>
+          <p:cNvPr id="100" name="Straight Arrow Connector 99">
+            <a:extLst>
+              <a:ext uri="{FF2B5EF4-FFF2-40B4-BE49-F238E27FC236}">
+                <a16:creationId xmlns:a16="http://schemas.microsoft.com/office/drawing/2014/main" id="{94B43F19-27FD-4FD8-9200-E4887A0AA977}"/>
+              </a:ext>
+            </a:extLst>
+          </p:cNvPr>
+          <p:cNvCxnSpPr>
+            <a:cxnSpLocks/>
+            <a:stCxn id="94" idx="1"/>
+            <a:endCxn id="97" idx="3"/>
+          </p:cNvCxnSpPr>
+          <p:nvPr/>
+        </p:nvCxnSpPr>
+        <p:spPr>
+          <a:xfrm flipH="1" flipV="1">
+            <a:off x="3820286" y="3311935"/>
+            <a:ext cx="309193" cy="828"/>
+          </a:xfrm>
+          <a:prstGeom prst="straightConnector1">
+            <a:avLst/>
+          </a:prstGeom>
+          <a:ln>
+            <a:tailEnd type="triangle"/>
+          </a:ln>
+        </p:spPr>
+        <p:style>
+          <a:lnRef idx="1">
+            <a:schemeClr val="dk1"/>
+          </a:lnRef>
+          <a:fillRef idx="0">
+            <a:schemeClr val="dk1"/>
+          </a:fillRef>
+          <a:effectRef idx="0">
+            <a:schemeClr val="dk1"/>
+          </a:effectRef>
+          <a:fontRef idx="minor">
+            <a:schemeClr val="tx1"/>
+          </a:fontRef>
+        </p:style>
+      </p:cxnSp>
+      <p:grpSp>
+        <p:nvGrpSpPr>
+          <p:cNvPr id="101" name="Group 100">
+            <a:extLst>
+              <a:ext uri="{FF2B5EF4-FFF2-40B4-BE49-F238E27FC236}">
+                <a16:creationId xmlns:a16="http://schemas.microsoft.com/office/drawing/2014/main" id="{AFE1345E-1EA3-40D1-BA12-0CACD7F88FD7}"/>
+              </a:ext>
+            </a:extLst>
+          </p:cNvPr>
+          <p:cNvGrpSpPr/>
+          <p:nvPr/>
+        </p:nvGrpSpPr>
+        <p:grpSpPr>
+          <a:xfrm>
+            <a:off x="6831034" y="4487313"/>
+            <a:ext cx="1242693" cy="745614"/>
+            <a:chOff x="2325033" y="2040899"/>
+            <a:chExt cx="1656920" cy="994152"/>
+          </a:xfrm>
+        </p:grpSpPr>
+        <p:sp>
+          <p:nvSpPr>
+            <p:cNvPr id="102" name="Rectangle: Rounded Corners 101">
+              <a:extLst>
+                <a:ext uri="{FF2B5EF4-FFF2-40B4-BE49-F238E27FC236}">
+                  <a16:creationId xmlns:a16="http://schemas.microsoft.com/office/drawing/2014/main" id="{726197FE-76DE-49A4-A291-710727FB588B}"/>
+                </a:ext>
+              </a:extLst>
+            </p:cNvPr>
+            <p:cNvSpPr/>
+            <p:nvPr/>
+          </p:nvSpPr>
+          <p:spPr>
+            <a:xfrm>
+              <a:off x="2325033" y="2040899"/>
+              <a:ext cx="1656920" cy="994152"/>
+            </a:xfrm>
+            <a:prstGeom prst="roundRect">
+              <a:avLst>
+                <a:gd name="adj" fmla="val 10000"/>
+              </a:avLst>
+            </a:prstGeom>
+          </p:spPr>
+          <p:style>
+            <a:lnRef idx="2">
+              <a:schemeClr val="dk1">
+                <a:shade val="80000"/>
+                <a:hueOff val="0"/>
+                <a:satOff val="0"/>
+                <a:lumOff val="0"/>
+                <a:alphaOff val="0"/>
+              </a:schemeClr>
+            </a:lnRef>
+            <a:fillRef idx="1">
+              <a:schemeClr val="lt1">
+                <a:hueOff val="0"/>
+                <a:satOff val="0"/>
+                <a:lumOff val="0"/>
+                <a:alphaOff val="0"/>
+              </a:schemeClr>
+            </a:fillRef>
+            <a:effectRef idx="0">
+              <a:schemeClr val="lt1">
+                <a:hueOff val="0"/>
+                <a:satOff val="0"/>
+                <a:lumOff val="0"/>
+                <a:alphaOff val="0"/>
+              </a:schemeClr>
+            </a:effectRef>
+            <a:fontRef idx="minor">
+              <a:schemeClr val="dk1">
+                <a:hueOff val="0"/>
+                <a:satOff val="0"/>
+                <a:lumOff val="0"/>
+                <a:alphaOff val="0"/>
+              </a:schemeClr>
+            </a:fontRef>
+          </p:style>
+        </p:sp>
+        <p:sp>
+          <p:nvSpPr>
+            <p:cNvPr id="103" name="Rectangle: Rounded Corners 4">
+              <a:extLst>
+                <a:ext uri="{FF2B5EF4-FFF2-40B4-BE49-F238E27FC236}">
+                  <a16:creationId xmlns:a16="http://schemas.microsoft.com/office/drawing/2014/main" id="{D16D5513-538F-4616-807E-A5B57306923A}"/>
+                </a:ext>
+              </a:extLst>
+            </p:cNvPr>
+            <p:cNvSpPr txBox="1"/>
+            <p:nvPr/>
+          </p:nvSpPr>
+          <p:spPr>
+            <a:xfrm>
+              <a:off x="2354151" y="2070017"/>
+              <a:ext cx="1598684" cy="935916"/>
+            </a:xfrm>
+            <a:prstGeom prst="rect">
+              <a:avLst/>
+            </a:prstGeom>
+          </p:spPr>
+          <p:style>
+            <a:lnRef idx="0">
+              <a:scrgbClr r="0" g="0" b="0"/>
+            </a:lnRef>
+            <a:fillRef idx="0">
+              <a:scrgbClr r="0" g="0" b="0"/>
+            </a:fillRef>
+            <a:effectRef idx="0">
+              <a:scrgbClr r="0" g="0" b="0"/>
+            </a:effectRef>
+            <a:fontRef idx="minor">
+              <a:schemeClr val="dk1">
+                <a:hueOff val="0"/>
+                <a:satOff val="0"/>
+                <a:lumOff val="0"/>
+                <a:alphaOff val="0"/>
+              </a:schemeClr>
+            </a:fontRef>
+          </p:style>
+          <p:txBody>
+            <a:bodyPr spcFirstLastPara="0" vert="horz" wrap="square" lIns="60960" tIns="60960" rIns="60960" bIns="60960" numCol="1" spcCol="1270" anchor="ctr" anchorCtr="0">
+              <a:noAutofit/>
+            </a:bodyPr>
+            <a:lstStyle/>
+            <a:p>
+              <a:pPr marL="0" lvl="0" indent="0" algn="ctr" defTabSz="711200">
+                <a:lnSpc>
+                  <a:spcPct val="90000"/>
+                </a:lnSpc>
+                <a:spcBef>
+                  <a:spcPct val="0"/>
+                </a:spcBef>
+                <a:spcAft>
+                  <a:spcPct val="35000"/>
+                </a:spcAft>
+                <a:buNone/>
+              </a:pPr>
+              <a:r>
+                <a:rPr lang="en-US" sz="1400" kern="1200" dirty="0"/>
+                <a:t>Carrier Down-sampling Selection</a:t>
+              </a:r>
+            </a:p>
+          </p:txBody>
+        </p:sp>
+      </p:grpSp>
+      <p:grpSp>
+        <p:nvGrpSpPr>
+          <p:cNvPr id="104" name="Group 103">
+            <a:extLst>
+              <a:ext uri="{FF2B5EF4-FFF2-40B4-BE49-F238E27FC236}">
+                <a16:creationId xmlns:a16="http://schemas.microsoft.com/office/drawing/2014/main" id="{CC901026-4C49-4237-997E-237A432144EF}"/>
+              </a:ext>
+            </a:extLst>
+          </p:cNvPr>
+          <p:cNvGrpSpPr/>
+          <p:nvPr/>
+        </p:nvGrpSpPr>
+        <p:grpSpPr>
+          <a:xfrm>
+            <a:off x="3359231" y="4479802"/>
+            <a:ext cx="1372283" cy="745614"/>
+            <a:chOff x="4644721" y="2040899"/>
+            <a:chExt cx="1656920" cy="994152"/>
+          </a:xfrm>
+        </p:grpSpPr>
+        <p:sp>
+          <p:nvSpPr>
+            <p:cNvPr id="105" name="Rectangle: Rounded Corners 104">
+              <a:extLst>
+                <a:ext uri="{FF2B5EF4-FFF2-40B4-BE49-F238E27FC236}">
+                  <a16:creationId xmlns:a16="http://schemas.microsoft.com/office/drawing/2014/main" id="{0C35B2C1-C34A-4C48-A8F0-895FBF726507}"/>
+                </a:ext>
+              </a:extLst>
+            </p:cNvPr>
+            <p:cNvSpPr/>
+            <p:nvPr/>
+          </p:nvSpPr>
+          <p:spPr>
+            <a:xfrm>
+              <a:off x="4644721" y="2040899"/>
+              <a:ext cx="1656920" cy="994152"/>
+            </a:xfrm>
+            <a:prstGeom prst="roundRect">
+              <a:avLst>
+                <a:gd name="adj" fmla="val 10000"/>
+              </a:avLst>
+            </a:prstGeom>
+          </p:spPr>
+          <p:style>
+            <a:lnRef idx="2">
+              <a:schemeClr val="dk1">
+                <a:shade val="80000"/>
+                <a:hueOff val="0"/>
+                <a:satOff val="0"/>
+                <a:lumOff val="0"/>
+                <a:alphaOff val="0"/>
+              </a:schemeClr>
+            </a:lnRef>
+            <a:fillRef idx="1">
+              <a:schemeClr val="lt1">
+                <a:hueOff val="0"/>
+                <a:satOff val="0"/>
+                <a:lumOff val="0"/>
+                <a:alphaOff val="0"/>
+              </a:schemeClr>
+            </a:fillRef>
+            <a:effectRef idx="0">
+              <a:schemeClr val="lt1">
+                <a:hueOff val="0"/>
+                <a:satOff val="0"/>
+                <a:lumOff val="0"/>
+                <a:alphaOff val="0"/>
+              </a:schemeClr>
+            </a:effectRef>
+            <a:fontRef idx="minor">
+              <a:schemeClr val="dk1">
+                <a:hueOff val="0"/>
+                <a:satOff val="0"/>
+                <a:lumOff val="0"/>
+                <a:alphaOff val="0"/>
+              </a:schemeClr>
+            </a:fontRef>
+          </p:style>
+        </p:sp>
+        <p:sp>
+          <p:nvSpPr>
+            <p:cNvPr id="106" name="Rectangle: Rounded Corners 4">
+              <a:extLst>
+                <a:ext uri="{FF2B5EF4-FFF2-40B4-BE49-F238E27FC236}">
+                  <a16:creationId xmlns:a16="http://schemas.microsoft.com/office/drawing/2014/main" id="{40F05F3B-37CE-4036-98F8-26414698C0FC}"/>
+                </a:ext>
+              </a:extLst>
+            </p:cNvPr>
+            <p:cNvSpPr txBox="1"/>
+            <p:nvPr/>
+          </p:nvSpPr>
+          <p:spPr>
+            <a:xfrm>
+              <a:off x="4673839" y="2070017"/>
+              <a:ext cx="1598684" cy="935916"/>
+            </a:xfrm>
+            <a:prstGeom prst="rect">
+              <a:avLst/>
+            </a:prstGeom>
+          </p:spPr>
+          <p:style>
+            <a:lnRef idx="0">
+              <a:scrgbClr r="0" g="0" b="0"/>
+            </a:lnRef>
+            <a:fillRef idx="0">
+              <a:scrgbClr r="0" g="0" b="0"/>
+            </a:fillRef>
+            <a:effectRef idx="0">
+              <a:scrgbClr r="0" g="0" b="0"/>
+            </a:effectRef>
+            <a:fontRef idx="minor">
+              <a:schemeClr val="dk1">
+                <a:hueOff val="0"/>
+                <a:satOff val="0"/>
+                <a:lumOff val="0"/>
+                <a:alphaOff val="0"/>
+              </a:schemeClr>
+            </a:fontRef>
+          </p:style>
+          <p:txBody>
+            <a:bodyPr spcFirstLastPara="0" vert="horz" wrap="square" lIns="60960" tIns="60960" rIns="60960" bIns="60960" numCol="1" spcCol="1270" anchor="ctr" anchorCtr="0">
+              <a:noAutofit/>
+            </a:bodyPr>
+            <a:lstStyle/>
+            <a:p>
+              <a:pPr algn="ctr"/>
+              <a:r>
+                <a:rPr lang="en-US" sz="1400" kern="1200" dirty="0">
+                  <a:solidFill>
+                    <a:srgbClr val="000000"/>
+                  </a:solidFill>
+                  <a:effectLst/>
+                  <a:latin typeface="Calibri" panose="020F0502020204030204" pitchFamily="34" charset="0"/>
+                  <a:ea typeface="+mn-ea"/>
+                  <a:cs typeface="+mn-cs"/>
+                </a:rPr>
+                <a:t>Downconverting to 2 samples per symbols</a:t>
+              </a:r>
+              <a:endParaRPr lang="en-GB" sz="1400" dirty="0"/>
+            </a:p>
+          </p:txBody>
+        </p:sp>
+      </p:grpSp>
+      <p:grpSp>
+        <p:nvGrpSpPr>
+          <p:cNvPr id="107" name="Group 106">
+            <a:extLst>
+              <a:ext uri="{FF2B5EF4-FFF2-40B4-BE49-F238E27FC236}">
+                <a16:creationId xmlns:a16="http://schemas.microsoft.com/office/drawing/2014/main" id="{6334A0E0-4E62-44D4-9A4D-58ABEC6AC278}"/>
+              </a:ext>
+            </a:extLst>
+          </p:cNvPr>
+          <p:cNvGrpSpPr/>
+          <p:nvPr/>
+        </p:nvGrpSpPr>
+        <p:grpSpPr>
+          <a:xfrm>
+            <a:off x="5095132" y="4485073"/>
+            <a:ext cx="1372284" cy="745614"/>
+            <a:chOff x="2325033" y="3697819"/>
+            <a:chExt cx="1656920" cy="994152"/>
+          </a:xfrm>
+        </p:grpSpPr>
+        <p:sp>
+          <p:nvSpPr>
+            <p:cNvPr id="108" name="Rectangle: Rounded Corners 107">
+              <a:extLst>
+                <a:ext uri="{FF2B5EF4-FFF2-40B4-BE49-F238E27FC236}">
+                  <a16:creationId xmlns:a16="http://schemas.microsoft.com/office/drawing/2014/main" id="{19FAAC74-ED45-4858-B092-F7D93194BD8D}"/>
+                </a:ext>
+              </a:extLst>
+            </p:cNvPr>
+            <p:cNvSpPr/>
+            <p:nvPr/>
+          </p:nvSpPr>
+          <p:spPr>
+            <a:xfrm>
+              <a:off x="2325033" y="3697819"/>
+              <a:ext cx="1656920" cy="994152"/>
+            </a:xfrm>
+            <a:prstGeom prst="roundRect">
+              <a:avLst>
+                <a:gd name="adj" fmla="val 10000"/>
+              </a:avLst>
+            </a:prstGeom>
+          </p:spPr>
+          <p:style>
+            <a:lnRef idx="2">
+              <a:schemeClr val="dk1">
+                <a:shade val="80000"/>
+                <a:hueOff val="0"/>
+                <a:satOff val="0"/>
+                <a:lumOff val="0"/>
+                <a:alphaOff val="0"/>
+              </a:schemeClr>
+            </a:lnRef>
+            <a:fillRef idx="1">
+              <a:schemeClr val="lt1">
+                <a:hueOff val="0"/>
+                <a:satOff val="0"/>
+                <a:lumOff val="0"/>
+                <a:alphaOff val="0"/>
+              </a:schemeClr>
+            </a:fillRef>
+            <a:effectRef idx="0">
+              <a:schemeClr val="lt1">
+                <a:hueOff val="0"/>
+                <a:satOff val="0"/>
+                <a:lumOff val="0"/>
+                <a:alphaOff val="0"/>
+              </a:schemeClr>
+            </a:effectRef>
+            <a:fontRef idx="minor">
+              <a:schemeClr val="dk1">
+                <a:hueOff val="0"/>
+                <a:satOff val="0"/>
+                <a:lumOff val="0"/>
+                <a:alphaOff val="0"/>
+              </a:schemeClr>
+            </a:fontRef>
+          </p:style>
+        </p:sp>
+        <p:sp>
+          <p:nvSpPr>
+            <p:cNvPr id="109" name="Rectangle: Rounded Corners 4">
+              <a:extLst>
+                <a:ext uri="{FF2B5EF4-FFF2-40B4-BE49-F238E27FC236}">
+                  <a16:creationId xmlns:a16="http://schemas.microsoft.com/office/drawing/2014/main" id="{7960AAB1-A6FA-4940-AC91-92065B8740D5}"/>
+                </a:ext>
+              </a:extLst>
+            </p:cNvPr>
+            <p:cNvSpPr txBox="1"/>
+            <p:nvPr/>
+          </p:nvSpPr>
+          <p:spPr>
+            <a:xfrm>
+              <a:off x="2354151" y="3726937"/>
+              <a:ext cx="1598684" cy="935916"/>
+            </a:xfrm>
+            <a:prstGeom prst="rect">
+              <a:avLst/>
+            </a:prstGeom>
+          </p:spPr>
+          <p:style>
+            <a:lnRef idx="0">
+              <a:scrgbClr r="0" g="0" b="0"/>
+            </a:lnRef>
+            <a:fillRef idx="0">
+              <a:scrgbClr r="0" g="0" b="0"/>
+            </a:fillRef>
+            <a:effectRef idx="0">
+              <a:scrgbClr r="0" g="0" b="0"/>
+            </a:effectRef>
+            <a:fontRef idx="minor">
+              <a:schemeClr val="dk1">
+                <a:hueOff val="0"/>
+                <a:satOff val="0"/>
+                <a:lumOff val="0"/>
+                <a:alphaOff val="0"/>
+              </a:schemeClr>
+            </a:fontRef>
+          </p:style>
+          <p:txBody>
+            <a:bodyPr spcFirstLastPara="0" vert="horz" wrap="square" lIns="68580" tIns="68580" rIns="68580" bIns="68580" numCol="1" spcCol="1270" anchor="ctr" anchorCtr="0">
+              <a:noAutofit/>
+            </a:bodyPr>
+            <a:lstStyle/>
+            <a:p>
+              <a:pPr marL="0" lvl="0" indent="0" algn="ctr" defTabSz="711200">
+                <a:lnSpc>
+                  <a:spcPct val="90000"/>
+                </a:lnSpc>
+                <a:spcBef>
+                  <a:spcPct val="0"/>
+                </a:spcBef>
+                <a:spcAft>
+                  <a:spcPct val="35000"/>
+                </a:spcAft>
+                <a:buNone/>
+              </a:pPr>
+              <a:r>
+                <a:rPr lang="en-US" sz="1400" kern="1200" dirty="0"/>
+                <a:t>Chromatic Dispersion Compensation</a:t>
+              </a:r>
+            </a:p>
+          </p:txBody>
+        </p:sp>
+      </p:grpSp>
+      <p:grpSp>
+        <p:nvGrpSpPr>
+          <p:cNvPr id="110" name="Group 109">
+            <a:extLst>
+              <a:ext uri="{FF2B5EF4-FFF2-40B4-BE49-F238E27FC236}">
+                <a16:creationId xmlns:a16="http://schemas.microsoft.com/office/drawing/2014/main" id="{2E0B5C66-B5A6-453A-BC03-BF4F0E98EACA}"/>
+              </a:ext>
+            </a:extLst>
+          </p:cNvPr>
+          <p:cNvGrpSpPr/>
+          <p:nvPr/>
+        </p:nvGrpSpPr>
+        <p:grpSpPr>
+          <a:xfrm>
+            <a:off x="8432823" y="5363019"/>
+            <a:ext cx="1242693" cy="745614"/>
+            <a:chOff x="2325033" y="3697819"/>
+            <a:chExt cx="1656920" cy="994152"/>
+          </a:xfrm>
+        </p:grpSpPr>
+        <p:sp>
+          <p:nvSpPr>
+            <p:cNvPr id="111" name="Rectangle: Rounded Corners 110">
+              <a:extLst>
+                <a:ext uri="{FF2B5EF4-FFF2-40B4-BE49-F238E27FC236}">
+                  <a16:creationId xmlns:a16="http://schemas.microsoft.com/office/drawing/2014/main" id="{62AB6899-FD79-4C1B-82AF-D6393F9EF967}"/>
+                </a:ext>
+              </a:extLst>
+            </p:cNvPr>
+            <p:cNvSpPr/>
+            <p:nvPr/>
+          </p:nvSpPr>
+          <p:spPr>
+            <a:xfrm>
+              <a:off x="2325033" y="3697819"/>
+              <a:ext cx="1656920" cy="994152"/>
+            </a:xfrm>
+            <a:prstGeom prst="roundRect">
+              <a:avLst>
+                <a:gd name="adj" fmla="val 10000"/>
+              </a:avLst>
+            </a:prstGeom>
+          </p:spPr>
+          <p:style>
+            <a:lnRef idx="2">
+              <a:schemeClr val="dk1">
+                <a:shade val="80000"/>
+                <a:hueOff val="0"/>
+                <a:satOff val="0"/>
+                <a:lumOff val="0"/>
+                <a:alphaOff val="0"/>
+              </a:schemeClr>
+            </a:lnRef>
+            <a:fillRef idx="1">
+              <a:schemeClr val="lt1">
+                <a:hueOff val="0"/>
+                <a:satOff val="0"/>
+                <a:lumOff val="0"/>
+                <a:alphaOff val="0"/>
+              </a:schemeClr>
+            </a:fillRef>
+            <a:effectRef idx="0">
+              <a:schemeClr val="lt1">
+                <a:hueOff val="0"/>
+                <a:satOff val="0"/>
+                <a:lumOff val="0"/>
+                <a:alphaOff val="0"/>
+              </a:schemeClr>
+            </a:effectRef>
+            <a:fontRef idx="minor">
+              <a:schemeClr val="dk1">
+                <a:hueOff val="0"/>
+                <a:satOff val="0"/>
+                <a:lumOff val="0"/>
+                <a:alphaOff val="0"/>
+              </a:schemeClr>
+            </a:fontRef>
+          </p:style>
+        </p:sp>
+        <p:sp>
+          <p:nvSpPr>
+            <p:cNvPr id="112" name="Rectangle: Rounded Corners 4">
+              <a:extLst>
+                <a:ext uri="{FF2B5EF4-FFF2-40B4-BE49-F238E27FC236}">
+                  <a16:creationId xmlns:a16="http://schemas.microsoft.com/office/drawing/2014/main" id="{B1266537-B3C1-4482-A3B7-D03E3A991A28}"/>
+                </a:ext>
+              </a:extLst>
+            </p:cNvPr>
+            <p:cNvSpPr txBox="1"/>
+            <p:nvPr/>
+          </p:nvSpPr>
+          <p:spPr>
+            <a:xfrm>
+              <a:off x="2354151" y="3726937"/>
+              <a:ext cx="1598684" cy="935916"/>
+            </a:xfrm>
+            <a:prstGeom prst="rect">
+              <a:avLst/>
+            </a:prstGeom>
+          </p:spPr>
+          <p:style>
+            <a:lnRef idx="0">
+              <a:scrgbClr r="0" g="0" b="0"/>
+            </a:lnRef>
+            <a:fillRef idx="0">
+              <a:scrgbClr r="0" g="0" b="0"/>
+            </a:fillRef>
+            <a:effectRef idx="0">
+              <a:scrgbClr r="0" g="0" b="0"/>
+            </a:effectRef>
+            <a:fontRef idx="minor">
+              <a:schemeClr val="dk1">
+                <a:hueOff val="0"/>
+                <a:satOff val="0"/>
+                <a:lumOff val="0"/>
+                <a:alphaOff val="0"/>
+              </a:schemeClr>
+            </a:fontRef>
+          </p:style>
+          <p:txBody>
+            <a:bodyPr spcFirstLastPara="0" vert="horz" wrap="square" lIns="68580" tIns="68580" rIns="68580" bIns="68580" numCol="1" spcCol="1270" anchor="ctr" anchorCtr="0">
+              <a:noAutofit/>
+            </a:bodyPr>
+            <a:lstStyle/>
+            <a:p>
+              <a:pPr marL="0" lvl="0" indent="0" algn="ctr" defTabSz="800100">
+                <a:lnSpc>
+                  <a:spcPct val="90000"/>
+                </a:lnSpc>
+                <a:spcBef>
+                  <a:spcPct val="0"/>
+                </a:spcBef>
+                <a:spcAft>
+                  <a:spcPct val="35000"/>
+                </a:spcAft>
+                <a:buNone/>
+              </a:pPr>
+              <a:r>
+                <a:rPr lang="en-US" sz="1400" kern="1200" dirty="0"/>
+                <a:t>Alignment of Signals</a:t>
+              </a:r>
+            </a:p>
+          </p:txBody>
+        </p:sp>
+      </p:grpSp>
+      <p:grpSp>
+        <p:nvGrpSpPr>
+          <p:cNvPr id="113" name="Group 112">
+            <a:extLst>
+              <a:ext uri="{FF2B5EF4-FFF2-40B4-BE49-F238E27FC236}">
+                <a16:creationId xmlns:a16="http://schemas.microsoft.com/office/drawing/2014/main" id="{BE7B750D-3ACA-4DBA-8CA8-062BC7C1FB15}"/>
+              </a:ext>
+            </a:extLst>
+          </p:cNvPr>
+          <p:cNvGrpSpPr/>
+          <p:nvPr/>
+        </p:nvGrpSpPr>
+        <p:grpSpPr>
+          <a:xfrm>
+            <a:off x="6831034" y="5370362"/>
+            <a:ext cx="1242693" cy="745614"/>
+            <a:chOff x="4644721" y="3697819"/>
+            <a:chExt cx="1656920" cy="994152"/>
+          </a:xfrm>
+        </p:grpSpPr>
+        <p:sp>
+          <p:nvSpPr>
+            <p:cNvPr id="114" name="Rectangle: Rounded Corners 113">
+              <a:extLst>
+                <a:ext uri="{FF2B5EF4-FFF2-40B4-BE49-F238E27FC236}">
+                  <a16:creationId xmlns:a16="http://schemas.microsoft.com/office/drawing/2014/main" id="{2CB819DA-2DFD-49CD-AA59-5FD501E3E6DC}"/>
+                </a:ext>
+              </a:extLst>
+            </p:cNvPr>
+            <p:cNvSpPr/>
+            <p:nvPr/>
+          </p:nvSpPr>
+          <p:spPr>
+            <a:xfrm>
+              <a:off x="4644721" y="3697819"/>
+              <a:ext cx="1656920" cy="994152"/>
+            </a:xfrm>
+            <a:prstGeom prst="roundRect">
+              <a:avLst>
+                <a:gd name="adj" fmla="val 10000"/>
+              </a:avLst>
+            </a:prstGeom>
+          </p:spPr>
+          <p:style>
+            <a:lnRef idx="2">
+              <a:schemeClr val="dk1">
+                <a:shade val="80000"/>
+                <a:hueOff val="0"/>
+                <a:satOff val="0"/>
+                <a:lumOff val="0"/>
+                <a:alphaOff val="0"/>
+              </a:schemeClr>
+            </a:lnRef>
+            <a:fillRef idx="1">
+              <a:schemeClr val="lt1">
+                <a:hueOff val="0"/>
+                <a:satOff val="0"/>
+                <a:lumOff val="0"/>
+                <a:alphaOff val="0"/>
+              </a:schemeClr>
+            </a:fillRef>
+            <a:effectRef idx="0">
+              <a:schemeClr val="lt1">
+                <a:hueOff val="0"/>
+                <a:satOff val="0"/>
+                <a:lumOff val="0"/>
+                <a:alphaOff val="0"/>
+              </a:schemeClr>
+            </a:effectRef>
+            <a:fontRef idx="minor">
+              <a:schemeClr val="dk1">
+                <a:hueOff val="0"/>
+                <a:satOff val="0"/>
+                <a:lumOff val="0"/>
+                <a:alphaOff val="0"/>
+              </a:schemeClr>
+            </a:fontRef>
+          </p:style>
+        </p:sp>
+        <p:sp>
+          <p:nvSpPr>
+            <p:cNvPr id="115" name="Rectangle: Rounded Corners 4">
+              <a:extLst>
+                <a:ext uri="{FF2B5EF4-FFF2-40B4-BE49-F238E27FC236}">
+                  <a16:creationId xmlns:a16="http://schemas.microsoft.com/office/drawing/2014/main" id="{82EC0300-0D2F-4C7F-A8A4-F8D2C55DBDFC}"/>
+                </a:ext>
+              </a:extLst>
+            </p:cNvPr>
+            <p:cNvSpPr txBox="1"/>
+            <p:nvPr/>
+          </p:nvSpPr>
+          <p:spPr>
+            <a:xfrm>
+              <a:off x="4673839" y="3726937"/>
+              <a:ext cx="1598684" cy="935916"/>
+            </a:xfrm>
+            <a:prstGeom prst="rect">
+              <a:avLst/>
+            </a:prstGeom>
+          </p:spPr>
+          <p:style>
+            <a:lnRef idx="0">
+              <a:scrgbClr r="0" g="0" b="0"/>
+            </a:lnRef>
+            <a:fillRef idx="0">
+              <a:scrgbClr r="0" g="0" b="0"/>
+            </a:fillRef>
+            <a:effectRef idx="0">
+              <a:scrgbClr r="0" g="0" b="0"/>
+            </a:effectRef>
+            <a:fontRef idx="minor">
+              <a:schemeClr val="dk1">
+                <a:hueOff val="0"/>
+                <a:satOff val="0"/>
+                <a:lumOff val="0"/>
+                <a:alphaOff val="0"/>
+              </a:schemeClr>
+            </a:fontRef>
+          </p:style>
+          <p:txBody>
+            <a:bodyPr spcFirstLastPara="0" vert="horz" wrap="square" lIns="64770" tIns="64770" rIns="64770" bIns="64770" numCol="1" spcCol="1270" anchor="ctr" anchorCtr="0">
+              <a:noAutofit/>
+            </a:bodyPr>
+            <a:lstStyle/>
+            <a:p>
+              <a:pPr marL="0" lvl="0" indent="0" algn="ctr" defTabSz="755650">
+                <a:lnSpc>
+                  <a:spcPct val="90000"/>
+                </a:lnSpc>
+                <a:spcBef>
+                  <a:spcPct val="0"/>
+                </a:spcBef>
+                <a:spcAft>
+                  <a:spcPct val="35000"/>
+                </a:spcAft>
+                <a:buNone/>
+              </a:pPr>
+              <a:r>
+                <a:rPr lang="en-US" sz="1400" kern="1200" dirty="0"/>
+                <a:t>Demodulation</a:t>
+              </a:r>
+            </a:p>
+          </p:txBody>
+        </p:sp>
+      </p:grpSp>
+      <p:grpSp>
+        <p:nvGrpSpPr>
+          <p:cNvPr id="116" name="Group 115">
+            <a:extLst>
+              <a:ext uri="{FF2B5EF4-FFF2-40B4-BE49-F238E27FC236}">
+                <a16:creationId xmlns:a16="http://schemas.microsoft.com/office/drawing/2014/main" id="{70124CF8-D21D-49AC-B26B-372EC683E4E8}"/>
+              </a:ext>
+            </a:extLst>
+          </p:cNvPr>
+          <p:cNvGrpSpPr/>
+          <p:nvPr/>
+        </p:nvGrpSpPr>
+        <p:grpSpPr>
+          <a:xfrm>
+            <a:off x="5229075" y="5384451"/>
+            <a:ext cx="1242693" cy="745614"/>
+            <a:chOff x="6964410" y="3697819"/>
+            <a:chExt cx="1656920" cy="994152"/>
+          </a:xfrm>
+        </p:grpSpPr>
+        <p:sp>
+          <p:nvSpPr>
+            <p:cNvPr id="117" name="Rectangle: Rounded Corners 116">
+              <a:extLst>
+                <a:ext uri="{FF2B5EF4-FFF2-40B4-BE49-F238E27FC236}">
+                  <a16:creationId xmlns:a16="http://schemas.microsoft.com/office/drawing/2014/main" id="{E723BB17-C35A-47EA-A9A9-42DDB7597674}"/>
+                </a:ext>
+              </a:extLst>
+            </p:cNvPr>
+            <p:cNvSpPr/>
+            <p:nvPr/>
+          </p:nvSpPr>
+          <p:spPr>
+            <a:xfrm>
+              <a:off x="6964410" y="3697819"/>
+              <a:ext cx="1656920" cy="994152"/>
+            </a:xfrm>
+            <a:prstGeom prst="roundRect">
+              <a:avLst>
+                <a:gd name="adj" fmla="val 10000"/>
+              </a:avLst>
+            </a:prstGeom>
+          </p:spPr>
+          <p:style>
+            <a:lnRef idx="2">
+              <a:schemeClr val="dk1">
+                <a:shade val="80000"/>
+                <a:hueOff val="0"/>
+                <a:satOff val="0"/>
+                <a:lumOff val="0"/>
+                <a:alphaOff val="0"/>
+              </a:schemeClr>
+            </a:lnRef>
+            <a:fillRef idx="1">
+              <a:schemeClr val="lt1">
+                <a:hueOff val="0"/>
+                <a:satOff val="0"/>
+                <a:lumOff val="0"/>
+                <a:alphaOff val="0"/>
+              </a:schemeClr>
+            </a:fillRef>
+            <a:effectRef idx="0">
+              <a:schemeClr val="lt1">
+                <a:hueOff val="0"/>
+                <a:satOff val="0"/>
+                <a:lumOff val="0"/>
+                <a:alphaOff val="0"/>
+              </a:schemeClr>
+            </a:effectRef>
+            <a:fontRef idx="minor">
+              <a:schemeClr val="dk1">
+                <a:hueOff val="0"/>
+                <a:satOff val="0"/>
+                <a:lumOff val="0"/>
+                <a:alphaOff val="0"/>
+              </a:schemeClr>
+            </a:fontRef>
+          </p:style>
+        </p:sp>
+        <p:sp>
+          <p:nvSpPr>
+            <p:cNvPr id="118" name="Rectangle: Rounded Corners 4">
+              <a:extLst>
+                <a:ext uri="{FF2B5EF4-FFF2-40B4-BE49-F238E27FC236}">
+                  <a16:creationId xmlns:a16="http://schemas.microsoft.com/office/drawing/2014/main" id="{84A407E1-92B2-4B59-9B0D-86CB41EA4B75}"/>
+                </a:ext>
+              </a:extLst>
+            </p:cNvPr>
+            <p:cNvSpPr txBox="1"/>
+            <p:nvPr/>
+          </p:nvSpPr>
+          <p:spPr>
+            <a:xfrm>
+              <a:off x="6993528" y="3726937"/>
+              <a:ext cx="1598684" cy="935916"/>
+            </a:xfrm>
+            <a:prstGeom prst="rect">
+              <a:avLst/>
+            </a:prstGeom>
+          </p:spPr>
+          <p:style>
+            <a:lnRef idx="0">
+              <a:scrgbClr r="0" g="0" b="0"/>
+            </a:lnRef>
+            <a:fillRef idx="0">
+              <a:scrgbClr r="0" g="0" b="0"/>
+            </a:fillRef>
+            <a:effectRef idx="0">
+              <a:scrgbClr r="0" g="0" b="0"/>
+            </a:effectRef>
+            <a:fontRef idx="minor">
+              <a:schemeClr val="dk1">
+                <a:hueOff val="0"/>
+                <a:satOff val="0"/>
+                <a:lumOff val="0"/>
+                <a:alphaOff val="0"/>
+              </a:schemeClr>
+            </a:fontRef>
+          </p:style>
+          <p:txBody>
+            <a:bodyPr spcFirstLastPara="0" vert="horz" wrap="square" lIns="64770" tIns="64770" rIns="64770" bIns="64770" numCol="1" spcCol="1270" anchor="ctr" anchorCtr="0">
+              <a:noAutofit/>
+            </a:bodyPr>
+            <a:lstStyle/>
+            <a:p>
+              <a:pPr marL="0" lvl="0" indent="0" algn="ctr" defTabSz="755650">
+                <a:lnSpc>
+                  <a:spcPct val="90000"/>
+                </a:lnSpc>
+                <a:spcBef>
+                  <a:spcPct val="0"/>
+                </a:spcBef>
+                <a:spcAft>
+                  <a:spcPct val="35000"/>
+                </a:spcAft>
+                <a:buNone/>
+              </a:pPr>
+              <a:r>
+                <a:rPr lang="en-US" sz="1400" kern="1200" dirty="0"/>
+                <a:t>Decoding of FEC/PS</a:t>
+              </a:r>
+            </a:p>
+          </p:txBody>
+        </p:sp>
+      </p:grpSp>
+      <p:grpSp>
+        <p:nvGrpSpPr>
+          <p:cNvPr id="119" name="Group 118">
+            <a:extLst>
+              <a:ext uri="{FF2B5EF4-FFF2-40B4-BE49-F238E27FC236}">
+                <a16:creationId xmlns:a16="http://schemas.microsoft.com/office/drawing/2014/main" id="{1B9D792A-5F76-4BA6-9028-6F3262DCA428}"/>
+              </a:ext>
+            </a:extLst>
+          </p:cNvPr>
+          <p:cNvGrpSpPr/>
+          <p:nvPr/>
+        </p:nvGrpSpPr>
+        <p:grpSpPr>
+          <a:xfrm>
+            <a:off x="8432823" y="4487959"/>
+            <a:ext cx="1242693" cy="745614"/>
+            <a:chOff x="5344" y="2040899"/>
+            <a:chExt cx="1656920" cy="994152"/>
+          </a:xfrm>
+        </p:grpSpPr>
+        <p:sp>
+          <p:nvSpPr>
+            <p:cNvPr id="120" name="Rectangle: Rounded Corners 119">
+              <a:extLst>
+                <a:ext uri="{FF2B5EF4-FFF2-40B4-BE49-F238E27FC236}">
+                  <a16:creationId xmlns:a16="http://schemas.microsoft.com/office/drawing/2014/main" id="{512E2984-EAF8-4E50-9842-1FD389F4EE6D}"/>
+                </a:ext>
+              </a:extLst>
+            </p:cNvPr>
+            <p:cNvSpPr/>
+            <p:nvPr/>
+          </p:nvSpPr>
+          <p:spPr>
+            <a:xfrm>
+              <a:off x="5344" y="2040899"/>
+              <a:ext cx="1656920" cy="994152"/>
+            </a:xfrm>
+            <a:prstGeom prst="roundRect">
+              <a:avLst>
+                <a:gd name="adj" fmla="val 10000"/>
+              </a:avLst>
+            </a:prstGeom>
+          </p:spPr>
+          <p:style>
+            <a:lnRef idx="2">
+              <a:schemeClr val="dk1">
+                <a:shade val="80000"/>
+                <a:hueOff val="0"/>
+                <a:satOff val="0"/>
+                <a:lumOff val="0"/>
+                <a:alphaOff val="0"/>
+              </a:schemeClr>
+            </a:lnRef>
+            <a:fillRef idx="1">
+              <a:schemeClr val="lt1">
+                <a:hueOff val="0"/>
+                <a:satOff val="0"/>
+                <a:lumOff val="0"/>
+                <a:alphaOff val="0"/>
+              </a:schemeClr>
+            </a:fillRef>
+            <a:effectRef idx="0">
+              <a:schemeClr val="lt1">
+                <a:hueOff val="0"/>
+                <a:satOff val="0"/>
+                <a:lumOff val="0"/>
+                <a:alphaOff val="0"/>
+              </a:schemeClr>
+            </a:effectRef>
+            <a:fontRef idx="minor">
+              <a:schemeClr val="dk1">
+                <a:hueOff val="0"/>
+                <a:satOff val="0"/>
+                <a:lumOff val="0"/>
+                <a:alphaOff val="0"/>
+              </a:schemeClr>
+            </a:fontRef>
+          </p:style>
+        </p:sp>
+        <p:sp>
+          <p:nvSpPr>
+            <p:cNvPr id="121" name="Rectangle: Rounded Corners 4">
+              <a:extLst>
+                <a:ext uri="{FF2B5EF4-FFF2-40B4-BE49-F238E27FC236}">
+                  <a16:creationId xmlns:a16="http://schemas.microsoft.com/office/drawing/2014/main" id="{F68DDE1A-F18B-4720-A787-4E8584E6E507}"/>
+                </a:ext>
+              </a:extLst>
+            </p:cNvPr>
+            <p:cNvSpPr txBox="1"/>
+            <p:nvPr/>
+          </p:nvSpPr>
+          <p:spPr>
+            <a:xfrm>
+              <a:off x="34462" y="2070017"/>
+              <a:ext cx="1598684" cy="935916"/>
+            </a:xfrm>
+            <a:prstGeom prst="rect">
+              <a:avLst/>
+            </a:prstGeom>
+          </p:spPr>
+          <p:style>
+            <a:lnRef idx="0">
+              <a:scrgbClr r="0" g="0" b="0"/>
+            </a:lnRef>
+            <a:fillRef idx="0">
+              <a:scrgbClr r="0" g="0" b="0"/>
+            </a:fillRef>
+            <a:effectRef idx="0">
+              <a:scrgbClr r="0" g="0" b="0"/>
+            </a:effectRef>
+            <a:fontRef idx="minor">
+              <a:schemeClr val="dk1">
+                <a:hueOff val="0"/>
+                <a:satOff val="0"/>
+                <a:lumOff val="0"/>
+                <a:alphaOff val="0"/>
+              </a:schemeClr>
+            </a:fontRef>
+          </p:style>
+          <p:txBody>
+            <a:bodyPr spcFirstLastPara="0" vert="horz" wrap="square" lIns="60960" tIns="60960" rIns="60960" bIns="60960" numCol="1" spcCol="1270" anchor="ctr" anchorCtr="0">
+              <a:noAutofit/>
+            </a:bodyPr>
+            <a:lstStyle/>
+            <a:p>
+              <a:pPr marL="0" lvl="0" indent="0" algn="ctr" defTabSz="711200">
+                <a:lnSpc>
+                  <a:spcPct val="90000"/>
+                </a:lnSpc>
+                <a:spcBef>
+                  <a:spcPct val="0"/>
+                </a:spcBef>
+                <a:spcAft>
+                  <a:spcPct val="35000"/>
+                </a:spcAft>
+                <a:buNone/>
+              </a:pPr>
+              <a:r>
+                <a:rPr lang="en-US" sz="1400" kern="1200" dirty="0"/>
+                <a:t>Carrier Equalisation</a:t>
+              </a:r>
+            </a:p>
+          </p:txBody>
+        </p:sp>
+      </p:grpSp>
+      <p:grpSp>
+        <p:nvGrpSpPr>
+          <p:cNvPr id="122" name="Group 121">
+            <a:extLst>
+              <a:ext uri="{FF2B5EF4-FFF2-40B4-BE49-F238E27FC236}">
+                <a16:creationId xmlns:a16="http://schemas.microsoft.com/office/drawing/2014/main" id="{8978EF0E-1EE1-410A-84E4-8AD1C60C6957}"/>
+              </a:ext>
+            </a:extLst>
+          </p:cNvPr>
+          <p:cNvGrpSpPr/>
+          <p:nvPr/>
+        </p:nvGrpSpPr>
+        <p:grpSpPr>
+          <a:xfrm>
+            <a:off x="3627116" y="5381373"/>
+            <a:ext cx="1242693" cy="745614"/>
+            <a:chOff x="9284098" y="3697819"/>
+            <a:chExt cx="1656920" cy="994152"/>
+          </a:xfrm>
+        </p:grpSpPr>
+        <p:sp>
+          <p:nvSpPr>
+            <p:cNvPr id="123" name="Rectangle: Rounded Corners 122">
+              <a:extLst>
+                <a:ext uri="{FF2B5EF4-FFF2-40B4-BE49-F238E27FC236}">
+                  <a16:creationId xmlns:a16="http://schemas.microsoft.com/office/drawing/2014/main" id="{0EF48142-4064-4B13-9367-5C9B73BE1AE1}"/>
+                </a:ext>
+              </a:extLst>
+            </p:cNvPr>
+            <p:cNvSpPr/>
+            <p:nvPr/>
+          </p:nvSpPr>
+          <p:spPr>
+            <a:xfrm>
+              <a:off x="9284098" y="3697819"/>
+              <a:ext cx="1656920" cy="994152"/>
+            </a:xfrm>
+            <a:prstGeom prst="roundRect">
+              <a:avLst>
+                <a:gd name="adj" fmla="val 10000"/>
+              </a:avLst>
+            </a:prstGeom>
+          </p:spPr>
+          <p:style>
+            <a:lnRef idx="2">
+              <a:schemeClr val="dk1">
+                <a:shade val="80000"/>
+                <a:hueOff val="0"/>
+                <a:satOff val="0"/>
+                <a:lumOff val="0"/>
+                <a:alphaOff val="0"/>
+              </a:schemeClr>
+            </a:lnRef>
+            <a:fillRef idx="1">
+              <a:schemeClr val="lt1">
+                <a:hueOff val="0"/>
+                <a:satOff val="0"/>
+                <a:lumOff val="0"/>
+                <a:alphaOff val="0"/>
+              </a:schemeClr>
+            </a:fillRef>
+            <a:effectRef idx="0">
+              <a:schemeClr val="lt1">
+                <a:hueOff val="0"/>
+                <a:satOff val="0"/>
+                <a:lumOff val="0"/>
+                <a:alphaOff val="0"/>
+              </a:schemeClr>
+            </a:effectRef>
+            <a:fontRef idx="minor">
+              <a:schemeClr val="dk1">
+                <a:hueOff val="0"/>
+                <a:satOff val="0"/>
+                <a:lumOff val="0"/>
+                <a:alphaOff val="0"/>
+              </a:schemeClr>
+            </a:fontRef>
+          </p:style>
+        </p:sp>
+        <p:sp>
+          <p:nvSpPr>
+            <p:cNvPr id="124" name="Rectangle: Rounded Corners 4">
+              <a:extLst>
+                <a:ext uri="{FF2B5EF4-FFF2-40B4-BE49-F238E27FC236}">
+                  <a16:creationId xmlns:a16="http://schemas.microsoft.com/office/drawing/2014/main" id="{4351910C-B995-485B-BCA9-4178A2F12325}"/>
+                </a:ext>
+              </a:extLst>
+            </p:cNvPr>
+            <p:cNvSpPr txBox="1"/>
+            <p:nvPr/>
+          </p:nvSpPr>
+          <p:spPr>
+            <a:xfrm>
+              <a:off x="9313216" y="3726937"/>
+              <a:ext cx="1598684" cy="935916"/>
+            </a:xfrm>
+            <a:prstGeom prst="rect">
+              <a:avLst/>
+            </a:prstGeom>
+          </p:spPr>
+          <p:style>
+            <a:lnRef idx="0">
+              <a:scrgbClr r="0" g="0" b="0"/>
+            </a:lnRef>
+            <a:fillRef idx="0">
+              <a:scrgbClr r="0" g="0" b="0"/>
+            </a:fillRef>
+            <a:effectRef idx="0">
+              <a:scrgbClr r="0" g="0" b="0"/>
+            </a:effectRef>
+            <a:fontRef idx="minor">
+              <a:schemeClr val="dk1">
+                <a:hueOff val="0"/>
+                <a:satOff val="0"/>
+                <a:lumOff val="0"/>
+                <a:alphaOff val="0"/>
+              </a:schemeClr>
+            </a:fontRef>
+          </p:style>
+          <p:txBody>
+            <a:bodyPr spcFirstLastPara="0" vert="horz" wrap="square" lIns="64770" tIns="64770" rIns="64770" bIns="64770" numCol="1" spcCol="1270" anchor="ctr" anchorCtr="0">
+              <a:noAutofit/>
+            </a:bodyPr>
+            <a:lstStyle/>
+            <a:p>
+              <a:pPr marL="0" lvl="0" indent="0" algn="ctr" defTabSz="755650">
+                <a:lnSpc>
+                  <a:spcPct val="90000"/>
+                </a:lnSpc>
+                <a:spcBef>
+                  <a:spcPct val="0"/>
+                </a:spcBef>
+                <a:spcAft>
+                  <a:spcPct val="35000"/>
+                </a:spcAft>
+                <a:buNone/>
+              </a:pPr>
+              <a:r>
+                <a:rPr lang="en-US" sz="1400" kern="1200" dirty="0"/>
+                <a:t>Estimate BER, SNR and plot spectra</a:t>
+              </a:r>
+            </a:p>
+          </p:txBody>
+        </p:sp>
+      </p:grpSp>
+      <p:cxnSp>
+        <p:nvCxnSpPr>
+          <p:cNvPr id="125" name="Connector: Elbow 124">
+            <a:extLst>
+              <a:ext uri="{FF2B5EF4-FFF2-40B4-BE49-F238E27FC236}">
+                <a16:creationId xmlns:a16="http://schemas.microsoft.com/office/drawing/2014/main" id="{4405547C-AE4E-4BC3-991B-2C03DB0AB4B4}"/>
+              </a:ext>
+            </a:extLst>
+          </p:cNvPr>
+          <p:cNvCxnSpPr>
+            <a:cxnSpLocks/>
+            <a:stCxn id="97" idx="1"/>
+            <a:endCxn id="135" idx="1"/>
+          </p:cNvCxnSpPr>
+          <p:nvPr/>
+        </p:nvCxnSpPr>
+        <p:spPr>
+          <a:xfrm rot="10800000" flipV="1">
+            <a:off x="1750745" y="3311934"/>
+            <a:ext cx="826848" cy="1531341"/>
+          </a:xfrm>
+          <a:prstGeom prst="bentConnector3">
+            <a:avLst>
+              <a:gd name="adj1" fmla="val 152619"/>
+            </a:avLst>
+          </a:prstGeom>
+          <a:ln>
+            <a:tailEnd type="triangle"/>
+          </a:ln>
+        </p:spPr>
+        <p:style>
+          <a:lnRef idx="1">
+            <a:schemeClr val="dk1"/>
+          </a:lnRef>
+          <a:fillRef idx="0">
+            <a:schemeClr val="dk1"/>
+          </a:fillRef>
+          <a:effectRef idx="0">
+            <a:schemeClr val="dk1"/>
+          </a:effectRef>
+          <a:fontRef idx="minor">
+            <a:schemeClr val="tx1"/>
+          </a:fontRef>
+        </p:style>
+      </p:cxnSp>
+      <p:cxnSp>
+        <p:nvCxnSpPr>
+          <p:cNvPr id="126" name="Straight Arrow Connector 125">
+            <a:extLst>
+              <a:ext uri="{FF2B5EF4-FFF2-40B4-BE49-F238E27FC236}">
+                <a16:creationId xmlns:a16="http://schemas.microsoft.com/office/drawing/2014/main" id="{678E2104-2630-40FA-A964-C6729D69C7C8}"/>
+              </a:ext>
+            </a:extLst>
+          </p:cNvPr>
+          <p:cNvCxnSpPr>
+            <a:cxnSpLocks/>
+            <a:stCxn id="108" idx="3"/>
+            <a:endCxn id="102" idx="1"/>
+          </p:cNvCxnSpPr>
+          <p:nvPr/>
+        </p:nvCxnSpPr>
+        <p:spPr>
+          <a:xfrm>
+            <a:off x="6467416" y="4857880"/>
+            <a:ext cx="363618" cy="2240"/>
+          </a:xfrm>
+          <a:prstGeom prst="straightConnector1">
+            <a:avLst/>
+          </a:prstGeom>
+          <a:ln>
+            <a:tailEnd type="triangle"/>
+          </a:ln>
+        </p:spPr>
+        <p:style>
+          <a:lnRef idx="1">
+            <a:schemeClr val="dk1"/>
+          </a:lnRef>
+          <a:fillRef idx="0">
+            <a:schemeClr val="dk1"/>
+          </a:fillRef>
+          <a:effectRef idx="0">
+            <a:schemeClr val="dk1"/>
+          </a:effectRef>
+          <a:fontRef idx="minor">
+            <a:schemeClr val="tx1"/>
+          </a:fontRef>
+        </p:style>
+      </p:cxnSp>
+      <p:cxnSp>
+        <p:nvCxnSpPr>
+          <p:cNvPr id="127" name="Straight Arrow Connector 126">
+            <a:extLst>
+              <a:ext uri="{FF2B5EF4-FFF2-40B4-BE49-F238E27FC236}">
+                <a16:creationId xmlns:a16="http://schemas.microsoft.com/office/drawing/2014/main" id="{D65D74C4-DB0A-48FA-84C5-CDAA87EAE466}"/>
+              </a:ext>
+            </a:extLst>
+          </p:cNvPr>
+          <p:cNvCxnSpPr>
+            <a:cxnSpLocks/>
+            <a:stCxn id="102" idx="3"/>
+            <a:endCxn id="120" idx="1"/>
+          </p:cNvCxnSpPr>
+          <p:nvPr/>
+        </p:nvCxnSpPr>
+        <p:spPr>
+          <a:xfrm>
+            <a:off x="8073727" y="4860120"/>
+            <a:ext cx="359096" cy="646"/>
+          </a:xfrm>
+          <a:prstGeom prst="straightConnector1">
+            <a:avLst/>
+          </a:prstGeom>
+          <a:ln>
+            <a:tailEnd type="triangle"/>
+          </a:ln>
+        </p:spPr>
+        <p:style>
+          <a:lnRef idx="1">
+            <a:schemeClr val="dk1"/>
+          </a:lnRef>
+          <a:fillRef idx="0">
+            <a:schemeClr val="dk1"/>
+          </a:fillRef>
+          <a:effectRef idx="0">
+            <a:schemeClr val="dk1"/>
+          </a:effectRef>
+          <a:fontRef idx="minor">
+            <a:schemeClr val="tx1"/>
+          </a:fontRef>
+        </p:style>
+      </p:cxnSp>
+      <p:cxnSp>
+        <p:nvCxnSpPr>
+          <p:cNvPr id="128" name="Connector: Elbow 127">
+            <a:extLst>
+              <a:ext uri="{FF2B5EF4-FFF2-40B4-BE49-F238E27FC236}">
+                <a16:creationId xmlns:a16="http://schemas.microsoft.com/office/drawing/2014/main" id="{53C14D82-94CA-4D99-8420-5210990B4DCF}"/>
+              </a:ext>
+            </a:extLst>
+          </p:cNvPr>
+          <p:cNvCxnSpPr>
+            <a:cxnSpLocks/>
+            <a:stCxn id="120" idx="3"/>
+            <a:endCxn id="111" idx="3"/>
+          </p:cNvCxnSpPr>
+          <p:nvPr/>
+        </p:nvCxnSpPr>
+        <p:spPr>
+          <a:xfrm>
+            <a:off x="9675516" y="4860766"/>
+            <a:ext cx="12700" cy="875060"/>
+          </a:xfrm>
+          <a:prstGeom prst="bentConnector3">
+            <a:avLst>
+              <a:gd name="adj1" fmla="val 3116126"/>
+            </a:avLst>
+          </a:prstGeom>
+          <a:ln>
+            <a:tailEnd type="triangle"/>
+          </a:ln>
+        </p:spPr>
+        <p:style>
+          <a:lnRef idx="1">
+            <a:schemeClr val="dk1"/>
+          </a:lnRef>
+          <a:fillRef idx="0">
+            <a:schemeClr val="dk1"/>
+          </a:fillRef>
+          <a:effectRef idx="0">
+            <a:schemeClr val="dk1"/>
+          </a:effectRef>
+          <a:fontRef idx="minor">
+            <a:schemeClr val="tx1"/>
+          </a:fontRef>
+        </p:style>
+      </p:cxnSp>
+      <p:cxnSp>
+        <p:nvCxnSpPr>
+          <p:cNvPr id="129" name="Straight Arrow Connector 128">
+            <a:extLst>
+              <a:ext uri="{FF2B5EF4-FFF2-40B4-BE49-F238E27FC236}">
+                <a16:creationId xmlns:a16="http://schemas.microsoft.com/office/drawing/2014/main" id="{B7A39BC5-23F2-46D8-8392-4A2D50674021}"/>
+              </a:ext>
+            </a:extLst>
+          </p:cNvPr>
+          <p:cNvCxnSpPr>
+            <a:cxnSpLocks/>
+            <a:stCxn id="114" idx="1"/>
+            <a:endCxn id="117" idx="3"/>
+          </p:cNvCxnSpPr>
+          <p:nvPr/>
+        </p:nvCxnSpPr>
+        <p:spPr>
+          <a:xfrm flipH="1">
+            <a:off x="6471768" y="5743169"/>
+            <a:ext cx="359266" cy="14089"/>
+          </a:xfrm>
+          <a:prstGeom prst="straightConnector1">
+            <a:avLst/>
+          </a:prstGeom>
+          <a:ln>
+            <a:tailEnd type="triangle"/>
+          </a:ln>
+        </p:spPr>
+        <p:style>
+          <a:lnRef idx="1">
+            <a:schemeClr val="dk1"/>
+          </a:lnRef>
+          <a:fillRef idx="0">
+            <a:schemeClr val="dk1"/>
+          </a:fillRef>
+          <a:effectRef idx="0">
+            <a:schemeClr val="dk1"/>
+          </a:effectRef>
+          <a:fontRef idx="minor">
+            <a:schemeClr val="tx1"/>
+          </a:fontRef>
+        </p:style>
+      </p:cxnSp>
+      <p:cxnSp>
+        <p:nvCxnSpPr>
+          <p:cNvPr id="130" name="Straight Arrow Connector 129">
+            <a:extLst>
+              <a:ext uri="{FF2B5EF4-FFF2-40B4-BE49-F238E27FC236}">
+                <a16:creationId xmlns:a16="http://schemas.microsoft.com/office/drawing/2014/main" id="{92BC6D04-FBA3-4DBE-9B9B-3F9824F9A745}"/>
+              </a:ext>
+            </a:extLst>
+          </p:cNvPr>
+          <p:cNvCxnSpPr>
+            <a:cxnSpLocks/>
+            <a:stCxn id="111" idx="1"/>
+            <a:endCxn id="114" idx="3"/>
+          </p:cNvCxnSpPr>
+          <p:nvPr/>
+        </p:nvCxnSpPr>
+        <p:spPr>
+          <a:xfrm flipH="1">
+            <a:off x="8073727" y="5735826"/>
+            <a:ext cx="359096" cy="7343"/>
+          </a:xfrm>
+          <a:prstGeom prst="straightConnector1">
+            <a:avLst/>
+          </a:prstGeom>
+          <a:ln>
+            <a:tailEnd type="triangle"/>
+          </a:ln>
+        </p:spPr>
+        <p:style>
+          <a:lnRef idx="1">
+            <a:schemeClr val="dk1"/>
+          </a:lnRef>
+          <a:fillRef idx="0">
+            <a:schemeClr val="dk1"/>
+          </a:fillRef>
+          <a:effectRef idx="0">
+            <a:schemeClr val="dk1"/>
+          </a:effectRef>
+          <a:fontRef idx="minor">
+            <a:schemeClr val="tx1"/>
+          </a:fontRef>
+        </p:style>
+      </p:cxnSp>
+      <p:cxnSp>
+        <p:nvCxnSpPr>
+          <p:cNvPr id="131" name="Straight Arrow Connector 130">
+            <a:extLst>
+              <a:ext uri="{FF2B5EF4-FFF2-40B4-BE49-F238E27FC236}">
+                <a16:creationId xmlns:a16="http://schemas.microsoft.com/office/drawing/2014/main" id="{3F3F14BC-B19D-44AB-A5FA-D6F802355C38}"/>
+              </a:ext>
+            </a:extLst>
+          </p:cNvPr>
+          <p:cNvCxnSpPr>
+            <a:cxnSpLocks/>
+            <a:stCxn id="117" idx="1"/>
+            <a:endCxn id="123" idx="3"/>
+          </p:cNvCxnSpPr>
+          <p:nvPr/>
+        </p:nvCxnSpPr>
+        <p:spPr>
+          <a:xfrm flipH="1" flipV="1">
+            <a:off x="4869809" y="5754180"/>
+            <a:ext cx="359266" cy="3078"/>
+          </a:xfrm>
+          <a:prstGeom prst="straightConnector1">
+            <a:avLst/>
+          </a:prstGeom>
+          <a:ln>
+            <a:tailEnd type="triangle"/>
+          </a:ln>
+        </p:spPr>
+        <p:style>
+          <a:lnRef idx="1">
+            <a:schemeClr val="dk1"/>
+          </a:lnRef>
+          <a:fillRef idx="0">
+            <a:schemeClr val="dk1"/>
+          </a:fillRef>
+          <a:effectRef idx="0">
+            <a:schemeClr val="dk1"/>
+          </a:effectRef>
+          <a:fontRef idx="minor">
+            <a:schemeClr val="tx1"/>
+          </a:fontRef>
+        </p:style>
+      </p:cxnSp>
+      <p:sp>
+        <p:nvSpPr>
+          <p:cNvPr id="132" name="TextBox 131">
+            <a:extLst>
+              <a:ext uri="{FF2B5EF4-FFF2-40B4-BE49-F238E27FC236}">
+                <a16:creationId xmlns:a16="http://schemas.microsoft.com/office/drawing/2014/main" id="{AC9C74E8-05F5-4C37-A5FD-B9D120BF07C7}"/>
+              </a:ext>
+            </a:extLst>
+          </p:cNvPr>
+          <p:cNvSpPr txBox="1"/>
+          <p:nvPr/>
+        </p:nvSpPr>
+        <p:spPr>
+          <a:xfrm>
+            <a:off x="4350222" y="2669215"/>
+            <a:ext cx="2169296" cy="307777"/>
+          </a:xfrm>
+          <a:prstGeom prst="rect">
+            <a:avLst/>
+          </a:prstGeom>
+          <a:noFill/>
+        </p:spPr>
+        <p:txBody>
+          <a:bodyPr wrap="square" rtlCol="0">
+            <a:spAutoFit/>
+          </a:bodyPr>
+          <a:lstStyle/>
+          <a:p>
+            <a:r>
+              <a:rPr lang="en-US" sz="1400" b="1" dirty="0"/>
+              <a:t>Optical Domain  -  Channel</a:t>
+            </a:r>
+          </a:p>
+        </p:txBody>
+      </p:sp>
+      <p:cxnSp>
+        <p:nvCxnSpPr>
+          <p:cNvPr id="133" name="Straight Arrow Connector 132">
+            <a:extLst>
+              <a:ext uri="{FF2B5EF4-FFF2-40B4-BE49-F238E27FC236}">
+                <a16:creationId xmlns:a16="http://schemas.microsoft.com/office/drawing/2014/main" id="{D1BDEEF6-3D05-4977-9ECA-B8061DC20BDE}"/>
+              </a:ext>
+            </a:extLst>
+          </p:cNvPr>
+          <p:cNvCxnSpPr>
+            <a:cxnSpLocks/>
+            <a:stCxn id="90" idx="1"/>
+            <a:endCxn id="94" idx="3"/>
+          </p:cNvCxnSpPr>
+          <p:nvPr/>
+        </p:nvCxnSpPr>
+        <p:spPr>
+          <a:xfrm flipH="1">
+            <a:off x="5372172" y="3311237"/>
+            <a:ext cx="314455" cy="1526"/>
+          </a:xfrm>
+          <a:prstGeom prst="straightConnector1">
+            <a:avLst/>
+          </a:prstGeom>
+          <a:ln>
+            <a:tailEnd type="triangle"/>
+          </a:ln>
+        </p:spPr>
+        <p:style>
+          <a:lnRef idx="1">
+            <a:schemeClr val="dk1"/>
+          </a:lnRef>
+          <a:fillRef idx="0">
+            <a:schemeClr val="dk1"/>
+          </a:fillRef>
+          <a:effectRef idx="0">
+            <a:schemeClr val="dk1"/>
+          </a:effectRef>
+          <a:fontRef idx="minor">
+            <a:schemeClr val="tx1"/>
+          </a:fontRef>
+        </p:style>
+      </p:cxnSp>
+      <p:grpSp>
+        <p:nvGrpSpPr>
+          <p:cNvPr id="134" name="Group 133">
+            <a:extLst>
+              <a:ext uri="{FF2B5EF4-FFF2-40B4-BE49-F238E27FC236}">
+                <a16:creationId xmlns:a16="http://schemas.microsoft.com/office/drawing/2014/main" id="{570C4665-60C5-4417-9725-B4A6029665B3}"/>
+              </a:ext>
+            </a:extLst>
+          </p:cNvPr>
+          <p:cNvGrpSpPr/>
+          <p:nvPr/>
+        </p:nvGrpSpPr>
+        <p:grpSpPr>
+          <a:xfrm>
+            <a:off x="1750745" y="4470469"/>
+            <a:ext cx="1242693" cy="745614"/>
+            <a:chOff x="4644721" y="2040899"/>
+            <a:chExt cx="1656920" cy="994152"/>
+          </a:xfrm>
+        </p:grpSpPr>
+        <p:sp>
+          <p:nvSpPr>
+            <p:cNvPr id="135" name="Rectangle: Rounded Corners 134">
+              <a:extLst>
+                <a:ext uri="{FF2B5EF4-FFF2-40B4-BE49-F238E27FC236}">
+                  <a16:creationId xmlns:a16="http://schemas.microsoft.com/office/drawing/2014/main" id="{26973657-0892-41CA-8E40-48EB2C52A6D6}"/>
+                </a:ext>
+              </a:extLst>
+            </p:cNvPr>
+            <p:cNvSpPr/>
+            <p:nvPr/>
+          </p:nvSpPr>
+          <p:spPr>
+            <a:xfrm>
+              <a:off x="4644721" y="2040899"/>
+              <a:ext cx="1656920" cy="994152"/>
+            </a:xfrm>
+            <a:prstGeom prst="roundRect">
+              <a:avLst>
+                <a:gd name="adj" fmla="val 10000"/>
+              </a:avLst>
+            </a:prstGeom>
+          </p:spPr>
+          <p:style>
+            <a:lnRef idx="2">
+              <a:schemeClr val="dk1">
+                <a:shade val="80000"/>
+                <a:hueOff val="0"/>
+                <a:satOff val="0"/>
+                <a:lumOff val="0"/>
+                <a:alphaOff val="0"/>
+              </a:schemeClr>
+            </a:lnRef>
+            <a:fillRef idx="1">
+              <a:schemeClr val="lt1">
+                <a:hueOff val="0"/>
+                <a:satOff val="0"/>
+                <a:lumOff val="0"/>
+                <a:alphaOff val="0"/>
+              </a:schemeClr>
+            </a:fillRef>
+            <a:effectRef idx="0">
+              <a:schemeClr val="lt1">
+                <a:hueOff val="0"/>
+                <a:satOff val="0"/>
+                <a:lumOff val="0"/>
+                <a:alphaOff val="0"/>
+              </a:schemeClr>
+            </a:effectRef>
+            <a:fontRef idx="minor">
+              <a:schemeClr val="dk1">
+                <a:hueOff val="0"/>
+                <a:satOff val="0"/>
+                <a:lumOff val="0"/>
+                <a:alphaOff val="0"/>
+              </a:schemeClr>
+            </a:fontRef>
+          </p:style>
+        </p:sp>
+        <p:sp>
+          <p:nvSpPr>
+            <p:cNvPr id="136" name="Rectangle: Rounded Corners 4">
+              <a:extLst>
+                <a:ext uri="{FF2B5EF4-FFF2-40B4-BE49-F238E27FC236}">
+                  <a16:creationId xmlns:a16="http://schemas.microsoft.com/office/drawing/2014/main" id="{EE78159D-9F86-42B9-B926-E614D79F3056}"/>
+                </a:ext>
+              </a:extLst>
+            </p:cNvPr>
+            <p:cNvSpPr txBox="1"/>
+            <p:nvPr/>
+          </p:nvSpPr>
+          <p:spPr>
+            <a:xfrm>
+              <a:off x="4673839" y="2070017"/>
+              <a:ext cx="1598684" cy="935916"/>
+            </a:xfrm>
+            <a:prstGeom prst="rect">
+              <a:avLst/>
+            </a:prstGeom>
+          </p:spPr>
+          <p:style>
+            <a:lnRef idx="0">
+              <a:scrgbClr r="0" g="0" b="0"/>
+            </a:lnRef>
+            <a:fillRef idx="0">
+              <a:scrgbClr r="0" g="0" b="0"/>
+            </a:fillRef>
+            <a:effectRef idx="0">
+              <a:scrgbClr r="0" g="0" b="0"/>
+            </a:effectRef>
+            <a:fontRef idx="minor">
+              <a:schemeClr val="dk1">
+                <a:hueOff val="0"/>
+                <a:satOff val="0"/>
+                <a:lumOff val="0"/>
+                <a:alphaOff val="0"/>
+              </a:schemeClr>
+            </a:fontRef>
+          </p:style>
+          <p:txBody>
+            <a:bodyPr spcFirstLastPara="0" vert="horz" wrap="square" lIns="60960" tIns="60960" rIns="60960" bIns="60960" numCol="1" spcCol="1270" anchor="ctr" anchorCtr="0">
+              <a:noAutofit/>
+            </a:bodyPr>
+            <a:lstStyle/>
+            <a:p>
+              <a:pPr marL="0" lvl="0" indent="0" algn="ctr" defTabSz="711200">
+                <a:lnSpc>
+                  <a:spcPct val="90000"/>
+                </a:lnSpc>
+                <a:spcBef>
+                  <a:spcPct val="0"/>
+                </a:spcBef>
+                <a:spcAft>
+                  <a:spcPct val="35000"/>
+                </a:spcAft>
+                <a:buNone/>
+              </a:pPr>
+              <a:r>
+                <a:rPr lang="en-US" sz="1400" kern="1200" dirty="0"/>
+                <a:t>Matched Filtering</a:t>
+              </a:r>
+            </a:p>
+          </p:txBody>
+        </p:sp>
+      </p:grpSp>
+      <p:cxnSp>
+        <p:nvCxnSpPr>
+          <p:cNvPr id="137" name="Connector: Elbow 136">
+            <a:extLst>
+              <a:ext uri="{FF2B5EF4-FFF2-40B4-BE49-F238E27FC236}">
+                <a16:creationId xmlns:a16="http://schemas.microsoft.com/office/drawing/2014/main" id="{EEC95EAE-6B87-4A7D-80D1-6501202EADC7}"/>
+              </a:ext>
+            </a:extLst>
+          </p:cNvPr>
+          <p:cNvCxnSpPr>
+            <a:cxnSpLocks/>
+            <a:stCxn id="83" idx="3"/>
+            <a:endCxn id="87" idx="3"/>
+          </p:cNvCxnSpPr>
+          <p:nvPr/>
+        </p:nvCxnSpPr>
+        <p:spPr>
+          <a:xfrm>
+            <a:off x="8035821" y="2052810"/>
+            <a:ext cx="405920" cy="1259675"/>
+          </a:xfrm>
+          <a:prstGeom prst="bentConnector3">
+            <a:avLst>
+              <a:gd name="adj1" fmla="val 156317"/>
+            </a:avLst>
+          </a:prstGeom>
+          <a:ln>
+            <a:tailEnd type="triangle"/>
+          </a:ln>
+        </p:spPr>
+        <p:style>
+          <a:lnRef idx="1">
+            <a:schemeClr val="dk1"/>
+          </a:lnRef>
+          <a:fillRef idx="0">
+            <a:schemeClr val="dk1"/>
+          </a:fillRef>
+          <a:effectRef idx="0">
+            <a:schemeClr val="dk1"/>
+          </a:effectRef>
+          <a:fontRef idx="minor">
+            <a:schemeClr val="tx1"/>
+          </a:fontRef>
+        </p:style>
+      </p:cxnSp>
+      <p:cxnSp>
+        <p:nvCxnSpPr>
+          <p:cNvPr id="138" name="Straight Arrow Connector 137">
+            <a:extLst>
+              <a:ext uri="{FF2B5EF4-FFF2-40B4-BE49-F238E27FC236}">
+                <a16:creationId xmlns:a16="http://schemas.microsoft.com/office/drawing/2014/main" id="{7CFFEC7F-1052-4CE0-A24A-C904AA898758}"/>
+              </a:ext>
+            </a:extLst>
+          </p:cNvPr>
+          <p:cNvCxnSpPr>
+            <a:cxnSpLocks/>
+            <a:stCxn id="135" idx="3"/>
+            <a:endCxn id="105" idx="1"/>
+          </p:cNvCxnSpPr>
+          <p:nvPr/>
+        </p:nvCxnSpPr>
+        <p:spPr>
+          <a:xfrm>
+            <a:off x="2993438" y="4843276"/>
+            <a:ext cx="365793" cy="9333"/>
+          </a:xfrm>
+          <a:prstGeom prst="straightConnector1">
+            <a:avLst/>
+          </a:prstGeom>
+          <a:ln>
+            <a:tailEnd type="triangle"/>
+          </a:ln>
+        </p:spPr>
+        <p:style>
+          <a:lnRef idx="1">
+            <a:schemeClr val="dk1"/>
+          </a:lnRef>
+          <a:fillRef idx="0">
+            <a:schemeClr val="dk1"/>
+          </a:fillRef>
+          <a:effectRef idx="0">
+            <a:schemeClr val="dk1"/>
+          </a:effectRef>
+          <a:fontRef idx="minor">
+            <a:schemeClr val="tx1"/>
+          </a:fontRef>
+        </p:style>
+      </p:cxnSp>
+      <p:cxnSp>
+        <p:nvCxnSpPr>
+          <p:cNvPr id="139" name="Straight Arrow Connector 138">
+            <a:extLst>
+              <a:ext uri="{FF2B5EF4-FFF2-40B4-BE49-F238E27FC236}">
+                <a16:creationId xmlns:a16="http://schemas.microsoft.com/office/drawing/2014/main" id="{392E7A93-1FAF-45DC-87F2-8C028F0D3E4F}"/>
+              </a:ext>
+            </a:extLst>
+          </p:cNvPr>
+          <p:cNvCxnSpPr>
+            <a:cxnSpLocks/>
+            <a:stCxn id="105" idx="3"/>
+            <a:endCxn id="108" idx="1"/>
+          </p:cNvCxnSpPr>
+          <p:nvPr/>
+        </p:nvCxnSpPr>
+        <p:spPr>
+          <a:xfrm>
+            <a:off x="4731514" y="4852609"/>
+            <a:ext cx="363618" cy="5271"/>
+          </a:xfrm>
+          <a:prstGeom prst="straightConnector1">
+            <a:avLst/>
+          </a:prstGeom>
+          <a:ln>
+            <a:tailEnd type="triangle"/>
+          </a:ln>
+        </p:spPr>
+        <p:style>
+          <a:lnRef idx="1">
+            <a:schemeClr val="dk1"/>
+          </a:lnRef>
+          <a:fillRef idx="0">
+            <a:schemeClr val="dk1"/>
+          </a:fillRef>
+          <a:effectRef idx="0">
+            <a:schemeClr val="dk1"/>
+          </a:effectRef>
+          <a:fontRef idx="minor">
+            <a:schemeClr val="tx1"/>
+          </a:fontRef>
+        </p:style>
+      </p:cxnSp>
+      <p:sp>
+        <p:nvSpPr>
+          <p:cNvPr id="140" name="TextBox 139">
+            <a:extLst>
+              <a:ext uri="{FF2B5EF4-FFF2-40B4-BE49-F238E27FC236}">
+                <a16:creationId xmlns:a16="http://schemas.microsoft.com/office/drawing/2014/main" id="{BCCCF9DB-9703-4591-83F8-248B9F6F42C2}"/>
+              </a:ext>
+            </a:extLst>
+          </p:cNvPr>
+          <p:cNvSpPr txBox="1"/>
+          <p:nvPr/>
+        </p:nvSpPr>
+        <p:spPr>
+          <a:xfrm>
+            <a:off x="4333347" y="4077287"/>
+            <a:ext cx="2344745" cy="307777"/>
+          </a:xfrm>
+          <a:prstGeom prst="rect">
+            <a:avLst/>
+          </a:prstGeom>
+          <a:noFill/>
+        </p:spPr>
+        <p:txBody>
+          <a:bodyPr wrap="square" rtlCol="0">
+            <a:spAutoFit/>
+          </a:bodyPr>
+          <a:lstStyle/>
+          <a:p>
+            <a:r>
+              <a:rPr lang="en-US" sz="1400" b="1" dirty="0"/>
+              <a:t>Electrical Domain  -  Receiver</a:t>
+            </a:r>
+          </a:p>
+        </p:txBody>
+      </p:sp>
+      <p:sp>
+        <p:nvSpPr>
+          <p:cNvPr id="151" name="TextBox 150">
+            <a:extLst>
+              <a:ext uri="{FF2B5EF4-FFF2-40B4-BE49-F238E27FC236}">
+                <a16:creationId xmlns:a16="http://schemas.microsoft.com/office/drawing/2014/main" id="{007F68B5-1949-49C8-9E70-BE9E516436D4}"/>
+              </a:ext>
+            </a:extLst>
+          </p:cNvPr>
+          <p:cNvSpPr txBox="1"/>
+          <p:nvPr/>
+        </p:nvSpPr>
+        <p:spPr>
+          <a:xfrm>
+            <a:off x="11342312" y="6488668"/>
+            <a:ext cx="1203649" cy="369332"/>
+          </a:xfrm>
+          <a:prstGeom prst="rect">
+            <a:avLst/>
+          </a:prstGeom>
+          <a:noFill/>
+        </p:spPr>
+        <p:txBody>
+          <a:bodyPr wrap="square" rtlCol="0">
+            <a:spAutoFit/>
+          </a:bodyPr>
+          <a:lstStyle/>
+          <a:p>
+            <a:r>
+              <a:rPr lang="en-GB" dirty="0"/>
+              <a:t>Week 5</a:t>
+            </a:r>
+          </a:p>
+        </p:txBody>
+      </p:sp>
+    </p:spTree>
+    <p:extLst>
+      <p:ext uri="{BB962C8B-B14F-4D97-AF65-F5344CB8AC3E}">
+        <p14:creationId xmlns:p14="http://schemas.microsoft.com/office/powerpoint/2010/main" val="849575169"/>
+      </p:ext>
+    </p:extLst>
+  </p:cSld>
+  <p:clrMapOvr>
+    <a:masterClrMapping/>
+  </p:clrMapOvr>
+</p:sld>
+</file>
+
+<file path=ppt/slides/slide31.xml><?xml version="1.0" encoding="utf-8"?>
+<p:sld xmlns:a="http://schemas.openxmlformats.org/drawingml/2006/main" xmlns:r="http://schemas.openxmlformats.org/officeDocument/2006/relationships" xmlns:p="http://schemas.openxmlformats.org/presentationml/2006/main">
+  <p:cSld>
+    <p:spTree>
+      <p:nvGrpSpPr>
+        <p:cNvPr id="1" name=""/>
+        <p:cNvGrpSpPr/>
+        <p:nvPr/>
+      </p:nvGrpSpPr>
+      <p:grpSpPr>
+        <a:xfrm>
+          <a:off x="0" y="0"/>
+          <a:ext cx="0" cy="0"/>
+          <a:chOff x="0" y="0"/>
+          <a:chExt cx="0" cy="0"/>
+        </a:xfrm>
+      </p:grpSpPr>
+      <p:sp>
+        <p:nvSpPr>
+          <p:cNvPr id="2" name="Title 1">
+            <a:extLst>
+              <a:ext uri="{FF2B5EF4-FFF2-40B4-BE49-F238E27FC236}">
+                <a16:creationId xmlns:a16="http://schemas.microsoft.com/office/drawing/2014/main" id="{DD5AAE86-44C7-46C4-AD9A-8F61F8D9A5A0}"/>
+              </a:ext>
+            </a:extLst>
+          </p:cNvPr>
+          <p:cNvSpPr>
+            <a:spLocks noGrp="1"/>
+          </p:cNvSpPr>
+          <p:nvPr>
+            <p:ph type="title"/>
+          </p:nvPr>
+        </p:nvSpPr>
+        <p:spPr/>
+        <p:txBody>
+          <a:bodyPr/>
+          <a:lstStyle/>
+          <a:p>
+            <a:r>
+              <a:rPr lang="en-GB" dirty="0"/>
+              <a:t>Adaptive Equalisation</a:t>
+            </a:r>
+          </a:p>
+        </p:txBody>
+      </p:sp>
+      <p:sp>
+        <p:nvSpPr>
+          <p:cNvPr id="4" name="TextBox 3">
+            <a:extLst>
+              <a:ext uri="{FF2B5EF4-FFF2-40B4-BE49-F238E27FC236}">
+                <a16:creationId xmlns:a16="http://schemas.microsoft.com/office/drawing/2014/main" id="{49C99F9B-DD36-4E7A-8EE6-9B0FFB2D9E1F}"/>
+              </a:ext>
+            </a:extLst>
+          </p:cNvPr>
+          <p:cNvSpPr txBox="1"/>
+          <p:nvPr/>
+        </p:nvSpPr>
+        <p:spPr>
+          <a:xfrm>
+            <a:off x="11208774" y="6492875"/>
+            <a:ext cx="983226" cy="369332"/>
+          </a:xfrm>
+          <a:prstGeom prst="rect">
+            <a:avLst/>
+          </a:prstGeom>
+          <a:noFill/>
+        </p:spPr>
+        <p:txBody>
+          <a:bodyPr wrap="square">
+            <a:spAutoFit/>
+          </a:bodyPr>
+          <a:lstStyle/>
+          <a:p>
+            <a:r>
+              <a:rPr lang="en-GB" dirty="0"/>
+              <a:t>Week 5</a:t>
+            </a:r>
+          </a:p>
+        </p:txBody>
+      </p:sp>
+      <p:pic>
+        <p:nvPicPr>
+          <p:cNvPr id="1025" name="Picture 1">
+            <a:extLst>
+              <a:ext uri="{FF2B5EF4-FFF2-40B4-BE49-F238E27FC236}">
+                <a16:creationId xmlns:a16="http://schemas.microsoft.com/office/drawing/2014/main" id="{E3B5084A-A4A4-498A-BA0F-77B0DCA14232}"/>
+              </a:ext>
+            </a:extLst>
+          </p:cNvPr>
+          <p:cNvPicPr>
+            <a:picLocks noChangeAspect="1" noChangeArrowheads="1"/>
+          </p:cNvPicPr>
+          <p:nvPr/>
+        </p:nvPicPr>
+        <p:blipFill>
+          <a:blip r:embed="rId2">
+            <a:extLst>
+              <a:ext uri="{28A0092B-C50C-407E-A947-70E740481C1C}">
+                <a14:useLocalDpi xmlns:a14="http://schemas.microsoft.com/office/drawing/2010/main" val="0"/>
+              </a:ext>
+            </a:extLst>
+          </a:blip>
+          <a:srcRect/>
+          <a:stretch>
+            <a:fillRect/>
+          </a:stretch>
+        </p:blipFill>
+        <p:spPr bwMode="auto">
+          <a:xfrm>
+            <a:off x="137652" y="1691095"/>
+            <a:ext cx="4041058" cy="3030794"/>
+          </a:xfrm>
+          <a:prstGeom prst="rect">
+            <a:avLst/>
+          </a:prstGeom>
+          <a:noFill/>
+          <a:extLst>
+            <a:ext uri="{909E8E84-426E-40DD-AFC4-6F175D3DCCD1}">
+              <a14:hiddenFill xmlns:a14="http://schemas.microsoft.com/office/drawing/2010/main">
+                <a:solidFill>
+                  <a:srgbClr val="FFFFFF"/>
+                </a:solidFill>
+              </a14:hiddenFill>
+            </a:ext>
+          </a:extLst>
+        </p:spPr>
+      </p:pic>
+      <p:pic>
+        <p:nvPicPr>
+          <p:cNvPr id="1027" name="Picture 3">
+            <a:extLst>
+              <a:ext uri="{FF2B5EF4-FFF2-40B4-BE49-F238E27FC236}">
+                <a16:creationId xmlns:a16="http://schemas.microsoft.com/office/drawing/2014/main" id="{18339728-6B23-4D8D-882D-A0AFCF849810}"/>
+              </a:ext>
+            </a:extLst>
+          </p:cNvPr>
+          <p:cNvPicPr>
+            <a:picLocks noChangeAspect="1" noChangeArrowheads="1"/>
+          </p:cNvPicPr>
+          <p:nvPr/>
+        </p:nvPicPr>
+        <p:blipFill>
+          <a:blip r:embed="rId3">
+            <a:extLst>
+              <a:ext uri="{28A0092B-C50C-407E-A947-70E740481C1C}">
+                <a14:useLocalDpi xmlns:a14="http://schemas.microsoft.com/office/drawing/2010/main" val="0"/>
+              </a:ext>
+            </a:extLst>
+          </a:blip>
+          <a:srcRect/>
+          <a:stretch>
+            <a:fillRect/>
+          </a:stretch>
+        </p:blipFill>
+        <p:spPr bwMode="auto">
+          <a:xfrm>
+            <a:off x="4178710" y="1690689"/>
+            <a:ext cx="4041600" cy="3031200"/>
+          </a:xfrm>
+          <a:prstGeom prst="rect">
+            <a:avLst/>
+          </a:prstGeom>
+          <a:noFill/>
+          <a:extLst>
+            <a:ext uri="{909E8E84-426E-40DD-AFC4-6F175D3DCCD1}">
+              <a14:hiddenFill xmlns:a14="http://schemas.microsoft.com/office/drawing/2010/main">
+                <a:solidFill>
+                  <a:srgbClr val="FFFFFF"/>
+                </a:solidFill>
+              </a14:hiddenFill>
+            </a:ext>
+          </a:extLst>
+        </p:spPr>
+      </p:pic>
+      <p:pic>
+        <p:nvPicPr>
+          <p:cNvPr id="1028" name="Picture 4">
+            <a:extLst>
+              <a:ext uri="{FF2B5EF4-FFF2-40B4-BE49-F238E27FC236}">
+                <a16:creationId xmlns:a16="http://schemas.microsoft.com/office/drawing/2014/main" id="{FBAC5455-91DA-44DD-B913-D52317680E28}"/>
+              </a:ext>
+            </a:extLst>
+          </p:cNvPr>
+          <p:cNvPicPr>
+            <a:picLocks noChangeAspect="1" noChangeArrowheads="1"/>
+          </p:cNvPicPr>
+          <p:nvPr/>
+        </p:nvPicPr>
+        <p:blipFill>
+          <a:blip r:embed="rId4">
+            <a:extLst>
+              <a:ext uri="{28A0092B-C50C-407E-A947-70E740481C1C}">
+                <a14:useLocalDpi xmlns:a14="http://schemas.microsoft.com/office/drawing/2010/main" val="0"/>
+              </a:ext>
+            </a:extLst>
+          </a:blip>
+          <a:srcRect/>
+          <a:stretch>
+            <a:fillRect/>
+          </a:stretch>
+        </p:blipFill>
+        <p:spPr bwMode="auto">
+          <a:xfrm>
+            <a:off x="7934090" y="1690688"/>
+            <a:ext cx="4041600" cy="3031201"/>
+          </a:xfrm>
+          <a:prstGeom prst="rect">
+            <a:avLst/>
+          </a:prstGeom>
+          <a:noFill/>
+          <a:extLst>
+            <a:ext uri="{909E8E84-426E-40DD-AFC4-6F175D3DCCD1}">
+              <a14:hiddenFill xmlns:a14="http://schemas.microsoft.com/office/drawing/2010/main">
+                <a:solidFill>
+                  <a:srgbClr val="FFFFFF"/>
+                </a:solidFill>
+              </a14:hiddenFill>
+            </a:ext>
+          </a:extLst>
+        </p:spPr>
+      </p:pic>
+      <p:sp>
+        <p:nvSpPr>
+          <p:cNvPr id="5" name="TextBox 4">
+            <a:extLst>
+              <a:ext uri="{FF2B5EF4-FFF2-40B4-BE49-F238E27FC236}">
+                <a16:creationId xmlns:a16="http://schemas.microsoft.com/office/drawing/2014/main" id="{AD4A61BC-2904-4522-B941-00CD6C125821}"/>
+              </a:ext>
+            </a:extLst>
+          </p:cNvPr>
+          <p:cNvSpPr txBox="1"/>
+          <p:nvPr/>
+        </p:nvSpPr>
+        <p:spPr>
+          <a:xfrm>
+            <a:off x="511779" y="4982239"/>
+            <a:ext cx="2746265" cy="2031325"/>
+          </a:xfrm>
+          <a:prstGeom prst="rect">
+            <a:avLst/>
+          </a:prstGeom>
+          <a:noFill/>
+        </p:spPr>
+        <p:txBody>
+          <a:bodyPr wrap="none" rtlCol="0">
+            <a:spAutoFit/>
+          </a:bodyPr>
+          <a:lstStyle/>
+          <a:p>
+            <a:r>
+              <a:rPr lang="en-GB" dirty="0"/>
+              <a:t>Parameters:</a:t>
+            </a:r>
+          </a:p>
+          <a:p>
+            <a:r>
+              <a:rPr lang="en-GB" b="0" i="0" dirty="0">
+                <a:solidFill>
+                  <a:srgbClr val="000000"/>
+                </a:solidFill>
+                <a:effectLst/>
+                <a:latin typeface="Menlo"/>
+              </a:rPr>
+              <a:t>symbol_rate = 32e9;</a:t>
+            </a:r>
+          </a:p>
+          <a:p>
+            <a:r>
+              <a:rPr lang="en-GB" dirty="0" err="1">
+                <a:solidFill>
+                  <a:srgbClr val="000000"/>
+                </a:solidFill>
+                <a:latin typeface="Consolas Courier"/>
+              </a:rPr>
+              <a:t>u</a:t>
+            </a:r>
+            <a:r>
+              <a:rPr lang="en-GB" sz="1800" b="0" i="0" u="none" strike="noStrike" baseline="0" dirty="0" err="1">
+                <a:solidFill>
+                  <a:srgbClr val="000000"/>
+                </a:solidFill>
+                <a:latin typeface="Consolas Courier"/>
+              </a:rPr>
+              <a:t>psampling_factor</a:t>
+            </a:r>
+            <a:r>
+              <a:rPr lang="en-GB" sz="1800" b="0" i="0" u="none" strike="noStrike" baseline="0" dirty="0">
+                <a:solidFill>
+                  <a:srgbClr val="000000"/>
+                </a:solidFill>
+                <a:latin typeface="Consolas Courier"/>
+              </a:rPr>
+              <a:t> = 2;</a:t>
+            </a:r>
+            <a:endParaRPr lang="en-GB" dirty="0"/>
+          </a:p>
+          <a:p>
+            <a:r>
+              <a:rPr lang="pt-BR" b="0" i="0" dirty="0">
+                <a:solidFill>
+                  <a:srgbClr val="000000"/>
+                </a:solidFill>
+                <a:effectLst/>
+                <a:latin typeface="Menlo"/>
+              </a:rPr>
+              <a:t>z = 1000e3; </a:t>
+            </a:r>
+            <a:r>
+              <a:rPr lang="pt-BR" b="0" i="0" u="none" strike="noStrike" dirty="0">
+                <a:solidFill>
+                  <a:srgbClr val="228B22"/>
+                </a:solidFill>
+                <a:effectLst/>
+                <a:latin typeface="Menlo"/>
+              </a:rPr>
+              <a:t>% m</a:t>
+            </a:r>
+            <a:endParaRPr lang="pt-BR" b="0" i="0" dirty="0">
+              <a:solidFill>
+                <a:srgbClr val="000000"/>
+              </a:solidFill>
+              <a:effectLst/>
+              <a:latin typeface="Menlo"/>
+            </a:endParaRPr>
+          </a:p>
+          <a:p>
+            <a:r>
+              <a:rPr lang="pt-BR" b="0" i="0" dirty="0">
+                <a:solidFill>
+                  <a:srgbClr val="000000"/>
+                </a:solidFill>
+                <a:effectLst/>
+                <a:latin typeface="Menlo"/>
+              </a:rPr>
+              <a:t>D = 16*10^-6; </a:t>
+            </a:r>
+            <a:r>
+              <a:rPr lang="pt-BR" b="0" i="0" u="none" strike="noStrike" dirty="0">
+                <a:solidFill>
+                  <a:srgbClr val="228B22"/>
+                </a:solidFill>
+                <a:effectLst/>
+                <a:latin typeface="Menlo"/>
+              </a:rPr>
+              <a:t>% s/m/m</a:t>
+            </a:r>
+            <a:endParaRPr lang="pt-BR" b="0" i="0" dirty="0">
+              <a:solidFill>
+                <a:srgbClr val="000000"/>
+              </a:solidFill>
+              <a:effectLst/>
+              <a:latin typeface="Menlo"/>
+            </a:endParaRPr>
+          </a:p>
+          <a:p>
+            <a:r>
+              <a:rPr lang="pt-BR" b="0" i="0" dirty="0">
+                <a:solidFill>
+                  <a:srgbClr val="000000"/>
+                </a:solidFill>
+                <a:effectLst/>
+                <a:latin typeface="Menlo"/>
+              </a:rPr>
+              <a:t>lambda = 1550*10^-9; </a:t>
+            </a:r>
+            <a:r>
+              <a:rPr lang="pt-BR" b="0" i="0" u="none" strike="noStrike" dirty="0">
+                <a:solidFill>
+                  <a:srgbClr val="228B22"/>
+                </a:solidFill>
+                <a:effectLst/>
+                <a:latin typeface="Menlo"/>
+              </a:rPr>
+              <a:t>% m</a:t>
+            </a:r>
+            <a:endParaRPr lang="pt-BR" b="0" i="0" dirty="0">
+              <a:solidFill>
+                <a:srgbClr val="000000"/>
+              </a:solidFill>
+              <a:effectLst/>
+              <a:latin typeface="Menlo"/>
+            </a:endParaRPr>
+          </a:p>
+          <a:p>
+            <a:endParaRPr lang="en-GB" dirty="0"/>
+          </a:p>
+        </p:txBody>
+      </p:sp>
+      <p:sp>
+        <p:nvSpPr>
+          <p:cNvPr id="10" name="TextBox 9">
+            <a:extLst>
+              <a:ext uri="{FF2B5EF4-FFF2-40B4-BE49-F238E27FC236}">
+                <a16:creationId xmlns:a16="http://schemas.microsoft.com/office/drawing/2014/main" id="{7EBB5B2F-A3FE-49EF-88CF-CED7BF878005}"/>
+              </a:ext>
+            </a:extLst>
+          </p:cNvPr>
+          <p:cNvSpPr txBox="1"/>
+          <p:nvPr/>
+        </p:nvSpPr>
+        <p:spPr>
+          <a:xfrm>
+            <a:off x="4178710" y="4982239"/>
+            <a:ext cx="2293256" cy="1754326"/>
+          </a:xfrm>
+          <a:prstGeom prst="rect">
+            <a:avLst/>
+          </a:prstGeom>
+          <a:noFill/>
+        </p:spPr>
+        <p:txBody>
+          <a:bodyPr wrap="none" rtlCol="0">
+            <a:spAutoFit/>
+          </a:bodyPr>
+          <a:lstStyle/>
+          <a:p>
+            <a:r>
+              <a:rPr lang="en-GB" dirty="0"/>
+              <a:t>CMA Algorithm:</a:t>
+            </a:r>
+          </a:p>
+          <a:p>
+            <a:r>
+              <a:rPr lang="en-GB" dirty="0" err="1"/>
+              <a:t>num_symbols</a:t>
+            </a:r>
+            <a:r>
+              <a:rPr lang="en-GB" dirty="0"/>
+              <a:t> = 8192;</a:t>
+            </a:r>
+          </a:p>
+          <a:p>
+            <a:r>
+              <a:rPr lang="en-GB" sz="1800" b="0" i="0" u="none" strike="noStrike" baseline="0" dirty="0" err="1">
+                <a:solidFill>
+                  <a:srgbClr val="000000"/>
+                </a:solidFill>
+                <a:latin typeface="Consolas Courier"/>
+              </a:rPr>
+              <a:t>h_taps</a:t>
+            </a:r>
+            <a:r>
+              <a:rPr lang="en-GB" sz="1800" b="0" i="0" u="none" strike="noStrike" baseline="0" dirty="0">
+                <a:solidFill>
+                  <a:srgbClr val="000000"/>
+                </a:solidFill>
+                <a:latin typeface="Consolas Courier"/>
+              </a:rPr>
+              <a:t> = 17; </a:t>
+            </a:r>
+            <a:endParaRPr lang="en-GB" sz="1800" b="0" i="0" u="none" strike="noStrike" baseline="0" dirty="0">
+              <a:solidFill>
+                <a:srgbClr val="228B22"/>
+              </a:solidFill>
+              <a:latin typeface="Consolas Courier"/>
+            </a:endParaRPr>
+          </a:p>
+          <a:p>
+            <a:r>
+              <a:rPr lang="en-GB" b="0" i="0" dirty="0">
+                <a:solidFill>
+                  <a:srgbClr val="000000"/>
+                </a:solidFill>
+                <a:effectLst/>
+                <a:latin typeface="Menlo"/>
+              </a:rPr>
+              <a:t>h(9) = 1; </a:t>
+            </a:r>
+          </a:p>
+          <a:p>
+            <a:r>
+              <a:rPr lang="en-GB" b="0" i="0" dirty="0" err="1">
+                <a:solidFill>
+                  <a:srgbClr val="000000"/>
+                </a:solidFill>
+                <a:effectLst/>
+                <a:latin typeface="Menlo"/>
+              </a:rPr>
+              <a:t>training_size</a:t>
+            </a:r>
+            <a:r>
+              <a:rPr lang="en-GB" b="0" i="0" dirty="0">
+                <a:solidFill>
+                  <a:srgbClr val="000000"/>
+                </a:solidFill>
+                <a:effectLst/>
+                <a:latin typeface="Menlo"/>
+              </a:rPr>
+              <a:t> = 2000;</a:t>
+            </a:r>
+          </a:p>
+          <a:p>
+            <a:r>
+              <a:rPr lang="en-GB" b="0" i="0" dirty="0">
+                <a:solidFill>
+                  <a:srgbClr val="000000"/>
+                </a:solidFill>
+                <a:effectLst/>
+                <a:latin typeface="Menlo"/>
+              </a:rPr>
+              <a:t>mu = 0.002;</a:t>
+            </a:r>
+          </a:p>
+        </p:txBody>
+      </p:sp>
+      <p:sp>
+        <p:nvSpPr>
+          <p:cNvPr id="12" name="TextBox 11">
+            <a:extLst>
+              <a:ext uri="{FF2B5EF4-FFF2-40B4-BE49-F238E27FC236}">
+                <a16:creationId xmlns:a16="http://schemas.microsoft.com/office/drawing/2014/main" id="{17230C1F-D129-4A9B-B49F-6458E8DB2DB8}"/>
+              </a:ext>
+            </a:extLst>
+          </p:cNvPr>
+          <p:cNvSpPr txBox="1"/>
+          <p:nvPr/>
+        </p:nvSpPr>
+        <p:spPr>
+          <a:xfrm>
+            <a:off x="7531751" y="4982239"/>
+            <a:ext cx="1714885" cy="923330"/>
+          </a:xfrm>
+          <a:prstGeom prst="rect">
+            <a:avLst/>
+          </a:prstGeom>
+          <a:noFill/>
+        </p:spPr>
+        <p:txBody>
+          <a:bodyPr wrap="square">
+            <a:spAutoFit/>
+          </a:bodyPr>
+          <a:lstStyle/>
+          <a:p>
+            <a:r>
+              <a:rPr lang="en-GB" b="0" i="0" dirty="0">
+                <a:solidFill>
+                  <a:srgbClr val="000000"/>
+                </a:solidFill>
+                <a:effectLst/>
+                <a:latin typeface="Menlo"/>
+              </a:rPr>
+              <a:t>Demodulation:</a:t>
+            </a:r>
+          </a:p>
+          <a:p>
+            <a:r>
+              <a:rPr lang="en-GB" b="0" i="0" dirty="0">
+                <a:solidFill>
+                  <a:srgbClr val="000000"/>
+                </a:solidFill>
+                <a:effectLst/>
+                <a:latin typeface="Menlo"/>
+              </a:rPr>
+              <a:t>errors = 0</a:t>
+            </a:r>
+          </a:p>
+          <a:p>
+            <a:r>
+              <a:rPr lang="en-GB">
+                <a:solidFill>
+                  <a:srgbClr val="000000"/>
+                </a:solidFill>
+                <a:latin typeface="Menlo"/>
+              </a:rPr>
+              <a:t>BER </a:t>
+            </a:r>
+            <a:r>
+              <a:rPr lang="en-GB" dirty="0">
+                <a:solidFill>
+                  <a:srgbClr val="000000"/>
+                </a:solidFill>
+                <a:latin typeface="Menlo"/>
+              </a:rPr>
+              <a:t>= 0</a:t>
+            </a:r>
+            <a:endParaRPr lang="en-GB" b="0" i="0" dirty="0">
+              <a:solidFill>
+                <a:srgbClr val="000000"/>
+              </a:solidFill>
+              <a:effectLst/>
+              <a:latin typeface="Menlo"/>
+            </a:endParaRPr>
+          </a:p>
+        </p:txBody>
+      </p:sp>
+    </p:spTree>
+    <p:extLst>
+      <p:ext uri="{BB962C8B-B14F-4D97-AF65-F5344CB8AC3E}">
+        <p14:creationId xmlns:p14="http://schemas.microsoft.com/office/powerpoint/2010/main" val="1060708322"/>
+      </p:ext>
+    </p:extLst>
+  </p:cSld>
+  <p:clrMapOvr>
+    <a:masterClrMapping/>
+  </p:clrMapOvr>
+</p:sld>
+</file>
+
 <file path=ppt/slides/slide4.xml><?xml version="1.0" encoding="utf-8"?>
 <p:sld xmlns:a="http://schemas.openxmlformats.org/drawingml/2006/main" xmlns:r="http://schemas.openxmlformats.org/officeDocument/2006/relationships" xmlns:p="http://schemas.openxmlformats.org/presentationml/2006/main">
   <p:cSld>

--- a/Master's meetings presentation.pptx
+++ b/Master's meetings presentation.pptx
@@ -36,6 +36,8 @@
     <p:sldId id="285" r:id="rId31"/>
     <p:sldId id="286" r:id="rId32"/>
     <p:sldId id="287" r:id="rId33"/>
+    <p:sldId id="288" r:id="rId34"/>
+    <p:sldId id="289" r:id="rId35"/>
   </p:sldIdLst>
   <p:sldSz cx="12192000" cy="6858000"/>
   <p:notesSz cx="6858000" cy="9144000"/>
@@ -9823,7 +9825,7 @@
           <a:p>
             <a:fld id="{1D6AAEF1-BB65-438A-947A-6BD8EC392D5A}" type="datetimeFigureOut">
               <a:rPr lang="en-US" smtClean="0"/>
-              <a:t>2/27/2021</a:t>
+              <a:t>3/1/2021</a:t>
             </a:fld>
             <a:endParaRPr lang="en-US"/>
           </a:p>
@@ -10021,7 +10023,7 @@
           <a:p>
             <a:fld id="{1D6AAEF1-BB65-438A-947A-6BD8EC392D5A}" type="datetimeFigureOut">
               <a:rPr lang="en-US" smtClean="0"/>
-              <a:t>2/27/2021</a:t>
+              <a:t>3/1/2021</a:t>
             </a:fld>
             <a:endParaRPr lang="en-US"/>
           </a:p>
@@ -10229,7 +10231,7 @@
           <a:p>
             <a:fld id="{1D6AAEF1-BB65-438A-947A-6BD8EC392D5A}" type="datetimeFigureOut">
               <a:rPr lang="en-US" smtClean="0"/>
-              <a:t>2/27/2021</a:t>
+              <a:t>3/1/2021</a:t>
             </a:fld>
             <a:endParaRPr lang="en-US"/>
           </a:p>
@@ -10427,7 +10429,7 @@
           <a:p>
             <a:fld id="{1D6AAEF1-BB65-438A-947A-6BD8EC392D5A}" type="datetimeFigureOut">
               <a:rPr lang="en-US" smtClean="0"/>
-              <a:t>2/27/2021</a:t>
+              <a:t>3/1/2021</a:t>
             </a:fld>
             <a:endParaRPr lang="en-US"/>
           </a:p>
@@ -10702,7 +10704,7 @@
           <a:p>
             <a:fld id="{1D6AAEF1-BB65-438A-947A-6BD8EC392D5A}" type="datetimeFigureOut">
               <a:rPr lang="en-US" smtClean="0"/>
-              <a:t>2/27/2021</a:t>
+              <a:t>3/1/2021</a:t>
             </a:fld>
             <a:endParaRPr lang="en-US"/>
           </a:p>
@@ -10967,7 +10969,7 @@
           <a:p>
             <a:fld id="{1D6AAEF1-BB65-438A-947A-6BD8EC392D5A}" type="datetimeFigureOut">
               <a:rPr lang="en-US" smtClean="0"/>
-              <a:t>2/27/2021</a:t>
+              <a:t>3/1/2021</a:t>
             </a:fld>
             <a:endParaRPr lang="en-US"/>
           </a:p>
@@ -11379,7 +11381,7 @@
           <a:p>
             <a:fld id="{1D6AAEF1-BB65-438A-947A-6BD8EC392D5A}" type="datetimeFigureOut">
               <a:rPr lang="en-US" smtClean="0"/>
-              <a:t>2/27/2021</a:t>
+              <a:t>3/1/2021</a:t>
             </a:fld>
             <a:endParaRPr lang="en-US"/>
           </a:p>
@@ -11520,7 +11522,7 @@
           <a:p>
             <a:fld id="{1D6AAEF1-BB65-438A-947A-6BD8EC392D5A}" type="datetimeFigureOut">
               <a:rPr lang="en-US" smtClean="0"/>
-              <a:t>2/27/2021</a:t>
+              <a:t>3/1/2021</a:t>
             </a:fld>
             <a:endParaRPr lang="en-US"/>
           </a:p>
@@ -11633,7 +11635,7 @@
           <a:p>
             <a:fld id="{1D6AAEF1-BB65-438A-947A-6BD8EC392D5A}" type="datetimeFigureOut">
               <a:rPr lang="en-US" smtClean="0"/>
-              <a:t>2/27/2021</a:t>
+              <a:t>3/1/2021</a:t>
             </a:fld>
             <a:endParaRPr lang="en-US"/>
           </a:p>
@@ -11944,7 +11946,7 @@
           <a:p>
             <a:fld id="{1D6AAEF1-BB65-438A-947A-6BD8EC392D5A}" type="datetimeFigureOut">
               <a:rPr lang="en-US" smtClean="0"/>
-              <a:t>2/27/2021</a:t>
+              <a:t>3/1/2021</a:t>
             </a:fld>
             <a:endParaRPr lang="en-US"/>
           </a:p>
@@ -12232,7 +12234,7 @@
           <a:p>
             <a:fld id="{1D6AAEF1-BB65-438A-947A-6BD8EC392D5A}" type="datetimeFigureOut">
               <a:rPr lang="en-US" smtClean="0"/>
-              <a:t>2/27/2021</a:t>
+              <a:t>3/1/2021</a:t>
             </a:fld>
             <a:endParaRPr lang="en-US"/>
           </a:p>
@@ -12473,7 +12475,7 @@
           <a:p>
             <a:fld id="{1D6AAEF1-BB65-438A-947A-6BD8EC392D5A}" type="datetimeFigureOut">
               <a:rPr lang="en-US" smtClean="0"/>
-              <a:t>2/27/2021</a:t>
+              <a:t>3/1/2021</a:t>
             </a:fld>
             <a:endParaRPr lang="en-US"/>
           </a:p>
@@ -23653,7 +23655,7 @@
           <a:p>
             <a:r>
               <a:rPr lang="en-GB" dirty="0"/>
-              <a:t>Adaptive Equalisation</a:t>
+              <a:t>Adaptive Equalisation (No Noise)</a:t>
             </a:r>
           </a:p>
         </p:txBody>
@@ -23848,8 +23850,8 @@
         </p:nvSpPr>
         <p:spPr>
           <a:xfrm>
-            <a:off x="511779" y="4982239"/>
-            <a:ext cx="2746265" cy="2031325"/>
+            <a:off x="511779" y="5000592"/>
+            <a:ext cx="2337628" cy="1200329"/>
           </a:xfrm>
           <a:prstGeom prst="rect">
             <a:avLst/>
@@ -23910,93 +23912,6 @@
             <a:endParaRPr lang="en-GB" dirty="0"/>
           </a:p>
           <a:p>
-            <a:r>
-              <a:rPr lang="pt-BR" b="0" i="0" dirty="0">
-                <a:solidFill>
-                  <a:srgbClr val="000000"/>
-                </a:solidFill>
-                <a:effectLst/>
-                <a:latin typeface="Menlo"/>
-              </a:rPr>
-              <a:t>z = 1000e3; </a:t>
-            </a:r>
-            <a:r>
-              <a:rPr lang="pt-BR" b="0" i="0" u="none" strike="noStrike" dirty="0">
-                <a:solidFill>
-                  <a:srgbClr val="228B22"/>
-                </a:solidFill>
-                <a:effectLst/>
-                <a:latin typeface="Menlo"/>
-              </a:rPr>
-              <a:t>% m</a:t>
-            </a:r>
-            <a:endParaRPr lang="pt-BR" b="0" i="0" dirty="0">
-              <a:solidFill>
-                <a:srgbClr val="000000"/>
-              </a:solidFill>
-              <a:effectLst/>
-              <a:latin typeface="Menlo"/>
-            </a:endParaRPr>
-          </a:p>
-          <a:p>
-            <a:r>
-              <a:rPr lang="pt-BR" b="0" i="0" dirty="0">
-                <a:solidFill>
-                  <a:srgbClr val="000000"/>
-                </a:solidFill>
-                <a:effectLst/>
-                <a:latin typeface="Menlo"/>
-              </a:rPr>
-              <a:t>D = 16*10^-6; </a:t>
-            </a:r>
-            <a:r>
-              <a:rPr lang="pt-BR" b="0" i="0" u="none" strike="noStrike" dirty="0">
-                <a:solidFill>
-                  <a:srgbClr val="228B22"/>
-                </a:solidFill>
-                <a:effectLst/>
-                <a:latin typeface="Menlo"/>
-              </a:rPr>
-              <a:t>% s/m/m</a:t>
-            </a:r>
-            <a:endParaRPr lang="pt-BR" b="0" i="0" dirty="0">
-              <a:solidFill>
-                <a:srgbClr val="000000"/>
-              </a:solidFill>
-              <a:effectLst/>
-              <a:latin typeface="Menlo"/>
-            </a:endParaRPr>
-          </a:p>
-          <a:p>
-            <a:r>
-              <a:rPr lang="pt-BR" b="0" i="0" dirty="0">
-                <a:solidFill>
-                  <a:srgbClr val="000000"/>
-                </a:solidFill>
-                <a:effectLst/>
-                <a:latin typeface="Menlo"/>
-              </a:rPr>
-              <a:t>lambda = 1550*10^-9; </a:t>
-            </a:r>
-            <a:r>
-              <a:rPr lang="pt-BR" b="0" i="0" u="none" strike="noStrike" dirty="0">
-                <a:solidFill>
-                  <a:srgbClr val="228B22"/>
-                </a:solidFill>
-                <a:effectLst/>
-                <a:latin typeface="Menlo"/>
-              </a:rPr>
-              <a:t>% m</a:t>
-            </a:r>
-            <a:endParaRPr lang="pt-BR" b="0" i="0" dirty="0">
-              <a:solidFill>
-                <a:srgbClr val="000000"/>
-              </a:solidFill>
-              <a:effectLst/>
-              <a:latin typeface="Menlo"/>
-            </a:endParaRPr>
-          </a:p>
-          <a:p>
             <a:endParaRPr lang="en-GB" dirty="0"/>
           </a:p>
         </p:txBody>
@@ -24015,7 +23930,7 @@
         </p:nvSpPr>
         <p:spPr>
           <a:xfrm>
-            <a:off x="4178710" y="4982239"/>
+            <a:off x="4398078" y="4923215"/>
             <a:ext cx="2293256" cy="1754326"/>
           </a:xfrm>
           <a:prstGeom prst="rect">
@@ -24132,7 +24047,7 @@
         </p:nvSpPr>
         <p:spPr>
           <a:xfrm>
-            <a:off x="7531751" y="4982239"/>
+            <a:off x="8240005" y="5000592"/>
             <a:ext cx="1714885" cy="923330"/>
           </a:xfrm>
           <a:prstGeom prst="rect">
@@ -24171,22 +24086,13 @@
           </a:p>
           <a:p>
             <a:r>
-              <a:rPr lang="en-GB">
-                <a:solidFill>
-                  <a:srgbClr val="000000"/>
-                </a:solidFill>
-                <a:latin typeface="Menlo"/>
-              </a:rPr>
-              <a:t>BER </a:t>
-            </a:r>
-            <a:r>
               <a:rPr lang="en-GB" dirty="0">
                 <a:solidFill>
                   <a:srgbClr val="000000"/>
                 </a:solidFill>
                 <a:latin typeface="Menlo"/>
               </a:rPr>
-              <a:t>= 0</a:t>
+              <a:t>BER = 0</a:t>
             </a:r>
             <a:endParaRPr lang="en-GB" b="0" i="0" dirty="0">
               <a:solidFill>
@@ -24202,6 +24108,1054 @@
     <p:extLst>
       <p:ext uri="{BB962C8B-B14F-4D97-AF65-F5344CB8AC3E}">
         <p14:creationId xmlns:p14="http://schemas.microsoft.com/office/powerpoint/2010/main" val="1060708322"/>
+      </p:ext>
+    </p:extLst>
+  </p:cSld>
+  <p:clrMapOvr>
+    <a:masterClrMapping/>
+  </p:clrMapOvr>
+</p:sld>
+</file>
+
+<file path=ppt/slides/slide32.xml><?xml version="1.0" encoding="utf-8"?>
+<p:sld xmlns:a="http://schemas.openxmlformats.org/drawingml/2006/main" xmlns:r="http://schemas.openxmlformats.org/officeDocument/2006/relationships" xmlns:p="http://schemas.openxmlformats.org/presentationml/2006/main">
+  <p:cSld>
+    <p:spTree>
+      <p:nvGrpSpPr>
+        <p:cNvPr id="1" name=""/>
+        <p:cNvGrpSpPr/>
+        <p:nvPr/>
+      </p:nvGrpSpPr>
+      <p:grpSpPr>
+        <a:xfrm>
+          <a:off x="0" y="0"/>
+          <a:ext cx="0" cy="0"/>
+          <a:chOff x="0" y="0"/>
+          <a:chExt cx="0" cy="0"/>
+        </a:xfrm>
+      </p:grpSpPr>
+      <p:sp>
+        <p:nvSpPr>
+          <p:cNvPr id="2" name="Title 1">
+            <a:extLst>
+              <a:ext uri="{FF2B5EF4-FFF2-40B4-BE49-F238E27FC236}">
+                <a16:creationId xmlns:a16="http://schemas.microsoft.com/office/drawing/2014/main" id="{DD5AAE86-44C7-46C4-AD9A-8F61F8D9A5A0}"/>
+              </a:ext>
+            </a:extLst>
+          </p:cNvPr>
+          <p:cNvSpPr>
+            <a:spLocks noGrp="1"/>
+          </p:cNvSpPr>
+          <p:nvPr>
+            <p:ph type="title"/>
+          </p:nvPr>
+        </p:nvSpPr>
+        <p:spPr/>
+        <p:txBody>
+          <a:bodyPr/>
+          <a:lstStyle/>
+          <a:p>
+            <a:r>
+              <a:rPr lang="en-GB" dirty="0"/>
+              <a:t>Adaptive Equalisation </a:t>
+            </a:r>
+          </a:p>
+        </p:txBody>
+      </p:sp>
+      <p:sp>
+        <p:nvSpPr>
+          <p:cNvPr id="4" name="TextBox 3">
+            <a:extLst>
+              <a:ext uri="{FF2B5EF4-FFF2-40B4-BE49-F238E27FC236}">
+                <a16:creationId xmlns:a16="http://schemas.microsoft.com/office/drawing/2014/main" id="{49C99F9B-DD36-4E7A-8EE6-9B0FFB2D9E1F}"/>
+              </a:ext>
+            </a:extLst>
+          </p:cNvPr>
+          <p:cNvSpPr txBox="1"/>
+          <p:nvPr/>
+        </p:nvSpPr>
+        <p:spPr>
+          <a:xfrm>
+            <a:off x="11208774" y="6492875"/>
+            <a:ext cx="983226" cy="369332"/>
+          </a:xfrm>
+          <a:prstGeom prst="rect">
+            <a:avLst/>
+          </a:prstGeom>
+          <a:noFill/>
+        </p:spPr>
+        <p:txBody>
+          <a:bodyPr wrap="square">
+            <a:spAutoFit/>
+          </a:bodyPr>
+          <a:lstStyle/>
+          <a:p>
+            <a:r>
+              <a:rPr lang="en-GB" dirty="0"/>
+              <a:t>Week 6</a:t>
+            </a:r>
+          </a:p>
+        </p:txBody>
+      </p:sp>
+      <p:sp>
+        <p:nvSpPr>
+          <p:cNvPr id="5" name="TextBox 4">
+            <a:extLst>
+              <a:ext uri="{FF2B5EF4-FFF2-40B4-BE49-F238E27FC236}">
+                <a16:creationId xmlns:a16="http://schemas.microsoft.com/office/drawing/2014/main" id="{AD4A61BC-2904-4522-B941-00CD6C125821}"/>
+              </a:ext>
+            </a:extLst>
+          </p:cNvPr>
+          <p:cNvSpPr txBox="1"/>
+          <p:nvPr/>
+        </p:nvSpPr>
+        <p:spPr>
+          <a:xfrm>
+            <a:off x="527137" y="4832950"/>
+            <a:ext cx="2746265" cy="2585323"/>
+          </a:xfrm>
+          <a:prstGeom prst="rect">
+            <a:avLst/>
+          </a:prstGeom>
+          <a:noFill/>
+        </p:spPr>
+        <p:txBody>
+          <a:bodyPr wrap="none" rtlCol="0">
+            <a:spAutoFit/>
+          </a:bodyPr>
+          <a:lstStyle/>
+          <a:p>
+            <a:r>
+              <a:rPr lang="en-GB" dirty="0"/>
+              <a:t>Parameters:</a:t>
+            </a:r>
+          </a:p>
+          <a:p>
+            <a:r>
+              <a:rPr lang="en-GB" dirty="0"/>
+              <a:t>AGWN SNR = 20;</a:t>
+            </a:r>
+          </a:p>
+          <a:p>
+            <a:r>
+              <a:rPr lang="en-GB" b="0" i="0" dirty="0">
+                <a:solidFill>
+                  <a:srgbClr val="000000"/>
+                </a:solidFill>
+                <a:effectLst/>
+                <a:latin typeface="Menlo"/>
+              </a:rPr>
+              <a:t>symbol_rate = </a:t>
+            </a:r>
+            <a:r>
+              <a:rPr lang="en-GB" dirty="0">
+                <a:solidFill>
+                  <a:srgbClr val="000000"/>
+                </a:solidFill>
+                <a:latin typeface="Menlo"/>
+              </a:rPr>
+              <a:t>100</a:t>
+            </a:r>
+            <a:r>
+              <a:rPr lang="en-GB" b="0" i="0" dirty="0">
+                <a:solidFill>
+                  <a:srgbClr val="000000"/>
+                </a:solidFill>
+                <a:effectLst/>
+                <a:latin typeface="Menlo"/>
+              </a:rPr>
+              <a:t>e9;</a:t>
+            </a:r>
+          </a:p>
+          <a:p>
+            <a:r>
+              <a:rPr lang="en-GB" dirty="0" err="1">
+                <a:solidFill>
+                  <a:srgbClr val="000000"/>
+                </a:solidFill>
+                <a:latin typeface="Consolas Courier"/>
+              </a:rPr>
+              <a:t>u</a:t>
+            </a:r>
+            <a:r>
+              <a:rPr lang="en-GB" sz="1800" b="0" i="0" u="none" strike="noStrike" baseline="0" dirty="0" err="1">
+                <a:solidFill>
+                  <a:srgbClr val="000000"/>
+                </a:solidFill>
+                <a:latin typeface="Consolas Courier"/>
+              </a:rPr>
+              <a:t>psampling_factor</a:t>
+            </a:r>
+            <a:r>
+              <a:rPr lang="en-GB" sz="1800" b="0" i="0" u="none" strike="noStrike" baseline="0" dirty="0">
+                <a:solidFill>
+                  <a:srgbClr val="000000"/>
+                </a:solidFill>
+                <a:latin typeface="Consolas Courier"/>
+              </a:rPr>
+              <a:t> = 2;</a:t>
+            </a:r>
+          </a:p>
+          <a:p>
+            <a:r>
+              <a:rPr lang="pt-BR" b="0" i="0" dirty="0">
+                <a:solidFill>
+                  <a:srgbClr val="000000"/>
+                </a:solidFill>
+                <a:effectLst/>
+                <a:latin typeface="Menlo"/>
+              </a:rPr>
+              <a:t>z = 50e3; </a:t>
+            </a:r>
+            <a:r>
+              <a:rPr lang="pt-BR" b="0" i="0" u="none" strike="noStrike" dirty="0">
+                <a:solidFill>
+                  <a:srgbClr val="228B22"/>
+                </a:solidFill>
+                <a:effectLst/>
+                <a:latin typeface="Menlo"/>
+              </a:rPr>
+              <a:t>% m</a:t>
+            </a:r>
+            <a:endParaRPr lang="pt-BR" b="0" i="0" dirty="0">
+              <a:solidFill>
+                <a:srgbClr val="000000"/>
+              </a:solidFill>
+              <a:effectLst/>
+              <a:latin typeface="Menlo"/>
+            </a:endParaRPr>
+          </a:p>
+          <a:p>
+            <a:r>
+              <a:rPr lang="pt-BR" b="0" i="0" dirty="0">
+                <a:solidFill>
+                  <a:srgbClr val="000000"/>
+                </a:solidFill>
+                <a:effectLst/>
+                <a:latin typeface="Menlo"/>
+              </a:rPr>
+              <a:t>D = 17*10^-6; </a:t>
+            </a:r>
+            <a:r>
+              <a:rPr lang="pt-BR" b="0" i="0" u="none" strike="noStrike" dirty="0">
+                <a:solidFill>
+                  <a:srgbClr val="228B22"/>
+                </a:solidFill>
+                <a:effectLst/>
+                <a:latin typeface="Menlo"/>
+              </a:rPr>
+              <a:t>% s/m/m</a:t>
+            </a:r>
+            <a:endParaRPr lang="pt-BR" b="0" i="0" dirty="0">
+              <a:solidFill>
+                <a:srgbClr val="000000"/>
+              </a:solidFill>
+              <a:effectLst/>
+              <a:latin typeface="Menlo"/>
+            </a:endParaRPr>
+          </a:p>
+          <a:p>
+            <a:r>
+              <a:rPr lang="pt-BR" b="0" i="0" dirty="0">
+                <a:solidFill>
+                  <a:srgbClr val="000000"/>
+                </a:solidFill>
+                <a:effectLst/>
+                <a:latin typeface="Menlo"/>
+              </a:rPr>
+              <a:t>lambda = 1550*10^-9; </a:t>
+            </a:r>
+            <a:r>
+              <a:rPr lang="pt-BR" b="0" i="0" u="none" strike="noStrike" dirty="0">
+                <a:solidFill>
+                  <a:srgbClr val="228B22"/>
+                </a:solidFill>
+                <a:effectLst/>
+                <a:latin typeface="Menlo"/>
+              </a:rPr>
+              <a:t>% m</a:t>
+            </a:r>
+            <a:endParaRPr lang="pt-BR" b="0" i="0" dirty="0">
+              <a:solidFill>
+                <a:srgbClr val="000000"/>
+              </a:solidFill>
+              <a:effectLst/>
+              <a:latin typeface="Menlo"/>
+            </a:endParaRPr>
+          </a:p>
+          <a:p>
+            <a:endParaRPr lang="en-GB" dirty="0"/>
+          </a:p>
+          <a:p>
+            <a:endParaRPr lang="en-GB" dirty="0"/>
+          </a:p>
+        </p:txBody>
+      </p:sp>
+      <p:sp>
+        <p:nvSpPr>
+          <p:cNvPr id="10" name="TextBox 9">
+            <a:extLst>
+              <a:ext uri="{FF2B5EF4-FFF2-40B4-BE49-F238E27FC236}">
+                <a16:creationId xmlns:a16="http://schemas.microsoft.com/office/drawing/2014/main" id="{7EBB5B2F-A3FE-49EF-88CF-CED7BF878005}"/>
+              </a:ext>
+            </a:extLst>
+          </p:cNvPr>
+          <p:cNvSpPr txBox="1"/>
+          <p:nvPr/>
+        </p:nvSpPr>
+        <p:spPr>
+          <a:xfrm>
+            <a:off x="4809172" y="4982239"/>
+            <a:ext cx="2117567" cy="1754326"/>
+          </a:xfrm>
+          <a:prstGeom prst="rect">
+            <a:avLst/>
+          </a:prstGeom>
+          <a:noFill/>
+        </p:spPr>
+        <p:txBody>
+          <a:bodyPr wrap="none" rtlCol="0">
+            <a:spAutoFit/>
+          </a:bodyPr>
+          <a:lstStyle/>
+          <a:p>
+            <a:r>
+              <a:rPr lang="en-GB" dirty="0"/>
+              <a:t>CMA Algorithm:</a:t>
+            </a:r>
+          </a:p>
+          <a:p>
+            <a:r>
+              <a:rPr lang="en-GB" dirty="0" err="1"/>
+              <a:t>num_symbols</a:t>
+            </a:r>
+            <a:r>
+              <a:rPr lang="en-GB" dirty="0"/>
+              <a:t> = 32K;</a:t>
+            </a:r>
+          </a:p>
+          <a:p>
+            <a:r>
+              <a:rPr lang="en-GB" sz="1800" b="0" i="0" u="none" strike="noStrike" baseline="0" dirty="0" err="1">
+                <a:solidFill>
+                  <a:srgbClr val="000000"/>
+                </a:solidFill>
+                <a:latin typeface="Consolas Courier"/>
+              </a:rPr>
+              <a:t>h_taps</a:t>
+            </a:r>
+            <a:r>
+              <a:rPr lang="en-GB" sz="1800" b="0" i="0" u="none" strike="noStrike" baseline="0" dirty="0">
+                <a:solidFill>
+                  <a:srgbClr val="000000"/>
+                </a:solidFill>
+                <a:latin typeface="Consolas Courier"/>
+              </a:rPr>
+              <a:t> = 17; </a:t>
+            </a:r>
+            <a:endParaRPr lang="en-GB" sz="1800" b="0" i="0" u="none" strike="noStrike" baseline="0" dirty="0">
+              <a:solidFill>
+                <a:srgbClr val="228B22"/>
+              </a:solidFill>
+              <a:latin typeface="Consolas Courier"/>
+            </a:endParaRPr>
+          </a:p>
+          <a:p>
+            <a:r>
+              <a:rPr lang="en-GB" b="0" i="0" dirty="0">
+                <a:solidFill>
+                  <a:srgbClr val="000000"/>
+                </a:solidFill>
+                <a:effectLst/>
+                <a:latin typeface="Menlo"/>
+              </a:rPr>
+              <a:t>h(9) = 1; </a:t>
+            </a:r>
+          </a:p>
+          <a:p>
+            <a:r>
+              <a:rPr lang="en-GB" b="0" i="0" dirty="0" err="1">
+                <a:solidFill>
+                  <a:srgbClr val="000000"/>
+                </a:solidFill>
+                <a:effectLst/>
+                <a:latin typeface="Menlo"/>
+              </a:rPr>
+              <a:t>training_size</a:t>
+            </a:r>
+            <a:r>
+              <a:rPr lang="en-GB" b="0" i="0" dirty="0">
+                <a:solidFill>
+                  <a:srgbClr val="000000"/>
+                </a:solidFill>
+                <a:effectLst/>
+                <a:latin typeface="Menlo"/>
+              </a:rPr>
+              <a:t> = 1639;</a:t>
+            </a:r>
+          </a:p>
+          <a:p>
+            <a:r>
+              <a:rPr lang="en-GB" b="0" i="0" dirty="0">
+                <a:solidFill>
+                  <a:srgbClr val="000000"/>
+                </a:solidFill>
+                <a:effectLst/>
+                <a:latin typeface="Menlo"/>
+              </a:rPr>
+              <a:t>mu = 0.002;</a:t>
+            </a:r>
+          </a:p>
+        </p:txBody>
+      </p:sp>
+      <p:sp>
+        <p:nvSpPr>
+          <p:cNvPr id="12" name="TextBox 11">
+            <a:extLst>
+              <a:ext uri="{FF2B5EF4-FFF2-40B4-BE49-F238E27FC236}">
+                <a16:creationId xmlns:a16="http://schemas.microsoft.com/office/drawing/2014/main" id="{17230C1F-D129-4A9B-B49F-6458E8DB2DB8}"/>
+              </a:ext>
+            </a:extLst>
+          </p:cNvPr>
+          <p:cNvSpPr txBox="1"/>
+          <p:nvPr/>
+        </p:nvSpPr>
+        <p:spPr>
+          <a:xfrm>
+            <a:off x="8477867" y="4936072"/>
+            <a:ext cx="1972419" cy="923330"/>
+          </a:xfrm>
+          <a:prstGeom prst="rect">
+            <a:avLst/>
+          </a:prstGeom>
+          <a:noFill/>
+        </p:spPr>
+        <p:txBody>
+          <a:bodyPr wrap="square">
+            <a:spAutoFit/>
+          </a:bodyPr>
+          <a:lstStyle/>
+          <a:p>
+            <a:r>
+              <a:rPr lang="en-GB" b="0" i="0" dirty="0">
+                <a:solidFill>
+                  <a:srgbClr val="000000"/>
+                </a:solidFill>
+                <a:effectLst/>
+                <a:latin typeface="Menlo"/>
+              </a:rPr>
+              <a:t>Demodulation:</a:t>
+            </a:r>
+          </a:p>
+          <a:p>
+            <a:r>
+              <a:rPr lang="en-GB" b="0" i="0" dirty="0">
+                <a:solidFill>
+                  <a:srgbClr val="000000"/>
+                </a:solidFill>
+                <a:effectLst/>
+                <a:latin typeface="Menlo"/>
+              </a:rPr>
+              <a:t>errors = 2</a:t>
+            </a:r>
+          </a:p>
+          <a:p>
+            <a:r>
+              <a:rPr lang="en-GB" dirty="0">
+                <a:solidFill>
+                  <a:srgbClr val="000000"/>
+                </a:solidFill>
+                <a:latin typeface="Menlo"/>
+              </a:rPr>
+              <a:t>BER =  3.0604e-5</a:t>
+            </a:r>
+            <a:endParaRPr lang="en-GB" b="0" i="0" dirty="0">
+              <a:solidFill>
+                <a:srgbClr val="000000"/>
+              </a:solidFill>
+              <a:effectLst/>
+              <a:latin typeface="Menlo"/>
+            </a:endParaRPr>
+          </a:p>
+        </p:txBody>
+      </p:sp>
+      <p:pic>
+        <p:nvPicPr>
+          <p:cNvPr id="3" name="Picture 1">
+            <a:extLst>
+              <a:ext uri="{FF2B5EF4-FFF2-40B4-BE49-F238E27FC236}">
+                <a16:creationId xmlns:a16="http://schemas.microsoft.com/office/drawing/2014/main" id="{65C3FC9D-0599-4073-BEB0-9DBB79FF0EFD}"/>
+              </a:ext>
+            </a:extLst>
+          </p:cNvPr>
+          <p:cNvPicPr>
+            <a:picLocks noChangeAspect="1" noChangeArrowheads="1"/>
+          </p:cNvPicPr>
+          <p:nvPr/>
+        </p:nvPicPr>
+        <p:blipFill>
+          <a:blip r:embed="rId2">
+            <a:extLst>
+              <a:ext uri="{28A0092B-C50C-407E-A947-70E740481C1C}">
+                <a14:useLocalDpi xmlns:a14="http://schemas.microsoft.com/office/drawing/2010/main" val="0"/>
+              </a:ext>
+            </a:extLst>
+          </a:blip>
+          <a:srcRect/>
+          <a:stretch>
+            <a:fillRect/>
+          </a:stretch>
+        </p:blipFill>
+        <p:spPr bwMode="auto">
+          <a:xfrm>
+            <a:off x="137109" y="1690687"/>
+            <a:ext cx="4041601" cy="3031201"/>
+          </a:xfrm>
+          <a:prstGeom prst="rect">
+            <a:avLst/>
+          </a:prstGeom>
+          <a:noFill/>
+          <a:extLst>
+            <a:ext uri="{909E8E84-426E-40DD-AFC4-6F175D3DCCD1}">
+              <a14:hiddenFill xmlns:a14="http://schemas.microsoft.com/office/drawing/2010/main">
+                <a:solidFill>
+                  <a:srgbClr val="FFFFFF"/>
+                </a:solidFill>
+              </a14:hiddenFill>
+            </a:ext>
+          </a:extLst>
+        </p:spPr>
+      </p:pic>
+      <p:pic>
+        <p:nvPicPr>
+          <p:cNvPr id="1026" name="Picture 2">
+            <a:extLst>
+              <a:ext uri="{FF2B5EF4-FFF2-40B4-BE49-F238E27FC236}">
+                <a16:creationId xmlns:a16="http://schemas.microsoft.com/office/drawing/2014/main" id="{1250A937-76FE-4091-908A-8607C9B00C4A}"/>
+              </a:ext>
+            </a:extLst>
+          </p:cNvPr>
+          <p:cNvPicPr>
+            <a:picLocks noChangeAspect="1" noChangeArrowheads="1"/>
+          </p:cNvPicPr>
+          <p:nvPr/>
+        </p:nvPicPr>
+        <p:blipFill>
+          <a:blip r:embed="rId3">
+            <a:extLst>
+              <a:ext uri="{28A0092B-C50C-407E-A947-70E740481C1C}">
+                <a14:useLocalDpi xmlns:a14="http://schemas.microsoft.com/office/drawing/2010/main" val="0"/>
+              </a:ext>
+            </a:extLst>
+          </a:blip>
+          <a:srcRect/>
+          <a:stretch>
+            <a:fillRect/>
+          </a:stretch>
+        </p:blipFill>
+        <p:spPr bwMode="auto">
+          <a:xfrm>
+            <a:off x="4075199" y="1690686"/>
+            <a:ext cx="4041601" cy="3031201"/>
+          </a:xfrm>
+          <a:prstGeom prst="rect">
+            <a:avLst/>
+          </a:prstGeom>
+          <a:noFill/>
+          <a:extLst>
+            <a:ext uri="{909E8E84-426E-40DD-AFC4-6F175D3DCCD1}">
+              <a14:hiddenFill xmlns:a14="http://schemas.microsoft.com/office/drawing/2010/main">
+                <a:solidFill>
+                  <a:srgbClr val="FFFFFF"/>
+                </a:solidFill>
+              </a14:hiddenFill>
+            </a:ext>
+          </a:extLst>
+        </p:spPr>
+      </p:pic>
+      <p:pic>
+        <p:nvPicPr>
+          <p:cNvPr id="6" name="Picture 3">
+            <a:extLst>
+              <a:ext uri="{FF2B5EF4-FFF2-40B4-BE49-F238E27FC236}">
+                <a16:creationId xmlns:a16="http://schemas.microsoft.com/office/drawing/2014/main" id="{A9789B72-1414-4C96-9004-C14F3A071F1D}"/>
+              </a:ext>
+            </a:extLst>
+          </p:cNvPr>
+          <p:cNvPicPr>
+            <a:picLocks noChangeAspect="1" noChangeArrowheads="1"/>
+          </p:cNvPicPr>
+          <p:nvPr/>
+        </p:nvPicPr>
+        <p:blipFill>
+          <a:blip r:embed="rId4">
+            <a:extLst>
+              <a:ext uri="{28A0092B-C50C-407E-A947-70E740481C1C}">
+                <a14:useLocalDpi xmlns:a14="http://schemas.microsoft.com/office/drawing/2010/main" val="0"/>
+              </a:ext>
+            </a:extLst>
+          </a:blip>
+          <a:srcRect/>
+          <a:stretch>
+            <a:fillRect/>
+          </a:stretch>
+        </p:blipFill>
+        <p:spPr bwMode="auto">
+          <a:xfrm>
+            <a:off x="8116800" y="1690685"/>
+            <a:ext cx="4041602" cy="3031202"/>
+          </a:xfrm>
+          <a:prstGeom prst="rect">
+            <a:avLst/>
+          </a:prstGeom>
+          <a:noFill/>
+          <a:extLst>
+            <a:ext uri="{909E8E84-426E-40DD-AFC4-6F175D3DCCD1}">
+              <a14:hiddenFill xmlns:a14="http://schemas.microsoft.com/office/drawing/2010/main">
+                <a:solidFill>
+                  <a:srgbClr val="FFFFFF"/>
+                </a:solidFill>
+              </a14:hiddenFill>
+            </a:ext>
+          </a:extLst>
+        </p:spPr>
+      </p:pic>
+    </p:spTree>
+    <p:extLst>
+      <p:ext uri="{BB962C8B-B14F-4D97-AF65-F5344CB8AC3E}">
+        <p14:creationId xmlns:p14="http://schemas.microsoft.com/office/powerpoint/2010/main" val="1589741070"/>
+      </p:ext>
+    </p:extLst>
+  </p:cSld>
+  <p:clrMapOvr>
+    <a:masterClrMapping/>
+  </p:clrMapOvr>
+</p:sld>
+</file>
+
+<file path=ppt/slides/slide33.xml><?xml version="1.0" encoding="utf-8"?>
+<p:sld xmlns:a="http://schemas.openxmlformats.org/drawingml/2006/main" xmlns:r="http://schemas.openxmlformats.org/officeDocument/2006/relationships" xmlns:p="http://schemas.openxmlformats.org/presentationml/2006/main">
+  <p:cSld>
+    <p:spTree>
+      <p:nvGrpSpPr>
+        <p:cNvPr id="1" name=""/>
+        <p:cNvGrpSpPr/>
+        <p:nvPr/>
+      </p:nvGrpSpPr>
+      <p:grpSpPr>
+        <a:xfrm>
+          <a:off x="0" y="0"/>
+          <a:ext cx="0" cy="0"/>
+          <a:chOff x="0" y="0"/>
+          <a:chExt cx="0" cy="0"/>
+        </a:xfrm>
+      </p:grpSpPr>
+      <p:sp>
+        <p:nvSpPr>
+          <p:cNvPr id="2" name="Title 1">
+            <a:extLst>
+              <a:ext uri="{FF2B5EF4-FFF2-40B4-BE49-F238E27FC236}">
+                <a16:creationId xmlns:a16="http://schemas.microsoft.com/office/drawing/2014/main" id="{1CE25EDF-BE3E-4ED6-B5E2-4749D630D25C}"/>
+              </a:ext>
+            </a:extLst>
+          </p:cNvPr>
+          <p:cNvSpPr>
+            <a:spLocks noGrp="1"/>
+          </p:cNvSpPr>
+          <p:nvPr>
+            <p:ph type="title"/>
+          </p:nvPr>
+        </p:nvSpPr>
+        <p:spPr/>
+        <p:txBody>
+          <a:bodyPr/>
+          <a:lstStyle/>
+          <a:p>
+            <a:r>
+              <a:rPr lang="en-GB" dirty="0"/>
+              <a:t>Error Curve Considerations</a:t>
+            </a:r>
+          </a:p>
+        </p:txBody>
+      </p:sp>
+      <p:pic>
+        <p:nvPicPr>
+          <p:cNvPr id="2049" name="Picture 1">
+            <a:extLst>
+              <a:ext uri="{FF2B5EF4-FFF2-40B4-BE49-F238E27FC236}">
+                <a16:creationId xmlns:a16="http://schemas.microsoft.com/office/drawing/2014/main" id="{5CC394E9-EC7D-49E4-9521-80C727C9A6E0}"/>
+              </a:ext>
+            </a:extLst>
+          </p:cNvPr>
+          <p:cNvPicPr>
+            <a:picLocks noChangeAspect="1" noChangeArrowheads="1"/>
+          </p:cNvPicPr>
+          <p:nvPr/>
+        </p:nvPicPr>
+        <p:blipFill>
+          <a:blip r:embed="rId2">
+            <a:extLst>
+              <a:ext uri="{28A0092B-C50C-407E-A947-70E740481C1C}">
+                <a14:useLocalDpi xmlns:a14="http://schemas.microsoft.com/office/drawing/2010/main" val="0"/>
+              </a:ext>
+            </a:extLst>
+          </a:blip>
+          <a:srcRect/>
+          <a:stretch>
+            <a:fillRect/>
+          </a:stretch>
+        </p:blipFill>
+        <p:spPr bwMode="auto">
+          <a:xfrm>
+            <a:off x="324264" y="1573161"/>
+            <a:ext cx="5198603" cy="3898952"/>
+          </a:xfrm>
+          <a:prstGeom prst="rect">
+            <a:avLst/>
+          </a:prstGeom>
+          <a:noFill/>
+          <a:extLst>
+            <a:ext uri="{909E8E84-426E-40DD-AFC4-6F175D3DCCD1}">
+              <a14:hiddenFill xmlns:a14="http://schemas.microsoft.com/office/drawing/2010/main">
+                <a:solidFill>
+                  <a:srgbClr val="FFFFFF"/>
+                </a:solidFill>
+              </a14:hiddenFill>
+            </a:ext>
+          </a:extLst>
+        </p:spPr>
+      </p:pic>
+      <p:pic>
+        <p:nvPicPr>
+          <p:cNvPr id="2050" name="Picture 2">
+            <a:extLst>
+              <a:ext uri="{FF2B5EF4-FFF2-40B4-BE49-F238E27FC236}">
+                <a16:creationId xmlns:a16="http://schemas.microsoft.com/office/drawing/2014/main" id="{0098390F-06BF-4BA1-A0ED-50F5C353C9E8}"/>
+              </a:ext>
+            </a:extLst>
+          </p:cNvPr>
+          <p:cNvPicPr>
+            <a:picLocks noChangeAspect="1" noChangeArrowheads="1"/>
+          </p:cNvPicPr>
+          <p:nvPr/>
+        </p:nvPicPr>
+        <p:blipFill>
+          <a:blip r:embed="rId3">
+            <a:extLst>
+              <a:ext uri="{28A0092B-C50C-407E-A947-70E740481C1C}">
+                <a14:useLocalDpi xmlns:a14="http://schemas.microsoft.com/office/drawing/2010/main" val="0"/>
+              </a:ext>
+            </a:extLst>
+          </a:blip>
+          <a:srcRect/>
+          <a:stretch>
+            <a:fillRect/>
+          </a:stretch>
+        </p:blipFill>
+        <p:spPr bwMode="auto">
+          <a:xfrm>
+            <a:off x="6434186" y="1573161"/>
+            <a:ext cx="5198603" cy="3898952"/>
+          </a:xfrm>
+          <a:prstGeom prst="rect">
+            <a:avLst/>
+          </a:prstGeom>
+          <a:noFill/>
+          <a:extLst>
+            <a:ext uri="{909E8E84-426E-40DD-AFC4-6F175D3DCCD1}">
+              <a14:hiddenFill xmlns:a14="http://schemas.microsoft.com/office/drawing/2010/main">
+                <a:solidFill>
+                  <a:srgbClr val="FFFFFF"/>
+                </a:solidFill>
+              </a14:hiddenFill>
+            </a:ext>
+          </a:extLst>
+        </p:spPr>
+      </p:pic>
+      <p:sp>
+        <p:nvSpPr>
+          <p:cNvPr id="3" name="TextBox 2">
+            <a:extLst>
+              <a:ext uri="{FF2B5EF4-FFF2-40B4-BE49-F238E27FC236}">
+                <a16:creationId xmlns:a16="http://schemas.microsoft.com/office/drawing/2014/main" id="{01E66E9D-F681-4EA4-940B-9F6706B98D18}"/>
+              </a:ext>
+            </a:extLst>
+          </p:cNvPr>
+          <p:cNvSpPr txBox="1"/>
+          <p:nvPr/>
+        </p:nvSpPr>
+        <p:spPr>
+          <a:xfrm>
+            <a:off x="1630871" y="6123543"/>
+            <a:ext cx="2585388" cy="369332"/>
+          </a:xfrm>
+          <a:prstGeom prst="rect">
+            <a:avLst/>
+          </a:prstGeom>
+          <a:noFill/>
+        </p:spPr>
+        <p:txBody>
+          <a:bodyPr wrap="none" rtlCol="0">
+            <a:spAutoFit/>
+          </a:bodyPr>
+          <a:lstStyle/>
+          <a:p>
+            <a:r>
+              <a:rPr lang="en-GB" dirty="0"/>
+              <a:t>Personal Function Output</a:t>
+            </a:r>
+          </a:p>
+        </p:txBody>
+      </p:sp>
+      <p:sp>
+        <p:nvSpPr>
+          <p:cNvPr id="6" name="TextBox 5">
+            <a:extLst>
+              <a:ext uri="{FF2B5EF4-FFF2-40B4-BE49-F238E27FC236}">
+                <a16:creationId xmlns:a16="http://schemas.microsoft.com/office/drawing/2014/main" id="{CEE2E3EC-0C6C-4398-A843-739754F8391C}"/>
+              </a:ext>
+            </a:extLst>
+          </p:cNvPr>
+          <p:cNvSpPr txBox="1"/>
+          <p:nvPr/>
+        </p:nvSpPr>
+        <p:spPr>
+          <a:xfrm>
+            <a:off x="7293812" y="6123543"/>
+            <a:ext cx="3479350" cy="369332"/>
+          </a:xfrm>
+          <a:prstGeom prst="rect">
+            <a:avLst/>
+          </a:prstGeom>
+          <a:noFill/>
+        </p:spPr>
+        <p:txBody>
+          <a:bodyPr wrap="none" rtlCol="0">
+            <a:spAutoFit/>
+          </a:bodyPr>
+          <a:lstStyle/>
+          <a:p>
+            <a:r>
+              <a:rPr lang="en-GB" dirty="0"/>
+              <a:t>Expected Trend of Error Magnitude</a:t>
+            </a:r>
+          </a:p>
+        </p:txBody>
+      </p:sp>
+      <p:sp>
+        <p:nvSpPr>
+          <p:cNvPr id="4" name="TextBox 3">
+            <a:extLst>
+              <a:ext uri="{FF2B5EF4-FFF2-40B4-BE49-F238E27FC236}">
+                <a16:creationId xmlns:a16="http://schemas.microsoft.com/office/drawing/2014/main" id="{EC720CCA-EECB-4A60-BA11-838EAC773462}"/>
+              </a:ext>
+            </a:extLst>
+          </p:cNvPr>
+          <p:cNvSpPr txBox="1"/>
+          <p:nvPr/>
+        </p:nvSpPr>
+        <p:spPr>
+          <a:xfrm>
+            <a:off x="2202983" y="5243830"/>
+            <a:ext cx="1441164" cy="369332"/>
+          </a:xfrm>
+          <a:prstGeom prst="rect">
+            <a:avLst/>
+          </a:prstGeom>
+          <a:noFill/>
+        </p:spPr>
+        <p:txBody>
+          <a:bodyPr wrap="none" rtlCol="0">
+            <a:spAutoFit/>
+          </a:bodyPr>
+          <a:lstStyle/>
+          <a:p>
+            <a:r>
+              <a:rPr lang="en-GB" dirty="0"/>
+              <a:t>Sample Index</a:t>
+            </a:r>
+          </a:p>
+        </p:txBody>
+      </p:sp>
+      <p:sp>
+        <p:nvSpPr>
+          <p:cNvPr id="8" name="TextBox 7">
+            <a:extLst>
+              <a:ext uri="{FF2B5EF4-FFF2-40B4-BE49-F238E27FC236}">
+                <a16:creationId xmlns:a16="http://schemas.microsoft.com/office/drawing/2014/main" id="{5DF45296-B093-43AA-9269-5E13F2D82ED6}"/>
+              </a:ext>
+            </a:extLst>
+          </p:cNvPr>
+          <p:cNvSpPr txBox="1"/>
+          <p:nvPr/>
+        </p:nvSpPr>
+        <p:spPr>
+          <a:xfrm>
+            <a:off x="8461215" y="5243830"/>
+            <a:ext cx="1441164" cy="369332"/>
+          </a:xfrm>
+          <a:prstGeom prst="rect">
+            <a:avLst/>
+          </a:prstGeom>
+          <a:noFill/>
+        </p:spPr>
+        <p:txBody>
+          <a:bodyPr wrap="none" rtlCol="0">
+            <a:spAutoFit/>
+          </a:bodyPr>
+          <a:lstStyle/>
+          <a:p>
+            <a:r>
+              <a:rPr lang="en-GB" dirty="0"/>
+              <a:t>Sample Index</a:t>
+            </a:r>
+          </a:p>
+        </p:txBody>
+      </p:sp>
+      <p:sp>
+        <p:nvSpPr>
+          <p:cNvPr id="5" name="TextBox 4">
+            <a:extLst>
+              <a:ext uri="{FF2B5EF4-FFF2-40B4-BE49-F238E27FC236}">
+                <a16:creationId xmlns:a16="http://schemas.microsoft.com/office/drawing/2014/main" id="{F9DA77E2-1ACD-4FA5-A4D9-0994FC9EA903}"/>
+              </a:ext>
+            </a:extLst>
+          </p:cNvPr>
+          <p:cNvSpPr txBox="1"/>
+          <p:nvPr/>
+        </p:nvSpPr>
+        <p:spPr>
+          <a:xfrm>
+            <a:off x="324264" y="2634231"/>
+            <a:ext cx="461665" cy="1589538"/>
+          </a:xfrm>
+          <a:prstGeom prst="rect">
+            <a:avLst/>
+          </a:prstGeom>
+          <a:noFill/>
+        </p:spPr>
+        <p:txBody>
+          <a:bodyPr vert="vert270" wrap="none" rtlCol="0">
+            <a:spAutoFit/>
+          </a:bodyPr>
+          <a:lstStyle/>
+          <a:p>
+            <a:r>
+              <a:rPr lang="en-GB" dirty="0"/>
+              <a:t>Log(Magnitude)</a:t>
+            </a:r>
+          </a:p>
+        </p:txBody>
+      </p:sp>
+      <p:sp>
+        <p:nvSpPr>
+          <p:cNvPr id="10" name="TextBox 9">
+            <a:extLst>
+              <a:ext uri="{FF2B5EF4-FFF2-40B4-BE49-F238E27FC236}">
+                <a16:creationId xmlns:a16="http://schemas.microsoft.com/office/drawing/2014/main" id="{1A209C31-AFA7-483A-8EF3-0BF9DA9876AA}"/>
+              </a:ext>
+            </a:extLst>
+          </p:cNvPr>
+          <p:cNvSpPr txBox="1"/>
+          <p:nvPr/>
+        </p:nvSpPr>
+        <p:spPr>
+          <a:xfrm>
+            <a:off x="6392123" y="2727868"/>
+            <a:ext cx="461665" cy="1589538"/>
+          </a:xfrm>
+          <a:prstGeom prst="rect">
+            <a:avLst/>
+          </a:prstGeom>
+          <a:noFill/>
+        </p:spPr>
+        <p:txBody>
+          <a:bodyPr vert="vert270" wrap="none" rtlCol="0">
+            <a:spAutoFit/>
+          </a:bodyPr>
+          <a:lstStyle/>
+          <a:p>
+            <a:r>
+              <a:rPr lang="en-GB" dirty="0"/>
+              <a:t>Log(Magnitude)</a:t>
+            </a:r>
+          </a:p>
+        </p:txBody>
+      </p:sp>
+      <p:sp>
+        <p:nvSpPr>
+          <p:cNvPr id="7" name="TextBox 6">
+            <a:extLst>
+              <a:ext uri="{FF2B5EF4-FFF2-40B4-BE49-F238E27FC236}">
+                <a16:creationId xmlns:a16="http://schemas.microsoft.com/office/drawing/2014/main" id="{4F7C67FF-3C7D-4C1F-B789-C559045697AB}"/>
+              </a:ext>
+            </a:extLst>
+          </p:cNvPr>
+          <p:cNvSpPr txBox="1"/>
+          <p:nvPr/>
+        </p:nvSpPr>
+        <p:spPr>
+          <a:xfrm>
+            <a:off x="8873412" y="0"/>
+            <a:ext cx="3252685" cy="369332"/>
+          </a:xfrm>
+          <a:prstGeom prst="rect">
+            <a:avLst/>
+          </a:prstGeom>
+          <a:noFill/>
+        </p:spPr>
+        <p:txBody>
+          <a:bodyPr wrap="none" rtlCol="0">
+            <a:spAutoFit/>
+          </a:bodyPr>
+          <a:lstStyle/>
+          <a:p>
+            <a:r>
+              <a:rPr lang="en-GB" dirty="0"/>
+              <a:t>Is this a concerning discrepancy?</a:t>
+            </a:r>
+          </a:p>
+        </p:txBody>
+      </p:sp>
+      <p:sp>
+        <p:nvSpPr>
+          <p:cNvPr id="12" name="TextBox 11">
+            <a:extLst>
+              <a:ext uri="{FF2B5EF4-FFF2-40B4-BE49-F238E27FC236}">
+                <a16:creationId xmlns:a16="http://schemas.microsoft.com/office/drawing/2014/main" id="{00C8FF1B-D657-4150-BFD2-9DCBF779209E}"/>
+              </a:ext>
+            </a:extLst>
+          </p:cNvPr>
+          <p:cNvSpPr txBox="1"/>
+          <p:nvPr/>
+        </p:nvSpPr>
+        <p:spPr>
+          <a:xfrm>
+            <a:off x="11208774" y="6492875"/>
+            <a:ext cx="983226" cy="369332"/>
+          </a:xfrm>
+          <a:prstGeom prst="rect">
+            <a:avLst/>
+          </a:prstGeom>
+          <a:noFill/>
+        </p:spPr>
+        <p:txBody>
+          <a:bodyPr wrap="square">
+            <a:spAutoFit/>
+          </a:bodyPr>
+          <a:lstStyle/>
+          <a:p>
+            <a:r>
+              <a:rPr lang="en-GB" dirty="0"/>
+              <a:t>Week 6</a:t>
+            </a:r>
+          </a:p>
+        </p:txBody>
+      </p:sp>
+    </p:spTree>
+    <p:extLst>
+      <p:ext uri="{BB962C8B-B14F-4D97-AF65-F5344CB8AC3E}">
+        <p14:creationId xmlns:p14="http://schemas.microsoft.com/office/powerpoint/2010/main" val="3678966069"/>
       </p:ext>
     </p:extLst>
   </p:cSld>
